--- a/MySQL + Hibernate.pptx
+++ b/MySQL + Hibernate.pptx
@@ -6,13 +6,26 @@
   </p:sldMasterIdLst>
   <p:sldIdLst>
     <p:sldId id="256" r:id="rId2"/>
-    <p:sldId id="257" r:id="rId3"/>
-    <p:sldId id="258" r:id="rId4"/>
-    <p:sldId id="261" r:id="rId5"/>
-    <p:sldId id="259" r:id="rId6"/>
-    <p:sldId id="265" r:id="rId7"/>
-    <p:sldId id="262" r:id="rId8"/>
-    <p:sldId id="264" r:id="rId9"/>
+    <p:sldId id="267" r:id="rId3"/>
+    <p:sldId id="279" r:id="rId4"/>
+    <p:sldId id="277" r:id="rId5"/>
+    <p:sldId id="268" r:id="rId6"/>
+    <p:sldId id="257" r:id="rId7"/>
+    <p:sldId id="269" r:id="rId8"/>
+    <p:sldId id="270" r:id="rId9"/>
+    <p:sldId id="272" r:id="rId10"/>
+    <p:sldId id="271" r:id="rId11"/>
+    <p:sldId id="258" r:id="rId12"/>
+    <p:sldId id="278" r:id="rId13"/>
+    <p:sldId id="261" r:id="rId14"/>
+    <p:sldId id="259" r:id="rId15"/>
+    <p:sldId id="265" r:id="rId16"/>
+    <p:sldId id="262" r:id="rId17"/>
+    <p:sldId id="273" r:id="rId18"/>
+    <p:sldId id="274" r:id="rId19"/>
+    <p:sldId id="264" r:id="rId20"/>
+    <p:sldId id="275" r:id="rId21"/>
+    <p:sldId id="276" r:id="rId22"/>
   </p:sldIdLst>
   <p:sldSz cx="9144000" cy="6858000" type="screen4x3"/>
   <p:notesSz cx="6858000" cy="9144000"/>
@@ -295,7 +308,7 @@
           <a:p>
             <a:fld id="{1CC7F0E2-2019-447E-84F0-9EF471FF89E6}" type="datetimeFigureOut">
               <a:rPr lang="pl-PL" smtClean="0"/>
-              <a:t>2013-03-17</a:t>
+              <a:t>2013-04-05</a:t>
             </a:fld>
             <a:endParaRPr lang="pl-PL"/>
           </a:p>
@@ -465,7 +478,7 @@
           <a:p>
             <a:fld id="{1CC7F0E2-2019-447E-84F0-9EF471FF89E6}" type="datetimeFigureOut">
               <a:rPr lang="pl-PL" smtClean="0"/>
-              <a:t>2013-03-17</a:t>
+              <a:t>2013-04-05</a:t>
             </a:fld>
             <a:endParaRPr lang="pl-PL"/>
           </a:p>
@@ -645,7 +658,7 @@
           <a:p>
             <a:fld id="{1CC7F0E2-2019-447E-84F0-9EF471FF89E6}" type="datetimeFigureOut">
               <a:rPr lang="pl-PL" smtClean="0"/>
-              <a:t>2013-03-17</a:t>
+              <a:t>2013-04-05</a:t>
             </a:fld>
             <a:endParaRPr lang="pl-PL"/>
           </a:p>
@@ -815,7 +828,7 @@
           <a:p>
             <a:fld id="{1CC7F0E2-2019-447E-84F0-9EF471FF89E6}" type="datetimeFigureOut">
               <a:rPr lang="pl-PL" smtClean="0"/>
-              <a:t>2013-03-17</a:t>
+              <a:t>2013-04-05</a:t>
             </a:fld>
             <a:endParaRPr lang="pl-PL"/>
           </a:p>
@@ -1061,7 +1074,7 @@
           <a:p>
             <a:fld id="{1CC7F0E2-2019-447E-84F0-9EF471FF89E6}" type="datetimeFigureOut">
               <a:rPr lang="pl-PL" smtClean="0"/>
-              <a:t>2013-03-17</a:t>
+              <a:t>2013-04-05</a:t>
             </a:fld>
             <a:endParaRPr lang="pl-PL"/>
           </a:p>
@@ -1349,7 +1362,7 @@
           <a:p>
             <a:fld id="{1CC7F0E2-2019-447E-84F0-9EF471FF89E6}" type="datetimeFigureOut">
               <a:rPr lang="pl-PL" smtClean="0"/>
-              <a:t>2013-03-17</a:t>
+              <a:t>2013-04-05</a:t>
             </a:fld>
             <a:endParaRPr lang="pl-PL"/>
           </a:p>
@@ -1771,7 +1784,7 @@
           <a:p>
             <a:fld id="{1CC7F0E2-2019-447E-84F0-9EF471FF89E6}" type="datetimeFigureOut">
               <a:rPr lang="pl-PL" smtClean="0"/>
-              <a:t>2013-03-17</a:t>
+              <a:t>2013-04-05</a:t>
             </a:fld>
             <a:endParaRPr lang="pl-PL"/>
           </a:p>
@@ -1889,7 +1902,7 @@
           <a:p>
             <a:fld id="{1CC7F0E2-2019-447E-84F0-9EF471FF89E6}" type="datetimeFigureOut">
               <a:rPr lang="pl-PL" smtClean="0"/>
-              <a:t>2013-03-17</a:t>
+              <a:t>2013-04-05</a:t>
             </a:fld>
             <a:endParaRPr lang="pl-PL"/>
           </a:p>
@@ -1984,7 +1997,7 @@
           <a:p>
             <a:fld id="{1CC7F0E2-2019-447E-84F0-9EF471FF89E6}" type="datetimeFigureOut">
               <a:rPr lang="pl-PL" smtClean="0"/>
-              <a:t>2013-03-17</a:t>
+              <a:t>2013-04-05</a:t>
             </a:fld>
             <a:endParaRPr lang="pl-PL"/>
           </a:p>
@@ -2261,7 +2274,7 @@
           <a:p>
             <a:fld id="{1CC7F0E2-2019-447E-84F0-9EF471FF89E6}" type="datetimeFigureOut">
               <a:rPr lang="pl-PL" smtClean="0"/>
-              <a:t>2013-03-17</a:t>
+              <a:t>2013-04-05</a:t>
             </a:fld>
             <a:endParaRPr lang="pl-PL"/>
           </a:p>
@@ -2514,7 +2527,7 @@
           <a:p>
             <a:fld id="{1CC7F0E2-2019-447E-84F0-9EF471FF89E6}" type="datetimeFigureOut">
               <a:rPr lang="pl-PL" smtClean="0"/>
-              <a:t>2013-03-17</a:t>
+              <a:t>2013-04-05</a:t>
             </a:fld>
             <a:endParaRPr lang="pl-PL"/>
           </a:p>
@@ -2727,7 +2740,7 @@
           <a:p>
             <a:fld id="{1CC7F0E2-2019-447E-84F0-9EF471FF89E6}" type="datetimeFigureOut">
               <a:rPr lang="pl-PL" smtClean="0"/>
-              <a:t>2013-03-17</a:t>
+              <a:t>2013-04-05</a:t>
             </a:fld>
             <a:endParaRPr lang="pl-PL"/>
           </a:p>
@@ -3174,7 +3187,7 @@
 </p:sld>
 </file>
 
-<file path=ppt/slides/slide2.xml><?xml version="1.0" encoding="utf-8"?>
+<file path=ppt/slides/slide10.xml><?xml version="1.0" encoding="utf-8"?>
 <p:sld xmlns:a="http://schemas.openxmlformats.org/drawingml/2006/main" xmlns:r="http://schemas.openxmlformats.org/officeDocument/2006/relationships" xmlns:p="http://schemas.openxmlformats.org/presentationml/2006/main">
   <p:cSld>
     <p:spTree>
@@ -3208,97 +3221,56 @@
           <a:p>
             <a:r>
               <a:rPr lang="pl-PL" dirty="0" smtClean="0"/>
-              <a:t>Instalacja MySQL</a:t>
+              <a:t>Skąd </a:t>
+            </a:r>
+            <a:r>
+              <a:rPr lang="pl-PL" dirty="0" err="1" smtClean="0"/>
+              <a:t>Hibernate</a:t>
+            </a:r>
+            <a:r>
+              <a:rPr lang="pl-PL" dirty="0" smtClean="0"/>
+              <a:t>?</a:t>
             </a:r>
             <a:endParaRPr lang="pl-PL" dirty="0"/>
           </a:p>
         </p:txBody>
       </p:sp>
-      <p:pic>
-        <p:nvPicPr>
-          <p:cNvPr id="1027" name="Picture 3"/>
-          <p:cNvPicPr>
-            <a:picLocks noChangeAspect="1" noChangeArrowheads="1"/>
-          </p:cNvPicPr>
-          <p:nvPr/>
-        </p:nvPicPr>
-        <p:blipFill>
-          <a:blip r:embed="rId2">
-            <a:extLst>
-              <a:ext uri="{28A0092B-C50C-407E-A947-70E740481C1C}">
-                <a14:useLocalDpi xmlns:a14="http://schemas.microsoft.com/office/drawing/2010/main" val="0"/>
-              </a:ext>
-            </a:extLst>
-          </a:blip>
-          <a:srcRect/>
-          <a:stretch>
-            <a:fillRect/>
-          </a:stretch>
-        </p:blipFill>
-        <p:spPr bwMode="auto">
-          <a:xfrm>
-            <a:off x="971600" y="1203953"/>
-            <a:ext cx="7359352" cy="5168272"/>
-          </a:xfrm>
-          <a:prstGeom prst="rect">
-            <a:avLst/>
-          </a:prstGeom>
-          <a:noFill/>
-          <a:ln>
-            <a:noFill/>
-          </a:ln>
-          <a:effectLst/>
-          <a:extLst>
-            <a:ext uri="{909E8E84-426E-40DD-AFC4-6F175D3DCCD1}">
-              <a14:hiddenFill xmlns:a14="http://schemas.microsoft.com/office/drawing/2010/main">
-                <a:solidFill>
-                  <a:schemeClr val="accent1"/>
-                </a:solidFill>
-              </a14:hiddenFill>
-            </a:ext>
-            <a:ext uri="{91240B29-F687-4F45-9708-019B960494DF}">
-              <a14:hiddenLine xmlns:a14="http://schemas.microsoft.com/office/drawing/2010/main" w="9525">
-                <a:solidFill>
-                  <a:schemeClr val="tx1"/>
-                </a:solidFill>
-                <a:miter lim="800000"/>
-                <a:headEnd/>
-                <a:tailEnd/>
-              </a14:hiddenLine>
-            </a:ext>
-            <a:ext uri="{AF507438-7753-43E0-B8FC-AC1667EBCBE1}">
-              <a14:hiddenEffects xmlns:a14="http://schemas.microsoft.com/office/drawing/2010/main">
-                <a:effectLst>
-                  <a:outerShdw dist="35921" dir="2700000" algn="ctr" rotWithShape="0">
-                    <a:schemeClr val="bg2"/>
-                  </a:outerShdw>
-                </a:effectLst>
-              </a14:hiddenEffects>
-            </a:ext>
-          </a:extLst>
-        </p:spPr>
-      </p:pic>
+      <p:sp>
+        <p:nvSpPr>
+          <p:cNvPr id="3" name="Symbol zastępczy zawartości 2"/>
+          <p:cNvSpPr>
+            <a:spLocks noGrp="1"/>
+          </p:cNvSpPr>
+          <p:nvPr>
+            <p:ph idx="1"/>
+          </p:nvPr>
+        </p:nvSpPr>
+        <p:spPr/>
+        <p:txBody>
+          <a:bodyPr/>
+          <a:lstStyle/>
+          <a:p>
+            <a:pPr marL="0" indent="0">
+              <a:buNone/>
+            </a:pPr>
+            <a:endParaRPr lang="pl-PL" dirty="0"/>
+          </a:p>
+        </p:txBody>
+      </p:sp>
     </p:spTree>
     <p:extLst>
       <p:ext uri="{BB962C8B-B14F-4D97-AF65-F5344CB8AC3E}">
-        <p14:creationId xmlns:p14="http://schemas.microsoft.com/office/powerpoint/2010/main" val="2843595202"/>
+        <p14:creationId xmlns:p14="http://schemas.microsoft.com/office/powerpoint/2010/main" val="163182516"/>
       </p:ext>
     </p:extLst>
   </p:cSld>
   <p:clrMapOvr>
     <a:masterClrMapping/>
   </p:clrMapOvr>
-  <p:timing>
-    <p:tnLst>
-      <p:par>
-        <p:cTn id="1" dur="indefinite" restart="never" nodeType="tmRoot"/>
-      </p:par>
-    </p:tnLst>
-  </p:timing>
 </p:sld>
 </file>
 
-<file path=ppt/slides/slide3.xml><?xml version="1.0" encoding="utf-8"?>
+<file path=ppt/slides/slide11.xml><?xml version="1.0" encoding="utf-8"?>
 <p:sld xmlns:a="http://schemas.openxmlformats.org/drawingml/2006/main" xmlns:r="http://schemas.openxmlformats.org/officeDocument/2006/relationships" xmlns:p="http://schemas.openxmlformats.org/presentationml/2006/main">
   <p:cSld>
     <p:spTree>
@@ -3332,7 +3304,19 @@
           <a:p>
             <a:r>
               <a:rPr lang="pl-PL" dirty="0" smtClean="0"/>
-              <a:t>Uruchomienie</a:t>
+              <a:t>Uruchomienie – </a:t>
+            </a:r>
+            <a:r>
+              <a:rPr lang="pl-PL" dirty="0" err="1" smtClean="0"/>
+              <a:t>command</a:t>
+            </a:r>
+            <a:r>
+              <a:rPr lang="pl-PL" dirty="0" smtClean="0"/>
+              <a:t> </a:t>
+            </a:r>
+            <a:r>
+              <a:rPr lang="pl-PL" dirty="0" err="1" smtClean="0"/>
+              <a:t>line</a:t>
             </a:r>
             <a:endParaRPr lang="pl-PL" dirty="0"/>
           </a:p>
@@ -3422,7 +3406,7 @@
 </p:sld>
 </file>
 
-<file path=ppt/slides/slide4.xml><?xml version="1.0" encoding="utf-8"?>
+<file path=ppt/slides/slide12.xml><?xml version="1.0" encoding="utf-8"?>
 <p:sld xmlns:a="http://schemas.openxmlformats.org/drawingml/2006/main" xmlns:r="http://schemas.openxmlformats.org/officeDocument/2006/relationships" xmlns:p="http://schemas.openxmlformats.org/presentationml/2006/main">
   <p:cSld>
     <p:spTree>
@@ -3456,6 +3440,138 @@
           <a:p>
             <a:r>
               <a:rPr lang="pl-PL" dirty="0" smtClean="0"/>
+              <a:t>Uruchomienie - </a:t>
+            </a:r>
+            <a:r>
+              <a:rPr lang="pl-PL" dirty="0"/>
+              <a:t>W</a:t>
+            </a:r>
+            <a:r>
+              <a:rPr lang="pl-PL" dirty="0" smtClean="0"/>
+              <a:t>orkbench</a:t>
+            </a:r>
+            <a:endParaRPr lang="pl-PL" dirty="0"/>
+          </a:p>
+        </p:txBody>
+      </p:sp>
+      <p:pic>
+        <p:nvPicPr>
+          <p:cNvPr id="2051" name="Picture 3"/>
+          <p:cNvPicPr>
+            <a:picLocks noChangeAspect="1" noChangeArrowheads="1"/>
+          </p:cNvPicPr>
+          <p:nvPr/>
+        </p:nvPicPr>
+        <p:blipFill>
+          <a:blip r:embed="rId2">
+            <a:extLst>
+              <a:ext uri="{28A0092B-C50C-407E-A947-70E740481C1C}">
+                <a14:useLocalDpi xmlns:a14="http://schemas.microsoft.com/office/drawing/2010/main" val="0"/>
+              </a:ext>
+            </a:extLst>
+          </a:blip>
+          <a:srcRect/>
+          <a:stretch>
+            <a:fillRect/>
+          </a:stretch>
+        </p:blipFill>
+        <p:spPr bwMode="auto">
+          <a:xfrm>
+            <a:off x="0" y="1413944"/>
+            <a:ext cx="9144000" cy="4924568"/>
+          </a:xfrm>
+          <a:prstGeom prst="rect">
+            <a:avLst/>
+          </a:prstGeom>
+          <a:noFill/>
+          <a:ln>
+            <a:noFill/>
+          </a:ln>
+          <a:effectLst/>
+          <a:extLst>
+            <a:ext uri="{909E8E84-426E-40DD-AFC4-6F175D3DCCD1}">
+              <a14:hiddenFill xmlns:a14="http://schemas.microsoft.com/office/drawing/2010/main">
+                <a:solidFill>
+                  <a:schemeClr val="accent1"/>
+                </a:solidFill>
+              </a14:hiddenFill>
+            </a:ext>
+            <a:ext uri="{91240B29-F687-4F45-9708-019B960494DF}">
+              <a14:hiddenLine xmlns:a14="http://schemas.microsoft.com/office/drawing/2010/main" w="9525">
+                <a:solidFill>
+                  <a:schemeClr val="tx1"/>
+                </a:solidFill>
+                <a:miter lim="800000"/>
+                <a:headEnd/>
+                <a:tailEnd/>
+              </a14:hiddenLine>
+            </a:ext>
+            <a:ext uri="{AF507438-7753-43E0-B8FC-AC1667EBCBE1}">
+              <a14:hiddenEffects xmlns:a14="http://schemas.microsoft.com/office/drawing/2010/main">
+                <a:effectLst>
+                  <a:outerShdw dist="35921" dir="2700000" algn="ctr" rotWithShape="0">
+                    <a:schemeClr val="bg2"/>
+                  </a:outerShdw>
+                </a:effectLst>
+              </a14:hiddenEffects>
+            </a:ext>
+          </a:extLst>
+        </p:spPr>
+      </p:pic>
+    </p:spTree>
+    <p:extLst>
+      <p:ext uri="{BB962C8B-B14F-4D97-AF65-F5344CB8AC3E}">
+        <p14:creationId xmlns:p14="http://schemas.microsoft.com/office/powerpoint/2010/main" val="935810797"/>
+      </p:ext>
+    </p:extLst>
+  </p:cSld>
+  <p:clrMapOvr>
+    <a:masterClrMapping/>
+  </p:clrMapOvr>
+  <p:timing>
+    <p:tnLst>
+      <p:par>
+        <p:cTn id="1" dur="indefinite" restart="never" nodeType="tmRoot"/>
+      </p:par>
+    </p:tnLst>
+  </p:timing>
+</p:sld>
+</file>
+
+<file path=ppt/slides/slide13.xml><?xml version="1.0" encoding="utf-8"?>
+<p:sld xmlns:a="http://schemas.openxmlformats.org/drawingml/2006/main" xmlns:r="http://schemas.openxmlformats.org/officeDocument/2006/relationships" xmlns:p="http://schemas.openxmlformats.org/presentationml/2006/main">
+  <p:cSld>
+    <p:spTree>
+      <p:nvGrpSpPr>
+        <p:cNvPr id="1" name=""/>
+        <p:cNvGrpSpPr/>
+        <p:nvPr/>
+      </p:nvGrpSpPr>
+      <p:grpSpPr>
+        <a:xfrm>
+          <a:off x="0" y="0"/>
+          <a:ext cx="0" cy="0"/>
+          <a:chOff x="0" y="0"/>
+          <a:chExt cx="0" cy="0"/>
+        </a:xfrm>
+      </p:grpSpPr>
+      <p:sp>
+        <p:nvSpPr>
+          <p:cNvPr id="2" name="Tytuł 1"/>
+          <p:cNvSpPr>
+            <a:spLocks noGrp="1"/>
+          </p:cNvSpPr>
+          <p:nvPr>
+            <p:ph type="title"/>
+          </p:nvPr>
+        </p:nvSpPr>
+        <p:spPr/>
+        <p:txBody>
+          <a:bodyPr/>
+          <a:lstStyle/>
+          <a:p>
+            <a:r>
+              <a:rPr lang="pl-PL" dirty="0" smtClean="0"/>
               <a:t>Tworzenie bazy danych</a:t>
             </a:r>
             <a:endParaRPr lang="pl-PL" dirty="0"/>
@@ -3781,7 +3897,7 @@
         </p:nvSpPr>
         <p:spPr>
           <a:xfrm>
-            <a:off x="5235015" y="1484784"/>
+            <a:off x="4788024" y="1484784"/>
             <a:ext cx="3898776" cy="5184576"/>
           </a:xfrm>
           <a:prstGeom prst="rect">
@@ -4014,10 +4130,39 @@
               <a:buNone/>
             </a:pPr>
             <a:r>
+              <a:rPr lang="pl-PL" sz="1200" dirty="0">
+                <a:latin typeface="Lucida Console" pitchFamily="49" charset="0"/>
+              </a:rPr>
+              <a:t>+--------------------------+</a:t>
+            </a:r>
+          </a:p>
+          <a:p>
+            <a:pPr marL="0" indent="0">
+              <a:buNone/>
+            </a:pPr>
+            <a:r>
+              <a:rPr lang="pl-PL" sz="1200" dirty="0">
+                <a:latin typeface="Lucida Console" pitchFamily="49" charset="0"/>
+              </a:rPr>
+              <a:t>| </a:t>
+            </a:r>
+            <a:r>
+              <a:rPr lang="pl-PL" sz="1200" dirty="0" err="1" smtClean="0">
+                <a:latin typeface="Lucida Console" pitchFamily="49" charset="0"/>
+              </a:rPr>
+              <a:t>Tables_in_northwind</a:t>
+            </a:r>
+            <a:r>
               <a:rPr lang="pl-PL" sz="1200" dirty="0" smtClean="0">
                 <a:latin typeface="Lucida Console" pitchFamily="49" charset="0"/>
               </a:rPr>
-              <a:t>+----------------------+</a:t>
+              <a:t> </a:t>
+            </a:r>
+            <a:r>
+              <a:rPr lang="pl-PL" sz="1200" dirty="0">
+                <a:latin typeface="Lucida Console" pitchFamily="49" charset="0"/>
+              </a:rPr>
+              <a:t>|</a:t>
             </a:r>
           </a:p>
           <a:p>
@@ -4025,22 +4170,33 @@
               <a:buNone/>
             </a:pPr>
             <a:r>
-              <a:rPr lang="pl-PL" sz="1200" dirty="0" smtClean="0">
+              <a:rPr lang="pl-PL" sz="1200" dirty="0">
+                <a:latin typeface="Lucida Console" pitchFamily="49" charset="0"/>
+              </a:rPr>
+              <a:t>+--------------------------+</a:t>
+            </a:r>
+          </a:p>
+          <a:p>
+            <a:pPr marL="0" indent="0">
+              <a:buNone/>
+            </a:pPr>
+            <a:r>
+              <a:rPr lang="pl-PL" sz="1200" dirty="0">
                 <a:latin typeface="Lucida Console" pitchFamily="49" charset="0"/>
               </a:rPr>
               <a:t>| </a:t>
             </a:r>
             <a:r>
-              <a:rPr lang="pl-PL" sz="1200" dirty="0" err="1" smtClean="0">
-                <a:latin typeface="Lucida Console" pitchFamily="49" charset="0"/>
-              </a:rPr>
-              <a:t>Tables_in_northwind</a:t>
-            </a:r>
-            <a:r>
-              <a:rPr lang="pl-PL" sz="1200" dirty="0" smtClean="0">
-                <a:latin typeface="Lucida Console" pitchFamily="49" charset="0"/>
-              </a:rPr>
-              <a:t>  |</a:t>
+              <a:rPr lang="pl-PL" sz="1200" dirty="0" err="1">
+                <a:latin typeface="Lucida Console" pitchFamily="49" charset="0"/>
+              </a:rPr>
+              <a:t>categories</a:t>
+            </a:r>
+            <a:r>
+              <a:rPr lang="pl-PL" sz="1200" dirty="0">
+                <a:latin typeface="Lucida Console" pitchFamily="49" charset="0"/>
+              </a:rPr>
+              <a:t>               |</a:t>
             </a:r>
           </a:p>
           <a:p>
@@ -4048,10 +4204,22 @@
               <a:buNone/>
             </a:pPr>
             <a:r>
-              <a:rPr lang="pl-PL" sz="1200" dirty="0" smtClean="0">
-                <a:latin typeface="Lucida Console" pitchFamily="49" charset="0"/>
-              </a:rPr>
-              <a:t>+----------------------+</a:t>
+              <a:rPr lang="pl-PL" sz="1200" dirty="0">
+                <a:latin typeface="Lucida Console" pitchFamily="49" charset="0"/>
+              </a:rPr>
+              <a:t>| </a:t>
+            </a:r>
+            <a:r>
+              <a:rPr lang="pl-PL" sz="1200" dirty="0" err="1">
+                <a:latin typeface="Lucida Console" pitchFamily="49" charset="0"/>
+              </a:rPr>
+              <a:t>customers</a:t>
+            </a:r>
+            <a:r>
+              <a:rPr lang="pl-PL" sz="1200" dirty="0">
+                <a:latin typeface="Lucida Console" pitchFamily="49" charset="0"/>
+              </a:rPr>
+              <a:t>                |</a:t>
             </a:r>
           </a:p>
           <a:p>
@@ -4059,22 +4227,22 @@
               <a:buNone/>
             </a:pPr>
             <a:r>
-              <a:rPr lang="pl-PL" sz="1200" dirty="0" smtClean="0">
+              <a:rPr lang="pl-PL" sz="1200" dirty="0">
                 <a:latin typeface="Lucida Console" pitchFamily="49" charset="0"/>
               </a:rPr>
               <a:t>| </a:t>
             </a:r>
             <a:r>
-              <a:rPr lang="pl-PL" sz="1200" dirty="0" err="1" smtClean="0">
-                <a:latin typeface="Lucida Console" pitchFamily="49" charset="0"/>
-              </a:rPr>
-              <a:t>categories</a:t>
-            </a:r>
-            <a:r>
-              <a:rPr lang="pl-PL" sz="1200" dirty="0" smtClean="0">
-                <a:latin typeface="Lucida Console" pitchFamily="49" charset="0"/>
-              </a:rPr>
-              <a:t>           |</a:t>
+              <a:rPr lang="pl-PL" sz="1200" dirty="0" err="1">
+                <a:latin typeface="Lucida Console" pitchFamily="49" charset="0"/>
+              </a:rPr>
+              <a:t>employees</a:t>
+            </a:r>
+            <a:r>
+              <a:rPr lang="pl-PL" sz="1200" dirty="0">
+                <a:latin typeface="Lucida Console" pitchFamily="49" charset="0"/>
+              </a:rPr>
+              <a:t>                |</a:t>
             </a:r>
           </a:p>
           <a:p>
@@ -4082,22 +4250,22 @@
               <a:buNone/>
             </a:pPr>
             <a:r>
-              <a:rPr lang="pl-PL" sz="1200" dirty="0" smtClean="0">
+              <a:rPr lang="pl-PL" sz="1200" dirty="0">
                 <a:latin typeface="Lucida Console" pitchFamily="49" charset="0"/>
               </a:rPr>
               <a:t>| </a:t>
             </a:r>
             <a:r>
-              <a:rPr lang="pl-PL" sz="1200" dirty="0" err="1" smtClean="0">
-                <a:latin typeface="Lucida Console" pitchFamily="49" charset="0"/>
-              </a:rPr>
-              <a:t>customercustomerdemo</a:t>
-            </a:r>
-            <a:r>
-              <a:rPr lang="pl-PL" sz="1200" dirty="0" smtClean="0">
-                <a:latin typeface="Lucida Console" pitchFamily="49" charset="0"/>
-              </a:rPr>
-              <a:t> |</a:t>
+              <a:rPr lang="pl-PL" sz="1200" dirty="0" err="1">
+                <a:latin typeface="Lucida Console" pitchFamily="49" charset="0"/>
+              </a:rPr>
+              <a:t>orderdetails</a:t>
+            </a:r>
+            <a:r>
+              <a:rPr lang="pl-PL" sz="1200" dirty="0">
+                <a:latin typeface="Lucida Console" pitchFamily="49" charset="0"/>
+              </a:rPr>
+              <a:t>             |</a:t>
             </a:r>
           </a:p>
           <a:p>
@@ -4105,22 +4273,22 @@
               <a:buNone/>
             </a:pPr>
             <a:r>
-              <a:rPr lang="pl-PL" sz="1200" dirty="0" smtClean="0">
+              <a:rPr lang="pl-PL" sz="1200" dirty="0">
                 <a:latin typeface="Lucida Console" pitchFamily="49" charset="0"/>
               </a:rPr>
               <a:t>| </a:t>
             </a:r>
             <a:r>
-              <a:rPr lang="pl-PL" sz="1200" dirty="0" err="1" smtClean="0">
-                <a:latin typeface="Lucida Console" pitchFamily="49" charset="0"/>
-              </a:rPr>
-              <a:t>customerdemographics</a:t>
-            </a:r>
-            <a:r>
-              <a:rPr lang="pl-PL" sz="1200" dirty="0" smtClean="0">
-                <a:latin typeface="Lucida Console" pitchFamily="49" charset="0"/>
-              </a:rPr>
-              <a:t> |</a:t>
+              <a:rPr lang="pl-PL" sz="1200" dirty="0" err="1">
+                <a:latin typeface="Lucida Console" pitchFamily="49" charset="0"/>
+              </a:rPr>
+              <a:t>orders</a:t>
+            </a:r>
+            <a:r>
+              <a:rPr lang="pl-PL" sz="1200" dirty="0">
+                <a:latin typeface="Lucida Console" pitchFamily="49" charset="0"/>
+              </a:rPr>
+              <a:t>                   |</a:t>
             </a:r>
           </a:p>
           <a:p>
@@ -4128,22 +4296,33 @@
               <a:buNone/>
             </a:pPr>
             <a:r>
-              <a:rPr lang="pl-PL" sz="1200" dirty="0" smtClean="0">
+              <a:rPr lang="pl-PL" sz="1200" dirty="0">
+                <a:latin typeface="Lucida Console" pitchFamily="49" charset="0"/>
+              </a:rPr>
+              <a:t>| products                 |</a:t>
+            </a:r>
+          </a:p>
+          <a:p>
+            <a:pPr marL="0" indent="0">
+              <a:buNone/>
+            </a:pPr>
+            <a:r>
+              <a:rPr lang="pl-PL" sz="1200" dirty="0">
                 <a:latin typeface="Lucida Console" pitchFamily="49" charset="0"/>
               </a:rPr>
               <a:t>| </a:t>
             </a:r>
             <a:r>
-              <a:rPr lang="pl-PL" sz="1200" dirty="0" err="1" smtClean="0">
-                <a:latin typeface="Lucida Console" pitchFamily="49" charset="0"/>
-              </a:rPr>
-              <a:t>customers</a:t>
-            </a:r>
-            <a:r>
-              <a:rPr lang="pl-PL" sz="1200" dirty="0" smtClean="0">
-                <a:latin typeface="Lucida Console" pitchFamily="49" charset="0"/>
-              </a:rPr>
-              <a:t>            |</a:t>
+              <a:rPr lang="pl-PL" sz="1200" dirty="0" err="1">
+                <a:latin typeface="Lucida Console" pitchFamily="49" charset="0"/>
+              </a:rPr>
+              <a:t>shippers</a:t>
+            </a:r>
+            <a:r>
+              <a:rPr lang="pl-PL" sz="1200" dirty="0">
+                <a:latin typeface="Lucida Console" pitchFamily="49" charset="0"/>
+              </a:rPr>
+              <a:t>                 |</a:t>
             </a:r>
           </a:p>
           <a:p>
@@ -4151,22 +4330,22 @@
               <a:buNone/>
             </a:pPr>
             <a:r>
-              <a:rPr lang="pl-PL" sz="1200" dirty="0" smtClean="0">
+              <a:rPr lang="pl-PL" sz="1200" dirty="0">
                 <a:latin typeface="Lucida Console" pitchFamily="49" charset="0"/>
               </a:rPr>
               <a:t>| </a:t>
             </a:r>
             <a:r>
-              <a:rPr lang="pl-PL" sz="1200" dirty="0" err="1" smtClean="0">
-                <a:latin typeface="Lucida Console" pitchFamily="49" charset="0"/>
-              </a:rPr>
-              <a:t>employees</a:t>
-            </a:r>
-            <a:r>
-              <a:rPr lang="pl-PL" sz="1200" dirty="0" smtClean="0">
-                <a:latin typeface="Lucida Console" pitchFamily="49" charset="0"/>
-              </a:rPr>
-              <a:t>            |</a:t>
+              <a:rPr lang="pl-PL" sz="1200" dirty="0" err="1">
+                <a:latin typeface="Lucida Console" pitchFamily="49" charset="0"/>
+              </a:rPr>
+              <a:t>suppliers</a:t>
+            </a:r>
+            <a:r>
+              <a:rPr lang="pl-PL" sz="1200" dirty="0">
+                <a:latin typeface="Lucida Console" pitchFamily="49" charset="0"/>
+              </a:rPr>
+              <a:t>                |</a:t>
             </a:r>
           </a:p>
           <a:p>
@@ -4174,179 +4353,11 @@
               <a:buNone/>
             </a:pPr>
             <a:r>
-              <a:rPr lang="pl-PL" sz="1200" dirty="0" smtClean="0">
-                <a:latin typeface="Lucida Console" pitchFamily="49" charset="0"/>
-              </a:rPr>
-              <a:t>| </a:t>
-            </a:r>
-            <a:r>
-              <a:rPr lang="pl-PL" sz="1200" dirty="0" err="1" smtClean="0">
-                <a:latin typeface="Lucida Console" pitchFamily="49" charset="0"/>
-              </a:rPr>
-              <a:t>employeeterritories</a:t>
-            </a:r>
-            <a:r>
-              <a:rPr lang="pl-PL" sz="1200" dirty="0" smtClean="0">
-                <a:latin typeface="Lucida Console" pitchFamily="49" charset="0"/>
-              </a:rPr>
-              <a:t>  |</a:t>
-            </a:r>
-          </a:p>
-          <a:p>
-            <a:pPr marL="0" indent="0">
-              <a:buNone/>
-            </a:pPr>
-            <a:r>
-              <a:rPr lang="pl-PL" sz="1200" dirty="0" smtClean="0">
-                <a:latin typeface="Lucida Console" pitchFamily="49" charset="0"/>
-              </a:rPr>
-              <a:t>| </a:t>
-            </a:r>
-            <a:r>
-              <a:rPr lang="pl-PL" sz="1200" dirty="0" err="1" smtClean="0">
-                <a:latin typeface="Lucida Console" pitchFamily="49" charset="0"/>
-              </a:rPr>
-              <a:t>orderdetails</a:t>
-            </a:r>
-            <a:r>
-              <a:rPr lang="pl-PL" sz="1200" dirty="0" smtClean="0">
-                <a:latin typeface="Lucida Console" pitchFamily="49" charset="0"/>
-              </a:rPr>
-              <a:t>         |</a:t>
-            </a:r>
-          </a:p>
-          <a:p>
-            <a:pPr marL="0" indent="0">
-              <a:buNone/>
-            </a:pPr>
-            <a:r>
-              <a:rPr lang="pl-PL" sz="1200" dirty="0" smtClean="0">
-                <a:latin typeface="Lucida Console" pitchFamily="49" charset="0"/>
-              </a:rPr>
-              <a:t>| </a:t>
-            </a:r>
-            <a:r>
-              <a:rPr lang="pl-PL" sz="1200" dirty="0" err="1" smtClean="0">
-                <a:latin typeface="Lucida Console" pitchFamily="49" charset="0"/>
-              </a:rPr>
-              <a:t>orders</a:t>
-            </a:r>
-            <a:r>
-              <a:rPr lang="pl-PL" sz="1200" dirty="0" smtClean="0">
-                <a:latin typeface="Lucida Console" pitchFamily="49" charset="0"/>
-              </a:rPr>
-              <a:t>               |</a:t>
-            </a:r>
-          </a:p>
-          <a:p>
-            <a:pPr marL="0" indent="0">
-              <a:buNone/>
-            </a:pPr>
-            <a:r>
-              <a:rPr lang="pl-PL" sz="1200" dirty="0" smtClean="0">
-                <a:latin typeface="Lucida Console" pitchFamily="49" charset="0"/>
-              </a:rPr>
-              <a:t>| products             |</a:t>
-            </a:r>
-          </a:p>
-          <a:p>
-            <a:pPr marL="0" indent="0">
-              <a:buNone/>
-            </a:pPr>
-            <a:r>
-              <a:rPr lang="pl-PL" sz="1200" dirty="0" smtClean="0">
-                <a:latin typeface="Lucida Console" pitchFamily="49" charset="0"/>
-              </a:rPr>
-              <a:t>| region               |</a:t>
-            </a:r>
-          </a:p>
-          <a:p>
-            <a:pPr marL="0" indent="0">
-              <a:buNone/>
-            </a:pPr>
-            <a:r>
-              <a:rPr lang="pl-PL" sz="1200" dirty="0" smtClean="0">
-                <a:latin typeface="Lucida Console" pitchFamily="49" charset="0"/>
-              </a:rPr>
-              <a:t>| </a:t>
-            </a:r>
-            <a:r>
-              <a:rPr lang="pl-PL" sz="1200" dirty="0" err="1" smtClean="0">
-                <a:latin typeface="Lucida Console" pitchFamily="49" charset="0"/>
-              </a:rPr>
-              <a:t>shippers</a:t>
-            </a:r>
-            <a:r>
-              <a:rPr lang="pl-PL" sz="1200" dirty="0" smtClean="0">
-                <a:latin typeface="Lucida Console" pitchFamily="49" charset="0"/>
-              </a:rPr>
-              <a:t>             |</a:t>
-            </a:r>
-          </a:p>
-          <a:p>
-            <a:pPr marL="0" indent="0">
-              <a:buNone/>
-            </a:pPr>
-            <a:r>
-              <a:rPr lang="pl-PL" sz="1200" dirty="0" smtClean="0">
-                <a:latin typeface="Lucida Console" pitchFamily="49" charset="0"/>
-              </a:rPr>
-              <a:t>| </a:t>
-            </a:r>
-            <a:r>
-              <a:rPr lang="pl-PL" sz="1200" dirty="0" err="1" smtClean="0">
-                <a:latin typeface="Lucida Console" pitchFamily="49" charset="0"/>
-              </a:rPr>
-              <a:t>suppliers</a:t>
-            </a:r>
-            <a:r>
-              <a:rPr lang="pl-PL" sz="1200" dirty="0" smtClean="0">
-                <a:latin typeface="Lucida Console" pitchFamily="49" charset="0"/>
-              </a:rPr>
-              <a:t>            |</a:t>
-            </a:r>
-          </a:p>
-          <a:p>
-            <a:pPr marL="0" indent="0">
-              <a:buNone/>
-            </a:pPr>
-            <a:r>
-              <a:rPr lang="pl-PL" sz="1200" dirty="0" smtClean="0">
-                <a:latin typeface="Lucida Console" pitchFamily="49" charset="0"/>
-              </a:rPr>
-              <a:t>| </a:t>
-            </a:r>
-            <a:r>
-              <a:rPr lang="pl-PL" sz="1200" dirty="0" err="1" smtClean="0">
-                <a:latin typeface="Lucida Console" pitchFamily="49" charset="0"/>
-              </a:rPr>
-              <a:t>territories</a:t>
-            </a:r>
-            <a:r>
-              <a:rPr lang="pl-PL" sz="1200" dirty="0" smtClean="0">
-                <a:latin typeface="Lucida Console" pitchFamily="49" charset="0"/>
-              </a:rPr>
-              <a:t>          |</a:t>
-            </a:r>
-          </a:p>
-          <a:p>
-            <a:pPr marL="0" indent="0">
-              <a:buNone/>
-            </a:pPr>
-            <a:r>
-              <a:rPr lang="pl-PL" sz="1200" dirty="0" smtClean="0">
-                <a:latin typeface="Lucida Console" pitchFamily="49" charset="0"/>
-              </a:rPr>
-              <a:t>+----------------------+</a:t>
-            </a:r>
-          </a:p>
-          <a:p>
-            <a:pPr marL="0" indent="0">
-              <a:buNone/>
-            </a:pPr>
-            <a:endParaRPr lang="pl-PL" sz="1200" dirty="0">
-              <a:latin typeface="Lucida Console" pitchFamily="49" charset="0"/>
-            </a:endParaRPr>
+              <a:rPr lang="pl-PL" sz="1200" dirty="0">
+                <a:latin typeface="Lucida Console" pitchFamily="49" charset="0"/>
+              </a:rPr>
+              <a:t>+--------------------------+</a:t>
+            </a:r>
           </a:p>
         </p:txBody>
       </p:sp>
@@ -4370,6 +4381,2688 @@
 </p:sld>
 </file>
 
+<file path=ppt/slides/slide14.xml><?xml version="1.0" encoding="utf-8"?>
+<p:sld xmlns:a="http://schemas.openxmlformats.org/drawingml/2006/main" xmlns:r="http://schemas.openxmlformats.org/officeDocument/2006/relationships" xmlns:p="http://schemas.openxmlformats.org/presentationml/2006/main">
+  <p:cSld>
+    <p:spTree>
+      <p:nvGrpSpPr>
+        <p:cNvPr id="1" name=""/>
+        <p:cNvGrpSpPr/>
+        <p:nvPr/>
+      </p:nvGrpSpPr>
+      <p:grpSpPr>
+        <a:xfrm>
+          <a:off x="0" y="0"/>
+          <a:ext cx="0" cy="0"/>
+          <a:chOff x="0" y="0"/>
+          <a:chExt cx="0" cy="0"/>
+        </a:xfrm>
+      </p:grpSpPr>
+      <p:sp>
+        <p:nvSpPr>
+          <p:cNvPr id="2" name="Tytuł 1"/>
+          <p:cNvSpPr>
+            <a:spLocks noGrp="1"/>
+          </p:cNvSpPr>
+          <p:nvPr>
+            <p:ph type="title"/>
+          </p:nvPr>
+        </p:nvSpPr>
+        <p:spPr/>
+        <p:txBody>
+          <a:bodyPr>
+            <a:normAutofit/>
+          </a:bodyPr>
+          <a:lstStyle/>
+          <a:p>
+            <a:r>
+              <a:rPr lang="pl-PL" dirty="0" smtClean="0"/>
+              <a:t>Tworzenie tabeli</a:t>
+            </a:r>
+            <a:endParaRPr lang="pl-PL" dirty="0"/>
+          </a:p>
+        </p:txBody>
+      </p:sp>
+      <p:sp>
+        <p:nvSpPr>
+          <p:cNvPr id="3" name="Symbol zastępczy zawartości 2"/>
+          <p:cNvSpPr>
+            <a:spLocks noGrp="1"/>
+          </p:cNvSpPr>
+          <p:nvPr>
+            <p:ph idx="1"/>
+          </p:nvPr>
+        </p:nvSpPr>
+        <p:spPr>
+          <a:xfrm>
+            <a:off x="1043608" y="1628800"/>
+            <a:ext cx="7632848" cy="4392488"/>
+          </a:xfrm>
+        </p:spPr>
+        <p:txBody>
+          <a:bodyPr>
+            <a:noAutofit/>
+          </a:bodyPr>
+          <a:lstStyle/>
+          <a:p>
+            <a:pPr marL="0" indent="0">
+              <a:buNone/>
+            </a:pPr>
+            <a:r>
+              <a:rPr lang="pl-PL" sz="1600" dirty="0"/>
+              <a:t>CREATE TABLE Products(</a:t>
+            </a:r>
+            <a:br>
+              <a:rPr lang="pl-PL" sz="1600" dirty="0"/>
+            </a:br>
+            <a:r>
+              <a:rPr lang="pl-PL" sz="1600" dirty="0" smtClean="0"/>
+              <a:t>	</a:t>
+            </a:r>
+            <a:r>
+              <a:rPr lang="pl-PL" sz="1600" dirty="0" err="1" smtClean="0"/>
+              <a:t>ProductID</a:t>
+            </a:r>
+            <a:r>
+              <a:rPr lang="pl-PL" sz="1600" dirty="0" smtClean="0"/>
+              <a:t> </a:t>
+            </a:r>
+            <a:r>
+              <a:rPr lang="pl-PL" sz="1600" dirty="0" smtClean="0">
+                <a:solidFill>
+                  <a:srgbClr val="FF0000"/>
+                </a:solidFill>
+              </a:rPr>
+              <a:t>INT NOT NULL AUTO_INCREMENT</a:t>
+            </a:r>
+            <a:r>
+              <a:rPr lang="pl-PL" sz="1600" dirty="0" smtClean="0"/>
+              <a:t>,</a:t>
+            </a:r>
+            <a:br>
+              <a:rPr lang="pl-PL" sz="1600" dirty="0" smtClean="0"/>
+            </a:br>
+            <a:r>
+              <a:rPr lang="pl-PL" sz="1600" dirty="0" smtClean="0"/>
+              <a:t>	</a:t>
+            </a:r>
+            <a:r>
+              <a:rPr lang="pl-PL" sz="1600" dirty="0" err="1" smtClean="0"/>
+              <a:t>ProductName</a:t>
+            </a:r>
+            <a:r>
+              <a:rPr lang="pl-PL" sz="1600" dirty="0" smtClean="0"/>
+              <a:t> VARCHAR(40) NOT NULL,</a:t>
+            </a:r>
+            <a:br>
+              <a:rPr lang="pl-PL" sz="1600" dirty="0" smtClean="0"/>
+            </a:br>
+            <a:r>
+              <a:rPr lang="pl-PL" sz="1600" dirty="0" smtClean="0"/>
+              <a:t>	</a:t>
+            </a:r>
+            <a:r>
+              <a:rPr lang="pl-PL" sz="1600" dirty="0" err="1" smtClean="0"/>
+              <a:t>SupplierID</a:t>
+            </a:r>
+            <a:r>
+              <a:rPr lang="pl-PL" sz="1600" dirty="0" smtClean="0"/>
+              <a:t> INT NOT NULL,</a:t>
+            </a:r>
+            <a:br>
+              <a:rPr lang="pl-PL" sz="1600" dirty="0" smtClean="0"/>
+            </a:br>
+            <a:r>
+              <a:rPr lang="pl-PL" sz="1600" dirty="0" smtClean="0"/>
+              <a:t>	</a:t>
+            </a:r>
+            <a:r>
+              <a:rPr lang="pl-PL" sz="1600" dirty="0" err="1" smtClean="0"/>
+              <a:t>CategoryID</a:t>
+            </a:r>
+            <a:r>
+              <a:rPr lang="pl-PL" sz="1600" dirty="0" smtClean="0"/>
+              <a:t> INT NOT NULL,</a:t>
+            </a:r>
+            <a:br>
+              <a:rPr lang="pl-PL" sz="1600" dirty="0" smtClean="0"/>
+            </a:br>
+            <a:r>
+              <a:rPr lang="pl-PL" sz="1600" dirty="0" smtClean="0"/>
+              <a:t>	</a:t>
+            </a:r>
+            <a:r>
+              <a:rPr lang="pl-PL" sz="1600" dirty="0" err="1" smtClean="0"/>
+              <a:t>QuantityPerUnit</a:t>
+            </a:r>
+            <a:r>
+              <a:rPr lang="pl-PL" sz="1600" dirty="0" smtClean="0"/>
+              <a:t> VARCHAR(20),</a:t>
+            </a:r>
+            <a:br>
+              <a:rPr lang="pl-PL" sz="1600" dirty="0" smtClean="0"/>
+            </a:br>
+            <a:r>
+              <a:rPr lang="pl-PL" sz="1600" dirty="0" smtClean="0"/>
+              <a:t>	</a:t>
+            </a:r>
+            <a:r>
+              <a:rPr lang="pl-PL" sz="1600" dirty="0" err="1" smtClean="0"/>
+              <a:t>UnitPrice</a:t>
+            </a:r>
+            <a:r>
+              <a:rPr lang="pl-PL" sz="1600" dirty="0" smtClean="0"/>
+              <a:t> FLOAT </a:t>
+            </a:r>
+            <a:r>
+              <a:rPr lang="pl-PL" sz="1600" dirty="0" smtClean="0">
+                <a:solidFill>
+                  <a:srgbClr val="FF0000"/>
+                </a:solidFill>
+              </a:rPr>
+              <a:t>DEFAULT 0,</a:t>
+            </a:r>
+            <a:r>
+              <a:rPr lang="pl-PL" sz="1600" dirty="0" smtClean="0"/>
+              <a:t/>
+            </a:r>
+            <a:br>
+              <a:rPr lang="pl-PL" sz="1600" dirty="0" smtClean="0"/>
+            </a:br>
+            <a:r>
+              <a:rPr lang="pl-PL" sz="1600" dirty="0" smtClean="0"/>
+              <a:t>	</a:t>
+            </a:r>
+            <a:r>
+              <a:rPr lang="pl-PL" sz="1600" dirty="0" err="1" smtClean="0"/>
+              <a:t>UnitsInStock</a:t>
+            </a:r>
+            <a:r>
+              <a:rPr lang="pl-PL" sz="1600" dirty="0" smtClean="0"/>
+              <a:t> SMALLINT DEFAULT 0,</a:t>
+            </a:r>
+            <a:br>
+              <a:rPr lang="pl-PL" sz="1600" dirty="0" smtClean="0"/>
+            </a:br>
+            <a:r>
+              <a:rPr lang="pl-PL" sz="1600" dirty="0" smtClean="0"/>
+              <a:t>	</a:t>
+            </a:r>
+            <a:r>
+              <a:rPr lang="pl-PL" sz="1600" dirty="0" err="1" smtClean="0"/>
+              <a:t>UnitsOnOrder</a:t>
+            </a:r>
+            <a:r>
+              <a:rPr lang="pl-PL" sz="1600" dirty="0" smtClean="0"/>
+              <a:t> SMALLINT DEFAULT 0,</a:t>
+            </a:r>
+            <a:br>
+              <a:rPr lang="pl-PL" sz="1600" dirty="0" smtClean="0"/>
+            </a:br>
+            <a:r>
+              <a:rPr lang="pl-PL" sz="1600" dirty="0" smtClean="0"/>
+              <a:t>	</a:t>
+            </a:r>
+            <a:r>
+              <a:rPr lang="pl-PL" sz="1600" dirty="0" err="1" smtClean="0"/>
+              <a:t>ReorderLevel</a:t>
+            </a:r>
+            <a:r>
+              <a:rPr lang="pl-PL" sz="1600" dirty="0" smtClean="0"/>
+              <a:t> SMALLINT DEFAULT 0,</a:t>
+            </a:r>
+            <a:br>
+              <a:rPr lang="pl-PL" sz="1600" dirty="0" smtClean="0"/>
+            </a:br>
+            <a:r>
+              <a:rPr lang="pl-PL" sz="1600" dirty="0" smtClean="0"/>
+              <a:t>	</a:t>
+            </a:r>
+            <a:r>
+              <a:rPr lang="pl-PL" sz="1600" dirty="0" err="1" smtClean="0"/>
+              <a:t>Discontinued</a:t>
+            </a:r>
+            <a:r>
+              <a:rPr lang="pl-PL" sz="1600" dirty="0" smtClean="0"/>
+              <a:t> TINYINT DEFAULT 0 NOT NULL,</a:t>
+            </a:r>
+            <a:br>
+              <a:rPr lang="pl-PL" sz="1600" dirty="0" smtClean="0"/>
+            </a:br>
+            <a:r>
+              <a:rPr lang="pl-PL" sz="1600" dirty="0" smtClean="0"/>
+              <a:t>	</a:t>
+            </a:r>
+            <a:r>
+              <a:rPr lang="pl-PL" sz="1600" dirty="0" smtClean="0">
+                <a:solidFill>
+                  <a:srgbClr val="FF0000"/>
+                </a:solidFill>
+              </a:rPr>
+              <a:t>FOREIGN KEY (</a:t>
+            </a:r>
+            <a:r>
+              <a:rPr lang="pl-PL" sz="1600" dirty="0" err="1" smtClean="0">
+                <a:solidFill>
+                  <a:srgbClr val="FF0000"/>
+                </a:solidFill>
+              </a:rPr>
+              <a:t>CategoryID</a:t>
+            </a:r>
+            <a:r>
+              <a:rPr lang="pl-PL" sz="1600" dirty="0" smtClean="0">
+                <a:solidFill>
+                  <a:srgbClr val="FF0000"/>
+                </a:solidFill>
+              </a:rPr>
+              <a:t>) REFERENCES </a:t>
+            </a:r>
+            <a:r>
+              <a:rPr lang="pl-PL" sz="1600" dirty="0" err="1" smtClean="0">
+                <a:solidFill>
+                  <a:srgbClr val="FF0000"/>
+                </a:solidFill>
+              </a:rPr>
+              <a:t>Categories</a:t>
+            </a:r>
+            <a:r>
+              <a:rPr lang="pl-PL" sz="1600" dirty="0" smtClean="0">
+                <a:solidFill>
+                  <a:srgbClr val="FF0000"/>
+                </a:solidFill>
+              </a:rPr>
+              <a:t> (</a:t>
+            </a:r>
+            <a:r>
+              <a:rPr lang="pl-PL" sz="1600" dirty="0" err="1" smtClean="0">
+                <a:solidFill>
+                  <a:srgbClr val="FF0000"/>
+                </a:solidFill>
+              </a:rPr>
+              <a:t>CategoryID</a:t>
+            </a:r>
+            <a:r>
+              <a:rPr lang="pl-PL" sz="1600" dirty="0" smtClean="0">
+                <a:solidFill>
+                  <a:srgbClr val="FF0000"/>
+                </a:solidFill>
+              </a:rPr>
+              <a:t>),</a:t>
+            </a:r>
+            <a:br>
+              <a:rPr lang="pl-PL" sz="1600" dirty="0" smtClean="0">
+                <a:solidFill>
+                  <a:srgbClr val="FF0000"/>
+                </a:solidFill>
+              </a:rPr>
+            </a:br>
+            <a:r>
+              <a:rPr lang="pl-PL" sz="1600" dirty="0" smtClean="0"/>
+              <a:t>	FOREIGN KEY (</a:t>
+            </a:r>
+            <a:r>
+              <a:rPr lang="pl-PL" sz="1600" dirty="0" err="1" smtClean="0"/>
+              <a:t>SupplierID</a:t>
+            </a:r>
+            <a:r>
+              <a:rPr lang="pl-PL" sz="1600" dirty="0" smtClean="0"/>
+              <a:t>) REFERENCES Suppliers (</a:t>
+            </a:r>
+            <a:r>
+              <a:rPr lang="pl-PL" sz="1600" dirty="0" err="1" smtClean="0"/>
+              <a:t>SupplierID</a:t>
+            </a:r>
+            <a:r>
+              <a:rPr lang="pl-PL" sz="1600" dirty="0" smtClean="0"/>
+              <a:t>),</a:t>
+            </a:r>
+            <a:br>
+              <a:rPr lang="pl-PL" sz="1600" dirty="0" smtClean="0"/>
+            </a:br>
+            <a:r>
+              <a:rPr lang="pl-PL" sz="1600" dirty="0" smtClean="0"/>
+              <a:t>	</a:t>
+            </a:r>
+            <a:r>
+              <a:rPr lang="pl-PL" sz="1600" dirty="0" smtClean="0">
+                <a:solidFill>
+                  <a:srgbClr val="FF0000"/>
+                </a:solidFill>
+              </a:rPr>
+              <a:t>PRIMARY KEY (</a:t>
+            </a:r>
+            <a:r>
+              <a:rPr lang="pl-PL" sz="1600" dirty="0" err="1" smtClean="0">
+                <a:solidFill>
+                  <a:srgbClr val="FF0000"/>
+                </a:solidFill>
+              </a:rPr>
+              <a:t>ProductID</a:t>
+            </a:r>
+            <a:r>
+              <a:rPr lang="pl-PL" sz="1600" dirty="0" smtClean="0">
+                <a:solidFill>
+                  <a:srgbClr val="FF0000"/>
+                </a:solidFill>
+              </a:rPr>
+              <a:t>),</a:t>
+            </a:r>
+            <a:br>
+              <a:rPr lang="pl-PL" sz="1600" dirty="0" smtClean="0">
+                <a:solidFill>
+                  <a:srgbClr val="FF0000"/>
+                </a:solidFill>
+              </a:rPr>
+            </a:br>
+            <a:r>
+              <a:rPr lang="pl-PL" sz="1600" dirty="0" smtClean="0">
+                <a:solidFill>
+                  <a:srgbClr val="FF0000"/>
+                </a:solidFill>
+              </a:rPr>
+              <a:t>	INDEX </a:t>
+            </a:r>
+            <a:r>
+              <a:rPr lang="pl-PL" sz="1600" dirty="0" err="1" smtClean="0">
+                <a:solidFill>
+                  <a:srgbClr val="FF0000"/>
+                </a:solidFill>
+              </a:rPr>
+              <a:t>ProductName</a:t>
+            </a:r>
+            <a:r>
+              <a:rPr lang="pl-PL" sz="1600" dirty="0" smtClean="0">
+                <a:solidFill>
+                  <a:srgbClr val="FF0000"/>
+                </a:solidFill>
+              </a:rPr>
+              <a:t> (</a:t>
+            </a:r>
+            <a:r>
+              <a:rPr lang="pl-PL" sz="1600" dirty="0" err="1" smtClean="0">
+                <a:solidFill>
+                  <a:srgbClr val="FF0000"/>
+                </a:solidFill>
+              </a:rPr>
+              <a:t>ProductName</a:t>
+            </a:r>
+            <a:r>
+              <a:rPr lang="pl-PL" sz="1600" dirty="0" smtClean="0">
+                <a:solidFill>
+                  <a:srgbClr val="FF0000"/>
+                </a:solidFill>
+              </a:rPr>
+              <a:t>)</a:t>
+            </a:r>
+          </a:p>
+          <a:p>
+            <a:pPr marL="0" indent="0">
+              <a:buNone/>
+            </a:pPr>
+            <a:r>
+              <a:rPr lang="pl-PL" sz="1600" dirty="0" smtClean="0"/>
+              <a:t>)</a:t>
+            </a:r>
+            <a:r>
+              <a:rPr lang="pl-PL" sz="1600" dirty="0" smtClean="0">
+                <a:solidFill>
+                  <a:srgbClr val="FF0000"/>
+                </a:solidFill>
+              </a:rPr>
+              <a:t>ENGINE=</a:t>
+            </a:r>
+            <a:r>
+              <a:rPr lang="pl-PL" sz="1600" dirty="0" err="1" smtClean="0">
+                <a:solidFill>
+                  <a:srgbClr val="FF0000"/>
+                </a:solidFill>
+              </a:rPr>
+              <a:t>InnoDB</a:t>
+            </a:r>
+            <a:r>
+              <a:rPr lang="pl-PL" sz="1600" dirty="0" smtClean="0">
+                <a:solidFill>
+                  <a:srgbClr val="FF0000"/>
+                </a:solidFill>
+              </a:rPr>
+              <a:t>;</a:t>
+            </a:r>
+            <a:endParaRPr lang="pl-PL" sz="1600" dirty="0" smtClean="0">
+              <a:solidFill>
+                <a:srgbClr val="FF0000"/>
+              </a:solidFill>
+              <a:latin typeface="Lucida Console" pitchFamily="49" charset="0"/>
+            </a:endParaRPr>
+          </a:p>
+        </p:txBody>
+      </p:sp>
+    </p:spTree>
+    <p:extLst>
+      <p:ext uri="{BB962C8B-B14F-4D97-AF65-F5344CB8AC3E}">
+        <p14:creationId xmlns:p14="http://schemas.microsoft.com/office/powerpoint/2010/main" val="2266273730"/>
+      </p:ext>
+    </p:extLst>
+  </p:cSld>
+  <p:clrMapOvr>
+    <a:masterClrMapping/>
+  </p:clrMapOvr>
+  <p:timing>
+    <p:tnLst>
+      <p:par>
+        <p:cTn id="1" dur="indefinite" restart="never" nodeType="tmRoot"/>
+      </p:par>
+    </p:tnLst>
+  </p:timing>
+</p:sld>
+</file>
+
+<file path=ppt/slides/slide15.xml><?xml version="1.0" encoding="utf-8"?>
+<p:sld xmlns:a="http://schemas.openxmlformats.org/drawingml/2006/main" xmlns:r="http://schemas.openxmlformats.org/officeDocument/2006/relationships" xmlns:p="http://schemas.openxmlformats.org/presentationml/2006/main">
+  <p:cSld>
+    <p:spTree>
+      <p:nvGrpSpPr>
+        <p:cNvPr id="1" name=""/>
+        <p:cNvGrpSpPr/>
+        <p:nvPr/>
+      </p:nvGrpSpPr>
+      <p:grpSpPr>
+        <a:xfrm>
+          <a:off x="0" y="0"/>
+          <a:ext cx="0" cy="0"/>
+          <a:chOff x="0" y="0"/>
+          <a:chExt cx="0" cy="0"/>
+        </a:xfrm>
+      </p:grpSpPr>
+      <p:sp>
+        <p:nvSpPr>
+          <p:cNvPr id="2" name="Tytuł 1"/>
+          <p:cNvSpPr>
+            <a:spLocks noGrp="1"/>
+          </p:cNvSpPr>
+          <p:nvPr>
+            <p:ph type="title"/>
+          </p:nvPr>
+        </p:nvSpPr>
+        <p:spPr/>
+        <p:txBody>
+          <a:bodyPr/>
+          <a:lstStyle/>
+          <a:p>
+            <a:r>
+              <a:rPr lang="pl-PL" dirty="0" smtClean="0"/>
+              <a:t>Opis tabeli</a:t>
+            </a:r>
+            <a:endParaRPr lang="pl-PL" dirty="0"/>
+          </a:p>
+        </p:txBody>
+      </p:sp>
+      <p:sp>
+        <p:nvSpPr>
+          <p:cNvPr id="3" name="Symbol zastępczy zawartości 2"/>
+          <p:cNvSpPr>
+            <a:spLocks noGrp="1"/>
+          </p:cNvSpPr>
+          <p:nvPr>
+            <p:ph idx="1"/>
+          </p:nvPr>
+        </p:nvSpPr>
+        <p:spPr>
+          <a:xfrm>
+            <a:off x="914400" y="1700808"/>
+            <a:ext cx="8229600" cy="4525963"/>
+          </a:xfrm>
+        </p:spPr>
+        <p:txBody>
+          <a:bodyPr>
+            <a:normAutofit/>
+          </a:bodyPr>
+          <a:lstStyle/>
+          <a:p>
+            <a:pPr marL="0" indent="0">
+              <a:buNone/>
+            </a:pPr>
+            <a:r>
+              <a:rPr lang="pl-PL" sz="1200" dirty="0" err="1" smtClean="0">
+                <a:latin typeface="Lucida Console" pitchFamily="49" charset="0"/>
+              </a:rPr>
+              <a:t>mysql</a:t>
+            </a:r>
+            <a:r>
+              <a:rPr lang="pl-PL" sz="1200" dirty="0" smtClean="0">
+                <a:latin typeface="Lucida Console" pitchFamily="49" charset="0"/>
+              </a:rPr>
+              <a:t>&gt; </a:t>
+            </a:r>
+            <a:r>
+              <a:rPr lang="pl-PL" sz="1200" dirty="0" err="1" smtClean="0">
+                <a:latin typeface="Lucida Console" pitchFamily="49" charset="0"/>
+              </a:rPr>
+              <a:t>describe</a:t>
+            </a:r>
+            <a:r>
+              <a:rPr lang="pl-PL" sz="1200" dirty="0" smtClean="0">
+                <a:latin typeface="Lucida Console" pitchFamily="49" charset="0"/>
+              </a:rPr>
+              <a:t> Products;</a:t>
+            </a:r>
+          </a:p>
+          <a:p>
+            <a:pPr marL="0" indent="0">
+              <a:buNone/>
+            </a:pPr>
+            <a:r>
+              <a:rPr lang="pl-PL" sz="1200" dirty="0" smtClean="0">
+                <a:latin typeface="Lucida Console" pitchFamily="49" charset="0"/>
+              </a:rPr>
+              <a:t>+-----------------+---------------+------+-----+---------+----------------+</a:t>
+            </a:r>
+          </a:p>
+          <a:p>
+            <a:pPr marL="0" indent="0">
+              <a:buNone/>
+            </a:pPr>
+            <a:r>
+              <a:rPr lang="pl-PL" sz="1200" dirty="0" smtClean="0">
+                <a:latin typeface="Lucida Console" pitchFamily="49" charset="0"/>
+              </a:rPr>
+              <a:t>| Field           | </a:t>
+            </a:r>
+            <a:r>
+              <a:rPr lang="pl-PL" sz="1200" dirty="0" err="1" smtClean="0">
+                <a:latin typeface="Lucida Console" pitchFamily="49" charset="0"/>
+              </a:rPr>
+              <a:t>Type</a:t>
+            </a:r>
+            <a:r>
+              <a:rPr lang="pl-PL" sz="1200" dirty="0" smtClean="0">
+                <a:latin typeface="Lucida Console" pitchFamily="49" charset="0"/>
+              </a:rPr>
+              <a:t>          | </a:t>
+            </a:r>
+            <a:r>
+              <a:rPr lang="pl-PL" sz="1200" dirty="0" err="1" smtClean="0">
+                <a:latin typeface="Lucida Console" pitchFamily="49" charset="0"/>
+              </a:rPr>
+              <a:t>Null</a:t>
+            </a:r>
+            <a:r>
+              <a:rPr lang="pl-PL" sz="1200" dirty="0" smtClean="0">
+                <a:latin typeface="Lucida Console" pitchFamily="49" charset="0"/>
+              </a:rPr>
+              <a:t> | </a:t>
+            </a:r>
+            <a:r>
+              <a:rPr lang="pl-PL" sz="1200" dirty="0" err="1" smtClean="0">
+                <a:latin typeface="Lucida Console" pitchFamily="49" charset="0"/>
+              </a:rPr>
+              <a:t>Key</a:t>
+            </a:r>
+            <a:r>
+              <a:rPr lang="pl-PL" sz="1200" dirty="0" smtClean="0">
+                <a:latin typeface="Lucida Console" pitchFamily="49" charset="0"/>
+              </a:rPr>
+              <a:t> | </a:t>
+            </a:r>
+            <a:r>
+              <a:rPr lang="pl-PL" sz="1200" dirty="0" err="1" smtClean="0">
+                <a:latin typeface="Lucida Console" pitchFamily="49" charset="0"/>
+              </a:rPr>
+              <a:t>Default</a:t>
+            </a:r>
+            <a:r>
+              <a:rPr lang="pl-PL" sz="1200" dirty="0" smtClean="0">
+                <a:latin typeface="Lucida Console" pitchFamily="49" charset="0"/>
+              </a:rPr>
+              <a:t> | Extra          |</a:t>
+            </a:r>
+          </a:p>
+          <a:p>
+            <a:pPr marL="0" indent="0">
+              <a:buNone/>
+            </a:pPr>
+            <a:r>
+              <a:rPr lang="pl-PL" sz="1200" dirty="0" smtClean="0">
+                <a:latin typeface="Lucida Console" pitchFamily="49" charset="0"/>
+              </a:rPr>
+              <a:t>+-----------------+---------------+------+-----+---------+----------------+</a:t>
+            </a:r>
+          </a:p>
+          <a:p>
+            <a:pPr marL="0" indent="0">
+              <a:buNone/>
+            </a:pPr>
+            <a:r>
+              <a:rPr lang="pl-PL" sz="1200" dirty="0" smtClean="0">
+                <a:latin typeface="Lucida Console" pitchFamily="49" charset="0"/>
+              </a:rPr>
+              <a:t>| </a:t>
+            </a:r>
+            <a:r>
+              <a:rPr lang="pl-PL" sz="1200" dirty="0" err="1" smtClean="0">
+                <a:latin typeface="Lucida Console" pitchFamily="49" charset="0"/>
+              </a:rPr>
+              <a:t>ProductID</a:t>
+            </a:r>
+            <a:r>
+              <a:rPr lang="pl-PL" sz="1200" dirty="0" smtClean="0">
+                <a:latin typeface="Lucida Console" pitchFamily="49" charset="0"/>
+              </a:rPr>
+              <a:t>       | </a:t>
+            </a:r>
+            <a:r>
+              <a:rPr lang="pl-PL" sz="1200" dirty="0" err="1" smtClean="0">
+                <a:latin typeface="Lucida Console" pitchFamily="49" charset="0"/>
+              </a:rPr>
+              <a:t>int</a:t>
+            </a:r>
+            <a:r>
+              <a:rPr lang="pl-PL" sz="1200" dirty="0" smtClean="0">
+                <a:latin typeface="Lucida Console" pitchFamily="49" charset="0"/>
+              </a:rPr>
+              <a:t>(11)       | NO   | PRI | NULL    | </a:t>
+            </a:r>
+            <a:r>
+              <a:rPr lang="pl-PL" sz="1200" dirty="0" err="1" smtClean="0">
+                <a:latin typeface="Lucida Console" pitchFamily="49" charset="0"/>
+              </a:rPr>
+              <a:t>auto_increment</a:t>
+            </a:r>
+            <a:r>
+              <a:rPr lang="pl-PL" sz="1200" dirty="0" smtClean="0">
+                <a:latin typeface="Lucida Console" pitchFamily="49" charset="0"/>
+              </a:rPr>
+              <a:t> |</a:t>
+            </a:r>
+          </a:p>
+          <a:p>
+            <a:pPr marL="0" indent="0">
+              <a:buNone/>
+            </a:pPr>
+            <a:r>
+              <a:rPr lang="pl-PL" sz="1200" dirty="0" smtClean="0">
+                <a:latin typeface="Lucida Console" pitchFamily="49" charset="0"/>
+              </a:rPr>
+              <a:t>| </a:t>
+            </a:r>
+            <a:r>
+              <a:rPr lang="pl-PL" sz="1200" dirty="0" err="1" smtClean="0">
+                <a:latin typeface="Lucida Console" pitchFamily="49" charset="0"/>
+              </a:rPr>
+              <a:t>ProductName</a:t>
+            </a:r>
+            <a:r>
+              <a:rPr lang="pl-PL" sz="1200" dirty="0" smtClean="0">
+                <a:latin typeface="Lucida Console" pitchFamily="49" charset="0"/>
+              </a:rPr>
+              <a:t>     | </a:t>
+            </a:r>
+            <a:r>
+              <a:rPr lang="pl-PL" sz="1200" dirty="0" err="1" smtClean="0">
+                <a:latin typeface="Lucida Console" pitchFamily="49" charset="0"/>
+              </a:rPr>
+              <a:t>varchar</a:t>
+            </a:r>
+            <a:r>
+              <a:rPr lang="pl-PL" sz="1200" dirty="0" smtClean="0">
+                <a:latin typeface="Lucida Console" pitchFamily="49" charset="0"/>
+              </a:rPr>
+              <a:t>(40)   | NO   |     | NULL    |                |</a:t>
+            </a:r>
+          </a:p>
+          <a:p>
+            <a:pPr marL="0" indent="0">
+              <a:buNone/>
+            </a:pPr>
+            <a:r>
+              <a:rPr lang="pl-PL" sz="1200" dirty="0" smtClean="0">
+                <a:latin typeface="Lucida Console" pitchFamily="49" charset="0"/>
+              </a:rPr>
+              <a:t>| </a:t>
+            </a:r>
+            <a:r>
+              <a:rPr lang="pl-PL" sz="1200" dirty="0" err="1" smtClean="0">
+                <a:latin typeface="Lucida Console" pitchFamily="49" charset="0"/>
+              </a:rPr>
+              <a:t>SupplierID</a:t>
+            </a:r>
+            <a:r>
+              <a:rPr lang="pl-PL" sz="1200" dirty="0" smtClean="0">
+                <a:latin typeface="Lucida Console" pitchFamily="49" charset="0"/>
+              </a:rPr>
+              <a:t>      | </a:t>
+            </a:r>
+            <a:r>
+              <a:rPr lang="pl-PL" sz="1200" dirty="0" err="1" smtClean="0">
+                <a:latin typeface="Lucida Console" pitchFamily="49" charset="0"/>
+              </a:rPr>
+              <a:t>int</a:t>
+            </a:r>
+            <a:r>
+              <a:rPr lang="pl-PL" sz="1200" dirty="0" smtClean="0">
+                <a:latin typeface="Lucida Console" pitchFamily="49" charset="0"/>
+              </a:rPr>
+              <a:t>(11)       | NO   | MUL | NULL    |                |</a:t>
+            </a:r>
+          </a:p>
+          <a:p>
+            <a:pPr marL="0" indent="0">
+              <a:buNone/>
+            </a:pPr>
+            <a:r>
+              <a:rPr lang="pl-PL" sz="1200" dirty="0" smtClean="0">
+                <a:latin typeface="Lucida Console" pitchFamily="49" charset="0"/>
+              </a:rPr>
+              <a:t>| </a:t>
+            </a:r>
+            <a:r>
+              <a:rPr lang="pl-PL" sz="1200" dirty="0" err="1" smtClean="0">
+                <a:latin typeface="Lucida Console" pitchFamily="49" charset="0"/>
+              </a:rPr>
+              <a:t>CategoryID</a:t>
+            </a:r>
+            <a:r>
+              <a:rPr lang="pl-PL" sz="1200" dirty="0" smtClean="0">
+                <a:latin typeface="Lucida Console" pitchFamily="49" charset="0"/>
+              </a:rPr>
+              <a:t>      | </a:t>
+            </a:r>
+            <a:r>
+              <a:rPr lang="pl-PL" sz="1200" dirty="0" err="1" smtClean="0">
+                <a:latin typeface="Lucida Console" pitchFamily="49" charset="0"/>
+              </a:rPr>
+              <a:t>int</a:t>
+            </a:r>
+            <a:r>
+              <a:rPr lang="pl-PL" sz="1200" dirty="0" smtClean="0">
+                <a:latin typeface="Lucida Console" pitchFamily="49" charset="0"/>
+              </a:rPr>
+              <a:t>(11)       | NO   | MUL | NULL    |                |</a:t>
+            </a:r>
+          </a:p>
+          <a:p>
+            <a:pPr marL="0" indent="0">
+              <a:buNone/>
+            </a:pPr>
+            <a:r>
+              <a:rPr lang="pl-PL" sz="1200" dirty="0" smtClean="0">
+                <a:latin typeface="Lucida Console" pitchFamily="49" charset="0"/>
+              </a:rPr>
+              <a:t>| </a:t>
+            </a:r>
+            <a:r>
+              <a:rPr lang="pl-PL" sz="1200" dirty="0" err="1" smtClean="0">
+                <a:latin typeface="Lucida Console" pitchFamily="49" charset="0"/>
+              </a:rPr>
+              <a:t>ContactName</a:t>
+            </a:r>
+            <a:r>
+              <a:rPr lang="pl-PL" sz="1200" dirty="0" smtClean="0">
+                <a:latin typeface="Lucida Console" pitchFamily="49" charset="0"/>
+              </a:rPr>
+              <a:t>     | </a:t>
+            </a:r>
+            <a:r>
+              <a:rPr lang="pl-PL" sz="1200" dirty="0" err="1" smtClean="0">
+                <a:latin typeface="Lucida Console" pitchFamily="49" charset="0"/>
+              </a:rPr>
+              <a:t>varchar</a:t>
+            </a:r>
+            <a:r>
+              <a:rPr lang="pl-PL" sz="1200" dirty="0" smtClean="0">
+                <a:latin typeface="Lucida Console" pitchFamily="49" charset="0"/>
+              </a:rPr>
+              <a:t>(30)   | NO   |     | NULL    |                |</a:t>
+            </a:r>
+          </a:p>
+          <a:p>
+            <a:pPr marL="0" indent="0">
+              <a:buNone/>
+            </a:pPr>
+            <a:r>
+              <a:rPr lang="pl-PL" sz="1200" dirty="0" smtClean="0">
+                <a:latin typeface="Lucida Console" pitchFamily="49" charset="0"/>
+              </a:rPr>
+              <a:t>| </a:t>
+            </a:r>
+            <a:r>
+              <a:rPr lang="pl-PL" sz="1200" dirty="0" err="1" smtClean="0">
+                <a:latin typeface="Lucida Console" pitchFamily="49" charset="0"/>
+              </a:rPr>
+              <a:t>QuantityPerUnit</a:t>
+            </a:r>
+            <a:r>
+              <a:rPr lang="pl-PL" sz="1200" dirty="0" smtClean="0">
+                <a:latin typeface="Lucida Console" pitchFamily="49" charset="0"/>
+              </a:rPr>
+              <a:t> | </a:t>
+            </a:r>
+            <a:r>
+              <a:rPr lang="pl-PL" sz="1200" dirty="0" err="1" smtClean="0">
+                <a:latin typeface="Lucida Console" pitchFamily="49" charset="0"/>
+              </a:rPr>
+              <a:t>varchar</a:t>
+            </a:r>
+            <a:r>
+              <a:rPr lang="pl-PL" sz="1200" dirty="0" smtClean="0">
+                <a:latin typeface="Lucida Console" pitchFamily="49" charset="0"/>
+              </a:rPr>
+              <a:t>(20)   | NO   |     | NULL    |                |</a:t>
+            </a:r>
+          </a:p>
+          <a:p>
+            <a:pPr marL="0" indent="0">
+              <a:buNone/>
+            </a:pPr>
+            <a:r>
+              <a:rPr lang="pl-PL" sz="1200" dirty="0" smtClean="0">
+                <a:latin typeface="Lucida Console" pitchFamily="49" charset="0"/>
+              </a:rPr>
+              <a:t>| </a:t>
+            </a:r>
+            <a:r>
+              <a:rPr lang="pl-PL" sz="1200" dirty="0" err="1" smtClean="0">
+                <a:latin typeface="Lucida Console" pitchFamily="49" charset="0"/>
+              </a:rPr>
+              <a:t>UnitPrice</a:t>
+            </a:r>
+            <a:r>
+              <a:rPr lang="pl-PL" sz="1200" dirty="0" smtClean="0">
+                <a:latin typeface="Lucida Console" pitchFamily="49" charset="0"/>
+              </a:rPr>
+              <a:t>       | </a:t>
+            </a:r>
+            <a:r>
+              <a:rPr lang="pl-PL" sz="1200" dirty="0" err="1" smtClean="0">
+                <a:latin typeface="Lucida Console" pitchFamily="49" charset="0"/>
+              </a:rPr>
+              <a:t>decimal</a:t>
+            </a:r>
+            <a:r>
+              <a:rPr lang="pl-PL" sz="1200" dirty="0" smtClean="0">
+                <a:latin typeface="Lucida Console" pitchFamily="49" charset="0"/>
+              </a:rPr>
+              <a:t>(10,2) | NO   |     | NULL    |                |</a:t>
+            </a:r>
+          </a:p>
+          <a:p>
+            <a:pPr marL="0" indent="0">
+              <a:buNone/>
+            </a:pPr>
+            <a:r>
+              <a:rPr lang="pl-PL" sz="1200" dirty="0" smtClean="0">
+                <a:latin typeface="Lucida Console" pitchFamily="49" charset="0"/>
+              </a:rPr>
+              <a:t>| </a:t>
+            </a:r>
+            <a:r>
+              <a:rPr lang="pl-PL" sz="1200" dirty="0" err="1" smtClean="0">
+                <a:latin typeface="Lucida Console" pitchFamily="49" charset="0"/>
+              </a:rPr>
+              <a:t>UnitsInStock</a:t>
+            </a:r>
+            <a:r>
+              <a:rPr lang="pl-PL" sz="1200" dirty="0" smtClean="0">
+                <a:latin typeface="Lucida Console" pitchFamily="49" charset="0"/>
+              </a:rPr>
+              <a:t>    | </a:t>
+            </a:r>
+            <a:r>
+              <a:rPr lang="pl-PL" sz="1200" dirty="0" err="1" smtClean="0">
+                <a:latin typeface="Lucida Console" pitchFamily="49" charset="0"/>
+              </a:rPr>
+              <a:t>smallint</a:t>
+            </a:r>
+            <a:r>
+              <a:rPr lang="pl-PL" sz="1200" dirty="0" smtClean="0">
+                <a:latin typeface="Lucida Console" pitchFamily="49" charset="0"/>
+              </a:rPr>
+              <a:t>(6)   | NO   |     | NULL    |                |</a:t>
+            </a:r>
+          </a:p>
+          <a:p>
+            <a:pPr marL="0" indent="0">
+              <a:buNone/>
+            </a:pPr>
+            <a:r>
+              <a:rPr lang="pl-PL" sz="1200" dirty="0" smtClean="0">
+                <a:latin typeface="Lucida Console" pitchFamily="49" charset="0"/>
+              </a:rPr>
+              <a:t>| </a:t>
+            </a:r>
+            <a:r>
+              <a:rPr lang="pl-PL" sz="1200" dirty="0" err="1" smtClean="0">
+                <a:latin typeface="Lucida Console" pitchFamily="49" charset="0"/>
+              </a:rPr>
+              <a:t>UnitsOnOrder</a:t>
+            </a:r>
+            <a:r>
+              <a:rPr lang="pl-PL" sz="1200" dirty="0" smtClean="0">
+                <a:latin typeface="Lucida Console" pitchFamily="49" charset="0"/>
+              </a:rPr>
+              <a:t>    | </a:t>
+            </a:r>
+            <a:r>
+              <a:rPr lang="pl-PL" sz="1200" dirty="0" err="1" smtClean="0">
+                <a:latin typeface="Lucida Console" pitchFamily="49" charset="0"/>
+              </a:rPr>
+              <a:t>smallint</a:t>
+            </a:r>
+            <a:r>
+              <a:rPr lang="pl-PL" sz="1200" dirty="0" smtClean="0">
+                <a:latin typeface="Lucida Console" pitchFamily="49" charset="0"/>
+              </a:rPr>
+              <a:t>(6)   | NO   |     | NULL    |                |</a:t>
+            </a:r>
+          </a:p>
+          <a:p>
+            <a:pPr marL="0" indent="0">
+              <a:buNone/>
+            </a:pPr>
+            <a:r>
+              <a:rPr lang="pl-PL" sz="1200" dirty="0" smtClean="0">
+                <a:latin typeface="Lucida Console" pitchFamily="49" charset="0"/>
+              </a:rPr>
+              <a:t>| </a:t>
+            </a:r>
+            <a:r>
+              <a:rPr lang="pl-PL" sz="1200" dirty="0" err="1" smtClean="0">
+                <a:latin typeface="Lucida Console" pitchFamily="49" charset="0"/>
+              </a:rPr>
+              <a:t>ReorderLevel</a:t>
+            </a:r>
+            <a:r>
+              <a:rPr lang="pl-PL" sz="1200" dirty="0" smtClean="0">
+                <a:latin typeface="Lucida Console" pitchFamily="49" charset="0"/>
+              </a:rPr>
+              <a:t>    | </a:t>
+            </a:r>
+            <a:r>
+              <a:rPr lang="pl-PL" sz="1200" dirty="0" err="1" smtClean="0">
+                <a:latin typeface="Lucida Console" pitchFamily="49" charset="0"/>
+              </a:rPr>
+              <a:t>smallint</a:t>
+            </a:r>
+            <a:r>
+              <a:rPr lang="pl-PL" sz="1200" dirty="0" smtClean="0">
+                <a:latin typeface="Lucida Console" pitchFamily="49" charset="0"/>
+              </a:rPr>
+              <a:t>(6)   | YES  |     | NULL    |                |</a:t>
+            </a:r>
+          </a:p>
+          <a:p>
+            <a:pPr marL="0" indent="0">
+              <a:buNone/>
+            </a:pPr>
+            <a:r>
+              <a:rPr lang="pl-PL" sz="1200" dirty="0" smtClean="0">
+                <a:latin typeface="Lucida Console" pitchFamily="49" charset="0"/>
+              </a:rPr>
+              <a:t>| </a:t>
+            </a:r>
+            <a:r>
+              <a:rPr lang="pl-PL" sz="1200" dirty="0" err="1" smtClean="0">
+                <a:latin typeface="Lucida Console" pitchFamily="49" charset="0"/>
+              </a:rPr>
+              <a:t>Discounted</a:t>
+            </a:r>
+            <a:r>
+              <a:rPr lang="pl-PL" sz="1200" dirty="0" smtClean="0">
+                <a:latin typeface="Lucida Console" pitchFamily="49" charset="0"/>
+              </a:rPr>
+              <a:t>      | bit(1)        | NO   |     | NULL    |                |</a:t>
+            </a:r>
+          </a:p>
+          <a:p>
+            <a:pPr marL="0" indent="0">
+              <a:buNone/>
+            </a:pPr>
+            <a:r>
+              <a:rPr lang="pl-PL" sz="1200" dirty="0" smtClean="0">
+                <a:latin typeface="Lucida Console" pitchFamily="49" charset="0"/>
+              </a:rPr>
+              <a:t>+-----------------+---------------+------+-----+---------+----------------+</a:t>
+            </a:r>
+            <a:endParaRPr lang="pl-PL" sz="1200" dirty="0"/>
+          </a:p>
+        </p:txBody>
+      </p:sp>
+    </p:spTree>
+    <p:extLst>
+      <p:ext uri="{BB962C8B-B14F-4D97-AF65-F5344CB8AC3E}">
+        <p14:creationId xmlns:p14="http://schemas.microsoft.com/office/powerpoint/2010/main" val="1461797622"/>
+      </p:ext>
+    </p:extLst>
+  </p:cSld>
+  <p:clrMapOvr>
+    <a:masterClrMapping/>
+  </p:clrMapOvr>
+</p:sld>
+</file>
+
+<file path=ppt/slides/slide16.xml><?xml version="1.0" encoding="utf-8"?>
+<p:sld xmlns:a="http://schemas.openxmlformats.org/drawingml/2006/main" xmlns:r="http://schemas.openxmlformats.org/officeDocument/2006/relationships" xmlns:p="http://schemas.openxmlformats.org/presentationml/2006/main">
+  <p:cSld>
+    <p:spTree>
+      <p:nvGrpSpPr>
+        <p:cNvPr id="1" name=""/>
+        <p:cNvGrpSpPr/>
+        <p:nvPr/>
+      </p:nvGrpSpPr>
+      <p:grpSpPr>
+        <a:xfrm>
+          <a:off x="0" y="0"/>
+          <a:ext cx="0" cy="0"/>
+          <a:chOff x="0" y="0"/>
+          <a:chExt cx="0" cy="0"/>
+        </a:xfrm>
+      </p:grpSpPr>
+      <p:sp>
+        <p:nvSpPr>
+          <p:cNvPr id="2" name="Tytuł 1"/>
+          <p:cNvSpPr>
+            <a:spLocks noGrp="1"/>
+          </p:cNvSpPr>
+          <p:nvPr>
+            <p:ph type="title"/>
+          </p:nvPr>
+        </p:nvSpPr>
+        <p:spPr/>
+        <p:txBody>
+          <a:bodyPr>
+            <a:normAutofit/>
+          </a:bodyPr>
+          <a:lstStyle/>
+          <a:p>
+            <a:r>
+              <a:rPr lang="pl-PL" dirty="0" smtClean="0"/>
+              <a:t>Wstawianie danych</a:t>
+            </a:r>
+            <a:endParaRPr lang="pl-PL" dirty="0"/>
+          </a:p>
+        </p:txBody>
+      </p:sp>
+      <p:sp>
+        <p:nvSpPr>
+          <p:cNvPr id="3" name="Symbol zastępczy zawartości 2"/>
+          <p:cNvSpPr>
+            <a:spLocks noGrp="1"/>
+          </p:cNvSpPr>
+          <p:nvPr>
+            <p:ph idx="1"/>
+          </p:nvPr>
+        </p:nvSpPr>
+        <p:spPr/>
+        <p:txBody>
+          <a:bodyPr>
+            <a:normAutofit/>
+          </a:bodyPr>
+          <a:lstStyle/>
+          <a:p>
+            <a:pPr marL="0" indent="0">
+              <a:buNone/>
+            </a:pPr>
+            <a:r>
+              <a:rPr lang="pl-PL" sz="1600" dirty="0">
+                <a:latin typeface="Lucida Console" pitchFamily="49" charset="0"/>
+              </a:rPr>
+              <a:t>INSERT INTO `</a:t>
+            </a:r>
+            <a:r>
+              <a:rPr lang="pl-PL" sz="1600" dirty="0" err="1">
+                <a:latin typeface="Lucida Console" pitchFamily="49" charset="0"/>
+              </a:rPr>
+              <a:t>categories</a:t>
+            </a:r>
+            <a:r>
+              <a:rPr lang="pl-PL" sz="1600" dirty="0">
+                <a:latin typeface="Lucida Console" pitchFamily="49" charset="0"/>
+              </a:rPr>
+              <a:t>` </a:t>
+            </a:r>
+            <a:endParaRPr lang="pl-PL" sz="1600" dirty="0" smtClean="0">
+              <a:latin typeface="Lucida Console" pitchFamily="49" charset="0"/>
+            </a:endParaRPr>
+          </a:p>
+          <a:p>
+            <a:pPr marL="0" indent="0">
+              <a:buNone/>
+            </a:pPr>
+            <a:r>
+              <a:rPr lang="pl-PL" sz="1600" dirty="0" smtClean="0">
+                <a:latin typeface="Lucida Console" pitchFamily="49" charset="0"/>
+              </a:rPr>
+              <a:t>(`</a:t>
+            </a:r>
+            <a:r>
+              <a:rPr lang="pl-PL" sz="1600" dirty="0" err="1">
+                <a:latin typeface="Lucida Console" pitchFamily="49" charset="0"/>
+              </a:rPr>
+              <a:t>CategoryID</a:t>
+            </a:r>
+            <a:r>
+              <a:rPr lang="pl-PL" sz="1600" dirty="0">
+                <a:latin typeface="Lucida Console" pitchFamily="49" charset="0"/>
+              </a:rPr>
+              <a:t>`, `</a:t>
+            </a:r>
+            <a:r>
+              <a:rPr lang="pl-PL" sz="1600" dirty="0" err="1">
+                <a:latin typeface="Lucida Console" pitchFamily="49" charset="0"/>
+              </a:rPr>
+              <a:t>CategoryName</a:t>
+            </a:r>
+            <a:r>
+              <a:rPr lang="pl-PL" sz="1600" dirty="0">
+                <a:latin typeface="Lucida Console" pitchFamily="49" charset="0"/>
+              </a:rPr>
+              <a:t>`, `</a:t>
+            </a:r>
+            <a:r>
+              <a:rPr lang="pl-PL" sz="1600" dirty="0" err="1">
+                <a:latin typeface="Lucida Console" pitchFamily="49" charset="0"/>
+              </a:rPr>
+              <a:t>Description</a:t>
+            </a:r>
+            <a:r>
+              <a:rPr lang="pl-PL" sz="1600" dirty="0">
+                <a:latin typeface="Lucida Console" pitchFamily="49" charset="0"/>
+              </a:rPr>
+              <a:t>`, `Picture`) </a:t>
+            </a:r>
+            <a:r>
+              <a:rPr lang="pl-PL" sz="1600" dirty="0" smtClean="0">
+                <a:latin typeface="Lucida Console" pitchFamily="49" charset="0"/>
+              </a:rPr>
+              <a:t>VALUES</a:t>
+            </a:r>
+          </a:p>
+          <a:p>
+            <a:pPr marL="0" indent="0">
+              <a:buNone/>
+            </a:pPr>
+            <a:r>
+              <a:rPr lang="pl-PL" sz="1600" dirty="0" smtClean="0">
+                <a:latin typeface="Lucida Console" pitchFamily="49" charset="0"/>
+              </a:rPr>
+              <a:t>(</a:t>
+            </a:r>
+            <a:r>
+              <a:rPr lang="pl-PL" sz="1600" dirty="0">
+                <a:latin typeface="Lucida Console" pitchFamily="49" charset="0"/>
+              </a:rPr>
+              <a:t>1, '</a:t>
+            </a:r>
+            <a:r>
+              <a:rPr lang="pl-PL" sz="1600" dirty="0" err="1">
+                <a:latin typeface="Lucida Console" pitchFamily="49" charset="0"/>
+              </a:rPr>
+              <a:t>Beverages</a:t>
+            </a:r>
+            <a:r>
+              <a:rPr lang="pl-PL" sz="1600" dirty="0">
+                <a:latin typeface="Lucida Console" pitchFamily="49" charset="0"/>
+              </a:rPr>
+              <a:t>', '</a:t>
+            </a:r>
+            <a:r>
+              <a:rPr lang="pl-PL" sz="1600" dirty="0" err="1">
+                <a:latin typeface="Lucida Console" pitchFamily="49" charset="0"/>
+              </a:rPr>
+              <a:t>Soft</a:t>
+            </a:r>
+            <a:r>
+              <a:rPr lang="pl-PL" sz="1600" dirty="0">
+                <a:latin typeface="Lucida Console" pitchFamily="49" charset="0"/>
+              </a:rPr>
+              <a:t> </a:t>
+            </a:r>
+            <a:r>
+              <a:rPr lang="pl-PL" sz="1600" dirty="0" err="1">
+                <a:latin typeface="Lucida Console" pitchFamily="49" charset="0"/>
+              </a:rPr>
+              <a:t>drinks</a:t>
+            </a:r>
+            <a:r>
+              <a:rPr lang="pl-PL" sz="1600" dirty="0">
+                <a:latin typeface="Lucida Console" pitchFamily="49" charset="0"/>
+              </a:rPr>
+              <a:t>, </a:t>
+            </a:r>
+            <a:r>
+              <a:rPr lang="pl-PL" sz="1600" dirty="0" err="1" smtClean="0">
+                <a:latin typeface="Lucida Console" pitchFamily="49" charset="0"/>
+              </a:rPr>
+              <a:t>beers</a:t>
+            </a:r>
+            <a:r>
+              <a:rPr lang="pl-PL" sz="1600" dirty="0">
+                <a:latin typeface="Lucida Console" pitchFamily="49" charset="0"/>
+              </a:rPr>
+              <a:t>, and </a:t>
+            </a:r>
+            <a:r>
+              <a:rPr lang="pl-PL" sz="1600" dirty="0" err="1">
+                <a:latin typeface="Lucida Console" pitchFamily="49" charset="0"/>
+              </a:rPr>
+              <a:t>ales</a:t>
+            </a:r>
+            <a:r>
+              <a:rPr lang="pl-PL" sz="1600" dirty="0">
+                <a:latin typeface="Lucida Console" pitchFamily="49" charset="0"/>
+              </a:rPr>
+              <a:t>', NULL</a:t>
+            </a:r>
+            <a:r>
+              <a:rPr lang="pl-PL" sz="1600" dirty="0" smtClean="0">
+                <a:latin typeface="Lucida Console" pitchFamily="49" charset="0"/>
+              </a:rPr>
+              <a:t>),</a:t>
+            </a:r>
+          </a:p>
+          <a:p>
+            <a:pPr marL="0" indent="0">
+              <a:buNone/>
+            </a:pPr>
+            <a:r>
+              <a:rPr lang="pl-PL" sz="1600" dirty="0" smtClean="0">
+                <a:latin typeface="Lucida Console" pitchFamily="49" charset="0"/>
+              </a:rPr>
+              <a:t>(</a:t>
+            </a:r>
+            <a:r>
+              <a:rPr lang="pl-PL" sz="1600" dirty="0">
+                <a:latin typeface="Lucida Console" pitchFamily="49" charset="0"/>
+              </a:rPr>
+              <a:t>2, '</a:t>
+            </a:r>
+            <a:r>
+              <a:rPr lang="pl-PL" sz="1600" dirty="0" err="1">
+                <a:latin typeface="Lucida Console" pitchFamily="49" charset="0"/>
+              </a:rPr>
+              <a:t>Condiments</a:t>
+            </a:r>
+            <a:r>
+              <a:rPr lang="pl-PL" sz="1600" dirty="0">
+                <a:latin typeface="Lucida Console" pitchFamily="49" charset="0"/>
+              </a:rPr>
+              <a:t>', '</a:t>
+            </a:r>
+            <a:r>
+              <a:rPr lang="pl-PL" sz="1600" dirty="0" err="1">
+                <a:latin typeface="Lucida Console" pitchFamily="49" charset="0"/>
+              </a:rPr>
+              <a:t>Sweet</a:t>
+            </a:r>
+            <a:r>
+              <a:rPr lang="pl-PL" sz="1600" dirty="0">
+                <a:latin typeface="Lucida Console" pitchFamily="49" charset="0"/>
+              </a:rPr>
+              <a:t> and </a:t>
+            </a:r>
+            <a:r>
+              <a:rPr lang="pl-PL" sz="1600" dirty="0" err="1">
+                <a:latin typeface="Lucida Console" pitchFamily="49" charset="0"/>
+              </a:rPr>
+              <a:t>savory</a:t>
+            </a:r>
+            <a:r>
+              <a:rPr lang="pl-PL" sz="1600" dirty="0">
+                <a:latin typeface="Lucida Console" pitchFamily="49" charset="0"/>
+              </a:rPr>
+              <a:t> </a:t>
+            </a:r>
+            <a:r>
+              <a:rPr lang="pl-PL" sz="1600" dirty="0" err="1" smtClean="0">
+                <a:latin typeface="Lucida Console" pitchFamily="49" charset="0"/>
+              </a:rPr>
+              <a:t>sauces</a:t>
+            </a:r>
+            <a:r>
+              <a:rPr lang="pl-PL" sz="1600" dirty="0" smtClean="0">
+                <a:latin typeface="Lucida Console" pitchFamily="49" charset="0"/>
+              </a:rPr>
+              <a:t>', ''),</a:t>
+            </a:r>
+          </a:p>
+          <a:p>
+            <a:pPr marL="0" indent="0">
+              <a:buNone/>
+            </a:pPr>
+            <a:r>
+              <a:rPr lang="pl-PL" sz="1600" dirty="0" smtClean="0">
+                <a:latin typeface="Lucida Console" pitchFamily="49" charset="0"/>
+              </a:rPr>
+              <a:t>(</a:t>
+            </a:r>
+            <a:r>
+              <a:rPr lang="pl-PL" sz="1600" dirty="0">
+                <a:latin typeface="Lucida Console" pitchFamily="49" charset="0"/>
+              </a:rPr>
+              <a:t>3, '</a:t>
+            </a:r>
+            <a:r>
+              <a:rPr lang="pl-PL" sz="1600" dirty="0" err="1">
+                <a:latin typeface="Lucida Console" pitchFamily="49" charset="0"/>
+              </a:rPr>
+              <a:t>Confections</a:t>
+            </a:r>
+            <a:r>
+              <a:rPr lang="pl-PL" sz="1600" dirty="0">
+                <a:latin typeface="Lucida Console" pitchFamily="49" charset="0"/>
+              </a:rPr>
+              <a:t>', '</a:t>
+            </a:r>
+            <a:r>
+              <a:rPr lang="pl-PL" sz="1600" dirty="0" err="1">
+                <a:latin typeface="Lucida Console" pitchFamily="49" charset="0"/>
+              </a:rPr>
+              <a:t>Desserts</a:t>
+            </a:r>
+            <a:r>
+              <a:rPr lang="pl-PL" sz="1600" dirty="0">
+                <a:latin typeface="Lucida Console" pitchFamily="49" charset="0"/>
+              </a:rPr>
+              <a:t>, </a:t>
+            </a:r>
+            <a:r>
+              <a:rPr lang="pl-PL" sz="1600" dirty="0" err="1">
+                <a:latin typeface="Lucida Console" pitchFamily="49" charset="0"/>
+              </a:rPr>
+              <a:t>candies</a:t>
+            </a:r>
+            <a:r>
+              <a:rPr lang="pl-PL" sz="1600" dirty="0">
+                <a:latin typeface="Lucida Console" pitchFamily="49" charset="0"/>
+              </a:rPr>
+              <a:t>, and </a:t>
+            </a:r>
+            <a:r>
+              <a:rPr lang="pl-PL" sz="1600" dirty="0" err="1">
+                <a:latin typeface="Lucida Console" pitchFamily="49" charset="0"/>
+              </a:rPr>
+              <a:t>sweet</a:t>
+            </a:r>
+            <a:r>
+              <a:rPr lang="pl-PL" sz="1600" dirty="0">
+                <a:latin typeface="Lucida Console" pitchFamily="49" charset="0"/>
+              </a:rPr>
+              <a:t> </a:t>
+            </a:r>
+            <a:r>
+              <a:rPr lang="pl-PL" sz="1600" dirty="0" err="1">
+                <a:latin typeface="Lucida Console" pitchFamily="49" charset="0"/>
+              </a:rPr>
+              <a:t>breads</a:t>
+            </a:r>
+            <a:r>
+              <a:rPr lang="pl-PL" sz="1600" dirty="0">
+                <a:latin typeface="Lucida Console" pitchFamily="49" charset="0"/>
+              </a:rPr>
+              <a:t>', </a:t>
+            </a:r>
+            <a:r>
+              <a:rPr lang="pl-PL" sz="1600" dirty="0" smtClean="0">
+                <a:latin typeface="Lucida Console" pitchFamily="49" charset="0"/>
+              </a:rPr>
+              <a:t>''),</a:t>
+            </a:r>
+          </a:p>
+          <a:p>
+            <a:pPr marL="0" indent="0">
+              <a:buNone/>
+            </a:pPr>
+            <a:r>
+              <a:rPr lang="pl-PL" sz="1600" dirty="0" smtClean="0">
+                <a:latin typeface="Lucida Console" pitchFamily="49" charset="0"/>
+              </a:rPr>
+              <a:t>(</a:t>
+            </a:r>
+            <a:r>
+              <a:rPr lang="pl-PL" sz="1600" dirty="0">
+                <a:latin typeface="Lucida Console" pitchFamily="49" charset="0"/>
+              </a:rPr>
+              <a:t>4, '</a:t>
+            </a:r>
+            <a:r>
+              <a:rPr lang="pl-PL" sz="1600" dirty="0" err="1">
+                <a:latin typeface="Lucida Console" pitchFamily="49" charset="0"/>
+              </a:rPr>
+              <a:t>Dairy</a:t>
+            </a:r>
+            <a:r>
+              <a:rPr lang="pl-PL" sz="1600" dirty="0">
+                <a:latin typeface="Lucida Console" pitchFamily="49" charset="0"/>
+              </a:rPr>
+              <a:t> Products', '</a:t>
+            </a:r>
+            <a:r>
+              <a:rPr lang="pl-PL" sz="1600" dirty="0" err="1">
+                <a:latin typeface="Lucida Console" pitchFamily="49" charset="0"/>
+              </a:rPr>
+              <a:t>Cheeses</a:t>
+            </a:r>
+            <a:r>
+              <a:rPr lang="pl-PL" sz="1600" dirty="0">
+                <a:latin typeface="Lucida Console" pitchFamily="49" charset="0"/>
+              </a:rPr>
+              <a:t>', </a:t>
+            </a:r>
+            <a:r>
+              <a:rPr lang="pl-PL" sz="1600" dirty="0" smtClean="0">
+                <a:latin typeface="Lucida Console" pitchFamily="49" charset="0"/>
+              </a:rPr>
+              <a:t>''),</a:t>
+            </a:r>
+          </a:p>
+          <a:p>
+            <a:pPr marL="0" indent="0">
+              <a:buNone/>
+            </a:pPr>
+            <a:r>
+              <a:rPr lang="pl-PL" sz="1600" dirty="0" smtClean="0">
+                <a:latin typeface="Lucida Console" pitchFamily="49" charset="0"/>
+              </a:rPr>
+              <a:t>(</a:t>
+            </a:r>
+            <a:r>
+              <a:rPr lang="pl-PL" sz="1600" dirty="0">
+                <a:latin typeface="Lucida Console" pitchFamily="49" charset="0"/>
+              </a:rPr>
+              <a:t>5, '</a:t>
+            </a:r>
+            <a:r>
+              <a:rPr lang="pl-PL" sz="1600" dirty="0" err="1">
+                <a:latin typeface="Lucida Console" pitchFamily="49" charset="0"/>
+              </a:rPr>
+              <a:t>Grains</a:t>
+            </a:r>
+            <a:r>
+              <a:rPr lang="pl-PL" sz="1600" dirty="0">
+                <a:latin typeface="Lucida Console" pitchFamily="49" charset="0"/>
+              </a:rPr>
+              <a:t>/</a:t>
+            </a:r>
+            <a:r>
+              <a:rPr lang="pl-PL" sz="1600" dirty="0" err="1">
+                <a:latin typeface="Lucida Console" pitchFamily="49" charset="0"/>
+              </a:rPr>
+              <a:t>Cereals</a:t>
+            </a:r>
+            <a:r>
+              <a:rPr lang="pl-PL" sz="1600" dirty="0">
+                <a:latin typeface="Lucida Console" pitchFamily="49" charset="0"/>
+              </a:rPr>
+              <a:t>', '</a:t>
+            </a:r>
+            <a:r>
+              <a:rPr lang="pl-PL" sz="1600" dirty="0" err="1">
+                <a:latin typeface="Lucida Console" pitchFamily="49" charset="0"/>
+              </a:rPr>
+              <a:t>Breads</a:t>
+            </a:r>
+            <a:r>
+              <a:rPr lang="pl-PL" sz="1600" dirty="0">
+                <a:latin typeface="Lucida Console" pitchFamily="49" charset="0"/>
+              </a:rPr>
+              <a:t>, </a:t>
+            </a:r>
+            <a:r>
+              <a:rPr lang="pl-PL" sz="1600" dirty="0" err="1">
+                <a:latin typeface="Lucida Console" pitchFamily="49" charset="0"/>
+              </a:rPr>
+              <a:t>crackers</a:t>
+            </a:r>
+            <a:r>
+              <a:rPr lang="pl-PL" sz="1600" dirty="0">
+                <a:latin typeface="Lucida Console" pitchFamily="49" charset="0"/>
+              </a:rPr>
+              <a:t>, pasta, and </a:t>
+            </a:r>
+            <a:r>
+              <a:rPr lang="pl-PL" sz="1600" dirty="0" err="1">
+                <a:latin typeface="Lucida Console" pitchFamily="49" charset="0"/>
+              </a:rPr>
+              <a:t>cereal</a:t>
+            </a:r>
+            <a:r>
+              <a:rPr lang="pl-PL" sz="1600" dirty="0">
+                <a:latin typeface="Lucida Console" pitchFamily="49" charset="0"/>
+              </a:rPr>
+              <a:t>', </a:t>
+            </a:r>
+            <a:r>
+              <a:rPr lang="pl-PL" sz="1600" dirty="0" smtClean="0">
+                <a:latin typeface="Lucida Console" pitchFamily="49" charset="0"/>
+              </a:rPr>
+              <a:t>''),</a:t>
+            </a:r>
+          </a:p>
+          <a:p>
+            <a:pPr marL="0" indent="0">
+              <a:buNone/>
+            </a:pPr>
+            <a:r>
+              <a:rPr lang="pl-PL" sz="1600" dirty="0" smtClean="0">
+                <a:latin typeface="Lucida Console" pitchFamily="49" charset="0"/>
+              </a:rPr>
+              <a:t>(</a:t>
+            </a:r>
+            <a:r>
+              <a:rPr lang="pl-PL" sz="1600" dirty="0">
+                <a:latin typeface="Lucida Console" pitchFamily="49" charset="0"/>
+              </a:rPr>
+              <a:t>6, '</a:t>
+            </a:r>
+            <a:r>
+              <a:rPr lang="pl-PL" sz="1600" dirty="0" err="1">
+                <a:latin typeface="Lucida Console" pitchFamily="49" charset="0"/>
+              </a:rPr>
+              <a:t>Meat</a:t>
+            </a:r>
+            <a:r>
+              <a:rPr lang="pl-PL" sz="1600" dirty="0">
+                <a:latin typeface="Lucida Console" pitchFamily="49" charset="0"/>
+              </a:rPr>
+              <a:t>/</a:t>
+            </a:r>
+            <a:r>
+              <a:rPr lang="pl-PL" sz="1600" dirty="0" err="1">
+                <a:latin typeface="Lucida Console" pitchFamily="49" charset="0"/>
+              </a:rPr>
+              <a:t>Poultry</a:t>
+            </a:r>
+            <a:r>
+              <a:rPr lang="pl-PL" sz="1600" dirty="0">
+                <a:latin typeface="Lucida Console" pitchFamily="49" charset="0"/>
+              </a:rPr>
+              <a:t>', '</a:t>
+            </a:r>
+            <a:r>
+              <a:rPr lang="pl-PL" sz="1600" dirty="0" err="1">
+                <a:latin typeface="Lucida Console" pitchFamily="49" charset="0"/>
+              </a:rPr>
+              <a:t>Prepared</a:t>
+            </a:r>
+            <a:r>
+              <a:rPr lang="pl-PL" sz="1600" dirty="0">
+                <a:latin typeface="Lucida Console" pitchFamily="49" charset="0"/>
+              </a:rPr>
+              <a:t> </a:t>
+            </a:r>
+            <a:r>
+              <a:rPr lang="pl-PL" sz="1600" dirty="0" err="1">
+                <a:latin typeface="Lucida Console" pitchFamily="49" charset="0"/>
+              </a:rPr>
+              <a:t>meats</a:t>
+            </a:r>
+            <a:r>
+              <a:rPr lang="pl-PL" sz="1600" dirty="0">
+                <a:latin typeface="Lucida Console" pitchFamily="49" charset="0"/>
+              </a:rPr>
+              <a:t>', </a:t>
+            </a:r>
+            <a:r>
+              <a:rPr lang="pl-PL" sz="1600" dirty="0" smtClean="0">
+                <a:latin typeface="Lucida Console" pitchFamily="49" charset="0"/>
+              </a:rPr>
+              <a:t>''),</a:t>
+            </a:r>
+          </a:p>
+          <a:p>
+            <a:pPr marL="0" indent="0">
+              <a:buNone/>
+            </a:pPr>
+            <a:r>
+              <a:rPr lang="pl-PL" sz="1600" dirty="0" smtClean="0">
+                <a:latin typeface="Lucida Console" pitchFamily="49" charset="0"/>
+              </a:rPr>
+              <a:t>(</a:t>
+            </a:r>
+            <a:r>
+              <a:rPr lang="pl-PL" sz="1600" dirty="0">
+                <a:latin typeface="Lucida Console" pitchFamily="49" charset="0"/>
+              </a:rPr>
+              <a:t>7, '</a:t>
+            </a:r>
+            <a:r>
+              <a:rPr lang="pl-PL" sz="1600" dirty="0" err="1">
+                <a:latin typeface="Lucida Console" pitchFamily="49" charset="0"/>
+              </a:rPr>
+              <a:t>Produce</a:t>
+            </a:r>
+            <a:r>
+              <a:rPr lang="pl-PL" sz="1600" dirty="0">
+                <a:latin typeface="Lucida Console" pitchFamily="49" charset="0"/>
+              </a:rPr>
+              <a:t>', '</a:t>
+            </a:r>
+            <a:r>
+              <a:rPr lang="pl-PL" sz="1600" dirty="0" err="1">
+                <a:latin typeface="Lucida Console" pitchFamily="49" charset="0"/>
+              </a:rPr>
+              <a:t>Dried</a:t>
+            </a:r>
+            <a:r>
+              <a:rPr lang="pl-PL" sz="1600" dirty="0">
+                <a:latin typeface="Lucida Console" pitchFamily="49" charset="0"/>
+              </a:rPr>
+              <a:t> </a:t>
+            </a:r>
+            <a:r>
+              <a:rPr lang="pl-PL" sz="1600" dirty="0" err="1">
+                <a:latin typeface="Lucida Console" pitchFamily="49" charset="0"/>
+              </a:rPr>
+              <a:t>fruit</a:t>
+            </a:r>
+            <a:r>
+              <a:rPr lang="pl-PL" sz="1600" dirty="0">
+                <a:latin typeface="Lucida Console" pitchFamily="49" charset="0"/>
+              </a:rPr>
+              <a:t> and bean </a:t>
+            </a:r>
+            <a:r>
+              <a:rPr lang="pl-PL" sz="1600" dirty="0" err="1">
+                <a:latin typeface="Lucida Console" pitchFamily="49" charset="0"/>
+              </a:rPr>
+              <a:t>curd</a:t>
+            </a:r>
+            <a:r>
+              <a:rPr lang="pl-PL" sz="1600" dirty="0">
+                <a:latin typeface="Lucida Console" pitchFamily="49" charset="0"/>
+              </a:rPr>
+              <a:t>', </a:t>
+            </a:r>
+            <a:r>
+              <a:rPr lang="pl-PL" sz="1600" dirty="0" smtClean="0">
+                <a:latin typeface="Lucida Console" pitchFamily="49" charset="0"/>
+              </a:rPr>
+              <a:t>''),</a:t>
+            </a:r>
+          </a:p>
+          <a:p>
+            <a:pPr marL="0" indent="0">
+              <a:buNone/>
+            </a:pPr>
+            <a:r>
+              <a:rPr lang="pl-PL" sz="1600" dirty="0" smtClean="0">
+                <a:latin typeface="Lucida Console" pitchFamily="49" charset="0"/>
+              </a:rPr>
+              <a:t>(</a:t>
+            </a:r>
+            <a:r>
+              <a:rPr lang="pl-PL" sz="1600" dirty="0">
+                <a:latin typeface="Lucida Console" pitchFamily="49" charset="0"/>
+              </a:rPr>
+              <a:t>8, '</a:t>
+            </a:r>
+            <a:r>
+              <a:rPr lang="pl-PL" sz="1600" dirty="0" err="1">
+                <a:latin typeface="Lucida Console" pitchFamily="49" charset="0"/>
+              </a:rPr>
+              <a:t>Seafood</a:t>
+            </a:r>
+            <a:r>
+              <a:rPr lang="pl-PL" sz="1600" dirty="0">
+                <a:latin typeface="Lucida Console" pitchFamily="49" charset="0"/>
+              </a:rPr>
+              <a:t>', '</a:t>
+            </a:r>
+            <a:r>
+              <a:rPr lang="pl-PL" sz="1600" dirty="0" err="1">
+                <a:latin typeface="Lucida Console" pitchFamily="49" charset="0"/>
+              </a:rPr>
+              <a:t>Seaweed</a:t>
+            </a:r>
+            <a:r>
+              <a:rPr lang="pl-PL" sz="1600" dirty="0">
+                <a:latin typeface="Lucida Console" pitchFamily="49" charset="0"/>
+              </a:rPr>
+              <a:t> and </a:t>
+            </a:r>
+            <a:r>
+              <a:rPr lang="pl-PL" sz="1600" dirty="0" err="1">
+                <a:latin typeface="Lucida Console" pitchFamily="49" charset="0"/>
+              </a:rPr>
+              <a:t>fish</a:t>
+            </a:r>
+            <a:r>
+              <a:rPr lang="pl-PL" sz="1600" dirty="0">
+                <a:latin typeface="Lucida Console" pitchFamily="49" charset="0"/>
+              </a:rPr>
+              <a:t>', '');</a:t>
+            </a:r>
+            <a:endParaRPr lang="pl-PL" sz="1600" dirty="0">
+              <a:latin typeface="Lucida Console" pitchFamily="49" charset="0"/>
+            </a:endParaRPr>
+          </a:p>
+        </p:txBody>
+      </p:sp>
+    </p:spTree>
+    <p:extLst>
+      <p:ext uri="{BB962C8B-B14F-4D97-AF65-F5344CB8AC3E}">
+        <p14:creationId xmlns:p14="http://schemas.microsoft.com/office/powerpoint/2010/main" val="1143265479"/>
+      </p:ext>
+    </p:extLst>
+  </p:cSld>
+  <p:clrMapOvr>
+    <a:masterClrMapping/>
+  </p:clrMapOvr>
+</p:sld>
+</file>
+
+<file path=ppt/slides/slide17.xml><?xml version="1.0" encoding="utf-8"?>
+<p:sld xmlns:a="http://schemas.openxmlformats.org/drawingml/2006/main" xmlns:r="http://schemas.openxmlformats.org/officeDocument/2006/relationships" xmlns:p="http://schemas.openxmlformats.org/presentationml/2006/main">
+  <p:cSld>
+    <p:spTree>
+      <p:nvGrpSpPr>
+        <p:cNvPr id="1" name=""/>
+        <p:cNvGrpSpPr/>
+        <p:nvPr/>
+      </p:nvGrpSpPr>
+      <p:grpSpPr>
+        <a:xfrm>
+          <a:off x="0" y="0"/>
+          <a:ext cx="0" cy="0"/>
+          <a:chOff x="0" y="0"/>
+          <a:chExt cx="0" cy="0"/>
+        </a:xfrm>
+      </p:grpSpPr>
+      <p:sp>
+        <p:nvSpPr>
+          <p:cNvPr id="2" name="Tytuł 1"/>
+          <p:cNvSpPr>
+            <a:spLocks noGrp="1"/>
+          </p:cNvSpPr>
+          <p:nvPr>
+            <p:ph type="title"/>
+          </p:nvPr>
+        </p:nvSpPr>
+        <p:spPr/>
+        <p:txBody>
+          <a:bodyPr/>
+          <a:lstStyle/>
+          <a:p>
+            <a:r>
+              <a:rPr lang="pl-PL" dirty="0" err="1" smtClean="0"/>
+              <a:t>Hibernate</a:t>
+            </a:r>
+            <a:r>
+              <a:rPr lang="pl-PL" dirty="0" smtClean="0"/>
+              <a:t> – dostęp do bazy</a:t>
+            </a:r>
+            <a:endParaRPr lang="pl-PL" dirty="0"/>
+          </a:p>
+        </p:txBody>
+      </p:sp>
+      <p:sp>
+        <p:nvSpPr>
+          <p:cNvPr id="3" name="Symbol zastępczy zawartości 2"/>
+          <p:cNvSpPr>
+            <a:spLocks noGrp="1"/>
+          </p:cNvSpPr>
+          <p:nvPr>
+            <p:ph idx="1"/>
+          </p:nvPr>
+        </p:nvSpPr>
+        <p:spPr/>
+        <p:txBody>
+          <a:bodyPr/>
+          <a:lstStyle/>
+          <a:p>
+            <a:r>
+              <a:rPr lang="pl-PL" dirty="0" smtClean="0"/>
+              <a:t>Sposób nawiązywania połączenia</a:t>
+            </a:r>
+            <a:endParaRPr lang="pl-PL" dirty="0"/>
+          </a:p>
+        </p:txBody>
+      </p:sp>
+    </p:spTree>
+    <p:extLst>
+      <p:ext uri="{BB962C8B-B14F-4D97-AF65-F5344CB8AC3E}">
+        <p14:creationId xmlns:p14="http://schemas.microsoft.com/office/powerpoint/2010/main" val="1573387188"/>
+      </p:ext>
+    </p:extLst>
+  </p:cSld>
+  <p:clrMapOvr>
+    <a:masterClrMapping/>
+  </p:clrMapOvr>
+</p:sld>
+</file>
+
+<file path=ppt/slides/slide18.xml><?xml version="1.0" encoding="utf-8"?>
+<p:sld xmlns:a="http://schemas.openxmlformats.org/drawingml/2006/main" xmlns:r="http://schemas.openxmlformats.org/officeDocument/2006/relationships" xmlns:p="http://schemas.openxmlformats.org/presentationml/2006/main">
+  <p:cSld>
+    <p:spTree>
+      <p:nvGrpSpPr>
+        <p:cNvPr id="1" name=""/>
+        <p:cNvGrpSpPr/>
+        <p:nvPr/>
+      </p:nvGrpSpPr>
+      <p:grpSpPr>
+        <a:xfrm>
+          <a:off x="0" y="0"/>
+          <a:ext cx="0" cy="0"/>
+          <a:chOff x="0" y="0"/>
+          <a:chExt cx="0" cy="0"/>
+        </a:xfrm>
+      </p:grpSpPr>
+      <p:sp>
+        <p:nvSpPr>
+          <p:cNvPr id="2" name="Tytuł 1"/>
+          <p:cNvSpPr>
+            <a:spLocks noGrp="1"/>
+          </p:cNvSpPr>
+          <p:nvPr>
+            <p:ph type="title"/>
+          </p:nvPr>
+        </p:nvSpPr>
+        <p:spPr/>
+        <p:txBody>
+          <a:bodyPr/>
+          <a:lstStyle/>
+          <a:p>
+            <a:r>
+              <a:rPr lang="pl-PL" dirty="0" err="1" smtClean="0"/>
+              <a:t>Hibernate</a:t>
+            </a:r>
+            <a:r>
+              <a:rPr lang="pl-PL" dirty="0" smtClean="0"/>
+              <a:t> – dostęp do bazy</a:t>
+            </a:r>
+            <a:endParaRPr lang="pl-PL" dirty="0"/>
+          </a:p>
+        </p:txBody>
+      </p:sp>
+      <p:sp>
+        <p:nvSpPr>
+          <p:cNvPr id="3" name="Symbol zastępczy zawartości 2"/>
+          <p:cNvSpPr>
+            <a:spLocks noGrp="1"/>
+          </p:cNvSpPr>
+          <p:nvPr>
+            <p:ph idx="1"/>
+          </p:nvPr>
+        </p:nvSpPr>
+        <p:spPr/>
+        <p:txBody>
+          <a:bodyPr/>
+          <a:lstStyle/>
+          <a:p>
+            <a:r>
+              <a:rPr lang="pl-PL" dirty="0" smtClean="0"/>
+              <a:t>CRUD na wybranej tabeli</a:t>
+            </a:r>
+            <a:endParaRPr lang="pl-PL" dirty="0"/>
+          </a:p>
+        </p:txBody>
+      </p:sp>
+    </p:spTree>
+    <p:extLst>
+      <p:ext uri="{BB962C8B-B14F-4D97-AF65-F5344CB8AC3E}">
+        <p14:creationId xmlns:p14="http://schemas.microsoft.com/office/powerpoint/2010/main" val="1573387188"/>
+      </p:ext>
+    </p:extLst>
+  </p:cSld>
+  <p:clrMapOvr>
+    <a:masterClrMapping/>
+  </p:clrMapOvr>
+</p:sld>
+</file>
+
+<file path=ppt/slides/slide19.xml><?xml version="1.0" encoding="utf-8"?>
+<p:sld xmlns:a="http://schemas.openxmlformats.org/drawingml/2006/main" xmlns:r="http://schemas.openxmlformats.org/officeDocument/2006/relationships" xmlns:p="http://schemas.openxmlformats.org/presentationml/2006/main">
+  <p:cSld>
+    <p:spTree>
+      <p:nvGrpSpPr>
+        <p:cNvPr id="1" name=""/>
+        <p:cNvGrpSpPr/>
+        <p:nvPr/>
+      </p:nvGrpSpPr>
+      <p:grpSpPr>
+        <a:xfrm>
+          <a:off x="0" y="0"/>
+          <a:ext cx="0" cy="0"/>
+          <a:chOff x="0" y="0"/>
+          <a:chExt cx="0" cy="0"/>
+        </a:xfrm>
+      </p:grpSpPr>
+      <p:sp>
+        <p:nvSpPr>
+          <p:cNvPr id="2" name="Tytuł 1"/>
+          <p:cNvSpPr>
+            <a:spLocks noGrp="1"/>
+          </p:cNvSpPr>
+          <p:nvPr>
+            <p:ph type="title"/>
+          </p:nvPr>
+        </p:nvSpPr>
+        <p:spPr/>
+        <p:txBody>
+          <a:bodyPr/>
+          <a:lstStyle/>
+          <a:p>
+            <a:r>
+              <a:rPr lang="pl-PL" dirty="0" err="1" smtClean="0"/>
+              <a:t>Hibernate</a:t>
+            </a:r>
+            <a:r>
+              <a:rPr lang="pl-PL" dirty="0" smtClean="0"/>
+              <a:t> – dostęp do bazy</a:t>
+            </a:r>
+            <a:endParaRPr lang="pl-PL" dirty="0"/>
+          </a:p>
+        </p:txBody>
+      </p:sp>
+      <p:sp>
+        <p:nvSpPr>
+          <p:cNvPr id="3" name="Symbol zastępczy zawartości 2"/>
+          <p:cNvSpPr>
+            <a:spLocks noGrp="1"/>
+          </p:cNvSpPr>
+          <p:nvPr>
+            <p:ph idx="1"/>
+          </p:nvPr>
+        </p:nvSpPr>
+        <p:spPr/>
+        <p:txBody>
+          <a:bodyPr/>
+          <a:lstStyle/>
+          <a:p>
+            <a:r>
+              <a:rPr lang="pl-PL" dirty="0" smtClean="0"/>
+              <a:t>Obsługa relacji</a:t>
+            </a:r>
+            <a:endParaRPr lang="pl-PL" dirty="0"/>
+          </a:p>
+        </p:txBody>
+      </p:sp>
+    </p:spTree>
+    <p:extLst>
+      <p:ext uri="{BB962C8B-B14F-4D97-AF65-F5344CB8AC3E}">
+        <p14:creationId xmlns:p14="http://schemas.microsoft.com/office/powerpoint/2010/main" val="3056722092"/>
+      </p:ext>
+    </p:extLst>
+  </p:cSld>
+  <p:clrMapOvr>
+    <a:masterClrMapping/>
+  </p:clrMapOvr>
+</p:sld>
+</file>
+
+<file path=ppt/slides/slide2.xml><?xml version="1.0" encoding="utf-8"?>
+<p:sld xmlns:a="http://schemas.openxmlformats.org/drawingml/2006/main" xmlns:r="http://schemas.openxmlformats.org/officeDocument/2006/relationships" xmlns:p="http://schemas.openxmlformats.org/presentationml/2006/main">
+  <p:cSld>
+    <p:spTree>
+      <p:nvGrpSpPr>
+        <p:cNvPr id="1" name=""/>
+        <p:cNvGrpSpPr/>
+        <p:nvPr/>
+      </p:nvGrpSpPr>
+      <p:grpSpPr>
+        <a:xfrm>
+          <a:off x="0" y="0"/>
+          <a:ext cx="0" cy="0"/>
+          <a:chOff x="0" y="0"/>
+          <a:chExt cx="0" cy="0"/>
+        </a:xfrm>
+      </p:grpSpPr>
+      <p:sp>
+        <p:nvSpPr>
+          <p:cNvPr id="2" name="Tytuł 1"/>
+          <p:cNvSpPr>
+            <a:spLocks noGrp="1"/>
+          </p:cNvSpPr>
+          <p:nvPr>
+            <p:ph type="title"/>
+          </p:nvPr>
+        </p:nvSpPr>
+        <p:spPr/>
+        <p:txBody>
+          <a:bodyPr/>
+          <a:lstStyle/>
+          <a:p>
+            <a:r>
+              <a:rPr lang="pl-PL" dirty="0" smtClean="0"/>
+              <a:t>O MySQL</a:t>
+            </a:r>
+            <a:endParaRPr lang="pl-PL" dirty="0"/>
+          </a:p>
+        </p:txBody>
+      </p:sp>
+      <p:sp>
+        <p:nvSpPr>
+          <p:cNvPr id="3" name="Symbol zastępczy zawartości 2"/>
+          <p:cNvSpPr>
+            <a:spLocks noGrp="1"/>
+          </p:cNvSpPr>
+          <p:nvPr>
+            <p:ph idx="1"/>
+          </p:nvPr>
+        </p:nvSpPr>
+        <p:spPr/>
+        <p:txBody>
+          <a:bodyPr>
+            <a:normAutofit fontScale="77500" lnSpcReduction="20000"/>
+          </a:bodyPr>
+          <a:lstStyle/>
+          <a:p>
+            <a:r>
+              <a:rPr lang="pl-PL" dirty="0" smtClean="0"/>
+              <a:t>Założenia i cele twórców - </a:t>
+            </a:r>
+            <a:r>
+              <a:rPr lang="pl-PL" dirty="0"/>
+              <a:t>MySQL był pisany raczej z myślą o szybkości niż kompatybilności ze standardem </a:t>
+            </a:r>
+            <a:r>
+              <a:rPr lang="pl-PL" u="sng" dirty="0" smtClean="0"/>
+              <a:t>SQL (</a:t>
+            </a:r>
+            <a:r>
+              <a:rPr lang="pl-PL" dirty="0"/>
+              <a:t>przez dłuższy czas MySQL nie obsługiwał </a:t>
+            </a:r>
+            <a:r>
+              <a:rPr lang="pl-PL" dirty="0" smtClean="0"/>
+              <a:t>nawet </a:t>
+            </a:r>
+            <a:r>
+              <a:rPr lang="pl-PL" u="sng" dirty="0" smtClean="0"/>
+              <a:t>transakcji)</a:t>
+            </a:r>
+          </a:p>
+          <a:p>
+            <a:r>
+              <a:rPr lang="en-US" dirty="0"/>
+              <a:t>MySQL is a popular choice of database for use in web applications, and is a central component of the widely used LAMP open source web application software stack </a:t>
+            </a:r>
+            <a:r>
+              <a:rPr lang="en-US" dirty="0" smtClean="0"/>
+              <a:t>Linux</a:t>
+            </a:r>
+            <a:r>
+              <a:rPr lang="en-US" dirty="0"/>
+              <a:t>, Apache, MySQL, </a:t>
+            </a:r>
+            <a:r>
+              <a:rPr lang="en-US" dirty="0" smtClean="0"/>
+              <a:t>Perl/PHP/Python</a:t>
+            </a:r>
+            <a:r>
+              <a:rPr lang="pl-PL" dirty="0" smtClean="0"/>
+              <a:t>)</a:t>
+            </a:r>
+            <a:endParaRPr lang="pl-PL" dirty="0"/>
+          </a:p>
+          <a:p>
+            <a:r>
+              <a:rPr lang="en-US" dirty="0" smtClean="0"/>
+              <a:t>Free-software-open </a:t>
+            </a:r>
+            <a:r>
+              <a:rPr lang="en-US" dirty="0"/>
+              <a:t>source projects that require a full-featured database management system often use MySQL.</a:t>
+            </a:r>
+            <a:r>
+              <a:rPr lang="pl-PL" dirty="0" smtClean="0"/>
+              <a:t>Ciekawe cechy, zalety, wady, przeznaczenie -&gt; w wersji 5 dodano procedury składowane, wyzwalacze</a:t>
+            </a:r>
+            <a:r>
+              <a:rPr lang="pl-PL" dirty="0"/>
+              <a:t> </a:t>
+            </a:r>
+            <a:r>
+              <a:rPr lang="pl-PL" dirty="0" smtClean="0"/>
+              <a:t>, widoki</a:t>
+            </a:r>
+          </a:p>
+          <a:p>
+            <a:r>
+              <a:rPr lang="en-US" dirty="0"/>
+              <a:t>the world's most widely used</a:t>
+            </a:r>
+            <a:endParaRPr lang="pl-PL" dirty="0" smtClean="0"/>
+          </a:p>
+        </p:txBody>
+      </p:sp>
+    </p:spTree>
+    <p:extLst>
+      <p:ext uri="{BB962C8B-B14F-4D97-AF65-F5344CB8AC3E}">
+        <p14:creationId xmlns:p14="http://schemas.microsoft.com/office/powerpoint/2010/main" val="3244559909"/>
+      </p:ext>
+    </p:extLst>
+  </p:cSld>
+  <p:clrMapOvr>
+    <a:masterClrMapping/>
+  </p:clrMapOvr>
+</p:sld>
+</file>
+
+<file path=ppt/slides/slide20.xml><?xml version="1.0" encoding="utf-8"?>
+<p:sld xmlns:a="http://schemas.openxmlformats.org/drawingml/2006/main" xmlns:r="http://schemas.openxmlformats.org/officeDocument/2006/relationships" xmlns:p="http://schemas.openxmlformats.org/presentationml/2006/main">
+  <p:cSld>
+    <p:spTree>
+      <p:nvGrpSpPr>
+        <p:cNvPr id="1" name=""/>
+        <p:cNvGrpSpPr/>
+        <p:nvPr/>
+      </p:nvGrpSpPr>
+      <p:grpSpPr>
+        <a:xfrm>
+          <a:off x="0" y="0"/>
+          <a:ext cx="0" cy="0"/>
+          <a:chOff x="0" y="0"/>
+          <a:chExt cx="0" cy="0"/>
+        </a:xfrm>
+      </p:grpSpPr>
+      <p:sp>
+        <p:nvSpPr>
+          <p:cNvPr id="2" name="Tytuł 1"/>
+          <p:cNvSpPr>
+            <a:spLocks noGrp="1"/>
+          </p:cNvSpPr>
+          <p:nvPr>
+            <p:ph type="title"/>
+          </p:nvPr>
+        </p:nvSpPr>
+        <p:spPr/>
+        <p:txBody>
+          <a:bodyPr/>
+          <a:lstStyle/>
+          <a:p>
+            <a:r>
+              <a:rPr lang="pl-PL" dirty="0" err="1" smtClean="0"/>
+              <a:t>Hibernate</a:t>
+            </a:r>
+            <a:r>
+              <a:rPr lang="pl-PL" dirty="0" smtClean="0"/>
+              <a:t> – dostęp do bazy</a:t>
+            </a:r>
+            <a:endParaRPr lang="pl-PL" dirty="0"/>
+          </a:p>
+        </p:txBody>
+      </p:sp>
+      <p:sp>
+        <p:nvSpPr>
+          <p:cNvPr id="3" name="Symbol zastępczy zawartości 2"/>
+          <p:cNvSpPr>
+            <a:spLocks noGrp="1"/>
+          </p:cNvSpPr>
+          <p:nvPr>
+            <p:ph idx="1"/>
+          </p:nvPr>
+        </p:nvSpPr>
+        <p:spPr/>
+        <p:txBody>
+          <a:bodyPr/>
+          <a:lstStyle/>
+          <a:p>
+            <a:r>
+              <a:rPr lang="pl-PL" dirty="0" smtClean="0"/>
+              <a:t>Obsługa transakcji</a:t>
+            </a:r>
+            <a:endParaRPr lang="pl-PL" dirty="0"/>
+          </a:p>
+        </p:txBody>
+      </p:sp>
+    </p:spTree>
+    <p:extLst>
+      <p:ext uri="{BB962C8B-B14F-4D97-AF65-F5344CB8AC3E}">
+        <p14:creationId xmlns:p14="http://schemas.microsoft.com/office/powerpoint/2010/main" val="1573387188"/>
+      </p:ext>
+    </p:extLst>
+  </p:cSld>
+  <p:clrMapOvr>
+    <a:masterClrMapping/>
+  </p:clrMapOvr>
+</p:sld>
+</file>
+
+<file path=ppt/slides/slide21.xml><?xml version="1.0" encoding="utf-8"?>
+<p:sld xmlns:a="http://schemas.openxmlformats.org/drawingml/2006/main" xmlns:r="http://schemas.openxmlformats.org/officeDocument/2006/relationships" xmlns:p="http://schemas.openxmlformats.org/presentationml/2006/main">
+  <p:cSld>
+    <p:spTree>
+      <p:nvGrpSpPr>
+        <p:cNvPr id="1" name=""/>
+        <p:cNvGrpSpPr/>
+        <p:nvPr/>
+      </p:nvGrpSpPr>
+      <p:grpSpPr>
+        <a:xfrm>
+          <a:off x="0" y="0"/>
+          <a:ext cx="0" cy="0"/>
+          <a:chOff x="0" y="0"/>
+          <a:chExt cx="0" cy="0"/>
+        </a:xfrm>
+      </p:grpSpPr>
+      <p:sp>
+        <p:nvSpPr>
+          <p:cNvPr id="2" name="Tytuł 1"/>
+          <p:cNvSpPr>
+            <a:spLocks noGrp="1"/>
+          </p:cNvSpPr>
+          <p:nvPr>
+            <p:ph type="title"/>
+          </p:nvPr>
+        </p:nvSpPr>
+        <p:spPr/>
+        <p:txBody>
+          <a:bodyPr/>
+          <a:lstStyle/>
+          <a:p>
+            <a:r>
+              <a:rPr lang="pl-PL" dirty="0" smtClean="0"/>
+              <a:t>Źródła</a:t>
+            </a:r>
+            <a:endParaRPr lang="pl-PL" dirty="0"/>
+          </a:p>
+        </p:txBody>
+      </p:sp>
+      <p:sp>
+        <p:nvSpPr>
+          <p:cNvPr id="3" name="Symbol zastępczy zawartości 2"/>
+          <p:cNvSpPr>
+            <a:spLocks noGrp="1"/>
+          </p:cNvSpPr>
+          <p:nvPr>
+            <p:ph idx="1"/>
+          </p:nvPr>
+        </p:nvSpPr>
+        <p:spPr/>
+        <p:txBody>
+          <a:bodyPr/>
+          <a:lstStyle/>
+          <a:p>
+            <a:endParaRPr lang="pl-PL"/>
+          </a:p>
+        </p:txBody>
+      </p:sp>
+    </p:spTree>
+    <p:extLst>
+      <p:ext uri="{BB962C8B-B14F-4D97-AF65-F5344CB8AC3E}">
+        <p14:creationId xmlns:p14="http://schemas.microsoft.com/office/powerpoint/2010/main" val="3694534991"/>
+      </p:ext>
+    </p:extLst>
+  </p:cSld>
+  <p:clrMapOvr>
+    <a:masterClrMapping/>
+  </p:clrMapOvr>
+</p:sld>
+</file>
+
+<file path=ppt/slides/slide3.xml><?xml version="1.0" encoding="utf-8"?>
+<p:sld xmlns:a="http://schemas.openxmlformats.org/drawingml/2006/main" xmlns:r="http://schemas.openxmlformats.org/officeDocument/2006/relationships" xmlns:p="http://schemas.openxmlformats.org/presentationml/2006/main">
+  <p:cSld>
+    <p:spTree>
+      <p:nvGrpSpPr>
+        <p:cNvPr id="1" name=""/>
+        <p:cNvGrpSpPr/>
+        <p:nvPr/>
+      </p:nvGrpSpPr>
+      <p:grpSpPr>
+        <a:xfrm>
+          <a:off x="0" y="0"/>
+          <a:ext cx="0" cy="0"/>
+          <a:chOff x="0" y="0"/>
+          <a:chExt cx="0" cy="0"/>
+        </a:xfrm>
+      </p:grpSpPr>
+      <p:sp>
+        <p:nvSpPr>
+          <p:cNvPr id="2" name="Tytuł 1"/>
+          <p:cNvSpPr>
+            <a:spLocks noGrp="1"/>
+          </p:cNvSpPr>
+          <p:nvPr>
+            <p:ph type="title"/>
+          </p:nvPr>
+        </p:nvSpPr>
+        <p:spPr/>
+        <p:txBody>
+          <a:bodyPr/>
+          <a:lstStyle/>
+          <a:p>
+            <a:r>
+              <a:rPr lang="pl-PL" dirty="0" smtClean="0"/>
+              <a:t>O MySQL - wady</a:t>
+            </a:r>
+            <a:endParaRPr lang="pl-PL" dirty="0"/>
+          </a:p>
+        </p:txBody>
+      </p:sp>
+      <p:sp>
+        <p:nvSpPr>
+          <p:cNvPr id="3" name="Symbol zastępczy zawartości 2"/>
+          <p:cNvSpPr>
+            <a:spLocks noGrp="1"/>
+          </p:cNvSpPr>
+          <p:nvPr>
+            <p:ph idx="1"/>
+          </p:nvPr>
+        </p:nvSpPr>
+        <p:spPr/>
+        <p:txBody>
+          <a:bodyPr>
+            <a:normAutofit fontScale="85000" lnSpcReduction="10000"/>
+          </a:bodyPr>
+          <a:lstStyle/>
+          <a:p>
+            <a:pPr marL="0" indent="0">
+              <a:buNone/>
+            </a:pPr>
+            <a:r>
+              <a:rPr lang="en-US" dirty="0"/>
+              <a:t>Like other SQL databases, MySQL does not currently comply with the full SQL standard for some of the implemented functionality, including foreign key references when using some storage engines other than the 'standard' </a:t>
+            </a:r>
+            <a:r>
+              <a:rPr lang="en-US" dirty="0" err="1"/>
+              <a:t>InnoDB</a:t>
+            </a:r>
+            <a:r>
+              <a:rPr lang="en-US" dirty="0" smtClean="0"/>
+              <a:t>.</a:t>
+            </a:r>
+            <a:endParaRPr lang="pl-PL" dirty="0" smtClean="0"/>
+          </a:p>
+          <a:p>
+            <a:pPr marL="0" indent="0">
+              <a:buNone/>
+            </a:pPr>
+            <a:r>
+              <a:rPr lang="en-US" dirty="0"/>
+              <a:t>Triggers are currently limited to one per action / timing, i.e. maximum one after insert and one before insert on the same </a:t>
+            </a:r>
+            <a:r>
+              <a:rPr lang="en-US" dirty="0" smtClean="0"/>
+              <a:t>table.</a:t>
+            </a:r>
+            <a:r>
+              <a:rPr lang="pl-PL" baseline="30000" dirty="0"/>
+              <a:t> </a:t>
+            </a:r>
+            <a:r>
+              <a:rPr lang="en-US" dirty="0" smtClean="0"/>
+              <a:t>There </a:t>
+            </a:r>
+            <a:r>
+              <a:rPr lang="en-US" dirty="0"/>
+              <a:t>are no triggers on views.</a:t>
+            </a:r>
+            <a:endParaRPr lang="pl-PL" dirty="0"/>
+          </a:p>
+          <a:p>
+            <a:pPr marL="0" indent="0">
+              <a:buNone/>
+            </a:pPr>
+            <a:r>
+              <a:rPr lang="en-US" dirty="0"/>
+              <a:t>MySQL, like most other transactional relational databases, is strongly limited by hard disk performance. This is especially true in terms of write latency.</a:t>
+            </a:r>
+            <a:endParaRPr lang="pl-PL" dirty="0"/>
+          </a:p>
+        </p:txBody>
+      </p:sp>
+    </p:spTree>
+    <p:extLst>
+      <p:ext uri="{BB962C8B-B14F-4D97-AF65-F5344CB8AC3E}">
+        <p14:creationId xmlns:p14="http://schemas.microsoft.com/office/powerpoint/2010/main" val="1024910929"/>
+      </p:ext>
+    </p:extLst>
+  </p:cSld>
+  <p:clrMapOvr>
+    <a:masterClrMapping/>
+  </p:clrMapOvr>
+</p:sld>
+</file>
+
+<file path=ppt/slides/slide4.xml><?xml version="1.0" encoding="utf-8"?>
+<p:sld xmlns:a="http://schemas.openxmlformats.org/drawingml/2006/main" xmlns:r="http://schemas.openxmlformats.org/officeDocument/2006/relationships" xmlns:p="http://schemas.openxmlformats.org/presentationml/2006/main">
+  <p:cSld>
+    <p:spTree>
+      <p:nvGrpSpPr>
+        <p:cNvPr id="1" name=""/>
+        <p:cNvGrpSpPr/>
+        <p:nvPr/>
+      </p:nvGrpSpPr>
+      <p:grpSpPr>
+        <a:xfrm>
+          <a:off x="0" y="0"/>
+          <a:ext cx="0" cy="0"/>
+          <a:chOff x="0" y="0"/>
+          <a:chExt cx="0" cy="0"/>
+        </a:xfrm>
+      </p:grpSpPr>
+      <p:sp>
+        <p:nvSpPr>
+          <p:cNvPr id="2" name="Tytuł 1"/>
+          <p:cNvSpPr>
+            <a:spLocks noGrp="1"/>
+          </p:cNvSpPr>
+          <p:nvPr>
+            <p:ph type="title"/>
+          </p:nvPr>
+        </p:nvSpPr>
+        <p:spPr>
+          <a:xfrm>
+            <a:off x="6767736" y="0"/>
+            <a:ext cx="2376264" cy="360040"/>
+          </a:xfrm>
+        </p:spPr>
+        <p:txBody>
+          <a:bodyPr>
+            <a:normAutofit/>
+          </a:bodyPr>
+          <a:lstStyle/>
+          <a:p>
+            <a:r>
+              <a:rPr lang="pl-PL" sz="1100" dirty="0"/>
+              <a:t>http://db-engines.com/en/ranking</a:t>
+            </a:r>
+          </a:p>
+        </p:txBody>
+      </p:sp>
+      <p:pic>
+        <p:nvPicPr>
+          <p:cNvPr id="1026" name="Picture 2"/>
+          <p:cNvPicPr>
+            <a:picLocks noChangeAspect="1" noChangeArrowheads="1"/>
+          </p:cNvPicPr>
+          <p:nvPr/>
+        </p:nvPicPr>
+        <p:blipFill>
+          <a:blip r:embed="rId2">
+            <a:extLst>
+              <a:ext uri="{28A0092B-C50C-407E-A947-70E740481C1C}">
+                <a14:useLocalDpi xmlns:a14="http://schemas.microsoft.com/office/drawing/2010/main" val="0"/>
+              </a:ext>
+            </a:extLst>
+          </a:blip>
+          <a:srcRect/>
+          <a:stretch>
+            <a:fillRect/>
+          </a:stretch>
+        </p:blipFill>
+        <p:spPr bwMode="auto">
+          <a:xfrm>
+            <a:off x="13891" y="404664"/>
+            <a:ext cx="9130109" cy="3841923"/>
+          </a:xfrm>
+          <a:prstGeom prst="rect">
+            <a:avLst/>
+          </a:prstGeom>
+          <a:noFill/>
+          <a:ln>
+            <a:noFill/>
+          </a:ln>
+          <a:effectLst/>
+          <a:extLst>
+            <a:ext uri="{909E8E84-426E-40DD-AFC4-6F175D3DCCD1}">
+              <a14:hiddenFill xmlns:a14="http://schemas.microsoft.com/office/drawing/2010/main">
+                <a:solidFill>
+                  <a:schemeClr val="accent1"/>
+                </a:solidFill>
+              </a14:hiddenFill>
+            </a:ext>
+            <a:ext uri="{91240B29-F687-4F45-9708-019B960494DF}">
+              <a14:hiddenLine xmlns:a14="http://schemas.microsoft.com/office/drawing/2010/main" w="9525">
+                <a:solidFill>
+                  <a:schemeClr val="tx1"/>
+                </a:solidFill>
+                <a:miter lim="800000"/>
+                <a:headEnd/>
+                <a:tailEnd/>
+              </a14:hiddenLine>
+            </a:ext>
+            <a:ext uri="{AF507438-7753-43E0-B8FC-AC1667EBCBE1}">
+              <a14:hiddenEffects xmlns:a14="http://schemas.microsoft.com/office/drawing/2010/main">
+                <a:effectLst>
+                  <a:outerShdw dist="35921" dir="2700000" algn="ctr" rotWithShape="0">
+                    <a:schemeClr val="bg2"/>
+                  </a:outerShdw>
+                </a:effectLst>
+              </a14:hiddenEffects>
+            </a:ext>
+          </a:extLst>
+        </p:spPr>
+      </p:pic>
+      <p:sp>
+        <p:nvSpPr>
+          <p:cNvPr id="4" name="Prostokąt 3"/>
+          <p:cNvSpPr/>
+          <p:nvPr/>
+        </p:nvSpPr>
+        <p:spPr>
+          <a:xfrm>
+            <a:off x="971600" y="4653136"/>
+            <a:ext cx="6552728" cy="2031325"/>
+          </a:xfrm>
+          <a:prstGeom prst="rect">
+            <a:avLst/>
+          </a:prstGeom>
+        </p:spPr>
+        <p:txBody>
+          <a:bodyPr wrap="square">
+            <a:spAutoFit/>
+          </a:bodyPr>
+          <a:lstStyle/>
+          <a:p>
+            <a:r>
+              <a:rPr lang="pl-PL" dirty="0" smtClean="0"/>
+              <a:t>M</a:t>
+            </a:r>
+            <a:r>
+              <a:rPr lang="en-US" dirty="0" err="1" smtClean="0"/>
+              <a:t>ySQL</a:t>
+            </a:r>
+            <a:r>
+              <a:rPr lang="en-US" dirty="0" smtClean="0"/>
+              <a:t> </a:t>
+            </a:r>
+            <a:r>
+              <a:rPr lang="en-US" dirty="0"/>
+              <a:t>is also used in many high-profile, large-scale World Wide Web products, including </a:t>
+            </a:r>
+            <a:endParaRPr lang="pl-PL" dirty="0" smtClean="0"/>
+          </a:p>
+          <a:p>
+            <a:pPr marL="285750" indent="-285750">
+              <a:buFont typeface="Arial" pitchFamily="34" charset="0"/>
+              <a:buChar char="•"/>
+            </a:pPr>
+            <a:r>
+              <a:rPr lang="en-US" dirty="0" smtClean="0"/>
+              <a:t>Wikipedia</a:t>
+            </a:r>
+            <a:endParaRPr lang="pl-PL" dirty="0"/>
+          </a:p>
+          <a:p>
+            <a:pPr marL="285750" indent="-285750">
+              <a:buFont typeface="Arial" pitchFamily="34" charset="0"/>
+              <a:buChar char="•"/>
+            </a:pPr>
+            <a:r>
+              <a:rPr lang="en-US" dirty="0" smtClean="0"/>
+              <a:t>Google</a:t>
+            </a:r>
+            <a:r>
+              <a:rPr lang="pl-PL" dirty="0" smtClean="0"/>
+              <a:t> </a:t>
+            </a:r>
+            <a:r>
+              <a:rPr lang="en-US" dirty="0" smtClean="0"/>
+              <a:t>(though </a:t>
+            </a:r>
+            <a:r>
+              <a:rPr lang="en-US" dirty="0"/>
+              <a:t>not for </a:t>
+            </a:r>
+            <a:r>
+              <a:rPr lang="pl-PL" dirty="0" smtClean="0"/>
+              <a:t>s</a:t>
+            </a:r>
+            <a:r>
+              <a:rPr lang="en-US" dirty="0" err="1" smtClean="0"/>
+              <a:t>earches</a:t>
+            </a:r>
+            <a:r>
+              <a:rPr lang="en-US" dirty="0"/>
+              <a:t>), </a:t>
+            </a:r>
+            <a:endParaRPr lang="pl-PL" dirty="0" smtClean="0"/>
+          </a:p>
+          <a:p>
+            <a:pPr marL="285750" indent="-285750">
+              <a:buFont typeface="Arial" pitchFamily="34" charset="0"/>
+              <a:buChar char="•"/>
+            </a:pPr>
+            <a:r>
+              <a:rPr lang="en-US" dirty="0" smtClean="0"/>
+              <a:t>Facebook</a:t>
+            </a:r>
+            <a:r>
+              <a:rPr lang="en-US" dirty="0"/>
+              <a:t> </a:t>
+            </a:r>
+            <a:endParaRPr lang="pl-PL" dirty="0" smtClean="0"/>
+          </a:p>
+          <a:p>
+            <a:pPr marL="285750" indent="-285750">
+              <a:buFont typeface="Arial" pitchFamily="34" charset="0"/>
+              <a:buChar char="•"/>
+            </a:pPr>
+            <a:r>
+              <a:rPr lang="en-US" dirty="0" smtClean="0"/>
+              <a:t>Twitter,</a:t>
+            </a:r>
+            <a:endParaRPr lang="pl-PL" baseline="30000" dirty="0"/>
+          </a:p>
+          <a:p>
+            <a:pPr marL="285750" indent="-285750">
+              <a:buFont typeface="Arial" pitchFamily="34" charset="0"/>
+              <a:buChar char="•"/>
+            </a:pPr>
+            <a:r>
+              <a:rPr lang="en-US" dirty="0" smtClean="0"/>
+              <a:t> YouTube</a:t>
+            </a:r>
+            <a:endParaRPr lang="pl-PL" dirty="0"/>
+          </a:p>
+        </p:txBody>
+      </p:sp>
+    </p:spTree>
+    <p:extLst>
+      <p:ext uri="{BB962C8B-B14F-4D97-AF65-F5344CB8AC3E}">
+        <p14:creationId xmlns:p14="http://schemas.microsoft.com/office/powerpoint/2010/main" val="3301553415"/>
+      </p:ext>
+    </p:extLst>
+  </p:cSld>
+  <p:clrMapOvr>
+    <a:masterClrMapping/>
+  </p:clrMapOvr>
+</p:sld>
+</file>
+
 <file path=ppt/slides/slide5.xml><?xml version="1.0" encoding="utf-8"?>
 <p:sld xmlns:a="http://schemas.openxmlformats.org/drawingml/2006/main" xmlns:r="http://schemas.openxmlformats.org/officeDocument/2006/relationships" xmlns:p="http://schemas.openxmlformats.org/presentationml/2006/main">
   <p:cSld>
@@ -4399,14 +7092,16 @@
         </p:nvSpPr>
         <p:spPr/>
         <p:txBody>
-          <a:bodyPr>
-            <a:normAutofit/>
-          </a:bodyPr>
+          <a:bodyPr/>
           <a:lstStyle/>
           <a:p>
             <a:r>
               <a:rPr lang="pl-PL" dirty="0" smtClean="0"/>
-              <a:t>Tworzenie tabeli</a:t>
+              <a:t>O </a:t>
+            </a:r>
+            <a:r>
+              <a:rPr lang="pl-PL" dirty="0" err="1" smtClean="0"/>
+              <a:t>Hibernate</a:t>
             </a:r>
             <a:endParaRPr lang="pl-PL" dirty="0"/>
           </a:p>
@@ -4422,1238 +7117,38 @@
             <p:ph idx="1"/>
           </p:nvPr>
         </p:nvSpPr>
-        <p:spPr>
-          <a:xfrm>
-            <a:off x="11899" y="1628800"/>
-            <a:ext cx="4608512" cy="2664296"/>
-          </a:xfrm>
-        </p:spPr>
-        <p:txBody>
-          <a:bodyPr>
-            <a:noAutofit/>
-          </a:bodyPr>
-          <a:lstStyle/>
+        <p:spPr/>
+        <p:txBody>
+          <a:bodyPr/>
+          <a:lstStyle/>
+          <a:p>
+            <a:r>
+              <a:rPr lang="pl-PL" dirty="0" smtClean="0"/>
+              <a:t>Założenia i cele twórców</a:t>
+            </a:r>
+          </a:p>
+          <a:p>
+            <a:r>
+              <a:rPr lang="pl-PL" dirty="0" smtClean="0"/>
+              <a:t>Ciekawe </a:t>
+            </a:r>
+            <a:r>
+              <a:rPr lang="pl-PL" dirty="0"/>
+              <a:t>cechy, zalety, wady, przeznaczenie</a:t>
+            </a:r>
+          </a:p>
           <a:p>
             <a:pPr marL="0" indent="0">
               <a:buNone/>
             </a:pPr>
-            <a:r>
-              <a:rPr lang="pl-PL" sz="1000" dirty="0" err="1" smtClean="0">
-                <a:latin typeface="Lucida Console" pitchFamily="49" charset="0"/>
-              </a:rPr>
-              <a:t>mysql</a:t>
-            </a:r>
-            <a:r>
-              <a:rPr lang="pl-PL" sz="1000" dirty="0" smtClean="0">
-                <a:latin typeface="Lucida Console" pitchFamily="49" charset="0"/>
-              </a:rPr>
-              <a:t>&gt; CREATE TABLE `Products` (</a:t>
-            </a:r>
-          </a:p>
-          <a:p>
-            <a:pPr marL="0" indent="0">
-              <a:buNone/>
-            </a:pPr>
-            <a:r>
-              <a:rPr lang="pl-PL" sz="1000" dirty="0" smtClean="0">
-                <a:latin typeface="Lucida Console" pitchFamily="49" charset="0"/>
-              </a:rPr>
-              <a:t>    `</a:t>
-            </a:r>
-            <a:r>
-              <a:rPr lang="pl-PL" sz="1000" dirty="0" err="1" smtClean="0">
-                <a:latin typeface="Lucida Console" pitchFamily="49" charset="0"/>
-              </a:rPr>
-              <a:t>ProductID</a:t>
-            </a:r>
-            <a:r>
-              <a:rPr lang="pl-PL" sz="1000" dirty="0" smtClean="0">
-                <a:latin typeface="Lucida Console" pitchFamily="49" charset="0"/>
-              </a:rPr>
-              <a:t>` INTEGER </a:t>
-            </a:r>
-            <a:r>
-              <a:rPr lang="pl-PL" sz="1000" dirty="0" smtClean="0">
-                <a:solidFill>
-                  <a:srgbClr val="FF0000"/>
-                </a:solidFill>
-                <a:latin typeface="Lucida Console" pitchFamily="49" charset="0"/>
-              </a:rPr>
-              <a:t>NOT NULL AUTO_INCREMENT</a:t>
-            </a:r>
-            <a:r>
-              <a:rPr lang="pl-PL" sz="1000" dirty="0" smtClean="0">
-                <a:latin typeface="Lucida Console" pitchFamily="49" charset="0"/>
-              </a:rPr>
-              <a:t>,</a:t>
-            </a:r>
-          </a:p>
-          <a:p>
-            <a:pPr marL="0" indent="0">
-              <a:buNone/>
-            </a:pPr>
-            <a:r>
-              <a:rPr lang="pl-PL" sz="1000" dirty="0" smtClean="0">
-                <a:latin typeface="Lucida Console" pitchFamily="49" charset="0"/>
-              </a:rPr>
-              <a:t>    `</a:t>
-            </a:r>
-            <a:r>
-              <a:rPr lang="pl-PL" sz="1000" dirty="0" err="1" smtClean="0">
-                <a:latin typeface="Lucida Console" pitchFamily="49" charset="0"/>
-              </a:rPr>
-              <a:t>ProductName</a:t>
-            </a:r>
-            <a:r>
-              <a:rPr lang="pl-PL" sz="1000" dirty="0" smtClean="0">
-                <a:latin typeface="Lucida Console" pitchFamily="49" charset="0"/>
-              </a:rPr>
-              <a:t>` VARCHAR(40) NOT NULL,</a:t>
-            </a:r>
-          </a:p>
-          <a:p>
-            <a:pPr marL="0" indent="0">
-              <a:buNone/>
-            </a:pPr>
-            <a:r>
-              <a:rPr lang="pl-PL" sz="1000" dirty="0" smtClean="0">
-                <a:latin typeface="Lucida Console" pitchFamily="49" charset="0"/>
-              </a:rPr>
-              <a:t>    `</a:t>
-            </a:r>
-            <a:r>
-              <a:rPr lang="pl-PL" sz="1000" dirty="0" err="1" smtClean="0">
-                <a:latin typeface="Lucida Console" pitchFamily="49" charset="0"/>
-              </a:rPr>
-              <a:t>SupplierID</a:t>
-            </a:r>
-            <a:r>
-              <a:rPr lang="pl-PL" sz="1000" dirty="0" smtClean="0">
-                <a:latin typeface="Lucida Console" pitchFamily="49" charset="0"/>
-              </a:rPr>
-              <a:t>` INTEGER,</a:t>
-            </a:r>
-          </a:p>
-          <a:p>
-            <a:pPr marL="0" indent="0">
-              <a:buNone/>
-            </a:pPr>
-            <a:r>
-              <a:rPr lang="pl-PL" sz="1000" dirty="0" smtClean="0">
-                <a:latin typeface="Lucida Console" pitchFamily="49" charset="0"/>
-              </a:rPr>
-              <a:t>    `</a:t>
-            </a:r>
-            <a:r>
-              <a:rPr lang="pl-PL" sz="1000" dirty="0" err="1" smtClean="0">
-                <a:latin typeface="Lucida Console" pitchFamily="49" charset="0"/>
-              </a:rPr>
-              <a:t>CategoryID</a:t>
-            </a:r>
-            <a:r>
-              <a:rPr lang="pl-PL" sz="1000" dirty="0" smtClean="0">
-                <a:latin typeface="Lucida Console" pitchFamily="49" charset="0"/>
-              </a:rPr>
-              <a:t>` INTEGER,</a:t>
-            </a:r>
-          </a:p>
-          <a:p>
-            <a:pPr marL="0" indent="0">
-              <a:buNone/>
-            </a:pPr>
-            <a:r>
-              <a:rPr lang="pl-PL" sz="1000" dirty="0" smtClean="0">
-                <a:latin typeface="Lucida Console" pitchFamily="49" charset="0"/>
-              </a:rPr>
-              <a:t>    `</a:t>
-            </a:r>
-            <a:r>
-              <a:rPr lang="pl-PL" sz="1000" dirty="0" err="1" smtClean="0">
-                <a:latin typeface="Lucida Console" pitchFamily="49" charset="0"/>
-              </a:rPr>
-              <a:t>QuantityPerUnit</a:t>
-            </a:r>
-            <a:r>
-              <a:rPr lang="pl-PL" sz="1000" dirty="0" smtClean="0">
-                <a:latin typeface="Lucida Console" pitchFamily="49" charset="0"/>
-              </a:rPr>
-              <a:t>` VARCHAR(20),</a:t>
-            </a:r>
-          </a:p>
-          <a:p>
-            <a:pPr marL="0" indent="0">
-              <a:buNone/>
-            </a:pPr>
-            <a:r>
-              <a:rPr lang="pl-PL" sz="1000" dirty="0" smtClean="0">
-                <a:latin typeface="Lucida Console" pitchFamily="49" charset="0"/>
-              </a:rPr>
-              <a:t>    `</a:t>
-            </a:r>
-            <a:r>
-              <a:rPr lang="pl-PL" sz="1000" dirty="0" err="1" smtClean="0">
-                <a:latin typeface="Lucida Console" pitchFamily="49" charset="0"/>
-              </a:rPr>
-              <a:t>UnitPrice</a:t>
-            </a:r>
-            <a:r>
-              <a:rPr lang="pl-PL" sz="1000" dirty="0" smtClean="0">
-                <a:latin typeface="Lucida Console" pitchFamily="49" charset="0"/>
-              </a:rPr>
-              <a:t>` DECIMAL(10,4) </a:t>
-            </a:r>
-            <a:r>
-              <a:rPr lang="pl-PL" sz="1000" dirty="0" smtClean="0">
-                <a:solidFill>
-                  <a:srgbClr val="FF0000"/>
-                </a:solidFill>
-                <a:latin typeface="Lucida Console" pitchFamily="49" charset="0"/>
-              </a:rPr>
-              <a:t>DEFAULT 0</a:t>
-            </a:r>
-            <a:r>
-              <a:rPr lang="pl-PL" sz="1000" dirty="0" smtClean="0">
-                <a:latin typeface="Lucida Console" pitchFamily="49" charset="0"/>
-              </a:rPr>
-              <a:t>,</a:t>
-            </a:r>
-          </a:p>
-          <a:p>
-            <a:pPr marL="0" indent="0">
-              <a:buNone/>
-            </a:pPr>
-            <a:r>
-              <a:rPr lang="pl-PL" sz="1000" dirty="0" smtClean="0">
-                <a:latin typeface="Lucida Console" pitchFamily="49" charset="0"/>
-              </a:rPr>
-              <a:t>    `</a:t>
-            </a:r>
-            <a:r>
-              <a:rPr lang="pl-PL" sz="1000" dirty="0" err="1" smtClean="0">
-                <a:latin typeface="Lucida Console" pitchFamily="49" charset="0"/>
-              </a:rPr>
-              <a:t>UnitsInStock</a:t>
-            </a:r>
-            <a:r>
-              <a:rPr lang="pl-PL" sz="1000" dirty="0" smtClean="0">
-                <a:latin typeface="Lucida Console" pitchFamily="49" charset="0"/>
-              </a:rPr>
-              <a:t>` SMALLINT(2) DEFAULT 0,</a:t>
-            </a:r>
-          </a:p>
-          <a:p>
-            <a:pPr marL="0" indent="0">
-              <a:buNone/>
-            </a:pPr>
-            <a:r>
-              <a:rPr lang="pl-PL" sz="1000" dirty="0" smtClean="0">
-                <a:latin typeface="Lucida Console" pitchFamily="49" charset="0"/>
-              </a:rPr>
-              <a:t>    `</a:t>
-            </a:r>
-            <a:r>
-              <a:rPr lang="pl-PL" sz="1000" dirty="0" err="1" smtClean="0">
-                <a:latin typeface="Lucida Console" pitchFamily="49" charset="0"/>
-              </a:rPr>
-              <a:t>UnitsOnOrder</a:t>
-            </a:r>
-            <a:r>
-              <a:rPr lang="pl-PL" sz="1000" dirty="0" smtClean="0">
-                <a:latin typeface="Lucida Console" pitchFamily="49" charset="0"/>
-              </a:rPr>
-              <a:t>` SMALLINT(2) DEFAULT 0,</a:t>
-            </a:r>
-          </a:p>
-          <a:p>
-            <a:pPr marL="0" indent="0">
-              <a:buNone/>
-            </a:pPr>
-            <a:r>
-              <a:rPr lang="pl-PL" sz="1000" dirty="0" smtClean="0">
-                <a:latin typeface="Lucida Console" pitchFamily="49" charset="0"/>
-              </a:rPr>
-              <a:t>    `</a:t>
-            </a:r>
-            <a:r>
-              <a:rPr lang="pl-PL" sz="1000" dirty="0" err="1" smtClean="0">
-                <a:latin typeface="Lucida Console" pitchFamily="49" charset="0"/>
-              </a:rPr>
-              <a:t>ReorderLevel</a:t>
-            </a:r>
-            <a:r>
-              <a:rPr lang="pl-PL" sz="1000" dirty="0" smtClean="0">
-                <a:latin typeface="Lucida Console" pitchFamily="49" charset="0"/>
-              </a:rPr>
-              <a:t>` SMALLINT(2) DEFAULT 0,</a:t>
-            </a:r>
-          </a:p>
-          <a:p>
-            <a:pPr marL="0" indent="0">
-              <a:buNone/>
-            </a:pPr>
-            <a:r>
-              <a:rPr lang="pl-PL" sz="1000" dirty="0" smtClean="0">
-                <a:latin typeface="Lucida Console" pitchFamily="49" charset="0"/>
-              </a:rPr>
-              <a:t>    `</a:t>
-            </a:r>
-            <a:r>
-              <a:rPr lang="pl-PL" sz="1000" dirty="0" err="1" smtClean="0">
-                <a:latin typeface="Lucida Console" pitchFamily="49" charset="0"/>
-              </a:rPr>
-              <a:t>Discontinued</a:t>
-            </a:r>
-            <a:r>
-              <a:rPr lang="pl-PL" sz="1000" dirty="0" smtClean="0">
-                <a:latin typeface="Lucida Console" pitchFamily="49" charset="0"/>
-              </a:rPr>
-              <a:t>` BIT NOT NULL DEFAULT 0,</a:t>
-            </a:r>
-          </a:p>
-          <a:p>
-            <a:pPr marL="0" indent="0">
-              <a:buNone/>
-            </a:pPr>
-            <a:r>
-              <a:rPr lang="pl-PL" sz="1000" dirty="0" smtClean="0">
-                <a:latin typeface="Lucida Console" pitchFamily="49" charset="0"/>
-              </a:rPr>
-              <a:t>    CONSTRAINT `</a:t>
-            </a:r>
-            <a:r>
-              <a:rPr lang="pl-PL" sz="1000" dirty="0" err="1" smtClean="0">
-                <a:latin typeface="Lucida Console" pitchFamily="49" charset="0"/>
-              </a:rPr>
-              <a:t>PK_Products</a:t>
-            </a:r>
-            <a:r>
-              <a:rPr lang="pl-PL" sz="1000" dirty="0" smtClean="0">
-                <a:latin typeface="Lucida Console" pitchFamily="49" charset="0"/>
-              </a:rPr>
-              <a:t>` </a:t>
-            </a:r>
-            <a:r>
-              <a:rPr lang="pl-PL" sz="1000" dirty="0" smtClean="0">
-                <a:solidFill>
-                  <a:srgbClr val="FF0000"/>
-                </a:solidFill>
-                <a:latin typeface="Lucida Console" pitchFamily="49" charset="0"/>
-              </a:rPr>
-              <a:t>PRIMARY KEY (`</a:t>
-            </a:r>
-            <a:r>
-              <a:rPr lang="pl-PL" sz="1000" dirty="0" err="1" smtClean="0">
-                <a:solidFill>
-                  <a:srgbClr val="FF0000"/>
-                </a:solidFill>
-                <a:latin typeface="Lucida Console" pitchFamily="49" charset="0"/>
-              </a:rPr>
-              <a:t>ProductID</a:t>
-            </a:r>
-            <a:r>
-              <a:rPr lang="pl-PL" sz="1000" dirty="0" smtClean="0">
-                <a:solidFill>
-                  <a:srgbClr val="FF0000"/>
-                </a:solidFill>
-                <a:latin typeface="Lucida Console" pitchFamily="49" charset="0"/>
-              </a:rPr>
-              <a:t>`)</a:t>
-            </a:r>
-          </a:p>
-          <a:p>
-            <a:pPr marL="0" indent="0">
-              <a:buNone/>
-            </a:pPr>
-            <a:r>
-              <a:rPr lang="pl-PL" sz="1000" dirty="0" smtClean="0">
-                <a:latin typeface="Lucida Console" pitchFamily="49" charset="0"/>
-              </a:rPr>
-              <a:t>);</a:t>
-            </a:r>
-          </a:p>
-        </p:txBody>
-      </p:sp>
-      <p:sp>
-        <p:nvSpPr>
-          <p:cNvPr id="4" name="Symbol zastępczy zawartości 2"/>
-          <p:cNvSpPr txBox="1">
-            <a:spLocks/>
-          </p:cNvSpPr>
-          <p:nvPr/>
-        </p:nvSpPr>
-        <p:spPr>
-          <a:xfrm>
-            <a:off x="4427984" y="1412776"/>
-            <a:ext cx="4608512" cy="4525963"/>
-          </a:xfrm>
-          <a:prstGeom prst="rect">
-            <a:avLst/>
-          </a:prstGeom>
-        </p:spPr>
-        <p:txBody>
-          <a:bodyPr vert="horz" lIns="91440" tIns="45720" rIns="91440" bIns="45720" rtlCol="0">
-            <a:noAutofit/>
-          </a:bodyPr>
-          <a:lstStyle>
-            <a:lvl1pPr marL="342900" indent="-342900" algn="l" defTabSz="914400" rtl="0" eaLnBrk="1" latinLnBrk="0" hangingPunct="1">
-              <a:spcBef>
-                <a:spcPct val="20000"/>
-              </a:spcBef>
-              <a:buFont typeface="Arial" pitchFamily="34" charset="0"/>
-              <a:buChar char="•"/>
-              <a:defRPr sz="3200" kern="1200">
-                <a:solidFill>
-                  <a:schemeClr val="tx1"/>
-                </a:solidFill>
-                <a:latin typeface="+mn-lt"/>
-                <a:ea typeface="+mn-ea"/>
-                <a:cs typeface="+mn-cs"/>
-              </a:defRPr>
-            </a:lvl1pPr>
-            <a:lvl2pPr marL="742950" indent="-285750" algn="l" defTabSz="914400" rtl="0" eaLnBrk="1" latinLnBrk="0" hangingPunct="1">
-              <a:spcBef>
-                <a:spcPct val="20000"/>
-              </a:spcBef>
-              <a:buFont typeface="Arial" pitchFamily="34" charset="0"/>
-              <a:buChar char="–"/>
-              <a:defRPr sz="2800" kern="1200">
-                <a:solidFill>
-                  <a:schemeClr val="tx1"/>
-                </a:solidFill>
-                <a:latin typeface="+mn-lt"/>
-                <a:ea typeface="+mn-ea"/>
-                <a:cs typeface="+mn-cs"/>
-              </a:defRPr>
-            </a:lvl2pPr>
-            <a:lvl3pPr marL="1143000" indent="-228600" algn="l" defTabSz="914400" rtl="0" eaLnBrk="1" latinLnBrk="0" hangingPunct="1">
-              <a:spcBef>
-                <a:spcPct val="20000"/>
-              </a:spcBef>
-              <a:buFont typeface="Arial" pitchFamily="34" charset="0"/>
-              <a:buChar char="•"/>
-              <a:defRPr sz="2400" kern="1200">
-                <a:solidFill>
-                  <a:schemeClr val="tx1"/>
-                </a:solidFill>
-                <a:latin typeface="+mn-lt"/>
-                <a:ea typeface="+mn-ea"/>
-                <a:cs typeface="+mn-cs"/>
-              </a:defRPr>
-            </a:lvl3pPr>
-            <a:lvl4pPr marL="1600200" indent="-228600" algn="l" defTabSz="914400" rtl="0" eaLnBrk="1" latinLnBrk="0" hangingPunct="1">
-              <a:spcBef>
-                <a:spcPct val="20000"/>
-              </a:spcBef>
-              <a:buFont typeface="Arial" pitchFamily="34" charset="0"/>
-              <a:buChar char="–"/>
-              <a:defRPr sz="2000" kern="1200">
-                <a:solidFill>
-                  <a:schemeClr val="tx1"/>
-                </a:solidFill>
-                <a:latin typeface="+mn-lt"/>
-                <a:ea typeface="+mn-ea"/>
-                <a:cs typeface="+mn-cs"/>
-              </a:defRPr>
-            </a:lvl4pPr>
-            <a:lvl5pPr marL="2057400" indent="-228600" algn="l" defTabSz="914400" rtl="0" eaLnBrk="1" latinLnBrk="0" hangingPunct="1">
-              <a:spcBef>
-                <a:spcPct val="20000"/>
-              </a:spcBef>
-              <a:buFont typeface="Arial" pitchFamily="34" charset="0"/>
-              <a:buChar char="»"/>
-              <a:defRPr sz="2000" kern="1200">
-                <a:solidFill>
-                  <a:schemeClr val="tx1"/>
-                </a:solidFill>
-                <a:latin typeface="+mn-lt"/>
-                <a:ea typeface="+mn-ea"/>
-                <a:cs typeface="+mn-cs"/>
-              </a:defRPr>
-            </a:lvl5pPr>
-            <a:lvl6pPr marL="2514600" indent="-228600" algn="l" defTabSz="914400" rtl="0" eaLnBrk="1" latinLnBrk="0" hangingPunct="1">
-              <a:spcBef>
-                <a:spcPct val="20000"/>
-              </a:spcBef>
-              <a:buFont typeface="Arial" pitchFamily="34" charset="0"/>
-              <a:buChar char="•"/>
-              <a:defRPr sz="2000" kern="1200">
-                <a:solidFill>
-                  <a:schemeClr val="tx1"/>
-                </a:solidFill>
-                <a:latin typeface="+mn-lt"/>
-                <a:ea typeface="+mn-ea"/>
-                <a:cs typeface="+mn-cs"/>
-              </a:defRPr>
-            </a:lvl6pPr>
-            <a:lvl7pPr marL="2971800" indent="-228600" algn="l" defTabSz="914400" rtl="0" eaLnBrk="1" latinLnBrk="0" hangingPunct="1">
-              <a:spcBef>
-                <a:spcPct val="20000"/>
-              </a:spcBef>
-              <a:buFont typeface="Arial" pitchFamily="34" charset="0"/>
-              <a:buChar char="•"/>
-              <a:defRPr sz="2000" kern="1200">
-                <a:solidFill>
-                  <a:schemeClr val="tx1"/>
-                </a:solidFill>
-                <a:latin typeface="+mn-lt"/>
-                <a:ea typeface="+mn-ea"/>
-                <a:cs typeface="+mn-cs"/>
-              </a:defRPr>
-            </a:lvl7pPr>
-            <a:lvl8pPr marL="3429000" indent="-228600" algn="l" defTabSz="914400" rtl="0" eaLnBrk="1" latinLnBrk="0" hangingPunct="1">
-              <a:spcBef>
-                <a:spcPct val="20000"/>
-              </a:spcBef>
-              <a:buFont typeface="Arial" pitchFamily="34" charset="0"/>
-              <a:buChar char="•"/>
-              <a:defRPr sz="2000" kern="1200">
-                <a:solidFill>
-                  <a:schemeClr val="tx1"/>
-                </a:solidFill>
-                <a:latin typeface="+mn-lt"/>
-                <a:ea typeface="+mn-ea"/>
-                <a:cs typeface="+mn-cs"/>
-              </a:defRPr>
-            </a:lvl8pPr>
-            <a:lvl9pPr marL="3886200" indent="-228600" algn="l" defTabSz="914400" rtl="0" eaLnBrk="1" latinLnBrk="0" hangingPunct="1">
-              <a:spcBef>
-                <a:spcPct val="20000"/>
-              </a:spcBef>
-              <a:buFont typeface="Arial" pitchFamily="34" charset="0"/>
-              <a:buChar char="•"/>
-              <a:defRPr sz="2000" kern="1200">
-                <a:solidFill>
-                  <a:schemeClr val="tx1"/>
-                </a:solidFill>
-                <a:latin typeface="+mn-lt"/>
-                <a:ea typeface="+mn-ea"/>
-                <a:cs typeface="+mn-cs"/>
-              </a:defRPr>
-            </a:lvl9pPr>
-          </a:lstStyle>
-          <a:p>
-            <a:pPr marL="0" indent="0">
-              <a:buFont typeface="Arial" pitchFamily="34" charset="0"/>
-              <a:buNone/>
-            </a:pPr>
-            <a:endParaRPr lang="pl-PL" sz="1000" dirty="0" smtClean="0">
-              <a:latin typeface="Lucida Console" pitchFamily="49" charset="0"/>
-            </a:endParaRPr>
-          </a:p>
-          <a:p>
-            <a:pPr marL="0" indent="0">
-              <a:buNone/>
-            </a:pPr>
-            <a:r>
-              <a:rPr lang="pl-PL" sz="1000" dirty="0" err="1" smtClean="0">
-                <a:latin typeface="Lucida Console" pitchFamily="49" charset="0"/>
-              </a:rPr>
-              <a:t>mysql</a:t>
-            </a:r>
-            <a:r>
-              <a:rPr lang="pl-PL" sz="1000" dirty="0" smtClean="0">
-                <a:latin typeface="Lucida Console" pitchFamily="49" charset="0"/>
-              </a:rPr>
-              <a:t>&gt; </a:t>
-            </a:r>
-            <a:r>
-              <a:rPr lang="pl-PL" sz="1000" dirty="0" err="1" smtClean="0">
-                <a:latin typeface="Lucida Console" pitchFamily="49" charset="0"/>
-              </a:rPr>
-              <a:t>create</a:t>
-            </a:r>
-            <a:r>
-              <a:rPr lang="pl-PL" sz="1000" dirty="0" smtClean="0">
-                <a:latin typeface="Lucida Console" pitchFamily="49" charset="0"/>
-              </a:rPr>
-              <a:t> </a:t>
-            </a:r>
-            <a:r>
-              <a:rPr lang="pl-PL" sz="1000" dirty="0" err="1" smtClean="0">
-                <a:latin typeface="Lucida Console" pitchFamily="49" charset="0"/>
-              </a:rPr>
-              <a:t>table</a:t>
-            </a:r>
-            <a:r>
-              <a:rPr lang="pl-PL" sz="1000" dirty="0" smtClean="0">
-                <a:latin typeface="Lucida Console" pitchFamily="49" charset="0"/>
-              </a:rPr>
-              <a:t> Products(</a:t>
-            </a:r>
-          </a:p>
-          <a:p>
-            <a:pPr marL="400050" lvl="1" indent="0">
-              <a:buFont typeface="Arial" pitchFamily="34" charset="0"/>
-              <a:buNone/>
-            </a:pPr>
-            <a:r>
-              <a:rPr lang="pl-PL" sz="1000" dirty="0" err="1" smtClean="0">
-                <a:latin typeface="Lucida Console" pitchFamily="49" charset="0"/>
-              </a:rPr>
-              <a:t>ProductID</a:t>
-            </a:r>
-            <a:r>
-              <a:rPr lang="pl-PL" sz="1000" dirty="0" smtClean="0">
-                <a:latin typeface="Lucida Console" pitchFamily="49" charset="0"/>
-              </a:rPr>
-              <a:t> </a:t>
-            </a:r>
-            <a:r>
-              <a:rPr lang="pl-PL" sz="1000" dirty="0" err="1" smtClean="0">
-                <a:latin typeface="Lucida Console" pitchFamily="49" charset="0"/>
-              </a:rPr>
-              <a:t>int</a:t>
-            </a:r>
-            <a:r>
-              <a:rPr lang="pl-PL" sz="1000" dirty="0" smtClean="0">
-                <a:latin typeface="Lucida Console" pitchFamily="49" charset="0"/>
-              </a:rPr>
-              <a:t> NOT NULL </a:t>
-            </a:r>
-            <a:r>
-              <a:rPr lang="pl-PL" sz="1000" dirty="0" err="1" smtClean="0">
-                <a:latin typeface="Lucida Console" pitchFamily="49" charset="0"/>
-              </a:rPr>
-              <a:t>auto_increment</a:t>
-            </a:r>
-            <a:r>
-              <a:rPr lang="pl-PL" sz="1000" dirty="0" smtClean="0">
-                <a:latin typeface="Lucida Console" pitchFamily="49" charset="0"/>
-              </a:rPr>
-              <a:t>,</a:t>
-            </a:r>
-          </a:p>
-          <a:p>
-            <a:pPr marL="400050" lvl="1" indent="0">
-              <a:buFont typeface="Arial" pitchFamily="34" charset="0"/>
-              <a:buNone/>
-            </a:pPr>
-            <a:r>
-              <a:rPr lang="pl-PL" sz="1000" dirty="0" err="1" smtClean="0">
-                <a:latin typeface="Lucida Console" pitchFamily="49" charset="0"/>
-              </a:rPr>
-              <a:t>ProductName</a:t>
-            </a:r>
-            <a:r>
-              <a:rPr lang="pl-PL" sz="1000" dirty="0" smtClean="0">
-                <a:latin typeface="Lucida Console" pitchFamily="49" charset="0"/>
-              </a:rPr>
-              <a:t> </a:t>
-            </a:r>
-            <a:r>
-              <a:rPr lang="pl-PL" sz="1000" dirty="0" err="1" smtClean="0">
-                <a:latin typeface="Lucida Console" pitchFamily="49" charset="0"/>
-              </a:rPr>
-              <a:t>varchar</a:t>
-            </a:r>
-            <a:r>
-              <a:rPr lang="pl-PL" sz="1000" dirty="0" smtClean="0">
-                <a:latin typeface="Lucida Console" pitchFamily="49" charset="0"/>
-              </a:rPr>
-              <a:t>(40) NOT NULL,</a:t>
-            </a:r>
-          </a:p>
-          <a:p>
-            <a:pPr marL="400050" lvl="1" indent="0">
-              <a:buFont typeface="Arial" pitchFamily="34" charset="0"/>
-              <a:buNone/>
-            </a:pPr>
-            <a:r>
-              <a:rPr lang="pl-PL" sz="1000" dirty="0" err="1" smtClean="0">
-                <a:latin typeface="Lucida Console" pitchFamily="49" charset="0"/>
-              </a:rPr>
-              <a:t>SupplierID</a:t>
-            </a:r>
-            <a:r>
-              <a:rPr lang="pl-PL" sz="1000" dirty="0" smtClean="0">
-                <a:latin typeface="Lucida Console" pitchFamily="49" charset="0"/>
-              </a:rPr>
-              <a:t> </a:t>
-            </a:r>
-            <a:r>
-              <a:rPr lang="pl-PL" sz="1000" dirty="0" err="1" smtClean="0">
-                <a:latin typeface="Lucida Console" pitchFamily="49" charset="0"/>
-              </a:rPr>
-              <a:t>int</a:t>
-            </a:r>
-            <a:r>
-              <a:rPr lang="pl-PL" sz="1000" dirty="0" smtClean="0">
-                <a:latin typeface="Lucida Console" pitchFamily="49" charset="0"/>
-              </a:rPr>
-              <a:t>,</a:t>
-            </a:r>
-          </a:p>
-          <a:p>
-            <a:pPr marL="400050" lvl="1" indent="0">
-              <a:buFont typeface="Arial" pitchFamily="34" charset="0"/>
-              <a:buNone/>
-            </a:pPr>
-            <a:r>
-              <a:rPr lang="pl-PL" sz="1000" dirty="0" err="1" smtClean="0">
-                <a:latin typeface="Lucida Console" pitchFamily="49" charset="0"/>
-              </a:rPr>
-              <a:t>CategoryID</a:t>
-            </a:r>
-            <a:r>
-              <a:rPr lang="pl-PL" sz="1000" dirty="0" smtClean="0">
-                <a:latin typeface="Lucida Console" pitchFamily="49" charset="0"/>
-              </a:rPr>
-              <a:t> </a:t>
-            </a:r>
-            <a:r>
-              <a:rPr lang="pl-PL" sz="1000" dirty="0" err="1" smtClean="0">
-                <a:latin typeface="Lucida Console" pitchFamily="49" charset="0"/>
-              </a:rPr>
-              <a:t>int</a:t>
-            </a:r>
-            <a:r>
-              <a:rPr lang="pl-PL" sz="1000" dirty="0" smtClean="0">
-                <a:latin typeface="Lucida Console" pitchFamily="49" charset="0"/>
-              </a:rPr>
-              <a:t>,</a:t>
-            </a:r>
-          </a:p>
-          <a:p>
-            <a:pPr marL="400050" lvl="1" indent="0">
-              <a:buFont typeface="Arial" pitchFamily="34" charset="0"/>
-              <a:buNone/>
-            </a:pPr>
-            <a:r>
-              <a:rPr lang="pl-PL" sz="1000" dirty="0" err="1" smtClean="0">
-                <a:latin typeface="Lucida Console" pitchFamily="49" charset="0"/>
-              </a:rPr>
-              <a:t>QuantityPerUnit</a:t>
-            </a:r>
-            <a:r>
-              <a:rPr lang="pl-PL" sz="1000" dirty="0" smtClean="0">
-                <a:latin typeface="Lucida Console" pitchFamily="49" charset="0"/>
-              </a:rPr>
-              <a:t> </a:t>
-            </a:r>
-            <a:r>
-              <a:rPr lang="pl-PL" sz="1000" dirty="0" err="1" smtClean="0">
-                <a:latin typeface="Lucida Console" pitchFamily="49" charset="0"/>
-              </a:rPr>
-              <a:t>varchar</a:t>
-            </a:r>
-            <a:r>
-              <a:rPr lang="pl-PL" sz="1000" dirty="0" smtClean="0">
-                <a:latin typeface="Lucida Console" pitchFamily="49" charset="0"/>
-              </a:rPr>
-              <a:t>(20),</a:t>
-            </a:r>
-          </a:p>
-          <a:p>
-            <a:pPr marL="400050" lvl="1" indent="0">
-              <a:buNone/>
-            </a:pPr>
-            <a:r>
-              <a:rPr lang="pl-PL" sz="1000" dirty="0" err="1" smtClean="0">
-                <a:latin typeface="Lucida Console" pitchFamily="49" charset="0"/>
-              </a:rPr>
-              <a:t>UnitPrice</a:t>
-            </a:r>
-            <a:r>
-              <a:rPr lang="pl-PL" sz="1000" dirty="0" smtClean="0">
-                <a:latin typeface="Lucida Console" pitchFamily="49" charset="0"/>
-              </a:rPr>
-              <a:t> </a:t>
-            </a:r>
-            <a:r>
-              <a:rPr lang="pl-PL" sz="1000" dirty="0" err="1" smtClean="0">
-                <a:latin typeface="Lucida Console" pitchFamily="49" charset="0"/>
-              </a:rPr>
-              <a:t>decimal</a:t>
-            </a:r>
-            <a:r>
-              <a:rPr lang="pl-PL" sz="1000" dirty="0" smtClean="0">
-                <a:latin typeface="Lucida Console" pitchFamily="49" charset="0"/>
-              </a:rPr>
-              <a:t>(10,4) </a:t>
-            </a:r>
-            <a:r>
-              <a:rPr lang="pl-PL" sz="1000" dirty="0" err="1" smtClean="0">
-                <a:latin typeface="Lucida Console" pitchFamily="49" charset="0"/>
-              </a:rPr>
-              <a:t>default</a:t>
-            </a:r>
-            <a:r>
-              <a:rPr lang="pl-PL" sz="1000" dirty="0" smtClean="0">
-                <a:latin typeface="Lucida Console" pitchFamily="49" charset="0"/>
-              </a:rPr>
-              <a:t> 0,</a:t>
-            </a:r>
-          </a:p>
-          <a:p>
-            <a:pPr marL="400050" lvl="1" indent="0">
-              <a:buNone/>
-            </a:pPr>
-            <a:r>
-              <a:rPr lang="pl-PL" sz="1000" dirty="0" err="1" smtClean="0">
-                <a:latin typeface="Lucida Console" pitchFamily="49" charset="0"/>
-              </a:rPr>
-              <a:t>UnitsInStock</a:t>
-            </a:r>
-            <a:r>
-              <a:rPr lang="pl-PL" sz="1000" dirty="0" smtClean="0">
-                <a:latin typeface="Lucida Console" pitchFamily="49" charset="0"/>
-              </a:rPr>
-              <a:t> </a:t>
-            </a:r>
-            <a:r>
-              <a:rPr lang="pl-PL" sz="1000" dirty="0" err="1" smtClean="0">
-                <a:latin typeface="Lucida Console" pitchFamily="49" charset="0"/>
-              </a:rPr>
-              <a:t>smallint</a:t>
-            </a:r>
-            <a:r>
-              <a:rPr lang="pl-PL" sz="1000" dirty="0" smtClean="0">
-                <a:latin typeface="Lucida Console" pitchFamily="49" charset="0"/>
-              </a:rPr>
-              <a:t> NOT NULL </a:t>
-            </a:r>
-            <a:r>
-              <a:rPr lang="pl-PL" sz="1000" dirty="0" err="1" smtClean="0">
-                <a:latin typeface="Lucida Console" pitchFamily="49" charset="0"/>
-              </a:rPr>
-              <a:t>default</a:t>
-            </a:r>
-            <a:r>
-              <a:rPr lang="pl-PL" sz="1000" dirty="0" smtClean="0">
-                <a:latin typeface="Lucida Console" pitchFamily="49" charset="0"/>
-              </a:rPr>
-              <a:t> 0,</a:t>
-            </a:r>
-            <a:endParaRPr lang="pl-PL" sz="1000" dirty="0" smtClean="0">
-              <a:latin typeface="Lucida Console" pitchFamily="49" charset="0"/>
-            </a:endParaRPr>
-          </a:p>
-          <a:p>
-            <a:pPr marL="400050" lvl="1" indent="0">
-              <a:buNone/>
-            </a:pPr>
-            <a:r>
-              <a:rPr lang="pl-PL" sz="1000" dirty="0" err="1" smtClean="0">
-                <a:latin typeface="Lucida Console" pitchFamily="49" charset="0"/>
-              </a:rPr>
-              <a:t>UnitsOnOrder</a:t>
-            </a:r>
-            <a:r>
-              <a:rPr lang="pl-PL" sz="1000" dirty="0" smtClean="0">
-                <a:latin typeface="Lucida Console" pitchFamily="49" charset="0"/>
-              </a:rPr>
-              <a:t> </a:t>
-            </a:r>
-            <a:r>
-              <a:rPr lang="pl-PL" sz="1000" dirty="0" err="1" smtClean="0">
-                <a:latin typeface="Lucida Console" pitchFamily="49" charset="0"/>
-              </a:rPr>
-              <a:t>smallint</a:t>
-            </a:r>
-            <a:r>
-              <a:rPr lang="pl-PL" sz="1000" dirty="0" smtClean="0">
-                <a:latin typeface="Lucida Console" pitchFamily="49" charset="0"/>
-              </a:rPr>
-              <a:t> NOT NULL </a:t>
-            </a:r>
-            <a:r>
-              <a:rPr lang="pl-PL" sz="1000" dirty="0" err="1" smtClean="0">
-                <a:latin typeface="Lucida Console" pitchFamily="49" charset="0"/>
-              </a:rPr>
-              <a:t>default</a:t>
-            </a:r>
-            <a:r>
-              <a:rPr lang="pl-PL" sz="1000" dirty="0" smtClean="0">
-                <a:latin typeface="Lucida Console" pitchFamily="49" charset="0"/>
-              </a:rPr>
-              <a:t> 0,</a:t>
-            </a:r>
-            <a:endParaRPr lang="pl-PL" sz="1000" dirty="0" smtClean="0">
-              <a:latin typeface="Lucida Console" pitchFamily="49" charset="0"/>
-            </a:endParaRPr>
-          </a:p>
-          <a:p>
-            <a:pPr marL="400050" lvl="1" indent="0">
-              <a:buNone/>
-            </a:pPr>
-            <a:r>
-              <a:rPr lang="pl-PL" sz="1000" dirty="0" err="1" smtClean="0">
-                <a:latin typeface="Lucida Console" pitchFamily="49" charset="0"/>
-              </a:rPr>
-              <a:t>ReorderLevel</a:t>
-            </a:r>
-            <a:r>
-              <a:rPr lang="pl-PL" sz="1000" dirty="0" smtClean="0">
-                <a:latin typeface="Lucida Console" pitchFamily="49" charset="0"/>
-              </a:rPr>
-              <a:t> </a:t>
-            </a:r>
-            <a:r>
-              <a:rPr lang="pl-PL" sz="1000" dirty="0" err="1" smtClean="0">
-                <a:latin typeface="Lucida Console" pitchFamily="49" charset="0"/>
-              </a:rPr>
-              <a:t>smallint</a:t>
-            </a:r>
-            <a:r>
-              <a:rPr lang="pl-PL" sz="1000" dirty="0" smtClean="0">
-                <a:latin typeface="Lucida Console" pitchFamily="49" charset="0"/>
-              </a:rPr>
-              <a:t> </a:t>
-            </a:r>
-            <a:r>
-              <a:rPr lang="pl-PL" sz="1000" dirty="0" err="1" smtClean="0">
-                <a:latin typeface="Lucida Console" pitchFamily="49" charset="0"/>
-              </a:rPr>
-              <a:t>default</a:t>
-            </a:r>
-            <a:r>
-              <a:rPr lang="pl-PL" sz="1000" dirty="0" smtClean="0">
-                <a:latin typeface="Lucida Console" pitchFamily="49" charset="0"/>
-              </a:rPr>
-              <a:t> </a:t>
-            </a:r>
-            <a:r>
-              <a:rPr lang="pl-PL" sz="1000" dirty="0" smtClean="0">
-                <a:latin typeface="Lucida Console" pitchFamily="49" charset="0"/>
-              </a:rPr>
-              <a:t>0,</a:t>
-            </a:r>
-          </a:p>
-          <a:p>
-            <a:pPr marL="400050" lvl="1" indent="0">
-              <a:buNone/>
-            </a:pPr>
-            <a:r>
-              <a:rPr lang="pl-PL" sz="1000" dirty="0" err="1" smtClean="0">
-                <a:latin typeface="Lucida Console" pitchFamily="49" charset="0"/>
-              </a:rPr>
-              <a:t>Discounted</a:t>
-            </a:r>
-            <a:r>
-              <a:rPr lang="pl-PL" sz="1000" dirty="0" smtClean="0">
-                <a:latin typeface="Lucida Console" pitchFamily="49" charset="0"/>
-              </a:rPr>
-              <a:t> bit(1) NOT NULL </a:t>
-            </a:r>
-            <a:r>
-              <a:rPr lang="pl-PL" sz="1000" dirty="0" err="1" smtClean="0">
-                <a:latin typeface="Lucida Console" pitchFamily="49" charset="0"/>
-              </a:rPr>
-              <a:t>default</a:t>
-            </a:r>
-            <a:r>
-              <a:rPr lang="pl-PL" sz="1000" dirty="0" smtClean="0">
-                <a:latin typeface="Lucida Console" pitchFamily="49" charset="0"/>
-              </a:rPr>
-              <a:t> 0</a:t>
-            </a:r>
-            <a:r>
-              <a:rPr lang="pl-PL" sz="1000" dirty="0" smtClean="0">
-                <a:latin typeface="Lucida Console" pitchFamily="49" charset="0"/>
-              </a:rPr>
-              <a:t>,</a:t>
-            </a:r>
-          </a:p>
-          <a:p>
-            <a:pPr marL="400050" lvl="1" indent="0">
-              <a:buFont typeface="Arial" pitchFamily="34" charset="0"/>
-              <a:buNone/>
-            </a:pPr>
-            <a:r>
-              <a:rPr lang="pl-PL" sz="1000" dirty="0" smtClean="0">
-                <a:latin typeface="Lucida Console" pitchFamily="49" charset="0"/>
-              </a:rPr>
-              <a:t>PRIMARY KEY(</a:t>
-            </a:r>
-            <a:r>
-              <a:rPr lang="pl-PL" sz="1000" dirty="0" err="1" smtClean="0">
-                <a:latin typeface="Lucida Console" pitchFamily="49" charset="0"/>
-              </a:rPr>
-              <a:t>ProductID</a:t>
-            </a:r>
-            <a:r>
-              <a:rPr lang="pl-PL" sz="1000" dirty="0" smtClean="0">
-                <a:latin typeface="Lucida Console" pitchFamily="49" charset="0"/>
-              </a:rPr>
-              <a:t>),</a:t>
-            </a:r>
-          </a:p>
-          <a:p>
-            <a:pPr marL="400050" lvl="1" indent="0">
-              <a:buFont typeface="Arial" pitchFamily="34" charset="0"/>
-              <a:buNone/>
-            </a:pPr>
-            <a:r>
-              <a:rPr lang="pl-PL" sz="1000" dirty="0" smtClean="0">
-                <a:solidFill>
-                  <a:srgbClr val="FF0000"/>
-                </a:solidFill>
-                <a:latin typeface="Lucida Console" pitchFamily="49" charset="0"/>
-              </a:rPr>
-              <a:t>FOREIGN KEY(</a:t>
-            </a:r>
-            <a:r>
-              <a:rPr lang="pl-PL" sz="1000" dirty="0" err="1" smtClean="0">
-                <a:solidFill>
-                  <a:srgbClr val="FF0000"/>
-                </a:solidFill>
-                <a:latin typeface="Lucida Console" pitchFamily="49" charset="0"/>
-              </a:rPr>
-              <a:t>SupplierID</a:t>
-            </a:r>
-            <a:r>
-              <a:rPr lang="pl-PL" sz="1000" dirty="0" smtClean="0">
-                <a:solidFill>
-                  <a:srgbClr val="FF0000"/>
-                </a:solidFill>
-                <a:latin typeface="Lucida Console" pitchFamily="49" charset="0"/>
-              </a:rPr>
-              <a:t>) </a:t>
-            </a:r>
-            <a:r>
-              <a:rPr lang="pl-PL" sz="1000" dirty="0" err="1" smtClean="0">
-                <a:solidFill>
-                  <a:srgbClr val="FF0000"/>
-                </a:solidFill>
-                <a:latin typeface="Lucida Console" pitchFamily="49" charset="0"/>
-              </a:rPr>
-              <a:t>references</a:t>
-            </a:r>
-            <a:r>
-              <a:rPr lang="pl-PL" sz="1000" dirty="0" smtClean="0">
-                <a:solidFill>
-                  <a:srgbClr val="FF0000"/>
-                </a:solidFill>
-                <a:latin typeface="Lucida Console" pitchFamily="49" charset="0"/>
-              </a:rPr>
-              <a:t> Suppliers(</a:t>
-            </a:r>
-            <a:r>
-              <a:rPr lang="pl-PL" sz="1000" dirty="0" err="1" smtClean="0">
-                <a:solidFill>
-                  <a:srgbClr val="FF0000"/>
-                </a:solidFill>
-                <a:latin typeface="Lucida Console" pitchFamily="49" charset="0"/>
-              </a:rPr>
-              <a:t>SupplierID</a:t>
-            </a:r>
-            <a:r>
-              <a:rPr lang="pl-PL" sz="1000" dirty="0" smtClean="0">
-                <a:solidFill>
-                  <a:srgbClr val="FF0000"/>
-                </a:solidFill>
-                <a:latin typeface="Lucida Console" pitchFamily="49" charset="0"/>
-              </a:rPr>
-              <a:t>) on </a:t>
-            </a:r>
-            <a:r>
-              <a:rPr lang="pl-PL" sz="1000" dirty="0" err="1" smtClean="0">
-                <a:solidFill>
-                  <a:srgbClr val="FF0000"/>
-                </a:solidFill>
-                <a:latin typeface="Lucida Console" pitchFamily="49" charset="0"/>
-              </a:rPr>
-              <a:t>delete</a:t>
-            </a:r>
-            <a:r>
-              <a:rPr lang="pl-PL" sz="1000" dirty="0" smtClean="0">
-                <a:solidFill>
-                  <a:srgbClr val="FF0000"/>
-                </a:solidFill>
-                <a:latin typeface="Lucida Console" pitchFamily="49" charset="0"/>
-              </a:rPr>
-              <a:t> </a:t>
-            </a:r>
-            <a:r>
-              <a:rPr lang="pl-PL" sz="1000" dirty="0" err="1" smtClean="0">
-                <a:solidFill>
-                  <a:srgbClr val="FF0000"/>
-                </a:solidFill>
-                <a:latin typeface="Lucida Console" pitchFamily="49" charset="0"/>
-              </a:rPr>
-              <a:t>cascade</a:t>
-            </a:r>
-            <a:r>
-              <a:rPr lang="pl-PL" sz="1000" dirty="0" smtClean="0">
-                <a:solidFill>
-                  <a:srgbClr val="FF0000"/>
-                </a:solidFill>
-                <a:latin typeface="Lucida Console" pitchFamily="49" charset="0"/>
-              </a:rPr>
-              <a:t>,</a:t>
-            </a:r>
-          </a:p>
-          <a:p>
-            <a:pPr marL="400050" lvl="1" indent="0">
-              <a:buFont typeface="Arial" pitchFamily="34" charset="0"/>
-              <a:buNone/>
-            </a:pPr>
-            <a:r>
-              <a:rPr lang="pl-PL" sz="1000" dirty="0" smtClean="0">
-                <a:solidFill>
-                  <a:srgbClr val="FF0000"/>
-                </a:solidFill>
-                <a:latin typeface="Lucida Console" pitchFamily="49" charset="0"/>
-              </a:rPr>
-              <a:t>FOREIGN KEY(</a:t>
-            </a:r>
-            <a:r>
-              <a:rPr lang="pl-PL" sz="1000" dirty="0" err="1" smtClean="0">
-                <a:solidFill>
-                  <a:srgbClr val="FF0000"/>
-                </a:solidFill>
-                <a:latin typeface="Lucida Console" pitchFamily="49" charset="0"/>
-              </a:rPr>
-              <a:t>CategoryID</a:t>
-            </a:r>
-            <a:r>
-              <a:rPr lang="pl-PL" sz="1000" dirty="0" smtClean="0">
-                <a:solidFill>
-                  <a:srgbClr val="FF0000"/>
-                </a:solidFill>
-                <a:latin typeface="Lucida Console" pitchFamily="49" charset="0"/>
-              </a:rPr>
-              <a:t>) </a:t>
-            </a:r>
-            <a:r>
-              <a:rPr lang="pl-PL" sz="1000" dirty="0" err="1" smtClean="0">
-                <a:solidFill>
-                  <a:srgbClr val="FF0000"/>
-                </a:solidFill>
-                <a:latin typeface="Lucida Console" pitchFamily="49" charset="0"/>
-              </a:rPr>
-              <a:t>references</a:t>
-            </a:r>
-            <a:r>
-              <a:rPr lang="pl-PL" sz="1000" dirty="0" smtClean="0">
-                <a:solidFill>
-                  <a:srgbClr val="FF0000"/>
-                </a:solidFill>
-                <a:latin typeface="Lucida Console" pitchFamily="49" charset="0"/>
-              </a:rPr>
-              <a:t> </a:t>
-            </a:r>
-            <a:r>
-              <a:rPr lang="pl-PL" sz="1000" dirty="0" err="1" smtClean="0">
-                <a:solidFill>
-                  <a:srgbClr val="FF0000"/>
-                </a:solidFill>
-                <a:latin typeface="Lucida Console" pitchFamily="49" charset="0"/>
-              </a:rPr>
-              <a:t>Categories</a:t>
-            </a:r>
-            <a:r>
-              <a:rPr lang="pl-PL" sz="1000" dirty="0" smtClean="0">
-                <a:solidFill>
-                  <a:srgbClr val="FF0000"/>
-                </a:solidFill>
-                <a:latin typeface="Lucida Console" pitchFamily="49" charset="0"/>
-              </a:rPr>
-              <a:t>(</a:t>
-            </a:r>
-            <a:r>
-              <a:rPr lang="pl-PL" sz="1000" dirty="0" err="1" smtClean="0">
-                <a:solidFill>
-                  <a:srgbClr val="FF0000"/>
-                </a:solidFill>
-                <a:latin typeface="Lucida Console" pitchFamily="49" charset="0"/>
-              </a:rPr>
-              <a:t>CategoryID</a:t>
-            </a:r>
-            <a:r>
-              <a:rPr lang="pl-PL" sz="1000" dirty="0" smtClean="0">
-                <a:solidFill>
-                  <a:srgbClr val="FF0000"/>
-                </a:solidFill>
-                <a:latin typeface="Lucida Console" pitchFamily="49" charset="0"/>
-              </a:rPr>
-              <a:t>) on </a:t>
-            </a:r>
-            <a:r>
-              <a:rPr lang="pl-PL" sz="1000" dirty="0" err="1" smtClean="0">
-                <a:solidFill>
-                  <a:srgbClr val="FF0000"/>
-                </a:solidFill>
-                <a:latin typeface="Lucida Console" pitchFamily="49" charset="0"/>
-              </a:rPr>
-              <a:t>delete</a:t>
-            </a:r>
-            <a:r>
-              <a:rPr lang="pl-PL" sz="1000" dirty="0" smtClean="0">
-                <a:solidFill>
-                  <a:srgbClr val="FF0000"/>
-                </a:solidFill>
-                <a:latin typeface="Lucida Console" pitchFamily="49" charset="0"/>
-              </a:rPr>
-              <a:t> </a:t>
-            </a:r>
-            <a:r>
-              <a:rPr lang="pl-PL" sz="1000" dirty="0" err="1" smtClean="0">
-                <a:solidFill>
-                  <a:srgbClr val="FF0000"/>
-                </a:solidFill>
-                <a:latin typeface="Lucida Console" pitchFamily="49" charset="0"/>
-              </a:rPr>
-              <a:t>cascade</a:t>
-            </a:r>
-            <a:endParaRPr lang="pl-PL" sz="1000" dirty="0" smtClean="0">
-              <a:solidFill>
-                <a:srgbClr val="FF0000"/>
-              </a:solidFill>
-              <a:latin typeface="Lucida Console" pitchFamily="49" charset="0"/>
-            </a:endParaRPr>
-          </a:p>
-          <a:p>
-            <a:pPr marL="0" indent="0">
-              <a:buFont typeface="Arial" pitchFamily="34" charset="0"/>
-              <a:buNone/>
-            </a:pPr>
-            <a:r>
-              <a:rPr lang="pl-PL" sz="1000" dirty="0" smtClean="0">
-                <a:latin typeface="Lucida Console" pitchFamily="49" charset="0"/>
-              </a:rPr>
-              <a:t>)</a:t>
-            </a:r>
-            <a:r>
-              <a:rPr lang="pl-PL" sz="1000" dirty="0" smtClean="0">
-                <a:solidFill>
-                  <a:srgbClr val="FF0000"/>
-                </a:solidFill>
-                <a:latin typeface="Lucida Console" pitchFamily="49" charset="0"/>
-              </a:rPr>
-              <a:t>ENGINE=</a:t>
-            </a:r>
-            <a:r>
-              <a:rPr lang="pl-PL" sz="1000" dirty="0" err="1" smtClean="0">
-                <a:solidFill>
-                  <a:srgbClr val="FF0000"/>
-                </a:solidFill>
-                <a:latin typeface="Lucida Console" pitchFamily="49" charset="0"/>
-              </a:rPr>
-              <a:t>InnoDB</a:t>
-            </a:r>
-            <a:r>
-              <a:rPr lang="pl-PL" sz="1000" dirty="0" smtClean="0">
-                <a:solidFill>
-                  <a:srgbClr val="FF0000"/>
-                </a:solidFill>
-                <a:latin typeface="Lucida Console" pitchFamily="49" charset="0"/>
-              </a:rPr>
-              <a:t>;</a:t>
-            </a:r>
-            <a:endParaRPr lang="pl-PL" sz="1000" dirty="0">
-              <a:solidFill>
-                <a:srgbClr val="FF0000"/>
-              </a:solidFill>
-              <a:latin typeface="Lucida Console" pitchFamily="49" charset="0"/>
-            </a:endParaRPr>
+            <a:endParaRPr lang="pl-PL" dirty="0"/>
           </a:p>
         </p:txBody>
       </p:sp>
     </p:spTree>
     <p:extLst>
       <p:ext uri="{BB962C8B-B14F-4D97-AF65-F5344CB8AC3E}">
-        <p14:creationId xmlns:p14="http://schemas.microsoft.com/office/powerpoint/2010/main" val="2266273730"/>
+        <p14:creationId xmlns:p14="http://schemas.microsoft.com/office/powerpoint/2010/main" val="3486659030"/>
       </p:ext>
     </p:extLst>
   </p:cSld>
@@ -5697,552 +7192,93 @@
           <a:p>
             <a:r>
               <a:rPr lang="pl-PL" dirty="0" smtClean="0"/>
-              <a:t>Opis tabeli</a:t>
+              <a:t>Instalacja MySQL</a:t>
             </a:r>
             <a:endParaRPr lang="pl-PL" dirty="0"/>
           </a:p>
         </p:txBody>
       </p:sp>
-      <p:sp>
-        <p:nvSpPr>
-          <p:cNvPr id="3" name="Symbol zastępczy zawartości 2"/>
-          <p:cNvSpPr>
-            <a:spLocks noGrp="1"/>
-          </p:cNvSpPr>
-          <p:nvPr>
-            <p:ph idx="1"/>
-          </p:nvPr>
-        </p:nvSpPr>
-        <p:spPr>
+      <p:pic>
+        <p:nvPicPr>
+          <p:cNvPr id="1027" name="Picture 3"/>
+          <p:cNvPicPr>
+            <a:picLocks noChangeAspect="1" noChangeArrowheads="1"/>
+          </p:cNvPicPr>
+          <p:nvPr/>
+        </p:nvPicPr>
+        <p:blipFill>
+          <a:blip r:embed="rId2">
+            <a:extLst>
+              <a:ext uri="{28A0092B-C50C-407E-A947-70E740481C1C}">
+                <a14:useLocalDpi xmlns:a14="http://schemas.microsoft.com/office/drawing/2010/main" val="0"/>
+              </a:ext>
+            </a:extLst>
+          </a:blip>
+          <a:srcRect/>
+          <a:stretch>
+            <a:fillRect/>
+          </a:stretch>
+        </p:blipFill>
+        <p:spPr bwMode="auto">
           <a:xfrm>
-            <a:off x="914400" y="1700808"/>
-            <a:ext cx="8229600" cy="4525963"/>
+            <a:off x="971600" y="1203953"/>
+            <a:ext cx="7359352" cy="5168272"/>
           </a:xfrm>
+          <a:prstGeom prst="rect">
+            <a:avLst/>
+          </a:prstGeom>
+          <a:noFill/>
+          <a:ln>
+            <a:noFill/>
+          </a:ln>
+          <a:effectLst/>
+          <a:extLst>
+            <a:ext uri="{909E8E84-426E-40DD-AFC4-6F175D3DCCD1}">
+              <a14:hiddenFill xmlns:a14="http://schemas.microsoft.com/office/drawing/2010/main">
+                <a:solidFill>
+                  <a:schemeClr val="accent1"/>
+                </a:solidFill>
+              </a14:hiddenFill>
+            </a:ext>
+            <a:ext uri="{91240B29-F687-4F45-9708-019B960494DF}">
+              <a14:hiddenLine xmlns:a14="http://schemas.microsoft.com/office/drawing/2010/main" w="9525">
+                <a:solidFill>
+                  <a:schemeClr val="tx1"/>
+                </a:solidFill>
+                <a:miter lim="800000"/>
+                <a:headEnd/>
+                <a:tailEnd/>
+              </a14:hiddenLine>
+            </a:ext>
+            <a:ext uri="{AF507438-7753-43E0-B8FC-AC1667EBCBE1}">
+              <a14:hiddenEffects xmlns:a14="http://schemas.microsoft.com/office/drawing/2010/main">
+                <a:effectLst>
+                  <a:outerShdw dist="35921" dir="2700000" algn="ctr" rotWithShape="0">
+                    <a:schemeClr val="bg2"/>
+                  </a:outerShdw>
+                </a:effectLst>
+              </a14:hiddenEffects>
+            </a:ext>
+          </a:extLst>
         </p:spPr>
-        <p:txBody>
-          <a:bodyPr>
-            <a:normAutofit/>
-          </a:bodyPr>
-          <a:lstStyle/>
-          <a:p>
-            <a:pPr marL="0" indent="0">
-              <a:buNone/>
-            </a:pPr>
-            <a:r>
-              <a:rPr lang="pl-PL" sz="1200" dirty="0" err="1" smtClean="0">
-                <a:latin typeface="Lucida Console" pitchFamily="49" charset="0"/>
-              </a:rPr>
-              <a:t>mysql</a:t>
-            </a:r>
-            <a:r>
-              <a:rPr lang="pl-PL" sz="1200" dirty="0" smtClean="0">
-                <a:latin typeface="Lucida Console" pitchFamily="49" charset="0"/>
-              </a:rPr>
-              <a:t>&gt; </a:t>
-            </a:r>
-            <a:r>
-              <a:rPr lang="pl-PL" sz="1200" dirty="0" err="1" smtClean="0">
-                <a:latin typeface="Lucida Console" pitchFamily="49" charset="0"/>
-              </a:rPr>
-              <a:t>describe</a:t>
-            </a:r>
-            <a:r>
-              <a:rPr lang="pl-PL" sz="1200" dirty="0" smtClean="0">
-                <a:latin typeface="Lucida Console" pitchFamily="49" charset="0"/>
-              </a:rPr>
-              <a:t> Products;</a:t>
-            </a:r>
-          </a:p>
-          <a:p>
-            <a:pPr marL="0" indent="0">
-              <a:buNone/>
-            </a:pPr>
-            <a:r>
-              <a:rPr lang="pl-PL" sz="1200" dirty="0" smtClean="0">
-                <a:latin typeface="Lucida Console" pitchFamily="49" charset="0"/>
-              </a:rPr>
-              <a:t>+-----------------+---------------+------+-----+---------+----------------+</a:t>
-            </a:r>
-          </a:p>
-          <a:p>
-            <a:pPr marL="0" indent="0">
-              <a:buNone/>
-            </a:pPr>
-            <a:r>
-              <a:rPr lang="pl-PL" sz="1200" dirty="0" smtClean="0">
-                <a:latin typeface="Lucida Console" pitchFamily="49" charset="0"/>
-              </a:rPr>
-              <a:t>| Field           | </a:t>
-            </a:r>
-            <a:r>
-              <a:rPr lang="pl-PL" sz="1200" dirty="0" err="1" smtClean="0">
-                <a:latin typeface="Lucida Console" pitchFamily="49" charset="0"/>
-              </a:rPr>
-              <a:t>Type</a:t>
-            </a:r>
-            <a:r>
-              <a:rPr lang="pl-PL" sz="1200" dirty="0" smtClean="0">
-                <a:latin typeface="Lucida Console" pitchFamily="49" charset="0"/>
-              </a:rPr>
-              <a:t>          | </a:t>
-            </a:r>
-            <a:r>
-              <a:rPr lang="pl-PL" sz="1200" dirty="0" err="1" smtClean="0">
-                <a:latin typeface="Lucida Console" pitchFamily="49" charset="0"/>
-              </a:rPr>
-              <a:t>Null</a:t>
-            </a:r>
-            <a:r>
-              <a:rPr lang="pl-PL" sz="1200" dirty="0" smtClean="0">
-                <a:latin typeface="Lucida Console" pitchFamily="49" charset="0"/>
-              </a:rPr>
-              <a:t> | </a:t>
-            </a:r>
-            <a:r>
-              <a:rPr lang="pl-PL" sz="1200" dirty="0" err="1" smtClean="0">
-                <a:latin typeface="Lucida Console" pitchFamily="49" charset="0"/>
-              </a:rPr>
-              <a:t>Key</a:t>
-            </a:r>
-            <a:r>
-              <a:rPr lang="pl-PL" sz="1200" dirty="0" smtClean="0">
-                <a:latin typeface="Lucida Console" pitchFamily="49" charset="0"/>
-              </a:rPr>
-              <a:t> | </a:t>
-            </a:r>
-            <a:r>
-              <a:rPr lang="pl-PL" sz="1200" dirty="0" err="1" smtClean="0">
-                <a:latin typeface="Lucida Console" pitchFamily="49" charset="0"/>
-              </a:rPr>
-              <a:t>Default</a:t>
-            </a:r>
-            <a:r>
-              <a:rPr lang="pl-PL" sz="1200" dirty="0" smtClean="0">
-                <a:latin typeface="Lucida Console" pitchFamily="49" charset="0"/>
-              </a:rPr>
-              <a:t> | Extra          |</a:t>
-            </a:r>
-          </a:p>
-          <a:p>
-            <a:pPr marL="0" indent="0">
-              <a:buNone/>
-            </a:pPr>
-            <a:r>
-              <a:rPr lang="pl-PL" sz="1200" dirty="0" smtClean="0">
-                <a:latin typeface="Lucida Console" pitchFamily="49" charset="0"/>
-              </a:rPr>
-              <a:t>+-----------------+---------------+------+-----+---------+----------------+</a:t>
-            </a:r>
-          </a:p>
-          <a:p>
-            <a:pPr marL="0" indent="0">
-              <a:buNone/>
-            </a:pPr>
-            <a:r>
-              <a:rPr lang="pl-PL" sz="1200" dirty="0" smtClean="0">
-                <a:latin typeface="Lucida Console" pitchFamily="49" charset="0"/>
-              </a:rPr>
-              <a:t>| </a:t>
-            </a:r>
-            <a:r>
-              <a:rPr lang="pl-PL" sz="1200" dirty="0" err="1" smtClean="0">
-                <a:latin typeface="Lucida Console" pitchFamily="49" charset="0"/>
-              </a:rPr>
-              <a:t>ProductID</a:t>
-            </a:r>
-            <a:r>
-              <a:rPr lang="pl-PL" sz="1200" dirty="0" smtClean="0">
-                <a:latin typeface="Lucida Console" pitchFamily="49" charset="0"/>
-              </a:rPr>
-              <a:t>       | </a:t>
-            </a:r>
-            <a:r>
-              <a:rPr lang="pl-PL" sz="1200" dirty="0" err="1" smtClean="0">
-                <a:latin typeface="Lucida Console" pitchFamily="49" charset="0"/>
-              </a:rPr>
-              <a:t>int</a:t>
-            </a:r>
-            <a:r>
-              <a:rPr lang="pl-PL" sz="1200" dirty="0" smtClean="0">
-                <a:latin typeface="Lucida Console" pitchFamily="49" charset="0"/>
-              </a:rPr>
-              <a:t>(11)       | NO   | PRI | NULL    | </a:t>
-            </a:r>
-            <a:r>
-              <a:rPr lang="pl-PL" sz="1200" dirty="0" err="1" smtClean="0">
-                <a:latin typeface="Lucida Console" pitchFamily="49" charset="0"/>
-              </a:rPr>
-              <a:t>auto_increment</a:t>
-            </a:r>
-            <a:r>
-              <a:rPr lang="pl-PL" sz="1200" dirty="0" smtClean="0">
-                <a:latin typeface="Lucida Console" pitchFamily="49" charset="0"/>
-              </a:rPr>
-              <a:t> |</a:t>
-            </a:r>
-          </a:p>
-          <a:p>
-            <a:pPr marL="0" indent="0">
-              <a:buNone/>
-            </a:pPr>
-            <a:r>
-              <a:rPr lang="pl-PL" sz="1200" dirty="0" smtClean="0">
-                <a:latin typeface="Lucida Console" pitchFamily="49" charset="0"/>
-              </a:rPr>
-              <a:t>| </a:t>
-            </a:r>
-            <a:r>
-              <a:rPr lang="pl-PL" sz="1200" dirty="0" err="1" smtClean="0">
-                <a:latin typeface="Lucida Console" pitchFamily="49" charset="0"/>
-              </a:rPr>
-              <a:t>ProductName</a:t>
-            </a:r>
-            <a:r>
-              <a:rPr lang="pl-PL" sz="1200" dirty="0" smtClean="0">
-                <a:latin typeface="Lucida Console" pitchFamily="49" charset="0"/>
-              </a:rPr>
-              <a:t>     | </a:t>
-            </a:r>
-            <a:r>
-              <a:rPr lang="pl-PL" sz="1200" dirty="0" err="1" smtClean="0">
-                <a:latin typeface="Lucida Console" pitchFamily="49" charset="0"/>
-              </a:rPr>
-              <a:t>varchar</a:t>
-            </a:r>
-            <a:r>
-              <a:rPr lang="pl-PL" sz="1200" dirty="0" smtClean="0">
-                <a:latin typeface="Lucida Console" pitchFamily="49" charset="0"/>
-              </a:rPr>
-              <a:t>(40)   | NO   |     | NULL    |                |</a:t>
-            </a:r>
-          </a:p>
-          <a:p>
-            <a:pPr marL="0" indent="0">
-              <a:buNone/>
-            </a:pPr>
-            <a:r>
-              <a:rPr lang="pl-PL" sz="1200" dirty="0" smtClean="0">
-                <a:latin typeface="Lucida Console" pitchFamily="49" charset="0"/>
-              </a:rPr>
-              <a:t>| </a:t>
-            </a:r>
-            <a:r>
-              <a:rPr lang="pl-PL" sz="1200" dirty="0" err="1" smtClean="0">
-                <a:latin typeface="Lucida Console" pitchFamily="49" charset="0"/>
-              </a:rPr>
-              <a:t>SupplierID</a:t>
-            </a:r>
-            <a:r>
-              <a:rPr lang="pl-PL" sz="1200" dirty="0" smtClean="0">
-                <a:latin typeface="Lucida Console" pitchFamily="49" charset="0"/>
-              </a:rPr>
-              <a:t>      | </a:t>
-            </a:r>
-            <a:r>
-              <a:rPr lang="pl-PL" sz="1200" dirty="0" err="1" smtClean="0">
-                <a:latin typeface="Lucida Console" pitchFamily="49" charset="0"/>
-              </a:rPr>
-              <a:t>int</a:t>
-            </a:r>
-            <a:r>
-              <a:rPr lang="pl-PL" sz="1200" dirty="0" smtClean="0">
-                <a:latin typeface="Lucida Console" pitchFamily="49" charset="0"/>
-              </a:rPr>
-              <a:t>(11)       | NO   | MUL | NULL    |                |</a:t>
-            </a:r>
-          </a:p>
-          <a:p>
-            <a:pPr marL="0" indent="0">
-              <a:buNone/>
-            </a:pPr>
-            <a:r>
-              <a:rPr lang="pl-PL" sz="1200" dirty="0" smtClean="0">
-                <a:latin typeface="Lucida Console" pitchFamily="49" charset="0"/>
-              </a:rPr>
-              <a:t>| </a:t>
-            </a:r>
-            <a:r>
-              <a:rPr lang="pl-PL" sz="1200" dirty="0" err="1" smtClean="0">
-                <a:latin typeface="Lucida Console" pitchFamily="49" charset="0"/>
-              </a:rPr>
-              <a:t>CategoryID</a:t>
-            </a:r>
-            <a:r>
-              <a:rPr lang="pl-PL" sz="1200" dirty="0" smtClean="0">
-                <a:latin typeface="Lucida Console" pitchFamily="49" charset="0"/>
-              </a:rPr>
-              <a:t>      | </a:t>
-            </a:r>
-            <a:r>
-              <a:rPr lang="pl-PL" sz="1200" dirty="0" err="1" smtClean="0">
-                <a:latin typeface="Lucida Console" pitchFamily="49" charset="0"/>
-              </a:rPr>
-              <a:t>int</a:t>
-            </a:r>
-            <a:r>
-              <a:rPr lang="pl-PL" sz="1200" dirty="0" smtClean="0">
-                <a:latin typeface="Lucida Console" pitchFamily="49" charset="0"/>
-              </a:rPr>
-              <a:t>(11)       | NO   | MUL | NULL    |                |</a:t>
-            </a:r>
-          </a:p>
-          <a:p>
-            <a:pPr marL="0" indent="0">
-              <a:buNone/>
-            </a:pPr>
-            <a:r>
-              <a:rPr lang="pl-PL" sz="1200" dirty="0" smtClean="0">
-                <a:latin typeface="Lucida Console" pitchFamily="49" charset="0"/>
-              </a:rPr>
-              <a:t>| </a:t>
-            </a:r>
-            <a:r>
-              <a:rPr lang="pl-PL" sz="1200" dirty="0" err="1" smtClean="0">
-                <a:latin typeface="Lucida Console" pitchFamily="49" charset="0"/>
-              </a:rPr>
-              <a:t>ContactName</a:t>
-            </a:r>
-            <a:r>
-              <a:rPr lang="pl-PL" sz="1200" dirty="0" smtClean="0">
-                <a:latin typeface="Lucida Console" pitchFamily="49" charset="0"/>
-              </a:rPr>
-              <a:t>     | </a:t>
-            </a:r>
-            <a:r>
-              <a:rPr lang="pl-PL" sz="1200" dirty="0" err="1" smtClean="0">
-                <a:latin typeface="Lucida Console" pitchFamily="49" charset="0"/>
-              </a:rPr>
-              <a:t>varchar</a:t>
-            </a:r>
-            <a:r>
-              <a:rPr lang="pl-PL" sz="1200" dirty="0" smtClean="0">
-                <a:latin typeface="Lucida Console" pitchFamily="49" charset="0"/>
-              </a:rPr>
-              <a:t>(30)   | NO   |     | NULL    |                |</a:t>
-            </a:r>
-          </a:p>
-          <a:p>
-            <a:pPr marL="0" indent="0">
-              <a:buNone/>
-            </a:pPr>
-            <a:r>
-              <a:rPr lang="pl-PL" sz="1200" dirty="0" smtClean="0">
-                <a:latin typeface="Lucida Console" pitchFamily="49" charset="0"/>
-              </a:rPr>
-              <a:t>| </a:t>
-            </a:r>
-            <a:r>
-              <a:rPr lang="pl-PL" sz="1200" dirty="0" err="1" smtClean="0">
-                <a:latin typeface="Lucida Console" pitchFamily="49" charset="0"/>
-              </a:rPr>
-              <a:t>QuantityPerUnit</a:t>
-            </a:r>
-            <a:r>
-              <a:rPr lang="pl-PL" sz="1200" dirty="0" smtClean="0">
-                <a:latin typeface="Lucida Console" pitchFamily="49" charset="0"/>
-              </a:rPr>
-              <a:t> | </a:t>
-            </a:r>
-            <a:r>
-              <a:rPr lang="pl-PL" sz="1200" dirty="0" err="1" smtClean="0">
-                <a:latin typeface="Lucida Console" pitchFamily="49" charset="0"/>
-              </a:rPr>
-              <a:t>varchar</a:t>
-            </a:r>
-            <a:r>
-              <a:rPr lang="pl-PL" sz="1200" dirty="0" smtClean="0">
-                <a:latin typeface="Lucida Console" pitchFamily="49" charset="0"/>
-              </a:rPr>
-              <a:t>(20)   | NO   |     | NULL    |                |</a:t>
-            </a:r>
-          </a:p>
-          <a:p>
-            <a:pPr marL="0" indent="0">
-              <a:buNone/>
-            </a:pPr>
-            <a:r>
-              <a:rPr lang="pl-PL" sz="1200" dirty="0" smtClean="0">
-                <a:latin typeface="Lucida Console" pitchFamily="49" charset="0"/>
-              </a:rPr>
-              <a:t>| </a:t>
-            </a:r>
-            <a:r>
-              <a:rPr lang="pl-PL" sz="1200" dirty="0" err="1" smtClean="0">
-                <a:latin typeface="Lucida Console" pitchFamily="49" charset="0"/>
-              </a:rPr>
-              <a:t>UnitPrice</a:t>
-            </a:r>
-            <a:r>
-              <a:rPr lang="pl-PL" sz="1200" dirty="0" smtClean="0">
-                <a:latin typeface="Lucida Console" pitchFamily="49" charset="0"/>
-              </a:rPr>
-              <a:t>       | </a:t>
-            </a:r>
-            <a:r>
-              <a:rPr lang="pl-PL" sz="1200" dirty="0" err="1" smtClean="0">
-                <a:latin typeface="Lucida Console" pitchFamily="49" charset="0"/>
-              </a:rPr>
-              <a:t>decimal</a:t>
-            </a:r>
-            <a:r>
-              <a:rPr lang="pl-PL" sz="1200" dirty="0" smtClean="0">
-                <a:latin typeface="Lucida Console" pitchFamily="49" charset="0"/>
-              </a:rPr>
-              <a:t>(10,2) | NO   |     | NULL    |                |</a:t>
-            </a:r>
-          </a:p>
-          <a:p>
-            <a:pPr marL="0" indent="0">
-              <a:buNone/>
-            </a:pPr>
-            <a:r>
-              <a:rPr lang="pl-PL" sz="1200" dirty="0" smtClean="0">
-                <a:latin typeface="Lucida Console" pitchFamily="49" charset="0"/>
-              </a:rPr>
-              <a:t>| </a:t>
-            </a:r>
-            <a:r>
-              <a:rPr lang="pl-PL" sz="1200" dirty="0" err="1" smtClean="0">
-                <a:latin typeface="Lucida Console" pitchFamily="49" charset="0"/>
-              </a:rPr>
-              <a:t>UnitsInStock</a:t>
-            </a:r>
-            <a:r>
-              <a:rPr lang="pl-PL" sz="1200" dirty="0" smtClean="0">
-                <a:latin typeface="Lucida Console" pitchFamily="49" charset="0"/>
-              </a:rPr>
-              <a:t>    | </a:t>
-            </a:r>
-            <a:r>
-              <a:rPr lang="pl-PL" sz="1200" dirty="0" err="1" smtClean="0">
-                <a:latin typeface="Lucida Console" pitchFamily="49" charset="0"/>
-              </a:rPr>
-              <a:t>smallint</a:t>
-            </a:r>
-            <a:r>
-              <a:rPr lang="pl-PL" sz="1200" dirty="0" smtClean="0">
-                <a:latin typeface="Lucida Console" pitchFamily="49" charset="0"/>
-              </a:rPr>
-              <a:t>(6)   | NO   |     | NULL    |                |</a:t>
-            </a:r>
-          </a:p>
-          <a:p>
-            <a:pPr marL="0" indent="0">
-              <a:buNone/>
-            </a:pPr>
-            <a:r>
-              <a:rPr lang="pl-PL" sz="1200" dirty="0" smtClean="0">
-                <a:latin typeface="Lucida Console" pitchFamily="49" charset="0"/>
-              </a:rPr>
-              <a:t>| </a:t>
-            </a:r>
-            <a:r>
-              <a:rPr lang="pl-PL" sz="1200" dirty="0" err="1" smtClean="0">
-                <a:latin typeface="Lucida Console" pitchFamily="49" charset="0"/>
-              </a:rPr>
-              <a:t>UnitsOnOrder</a:t>
-            </a:r>
-            <a:r>
-              <a:rPr lang="pl-PL" sz="1200" dirty="0" smtClean="0">
-                <a:latin typeface="Lucida Console" pitchFamily="49" charset="0"/>
-              </a:rPr>
-              <a:t>    | </a:t>
-            </a:r>
-            <a:r>
-              <a:rPr lang="pl-PL" sz="1200" dirty="0" err="1" smtClean="0">
-                <a:latin typeface="Lucida Console" pitchFamily="49" charset="0"/>
-              </a:rPr>
-              <a:t>smallint</a:t>
-            </a:r>
-            <a:r>
-              <a:rPr lang="pl-PL" sz="1200" dirty="0" smtClean="0">
-                <a:latin typeface="Lucida Console" pitchFamily="49" charset="0"/>
-              </a:rPr>
-              <a:t>(6)   | NO   |     | NULL    |                |</a:t>
-            </a:r>
-          </a:p>
-          <a:p>
-            <a:pPr marL="0" indent="0">
-              <a:buNone/>
-            </a:pPr>
-            <a:r>
-              <a:rPr lang="pl-PL" sz="1200" dirty="0" smtClean="0">
-                <a:latin typeface="Lucida Console" pitchFamily="49" charset="0"/>
-              </a:rPr>
-              <a:t>| </a:t>
-            </a:r>
-            <a:r>
-              <a:rPr lang="pl-PL" sz="1200" dirty="0" err="1" smtClean="0">
-                <a:latin typeface="Lucida Console" pitchFamily="49" charset="0"/>
-              </a:rPr>
-              <a:t>ReorderLevel</a:t>
-            </a:r>
-            <a:r>
-              <a:rPr lang="pl-PL" sz="1200" dirty="0" smtClean="0">
-                <a:latin typeface="Lucida Console" pitchFamily="49" charset="0"/>
-              </a:rPr>
-              <a:t>    | </a:t>
-            </a:r>
-            <a:r>
-              <a:rPr lang="pl-PL" sz="1200" dirty="0" err="1" smtClean="0">
-                <a:latin typeface="Lucida Console" pitchFamily="49" charset="0"/>
-              </a:rPr>
-              <a:t>smallint</a:t>
-            </a:r>
-            <a:r>
-              <a:rPr lang="pl-PL" sz="1200" dirty="0" smtClean="0">
-                <a:latin typeface="Lucida Console" pitchFamily="49" charset="0"/>
-              </a:rPr>
-              <a:t>(6)   | YES  |     | NULL    |                |</a:t>
-            </a:r>
-          </a:p>
-          <a:p>
-            <a:pPr marL="0" indent="0">
-              <a:buNone/>
-            </a:pPr>
-            <a:r>
-              <a:rPr lang="pl-PL" sz="1200" dirty="0" smtClean="0">
-                <a:latin typeface="Lucida Console" pitchFamily="49" charset="0"/>
-              </a:rPr>
-              <a:t>| </a:t>
-            </a:r>
-            <a:r>
-              <a:rPr lang="pl-PL" sz="1200" dirty="0" err="1" smtClean="0">
-                <a:latin typeface="Lucida Console" pitchFamily="49" charset="0"/>
-              </a:rPr>
-              <a:t>Discounted</a:t>
-            </a:r>
-            <a:r>
-              <a:rPr lang="pl-PL" sz="1200" dirty="0" smtClean="0">
-                <a:latin typeface="Lucida Console" pitchFamily="49" charset="0"/>
-              </a:rPr>
-              <a:t>      | bit(1)        | NO   |     | NULL    |                |</a:t>
-            </a:r>
-          </a:p>
-          <a:p>
-            <a:pPr marL="0" indent="0">
-              <a:buNone/>
-            </a:pPr>
-            <a:r>
-              <a:rPr lang="pl-PL" sz="1200" dirty="0" smtClean="0">
-                <a:latin typeface="Lucida Console" pitchFamily="49" charset="0"/>
-              </a:rPr>
-              <a:t>+-----------------+---------------+------+-----+---------+----------------+</a:t>
-            </a:r>
-            <a:endParaRPr lang="pl-PL" sz="1200" dirty="0"/>
-          </a:p>
-        </p:txBody>
-      </p:sp>
+      </p:pic>
     </p:spTree>
     <p:extLst>
       <p:ext uri="{BB962C8B-B14F-4D97-AF65-F5344CB8AC3E}">
-        <p14:creationId xmlns:p14="http://schemas.microsoft.com/office/powerpoint/2010/main" val="1461797622"/>
+        <p14:creationId xmlns:p14="http://schemas.microsoft.com/office/powerpoint/2010/main" val="2843595202"/>
       </p:ext>
     </p:extLst>
   </p:cSld>
   <p:clrMapOvr>
     <a:masterClrMapping/>
   </p:clrMapOvr>
+  <p:timing>
+    <p:tnLst>
+      <p:par>
+        <p:cTn id="1" dur="indefinite" restart="never" nodeType="tmRoot"/>
+      </p:par>
+    </p:tnLst>
+  </p:timing>
 </p:sld>
 </file>
 
@@ -6275,14 +7311,12 @@
         </p:nvSpPr>
         <p:spPr/>
         <p:txBody>
-          <a:bodyPr>
-            <a:normAutofit/>
-          </a:bodyPr>
+          <a:bodyPr/>
           <a:lstStyle/>
           <a:p>
             <a:r>
               <a:rPr lang="pl-PL" dirty="0" smtClean="0"/>
-              <a:t>Dodawanie danych</a:t>
+              <a:t>Instalacja</a:t>
             </a:r>
             <a:endParaRPr lang="pl-PL" dirty="0"/>
           </a:p>
@@ -6303,14 +7337,14 @@
           <a:bodyPr/>
           <a:lstStyle/>
           <a:p>
-            <a:endParaRPr lang="pl-PL" dirty="0"/>
+            <a:endParaRPr lang="pl-PL"/>
           </a:p>
         </p:txBody>
       </p:sp>
     </p:spTree>
     <p:extLst>
       <p:ext uri="{BB962C8B-B14F-4D97-AF65-F5344CB8AC3E}">
-        <p14:creationId xmlns:p14="http://schemas.microsoft.com/office/powerpoint/2010/main" val="1143265479"/>
+        <p14:creationId xmlns:p14="http://schemas.microsoft.com/office/powerpoint/2010/main" val="3189730201"/>
       </p:ext>
     </p:extLst>
   </p:cSld>
@@ -6353,8 +7387,8 @@
           <a:lstStyle/>
           <a:p>
             <a:r>
-              <a:rPr lang="pl-PL" dirty="0" err="1" smtClean="0"/>
-              <a:t>Hibernate</a:t>
+              <a:rPr lang="pl-PL" dirty="0" smtClean="0"/>
+              <a:t>Instalacja</a:t>
             </a:r>
             <a:endParaRPr lang="pl-PL" dirty="0"/>
           </a:p>
@@ -6375,14 +7409,86 @@
           <a:bodyPr/>
           <a:lstStyle/>
           <a:p>
-            <a:endParaRPr lang="pl-PL" dirty="0"/>
+            <a:endParaRPr lang="pl-PL"/>
           </a:p>
         </p:txBody>
       </p:sp>
     </p:spTree>
     <p:extLst>
       <p:ext uri="{BB962C8B-B14F-4D97-AF65-F5344CB8AC3E}">
-        <p14:creationId xmlns:p14="http://schemas.microsoft.com/office/powerpoint/2010/main" val="3056722092"/>
+        <p14:creationId xmlns:p14="http://schemas.microsoft.com/office/powerpoint/2010/main" val="4065134659"/>
+      </p:ext>
+    </p:extLst>
+  </p:cSld>
+  <p:clrMapOvr>
+    <a:masterClrMapping/>
+  </p:clrMapOvr>
+</p:sld>
+</file>
+
+<file path=ppt/slides/slide9.xml><?xml version="1.0" encoding="utf-8"?>
+<p:sld xmlns:a="http://schemas.openxmlformats.org/drawingml/2006/main" xmlns:r="http://schemas.openxmlformats.org/officeDocument/2006/relationships" xmlns:p="http://schemas.openxmlformats.org/presentationml/2006/main">
+  <p:cSld>
+    <p:spTree>
+      <p:nvGrpSpPr>
+        <p:cNvPr id="1" name=""/>
+        <p:cNvGrpSpPr/>
+        <p:nvPr/>
+      </p:nvGrpSpPr>
+      <p:grpSpPr>
+        <a:xfrm>
+          <a:off x="0" y="0"/>
+          <a:ext cx="0" cy="0"/>
+          <a:chOff x="0" y="0"/>
+          <a:chExt cx="0" cy="0"/>
+        </a:xfrm>
+      </p:grpSpPr>
+      <p:sp>
+        <p:nvSpPr>
+          <p:cNvPr id="2" name="Tytuł 1"/>
+          <p:cNvSpPr>
+            <a:spLocks noGrp="1"/>
+          </p:cNvSpPr>
+          <p:nvPr>
+            <p:ph type="title"/>
+          </p:nvPr>
+        </p:nvSpPr>
+        <p:spPr/>
+        <p:txBody>
+          <a:bodyPr/>
+          <a:lstStyle/>
+          <a:p>
+            <a:r>
+              <a:rPr lang="pl-PL" dirty="0" smtClean="0"/>
+              <a:t>Konfiguracja</a:t>
+            </a:r>
+            <a:endParaRPr lang="pl-PL" dirty="0"/>
+          </a:p>
+        </p:txBody>
+      </p:sp>
+      <p:sp>
+        <p:nvSpPr>
+          <p:cNvPr id="3" name="Symbol zastępczy zawartości 2"/>
+          <p:cNvSpPr>
+            <a:spLocks noGrp="1"/>
+          </p:cNvSpPr>
+          <p:nvPr>
+            <p:ph idx="1"/>
+          </p:nvPr>
+        </p:nvSpPr>
+        <p:spPr/>
+        <p:txBody>
+          <a:bodyPr/>
+          <a:lstStyle/>
+          <a:p>
+            <a:endParaRPr lang="pl-PL"/>
+          </a:p>
+        </p:txBody>
+      </p:sp>
+    </p:spTree>
+    <p:extLst>
+      <p:ext uri="{BB962C8B-B14F-4D97-AF65-F5344CB8AC3E}">
+        <p14:creationId xmlns:p14="http://schemas.microsoft.com/office/powerpoint/2010/main" val="1586296365"/>
       </p:ext>
     </p:extLst>
   </p:cSld>

--- a/MySQL + Hibernate.pptx
+++ b/MySQL + Hibernate.pptx
@@ -23,9 +23,13 @@
     <p:sldId id="262" r:id="rId17"/>
     <p:sldId id="273" r:id="rId18"/>
     <p:sldId id="274" r:id="rId19"/>
-    <p:sldId id="264" r:id="rId20"/>
-    <p:sldId id="275" r:id="rId21"/>
-    <p:sldId id="276" r:id="rId22"/>
+    <p:sldId id="280" r:id="rId20"/>
+    <p:sldId id="281" r:id="rId21"/>
+    <p:sldId id="282" r:id="rId22"/>
+    <p:sldId id="283" r:id="rId23"/>
+    <p:sldId id="264" r:id="rId24"/>
+    <p:sldId id="275" r:id="rId25"/>
+    <p:sldId id="276" r:id="rId26"/>
   </p:sldIdLst>
   <p:sldSz cx="9144000" cy="6858000" type="screen4x3"/>
   <p:notesSz cx="6858000" cy="9144000"/>
@@ -4435,8 +4439,8 @@
         </p:nvSpPr>
         <p:spPr>
           <a:xfrm>
-            <a:off x="1043608" y="1628800"/>
-            <a:ext cx="7632848" cy="4392488"/>
+            <a:off x="594032" y="1556792"/>
+            <a:ext cx="8532440" cy="4392488"/>
           </a:xfrm>
         </p:spPr>
         <p:txBody>
@@ -4449,22 +4453,32 @@
               <a:buNone/>
             </a:pPr>
             <a:r>
-              <a:rPr lang="pl-PL" sz="1600" dirty="0"/>
+              <a:rPr lang="pl-PL" sz="1600" dirty="0">
+                <a:latin typeface="Lucida Console" pitchFamily="49" charset="0"/>
+              </a:rPr>
               <a:t>CREATE TABLE Products(</a:t>
             </a:r>
             <a:br>
-              <a:rPr lang="pl-PL" sz="1600" dirty="0"/>
+              <a:rPr lang="pl-PL" sz="1600" dirty="0">
+                <a:latin typeface="Lucida Console" pitchFamily="49" charset="0"/>
+              </a:rPr>
             </a:br>
             <a:r>
-              <a:rPr lang="pl-PL" sz="1600" dirty="0" smtClean="0"/>
+              <a:rPr lang="pl-PL" sz="1600" dirty="0" smtClean="0">
+                <a:latin typeface="Lucida Console" pitchFamily="49" charset="0"/>
+              </a:rPr>
               <a:t>	</a:t>
             </a:r>
             <a:r>
-              <a:rPr lang="pl-PL" sz="1600" dirty="0" err="1" smtClean="0"/>
+              <a:rPr lang="pl-PL" sz="1600" dirty="0" err="1" smtClean="0">
+                <a:latin typeface="Lucida Console" pitchFamily="49" charset="0"/>
+              </a:rPr>
               <a:t>ProductID</a:t>
             </a:r>
             <a:r>
-              <a:rPr lang="pl-PL" sz="1600" dirty="0" smtClean="0"/>
+              <a:rPr lang="pl-PL" sz="1600" dirty="0" smtClean="0">
+                <a:latin typeface="Lucida Console" pitchFamily="49" charset="0"/>
+              </a:rPr>
               <a:t> </a:t>
             </a:r>
             <a:r>
@@ -4472,86 +4486,129 @@
                 <a:solidFill>
                   <a:srgbClr val="FF0000"/>
                 </a:solidFill>
+                <a:latin typeface="Lucida Console" pitchFamily="49" charset="0"/>
               </a:rPr>
               <a:t>INT NOT NULL AUTO_INCREMENT</a:t>
             </a:r>
             <a:r>
-              <a:rPr lang="pl-PL" sz="1600" dirty="0" smtClean="0"/>
+              <a:rPr lang="pl-PL" sz="1600" dirty="0" smtClean="0">
+                <a:latin typeface="Lucida Console" pitchFamily="49" charset="0"/>
+              </a:rPr>
               <a:t>,</a:t>
             </a:r>
             <a:br>
-              <a:rPr lang="pl-PL" sz="1600" dirty="0" smtClean="0"/>
+              <a:rPr lang="pl-PL" sz="1600" dirty="0" smtClean="0">
+                <a:latin typeface="Lucida Console" pitchFamily="49" charset="0"/>
+              </a:rPr>
             </a:br>
             <a:r>
-              <a:rPr lang="pl-PL" sz="1600" dirty="0" smtClean="0"/>
+              <a:rPr lang="pl-PL" sz="1600" dirty="0" smtClean="0">
+                <a:latin typeface="Lucida Console" pitchFamily="49" charset="0"/>
+              </a:rPr>
               <a:t>	</a:t>
             </a:r>
             <a:r>
-              <a:rPr lang="pl-PL" sz="1600" dirty="0" err="1" smtClean="0"/>
+              <a:rPr lang="pl-PL" sz="1600" dirty="0" err="1" smtClean="0">
+                <a:latin typeface="Lucida Console" pitchFamily="49" charset="0"/>
+              </a:rPr>
               <a:t>ProductName</a:t>
             </a:r>
             <a:r>
-              <a:rPr lang="pl-PL" sz="1600" dirty="0" smtClean="0"/>
+              <a:rPr lang="pl-PL" sz="1600" dirty="0" smtClean="0">
+                <a:latin typeface="Lucida Console" pitchFamily="49" charset="0"/>
+              </a:rPr>
               <a:t> VARCHAR(40) NOT NULL,</a:t>
             </a:r>
             <a:br>
-              <a:rPr lang="pl-PL" sz="1600" dirty="0" smtClean="0"/>
+              <a:rPr lang="pl-PL" sz="1600" dirty="0" smtClean="0">
+                <a:latin typeface="Lucida Console" pitchFamily="49" charset="0"/>
+              </a:rPr>
             </a:br>
             <a:r>
-              <a:rPr lang="pl-PL" sz="1600" dirty="0" smtClean="0"/>
+              <a:rPr lang="pl-PL" sz="1600" dirty="0" smtClean="0">
+                <a:latin typeface="Lucida Console" pitchFamily="49" charset="0"/>
+              </a:rPr>
               <a:t>	</a:t>
             </a:r>
             <a:r>
-              <a:rPr lang="pl-PL" sz="1600" dirty="0" err="1" smtClean="0"/>
+              <a:rPr lang="pl-PL" sz="1600" dirty="0" err="1" smtClean="0">
+                <a:latin typeface="Lucida Console" pitchFamily="49" charset="0"/>
+              </a:rPr>
               <a:t>SupplierID</a:t>
             </a:r>
             <a:r>
-              <a:rPr lang="pl-PL" sz="1600" dirty="0" smtClean="0"/>
+              <a:rPr lang="pl-PL" sz="1600" dirty="0" smtClean="0">
+                <a:latin typeface="Lucida Console" pitchFamily="49" charset="0"/>
+              </a:rPr>
               <a:t> INT NOT NULL,</a:t>
             </a:r>
             <a:br>
-              <a:rPr lang="pl-PL" sz="1600" dirty="0" smtClean="0"/>
+              <a:rPr lang="pl-PL" sz="1600" dirty="0" smtClean="0">
+                <a:latin typeface="Lucida Console" pitchFamily="49" charset="0"/>
+              </a:rPr>
             </a:br>
             <a:r>
-              <a:rPr lang="pl-PL" sz="1600" dirty="0" smtClean="0"/>
+              <a:rPr lang="pl-PL" sz="1600" dirty="0" smtClean="0">
+                <a:latin typeface="Lucida Console" pitchFamily="49" charset="0"/>
+              </a:rPr>
               <a:t>	</a:t>
             </a:r>
             <a:r>
-              <a:rPr lang="pl-PL" sz="1600" dirty="0" err="1" smtClean="0"/>
+              <a:rPr lang="pl-PL" sz="1600" dirty="0" err="1" smtClean="0">
+                <a:latin typeface="Lucida Console" pitchFamily="49" charset="0"/>
+              </a:rPr>
               <a:t>CategoryID</a:t>
             </a:r>
             <a:r>
-              <a:rPr lang="pl-PL" sz="1600" dirty="0" smtClean="0"/>
+              <a:rPr lang="pl-PL" sz="1600" dirty="0" smtClean="0">
+                <a:latin typeface="Lucida Console" pitchFamily="49" charset="0"/>
+              </a:rPr>
               <a:t> INT NOT NULL,</a:t>
             </a:r>
             <a:br>
-              <a:rPr lang="pl-PL" sz="1600" dirty="0" smtClean="0"/>
+              <a:rPr lang="pl-PL" sz="1600" dirty="0" smtClean="0">
+                <a:latin typeface="Lucida Console" pitchFamily="49" charset="0"/>
+              </a:rPr>
             </a:br>
             <a:r>
-              <a:rPr lang="pl-PL" sz="1600" dirty="0" smtClean="0"/>
+              <a:rPr lang="pl-PL" sz="1600" dirty="0" smtClean="0">
+                <a:latin typeface="Lucida Console" pitchFamily="49" charset="0"/>
+              </a:rPr>
               <a:t>	</a:t>
             </a:r>
             <a:r>
-              <a:rPr lang="pl-PL" sz="1600" dirty="0" err="1" smtClean="0"/>
+              <a:rPr lang="pl-PL" sz="1600" dirty="0" err="1" smtClean="0">
+                <a:latin typeface="Lucida Console" pitchFamily="49" charset="0"/>
+              </a:rPr>
               <a:t>QuantityPerUnit</a:t>
             </a:r>
             <a:r>
-              <a:rPr lang="pl-PL" sz="1600" dirty="0" smtClean="0"/>
+              <a:rPr lang="pl-PL" sz="1600" dirty="0" smtClean="0">
+                <a:latin typeface="Lucida Console" pitchFamily="49" charset="0"/>
+              </a:rPr>
               <a:t> VARCHAR(20),</a:t>
             </a:r>
             <a:br>
-              <a:rPr lang="pl-PL" sz="1600" dirty="0" smtClean="0"/>
+              <a:rPr lang="pl-PL" sz="1600" dirty="0" smtClean="0">
+                <a:latin typeface="Lucida Console" pitchFamily="49" charset="0"/>
+              </a:rPr>
             </a:br>
             <a:r>
-              <a:rPr lang="pl-PL" sz="1600" dirty="0" smtClean="0"/>
+              <a:rPr lang="pl-PL" sz="1600" dirty="0" smtClean="0">
+                <a:latin typeface="Lucida Console" pitchFamily="49" charset="0"/>
+              </a:rPr>
               <a:t>	</a:t>
             </a:r>
             <a:r>
-              <a:rPr lang="pl-PL" sz="1600" dirty="0" err="1" smtClean="0"/>
+              <a:rPr lang="pl-PL" sz="1600" dirty="0" err="1" smtClean="0">
+                <a:latin typeface="Lucida Console" pitchFamily="49" charset="0"/>
+              </a:rPr>
               <a:t>UnitPrice</a:t>
             </a:r>
             <a:r>
-              <a:rPr lang="pl-PL" sz="1600" dirty="0" smtClean="0"/>
+              <a:rPr lang="pl-PL" sz="1600" dirty="0" smtClean="0">
+                <a:latin typeface="Lucida Console" pitchFamily="49" charset="0"/>
+              </a:rPr>
               <a:t> FLOAT </a:t>
             </a:r>
             <a:r>
@@ -4559,78 +4616,117 @@
                 <a:solidFill>
                   <a:srgbClr val="FF0000"/>
                 </a:solidFill>
+                <a:latin typeface="Lucida Console" pitchFamily="49" charset="0"/>
               </a:rPr>
               <a:t>DEFAULT 0,</a:t>
             </a:r>
             <a:r>
-              <a:rPr lang="pl-PL" sz="1600" dirty="0" smtClean="0"/>
+              <a:rPr lang="pl-PL" sz="1600" dirty="0" smtClean="0">
+                <a:latin typeface="Lucida Console" pitchFamily="49" charset="0"/>
+              </a:rPr>
               <a:t/>
             </a:r>
             <a:br>
-              <a:rPr lang="pl-PL" sz="1600" dirty="0" smtClean="0"/>
+              <a:rPr lang="pl-PL" sz="1600" dirty="0" smtClean="0">
+                <a:latin typeface="Lucida Console" pitchFamily="49" charset="0"/>
+              </a:rPr>
             </a:br>
             <a:r>
-              <a:rPr lang="pl-PL" sz="1600" dirty="0" smtClean="0"/>
+              <a:rPr lang="pl-PL" sz="1600" dirty="0" smtClean="0">
+                <a:latin typeface="Lucida Console" pitchFamily="49" charset="0"/>
+              </a:rPr>
               <a:t>	</a:t>
             </a:r>
             <a:r>
-              <a:rPr lang="pl-PL" sz="1600" dirty="0" err="1" smtClean="0"/>
+              <a:rPr lang="pl-PL" sz="1600" dirty="0" err="1" smtClean="0">
+                <a:latin typeface="Lucida Console" pitchFamily="49" charset="0"/>
+              </a:rPr>
               <a:t>UnitsInStock</a:t>
             </a:r>
             <a:r>
-              <a:rPr lang="pl-PL" sz="1600" dirty="0" smtClean="0"/>
+              <a:rPr lang="pl-PL" sz="1600" dirty="0" smtClean="0">
+                <a:latin typeface="Lucida Console" pitchFamily="49" charset="0"/>
+              </a:rPr>
               <a:t> SMALLINT DEFAULT 0,</a:t>
             </a:r>
             <a:br>
-              <a:rPr lang="pl-PL" sz="1600" dirty="0" smtClean="0"/>
+              <a:rPr lang="pl-PL" sz="1600" dirty="0" smtClean="0">
+                <a:latin typeface="Lucida Console" pitchFamily="49" charset="0"/>
+              </a:rPr>
             </a:br>
             <a:r>
-              <a:rPr lang="pl-PL" sz="1600" dirty="0" smtClean="0"/>
+              <a:rPr lang="pl-PL" sz="1600" dirty="0" smtClean="0">
+                <a:latin typeface="Lucida Console" pitchFamily="49" charset="0"/>
+              </a:rPr>
               <a:t>	</a:t>
             </a:r>
             <a:r>
-              <a:rPr lang="pl-PL" sz="1600" dirty="0" err="1" smtClean="0"/>
+              <a:rPr lang="pl-PL" sz="1600" dirty="0" err="1" smtClean="0">
+                <a:latin typeface="Lucida Console" pitchFamily="49" charset="0"/>
+              </a:rPr>
               <a:t>UnitsOnOrder</a:t>
             </a:r>
             <a:r>
-              <a:rPr lang="pl-PL" sz="1600" dirty="0" smtClean="0"/>
+              <a:rPr lang="pl-PL" sz="1600" dirty="0" smtClean="0">
+                <a:latin typeface="Lucida Console" pitchFamily="49" charset="0"/>
+              </a:rPr>
               <a:t> SMALLINT DEFAULT 0,</a:t>
             </a:r>
             <a:br>
-              <a:rPr lang="pl-PL" sz="1600" dirty="0" smtClean="0"/>
+              <a:rPr lang="pl-PL" sz="1600" dirty="0" smtClean="0">
+                <a:latin typeface="Lucida Console" pitchFamily="49" charset="0"/>
+              </a:rPr>
             </a:br>
             <a:r>
-              <a:rPr lang="pl-PL" sz="1600" dirty="0" smtClean="0"/>
+              <a:rPr lang="pl-PL" sz="1600" dirty="0" smtClean="0">
+                <a:latin typeface="Lucida Console" pitchFamily="49" charset="0"/>
+              </a:rPr>
               <a:t>	</a:t>
             </a:r>
             <a:r>
-              <a:rPr lang="pl-PL" sz="1600" dirty="0" err="1" smtClean="0"/>
+              <a:rPr lang="pl-PL" sz="1600" dirty="0" err="1" smtClean="0">
+                <a:latin typeface="Lucida Console" pitchFamily="49" charset="0"/>
+              </a:rPr>
               <a:t>ReorderLevel</a:t>
             </a:r>
             <a:r>
-              <a:rPr lang="pl-PL" sz="1600" dirty="0" smtClean="0"/>
+              <a:rPr lang="pl-PL" sz="1600" dirty="0" smtClean="0">
+                <a:latin typeface="Lucida Console" pitchFamily="49" charset="0"/>
+              </a:rPr>
               <a:t> SMALLINT DEFAULT 0,</a:t>
             </a:r>
             <a:br>
-              <a:rPr lang="pl-PL" sz="1600" dirty="0" smtClean="0"/>
+              <a:rPr lang="pl-PL" sz="1600" dirty="0" smtClean="0">
+                <a:latin typeface="Lucida Console" pitchFamily="49" charset="0"/>
+              </a:rPr>
             </a:br>
             <a:r>
-              <a:rPr lang="pl-PL" sz="1600" dirty="0" smtClean="0"/>
+              <a:rPr lang="pl-PL" sz="1600" dirty="0" smtClean="0">
+                <a:latin typeface="Lucida Console" pitchFamily="49" charset="0"/>
+              </a:rPr>
               <a:t>	</a:t>
             </a:r>
             <a:r>
-              <a:rPr lang="pl-PL" sz="1600" dirty="0" err="1" smtClean="0"/>
+              <a:rPr lang="pl-PL" sz="1600" dirty="0" err="1" smtClean="0">
+                <a:latin typeface="Lucida Console" pitchFamily="49" charset="0"/>
+              </a:rPr>
               <a:t>Discontinued</a:t>
             </a:r>
             <a:r>
-              <a:rPr lang="pl-PL" sz="1600" dirty="0" smtClean="0"/>
+              <a:rPr lang="pl-PL" sz="1600" dirty="0" smtClean="0">
+                <a:latin typeface="Lucida Console" pitchFamily="49" charset="0"/>
+              </a:rPr>
               <a:t> TINYINT DEFAULT 0 NOT NULL,</a:t>
             </a:r>
             <a:br>
-              <a:rPr lang="pl-PL" sz="1600" dirty="0" smtClean="0"/>
+              <a:rPr lang="pl-PL" sz="1600" dirty="0" smtClean="0">
+                <a:latin typeface="Lucida Console" pitchFamily="49" charset="0"/>
+              </a:rPr>
             </a:br>
             <a:r>
-              <a:rPr lang="pl-PL" sz="1600" dirty="0" smtClean="0"/>
+              <a:rPr lang="pl-PL" sz="1600" dirty="0" smtClean="0">
+                <a:latin typeface="Lucida Console" pitchFamily="49" charset="0"/>
+              </a:rPr>
               <a:t>	</a:t>
             </a:r>
             <a:r>
@@ -4638,6 +4734,7 @@
                 <a:solidFill>
                   <a:srgbClr val="FF0000"/>
                 </a:solidFill>
+                <a:latin typeface="Lucida Console" pitchFamily="49" charset="0"/>
               </a:rPr>
               <a:t>FOREIGN KEY (</a:t>
             </a:r>
@@ -4646,6 +4743,7 @@
                 <a:solidFill>
                   <a:srgbClr val="FF0000"/>
                 </a:solidFill>
+                <a:latin typeface="Lucida Console" pitchFamily="49" charset="0"/>
               </a:rPr>
               <a:t>CategoryID</a:t>
             </a:r>
@@ -4654,6 +4752,7 @@
                 <a:solidFill>
                   <a:srgbClr val="FF0000"/>
                 </a:solidFill>
+                <a:latin typeface="Lucida Console" pitchFamily="49" charset="0"/>
               </a:rPr>
               <a:t>) REFERENCES </a:t>
             </a:r>
@@ -4662,6 +4761,7 @@
                 <a:solidFill>
                   <a:srgbClr val="FF0000"/>
                 </a:solidFill>
+                <a:latin typeface="Lucida Console" pitchFamily="49" charset="0"/>
               </a:rPr>
               <a:t>Categories</a:t>
             </a:r>
@@ -4670,6 +4770,7 @@
                 <a:solidFill>
                   <a:srgbClr val="FF0000"/>
                 </a:solidFill>
+                <a:latin typeface="Lucida Console" pitchFamily="49" charset="0"/>
               </a:rPr>
               <a:t> (</a:t>
             </a:r>
@@ -4678,6 +4779,7 @@
                 <a:solidFill>
                   <a:srgbClr val="FF0000"/>
                 </a:solidFill>
+                <a:latin typeface="Lucida Console" pitchFamily="49" charset="0"/>
               </a:rPr>
               <a:t>CategoryID</a:t>
             </a:r>
@@ -4686,6 +4788,7 @@
                 <a:solidFill>
                   <a:srgbClr val="FF0000"/>
                 </a:solidFill>
+                <a:latin typeface="Lucida Console" pitchFamily="49" charset="0"/>
               </a:rPr>
               <a:t>),</a:t>
             </a:r>
@@ -4694,33 +4797,48 @@
                 <a:solidFill>
                   <a:srgbClr val="FF0000"/>
                 </a:solidFill>
+                <a:latin typeface="Lucida Console" pitchFamily="49" charset="0"/>
               </a:rPr>
             </a:br>
             <a:r>
-              <a:rPr lang="pl-PL" sz="1600" dirty="0" smtClean="0"/>
+              <a:rPr lang="pl-PL" sz="1600" dirty="0" smtClean="0">
+                <a:latin typeface="Lucida Console" pitchFamily="49" charset="0"/>
+              </a:rPr>
               <a:t>	FOREIGN KEY (</a:t>
             </a:r>
             <a:r>
-              <a:rPr lang="pl-PL" sz="1600" dirty="0" err="1" smtClean="0"/>
+              <a:rPr lang="pl-PL" sz="1600" dirty="0" err="1" smtClean="0">
+                <a:latin typeface="Lucida Console" pitchFamily="49" charset="0"/>
+              </a:rPr>
               <a:t>SupplierID</a:t>
             </a:r>
             <a:r>
-              <a:rPr lang="pl-PL" sz="1600" dirty="0" smtClean="0"/>
+              <a:rPr lang="pl-PL" sz="1600" dirty="0" smtClean="0">
+                <a:latin typeface="Lucida Console" pitchFamily="49" charset="0"/>
+              </a:rPr>
               <a:t>) REFERENCES Suppliers (</a:t>
             </a:r>
             <a:r>
-              <a:rPr lang="pl-PL" sz="1600" dirty="0" err="1" smtClean="0"/>
+              <a:rPr lang="pl-PL" sz="1600" dirty="0" err="1" smtClean="0">
+                <a:latin typeface="Lucida Console" pitchFamily="49" charset="0"/>
+              </a:rPr>
               <a:t>SupplierID</a:t>
             </a:r>
             <a:r>
-              <a:rPr lang="pl-PL" sz="1600" dirty="0" smtClean="0"/>
+              <a:rPr lang="pl-PL" sz="1600" dirty="0" smtClean="0">
+                <a:latin typeface="Lucida Console" pitchFamily="49" charset="0"/>
+              </a:rPr>
               <a:t>),</a:t>
             </a:r>
             <a:br>
-              <a:rPr lang="pl-PL" sz="1600" dirty="0" smtClean="0"/>
+              <a:rPr lang="pl-PL" sz="1600" dirty="0" smtClean="0">
+                <a:latin typeface="Lucida Console" pitchFamily="49" charset="0"/>
+              </a:rPr>
             </a:br>
             <a:r>
-              <a:rPr lang="pl-PL" sz="1600" dirty="0" smtClean="0"/>
+              <a:rPr lang="pl-PL" sz="1600" dirty="0" smtClean="0">
+                <a:latin typeface="Lucida Console" pitchFamily="49" charset="0"/>
+              </a:rPr>
               <a:t>	</a:t>
             </a:r>
             <a:r>
@@ -4728,6 +4846,7 @@
                 <a:solidFill>
                   <a:srgbClr val="FF0000"/>
                 </a:solidFill>
+                <a:latin typeface="Lucida Console" pitchFamily="49" charset="0"/>
               </a:rPr>
               <a:t>PRIMARY KEY (</a:t>
             </a:r>
@@ -4736,6 +4855,7 @@
                 <a:solidFill>
                   <a:srgbClr val="FF0000"/>
                 </a:solidFill>
+                <a:latin typeface="Lucida Console" pitchFamily="49" charset="0"/>
               </a:rPr>
               <a:t>ProductID</a:t>
             </a:r>
@@ -4744,6 +4864,7 @@
                 <a:solidFill>
                   <a:srgbClr val="FF0000"/>
                 </a:solidFill>
+                <a:latin typeface="Lucida Console" pitchFamily="49" charset="0"/>
               </a:rPr>
               <a:t>),</a:t>
             </a:r>
@@ -4752,6 +4873,7 @@
                 <a:solidFill>
                   <a:srgbClr val="FF0000"/>
                 </a:solidFill>
+                <a:latin typeface="Lucida Console" pitchFamily="49" charset="0"/>
               </a:rPr>
             </a:br>
             <a:r>
@@ -4759,6 +4881,7 @@
                 <a:solidFill>
                   <a:srgbClr val="FF0000"/>
                 </a:solidFill>
+                <a:latin typeface="Lucida Console" pitchFamily="49" charset="0"/>
               </a:rPr>
               <a:t>	INDEX </a:t>
             </a:r>
@@ -4767,6 +4890,7 @@
                 <a:solidFill>
                   <a:srgbClr val="FF0000"/>
                 </a:solidFill>
+                <a:latin typeface="Lucida Console" pitchFamily="49" charset="0"/>
               </a:rPr>
               <a:t>ProductName</a:t>
             </a:r>
@@ -4775,6 +4899,7 @@
                 <a:solidFill>
                   <a:srgbClr val="FF0000"/>
                 </a:solidFill>
+                <a:latin typeface="Lucida Console" pitchFamily="49" charset="0"/>
               </a:rPr>
               <a:t> (</a:t>
             </a:r>
@@ -4783,6 +4908,7 @@
                 <a:solidFill>
                   <a:srgbClr val="FF0000"/>
                 </a:solidFill>
+                <a:latin typeface="Lucida Console" pitchFamily="49" charset="0"/>
               </a:rPr>
               <a:t>ProductName</a:t>
             </a:r>
@@ -4791,6 +4917,7 @@
                 <a:solidFill>
                   <a:srgbClr val="FF0000"/>
                 </a:solidFill>
+                <a:latin typeface="Lucida Console" pitchFamily="49" charset="0"/>
               </a:rPr>
               <a:t>)</a:t>
             </a:r>
@@ -4800,7 +4927,9 @@
               <a:buNone/>
             </a:pPr>
             <a:r>
-              <a:rPr lang="pl-PL" sz="1600" dirty="0" smtClean="0"/>
+              <a:rPr lang="pl-PL" sz="1600" dirty="0" smtClean="0">
+                <a:latin typeface="Lucida Console" pitchFamily="49" charset="0"/>
+              </a:rPr>
               <a:t>)</a:t>
             </a:r>
             <a:r>
@@ -4808,6 +4937,7 @@
                 <a:solidFill>
                   <a:srgbClr val="FF0000"/>
                 </a:solidFill>
+                <a:latin typeface="Lucida Console" pitchFamily="49" charset="0"/>
               </a:rPr>
               <a:t>ENGINE=</a:t>
             </a:r>
@@ -4816,6 +4946,7 @@
                 <a:solidFill>
                   <a:srgbClr val="FF0000"/>
                 </a:solidFill>
+                <a:latin typeface="Lucida Console" pitchFamily="49" charset="0"/>
               </a:rPr>
               <a:t>InnoDB</a:t>
             </a:r>
@@ -4824,15 +4955,10 @@
                 <a:solidFill>
                   <a:srgbClr val="FF0000"/>
                 </a:solidFill>
+                <a:latin typeface="Lucida Console" pitchFamily="49" charset="0"/>
               </a:rPr>
               <a:t>;</a:t>
             </a:r>
-            <a:endParaRPr lang="pl-PL" sz="1600" dirty="0" smtClean="0">
-              <a:solidFill>
-                <a:srgbClr val="FF0000"/>
-              </a:solidFill>
-              <a:latin typeface="Lucida Console" pitchFamily="49" charset="0"/>
-            </a:endParaRPr>
           </a:p>
         </p:txBody>
       </p:sp>
@@ -5436,6 +5562,13 @@
   <p:clrMapOvr>
     <a:masterClrMapping/>
   </p:clrMapOvr>
+  <p:timing>
+    <p:tnLst>
+      <p:par>
+        <p:cTn id="1" dur="indefinite" restart="never" nodeType="tmRoot"/>
+      </p:par>
+    </p:tnLst>
+  </p:timing>
 </p:sld>
 </file>
 
@@ -5491,7 +5624,12 @@
             <p:ph idx="1"/>
           </p:nvPr>
         </p:nvSpPr>
-        <p:spPr/>
+        <p:spPr>
+          <a:xfrm>
+            <a:off x="467544" y="1268760"/>
+            <a:ext cx="8229600" cy="4968552"/>
+          </a:xfrm>
+        </p:spPr>
         <p:txBody>
           <a:bodyPr>
             <a:normAutofit/>
@@ -6129,7 +6267,88 @@
               <a:rPr lang="pl-PL" sz="1600" dirty="0">
                 <a:latin typeface="Lucida Console" pitchFamily="49" charset="0"/>
               </a:rPr>
-              <a:t>', '');</a:t>
+              <a:t>', </a:t>
+            </a:r>
+            <a:r>
+              <a:rPr lang="pl-PL" sz="1600" dirty="0" smtClean="0">
+                <a:latin typeface="Lucida Console" pitchFamily="49" charset="0"/>
+              </a:rPr>
+              <a:t>'');</a:t>
+            </a:r>
+          </a:p>
+          <a:p>
+            <a:pPr marL="0" indent="0">
+              <a:buNone/>
+            </a:pPr>
+            <a:endParaRPr lang="pl-PL" sz="1600" dirty="0" smtClean="0">
+              <a:latin typeface="Lucida Console" pitchFamily="49" charset="0"/>
+            </a:endParaRPr>
+          </a:p>
+          <a:p>
+            <a:pPr marL="0" indent="0">
+              <a:buNone/>
+            </a:pPr>
+            <a:endParaRPr lang="pl-PL" sz="1600" dirty="0">
+              <a:latin typeface="Lucida Console" pitchFamily="49" charset="0"/>
+            </a:endParaRPr>
+          </a:p>
+          <a:p>
+            <a:pPr marL="0" indent="0">
+              <a:buNone/>
+            </a:pPr>
+            <a:r>
+              <a:rPr lang="en-US" sz="1600" dirty="0" smtClean="0">
+                <a:latin typeface="Lucida Console" pitchFamily="49" charset="0"/>
+              </a:rPr>
+              <a:t>LOAD DATA </a:t>
+            </a:r>
+            <a:r>
+              <a:rPr lang="en-US" sz="1600" dirty="0">
+                <a:latin typeface="Lucida Console" pitchFamily="49" charset="0"/>
+              </a:rPr>
+              <a:t>LOCAL INFILE '/</a:t>
+            </a:r>
+            <a:r>
+              <a:rPr lang="en-US" sz="1600" dirty="0" smtClean="0">
+                <a:latin typeface="Lucida Console" pitchFamily="49" charset="0"/>
+              </a:rPr>
+              <a:t>path/</a:t>
+            </a:r>
+            <a:r>
+              <a:rPr lang="pl-PL" sz="1600" dirty="0" smtClean="0">
+                <a:latin typeface="Lucida Console" pitchFamily="49" charset="0"/>
+              </a:rPr>
+              <a:t>data</a:t>
+            </a:r>
+            <a:r>
+              <a:rPr lang="en-US" sz="1600" dirty="0" smtClean="0">
+                <a:latin typeface="Lucida Console" pitchFamily="49" charset="0"/>
+              </a:rPr>
+              <a:t>.txt</a:t>
+            </a:r>
+            <a:r>
+              <a:rPr lang="en-US" sz="1600" dirty="0">
+                <a:latin typeface="Lucida Console" pitchFamily="49" charset="0"/>
+              </a:rPr>
+              <a:t>' INTO TABLE </a:t>
+            </a:r>
+            <a:r>
+              <a:rPr lang="pl-PL" sz="1600" dirty="0" err="1" smtClean="0">
+                <a:latin typeface="Lucida Console" pitchFamily="49" charset="0"/>
+              </a:rPr>
+              <a:t>Categories</a:t>
+            </a:r>
+            <a:r>
+              <a:rPr lang="en-US" sz="1600" dirty="0" smtClean="0">
+                <a:latin typeface="Lucida Console" pitchFamily="49" charset="0"/>
+              </a:rPr>
+              <a:t> </a:t>
+            </a:r>
+            <a:r>
+              <a:rPr lang="en-US" sz="1600" dirty="0">
+                <a:latin typeface="Lucida Console" pitchFamily="49" charset="0"/>
+              </a:rPr>
+              <a:t>LINES TERMINATED BY '\r\n';</a:t>
             </a:r>
             <a:endParaRPr lang="pl-PL" sz="1600" dirty="0">
               <a:latin typeface="Lucida Console" pitchFamily="49" charset="0"/>
@@ -6147,6 +6366,13 @@
   <p:clrMapOvr>
     <a:masterClrMapping/>
   </p:clrMapOvr>
+  <p:timing>
+    <p:tnLst>
+      <p:par>
+        <p:cTn id="1" dur="indefinite" restart="never" nodeType="tmRoot"/>
+      </p:par>
+    </p:tnLst>
+  </p:timing>
 </p:sld>
 </file>
 
@@ -6263,12 +6489,8 @@
           <a:lstStyle/>
           <a:p>
             <a:r>
-              <a:rPr lang="pl-PL" dirty="0" err="1" smtClean="0"/>
-              <a:t>Hibernate</a:t>
-            </a:r>
-            <a:r>
               <a:rPr lang="pl-PL" dirty="0" smtClean="0"/>
-              <a:t> – dostęp do bazy</a:t>
+              <a:t>Transakcje</a:t>
             </a:r>
             <a:endParaRPr lang="pl-PL" dirty="0"/>
           </a:p>
@@ -6276,24 +6498,430 @@
       </p:sp>
       <p:sp>
         <p:nvSpPr>
-          <p:cNvPr id="3" name="Symbol zastępczy zawartości 2"/>
-          <p:cNvSpPr>
-            <a:spLocks noGrp="1"/>
-          </p:cNvSpPr>
-          <p:nvPr>
-            <p:ph idx="1"/>
-          </p:nvPr>
-        </p:nvSpPr>
-        <p:spPr/>
-        <p:txBody>
-          <a:bodyPr/>
+          <p:cNvPr id="4" name="Prostokąt 3"/>
+          <p:cNvSpPr/>
+          <p:nvPr/>
+        </p:nvSpPr>
+        <p:spPr>
+          <a:xfrm>
+            <a:off x="899592" y="1412776"/>
+            <a:ext cx="7416824" cy="5078313"/>
+          </a:xfrm>
+          <a:prstGeom prst="rect">
+            <a:avLst/>
+          </a:prstGeom>
+        </p:spPr>
+        <p:txBody>
+          <a:bodyPr wrap="square">
+            <a:spAutoFit/>
+          </a:bodyPr>
           <a:lstStyle/>
           <a:p>
             <a:r>
-              <a:rPr lang="pl-PL" dirty="0" smtClean="0"/>
-              <a:t>CRUD na wybranej tabeli</a:t>
-            </a:r>
-            <a:endParaRPr lang="pl-PL" dirty="0"/>
+              <a:rPr lang="pl-PL" dirty="0" err="1">
+                <a:latin typeface="Lucida Console" pitchFamily="49" charset="0"/>
+              </a:rPr>
+              <a:t>Transaction</a:t>
+            </a:r>
+            <a:r>
+              <a:rPr lang="pl-PL" dirty="0">
+                <a:latin typeface="Lucida Console" pitchFamily="49" charset="0"/>
+              </a:rPr>
+              <a:t> </a:t>
+            </a:r>
+            <a:r>
+              <a:rPr lang="pl-PL" dirty="0" err="1">
+                <a:latin typeface="Lucida Console" pitchFamily="49" charset="0"/>
+              </a:rPr>
+              <a:t>trns</a:t>
+            </a:r>
+            <a:r>
+              <a:rPr lang="pl-PL" dirty="0">
+                <a:latin typeface="Lucida Console" pitchFamily="49" charset="0"/>
+              </a:rPr>
+              <a:t> = </a:t>
+            </a:r>
+            <a:r>
+              <a:rPr lang="pl-PL" dirty="0" err="1">
+                <a:latin typeface="Lucida Console" pitchFamily="49" charset="0"/>
+              </a:rPr>
+              <a:t>null</a:t>
+            </a:r>
+            <a:r>
+              <a:rPr lang="pl-PL" dirty="0">
+                <a:latin typeface="Lucida Console" pitchFamily="49" charset="0"/>
+              </a:rPr>
+              <a:t>;</a:t>
+            </a:r>
+          </a:p>
+          <a:p>
+            <a:r>
+              <a:rPr lang="pl-PL" dirty="0" err="1">
+                <a:latin typeface="Lucida Console" pitchFamily="49" charset="0"/>
+              </a:rPr>
+              <a:t>Session</a:t>
+            </a:r>
+            <a:r>
+              <a:rPr lang="pl-PL" dirty="0">
+                <a:latin typeface="Lucida Console" pitchFamily="49" charset="0"/>
+              </a:rPr>
+              <a:t> </a:t>
+            </a:r>
+            <a:r>
+              <a:rPr lang="pl-PL" dirty="0" err="1">
+                <a:latin typeface="Lucida Console" pitchFamily="49" charset="0"/>
+              </a:rPr>
+              <a:t>session</a:t>
+            </a:r>
+            <a:r>
+              <a:rPr lang="pl-PL" dirty="0">
+                <a:latin typeface="Lucida Console" pitchFamily="49" charset="0"/>
+              </a:rPr>
+              <a:t> = </a:t>
+            </a:r>
+            <a:r>
+              <a:rPr lang="pl-PL" dirty="0" err="1">
+                <a:latin typeface="Lucida Console" pitchFamily="49" charset="0"/>
+              </a:rPr>
+              <a:t>HibernateUtil.</a:t>
+            </a:r>
+            <a:r>
+              <a:rPr lang="pl-PL" i="1" dirty="0" err="1">
+                <a:latin typeface="Lucida Console" pitchFamily="49" charset="0"/>
+              </a:rPr>
+              <a:t>getSessionFactory</a:t>
+            </a:r>
+            <a:r>
+              <a:rPr lang="pl-PL" i="1" dirty="0">
+                <a:latin typeface="Lucida Console" pitchFamily="49" charset="0"/>
+              </a:rPr>
+              <a:t>().</a:t>
+            </a:r>
+            <a:r>
+              <a:rPr lang="pl-PL" i="1" dirty="0" err="1">
+                <a:latin typeface="Lucida Console" pitchFamily="49" charset="0"/>
+              </a:rPr>
+              <a:t>openSession</a:t>
+            </a:r>
+            <a:r>
+              <a:rPr lang="pl-PL" i="1" dirty="0" smtClean="0">
+                <a:latin typeface="Lucida Console" pitchFamily="49" charset="0"/>
+              </a:rPr>
+              <a:t>();</a:t>
+            </a:r>
+          </a:p>
+          <a:p>
+            <a:endParaRPr lang="pl-PL" i="1" dirty="0">
+              <a:latin typeface="Lucida Console" pitchFamily="49" charset="0"/>
+            </a:endParaRPr>
+          </a:p>
+          <a:p>
+            <a:r>
+              <a:rPr lang="pl-PL" dirty="0" err="1">
+                <a:latin typeface="Lucida Console" pitchFamily="49" charset="0"/>
+              </a:rPr>
+              <a:t>try</a:t>
+            </a:r>
+            <a:r>
+              <a:rPr lang="pl-PL" dirty="0">
+                <a:latin typeface="Lucida Console" pitchFamily="49" charset="0"/>
+              </a:rPr>
+              <a:t> {</a:t>
+            </a:r>
+          </a:p>
+          <a:p>
+            <a:r>
+              <a:rPr lang="pl-PL" dirty="0" smtClean="0">
+                <a:latin typeface="Lucida Console" pitchFamily="49" charset="0"/>
+              </a:rPr>
+              <a:t>	</a:t>
+            </a:r>
+            <a:r>
+              <a:rPr lang="pl-PL" dirty="0" err="1" smtClean="0">
+                <a:latin typeface="Lucida Console" pitchFamily="49" charset="0"/>
+              </a:rPr>
+              <a:t>trns</a:t>
+            </a:r>
+            <a:r>
+              <a:rPr lang="pl-PL" dirty="0" smtClean="0">
+                <a:latin typeface="Lucida Console" pitchFamily="49" charset="0"/>
+              </a:rPr>
+              <a:t> </a:t>
+            </a:r>
+            <a:r>
+              <a:rPr lang="pl-PL" dirty="0">
+                <a:latin typeface="Lucida Console" pitchFamily="49" charset="0"/>
+              </a:rPr>
+              <a:t>= </a:t>
+            </a:r>
+            <a:r>
+              <a:rPr lang="pl-PL" dirty="0" err="1">
+                <a:latin typeface="Lucida Console" pitchFamily="49" charset="0"/>
+              </a:rPr>
+              <a:t>session.beginTransaction</a:t>
+            </a:r>
+            <a:r>
+              <a:rPr lang="pl-PL" dirty="0">
+                <a:latin typeface="Lucida Console" pitchFamily="49" charset="0"/>
+              </a:rPr>
+              <a:t>();</a:t>
+            </a:r>
+          </a:p>
+          <a:p>
+            <a:r>
+              <a:rPr lang="pl-PL" dirty="0">
+                <a:latin typeface="Lucida Console" pitchFamily="49" charset="0"/>
+              </a:rPr>
+              <a:t>	</a:t>
+            </a:r>
+            <a:r>
+              <a:rPr lang="pl-PL" dirty="0" smtClean="0">
+                <a:latin typeface="Lucida Console" pitchFamily="49" charset="0"/>
+              </a:rPr>
+              <a:t>//...</a:t>
+            </a:r>
+            <a:endParaRPr lang="pl-PL" dirty="0">
+              <a:latin typeface="Lucida Console" pitchFamily="49" charset="0"/>
+            </a:endParaRPr>
+          </a:p>
+          <a:p>
+            <a:r>
+              <a:rPr lang="pl-PL" dirty="0" smtClean="0">
+                <a:latin typeface="Lucida Console" pitchFamily="49" charset="0"/>
+              </a:rPr>
+              <a:t>	</a:t>
+            </a:r>
+            <a:r>
+              <a:rPr lang="pl-PL" dirty="0" err="1" smtClean="0">
+                <a:latin typeface="Lucida Console" pitchFamily="49" charset="0"/>
+              </a:rPr>
+              <a:t>session.getTransaction</a:t>
+            </a:r>
+            <a:r>
+              <a:rPr lang="pl-PL" dirty="0">
+                <a:latin typeface="Lucida Console" pitchFamily="49" charset="0"/>
+              </a:rPr>
+              <a:t>().</a:t>
+            </a:r>
+            <a:r>
+              <a:rPr lang="pl-PL" dirty="0" err="1">
+                <a:latin typeface="Lucida Console" pitchFamily="49" charset="0"/>
+              </a:rPr>
+              <a:t>commit</a:t>
+            </a:r>
+            <a:r>
+              <a:rPr lang="pl-PL" dirty="0" smtClean="0">
+                <a:latin typeface="Lucida Console" pitchFamily="49" charset="0"/>
+              </a:rPr>
+              <a:t>();</a:t>
+            </a:r>
+          </a:p>
+          <a:p>
+            <a:endParaRPr lang="pl-PL" dirty="0">
+              <a:latin typeface="Lucida Console" pitchFamily="49" charset="0"/>
+            </a:endParaRPr>
+          </a:p>
+          <a:p>
+            <a:r>
+              <a:rPr lang="pl-PL" dirty="0">
+                <a:latin typeface="Lucida Console" pitchFamily="49" charset="0"/>
+              </a:rPr>
+              <a:t>} </a:t>
+            </a:r>
+            <a:r>
+              <a:rPr lang="pl-PL" dirty="0" err="1">
+                <a:latin typeface="Lucida Console" pitchFamily="49" charset="0"/>
+              </a:rPr>
+              <a:t>catch</a:t>
+            </a:r>
+            <a:r>
+              <a:rPr lang="pl-PL" dirty="0">
+                <a:latin typeface="Lucida Console" pitchFamily="49" charset="0"/>
+              </a:rPr>
+              <a:t> (</a:t>
+            </a:r>
+            <a:r>
+              <a:rPr lang="pl-PL" dirty="0" err="1">
+                <a:latin typeface="Lucida Console" pitchFamily="49" charset="0"/>
+              </a:rPr>
+              <a:t>RuntimeException</a:t>
+            </a:r>
+            <a:r>
+              <a:rPr lang="pl-PL" dirty="0">
+                <a:latin typeface="Lucida Console" pitchFamily="49" charset="0"/>
+              </a:rPr>
+              <a:t> e) {</a:t>
+            </a:r>
+          </a:p>
+          <a:p>
+            <a:r>
+              <a:rPr lang="pl-PL" dirty="0" smtClean="0">
+                <a:latin typeface="Lucida Console" pitchFamily="49" charset="0"/>
+              </a:rPr>
+              <a:t>	</a:t>
+            </a:r>
+            <a:r>
+              <a:rPr lang="pl-PL" dirty="0" err="1" smtClean="0">
+                <a:latin typeface="Lucida Console" pitchFamily="49" charset="0"/>
+              </a:rPr>
+              <a:t>if</a:t>
+            </a:r>
+            <a:r>
+              <a:rPr lang="pl-PL" dirty="0" smtClean="0">
+                <a:latin typeface="Lucida Console" pitchFamily="49" charset="0"/>
+              </a:rPr>
+              <a:t> </a:t>
+            </a:r>
+            <a:r>
+              <a:rPr lang="pl-PL" dirty="0">
+                <a:latin typeface="Lucida Console" pitchFamily="49" charset="0"/>
+              </a:rPr>
+              <a:t>(</a:t>
+            </a:r>
+            <a:r>
+              <a:rPr lang="pl-PL" dirty="0" err="1">
+                <a:latin typeface="Lucida Console" pitchFamily="49" charset="0"/>
+              </a:rPr>
+              <a:t>trns</a:t>
+            </a:r>
+            <a:r>
+              <a:rPr lang="pl-PL" dirty="0">
+                <a:latin typeface="Lucida Console" pitchFamily="49" charset="0"/>
+              </a:rPr>
+              <a:t> != </a:t>
+            </a:r>
+            <a:r>
+              <a:rPr lang="pl-PL" dirty="0" err="1">
+                <a:latin typeface="Lucida Console" pitchFamily="49" charset="0"/>
+              </a:rPr>
+              <a:t>null</a:t>
+            </a:r>
+            <a:r>
+              <a:rPr lang="pl-PL" dirty="0">
+                <a:latin typeface="Lucida Console" pitchFamily="49" charset="0"/>
+              </a:rPr>
+              <a:t>) </a:t>
+            </a:r>
+          </a:p>
+          <a:p>
+            <a:r>
+              <a:rPr lang="pl-PL" dirty="0" smtClean="0">
+                <a:latin typeface="Lucida Console" pitchFamily="49" charset="0"/>
+              </a:rPr>
+              <a:t>		</a:t>
+            </a:r>
+            <a:r>
+              <a:rPr lang="pl-PL" dirty="0" err="1" smtClean="0">
+                <a:latin typeface="Lucida Console" pitchFamily="49" charset="0"/>
+              </a:rPr>
+              <a:t>trns.rollback</a:t>
+            </a:r>
+            <a:r>
+              <a:rPr lang="pl-PL" dirty="0">
+                <a:latin typeface="Lucida Console" pitchFamily="49" charset="0"/>
+              </a:rPr>
+              <a:t>();</a:t>
+            </a:r>
+          </a:p>
+          <a:p>
+            <a:pPr lvl="1"/>
+            <a:r>
+              <a:rPr lang="pl-PL" dirty="0" smtClean="0">
+                <a:latin typeface="Lucida Console" pitchFamily="49" charset="0"/>
+              </a:rPr>
+              <a:t>	</a:t>
+            </a:r>
+            <a:r>
+              <a:rPr lang="pl-PL" dirty="0" err="1" smtClean="0">
+                <a:latin typeface="Lucida Console" pitchFamily="49" charset="0"/>
+              </a:rPr>
+              <a:t>e.printStackTrace</a:t>
+            </a:r>
+            <a:r>
+              <a:rPr lang="pl-PL" dirty="0" smtClean="0">
+                <a:latin typeface="Lucida Console" pitchFamily="49" charset="0"/>
+              </a:rPr>
+              <a:t>();</a:t>
+            </a:r>
+          </a:p>
+          <a:p>
+            <a:pPr lvl="1"/>
+            <a:endParaRPr lang="pl-PL" dirty="0">
+              <a:latin typeface="Lucida Console" pitchFamily="49" charset="0"/>
+            </a:endParaRPr>
+          </a:p>
+          <a:p>
+            <a:r>
+              <a:rPr lang="pl-PL" dirty="0">
+                <a:latin typeface="Lucida Console" pitchFamily="49" charset="0"/>
+              </a:rPr>
+              <a:t>} </a:t>
+            </a:r>
+            <a:r>
+              <a:rPr lang="pl-PL" dirty="0" err="1">
+                <a:latin typeface="Lucida Console" pitchFamily="49" charset="0"/>
+              </a:rPr>
+              <a:t>finally</a:t>
+            </a:r>
+            <a:r>
+              <a:rPr lang="pl-PL" dirty="0">
+                <a:latin typeface="Lucida Console" pitchFamily="49" charset="0"/>
+              </a:rPr>
+              <a:t> {</a:t>
+            </a:r>
+          </a:p>
+          <a:p>
+            <a:pPr lvl="1"/>
+            <a:r>
+              <a:rPr lang="pl-PL" dirty="0" smtClean="0">
+                <a:latin typeface="Lucida Console" pitchFamily="49" charset="0"/>
+              </a:rPr>
+              <a:t>	</a:t>
+            </a:r>
+            <a:r>
+              <a:rPr lang="pl-PL" dirty="0" err="1" smtClean="0">
+                <a:latin typeface="Lucida Console" pitchFamily="49" charset="0"/>
+              </a:rPr>
+              <a:t>session.flush</a:t>
+            </a:r>
+            <a:r>
+              <a:rPr lang="pl-PL" dirty="0">
+                <a:latin typeface="Lucida Console" pitchFamily="49" charset="0"/>
+              </a:rPr>
+              <a:t>();</a:t>
+            </a:r>
+          </a:p>
+          <a:p>
+            <a:pPr lvl="1"/>
+            <a:r>
+              <a:rPr lang="pl-PL" dirty="0" smtClean="0">
+                <a:latin typeface="Lucida Console" pitchFamily="49" charset="0"/>
+              </a:rPr>
+              <a:t>	</a:t>
+            </a:r>
+            <a:r>
+              <a:rPr lang="pl-PL" dirty="0" err="1" smtClean="0">
+                <a:latin typeface="Lucida Console" pitchFamily="49" charset="0"/>
+              </a:rPr>
+              <a:t>session.close</a:t>
+            </a:r>
+            <a:r>
+              <a:rPr lang="pl-PL" dirty="0">
+                <a:latin typeface="Lucida Console" pitchFamily="49" charset="0"/>
+              </a:rPr>
+              <a:t>();</a:t>
+            </a:r>
+          </a:p>
+          <a:p>
+            <a:r>
+              <a:rPr lang="pl-PL" dirty="0">
+                <a:latin typeface="Lucida Console" pitchFamily="49" charset="0"/>
+              </a:rPr>
+              <a:t>}</a:t>
+            </a:r>
+            <a:endParaRPr lang="pl-PL" dirty="0">
+              <a:latin typeface="Lucida Console" pitchFamily="49" charset="0"/>
+            </a:endParaRPr>
           </a:p>
         </p:txBody>
       </p:sp>
@@ -6344,11 +6972,11 @@
           <a:p>
             <a:r>
               <a:rPr lang="pl-PL" dirty="0" err="1" smtClean="0"/>
-              <a:t>Hibernate</a:t>
+              <a:t>Create</a:t>
             </a:r>
             <a:r>
               <a:rPr lang="pl-PL" dirty="0" smtClean="0"/>
-              <a:t> – dostęp do bazy</a:t>
+              <a:t>…</a:t>
             </a:r>
             <a:endParaRPr lang="pl-PL" dirty="0"/>
           </a:p>
@@ -6356,31 +6984,145 @@
       </p:sp>
       <p:sp>
         <p:nvSpPr>
-          <p:cNvPr id="3" name="Symbol zastępczy zawartości 2"/>
-          <p:cNvSpPr>
-            <a:spLocks noGrp="1"/>
-          </p:cNvSpPr>
-          <p:nvPr>
-            <p:ph idx="1"/>
-          </p:nvPr>
-        </p:nvSpPr>
-        <p:spPr/>
-        <p:txBody>
-          <a:bodyPr/>
+          <p:cNvPr id="4" name="Prostokąt 3"/>
+          <p:cNvSpPr/>
+          <p:nvPr/>
+        </p:nvSpPr>
+        <p:spPr>
+          <a:xfrm>
+            <a:off x="323528" y="2001029"/>
+            <a:ext cx="8820472" cy="2308324"/>
+          </a:xfrm>
+          <a:prstGeom prst="rect">
+            <a:avLst/>
+          </a:prstGeom>
+        </p:spPr>
+        <p:txBody>
+          <a:bodyPr wrap="square">
+            <a:spAutoFit/>
+          </a:bodyPr>
           <a:lstStyle/>
           <a:p>
             <a:r>
-              <a:rPr lang="pl-PL" dirty="0" smtClean="0"/>
-              <a:t>Obsługa relacji</a:t>
-            </a:r>
-            <a:endParaRPr lang="pl-PL" dirty="0"/>
+              <a:rPr lang="en-US" dirty="0">
+                <a:latin typeface="Lucida Console" pitchFamily="49" charset="0"/>
+              </a:rPr>
+              <a:t>Customer c = new Customer("AXAMI", "</a:t>
+            </a:r>
+            <a:r>
+              <a:rPr lang="en-US" dirty="0" err="1">
+                <a:latin typeface="Lucida Console" pitchFamily="49" charset="0"/>
+              </a:rPr>
+              <a:t>Aksamit</a:t>
+            </a:r>
+            <a:r>
+              <a:rPr lang="en-US" dirty="0">
+                <a:latin typeface="Lucida Console" pitchFamily="49" charset="0"/>
+              </a:rPr>
+              <a:t> INC.");</a:t>
+            </a:r>
+          </a:p>
+          <a:p>
+            <a:r>
+              <a:rPr lang="pl-PL" dirty="0" err="1">
+                <a:latin typeface="Lucida Console" pitchFamily="49" charset="0"/>
+              </a:rPr>
+              <a:t>session.save</a:t>
+            </a:r>
+            <a:r>
+              <a:rPr lang="pl-PL" dirty="0">
+                <a:latin typeface="Lucida Console" pitchFamily="49" charset="0"/>
+              </a:rPr>
+              <a:t>(c);</a:t>
+            </a:r>
+          </a:p>
+          <a:p>
+            <a:endParaRPr lang="pl-PL" dirty="0">
+              <a:latin typeface="Lucida Console" pitchFamily="49" charset="0"/>
+            </a:endParaRPr>
+          </a:p>
+          <a:p>
+            <a:r>
+              <a:rPr lang="en-US" dirty="0">
+                <a:latin typeface="Lucida Console" pitchFamily="49" charset="0"/>
+              </a:rPr>
+              <a:t>Employee e = new Employee("</a:t>
+            </a:r>
+            <a:r>
+              <a:rPr lang="en-US" dirty="0" err="1">
+                <a:latin typeface="Lucida Console" pitchFamily="49" charset="0"/>
+              </a:rPr>
+              <a:t>Alicja</a:t>
+            </a:r>
+            <a:r>
+              <a:rPr lang="en-US" dirty="0">
+                <a:latin typeface="Lucida Console" pitchFamily="49" charset="0"/>
+              </a:rPr>
+              <a:t>", "</a:t>
+            </a:r>
+            <a:r>
+              <a:rPr lang="en-US" dirty="0" err="1">
+                <a:latin typeface="Lucida Console" pitchFamily="49" charset="0"/>
+              </a:rPr>
+              <a:t>Salamon</a:t>
+            </a:r>
+            <a:r>
+              <a:rPr lang="en-US" dirty="0">
+                <a:latin typeface="Lucida Console" pitchFamily="49" charset="0"/>
+              </a:rPr>
+              <a:t>", "Krakow");</a:t>
+            </a:r>
+          </a:p>
+          <a:p>
+            <a:r>
+              <a:rPr lang="pl-PL" dirty="0" err="1">
+                <a:latin typeface="Lucida Console" pitchFamily="49" charset="0"/>
+              </a:rPr>
+              <a:t>session.save</a:t>
+            </a:r>
+            <a:r>
+              <a:rPr lang="pl-PL" dirty="0">
+                <a:latin typeface="Lucida Console" pitchFamily="49" charset="0"/>
+              </a:rPr>
+              <a:t>(e);</a:t>
+            </a:r>
+          </a:p>
+          <a:p>
+            <a:endParaRPr lang="pl-PL" dirty="0">
+              <a:latin typeface="Lucida Console" pitchFamily="49" charset="0"/>
+            </a:endParaRPr>
+          </a:p>
+          <a:p>
+            <a:r>
+              <a:rPr lang="en-US" dirty="0">
+                <a:latin typeface="Lucida Console" pitchFamily="49" charset="0"/>
+              </a:rPr>
+              <a:t>Order o = new Order(e, c);</a:t>
+            </a:r>
+          </a:p>
+          <a:p>
+            <a:r>
+              <a:rPr lang="pl-PL" dirty="0" err="1">
+                <a:latin typeface="Lucida Console" pitchFamily="49" charset="0"/>
+              </a:rPr>
+              <a:t>session.save</a:t>
+            </a:r>
+            <a:r>
+              <a:rPr lang="pl-PL" dirty="0">
+                <a:latin typeface="Lucida Console" pitchFamily="49" charset="0"/>
+              </a:rPr>
+              <a:t>(o);</a:t>
+            </a:r>
+            <a:endParaRPr lang="pl-PL" dirty="0">
+              <a:latin typeface="Lucida Console" pitchFamily="49" charset="0"/>
+            </a:endParaRPr>
           </a:p>
         </p:txBody>
       </p:sp>
     </p:spTree>
     <p:extLst>
       <p:ext uri="{BB962C8B-B14F-4D97-AF65-F5344CB8AC3E}">
-        <p14:creationId xmlns:p14="http://schemas.microsoft.com/office/powerpoint/2010/main" val="3056722092"/>
+        <p14:creationId xmlns:p14="http://schemas.microsoft.com/office/powerpoint/2010/main" val="4222481412"/>
       </p:ext>
     </p:extLst>
   </p:cSld>
@@ -6443,43 +7185,76 @@
         <p:spPr/>
         <p:txBody>
           <a:bodyPr>
-            <a:normAutofit fontScale="77500" lnSpcReduction="20000"/>
+            <a:normAutofit fontScale="85000" lnSpcReduction="10000"/>
           </a:bodyPr>
           <a:lstStyle/>
           <a:p>
             <a:r>
               <a:rPr lang="pl-PL" dirty="0" smtClean="0"/>
-              <a:t>Założenia i cele twórców - </a:t>
+              <a:t>był </a:t>
             </a:r>
             <a:r>
               <a:rPr lang="pl-PL" dirty="0"/>
-              <a:t>MySQL był pisany raczej z myślą o szybkości niż kompatybilności ze standardem </a:t>
-            </a:r>
-            <a:r>
-              <a:rPr lang="pl-PL" u="sng" dirty="0" smtClean="0"/>
-              <a:t>SQL (</a:t>
+              <a:t>pisany raczej z myślą o szybkości niż kompatybilności ze standardem </a:t>
+            </a:r>
+            <a:r>
+              <a:rPr lang="pl-PL" dirty="0" smtClean="0"/>
+              <a:t>SQL</a:t>
+            </a:r>
+            <a:endParaRPr lang="pl-PL" u="sng" dirty="0" smtClean="0"/>
+          </a:p>
+          <a:p>
+            <a:r>
+              <a:rPr lang="pl-PL" dirty="0" smtClean="0"/>
+              <a:t>Popularny </a:t>
+            </a:r>
+            <a:r>
+              <a:rPr lang="pl-PL" dirty="0" err="1" smtClean="0"/>
+              <a:t>wsród</a:t>
+            </a:r>
+            <a:r>
+              <a:rPr lang="en-US" dirty="0" smtClean="0"/>
+              <a:t> web</a:t>
+            </a:r>
+            <a:r>
+              <a:rPr lang="pl-PL" dirty="0" smtClean="0"/>
+              <a:t>owych</a:t>
+            </a:r>
+            <a:r>
+              <a:rPr lang="en-US" dirty="0" smtClean="0"/>
+              <a:t> </a:t>
+            </a:r>
+            <a:r>
+              <a:rPr lang="en-US" dirty="0" err="1" smtClean="0"/>
+              <a:t>ap</a:t>
+            </a:r>
+            <a:r>
+              <a:rPr lang="pl-PL" dirty="0" err="1" smtClean="0"/>
+              <a:t>likacji</a:t>
+            </a:r>
+            <a:r>
+              <a:rPr lang="pl-PL" dirty="0" smtClean="0"/>
+              <a:t> – część szeroko rozpowszechnionego</a:t>
+            </a:r>
+            <a:r>
+              <a:rPr lang="en-US" dirty="0"/>
+              <a:t> LAMP </a:t>
+            </a:r>
+            <a:r>
+              <a:rPr lang="pl-PL" dirty="0" smtClean="0"/>
+              <a:t>- złożonego open </a:t>
+            </a:r>
+            <a:r>
+              <a:rPr lang="pl-PL" dirty="0" err="1" smtClean="0"/>
+              <a:t>sourcowych</a:t>
             </a:r>
             <a:r>
               <a:rPr lang="pl-PL" dirty="0"/>
-              <a:t>przez dłuższy czas MySQL nie obsługiwał </a:t>
-            </a:r>
-            <a:r>
-              <a:rPr lang="pl-PL" dirty="0" smtClean="0"/>
-              <a:t>nawet </a:t>
-            </a:r>
-            <a:r>
-              <a:rPr lang="pl-PL" u="sng" dirty="0" smtClean="0"/>
-              <a:t>transakcji)</a:t>
-            </a:r>
-          </a:p>
-          <a:p>
-            <a:r>
-              <a:rPr lang="en-US" dirty="0"/>
-              <a:t>MySQL is a popular choice of database for use in web applications, and is a central component of the widely used LAMP open source web application software stack </a:t>
+              <a:t>:</a:t>
             </a:r>
             <a:r>
               <a:rPr lang="en-US" dirty="0" smtClean="0"/>
-              <a:t>Linux</a:t>
+              <a:t> Linux</a:t>
             </a:r>
             <a:r>
               <a:rPr lang="en-US" dirty="0"/>
@@ -6488,10 +7263,6 @@
             <a:r>
               <a:rPr lang="en-US" dirty="0" smtClean="0"/>
               <a:t>Perl/PHP/Python</a:t>
-            </a:r>
-            <a:r>
-              <a:rPr lang="pl-PL" dirty="0" smtClean="0"/>
-              <a:t>)</a:t>
             </a:r>
             <a:endParaRPr lang="pl-PL" dirty="0"/>
           </a:p>
@@ -6572,6 +7343,1031 @@
           <a:lstStyle/>
           <a:p>
             <a:r>
+              <a:rPr lang="pl-PL" dirty="0" smtClean="0"/>
+              <a:t>Read…</a:t>
+            </a:r>
+            <a:endParaRPr lang="pl-PL" dirty="0"/>
+          </a:p>
+        </p:txBody>
+      </p:sp>
+      <p:sp>
+        <p:nvSpPr>
+          <p:cNvPr id="4" name="Prostokąt 3"/>
+          <p:cNvSpPr/>
+          <p:nvPr/>
+        </p:nvSpPr>
+        <p:spPr>
+          <a:xfrm>
+            <a:off x="273665" y="1700808"/>
+            <a:ext cx="8496944" cy="3354765"/>
+          </a:xfrm>
+          <a:prstGeom prst="rect">
+            <a:avLst/>
+          </a:prstGeom>
+        </p:spPr>
+        <p:txBody>
+          <a:bodyPr wrap="square">
+            <a:spAutoFit/>
+          </a:bodyPr>
+          <a:lstStyle/>
+          <a:p>
+            <a:r>
+              <a:rPr lang="pl-PL" sz="1600" dirty="0">
+                <a:latin typeface="Lucida Console" pitchFamily="49" charset="0"/>
+              </a:rPr>
+              <a:t>List&lt;Order&gt; </a:t>
+            </a:r>
+            <a:r>
+              <a:rPr lang="pl-PL" sz="1600" dirty="0" err="1">
+                <a:latin typeface="Lucida Console" pitchFamily="49" charset="0"/>
+              </a:rPr>
+              <a:t>ordersList</a:t>
+            </a:r>
+            <a:r>
+              <a:rPr lang="pl-PL" sz="1600" dirty="0">
+                <a:latin typeface="Lucida Console" pitchFamily="49" charset="0"/>
+              </a:rPr>
+              <a:t> = </a:t>
+            </a:r>
+            <a:r>
+              <a:rPr lang="pl-PL" sz="1600" dirty="0" err="1">
+                <a:latin typeface="Lucida Console" pitchFamily="49" charset="0"/>
+              </a:rPr>
+              <a:t>newSession</a:t>
+            </a:r>
+            <a:endParaRPr lang="pl-PL" sz="1600" dirty="0">
+              <a:latin typeface="Lucida Console" pitchFamily="49" charset="0"/>
+            </a:endParaRPr>
+          </a:p>
+          <a:p>
+            <a:r>
+              <a:rPr lang="en-US" sz="1600" dirty="0">
+                <a:latin typeface="Lucida Console" pitchFamily="49" charset="0"/>
+              </a:rPr>
+              <a:t>.</a:t>
+            </a:r>
+            <a:r>
+              <a:rPr lang="en-US" sz="1600" dirty="0" err="1">
+                <a:latin typeface="Lucida Console" pitchFamily="49" charset="0"/>
+              </a:rPr>
+              <a:t>createSQLQuery</a:t>
+            </a:r>
+            <a:r>
+              <a:rPr lang="en-US" sz="1600" dirty="0">
+                <a:latin typeface="Lucida Console" pitchFamily="49" charset="0"/>
+              </a:rPr>
+              <a:t>("select * from Orders where </a:t>
+            </a:r>
+            <a:r>
+              <a:rPr lang="en-US" sz="1600" dirty="0" err="1">
+                <a:latin typeface="Lucida Console" pitchFamily="49" charset="0"/>
+              </a:rPr>
+              <a:t>OrderID</a:t>
+            </a:r>
+            <a:r>
+              <a:rPr lang="en-US" sz="1600" dirty="0">
+                <a:latin typeface="Lucida Console" pitchFamily="49" charset="0"/>
+              </a:rPr>
+              <a:t>=11078")</a:t>
+            </a:r>
+          </a:p>
+          <a:p>
+            <a:r>
+              <a:rPr lang="pl-PL" sz="1600" dirty="0">
+                <a:latin typeface="Lucida Console" pitchFamily="49" charset="0"/>
+              </a:rPr>
+              <a:t>.</a:t>
+            </a:r>
+            <a:r>
+              <a:rPr lang="pl-PL" sz="1600" dirty="0" err="1">
+                <a:latin typeface="Lucida Console" pitchFamily="49" charset="0"/>
+              </a:rPr>
+              <a:t>addEntity</a:t>
+            </a:r>
+            <a:r>
+              <a:rPr lang="pl-PL" sz="1600" dirty="0">
+                <a:latin typeface="Lucida Console" pitchFamily="49" charset="0"/>
+              </a:rPr>
+              <a:t>(</a:t>
+            </a:r>
+            <a:r>
+              <a:rPr lang="pl-PL" sz="1600" dirty="0" err="1">
+                <a:latin typeface="Lucida Console" pitchFamily="49" charset="0"/>
+              </a:rPr>
+              <a:t>Order.class</a:t>
+            </a:r>
+            <a:r>
+              <a:rPr lang="pl-PL" sz="1600" dirty="0">
+                <a:latin typeface="Lucida Console" pitchFamily="49" charset="0"/>
+              </a:rPr>
+              <a:t>).list();</a:t>
+            </a:r>
+          </a:p>
+          <a:p>
+            <a:endParaRPr lang="pl-PL" sz="1600" dirty="0">
+              <a:latin typeface="Lucida Console" pitchFamily="49" charset="0"/>
+            </a:endParaRPr>
+          </a:p>
+          <a:p>
+            <a:r>
+              <a:rPr lang="pl-PL" sz="1600" dirty="0">
+                <a:latin typeface="Lucida Console" pitchFamily="49" charset="0"/>
+              </a:rPr>
+              <a:t>for (</a:t>
+            </a:r>
+            <a:r>
+              <a:rPr lang="pl-PL" sz="1600" dirty="0" err="1">
+                <a:latin typeface="Lucida Console" pitchFamily="49" charset="0"/>
+              </a:rPr>
+              <a:t>Iterator</a:t>
+            </a:r>
+            <a:r>
+              <a:rPr lang="pl-PL" sz="1600" dirty="0">
+                <a:latin typeface="Lucida Console" pitchFamily="49" charset="0"/>
+              </a:rPr>
+              <a:t>&lt;Order&gt; </a:t>
+            </a:r>
+            <a:r>
+              <a:rPr lang="pl-PL" sz="1600" dirty="0" err="1">
+                <a:latin typeface="Lucida Console" pitchFamily="49" charset="0"/>
+              </a:rPr>
+              <a:t>iter</a:t>
+            </a:r>
+            <a:r>
+              <a:rPr lang="pl-PL" sz="1600" dirty="0">
+                <a:latin typeface="Lucida Console" pitchFamily="49" charset="0"/>
+              </a:rPr>
+              <a:t> = </a:t>
+            </a:r>
+            <a:r>
+              <a:rPr lang="pl-PL" sz="1600" dirty="0" err="1">
+                <a:latin typeface="Lucida Console" pitchFamily="49" charset="0"/>
+              </a:rPr>
+              <a:t>ordersList.iterator</a:t>
+            </a:r>
+            <a:r>
+              <a:rPr lang="pl-PL" sz="1600" dirty="0">
+                <a:latin typeface="Lucida Console" pitchFamily="49" charset="0"/>
+              </a:rPr>
+              <a:t>(); </a:t>
+            </a:r>
+            <a:r>
+              <a:rPr lang="pl-PL" sz="1600" dirty="0" err="1">
+                <a:latin typeface="Lucida Console" pitchFamily="49" charset="0"/>
+              </a:rPr>
+              <a:t>iter.hasNext</a:t>
+            </a:r>
+            <a:r>
+              <a:rPr lang="pl-PL" sz="1600" dirty="0">
+                <a:latin typeface="Lucida Console" pitchFamily="49" charset="0"/>
+              </a:rPr>
+              <a:t>();) {</a:t>
+            </a:r>
+          </a:p>
+          <a:p>
+            <a:pPr lvl="1"/>
+            <a:r>
+              <a:rPr lang="pl-PL" sz="1600" dirty="0">
+                <a:latin typeface="Lucida Console" pitchFamily="49" charset="0"/>
+              </a:rPr>
+              <a:t>Order </a:t>
+            </a:r>
+            <a:r>
+              <a:rPr lang="pl-PL" sz="1600" dirty="0" err="1">
+                <a:latin typeface="Lucida Console" pitchFamily="49" charset="0"/>
+              </a:rPr>
+              <a:t>order</a:t>
+            </a:r>
+            <a:r>
+              <a:rPr lang="pl-PL" sz="1600" dirty="0">
+                <a:latin typeface="Lucida Console" pitchFamily="49" charset="0"/>
+              </a:rPr>
+              <a:t> = (Order) </a:t>
+            </a:r>
+            <a:r>
+              <a:rPr lang="pl-PL" sz="1600" dirty="0" err="1">
+                <a:latin typeface="Lucida Console" pitchFamily="49" charset="0"/>
+              </a:rPr>
+              <a:t>iter.next</a:t>
+            </a:r>
+            <a:r>
+              <a:rPr lang="pl-PL" sz="1600" dirty="0">
+                <a:latin typeface="Lucida Console" pitchFamily="49" charset="0"/>
+              </a:rPr>
+              <a:t>();</a:t>
+            </a:r>
+          </a:p>
+          <a:p>
+            <a:pPr lvl="1"/>
+            <a:r>
+              <a:rPr lang="pl-PL" sz="1600" dirty="0" err="1">
+                <a:latin typeface="Lucida Console" pitchFamily="49" charset="0"/>
+              </a:rPr>
+              <a:t>Employee</a:t>
+            </a:r>
+            <a:r>
+              <a:rPr lang="pl-PL" sz="1600" dirty="0">
+                <a:latin typeface="Lucida Console" pitchFamily="49" charset="0"/>
+              </a:rPr>
+              <a:t> </a:t>
+            </a:r>
+            <a:r>
+              <a:rPr lang="pl-PL" sz="1600" dirty="0" err="1">
+                <a:latin typeface="Lucida Console" pitchFamily="49" charset="0"/>
+              </a:rPr>
+              <a:t>empl</a:t>
+            </a:r>
+            <a:r>
+              <a:rPr lang="pl-PL" sz="1600" dirty="0">
+                <a:latin typeface="Lucida Console" pitchFamily="49" charset="0"/>
+              </a:rPr>
+              <a:t> = </a:t>
+            </a:r>
+            <a:r>
+              <a:rPr lang="pl-PL" sz="1600" dirty="0" err="1">
+                <a:latin typeface="Lucida Console" pitchFamily="49" charset="0"/>
+              </a:rPr>
+              <a:t>order.getEmployeeID</a:t>
+            </a:r>
+            <a:r>
+              <a:rPr lang="pl-PL" sz="1600" dirty="0">
+                <a:latin typeface="Lucida Console" pitchFamily="49" charset="0"/>
+              </a:rPr>
+              <a:t>();</a:t>
+            </a:r>
+          </a:p>
+          <a:p>
+            <a:pPr lvl="1"/>
+            <a:r>
+              <a:rPr lang="pl-PL" sz="1600" dirty="0" err="1">
+                <a:latin typeface="Lucida Console" pitchFamily="49" charset="0"/>
+              </a:rPr>
+              <a:t>Customer</a:t>
+            </a:r>
+            <a:r>
+              <a:rPr lang="pl-PL" sz="1600" dirty="0">
+                <a:latin typeface="Lucida Console" pitchFamily="49" charset="0"/>
+              </a:rPr>
+              <a:t> </a:t>
+            </a:r>
+            <a:r>
+              <a:rPr lang="pl-PL" sz="1600" dirty="0" err="1">
+                <a:latin typeface="Lucida Console" pitchFamily="49" charset="0"/>
+              </a:rPr>
+              <a:t>cust</a:t>
+            </a:r>
+            <a:r>
+              <a:rPr lang="pl-PL" sz="1600" dirty="0">
+                <a:latin typeface="Lucida Console" pitchFamily="49" charset="0"/>
+              </a:rPr>
+              <a:t> = </a:t>
+            </a:r>
+            <a:r>
+              <a:rPr lang="pl-PL" sz="1600" dirty="0" err="1">
+                <a:latin typeface="Lucida Console" pitchFamily="49" charset="0"/>
+              </a:rPr>
+              <a:t>order.getCustomerID</a:t>
+            </a:r>
+            <a:r>
+              <a:rPr lang="pl-PL" sz="1600" dirty="0">
+                <a:latin typeface="Lucida Console" pitchFamily="49" charset="0"/>
+              </a:rPr>
+              <a:t>();</a:t>
+            </a:r>
+          </a:p>
+          <a:p>
+            <a:pPr lvl="1"/>
+            <a:r>
+              <a:rPr lang="pl-PL" sz="1600" dirty="0" err="1">
+                <a:latin typeface="Lucida Console" pitchFamily="49" charset="0"/>
+              </a:rPr>
+              <a:t>System.</a:t>
+            </a:r>
+            <a:r>
+              <a:rPr lang="pl-PL" sz="1600" i="1" dirty="0" err="1">
+                <a:latin typeface="Lucida Console" pitchFamily="49" charset="0"/>
+              </a:rPr>
+              <a:t>out.println</a:t>
+            </a:r>
+            <a:r>
+              <a:rPr lang="pl-PL" sz="1600" i="1" dirty="0">
+                <a:latin typeface="Lucida Console" pitchFamily="49" charset="0"/>
+              </a:rPr>
+              <a:t>(</a:t>
+            </a:r>
+            <a:r>
+              <a:rPr lang="pl-PL" sz="1600" i="1" dirty="0" err="1">
+                <a:latin typeface="Lucida Console" pitchFamily="49" charset="0"/>
+              </a:rPr>
+              <a:t>order.getOrderID</a:t>
+            </a:r>
+            <a:r>
+              <a:rPr lang="pl-PL" sz="1600" i="1" dirty="0">
+                <a:latin typeface="Lucida Console" pitchFamily="49" charset="0"/>
+              </a:rPr>
+              <a:t>() + " by "</a:t>
+            </a:r>
+          </a:p>
+          <a:p>
+            <a:pPr lvl="2"/>
+            <a:r>
+              <a:rPr lang="pl-PL" sz="1600" dirty="0">
+                <a:latin typeface="Lucida Console" pitchFamily="49" charset="0"/>
+              </a:rPr>
+              <a:t>+ </a:t>
+            </a:r>
+            <a:r>
+              <a:rPr lang="pl-PL" sz="1600" dirty="0" err="1">
+                <a:latin typeface="Lucida Console" pitchFamily="49" charset="0"/>
+              </a:rPr>
+              <a:t>empl.getFirstName</a:t>
+            </a:r>
+            <a:r>
+              <a:rPr lang="pl-PL" sz="1600" dirty="0">
+                <a:latin typeface="Lucida Console" pitchFamily="49" charset="0"/>
+              </a:rPr>
+              <a:t>() + " " + </a:t>
+            </a:r>
+            <a:r>
+              <a:rPr lang="pl-PL" sz="1600" dirty="0" err="1">
+                <a:latin typeface="Lucida Console" pitchFamily="49" charset="0"/>
+              </a:rPr>
+              <a:t>empl.getLastName</a:t>
+            </a:r>
+            <a:r>
+              <a:rPr lang="pl-PL" sz="1600" dirty="0">
+                <a:latin typeface="Lucida Console" pitchFamily="49" charset="0"/>
+              </a:rPr>
+              <a:t>() + " for "</a:t>
+            </a:r>
+          </a:p>
+          <a:p>
+            <a:pPr lvl="2"/>
+            <a:r>
+              <a:rPr lang="pl-PL" sz="1600" dirty="0">
+                <a:latin typeface="Lucida Console" pitchFamily="49" charset="0"/>
+              </a:rPr>
+              <a:t>+ </a:t>
+            </a:r>
+            <a:r>
+              <a:rPr lang="pl-PL" sz="1600" dirty="0" err="1">
+                <a:latin typeface="Lucida Console" pitchFamily="49" charset="0"/>
+              </a:rPr>
+              <a:t>cust.getCompanyName</a:t>
+            </a:r>
+            <a:r>
+              <a:rPr lang="pl-PL" sz="1600" dirty="0">
+                <a:latin typeface="Lucida Console" pitchFamily="49" charset="0"/>
+              </a:rPr>
+              <a:t>());</a:t>
+            </a:r>
+          </a:p>
+          <a:p>
+            <a:r>
+              <a:rPr lang="pl-PL" sz="1600" dirty="0">
+                <a:latin typeface="Lucida Console" pitchFamily="49" charset="0"/>
+              </a:rPr>
+              <a:t>}</a:t>
+            </a:r>
+            <a:endParaRPr lang="pl-PL" sz="1600" dirty="0">
+              <a:latin typeface="Lucida Console" pitchFamily="49" charset="0"/>
+            </a:endParaRPr>
+          </a:p>
+        </p:txBody>
+      </p:sp>
+    </p:spTree>
+    <p:extLst>
+      <p:ext uri="{BB962C8B-B14F-4D97-AF65-F5344CB8AC3E}">
+        <p14:creationId xmlns:p14="http://schemas.microsoft.com/office/powerpoint/2010/main" val="1389485315"/>
+      </p:ext>
+    </p:extLst>
+  </p:cSld>
+  <p:clrMapOvr>
+    <a:masterClrMapping/>
+  </p:clrMapOvr>
+</p:sld>
+</file>
+
+<file path=ppt/slides/slide21.xml><?xml version="1.0" encoding="utf-8"?>
+<p:sld xmlns:a="http://schemas.openxmlformats.org/drawingml/2006/main" xmlns:r="http://schemas.openxmlformats.org/officeDocument/2006/relationships" xmlns:p="http://schemas.openxmlformats.org/presentationml/2006/main">
+  <p:cSld>
+    <p:spTree>
+      <p:nvGrpSpPr>
+        <p:cNvPr id="1" name=""/>
+        <p:cNvGrpSpPr/>
+        <p:nvPr/>
+      </p:nvGrpSpPr>
+      <p:grpSpPr>
+        <a:xfrm>
+          <a:off x="0" y="0"/>
+          <a:ext cx="0" cy="0"/>
+          <a:chOff x="0" y="0"/>
+          <a:chExt cx="0" cy="0"/>
+        </a:xfrm>
+      </p:grpSpPr>
+      <p:sp>
+        <p:nvSpPr>
+          <p:cNvPr id="2" name="Tytuł 1"/>
+          <p:cNvSpPr>
+            <a:spLocks noGrp="1"/>
+          </p:cNvSpPr>
+          <p:nvPr>
+            <p:ph type="title"/>
+          </p:nvPr>
+        </p:nvSpPr>
+        <p:spPr/>
+        <p:txBody>
+          <a:bodyPr/>
+          <a:lstStyle/>
+          <a:p>
+            <a:r>
+              <a:rPr lang="pl-PL" dirty="0" smtClean="0"/>
+              <a:t>Update…</a:t>
+            </a:r>
+            <a:endParaRPr lang="pl-PL" dirty="0"/>
+          </a:p>
+        </p:txBody>
+      </p:sp>
+      <p:sp>
+        <p:nvSpPr>
+          <p:cNvPr id="4" name="Prostokąt 3"/>
+          <p:cNvSpPr/>
+          <p:nvPr/>
+        </p:nvSpPr>
+        <p:spPr>
+          <a:xfrm>
+            <a:off x="539552" y="2228671"/>
+            <a:ext cx="7776864" cy="2585323"/>
+          </a:xfrm>
+          <a:prstGeom prst="rect">
+            <a:avLst/>
+          </a:prstGeom>
+        </p:spPr>
+        <p:txBody>
+          <a:bodyPr wrap="square">
+            <a:spAutoFit/>
+          </a:bodyPr>
+          <a:lstStyle/>
+          <a:p>
+            <a:r>
+              <a:rPr lang="pl-PL" dirty="0" err="1">
+                <a:latin typeface="Lucida Console" pitchFamily="49" charset="0"/>
+              </a:rPr>
+              <a:t>Customer</a:t>
+            </a:r>
+            <a:r>
+              <a:rPr lang="pl-PL" dirty="0">
+                <a:latin typeface="Lucida Console" pitchFamily="49" charset="0"/>
+              </a:rPr>
+              <a:t> c = </a:t>
+            </a:r>
+            <a:r>
+              <a:rPr lang="pl-PL" dirty="0" err="1">
+                <a:latin typeface="Lucida Console" pitchFamily="49" charset="0"/>
+              </a:rPr>
+              <a:t>new</a:t>
+            </a:r>
+            <a:r>
+              <a:rPr lang="pl-PL" dirty="0">
+                <a:latin typeface="Lucida Console" pitchFamily="49" charset="0"/>
+              </a:rPr>
+              <a:t> </a:t>
+            </a:r>
+            <a:r>
+              <a:rPr lang="pl-PL" dirty="0" err="1">
+                <a:latin typeface="Lucida Console" pitchFamily="49" charset="0"/>
+              </a:rPr>
+              <a:t>Customer</a:t>
+            </a:r>
+            <a:r>
+              <a:rPr lang="pl-PL" dirty="0">
+                <a:latin typeface="Lucida Console" pitchFamily="49" charset="0"/>
+              </a:rPr>
+              <a:t>();</a:t>
+            </a:r>
+          </a:p>
+          <a:p>
+            <a:r>
+              <a:rPr lang="pl-PL" dirty="0" err="1">
+                <a:latin typeface="Lucida Console" pitchFamily="49" charset="0"/>
+              </a:rPr>
+              <a:t>c.customerID</a:t>
+            </a:r>
+            <a:r>
+              <a:rPr lang="pl-PL" dirty="0">
+                <a:latin typeface="Lucida Console" pitchFamily="49" charset="0"/>
+              </a:rPr>
+              <a:t> = "AXAMI";</a:t>
+            </a:r>
+          </a:p>
+          <a:p>
+            <a:r>
+              <a:rPr lang="pl-PL" dirty="0" err="1">
+                <a:latin typeface="Lucida Console" pitchFamily="49" charset="0"/>
+              </a:rPr>
+              <a:t>c.companyName</a:t>
+            </a:r>
+            <a:r>
+              <a:rPr lang="pl-PL" dirty="0">
+                <a:latin typeface="Lucida Console" pitchFamily="49" charset="0"/>
+              </a:rPr>
+              <a:t> = "</a:t>
+            </a:r>
+            <a:r>
+              <a:rPr lang="pl-PL" dirty="0" err="1">
+                <a:latin typeface="Lucida Console" pitchFamily="49" charset="0"/>
+              </a:rPr>
+              <a:t>Axamit</a:t>
+            </a:r>
+            <a:r>
+              <a:rPr lang="pl-PL" dirty="0">
+                <a:latin typeface="Lucida Console" pitchFamily="49" charset="0"/>
+              </a:rPr>
+              <a:t> &amp; Sons";</a:t>
+            </a:r>
+          </a:p>
+          <a:p>
+            <a:r>
+              <a:rPr lang="pl-PL" dirty="0" err="1">
+                <a:latin typeface="Lucida Console" pitchFamily="49" charset="0"/>
+              </a:rPr>
+              <a:t>session.update</a:t>
+            </a:r>
+            <a:r>
+              <a:rPr lang="pl-PL" dirty="0">
+                <a:latin typeface="Lucida Console" pitchFamily="49" charset="0"/>
+              </a:rPr>
+              <a:t>(c</a:t>
+            </a:r>
+            <a:r>
+              <a:rPr lang="pl-PL" dirty="0" smtClean="0">
+                <a:latin typeface="Lucida Console" pitchFamily="49" charset="0"/>
+              </a:rPr>
+              <a:t>);</a:t>
+            </a:r>
+          </a:p>
+          <a:p>
+            <a:endParaRPr lang="pl-PL" dirty="0" smtClean="0">
+              <a:latin typeface="Lucida Console" pitchFamily="49" charset="0"/>
+            </a:endParaRPr>
+          </a:p>
+          <a:p>
+            <a:endParaRPr lang="pl-PL" dirty="0"/>
+          </a:p>
+          <a:p>
+            <a:r>
+              <a:rPr lang="en-US" dirty="0">
+                <a:latin typeface="Lucida Console" pitchFamily="49" charset="0"/>
+              </a:rPr>
+              <a:t>Employee e = new Employee("</a:t>
+            </a:r>
+            <a:r>
+              <a:rPr lang="en-US" dirty="0" err="1">
+                <a:latin typeface="Lucida Console" pitchFamily="49" charset="0"/>
+              </a:rPr>
+              <a:t>Salamon</a:t>
+            </a:r>
+            <a:r>
+              <a:rPr lang="en-US" dirty="0">
+                <a:latin typeface="Lucida Console" pitchFamily="49" charset="0"/>
+              </a:rPr>
+              <a:t>", "</a:t>
+            </a:r>
+            <a:r>
+              <a:rPr lang="en-US" dirty="0" err="1">
+                <a:latin typeface="Lucida Console" pitchFamily="49" charset="0"/>
+              </a:rPr>
+              <a:t>Ala</a:t>
+            </a:r>
+            <a:r>
+              <a:rPr lang="en-US" dirty="0">
+                <a:latin typeface="Lucida Console" pitchFamily="49" charset="0"/>
+              </a:rPr>
+              <a:t>", "Krakow");</a:t>
+            </a:r>
+          </a:p>
+          <a:p>
+            <a:r>
+              <a:rPr lang="pl-PL" dirty="0" err="1">
+                <a:latin typeface="Lucida Console" pitchFamily="49" charset="0"/>
+              </a:rPr>
+              <a:t>e.EmployeeID</a:t>
+            </a:r>
+            <a:r>
+              <a:rPr lang="pl-PL" dirty="0">
+                <a:latin typeface="Lucida Console" pitchFamily="49" charset="0"/>
+              </a:rPr>
+              <a:t>=10;</a:t>
+            </a:r>
+          </a:p>
+          <a:p>
+            <a:r>
+              <a:rPr lang="pl-PL" dirty="0" err="1">
+                <a:latin typeface="Lucida Console" pitchFamily="49" charset="0"/>
+              </a:rPr>
+              <a:t>session.update</a:t>
+            </a:r>
+            <a:r>
+              <a:rPr lang="pl-PL" dirty="0">
+                <a:latin typeface="Lucida Console" pitchFamily="49" charset="0"/>
+              </a:rPr>
+              <a:t>(e);</a:t>
+            </a:r>
+          </a:p>
+        </p:txBody>
+      </p:sp>
+    </p:spTree>
+    <p:extLst>
+      <p:ext uri="{BB962C8B-B14F-4D97-AF65-F5344CB8AC3E}">
+        <p14:creationId xmlns:p14="http://schemas.microsoft.com/office/powerpoint/2010/main" val="1526151245"/>
+      </p:ext>
+    </p:extLst>
+  </p:cSld>
+  <p:clrMapOvr>
+    <a:masterClrMapping/>
+  </p:clrMapOvr>
+</p:sld>
+</file>
+
+<file path=ppt/slides/slide22.xml><?xml version="1.0" encoding="utf-8"?>
+<p:sld xmlns:a="http://schemas.openxmlformats.org/drawingml/2006/main" xmlns:r="http://schemas.openxmlformats.org/officeDocument/2006/relationships" xmlns:p="http://schemas.openxmlformats.org/presentationml/2006/main">
+  <p:cSld>
+    <p:spTree>
+      <p:nvGrpSpPr>
+        <p:cNvPr id="1" name=""/>
+        <p:cNvGrpSpPr/>
+        <p:nvPr/>
+      </p:nvGrpSpPr>
+      <p:grpSpPr>
+        <a:xfrm>
+          <a:off x="0" y="0"/>
+          <a:ext cx="0" cy="0"/>
+          <a:chOff x="0" y="0"/>
+          <a:chExt cx="0" cy="0"/>
+        </a:xfrm>
+      </p:grpSpPr>
+      <p:sp>
+        <p:nvSpPr>
+          <p:cNvPr id="2" name="Tytuł 1"/>
+          <p:cNvSpPr>
+            <a:spLocks noGrp="1"/>
+          </p:cNvSpPr>
+          <p:nvPr>
+            <p:ph type="title"/>
+          </p:nvPr>
+        </p:nvSpPr>
+        <p:spPr/>
+        <p:txBody>
+          <a:bodyPr/>
+          <a:lstStyle/>
+          <a:p>
+            <a:r>
+              <a:rPr lang="pl-PL" dirty="0" err="1" smtClean="0"/>
+              <a:t>Delete</a:t>
+            </a:r>
+            <a:r>
+              <a:rPr lang="pl-PL" dirty="0" smtClean="0"/>
+              <a:t>…</a:t>
+            </a:r>
+            <a:endParaRPr lang="pl-PL" dirty="0"/>
+          </a:p>
+        </p:txBody>
+      </p:sp>
+      <p:sp>
+        <p:nvSpPr>
+          <p:cNvPr id="5" name="Prostokąt 4"/>
+          <p:cNvSpPr/>
+          <p:nvPr/>
+        </p:nvSpPr>
+        <p:spPr>
+          <a:xfrm>
+            <a:off x="827584" y="1859340"/>
+            <a:ext cx="6030416" cy="3139321"/>
+          </a:xfrm>
+          <a:prstGeom prst="rect">
+            <a:avLst/>
+          </a:prstGeom>
+        </p:spPr>
+        <p:txBody>
+          <a:bodyPr wrap="square">
+            <a:spAutoFit/>
+          </a:bodyPr>
+          <a:lstStyle/>
+          <a:p>
+            <a:r>
+              <a:rPr lang="pl-PL" dirty="0">
+                <a:latin typeface="Lucida Console" pitchFamily="49" charset="0"/>
+              </a:rPr>
+              <a:t>Order o = </a:t>
+            </a:r>
+            <a:r>
+              <a:rPr lang="pl-PL" dirty="0" err="1">
+                <a:latin typeface="Lucida Console" pitchFamily="49" charset="0"/>
+              </a:rPr>
+              <a:t>new</a:t>
+            </a:r>
+            <a:r>
+              <a:rPr lang="pl-PL" dirty="0">
+                <a:latin typeface="Lucida Console" pitchFamily="49" charset="0"/>
+              </a:rPr>
+              <a:t> Order();</a:t>
+            </a:r>
+          </a:p>
+          <a:p>
+            <a:r>
+              <a:rPr lang="pl-PL" dirty="0" err="1">
+                <a:latin typeface="Lucida Console" pitchFamily="49" charset="0"/>
+              </a:rPr>
+              <a:t>o.setOrderID</a:t>
+            </a:r>
+            <a:r>
+              <a:rPr lang="pl-PL" dirty="0">
+                <a:latin typeface="Lucida Console" pitchFamily="49" charset="0"/>
+              </a:rPr>
+              <a:t>(11078);</a:t>
+            </a:r>
+          </a:p>
+          <a:p>
+            <a:r>
+              <a:rPr lang="pl-PL" dirty="0" err="1">
+                <a:latin typeface="Lucida Console" pitchFamily="49" charset="0"/>
+              </a:rPr>
+              <a:t>session.delete</a:t>
+            </a:r>
+            <a:r>
+              <a:rPr lang="pl-PL" dirty="0">
+                <a:latin typeface="Lucida Console" pitchFamily="49" charset="0"/>
+              </a:rPr>
+              <a:t>(o);</a:t>
+            </a:r>
+          </a:p>
+          <a:p>
+            <a:endParaRPr lang="pl-PL" dirty="0">
+              <a:latin typeface="Lucida Console" pitchFamily="49" charset="0"/>
+            </a:endParaRPr>
+          </a:p>
+          <a:p>
+            <a:r>
+              <a:rPr lang="pl-PL" dirty="0" err="1">
+                <a:latin typeface="Lucida Console" pitchFamily="49" charset="0"/>
+              </a:rPr>
+              <a:t>Customer</a:t>
+            </a:r>
+            <a:r>
+              <a:rPr lang="pl-PL" dirty="0">
+                <a:latin typeface="Lucida Console" pitchFamily="49" charset="0"/>
+              </a:rPr>
+              <a:t> c1 = </a:t>
+            </a:r>
+            <a:r>
+              <a:rPr lang="pl-PL" dirty="0" err="1">
+                <a:latin typeface="Lucida Console" pitchFamily="49" charset="0"/>
+              </a:rPr>
+              <a:t>new</a:t>
+            </a:r>
+            <a:r>
+              <a:rPr lang="pl-PL" dirty="0">
+                <a:latin typeface="Lucida Console" pitchFamily="49" charset="0"/>
+              </a:rPr>
+              <a:t> </a:t>
+            </a:r>
+            <a:r>
+              <a:rPr lang="pl-PL" dirty="0" err="1">
+                <a:latin typeface="Lucida Console" pitchFamily="49" charset="0"/>
+              </a:rPr>
+              <a:t>Customer</a:t>
+            </a:r>
+            <a:r>
+              <a:rPr lang="pl-PL" dirty="0">
+                <a:latin typeface="Lucida Console" pitchFamily="49" charset="0"/>
+              </a:rPr>
+              <a:t>();</a:t>
+            </a:r>
+          </a:p>
+          <a:p>
+            <a:r>
+              <a:rPr lang="pl-PL" dirty="0">
+                <a:latin typeface="Lucida Console" pitchFamily="49" charset="0"/>
+              </a:rPr>
+              <a:t>c1.setCustomerID("AXAMI");</a:t>
+            </a:r>
+          </a:p>
+          <a:p>
+            <a:r>
+              <a:rPr lang="pl-PL" dirty="0" err="1">
+                <a:latin typeface="Lucida Console" pitchFamily="49" charset="0"/>
+              </a:rPr>
+              <a:t>session.delete</a:t>
+            </a:r>
+            <a:r>
+              <a:rPr lang="pl-PL" dirty="0">
+                <a:latin typeface="Lucida Console" pitchFamily="49" charset="0"/>
+              </a:rPr>
+              <a:t>(c1);</a:t>
+            </a:r>
+          </a:p>
+          <a:p>
+            <a:endParaRPr lang="pl-PL" dirty="0">
+              <a:latin typeface="Lucida Console" pitchFamily="49" charset="0"/>
+            </a:endParaRPr>
+          </a:p>
+          <a:p>
+            <a:r>
+              <a:rPr lang="pl-PL" dirty="0" err="1">
+                <a:latin typeface="Lucida Console" pitchFamily="49" charset="0"/>
+              </a:rPr>
+              <a:t>Employee</a:t>
+            </a:r>
+            <a:r>
+              <a:rPr lang="pl-PL" dirty="0">
+                <a:latin typeface="Lucida Console" pitchFamily="49" charset="0"/>
+              </a:rPr>
+              <a:t> e = </a:t>
+            </a:r>
+            <a:r>
+              <a:rPr lang="pl-PL" dirty="0" err="1">
+                <a:latin typeface="Lucida Console" pitchFamily="49" charset="0"/>
+              </a:rPr>
+              <a:t>new</a:t>
+            </a:r>
+            <a:r>
+              <a:rPr lang="pl-PL" dirty="0">
+                <a:latin typeface="Lucida Console" pitchFamily="49" charset="0"/>
+              </a:rPr>
+              <a:t> </a:t>
+            </a:r>
+            <a:r>
+              <a:rPr lang="pl-PL" dirty="0" err="1">
+                <a:latin typeface="Lucida Console" pitchFamily="49" charset="0"/>
+              </a:rPr>
+              <a:t>Employee</a:t>
+            </a:r>
+            <a:r>
+              <a:rPr lang="pl-PL" dirty="0">
+                <a:latin typeface="Lucida Console" pitchFamily="49" charset="0"/>
+              </a:rPr>
+              <a:t>();</a:t>
+            </a:r>
+          </a:p>
+          <a:p>
+            <a:r>
+              <a:rPr lang="pl-PL" dirty="0" err="1">
+                <a:latin typeface="Lucida Console" pitchFamily="49" charset="0"/>
+              </a:rPr>
+              <a:t>e.EmployeeID</a:t>
+            </a:r>
+            <a:r>
+              <a:rPr lang="pl-PL" dirty="0">
+                <a:latin typeface="Lucida Console" pitchFamily="49" charset="0"/>
+              </a:rPr>
+              <a:t> = 10;</a:t>
+            </a:r>
+          </a:p>
+          <a:p>
+            <a:r>
+              <a:rPr lang="pl-PL" dirty="0" err="1">
+                <a:latin typeface="Lucida Console" pitchFamily="49" charset="0"/>
+              </a:rPr>
+              <a:t>session.delete</a:t>
+            </a:r>
+            <a:r>
+              <a:rPr lang="pl-PL" dirty="0">
+                <a:latin typeface="Lucida Console" pitchFamily="49" charset="0"/>
+              </a:rPr>
+              <a:t>(e);</a:t>
+            </a:r>
+            <a:endParaRPr lang="pl-PL" dirty="0">
+              <a:latin typeface="Lucida Console" pitchFamily="49" charset="0"/>
+            </a:endParaRPr>
+          </a:p>
+        </p:txBody>
+      </p:sp>
+    </p:spTree>
+    <p:extLst>
+      <p:ext uri="{BB962C8B-B14F-4D97-AF65-F5344CB8AC3E}">
+        <p14:creationId xmlns:p14="http://schemas.microsoft.com/office/powerpoint/2010/main" val="334467706"/>
+      </p:ext>
+    </p:extLst>
+  </p:cSld>
+  <p:clrMapOvr>
+    <a:masterClrMapping/>
+  </p:clrMapOvr>
+</p:sld>
+</file>
+
+<file path=ppt/slides/slide23.xml><?xml version="1.0" encoding="utf-8"?>
+<p:sld xmlns:a="http://schemas.openxmlformats.org/drawingml/2006/main" xmlns:r="http://schemas.openxmlformats.org/officeDocument/2006/relationships" xmlns:p="http://schemas.openxmlformats.org/presentationml/2006/main">
+  <p:cSld>
+    <p:spTree>
+      <p:nvGrpSpPr>
+        <p:cNvPr id="1" name=""/>
+        <p:cNvGrpSpPr/>
+        <p:nvPr/>
+      </p:nvGrpSpPr>
+      <p:grpSpPr>
+        <a:xfrm>
+          <a:off x="0" y="0"/>
+          <a:ext cx="0" cy="0"/>
+          <a:chOff x="0" y="0"/>
+          <a:chExt cx="0" cy="0"/>
+        </a:xfrm>
+      </p:grpSpPr>
+      <p:sp>
+        <p:nvSpPr>
+          <p:cNvPr id="2" name="Tytuł 1"/>
+          <p:cNvSpPr>
+            <a:spLocks noGrp="1"/>
+          </p:cNvSpPr>
+          <p:nvPr>
+            <p:ph type="title"/>
+          </p:nvPr>
+        </p:nvSpPr>
+        <p:spPr/>
+        <p:txBody>
+          <a:bodyPr/>
+          <a:lstStyle/>
+          <a:p>
+            <a:r>
+              <a:rPr lang="pl-PL" dirty="0" err="1" smtClean="0"/>
+              <a:t>Hibernate</a:t>
+            </a:r>
+            <a:r>
+              <a:rPr lang="pl-PL" dirty="0" smtClean="0"/>
+              <a:t> – dostęp do bazy</a:t>
+            </a:r>
+            <a:endParaRPr lang="pl-PL" dirty="0"/>
+          </a:p>
+        </p:txBody>
+      </p:sp>
+      <p:sp>
+        <p:nvSpPr>
+          <p:cNvPr id="3" name="Symbol zastępczy zawartości 2"/>
+          <p:cNvSpPr>
+            <a:spLocks noGrp="1"/>
+          </p:cNvSpPr>
+          <p:nvPr>
+            <p:ph idx="1"/>
+          </p:nvPr>
+        </p:nvSpPr>
+        <p:spPr/>
+        <p:txBody>
+          <a:bodyPr/>
+          <a:lstStyle/>
+          <a:p>
+            <a:r>
+              <a:rPr lang="pl-PL" dirty="0" smtClean="0"/>
+              <a:t>Obsługa relacji</a:t>
+            </a:r>
+            <a:endParaRPr lang="pl-PL" dirty="0"/>
+          </a:p>
+        </p:txBody>
+      </p:sp>
+    </p:spTree>
+    <p:extLst>
+      <p:ext uri="{BB962C8B-B14F-4D97-AF65-F5344CB8AC3E}">
+        <p14:creationId xmlns:p14="http://schemas.microsoft.com/office/powerpoint/2010/main" val="3056722092"/>
+      </p:ext>
+    </p:extLst>
+  </p:cSld>
+  <p:clrMapOvr>
+    <a:masterClrMapping/>
+  </p:clrMapOvr>
+</p:sld>
+</file>
+
+<file path=ppt/slides/slide24.xml><?xml version="1.0" encoding="utf-8"?>
+<p:sld xmlns:a="http://schemas.openxmlformats.org/drawingml/2006/main" xmlns:r="http://schemas.openxmlformats.org/officeDocument/2006/relationships" xmlns:p="http://schemas.openxmlformats.org/presentationml/2006/main">
+  <p:cSld>
+    <p:spTree>
+      <p:nvGrpSpPr>
+        <p:cNvPr id="1" name=""/>
+        <p:cNvGrpSpPr/>
+        <p:nvPr/>
+      </p:nvGrpSpPr>
+      <p:grpSpPr>
+        <a:xfrm>
+          <a:off x="0" y="0"/>
+          <a:ext cx="0" cy="0"/>
+          <a:chOff x="0" y="0"/>
+          <a:chExt cx="0" cy="0"/>
+        </a:xfrm>
+      </p:grpSpPr>
+      <p:sp>
+        <p:nvSpPr>
+          <p:cNvPr id="2" name="Tytuł 1"/>
+          <p:cNvSpPr>
+            <a:spLocks noGrp="1"/>
+          </p:cNvSpPr>
+          <p:nvPr>
+            <p:ph type="title"/>
+          </p:nvPr>
+        </p:nvSpPr>
+        <p:spPr/>
+        <p:txBody>
+          <a:bodyPr/>
+          <a:lstStyle/>
+          <a:p>
+            <a:r>
               <a:rPr lang="pl-PL" dirty="0" err="1" smtClean="0"/>
               <a:t>Hibernate</a:t>
             </a:r>
@@ -6619,7 +8415,7 @@
 </p:sld>
 </file>
 
-<file path=ppt/slides/slide21.xml><?xml version="1.0" encoding="utf-8"?>
+<file path=ppt/slides/slide25.xml><?xml version="1.0" encoding="utf-8"?>
 <p:sld xmlns:a="http://schemas.openxmlformats.org/drawingml/2006/main" xmlns:r="http://schemas.openxmlformats.org/officeDocument/2006/relationships" xmlns:p="http://schemas.openxmlformats.org/presentationml/2006/main">
   <p:cSld>
     <p:spTree>

--- a/MySQL + Hibernate.pptx
+++ b/MySQL + Hibernate.pptx
@@ -12,24 +12,26 @@
     <p:sldId id="268" r:id="rId6"/>
     <p:sldId id="257" r:id="rId7"/>
     <p:sldId id="269" r:id="rId8"/>
-    <p:sldId id="270" r:id="rId9"/>
-    <p:sldId id="272" r:id="rId10"/>
-    <p:sldId id="271" r:id="rId11"/>
-    <p:sldId id="258" r:id="rId12"/>
-    <p:sldId id="278" r:id="rId13"/>
-    <p:sldId id="261" r:id="rId14"/>
-    <p:sldId id="259" r:id="rId15"/>
-    <p:sldId id="265" r:id="rId16"/>
-    <p:sldId id="262" r:id="rId17"/>
-    <p:sldId id="273" r:id="rId18"/>
-    <p:sldId id="274" r:id="rId19"/>
-    <p:sldId id="280" r:id="rId20"/>
-    <p:sldId id="281" r:id="rId21"/>
-    <p:sldId id="282" r:id="rId22"/>
-    <p:sldId id="283" r:id="rId23"/>
-    <p:sldId id="264" r:id="rId24"/>
-    <p:sldId id="275" r:id="rId25"/>
-    <p:sldId id="276" r:id="rId26"/>
+    <p:sldId id="258" r:id="rId9"/>
+    <p:sldId id="278" r:id="rId10"/>
+    <p:sldId id="261" r:id="rId11"/>
+    <p:sldId id="259" r:id="rId12"/>
+    <p:sldId id="265" r:id="rId13"/>
+    <p:sldId id="262" r:id="rId14"/>
+    <p:sldId id="270" r:id="rId15"/>
+    <p:sldId id="271" r:id="rId16"/>
+    <p:sldId id="284" r:id="rId17"/>
+    <p:sldId id="285" r:id="rId18"/>
+    <p:sldId id="286" r:id="rId19"/>
+    <p:sldId id="287" r:id="rId20"/>
+    <p:sldId id="288" r:id="rId21"/>
+    <p:sldId id="289" r:id="rId22"/>
+    <p:sldId id="274" r:id="rId23"/>
+    <p:sldId id="280" r:id="rId24"/>
+    <p:sldId id="281" r:id="rId25"/>
+    <p:sldId id="282" r:id="rId26"/>
+    <p:sldId id="283" r:id="rId27"/>
+    <p:sldId id="276" r:id="rId28"/>
   </p:sldIdLst>
   <p:sldSz cx="9144000" cy="6858000" type="screen4x3"/>
   <p:notesSz cx="6858000" cy="9144000"/>
@@ -3225,357 +3227,6 @@
           <a:p>
             <a:r>
               <a:rPr lang="pl-PL" dirty="0" smtClean="0"/>
-              <a:t>Skąd </a:t>
-            </a:r>
-            <a:r>
-              <a:rPr lang="pl-PL" dirty="0" err="1" smtClean="0"/>
-              <a:t>Hibernate</a:t>
-            </a:r>
-            <a:r>
-              <a:rPr lang="pl-PL" dirty="0" smtClean="0"/>
-              <a:t>?</a:t>
-            </a:r>
-            <a:endParaRPr lang="pl-PL" dirty="0"/>
-          </a:p>
-        </p:txBody>
-      </p:sp>
-      <p:sp>
-        <p:nvSpPr>
-          <p:cNvPr id="3" name="Symbol zastępczy zawartości 2"/>
-          <p:cNvSpPr>
-            <a:spLocks noGrp="1"/>
-          </p:cNvSpPr>
-          <p:nvPr>
-            <p:ph idx="1"/>
-          </p:nvPr>
-        </p:nvSpPr>
-        <p:spPr/>
-        <p:txBody>
-          <a:bodyPr/>
-          <a:lstStyle/>
-          <a:p>
-            <a:pPr marL="0" indent="0">
-              <a:buNone/>
-            </a:pPr>
-            <a:endParaRPr lang="pl-PL" dirty="0"/>
-          </a:p>
-        </p:txBody>
-      </p:sp>
-    </p:spTree>
-    <p:extLst>
-      <p:ext uri="{BB962C8B-B14F-4D97-AF65-F5344CB8AC3E}">
-        <p14:creationId xmlns:p14="http://schemas.microsoft.com/office/powerpoint/2010/main" val="163182516"/>
-      </p:ext>
-    </p:extLst>
-  </p:cSld>
-  <p:clrMapOvr>
-    <a:masterClrMapping/>
-  </p:clrMapOvr>
-</p:sld>
-</file>
-
-<file path=ppt/slides/slide11.xml><?xml version="1.0" encoding="utf-8"?>
-<p:sld xmlns:a="http://schemas.openxmlformats.org/drawingml/2006/main" xmlns:r="http://schemas.openxmlformats.org/officeDocument/2006/relationships" xmlns:p="http://schemas.openxmlformats.org/presentationml/2006/main">
-  <p:cSld>
-    <p:spTree>
-      <p:nvGrpSpPr>
-        <p:cNvPr id="1" name=""/>
-        <p:cNvGrpSpPr/>
-        <p:nvPr/>
-      </p:nvGrpSpPr>
-      <p:grpSpPr>
-        <a:xfrm>
-          <a:off x="0" y="0"/>
-          <a:ext cx="0" cy="0"/>
-          <a:chOff x="0" y="0"/>
-          <a:chExt cx="0" cy="0"/>
-        </a:xfrm>
-      </p:grpSpPr>
-      <p:sp>
-        <p:nvSpPr>
-          <p:cNvPr id="2" name="Tytuł 1"/>
-          <p:cNvSpPr>
-            <a:spLocks noGrp="1"/>
-          </p:cNvSpPr>
-          <p:nvPr>
-            <p:ph type="title"/>
-          </p:nvPr>
-        </p:nvSpPr>
-        <p:spPr/>
-        <p:txBody>
-          <a:bodyPr/>
-          <a:lstStyle/>
-          <a:p>
-            <a:r>
-              <a:rPr lang="pl-PL" dirty="0" smtClean="0"/>
-              <a:t>Uruchomienie – </a:t>
-            </a:r>
-            <a:r>
-              <a:rPr lang="pl-PL" dirty="0" err="1" smtClean="0"/>
-              <a:t>command</a:t>
-            </a:r>
-            <a:r>
-              <a:rPr lang="pl-PL" dirty="0" smtClean="0"/>
-              <a:t> </a:t>
-            </a:r>
-            <a:r>
-              <a:rPr lang="pl-PL" dirty="0" err="1" smtClean="0"/>
-              <a:t>line</a:t>
-            </a:r>
-            <a:endParaRPr lang="pl-PL" dirty="0"/>
-          </a:p>
-        </p:txBody>
-      </p:sp>
-      <p:pic>
-        <p:nvPicPr>
-          <p:cNvPr id="2050" name="Picture 2"/>
-          <p:cNvPicPr>
-            <a:picLocks noChangeAspect="1" noChangeArrowheads="1"/>
-          </p:cNvPicPr>
-          <p:nvPr/>
-        </p:nvPicPr>
-        <p:blipFill>
-          <a:blip r:embed="rId2">
-            <a:extLst>
-              <a:ext uri="{28A0092B-C50C-407E-A947-70E740481C1C}">
-                <a14:useLocalDpi xmlns:a14="http://schemas.microsoft.com/office/drawing/2010/main" val="0"/>
-              </a:ext>
-            </a:extLst>
-          </a:blip>
-          <a:srcRect/>
-          <a:stretch>
-            <a:fillRect/>
-          </a:stretch>
-        </p:blipFill>
-        <p:spPr bwMode="auto">
-          <a:xfrm>
-            <a:off x="-1" y="1700808"/>
-            <a:ext cx="9143933" cy="4617839"/>
-          </a:xfrm>
-          <a:prstGeom prst="rect">
-            <a:avLst/>
-          </a:prstGeom>
-          <a:noFill/>
-          <a:ln>
-            <a:noFill/>
-          </a:ln>
-          <a:effectLst/>
-          <a:extLst>
-            <a:ext uri="{909E8E84-426E-40DD-AFC4-6F175D3DCCD1}">
-              <a14:hiddenFill xmlns:a14="http://schemas.microsoft.com/office/drawing/2010/main">
-                <a:solidFill>
-                  <a:schemeClr val="accent1"/>
-                </a:solidFill>
-              </a14:hiddenFill>
-            </a:ext>
-            <a:ext uri="{91240B29-F687-4F45-9708-019B960494DF}">
-              <a14:hiddenLine xmlns:a14="http://schemas.microsoft.com/office/drawing/2010/main" w="9525">
-                <a:solidFill>
-                  <a:schemeClr val="tx1"/>
-                </a:solidFill>
-                <a:miter lim="800000"/>
-                <a:headEnd/>
-                <a:tailEnd/>
-              </a14:hiddenLine>
-            </a:ext>
-            <a:ext uri="{AF507438-7753-43E0-B8FC-AC1667EBCBE1}">
-              <a14:hiddenEffects xmlns:a14="http://schemas.microsoft.com/office/drawing/2010/main">
-                <a:effectLst>
-                  <a:outerShdw dist="35921" dir="2700000" algn="ctr" rotWithShape="0">
-                    <a:schemeClr val="bg2"/>
-                  </a:outerShdw>
-                </a:effectLst>
-              </a14:hiddenEffects>
-            </a:ext>
-          </a:extLst>
-        </p:spPr>
-      </p:pic>
-    </p:spTree>
-    <p:extLst>
-      <p:ext uri="{BB962C8B-B14F-4D97-AF65-F5344CB8AC3E}">
-        <p14:creationId xmlns:p14="http://schemas.microsoft.com/office/powerpoint/2010/main" val="705834278"/>
-      </p:ext>
-    </p:extLst>
-  </p:cSld>
-  <p:clrMapOvr>
-    <a:masterClrMapping/>
-  </p:clrMapOvr>
-  <p:timing>
-    <p:tnLst>
-      <p:par>
-        <p:cTn id="1" dur="indefinite" restart="never" nodeType="tmRoot"/>
-      </p:par>
-    </p:tnLst>
-  </p:timing>
-</p:sld>
-</file>
-
-<file path=ppt/slides/slide12.xml><?xml version="1.0" encoding="utf-8"?>
-<p:sld xmlns:a="http://schemas.openxmlformats.org/drawingml/2006/main" xmlns:r="http://schemas.openxmlformats.org/officeDocument/2006/relationships" xmlns:p="http://schemas.openxmlformats.org/presentationml/2006/main">
-  <p:cSld>
-    <p:spTree>
-      <p:nvGrpSpPr>
-        <p:cNvPr id="1" name=""/>
-        <p:cNvGrpSpPr/>
-        <p:nvPr/>
-      </p:nvGrpSpPr>
-      <p:grpSpPr>
-        <a:xfrm>
-          <a:off x="0" y="0"/>
-          <a:ext cx="0" cy="0"/>
-          <a:chOff x="0" y="0"/>
-          <a:chExt cx="0" cy="0"/>
-        </a:xfrm>
-      </p:grpSpPr>
-      <p:sp>
-        <p:nvSpPr>
-          <p:cNvPr id="2" name="Tytuł 1"/>
-          <p:cNvSpPr>
-            <a:spLocks noGrp="1"/>
-          </p:cNvSpPr>
-          <p:nvPr>
-            <p:ph type="title"/>
-          </p:nvPr>
-        </p:nvSpPr>
-        <p:spPr/>
-        <p:txBody>
-          <a:bodyPr/>
-          <a:lstStyle/>
-          <a:p>
-            <a:r>
-              <a:rPr lang="pl-PL" dirty="0" smtClean="0"/>
-              <a:t>Uruchomienie - </a:t>
-            </a:r>
-            <a:r>
-              <a:rPr lang="pl-PL" dirty="0"/>
-              <a:t>W</a:t>
-            </a:r>
-            <a:r>
-              <a:rPr lang="pl-PL" dirty="0" smtClean="0"/>
-              <a:t>orkbench</a:t>
-            </a:r>
-            <a:endParaRPr lang="pl-PL" dirty="0"/>
-          </a:p>
-        </p:txBody>
-      </p:sp>
-      <p:pic>
-        <p:nvPicPr>
-          <p:cNvPr id="2051" name="Picture 3"/>
-          <p:cNvPicPr>
-            <a:picLocks noChangeAspect="1" noChangeArrowheads="1"/>
-          </p:cNvPicPr>
-          <p:nvPr/>
-        </p:nvPicPr>
-        <p:blipFill>
-          <a:blip r:embed="rId2">
-            <a:extLst>
-              <a:ext uri="{28A0092B-C50C-407E-A947-70E740481C1C}">
-                <a14:useLocalDpi xmlns:a14="http://schemas.microsoft.com/office/drawing/2010/main" val="0"/>
-              </a:ext>
-            </a:extLst>
-          </a:blip>
-          <a:srcRect/>
-          <a:stretch>
-            <a:fillRect/>
-          </a:stretch>
-        </p:blipFill>
-        <p:spPr bwMode="auto">
-          <a:xfrm>
-            <a:off x="0" y="1413944"/>
-            <a:ext cx="9144000" cy="4924568"/>
-          </a:xfrm>
-          <a:prstGeom prst="rect">
-            <a:avLst/>
-          </a:prstGeom>
-          <a:noFill/>
-          <a:ln>
-            <a:noFill/>
-          </a:ln>
-          <a:effectLst/>
-          <a:extLst>
-            <a:ext uri="{909E8E84-426E-40DD-AFC4-6F175D3DCCD1}">
-              <a14:hiddenFill xmlns:a14="http://schemas.microsoft.com/office/drawing/2010/main">
-                <a:solidFill>
-                  <a:schemeClr val="accent1"/>
-                </a:solidFill>
-              </a14:hiddenFill>
-            </a:ext>
-            <a:ext uri="{91240B29-F687-4F45-9708-019B960494DF}">
-              <a14:hiddenLine xmlns:a14="http://schemas.microsoft.com/office/drawing/2010/main" w="9525">
-                <a:solidFill>
-                  <a:schemeClr val="tx1"/>
-                </a:solidFill>
-                <a:miter lim="800000"/>
-                <a:headEnd/>
-                <a:tailEnd/>
-              </a14:hiddenLine>
-            </a:ext>
-            <a:ext uri="{AF507438-7753-43E0-B8FC-AC1667EBCBE1}">
-              <a14:hiddenEffects xmlns:a14="http://schemas.microsoft.com/office/drawing/2010/main">
-                <a:effectLst>
-                  <a:outerShdw dist="35921" dir="2700000" algn="ctr" rotWithShape="0">
-                    <a:schemeClr val="bg2"/>
-                  </a:outerShdw>
-                </a:effectLst>
-              </a14:hiddenEffects>
-            </a:ext>
-          </a:extLst>
-        </p:spPr>
-      </p:pic>
-    </p:spTree>
-    <p:extLst>
-      <p:ext uri="{BB962C8B-B14F-4D97-AF65-F5344CB8AC3E}">
-        <p14:creationId xmlns:p14="http://schemas.microsoft.com/office/powerpoint/2010/main" val="935810797"/>
-      </p:ext>
-    </p:extLst>
-  </p:cSld>
-  <p:clrMapOvr>
-    <a:masterClrMapping/>
-  </p:clrMapOvr>
-  <p:timing>
-    <p:tnLst>
-      <p:par>
-        <p:cTn id="1" dur="indefinite" restart="never" nodeType="tmRoot"/>
-      </p:par>
-    </p:tnLst>
-  </p:timing>
-</p:sld>
-</file>
-
-<file path=ppt/slides/slide13.xml><?xml version="1.0" encoding="utf-8"?>
-<p:sld xmlns:a="http://schemas.openxmlformats.org/drawingml/2006/main" xmlns:r="http://schemas.openxmlformats.org/officeDocument/2006/relationships" xmlns:p="http://schemas.openxmlformats.org/presentationml/2006/main">
-  <p:cSld>
-    <p:spTree>
-      <p:nvGrpSpPr>
-        <p:cNvPr id="1" name=""/>
-        <p:cNvGrpSpPr/>
-        <p:nvPr/>
-      </p:nvGrpSpPr>
-      <p:grpSpPr>
-        <a:xfrm>
-          <a:off x="0" y="0"/>
-          <a:ext cx="0" cy="0"/>
-          <a:chOff x="0" y="0"/>
-          <a:chExt cx="0" cy="0"/>
-        </a:xfrm>
-      </p:grpSpPr>
-      <p:sp>
-        <p:nvSpPr>
-          <p:cNvPr id="2" name="Tytuł 1"/>
-          <p:cNvSpPr>
-            <a:spLocks noGrp="1"/>
-          </p:cNvSpPr>
-          <p:nvPr>
-            <p:ph type="title"/>
-          </p:nvPr>
-        </p:nvSpPr>
-        <p:spPr/>
-        <p:txBody>
-          <a:bodyPr/>
-          <a:lstStyle/>
-          <a:p>
-            <a:r>
-              <a:rPr lang="pl-PL" dirty="0" smtClean="0"/>
               <a:t>Tworzenie bazy danych</a:t>
             </a:r>
             <a:endParaRPr lang="pl-PL" dirty="0"/>
@@ -4385,7 +4036,7 @@
 </p:sld>
 </file>
 
-<file path=ppt/slides/slide14.xml><?xml version="1.0" encoding="utf-8"?>
+<file path=ppt/slides/slide11.xml><?xml version="1.0" encoding="utf-8"?>
 <p:sld xmlns:a="http://schemas.openxmlformats.org/drawingml/2006/main" xmlns:r="http://schemas.openxmlformats.org/officeDocument/2006/relationships" xmlns:p="http://schemas.openxmlformats.org/presentationml/2006/main">
   <p:cSld>
     <p:spTree>
@@ -4982,7 +4633,7 @@
 </p:sld>
 </file>
 
-<file path=ppt/slides/slide15.xml><?xml version="1.0" encoding="utf-8"?>
+<file path=ppt/slides/slide12.xml><?xml version="1.0" encoding="utf-8"?>
 <p:sld xmlns:a="http://schemas.openxmlformats.org/drawingml/2006/main" xmlns:r="http://schemas.openxmlformats.org/officeDocument/2006/relationships" xmlns:p="http://schemas.openxmlformats.org/presentationml/2006/main">
   <p:cSld>
     <p:spTree>
@@ -5572,7 +5223,7 @@
 </p:sld>
 </file>
 
-<file path=ppt/slides/slide16.xml><?xml version="1.0" encoding="utf-8"?>
+<file path=ppt/slides/slide13.xml><?xml version="1.0" encoding="utf-8"?>
 <p:sld xmlns:a="http://schemas.openxmlformats.org/drawingml/2006/main" xmlns:r="http://schemas.openxmlformats.org/officeDocument/2006/relationships" xmlns:p="http://schemas.openxmlformats.org/presentationml/2006/main">
   <p:cSld>
     <p:spTree>
@@ -6376,6 +6027,421 @@
 </p:sld>
 </file>
 
+<file path=ppt/slides/slide14.xml><?xml version="1.0" encoding="utf-8"?>
+<p:sld xmlns:a="http://schemas.openxmlformats.org/drawingml/2006/main" xmlns:r="http://schemas.openxmlformats.org/officeDocument/2006/relationships" xmlns:p="http://schemas.openxmlformats.org/presentationml/2006/main">
+  <p:cSld>
+    <p:spTree>
+      <p:nvGrpSpPr>
+        <p:cNvPr id="1" name=""/>
+        <p:cNvGrpSpPr/>
+        <p:nvPr/>
+      </p:nvGrpSpPr>
+      <p:grpSpPr>
+        <a:xfrm>
+          <a:off x="0" y="0"/>
+          <a:ext cx="0" cy="0"/>
+          <a:chOff x="0" y="0"/>
+          <a:chExt cx="0" cy="0"/>
+        </a:xfrm>
+      </p:grpSpPr>
+      <p:sp>
+        <p:nvSpPr>
+          <p:cNvPr id="2" name="Tytuł 1"/>
+          <p:cNvSpPr>
+            <a:spLocks noGrp="1"/>
+          </p:cNvSpPr>
+          <p:nvPr>
+            <p:ph type="title"/>
+          </p:nvPr>
+        </p:nvSpPr>
+        <p:spPr/>
+        <p:txBody>
+          <a:bodyPr/>
+          <a:lstStyle/>
+          <a:p>
+            <a:r>
+              <a:rPr lang="pl-PL" dirty="0" smtClean="0"/>
+              <a:t>Wtyczka do </a:t>
+            </a:r>
+            <a:r>
+              <a:rPr lang="pl-PL" dirty="0" err="1" smtClean="0"/>
+              <a:t>Eclipsa</a:t>
+            </a:r>
+            <a:r>
+              <a:rPr lang="pl-PL" dirty="0" smtClean="0"/>
+              <a:t> </a:t>
+            </a:r>
+            <a:endParaRPr lang="pl-PL" dirty="0"/>
+          </a:p>
+        </p:txBody>
+      </p:sp>
+      <p:pic>
+        <p:nvPicPr>
+          <p:cNvPr id="4098" name="Picture 2"/>
+          <p:cNvPicPr>
+            <a:picLocks noChangeAspect="1" noChangeArrowheads="1"/>
+          </p:cNvPicPr>
+          <p:nvPr/>
+        </p:nvPicPr>
+        <p:blipFill>
+          <a:blip r:embed="rId2">
+            <a:extLst>
+              <a:ext uri="{28A0092B-C50C-407E-A947-70E740481C1C}">
+                <a14:useLocalDpi xmlns:a14="http://schemas.microsoft.com/office/drawing/2010/main" val="0"/>
+              </a:ext>
+            </a:extLst>
+          </a:blip>
+          <a:srcRect/>
+          <a:stretch>
+            <a:fillRect/>
+          </a:stretch>
+        </p:blipFill>
+        <p:spPr bwMode="auto">
+          <a:xfrm>
+            <a:off x="1835696" y="1409405"/>
+            <a:ext cx="5230024" cy="4696837"/>
+          </a:xfrm>
+          <a:prstGeom prst="rect">
+            <a:avLst/>
+          </a:prstGeom>
+          <a:noFill/>
+          <a:ln>
+            <a:noFill/>
+          </a:ln>
+          <a:effectLst/>
+          <a:extLst>
+            <a:ext uri="{909E8E84-426E-40DD-AFC4-6F175D3DCCD1}">
+              <a14:hiddenFill xmlns:a14="http://schemas.microsoft.com/office/drawing/2010/main">
+                <a:solidFill>
+                  <a:schemeClr val="accent1"/>
+                </a:solidFill>
+              </a14:hiddenFill>
+            </a:ext>
+            <a:ext uri="{91240B29-F687-4F45-9708-019B960494DF}">
+              <a14:hiddenLine xmlns:a14="http://schemas.microsoft.com/office/drawing/2010/main" w="9525">
+                <a:solidFill>
+                  <a:schemeClr val="tx1"/>
+                </a:solidFill>
+                <a:miter lim="800000"/>
+                <a:headEnd/>
+                <a:tailEnd/>
+              </a14:hiddenLine>
+            </a:ext>
+            <a:ext uri="{AF507438-7753-43E0-B8FC-AC1667EBCBE1}">
+              <a14:hiddenEffects xmlns:a14="http://schemas.microsoft.com/office/drawing/2010/main">
+                <a:effectLst>
+                  <a:outerShdw dist="35921" dir="2700000" algn="ctr" rotWithShape="0">
+                    <a:schemeClr val="bg2"/>
+                  </a:outerShdw>
+                </a:effectLst>
+              </a14:hiddenEffects>
+            </a:ext>
+          </a:extLst>
+        </p:spPr>
+      </p:pic>
+      <p:sp>
+        <p:nvSpPr>
+          <p:cNvPr id="4" name="Prostokąt 3"/>
+          <p:cNvSpPr/>
+          <p:nvPr/>
+        </p:nvSpPr>
+        <p:spPr>
+          <a:xfrm>
+            <a:off x="251520" y="6180166"/>
+            <a:ext cx="6048672" cy="369332"/>
+          </a:xfrm>
+          <a:prstGeom prst="rect">
+            <a:avLst/>
+          </a:prstGeom>
+        </p:spPr>
+        <p:txBody>
+          <a:bodyPr wrap="square">
+            <a:spAutoFit/>
+          </a:bodyPr>
+          <a:lstStyle/>
+          <a:p>
+            <a:r>
+              <a:rPr lang="pl-PL" dirty="0"/>
+              <a:t>http://download.jboss.org/jbosstools/updates/stable/juno/</a:t>
+            </a:r>
+          </a:p>
+        </p:txBody>
+      </p:sp>
+    </p:spTree>
+    <p:extLst>
+      <p:ext uri="{BB962C8B-B14F-4D97-AF65-F5344CB8AC3E}">
+        <p14:creationId xmlns:p14="http://schemas.microsoft.com/office/powerpoint/2010/main" val="4065134659"/>
+      </p:ext>
+    </p:extLst>
+  </p:cSld>
+  <p:clrMapOvr>
+    <a:masterClrMapping/>
+  </p:clrMapOvr>
+</p:sld>
+</file>
+
+<file path=ppt/slides/slide15.xml><?xml version="1.0" encoding="utf-8"?>
+<p:sld xmlns:a="http://schemas.openxmlformats.org/drawingml/2006/main" xmlns:r="http://schemas.openxmlformats.org/officeDocument/2006/relationships" xmlns:p="http://schemas.openxmlformats.org/presentationml/2006/main">
+  <p:cSld>
+    <p:spTree>
+      <p:nvGrpSpPr>
+        <p:cNvPr id="1" name=""/>
+        <p:cNvGrpSpPr/>
+        <p:nvPr/>
+      </p:nvGrpSpPr>
+      <p:grpSpPr>
+        <a:xfrm>
+          <a:off x="0" y="0"/>
+          <a:ext cx="0" cy="0"/>
+          <a:chOff x="0" y="0"/>
+          <a:chExt cx="0" cy="0"/>
+        </a:xfrm>
+      </p:grpSpPr>
+      <p:sp>
+        <p:nvSpPr>
+          <p:cNvPr id="2" name="Tytuł 1"/>
+          <p:cNvSpPr>
+            <a:spLocks noGrp="1"/>
+          </p:cNvSpPr>
+          <p:nvPr>
+            <p:ph type="title"/>
+          </p:nvPr>
+        </p:nvSpPr>
+        <p:spPr/>
+        <p:txBody>
+          <a:bodyPr/>
+          <a:lstStyle/>
+          <a:p>
+            <a:r>
+              <a:rPr lang="pl-PL" dirty="0" smtClean="0"/>
+              <a:t>Nowe połączenie</a:t>
+            </a:r>
+            <a:endParaRPr lang="pl-PL" dirty="0"/>
+          </a:p>
+        </p:txBody>
+      </p:sp>
+      <p:pic>
+        <p:nvPicPr>
+          <p:cNvPr id="5124" name="Picture 4"/>
+          <p:cNvPicPr>
+            <a:picLocks noChangeAspect="1" noChangeArrowheads="1"/>
+          </p:cNvPicPr>
+          <p:nvPr/>
+        </p:nvPicPr>
+        <p:blipFill>
+          <a:blip r:embed="rId2">
+            <a:extLst>
+              <a:ext uri="{28A0092B-C50C-407E-A947-70E740481C1C}">
+                <a14:useLocalDpi xmlns:a14="http://schemas.microsoft.com/office/drawing/2010/main" val="0"/>
+              </a:ext>
+            </a:extLst>
+          </a:blip>
+          <a:srcRect/>
+          <a:stretch>
+            <a:fillRect/>
+          </a:stretch>
+        </p:blipFill>
+        <p:spPr bwMode="auto">
+          <a:xfrm>
+            <a:off x="216551" y="1190650"/>
+            <a:ext cx="8747937" cy="5507647"/>
+          </a:xfrm>
+          <a:prstGeom prst="rect">
+            <a:avLst/>
+          </a:prstGeom>
+          <a:noFill/>
+          <a:ln>
+            <a:noFill/>
+          </a:ln>
+          <a:effectLst/>
+          <a:extLst>
+            <a:ext uri="{909E8E84-426E-40DD-AFC4-6F175D3DCCD1}">
+              <a14:hiddenFill xmlns:a14="http://schemas.microsoft.com/office/drawing/2010/main">
+                <a:solidFill>
+                  <a:schemeClr val="accent1"/>
+                </a:solidFill>
+              </a14:hiddenFill>
+            </a:ext>
+            <a:ext uri="{91240B29-F687-4F45-9708-019B960494DF}">
+              <a14:hiddenLine xmlns:a14="http://schemas.microsoft.com/office/drawing/2010/main" w="9525">
+                <a:solidFill>
+                  <a:schemeClr val="tx1"/>
+                </a:solidFill>
+                <a:miter lim="800000"/>
+                <a:headEnd/>
+                <a:tailEnd/>
+              </a14:hiddenLine>
+            </a:ext>
+            <a:ext uri="{AF507438-7753-43E0-B8FC-AC1667EBCBE1}">
+              <a14:hiddenEffects xmlns:a14="http://schemas.microsoft.com/office/drawing/2010/main">
+                <a:effectLst>
+                  <a:outerShdw dist="35921" dir="2700000" algn="ctr" rotWithShape="0">
+                    <a:schemeClr val="bg2"/>
+                  </a:outerShdw>
+                </a:effectLst>
+              </a14:hiddenEffects>
+            </a:ext>
+          </a:extLst>
+        </p:spPr>
+      </p:pic>
+    </p:spTree>
+    <p:extLst>
+      <p:ext uri="{BB962C8B-B14F-4D97-AF65-F5344CB8AC3E}">
+        <p14:creationId xmlns:p14="http://schemas.microsoft.com/office/powerpoint/2010/main" val="163182516"/>
+      </p:ext>
+    </p:extLst>
+  </p:cSld>
+  <p:clrMapOvr>
+    <a:masterClrMapping/>
+  </p:clrMapOvr>
+</p:sld>
+</file>
+
+<file path=ppt/slides/slide16.xml><?xml version="1.0" encoding="utf-8"?>
+<p:sld xmlns:a="http://schemas.openxmlformats.org/drawingml/2006/main" xmlns:r="http://schemas.openxmlformats.org/officeDocument/2006/relationships" xmlns:p="http://schemas.openxmlformats.org/presentationml/2006/main">
+  <p:cSld>
+    <p:spTree>
+      <p:nvGrpSpPr>
+        <p:cNvPr id="1" name=""/>
+        <p:cNvGrpSpPr/>
+        <p:nvPr/>
+      </p:nvGrpSpPr>
+      <p:grpSpPr>
+        <a:xfrm>
+          <a:off x="0" y="0"/>
+          <a:ext cx="0" cy="0"/>
+          <a:chOff x="0" y="0"/>
+          <a:chExt cx="0" cy="0"/>
+        </a:xfrm>
+      </p:grpSpPr>
+      <p:sp>
+        <p:nvSpPr>
+          <p:cNvPr id="2" name="Tytuł 1"/>
+          <p:cNvSpPr>
+            <a:spLocks noGrp="1"/>
+          </p:cNvSpPr>
+          <p:nvPr>
+            <p:ph type="title"/>
+          </p:nvPr>
+        </p:nvSpPr>
+        <p:spPr/>
+        <p:txBody>
+          <a:bodyPr/>
+          <a:lstStyle/>
+          <a:p>
+            <a:r>
+              <a:rPr lang="pl-PL" dirty="0" smtClean="0"/>
+              <a:t>Sterownik</a:t>
+            </a:r>
+            <a:endParaRPr lang="pl-PL" dirty="0"/>
+          </a:p>
+        </p:txBody>
+      </p:sp>
+      <p:pic>
+        <p:nvPicPr>
+          <p:cNvPr id="7170" name="Picture 2"/>
+          <p:cNvPicPr>
+            <a:picLocks noChangeAspect="1" noChangeArrowheads="1"/>
+          </p:cNvPicPr>
+          <p:nvPr/>
+        </p:nvPicPr>
+        <p:blipFill>
+          <a:blip r:embed="rId2">
+            <a:extLst>
+              <a:ext uri="{28A0092B-C50C-407E-A947-70E740481C1C}">
+                <a14:useLocalDpi xmlns:a14="http://schemas.microsoft.com/office/drawing/2010/main" val="0"/>
+              </a:ext>
+            </a:extLst>
+          </a:blip>
+          <a:srcRect/>
+          <a:stretch>
+            <a:fillRect/>
+          </a:stretch>
+        </p:blipFill>
+        <p:spPr bwMode="auto">
+          <a:xfrm>
+            <a:off x="395536" y="1390373"/>
+            <a:ext cx="8547323" cy="4995286"/>
+          </a:xfrm>
+          <a:prstGeom prst="rect">
+            <a:avLst/>
+          </a:prstGeom>
+          <a:noFill/>
+          <a:ln>
+            <a:noFill/>
+          </a:ln>
+          <a:effectLst/>
+          <a:extLst>
+            <a:ext uri="{909E8E84-426E-40DD-AFC4-6F175D3DCCD1}">
+              <a14:hiddenFill xmlns:a14="http://schemas.microsoft.com/office/drawing/2010/main">
+                <a:solidFill>
+                  <a:schemeClr val="accent1"/>
+                </a:solidFill>
+              </a14:hiddenFill>
+            </a:ext>
+            <a:ext uri="{91240B29-F687-4F45-9708-019B960494DF}">
+              <a14:hiddenLine xmlns:a14="http://schemas.microsoft.com/office/drawing/2010/main" w="9525">
+                <a:solidFill>
+                  <a:schemeClr val="tx1"/>
+                </a:solidFill>
+                <a:miter lim="800000"/>
+                <a:headEnd/>
+                <a:tailEnd/>
+              </a14:hiddenLine>
+            </a:ext>
+            <a:ext uri="{AF507438-7753-43E0-B8FC-AC1667EBCBE1}">
+              <a14:hiddenEffects xmlns:a14="http://schemas.microsoft.com/office/drawing/2010/main">
+                <a:effectLst>
+                  <a:outerShdw dist="35921" dir="2700000" algn="ctr" rotWithShape="0">
+                    <a:schemeClr val="bg2"/>
+                  </a:outerShdw>
+                </a:effectLst>
+              </a14:hiddenEffects>
+            </a:ext>
+          </a:extLst>
+        </p:spPr>
+      </p:pic>
+      <p:sp>
+        <p:nvSpPr>
+          <p:cNvPr id="4" name="Prostokąt 3"/>
+          <p:cNvSpPr/>
+          <p:nvPr/>
+        </p:nvSpPr>
+        <p:spPr>
+          <a:xfrm>
+            <a:off x="4139952" y="6385659"/>
+            <a:ext cx="5004048" cy="369332"/>
+          </a:xfrm>
+          <a:prstGeom prst="rect">
+            <a:avLst/>
+          </a:prstGeom>
+        </p:spPr>
+        <p:txBody>
+          <a:bodyPr wrap="square">
+            <a:spAutoFit/>
+          </a:bodyPr>
+          <a:lstStyle/>
+          <a:p>
+            <a:r>
+              <a:rPr lang="pl-PL" dirty="0"/>
+              <a:t>http://www.mysql.com/downloads/connector/j/</a:t>
+            </a:r>
+          </a:p>
+        </p:txBody>
+      </p:sp>
+    </p:spTree>
+    <p:extLst>
+      <p:ext uri="{BB962C8B-B14F-4D97-AF65-F5344CB8AC3E}">
+        <p14:creationId xmlns:p14="http://schemas.microsoft.com/office/powerpoint/2010/main" val="3985816436"/>
+      </p:ext>
+    </p:extLst>
+  </p:cSld>
+  <p:clrMapOvr>
+    <a:masterClrMapping/>
+  </p:clrMapOvr>
+</p:sld>
+</file>
+
 <file path=ppt/slides/slide17.xml><?xml version="1.0" encoding="utf-8"?>
 <p:sld xmlns:a="http://schemas.openxmlformats.org/drawingml/2006/main" xmlns:r="http://schemas.openxmlformats.org/officeDocument/2006/relationships" xmlns:p="http://schemas.openxmlformats.org/presentationml/2006/main">
   <p:cSld>
@@ -6409,44 +6475,81 @@
           <a:lstStyle/>
           <a:p>
             <a:r>
-              <a:rPr lang="pl-PL" dirty="0" err="1" smtClean="0"/>
-              <a:t>Hibernate</a:t>
-            </a:r>
-            <a:r>
               <a:rPr lang="pl-PL" dirty="0" smtClean="0"/>
-              <a:t> – dostęp do bazy</a:t>
+              <a:t>Ping</a:t>
             </a:r>
             <a:endParaRPr lang="pl-PL" dirty="0"/>
           </a:p>
         </p:txBody>
       </p:sp>
-      <p:sp>
-        <p:nvSpPr>
-          <p:cNvPr id="3" name="Symbol zastępczy zawartości 2"/>
-          <p:cNvSpPr>
-            <a:spLocks noGrp="1"/>
-          </p:cNvSpPr>
-          <p:nvPr>
-            <p:ph idx="1"/>
-          </p:nvPr>
-        </p:nvSpPr>
-        <p:spPr/>
-        <p:txBody>
-          <a:bodyPr/>
-          <a:lstStyle/>
-          <a:p>
-            <a:r>
-              <a:rPr lang="pl-PL" dirty="0" smtClean="0"/>
-              <a:t>Sposób nawiązywania połączenia</a:t>
-            </a:r>
-            <a:endParaRPr lang="pl-PL" dirty="0"/>
-          </a:p>
-        </p:txBody>
-      </p:sp>
+      <p:pic>
+        <p:nvPicPr>
+          <p:cNvPr id="8194" name="Picture 2"/>
+          <p:cNvPicPr>
+            <a:picLocks noChangeAspect="1" noChangeArrowheads="1"/>
+          </p:cNvPicPr>
+          <p:nvPr/>
+        </p:nvPicPr>
+        <p:blipFill>
+          <a:blip r:embed="rId2">
+            <a:extLst>
+              <a:ext uri="{28A0092B-C50C-407E-A947-70E740481C1C}">
+                <a14:useLocalDpi xmlns:a14="http://schemas.microsoft.com/office/drawing/2010/main" val="0"/>
+              </a:ext>
+            </a:extLst>
+          </a:blip>
+          <a:srcRect/>
+          <a:stretch>
+            <a:fillRect/>
+          </a:stretch>
+        </p:blipFill>
+        <p:spPr bwMode="auto">
+          <a:xfrm>
+            <a:off x="827584" y="1139498"/>
+            <a:ext cx="7373068" cy="5451801"/>
+          </a:xfrm>
+          <a:prstGeom prst="rect">
+            <a:avLst/>
+          </a:prstGeom>
+          <a:noFill/>
+          <a:ln>
+            <a:noFill/>
+          </a:ln>
+          <a:effectLst/>
+          <a:extLst>
+            <a:ext uri="{909E8E84-426E-40DD-AFC4-6F175D3DCCD1}">
+              <a14:hiddenFill xmlns:a14="http://schemas.microsoft.com/office/drawing/2010/main">
+                <a:solidFill>
+                  <a:schemeClr val="accent1"/>
+                </a:solidFill>
+              </a14:hiddenFill>
+            </a:ext>
+            <a:ext uri="{91240B29-F687-4F45-9708-019B960494DF}">
+              <a14:hiddenLine xmlns:a14="http://schemas.microsoft.com/office/drawing/2010/main" w="9525">
+                <a:solidFill>
+                  <a:schemeClr val="tx1"/>
+                </a:solidFill>
+                <a:miter lim="800000"/>
+                <a:headEnd/>
+                <a:tailEnd/>
+              </a14:hiddenLine>
+            </a:ext>
+            <a:ext uri="{AF507438-7753-43E0-B8FC-AC1667EBCBE1}">
+              <a14:hiddenEffects xmlns:a14="http://schemas.microsoft.com/office/drawing/2010/main">
+                <a:effectLst>
+                  <a:outerShdw dist="35921" dir="2700000" algn="ctr" rotWithShape="0">
+                    <a:schemeClr val="bg2"/>
+                  </a:outerShdw>
+                </a:effectLst>
+              </a14:hiddenEffects>
+            </a:ext>
+          </a:extLst>
+        </p:spPr>
+      </p:pic>
     </p:spTree>
     <p:extLst>
       <p:ext uri="{BB962C8B-B14F-4D97-AF65-F5344CB8AC3E}">
-        <p14:creationId xmlns:p14="http://schemas.microsoft.com/office/powerpoint/2010/main" val="1573387188"/>
+        <p14:creationId xmlns:p14="http://schemas.microsoft.com/office/powerpoint/2010/main" val="2652503993"/>
       </p:ext>
     </p:extLst>
   </p:cSld>
@@ -6490,445 +6593,80 @@
           <a:p>
             <a:r>
               <a:rPr lang="pl-PL" dirty="0" smtClean="0"/>
-              <a:t>Transakcje</a:t>
+              <a:t>hibernate.cfg.xml</a:t>
             </a:r>
             <a:endParaRPr lang="pl-PL" dirty="0"/>
           </a:p>
         </p:txBody>
       </p:sp>
-      <p:sp>
-        <p:nvSpPr>
-          <p:cNvPr id="4" name="Prostokąt 3"/>
-          <p:cNvSpPr/>
+      <p:pic>
+        <p:nvPicPr>
+          <p:cNvPr id="9218" name="Picture 2"/>
+          <p:cNvPicPr>
+            <a:picLocks noChangeAspect="1" noChangeArrowheads="1"/>
+          </p:cNvPicPr>
           <p:nvPr/>
-        </p:nvSpPr>
-        <p:spPr>
+        </p:nvPicPr>
+        <p:blipFill>
+          <a:blip r:embed="rId2">
+            <a:extLst>
+              <a:ext uri="{28A0092B-C50C-407E-A947-70E740481C1C}">
+                <a14:useLocalDpi xmlns:a14="http://schemas.microsoft.com/office/drawing/2010/main" val="0"/>
+              </a:ext>
+            </a:extLst>
+          </a:blip>
+          <a:srcRect/>
+          <a:stretch>
+            <a:fillRect/>
+          </a:stretch>
+        </p:blipFill>
+        <p:spPr bwMode="auto">
           <a:xfrm>
-            <a:off x="899592" y="1412776"/>
-            <a:ext cx="7416824" cy="5078313"/>
+            <a:off x="0" y="1285255"/>
+            <a:ext cx="9144000" cy="5193678"/>
           </a:xfrm>
           <a:prstGeom prst="rect">
             <a:avLst/>
           </a:prstGeom>
+          <a:noFill/>
+          <a:ln>
+            <a:noFill/>
+          </a:ln>
+          <a:effectLst/>
+          <a:extLst>
+            <a:ext uri="{909E8E84-426E-40DD-AFC4-6F175D3DCCD1}">
+              <a14:hiddenFill xmlns:a14="http://schemas.microsoft.com/office/drawing/2010/main">
+                <a:solidFill>
+                  <a:schemeClr val="accent1"/>
+                </a:solidFill>
+              </a14:hiddenFill>
+            </a:ext>
+            <a:ext uri="{91240B29-F687-4F45-9708-019B960494DF}">
+              <a14:hiddenLine xmlns:a14="http://schemas.microsoft.com/office/drawing/2010/main" w="9525">
+                <a:solidFill>
+                  <a:schemeClr val="tx1"/>
+                </a:solidFill>
+                <a:miter lim="800000"/>
+                <a:headEnd/>
+                <a:tailEnd/>
+              </a14:hiddenLine>
+            </a:ext>
+            <a:ext uri="{AF507438-7753-43E0-B8FC-AC1667EBCBE1}">
+              <a14:hiddenEffects xmlns:a14="http://schemas.microsoft.com/office/drawing/2010/main">
+                <a:effectLst>
+                  <a:outerShdw dist="35921" dir="2700000" algn="ctr" rotWithShape="0">
+                    <a:schemeClr val="bg2"/>
+                  </a:outerShdw>
+                </a:effectLst>
+              </a14:hiddenEffects>
+            </a:ext>
+          </a:extLst>
         </p:spPr>
-        <p:txBody>
-          <a:bodyPr wrap="square">
-            <a:spAutoFit/>
-          </a:bodyPr>
-          <a:lstStyle/>
-          <a:p>
-            <a:r>
-              <a:rPr lang="pl-PL" dirty="0" err="1">
-                <a:latin typeface="Lucida Console" pitchFamily="49" charset="0"/>
-              </a:rPr>
-              <a:t>Transaction</a:t>
-            </a:r>
-            <a:r>
-              <a:rPr lang="pl-PL" dirty="0">
-                <a:latin typeface="Lucida Console" pitchFamily="49" charset="0"/>
-              </a:rPr>
-              <a:t> </a:t>
-            </a:r>
-            <a:r>
-              <a:rPr lang="pl-PL" dirty="0" err="1">
-                <a:latin typeface="Lucida Console" pitchFamily="49" charset="0"/>
-              </a:rPr>
-              <a:t>trns</a:t>
-            </a:r>
-            <a:r>
-              <a:rPr lang="pl-PL" dirty="0">
-                <a:latin typeface="Lucida Console" pitchFamily="49" charset="0"/>
-              </a:rPr>
-              <a:t> = </a:t>
-            </a:r>
-            <a:r>
-              <a:rPr lang="pl-PL" dirty="0" err="1">
-                <a:latin typeface="Lucida Console" pitchFamily="49" charset="0"/>
-              </a:rPr>
-              <a:t>null</a:t>
-            </a:r>
-            <a:r>
-              <a:rPr lang="pl-PL" dirty="0">
-                <a:latin typeface="Lucida Console" pitchFamily="49" charset="0"/>
-              </a:rPr>
-              <a:t>;</a:t>
-            </a:r>
-          </a:p>
-          <a:p>
-            <a:r>
-              <a:rPr lang="pl-PL" dirty="0" err="1">
-                <a:latin typeface="Lucida Console" pitchFamily="49" charset="0"/>
-              </a:rPr>
-              <a:t>Session</a:t>
-            </a:r>
-            <a:r>
-              <a:rPr lang="pl-PL" dirty="0">
-                <a:latin typeface="Lucida Console" pitchFamily="49" charset="0"/>
-              </a:rPr>
-              <a:t> </a:t>
-            </a:r>
-            <a:r>
-              <a:rPr lang="pl-PL" dirty="0" err="1">
-                <a:latin typeface="Lucida Console" pitchFamily="49" charset="0"/>
-              </a:rPr>
-              <a:t>session</a:t>
-            </a:r>
-            <a:r>
-              <a:rPr lang="pl-PL" dirty="0">
-                <a:latin typeface="Lucida Console" pitchFamily="49" charset="0"/>
-              </a:rPr>
-              <a:t> = </a:t>
-            </a:r>
-            <a:r>
-              <a:rPr lang="pl-PL" dirty="0" err="1">
-                <a:latin typeface="Lucida Console" pitchFamily="49" charset="0"/>
-              </a:rPr>
-              <a:t>HibernateUtil.</a:t>
-            </a:r>
-            <a:r>
-              <a:rPr lang="pl-PL" i="1" dirty="0" err="1">
-                <a:latin typeface="Lucida Console" pitchFamily="49" charset="0"/>
-              </a:rPr>
-              <a:t>getSessionFactory</a:t>
-            </a:r>
-            <a:r>
-              <a:rPr lang="pl-PL" i="1" dirty="0">
-                <a:latin typeface="Lucida Console" pitchFamily="49" charset="0"/>
-              </a:rPr>
-              <a:t>().</a:t>
-            </a:r>
-            <a:r>
-              <a:rPr lang="pl-PL" i="1" dirty="0" err="1">
-                <a:latin typeface="Lucida Console" pitchFamily="49" charset="0"/>
-              </a:rPr>
-              <a:t>openSession</a:t>
-            </a:r>
-            <a:r>
-              <a:rPr lang="pl-PL" i="1" dirty="0" smtClean="0">
-                <a:latin typeface="Lucida Console" pitchFamily="49" charset="0"/>
-              </a:rPr>
-              <a:t>();</a:t>
-            </a:r>
-          </a:p>
-          <a:p>
-            <a:endParaRPr lang="pl-PL" i="1" dirty="0">
-              <a:latin typeface="Lucida Console" pitchFamily="49" charset="0"/>
-            </a:endParaRPr>
-          </a:p>
-          <a:p>
-            <a:r>
-              <a:rPr lang="pl-PL" dirty="0" err="1">
-                <a:latin typeface="Lucida Console" pitchFamily="49" charset="0"/>
-              </a:rPr>
-              <a:t>try</a:t>
-            </a:r>
-            <a:r>
-              <a:rPr lang="pl-PL" dirty="0">
-                <a:latin typeface="Lucida Console" pitchFamily="49" charset="0"/>
-              </a:rPr>
-              <a:t> {</a:t>
-            </a:r>
-          </a:p>
-          <a:p>
-            <a:r>
-              <a:rPr lang="pl-PL" dirty="0" smtClean="0">
-                <a:latin typeface="Lucida Console" pitchFamily="49" charset="0"/>
-              </a:rPr>
-              <a:t>	</a:t>
-            </a:r>
-            <a:r>
-              <a:rPr lang="pl-PL" dirty="0" err="1" smtClean="0">
-                <a:latin typeface="Lucida Console" pitchFamily="49" charset="0"/>
-              </a:rPr>
-              <a:t>trns</a:t>
-            </a:r>
-            <a:r>
-              <a:rPr lang="pl-PL" dirty="0" smtClean="0">
-                <a:latin typeface="Lucida Console" pitchFamily="49" charset="0"/>
-              </a:rPr>
-              <a:t> </a:t>
-            </a:r>
-            <a:r>
-              <a:rPr lang="pl-PL" dirty="0">
-                <a:latin typeface="Lucida Console" pitchFamily="49" charset="0"/>
-              </a:rPr>
-              <a:t>= </a:t>
-            </a:r>
-            <a:r>
-              <a:rPr lang="pl-PL" dirty="0" err="1">
-                <a:latin typeface="Lucida Console" pitchFamily="49" charset="0"/>
-              </a:rPr>
-              <a:t>session.beginTransaction</a:t>
-            </a:r>
-            <a:r>
-              <a:rPr lang="pl-PL" dirty="0">
-                <a:latin typeface="Lucida Console" pitchFamily="49" charset="0"/>
-              </a:rPr>
-              <a:t>();</a:t>
-            </a:r>
-          </a:p>
-          <a:p>
-            <a:r>
-              <a:rPr lang="pl-PL" dirty="0">
-                <a:latin typeface="Lucida Console" pitchFamily="49" charset="0"/>
-              </a:rPr>
-              <a:t>	</a:t>
-            </a:r>
-            <a:r>
-              <a:rPr lang="pl-PL" dirty="0" smtClean="0">
-                <a:latin typeface="Lucida Console" pitchFamily="49" charset="0"/>
-              </a:rPr>
-              <a:t>//...</a:t>
-            </a:r>
-            <a:endParaRPr lang="pl-PL" dirty="0">
-              <a:latin typeface="Lucida Console" pitchFamily="49" charset="0"/>
-            </a:endParaRPr>
-          </a:p>
-          <a:p>
-            <a:r>
-              <a:rPr lang="pl-PL" dirty="0" smtClean="0">
-                <a:latin typeface="Lucida Console" pitchFamily="49" charset="0"/>
-              </a:rPr>
-              <a:t>	</a:t>
-            </a:r>
-            <a:r>
-              <a:rPr lang="pl-PL" dirty="0" err="1" smtClean="0">
-                <a:latin typeface="Lucida Console" pitchFamily="49" charset="0"/>
-              </a:rPr>
-              <a:t>session.getTransaction</a:t>
-            </a:r>
-            <a:r>
-              <a:rPr lang="pl-PL" dirty="0">
-                <a:latin typeface="Lucida Console" pitchFamily="49" charset="0"/>
-              </a:rPr>
-              <a:t>().</a:t>
-            </a:r>
-            <a:r>
-              <a:rPr lang="pl-PL" dirty="0" err="1">
-                <a:latin typeface="Lucida Console" pitchFamily="49" charset="0"/>
-              </a:rPr>
-              <a:t>commit</a:t>
-            </a:r>
-            <a:r>
-              <a:rPr lang="pl-PL" dirty="0" smtClean="0">
-                <a:latin typeface="Lucida Console" pitchFamily="49" charset="0"/>
-              </a:rPr>
-              <a:t>();</a:t>
-            </a:r>
-          </a:p>
-          <a:p>
-            <a:endParaRPr lang="pl-PL" dirty="0">
-              <a:latin typeface="Lucida Console" pitchFamily="49" charset="0"/>
-            </a:endParaRPr>
-          </a:p>
-          <a:p>
-            <a:r>
-              <a:rPr lang="pl-PL" dirty="0">
-                <a:latin typeface="Lucida Console" pitchFamily="49" charset="0"/>
-              </a:rPr>
-              <a:t>} </a:t>
-            </a:r>
-            <a:r>
-              <a:rPr lang="pl-PL" dirty="0" err="1">
-                <a:latin typeface="Lucida Console" pitchFamily="49" charset="0"/>
-              </a:rPr>
-              <a:t>catch</a:t>
-            </a:r>
-            <a:r>
-              <a:rPr lang="pl-PL" dirty="0">
-                <a:latin typeface="Lucida Console" pitchFamily="49" charset="0"/>
-              </a:rPr>
-              <a:t> (</a:t>
-            </a:r>
-            <a:r>
-              <a:rPr lang="pl-PL" dirty="0" err="1">
-                <a:latin typeface="Lucida Console" pitchFamily="49" charset="0"/>
-              </a:rPr>
-              <a:t>RuntimeException</a:t>
-            </a:r>
-            <a:r>
-              <a:rPr lang="pl-PL" dirty="0">
-                <a:latin typeface="Lucida Console" pitchFamily="49" charset="0"/>
-              </a:rPr>
-              <a:t> e) {</a:t>
-            </a:r>
-          </a:p>
-          <a:p>
-            <a:r>
-              <a:rPr lang="pl-PL" dirty="0" smtClean="0">
-                <a:latin typeface="Lucida Console" pitchFamily="49" charset="0"/>
-              </a:rPr>
-              <a:t>	</a:t>
-            </a:r>
-            <a:r>
-              <a:rPr lang="pl-PL" dirty="0" err="1" smtClean="0">
-                <a:latin typeface="Lucida Console" pitchFamily="49" charset="0"/>
-              </a:rPr>
-              <a:t>if</a:t>
-            </a:r>
-            <a:r>
-              <a:rPr lang="pl-PL" dirty="0" smtClean="0">
-                <a:latin typeface="Lucida Console" pitchFamily="49" charset="0"/>
-              </a:rPr>
-              <a:t> </a:t>
-            </a:r>
-            <a:r>
-              <a:rPr lang="pl-PL" dirty="0">
-                <a:latin typeface="Lucida Console" pitchFamily="49" charset="0"/>
-              </a:rPr>
-              <a:t>(</a:t>
-            </a:r>
-            <a:r>
-              <a:rPr lang="pl-PL" dirty="0" err="1">
-                <a:latin typeface="Lucida Console" pitchFamily="49" charset="0"/>
-              </a:rPr>
-              <a:t>trns</a:t>
-            </a:r>
-            <a:r>
-              <a:rPr lang="pl-PL" dirty="0">
-                <a:latin typeface="Lucida Console" pitchFamily="49" charset="0"/>
-              </a:rPr>
-              <a:t> != </a:t>
-            </a:r>
-            <a:r>
-              <a:rPr lang="pl-PL" dirty="0" err="1">
-                <a:latin typeface="Lucida Console" pitchFamily="49" charset="0"/>
-              </a:rPr>
-              <a:t>null</a:t>
-            </a:r>
-            <a:r>
-              <a:rPr lang="pl-PL" dirty="0">
-                <a:latin typeface="Lucida Console" pitchFamily="49" charset="0"/>
-              </a:rPr>
-              <a:t>) </a:t>
-            </a:r>
-          </a:p>
-          <a:p>
-            <a:r>
-              <a:rPr lang="pl-PL" dirty="0" smtClean="0">
-                <a:latin typeface="Lucida Console" pitchFamily="49" charset="0"/>
-              </a:rPr>
-              <a:t>		</a:t>
-            </a:r>
-            <a:r>
-              <a:rPr lang="pl-PL" dirty="0" err="1" smtClean="0">
-                <a:latin typeface="Lucida Console" pitchFamily="49" charset="0"/>
-              </a:rPr>
-              <a:t>trns.rollback</a:t>
-            </a:r>
-            <a:r>
-              <a:rPr lang="pl-PL" dirty="0">
-                <a:latin typeface="Lucida Console" pitchFamily="49" charset="0"/>
-              </a:rPr>
-              <a:t>();</a:t>
-            </a:r>
-          </a:p>
-          <a:p>
-            <a:pPr lvl="1"/>
-            <a:r>
-              <a:rPr lang="pl-PL" dirty="0" smtClean="0">
-                <a:latin typeface="Lucida Console" pitchFamily="49" charset="0"/>
-              </a:rPr>
-              <a:t>	</a:t>
-            </a:r>
-            <a:r>
-              <a:rPr lang="pl-PL" dirty="0" err="1" smtClean="0">
-                <a:latin typeface="Lucida Console" pitchFamily="49" charset="0"/>
-              </a:rPr>
-              <a:t>e.printStackTrace</a:t>
-            </a:r>
-            <a:r>
-              <a:rPr lang="pl-PL" dirty="0" smtClean="0">
-                <a:latin typeface="Lucida Console" pitchFamily="49" charset="0"/>
-              </a:rPr>
-              <a:t>();</a:t>
-            </a:r>
-          </a:p>
-          <a:p>
-            <a:pPr lvl="1"/>
-            <a:endParaRPr lang="pl-PL" dirty="0">
-              <a:latin typeface="Lucida Console" pitchFamily="49" charset="0"/>
-            </a:endParaRPr>
-          </a:p>
-          <a:p>
-            <a:r>
-              <a:rPr lang="pl-PL" dirty="0">
-                <a:latin typeface="Lucida Console" pitchFamily="49" charset="0"/>
-              </a:rPr>
-              <a:t>} </a:t>
-            </a:r>
-            <a:r>
-              <a:rPr lang="pl-PL" dirty="0" err="1">
-                <a:latin typeface="Lucida Console" pitchFamily="49" charset="0"/>
-              </a:rPr>
-              <a:t>finally</a:t>
-            </a:r>
-            <a:r>
-              <a:rPr lang="pl-PL" dirty="0">
-                <a:latin typeface="Lucida Console" pitchFamily="49" charset="0"/>
-              </a:rPr>
-              <a:t> {</a:t>
-            </a:r>
-          </a:p>
-          <a:p>
-            <a:pPr lvl="1"/>
-            <a:r>
-              <a:rPr lang="pl-PL" dirty="0" smtClean="0">
-                <a:latin typeface="Lucida Console" pitchFamily="49" charset="0"/>
-              </a:rPr>
-              <a:t>	</a:t>
-            </a:r>
-            <a:r>
-              <a:rPr lang="pl-PL" dirty="0" err="1" smtClean="0">
-                <a:latin typeface="Lucida Console" pitchFamily="49" charset="0"/>
-              </a:rPr>
-              <a:t>session.flush</a:t>
-            </a:r>
-            <a:r>
-              <a:rPr lang="pl-PL" dirty="0">
-                <a:latin typeface="Lucida Console" pitchFamily="49" charset="0"/>
-              </a:rPr>
-              <a:t>();</a:t>
-            </a:r>
-          </a:p>
-          <a:p>
-            <a:pPr lvl="1"/>
-            <a:r>
-              <a:rPr lang="pl-PL" dirty="0" smtClean="0">
-                <a:latin typeface="Lucida Console" pitchFamily="49" charset="0"/>
-              </a:rPr>
-              <a:t>	</a:t>
-            </a:r>
-            <a:r>
-              <a:rPr lang="pl-PL" dirty="0" err="1" smtClean="0">
-                <a:latin typeface="Lucida Console" pitchFamily="49" charset="0"/>
-              </a:rPr>
-              <a:t>session.close</a:t>
-            </a:r>
-            <a:r>
-              <a:rPr lang="pl-PL" dirty="0">
-                <a:latin typeface="Lucida Console" pitchFamily="49" charset="0"/>
-              </a:rPr>
-              <a:t>();</a:t>
-            </a:r>
-          </a:p>
-          <a:p>
-            <a:r>
-              <a:rPr lang="pl-PL" dirty="0">
-                <a:latin typeface="Lucida Console" pitchFamily="49" charset="0"/>
-              </a:rPr>
-              <a:t>}</a:t>
-            </a:r>
-            <a:endParaRPr lang="pl-PL" dirty="0">
-              <a:latin typeface="Lucida Console" pitchFamily="49" charset="0"/>
-            </a:endParaRPr>
-          </a:p>
-        </p:txBody>
-      </p:sp>
+      </p:pic>
     </p:spTree>
     <p:extLst>
       <p:ext uri="{BB962C8B-B14F-4D97-AF65-F5344CB8AC3E}">
-        <p14:creationId xmlns:p14="http://schemas.microsoft.com/office/powerpoint/2010/main" val="1573387188"/>
+        <p14:creationId xmlns:p14="http://schemas.microsoft.com/office/powerpoint/2010/main" val="2374854766"/>
       </p:ext>
     </p:extLst>
   </p:cSld>
@@ -6971,158 +6709,89 @@
           <a:lstStyle/>
           <a:p>
             <a:r>
+              <a:rPr lang="pl-PL" dirty="0" smtClean="0"/>
+              <a:t>POJO + </a:t>
+            </a:r>
+            <a:r>
               <a:rPr lang="pl-PL" dirty="0" err="1" smtClean="0"/>
-              <a:t>Create</a:t>
+              <a:t>mapping</a:t>
             </a:r>
             <a:r>
               <a:rPr lang="pl-PL" dirty="0" smtClean="0"/>
-              <a:t>…</a:t>
+              <a:t> file</a:t>
             </a:r>
             <a:endParaRPr lang="pl-PL" dirty="0"/>
           </a:p>
         </p:txBody>
       </p:sp>
-      <p:sp>
-        <p:nvSpPr>
-          <p:cNvPr id="4" name="Prostokąt 3"/>
-          <p:cNvSpPr/>
+      <p:pic>
+        <p:nvPicPr>
+          <p:cNvPr id="10243" name="Picture 3"/>
+          <p:cNvPicPr>
+            <a:picLocks noChangeAspect="1" noChangeArrowheads="1"/>
+          </p:cNvPicPr>
           <p:nvPr/>
-        </p:nvSpPr>
-        <p:spPr>
+        </p:nvPicPr>
+        <p:blipFill>
+          <a:blip r:embed="rId2">
+            <a:extLst>
+              <a:ext uri="{28A0092B-C50C-407E-A947-70E740481C1C}">
+                <a14:useLocalDpi xmlns:a14="http://schemas.microsoft.com/office/drawing/2010/main" val="0"/>
+              </a:ext>
+            </a:extLst>
+          </a:blip>
+          <a:srcRect/>
+          <a:stretch>
+            <a:fillRect/>
+          </a:stretch>
+        </p:blipFill>
+        <p:spPr bwMode="auto">
           <a:xfrm>
-            <a:off x="323528" y="2001029"/>
-            <a:ext cx="8820472" cy="2308324"/>
+            <a:off x="323528" y="1195632"/>
+            <a:ext cx="8604448" cy="5643777"/>
           </a:xfrm>
           <a:prstGeom prst="rect">
             <a:avLst/>
           </a:prstGeom>
+          <a:noFill/>
+          <a:ln>
+            <a:noFill/>
+          </a:ln>
+          <a:effectLst/>
+          <a:extLst>
+            <a:ext uri="{909E8E84-426E-40DD-AFC4-6F175D3DCCD1}">
+              <a14:hiddenFill xmlns:a14="http://schemas.microsoft.com/office/drawing/2010/main">
+                <a:solidFill>
+                  <a:schemeClr val="accent1"/>
+                </a:solidFill>
+              </a14:hiddenFill>
+            </a:ext>
+            <a:ext uri="{91240B29-F687-4F45-9708-019B960494DF}">
+              <a14:hiddenLine xmlns:a14="http://schemas.microsoft.com/office/drawing/2010/main" w="9525">
+                <a:solidFill>
+                  <a:schemeClr val="tx1"/>
+                </a:solidFill>
+                <a:miter lim="800000"/>
+                <a:headEnd/>
+                <a:tailEnd/>
+              </a14:hiddenLine>
+            </a:ext>
+            <a:ext uri="{AF507438-7753-43E0-B8FC-AC1667EBCBE1}">
+              <a14:hiddenEffects xmlns:a14="http://schemas.microsoft.com/office/drawing/2010/main">
+                <a:effectLst>
+                  <a:outerShdw dist="35921" dir="2700000" algn="ctr" rotWithShape="0">
+                    <a:schemeClr val="bg2"/>
+                  </a:outerShdw>
+                </a:effectLst>
+              </a14:hiddenEffects>
+            </a:ext>
+          </a:extLst>
         </p:spPr>
-        <p:txBody>
-          <a:bodyPr wrap="square">
-            <a:spAutoFit/>
-          </a:bodyPr>
-          <a:lstStyle/>
-          <a:p>
-            <a:r>
-              <a:rPr lang="en-US" dirty="0">
-                <a:latin typeface="Lucida Console" pitchFamily="49" charset="0"/>
-              </a:rPr>
-              <a:t>Customer c = new Customer("AXAMI", "</a:t>
-            </a:r>
-            <a:r>
-              <a:rPr lang="en-US" dirty="0" err="1">
-                <a:latin typeface="Lucida Console" pitchFamily="49" charset="0"/>
-              </a:rPr>
-              <a:t>Aksamit</a:t>
-            </a:r>
-            <a:r>
-              <a:rPr lang="en-US" dirty="0">
-                <a:latin typeface="Lucida Console" pitchFamily="49" charset="0"/>
-              </a:rPr>
-              <a:t> INC.");</a:t>
-            </a:r>
-          </a:p>
-          <a:p>
-            <a:r>
-              <a:rPr lang="pl-PL" dirty="0" err="1">
-                <a:latin typeface="Lucida Console" pitchFamily="49" charset="0"/>
-              </a:rPr>
-              <a:t>session.save</a:t>
-            </a:r>
-            <a:r>
-              <a:rPr lang="pl-PL" dirty="0">
-                <a:latin typeface="Lucida Console" pitchFamily="49" charset="0"/>
-              </a:rPr>
-              <a:t>(c);</a:t>
-            </a:r>
-          </a:p>
-          <a:p>
-            <a:endParaRPr lang="pl-PL" dirty="0">
-              <a:latin typeface="Lucida Console" pitchFamily="49" charset="0"/>
-            </a:endParaRPr>
-          </a:p>
-          <a:p>
-            <a:r>
-              <a:rPr lang="en-US" dirty="0">
-                <a:latin typeface="Lucida Console" pitchFamily="49" charset="0"/>
-              </a:rPr>
-              <a:t>Employee e = new Employee("</a:t>
-            </a:r>
-            <a:r>
-              <a:rPr lang="en-US" dirty="0" err="1">
-                <a:latin typeface="Lucida Console" pitchFamily="49" charset="0"/>
-              </a:rPr>
-              <a:t>Alicja</a:t>
-            </a:r>
-            <a:r>
-              <a:rPr lang="en-US" dirty="0">
-                <a:latin typeface="Lucida Console" pitchFamily="49" charset="0"/>
-              </a:rPr>
-              <a:t>", "</a:t>
-            </a:r>
-            <a:r>
-              <a:rPr lang="en-US" dirty="0" err="1">
-                <a:latin typeface="Lucida Console" pitchFamily="49" charset="0"/>
-              </a:rPr>
-              <a:t>Salamon</a:t>
-            </a:r>
-            <a:r>
-              <a:rPr lang="en-US" dirty="0">
-                <a:latin typeface="Lucida Console" pitchFamily="49" charset="0"/>
-              </a:rPr>
-              <a:t>", "Krakow");</a:t>
-            </a:r>
-          </a:p>
-          <a:p>
-            <a:r>
-              <a:rPr lang="pl-PL" dirty="0" err="1">
-                <a:latin typeface="Lucida Console" pitchFamily="49" charset="0"/>
-              </a:rPr>
-              <a:t>session.save</a:t>
-            </a:r>
-            <a:r>
-              <a:rPr lang="pl-PL" dirty="0">
-                <a:latin typeface="Lucida Console" pitchFamily="49" charset="0"/>
-              </a:rPr>
-              <a:t>(e);</a:t>
-            </a:r>
-          </a:p>
-          <a:p>
-            <a:endParaRPr lang="pl-PL" dirty="0">
-              <a:latin typeface="Lucida Console" pitchFamily="49" charset="0"/>
-            </a:endParaRPr>
-          </a:p>
-          <a:p>
-            <a:r>
-              <a:rPr lang="en-US" dirty="0">
-                <a:latin typeface="Lucida Console" pitchFamily="49" charset="0"/>
-              </a:rPr>
-              <a:t>Order o = new Order(e, c);</a:t>
-            </a:r>
-          </a:p>
-          <a:p>
-            <a:r>
-              <a:rPr lang="pl-PL" dirty="0" err="1">
-                <a:latin typeface="Lucida Console" pitchFamily="49" charset="0"/>
-              </a:rPr>
-              <a:t>session.save</a:t>
-            </a:r>
-            <a:r>
-              <a:rPr lang="pl-PL" dirty="0">
-                <a:latin typeface="Lucida Console" pitchFamily="49" charset="0"/>
-              </a:rPr>
-              <a:t>(o);</a:t>
-            </a:r>
-            <a:endParaRPr lang="pl-PL" dirty="0">
-              <a:latin typeface="Lucida Console" pitchFamily="49" charset="0"/>
-            </a:endParaRPr>
-          </a:p>
-        </p:txBody>
-      </p:sp>
+      </p:pic>
     </p:spTree>
     <p:extLst>
       <p:ext uri="{BB962C8B-B14F-4D97-AF65-F5344CB8AC3E}">
-        <p14:creationId xmlns:p14="http://schemas.microsoft.com/office/powerpoint/2010/main" val="4222481412"/>
+        <p14:creationId xmlns:p14="http://schemas.microsoft.com/office/powerpoint/2010/main" val="2580870810"/>
       </p:ext>
     </p:extLst>
   </p:cSld>
@@ -7344,401 +7013,80 @@
           <a:p>
             <a:r>
               <a:rPr lang="pl-PL" dirty="0" smtClean="0"/>
-              <a:t>Read…</a:t>
+              <a:t>Order.hbm.xml</a:t>
             </a:r>
             <a:endParaRPr lang="pl-PL" dirty="0"/>
           </a:p>
         </p:txBody>
       </p:sp>
-      <p:sp>
-        <p:nvSpPr>
-          <p:cNvPr id="4" name="Prostokąt 3"/>
-          <p:cNvSpPr/>
+      <p:pic>
+        <p:nvPicPr>
+          <p:cNvPr id="11267" name="Picture 3"/>
+          <p:cNvPicPr>
+            <a:picLocks noChangeAspect="1" noChangeArrowheads="1"/>
+          </p:cNvPicPr>
           <p:nvPr/>
-        </p:nvSpPr>
-        <p:spPr>
+        </p:nvPicPr>
+        <p:blipFill>
+          <a:blip r:embed="rId2">
+            <a:extLst>
+              <a:ext uri="{28A0092B-C50C-407E-A947-70E740481C1C}">
+                <a14:useLocalDpi xmlns:a14="http://schemas.microsoft.com/office/drawing/2010/main" val="0"/>
+              </a:ext>
+            </a:extLst>
+          </a:blip>
+          <a:srcRect/>
+          <a:stretch>
+            <a:fillRect/>
+          </a:stretch>
+        </p:blipFill>
+        <p:spPr bwMode="auto">
           <a:xfrm>
-            <a:off x="273665" y="1700808"/>
-            <a:ext cx="8496944" cy="3354765"/>
+            <a:off x="137162" y="1340768"/>
+            <a:ext cx="9010650" cy="5114925"/>
           </a:xfrm>
           <a:prstGeom prst="rect">
             <a:avLst/>
           </a:prstGeom>
+          <a:noFill/>
+          <a:ln>
+            <a:noFill/>
+          </a:ln>
+          <a:effectLst/>
+          <a:extLst>
+            <a:ext uri="{909E8E84-426E-40DD-AFC4-6F175D3DCCD1}">
+              <a14:hiddenFill xmlns:a14="http://schemas.microsoft.com/office/drawing/2010/main">
+                <a:solidFill>
+                  <a:schemeClr val="accent1"/>
+                </a:solidFill>
+              </a14:hiddenFill>
+            </a:ext>
+            <a:ext uri="{91240B29-F687-4F45-9708-019B960494DF}">
+              <a14:hiddenLine xmlns:a14="http://schemas.microsoft.com/office/drawing/2010/main" w="9525">
+                <a:solidFill>
+                  <a:schemeClr val="tx1"/>
+                </a:solidFill>
+                <a:miter lim="800000"/>
+                <a:headEnd/>
+                <a:tailEnd/>
+              </a14:hiddenLine>
+            </a:ext>
+            <a:ext uri="{AF507438-7753-43E0-B8FC-AC1667EBCBE1}">
+              <a14:hiddenEffects xmlns:a14="http://schemas.microsoft.com/office/drawing/2010/main">
+                <a:effectLst>
+                  <a:outerShdw dist="35921" dir="2700000" algn="ctr" rotWithShape="0">
+                    <a:schemeClr val="bg2"/>
+                  </a:outerShdw>
+                </a:effectLst>
+              </a14:hiddenEffects>
+            </a:ext>
+          </a:extLst>
         </p:spPr>
-        <p:txBody>
-          <a:bodyPr wrap="square">
-            <a:spAutoFit/>
-          </a:bodyPr>
-          <a:lstStyle/>
-          <a:p>
-            <a:r>
-              <a:rPr lang="pl-PL" sz="1600" dirty="0">
-                <a:latin typeface="Lucida Console" pitchFamily="49" charset="0"/>
-              </a:rPr>
-              <a:t>List&lt;Order&gt; </a:t>
-            </a:r>
-            <a:r>
-              <a:rPr lang="pl-PL" sz="1600" dirty="0" err="1">
-                <a:latin typeface="Lucida Console" pitchFamily="49" charset="0"/>
-              </a:rPr>
-              <a:t>ordersList</a:t>
-            </a:r>
-            <a:r>
-              <a:rPr lang="pl-PL" sz="1600" dirty="0">
-                <a:latin typeface="Lucida Console" pitchFamily="49" charset="0"/>
-              </a:rPr>
-              <a:t> = </a:t>
-            </a:r>
-            <a:r>
-              <a:rPr lang="pl-PL" sz="1600" dirty="0" err="1">
-                <a:latin typeface="Lucida Console" pitchFamily="49" charset="0"/>
-              </a:rPr>
-              <a:t>newSession</a:t>
-            </a:r>
-            <a:endParaRPr lang="pl-PL" sz="1600" dirty="0">
-              <a:latin typeface="Lucida Console" pitchFamily="49" charset="0"/>
-            </a:endParaRPr>
-          </a:p>
-          <a:p>
-            <a:r>
-              <a:rPr lang="en-US" sz="1600" dirty="0">
-                <a:latin typeface="Lucida Console" pitchFamily="49" charset="0"/>
-              </a:rPr>
-              <a:t>.</a:t>
-            </a:r>
-            <a:r>
-              <a:rPr lang="en-US" sz="1600" dirty="0" err="1">
-                <a:latin typeface="Lucida Console" pitchFamily="49" charset="0"/>
-              </a:rPr>
-              <a:t>createSQLQuery</a:t>
-            </a:r>
-            <a:r>
-              <a:rPr lang="en-US" sz="1600" dirty="0">
-                <a:latin typeface="Lucida Console" pitchFamily="49" charset="0"/>
-              </a:rPr>
-              <a:t>("select * from Orders where </a:t>
-            </a:r>
-            <a:r>
-              <a:rPr lang="en-US" sz="1600" dirty="0" err="1">
-                <a:latin typeface="Lucida Console" pitchFamily="49" charset="0"/>
-              </a:rPr>
-              <a:t>OrderID</a:t>
-            </a:r>
-            <a:r>
-              <a:rPr lang="en-US" sz="1600" dirty="0">
-                <a:latin typeface="Lucida Console" pitchFamily="49" charset="0"/>
-              </a:rPr>
-              <a:t>=11078")</a:t>
-            </a:r>
-          </a:p>
-          <a:p>
-            <a:r>
-              <a:rPr lang="pl-PL" sz="1600" dirty="0">
-                <a:latin typeface="Lucida Console" pitchFamily="49" charset="0"/>
-              </a:rPr>
-              <a:t>.</a:t>
-            </a:r>
-            <a:r>
-              <a:rPr lang="pl-PL" sz="1600" dirty="0" err="1">
-                <a:latin typeface="Lucida Console" pitchFamily="49" charset="0"/>
-              </a:rPr>
-              <a:t>addEntity</a:t>
-            </a:r>
-            <a:r>
-              <a:rPr lang="pl-PL" sz="1600" dirty="0">
-                <a:latin typeface="Lucida Console" pitchFamily="49" charset="0"/>
-              </a:rPr>
-              <a:t>(</a:t>
-            </a:r>
-            <a:r>
-              <a:rPr lang="pl-PL" sz="1600" dirty="0" err="1">
-                <a:latin typeface="Lucida Console" pitchFamily="49" charset="0"/>
-              </a:rPr>
-              <a:t>Order.class</a:t>
-            </a:r>
-            <a:r>
-              <a:rPr lang="pl-PL" sz="1600" dirty="0">
-                <a:latin typeface="Lucida Console" pitchFamily="49" charset="0"/>
-              </a:rPr>
-              <a:t>).list();</a:t>
-            </a:r>
-          </a:p>
-          <a:p>
-            <a:endParaRPr lang="pl-PL" sz="1600" dirty="0">
-              <a:latin typeface="Lucida Console" pitchFamily="49" charset="0"/>
-            </a:endParaRPr>
-          </a:p>
-          <a:p>
-            <a:r>
-              <a:rPr lang="pl-PL" sz="1600" dirty="0">
-                <a:latin typeface="Lucida Console" pitchFamily="49" charset="0"/>
-              </a:rPr>
-              <a:t>for (</a:t>
-            </a:r>
-            <a:r>
-              <a:rPr lang="pl-PL" sz="1600" dirty="0" err="1">
-                <a:latin typeface="Lucida Console" pitchFamily="49" charset="0"/>
-              </a:rPr>
-              <a:t>Iterator</a:t>
-            </a:r>
-            <a:r>
-              <a:rPr lang="pl-PL" sz="1600" dirty="0">
-                <a:latin typeface="Lucida Console" pitchFamily="49" charset="0"/>
-              </a:rPr>
-              <a:t>&lt;Order&gt; </a:t>
-            </a:r>
-            <a:r>
-              <a:rPr lang="pl-PL" sz="1600" dirty="0" err="1">
-                <a:latin typeface="Lucida Console" pitchFamily="49" charset="0"/>
-              </a:rPr>
-              <a:t>iter</a:t>
-            </a:r>
-            <a:r>
-              <a:rPr lang="pl-PL" sz="1600" dirty="0">
-                <a:latin typeface="Lucida Console" pitchFamily="49" charset="0"/>
-              </a:rPr>
-              <a:t> = </a:t>
-            </a:r>
-            <a:r>
-              <a:rPr lang="pl-PL" sz="1600" dirty="0" err="1">
-                <a:latin typeface="Lucida Console" pitchFamily="49" charset="0"/>
-              </a:rPr>
-              <a:t>ordersList.iterator</a:t>
-            </a:r>
-            <a:r>
-              <a:rPr lang="pl-PL" sz="1600" dirty="0">
-                <a:latin typeface="Lucida Console" pitchFamily="49" charset="0"/>
-              </a:rPr>
-              <a:t>(); </a:t>
-            </a:r>
-            <a:r>
-              <a:rPr lang="pl-PL" sz="1600" dirty="0" err="1">
-                <a:latin typeface="Lucida Console" pitchFamily="49" charset="0"/>
-              </a:rPr>
-              <a:t>iter.hasNext</a:t>
-            </a:r>
-            <a:r>
-              <a:rPr lang="pl-PL" sz="1600" dirty="0">
-                <a:latin typeface="Lucida Console" pitchFamily="49" charset="0"/>
-              </a:rPr>
-              <a:t>();) {</a:t>
-            </a:r>
-          </a:p>
-          <a:p>
-            <a:pPr lvl="1"/>
-            <a:r>
-              <a:rPr lang="pl-PL" sz="1600" dirty="0">
-                <a:latin typeface="Lucida Console" pitchFamily="49" charset="0"/>
-              </a:rPr>
-              <a:t>Order </a:t>
-            </a:r>
-            <a:r>
-              <a:rPr lang="pl-PL" sz="1600" dirty="0" err="1">
-                <a:latin typeface="Lucida Console" pitchFamily="49" charset="0"/>
-              </a:rPr>
-              <a:t>order</a:t>
-            </a:r>
-            <a:r>
-              <a:rPr lang="pl-PL" sz="1600" dirty="0">
-                <a:latin typeface="Lucida Console" pitchFamily="49" charset="0"/>
-              </a:rPr>
-              <a:t> = (Order) </a:t>
-            </a:r>
-            <a:r>
-              <a:rPr lang="pl-PL" sz="1600" dirty="0" err="1">
-                <a:latin typeface="Lucida Console" pitchFamily="49" charset="0"/>
-              </a:rPr>
-              <a:t>iter.next</a:t>
-            </a:r>
-            <a:r>
-              <a:rPr lang="pl-PL" sz="1600" dirty="0">
-                <a:latin typeface="Lucida Console" pitchFamily="49" charset="0"/>
-              </a:rPr>
-              <a:t>();</a:t>
-            </a:r>
-          </a:p>
-          <a:p>
-            <a:pPr lvl="1"/>
-            <a:r>
-              <a:rPr lang="pl-PL" sz="1600" dirty="0" err="1">
-                <a:latin typeface="Lucida Console" pitchFamily="49" charset="0"/>
-              </a:rPr>
-              <a:t>Employee</a:t>
-            </a:r>
-            <a:r>
-              <a:rPr lang="pl-PL" sz="1600" dirty="0">
-                <a:latin typeface="Lucida Console" pitchFamily="49" charset="0"/>
-              </a:rPr>
-              <a:t> </a:t>
-            </a:r>
-            <a:r>
-              <a:rPr lang="pl-PL" sz="1600" dirty="0" err="1">
-                <a:latin typeface="Lucida Console" pitchFamily="49" charset="0"/>
-              </a:rPr>
-              <a:t>empl</a:t>
-            </a:r>
-            <a:r>
-              <a:rPr lang="pl-PL" sz="1600" dirty="0">
-                <a:latin typeface="Lucida Console" pitchFamily="49" charset="0"/>
-              </a:rPr>
-              <a:t> = </a:t>
-            </a:r>
-            <a:r>
-              <a:rPr lang="pl-PL" sz="1600" dirty="0" err="1">
-                <a:latin typeface="Lucida Console" pitchFamily="49" charset="0"/>
-              </a:rPr>
-              <a:t>order.getEmployeeID</a:t>
-            </a:r>
-            <a:r>
-              <a:rPr lang="pl-PL" sz="1600" dirty="0">
-                <a:latin typeface="Lucida Console" pitchFamily="49" charset="0"/>
-              </a:rPr>
-              <a:t>();</a:t>
-            </a:r>
-          </a:p>
-          <a:p>
-            <a:pPr lvl="1"/>
-            <a:r>
-              <a:rPr lang="pl-PL" sz="1600" dirty="0" err="1">
-                <a:latin typeface="Lucida Console" pitchFamily="49" charset="0"/>
-              </a:rPr>
-              <a:t>Customer</a:t>
-            </a:r>
-            <a:r>
-              <a:rPr lang="pl-PL" sz="1600" dirty="0">
-                <a:latin typeface="Lucida Console" pitchFamily="49" charset="0"/>
-              </a:rPr>
-              <a:t> </a:t>
-            </a:r>
-            <a:r>
-              <a:rPr lang="pl-PL" sz="1600" dirty="0" err="1">
-                <a:latin typeface="Lucida Console" pitchFamily="49" charset="0"/>
-              </a:rPr>
-              <a:t>cust</a:t>
-            </a:r>
-            <a:r>
-              <a:rPr lang="pl-PL" sz="1600" dirty="0">
-                <a:latin typeface="Lucida Console" pitchFamily="49" charset="0"/>
-              </a:rPr>
-              <a:t> = </a:t>
-            </a:r>
-            <a:r>
-              <a:rPr lang="pl-PL" sz="1600" dirty="0" err="1">
-                <a:latin typeface="Lucida Console" pitchFamily="49" charset="0"/>
-              </a:rPr>
-              <a:t>order.getCustomerID</a:t>
-            </a:r>
-            <a:r>
-              <a:rPr lang="pl-PL" sz="1600" dirty="0">
-                <a:latin typeface="Lucida Console" pitchFamily="49" charset="0"/>
-              </a:rPr>
-              <a:t>();</a:t>
-            </a:r>
-          </a:p>
-          <a:p>
-            <a:pPr lvl="1"/>
-            <a:r>
-              <a:rPr lang="pl-PL" sz="1600" dirty="0" err="1">
-                <a:latin typeface="Lucida Console" pitchFamily="49" charset="0"/>
-              </a:rPr>
-              <a:t>System.</a:t>
-            </a:r>
-            <a:r>
-              <a:rPr lang="pl-PL" sz="1600" i="1" dirty="0" err="1">
-                <a:latin typeface="Lucida Console" pitchFamily="49" charset="0"/>
-              </a:rPr>
-              <a:t>out.println</a:t>
-            </a:r>
-            <a:r>
-              <a:rPr lang="pl-PL" sz="1600" i="1" dirty="0">
-                <a:latin typeface="Lucida Console" pitchFamily="49" charset="0"/>
-              </a:rPr>
-              <a:t>(</a:t>
-            </a:r>
-            <a:r>
-              <a:rPr lang="pl-PL" sz="1600" i="1" dirty="0" err="1">
-                <a:latin typeface="Lucida Console" pitchFamily="49" charset="0"/>
-              </a:rPr>
-              <a:t>order.getOrderID</a:t>
-            </a:r>
-            <a:r>
-              <a:rPr lang="pl-PL" sz="1600" i="1" dirty="0">
-                <a:latin typeface="Lucida Console" pitchFamily="49" charset="0"/>
-              </a:rPr>
-              <a:t>() + " by "</a:t>
-            </a:r>
-          </a:p>
-          <a:p>
-            <a:pPr lvl="2"/>
-            <a:r>
-              <a:rPr lang="pl-PL" sz="1600" dirty="0">
-                <a:latin typeface="Lucida Console" pitchFamily="49" charset="0"/>
-              </a:rPr>
-              <a:t>+ </a:t>
-            </a:r>
-            <a:r>
-              <a:rPr lang="pl-PL" sz="1600" dirty="0" err="1">
-                <a:latin typeface="Lucida Console" pitchFamily="49" charset="0"/>
-              </a:rPr>
-              <a:t>empl.getFirstName</a:t>
-            </a:r>
-            <a:r>
-              <a:rPr lang="pl-PL" sz="1600" dirty="0">
-                <a:latin typeface="Lucida Console" pitchFamily="49" charset="0"/>
-              </a:rPr>
-              <a:t>() + " " + </a:t>
-            </a:r>
-            <a:r>
-              <a:rPr lang="pl-PL" sz="1600" dirty="0" err="1">
-                <a:latin typeface="Lucida Console" pitchFamily="49" charset="0"/>
-              </a:rPr>
-              <a:t>empl.getLastName</a:t>
-            </a:r>
-            <a:r>
-              <a:rPr lang="pl-PL" sz="1600" dirty="0">
-                <a:latin typeface="Lucida Console" pitchFamily="49" charset="0"/>
-              </a:rPr>
-              <a:t>() + " for "</a:t>
-            </a:r>
-          </a:p>
-          <a:p>
-            <a:pPr lvl="2"/>
-            <a:r>
-              <a:rPr lang="pl-PL" sz="1600" dirty="0">
-                <a:latin typeface="Lucida Console" pitchFamily="49" charset="0"/>
-              </a:rPr>
-              <a:t>+ </a:t>
-            </a:r>
-            <a:r>
-              <a:rPr lang="pl-PL" sz="1600" dirty="0" err="1">
-                <a:latin typeface="Lucida Console" pitchFamily="49" charset="0"/>
-              </a:rPr>
-              <a:t>cust.getCompanyName</a:t>
-            </a:r>
-            <a:r>
-              <a:rPr lang="pl-PL" sz="1600" dirty="0">
-                <a:latin typeface="Lucida Console" pitchFamily="49" charset="0"/>
-              </a:rPr>
-              <a:t>());</a:t>
-            </a:r>
-          </a:p>
-          <a:p>
-            <a:r>
-              <a:rPr lang="pl-PL" sz="1600" dirty="0">
-                <a:latin typeface="Lucida Console" pitchFamily="49" charset="0"/>
-              </a:rPr>
-              <a:t>}</a:t>
-            </a:r>
-            <a:endParaRPr lang="pl-PL" sz="1600" dirty="0">
-              <a:latin typeface="Lucida Console" pitchFamily="49" charset="0"/>
-            </a:endParaRPr>
-          </a:p>
-        </p:txBody>
-      </p:sp>
+      </p:pic>
     </p:spTree>
     <p:extLst>
       <p:ext uri="{BB962C8B-B14F-4D97-AF65-F5344CB8AC3E}">
-        <p14:creationId xmlns:p14="http://schemas.microsoft.com/office/powerpoint/2010/main" val="1389485315"/>
+        <p14:creationId xmlns:p14="http://schemas.microsoft.com/office/powerpoint/2010/main" val="1369416663"/>
       </p:ext>
     </p:extLst>
   </p:cSld>
@@ -7781,8 +7129,16 @@
           <a:lstStyle/>
           <a:p>
             <a:r>
+              <a:rPr lang="pl-PL" dirty="0" err="1" smtClean="0"/>
+              <a:t>Session</a:t>
+            </a:r>
+            <a:r>
               <a:rPr lang="pl-PL" dirty="0" smtClean="0"/>
-              <a:t>Update…</a:t>
+              <a:t> </a:t>
+            </a:r>
+            <a:r>
+              <a:rPr lang="pl-PL" dirty="0" err="1" smtClean="0"/>
+              <a:t>Factory</a:t>
             </a:r>
             <a:endParaRPr lang="pl-PL" dirty="0"/>
           </a:p>
@@ -7790,14 +7146,14 @@
       </p:sp>
       <p:sp>
         <p:nvSpPr>
-          <p:cNvPr id="4" name="Prostokąt 3"/>
+          <p:cNvPr id="6" name="Prostokąt 5"/>
           <p:cNvSpPr/>
           <p:nvPr/>
         </p:nvSpPr>
         <p:spPr>
           <a:xfrm>
-            <a:off x="539552" y="2228671"/>
-            <a:ext cx="7776864" cy="2585323"/>
+            <a:off x="269412" y="1988840"/>
+            <a:ext cx="8496944" cy="3754874"/>
           </a:xfrm>
           <a:prstGeom prst="rect">
             <a:avLst/>
@@ -7810,168 +7166,501 @@
           <a:lstStyle/>
           <a:p>
             <a:r>
-              <a:rPr lang="pl-PL" dirty="0" err="1">
-                <a:latin typeface="Lucida Console" pitchFamily="49" charset="0"/>
-              </a:rPr>
-              <a:t>Customer</a:t>
-            </a:r>
-            <a:r>
-              <a:rPr lang="pl-PL" dirty="0">
-                <a:latin typeface="Lucida Console" pitchFamily="49" charset="0"/>
-              </a:rPr>
-              <a:t> c = </a:t>
-            </a:r>
-            <a:r>
-              <a:rPr lang="pl-PL" dirty="0" err="1">
-                <a:latin typeface="Lucida Console" pitchFamily="49" charset="0"/>
-              </a:rPr>
-              <a:t>new</a:t>
-            </a:r>
-            <a:r>
-              <a:rPr lang="pl-PL" dirty="0">
+              <a:rPr lang="pl-PL" sz="1400" dirty="0" err="1">
+                <a:latin typeface="Lucida Console" pitchFamily="49" charset="0"/>
+              </a:rPr>
+              <a:t>private</a:t>
+            </a:r>
+            <a:r>
+              <a:rPr lang="pl-PL" sz="1400" dirty="0">
                 <a:latin typeface="Lucida Console" pitchFamily="49" charset="0"/>
               </a:rPr>
               <a:t> </a:t>
             </a:r>
             <a:r>
-              <a:rPr lang="pl-PL" dirty="0" err="1">
-                <a:latin typeface="Lucida Console" pitchFamily="49" charset="0"/>
-              </a:rPr>
-              <a:t>Customer</a:t>
-            </a:r>
-            <a:r>
-              <a:rPr lang="pl-PL" dirty="0">
-                <a:latin typeface="Lucida Console" pitchFamily="49" charset="0"/>
-              </a:rPr>
-              <a:t>();</a:t>
-            </a:r>
-          </a:p>
-          <a:p>
-            <a:r>
-              <a:rPr lang="pl-PL" dirty="0" err="1">
-                <a:latin typeface="Lucida Console" pitchFamily="49" charset="0"/>
-              </a:rPr>
-              <a:t>c.customerID</a:t>
-            </a:r>
-            <a:r>
-              <a:rPr lang="pl-PL" dirty="0">
-                <a:latin typeface="Lucida Console" pitchFamily="49" charset="0"/>
-              </a:rPr>
-              <a:t> = "AXAMI";</a:t>
-            </a:r>
-          </a:p>
-          <a:p>
-            <a:r>
-              <a:rPr lang="pl-PL" dirty="0" err="1">
-                <a:latin typeface="Lucida Console" pitchFamily="49" charset="0"/>
-              </a:rPr>
-              <a:t>c.companyName</a:t>
-            </a:r>
-            <a:r>
-              <a:rPr lang="pl-PL" dirty="0">
-                <a:latin typeface="Lucida Console" pitchFamily="49" charset="0"/>
-              </a:rPr>
-              <a:t> = "</a:t>
-            </a:r>
-            <a:r>
-              <a:rPr lang="pl-PL" dirty="0" err="1">
-                <a:latin typeface="Lucida Console" pitchFamily="49" charset="0"/>
-              </a:rPr>
-              <a:t>Axamit</a:t>
-            </a:r>
-            <a:r>
-              <a:rPr lang="pl-PL" dirty="0">
-                <a:latin typeface="Lucida Console" pitchFamily="49" charset="0"/>
-              </a:rPr>
-              <a:t> &amp; Sons";</a:t>
-            </a:r>
-          </a:p>
-          <a:p>
-            <a:r>
-              <a:rPr lang="pl-PL" dirty="0" err="1">
-                <a:latin typeface="Lucida Console" pitchFamily="49" charset="0"/>
-              </a:rPr>
-              <a:t>session.update</a:t>
-            </a:r>
-            <a:r>
-              <a:rPr lang="pl-PL" dirty="0">
-                <a:latin typeface="Lucida Console" pitchFamily="49" charset="0"/>
-              </a:rPr>
-              <a:t>(c</a:t>
-            </a:r>
-            <a:r>
-              <a:rPr lang="pl-PL" dirty="0" smtClean="0">
-                <a:latin typeface="Lucida Console" pitchFamily="49" charset="0"/>
-              </a:rPr>
-              <a:t>);</a:t>
-            </a:r>
-          </a:p>
-          <a:p>
-            <a:endParaRPr lang="pl-PL" dirty="0" smtClean="0">
+              <a:rPr lang="pl-PL" sz="1400" dirty="0" err="1">
+                <a:latin typeface="Lucida Console" pitchFamily="49" charset="0"/>
+              </a:rPr>
+              <a:t>static</a:t>
+            </a:r>
+            <a:r>
+              <a:rPr lang="pl-PL" sz="1400" dirty="0">
+                <a:latin typeface="Lucida Console" pitchFamily="49" charset="0"/>
+              </a:rPr>
+              <a:t> </a:t>
+            </a:r>
+            <a:r>
+              <a:rPr lang="pl-PL" sz="1400" dirty="0" err="1">
+                <a:latin typeface="Lucida Console" pitchFamily="49" charset="0"/>
+              </a:rPr>
+              <a:t>SessionFactory</a:t>
+            </a:r>
+            <a:r>
+              <a:rPr lang="pl-PL" sz="1400" dirty="0">
+                <a:latin typeface="Lucida Console" pitchFamily="49" charset="0"/>
+              </a:rPr>
+              <a:t> </a:t>
+            </a:r>
+            <a:r>
+              <a:rPr lang="pl-PL" sz="1400" dirty="0" err="1">
+                <a:latin typeface="Lucida Console" pitchFamily="49" charset="0"/>
+              </a:rPr>
+              <a:t>sessionFactory</a:t>
+            </a:r>
+            <a:r>
+              <a:rPr lang="pl-PL" sz="1400" dirty="0">
+                <a:latin typeface="Lucida Console" pitchFamily="49" charset="0"/>
+              </a:rPr>
+              <a:t>;</a:t>
+            </a:r>
+          </a:p>
+          <a:p>
+            <a:r>
+              <a:rPr lang="pl-PL" sz="1400" dirty="0" err="1">
+                <a:latin typeface="Lucida Console" pitchFamily="49" charset="0"/>
+              </a:rPr>
+              <a:t>private</a:t>
+            </a:r>
+            <a:r>
+              <a:rPr lang="pl-PL" sz="1400" dirty="0">
+                <a:latin typeface="Lucida Console" pitchFamily="49" charset="0"/>
+              </a:rPr>
+              <a:t> </a:t>
+            </a:r>
+            <a:r>
+              <a:rPr lang="pl-PL" sz="1400" dirty="0" err="1">
+                <a:latin typeface="Lucida Console" pitchFamily="49" charset="0"/>
+              </a:rPr>
+              <a:t>static</a:t>
+            </a:r>
+            <a:r>
+              <a:rPr lang="pl-PL" sz="1400" dirty="0">
+                <a:latin typeface="Lucida Console" pitchFamily="49" charset="0"/>
+              </a:rPr>
+              <a:t> </a:t>
+            </a:r>
+            <a:r>
+              <a:rPr lang="pl-PL" sz="1400" dirty="0" err="1">
+                <a:latin typeface="Lucida Console" pitchFamily="49" charset="0"/>
+              </a:rPr>
+              <a:t>ServiceRegistry</a:t>
+            </a:r>
+            <a:r>
+              <a:rPr lang="pl-PL" sz="1400" dirty="0">
+                <a:latin typeface="Lucida Console" pitchFamily="49" charset="0"/>
+              </a:rPr>
+              <a:t> </a:t>
+            </a:r>
+            <a:r>
+              <a:rPr lang="pl-PL" sz="1400" dirty="0" err="1">
+                <a:latin typeface="Lucida Console" pitchFamily="49" charset="0"/>
+              </a:rPr>
+              <a:t>serviceRegistry</a:t>
+            </a:r>
+            <a:r>
+              <a:rPr lang="pl-PL" sz="1400" dirty="0">
+                <a:latin typeface="Lucida Console" pitchFamily="49" charset="0"/>
+              </a:rPr>
+              <a:t>;</a:t>
+            </a:r>
+          </a:p>
+          <a:p>
+            <a:endParaRPr lang="pl-PL" sz="1400" dirty="0">
               <a:latin typeface="Lucida Console" pitchFamily="49" charset="0"/>
             </a:endParaRPr>
           </a:p>
           <a:p>
-            <a:endParaRPr lang="pl-PL" dirty="0"/>
-          </a:p>
-          <a:p>
-            <a:r>
-              <a:rPr lang="en-US" dirty="0">
-                <a:latin typeface="Lucida Console" pitchFamily="49" charset="0"/>
-              </a:rPr>
-              <a:t>Employee e = new Employee("</a:t>
-            </a:r>
-            <a:r>
-              <a:rPr lang="en-US" dirty="0" err="1">
-                <a:latin typeface="Lucida Console" pitchFamily="49" charset="0"/>
-              </a:rPr>
-              <a:t>Salamon</a:t>
-            </a:r>
-            <a:r>
-              <a:rPr lang="en-US" dirty="0">
-                <a:latin typeface="Lucida Console" pitchFamily="49" charset="0"/>
-              </a:rPr>
-              <a:t>", "</a:t>
-            </a:r>
-            <a:r>
-              <a:rPr lang="en-US" dirty="0" err="1">
-                <a:latin typeface="Lucida Console" pitchFamily="49" charset="0"/>
-              </a:rPr>
-              <a:t>Ala</a:t>
-            </a:r>
-            <a:r>
-              <a:rPr lang="en-US" dirty="0">
-                <a:latin typeface="Lucida Console" pitchFamily="49" charset="0"/>
-              </a:rPr>
-              <a:t>", "Krakow");</a:t>
-            </a:r>
-          </a:p>
-          <a:p>
-            <a:r>
-              <a:rPr lang="pl-PL" dirty="0" err="1">
-                <a:latin typeface="Lucida Console" pitchFamily="49" charset="0"/>
-              </a:rPr>
-              <a:t>e.EmployeeID</a:t>
-            </a:r>
-            <a:r>
-              <a:rPr lang="pl-PL" dirty="0">
-                <a:latin typeface="Lucida Console" pitchFamily="49" charset="0"/>
-              </a:rPr>
-              <a:t>=10;</a:t>
-            </a:r>
-          </a:p>
-          <a:p>
-            <a:r>
-              <a:rPr lang="pl-PL" dirty="0" err="1">
-                <a:latin typeface="Lucida Console" pitchFamily="49" charset="0"/>
-              </a:rPr>
-              <a:t>session.update</a:t>
-            </a:r>
-            <a:r>
-              <a:rPr lang="pl-PL" dirty="0">
-                <a:latin typeface="Lucida Console" pitchFamily="49" charset="0"/>
-              </a:rPr>
-              <a:t>(e);</a:t>
+            <a:r>
+              <a:rPr lang="pl-PL" sz="1400" dirty="0" err="1">
+                <a:latin typeface="Lucida Console" pitchFamily="49" charset="0"/>
+              </a:rPr>
+              <a:t>private</a:t>
+            </a:r>
+            <a:r>
+              <a:rPr lang="pl-PL" sz="1400" dirty="0">
+                <a:latin typeface="Lucida Console" pitchFamily="49" charset="0"/>
+              </a:rPr>
+              <a:t> </a:t>
+            </a:r>
+            <a:r>
+              <a:rPr lang="pl-PL" sz="1400" dirty="0" err="1">
+                <a:latin typeface="Lucida Console" pitchFamily="49" charset="0"/>
+              </a:rPr>
+              <a:t>static</a:t>
+            </a:r>
+            <a:r>
+              <a:rPr lang="pl-PL" sz="1400" dirty="0">
+                <a:latin typeface="Lucida Console" pitchFamily="49" charset="0"/>
+              </a:rPr>
+              <a:t> </a:t>
+            </a:r>
+            <a:r>
+              <a:rPr lang="pl-PL" sz="1400" dirty="0" err="1">
+                <a:latin typeface="Lucida Console" pitchFamily="49" charset="0"/>
+              </a:rPr>
+              <a:t>SessionFactory</a:t>
+            </a:r>
+            <a:r>
+              <a:rPr lang="pl-PL" sz="1400" dirty="0">
+                <a:latin typeface="Lucida Console" pitchFamily="49" charset="0"/>
+              </a:rPr>
+              <a:t> </a:t>
+            </a:r>
+            <a:r>
+              <a:rPr lang="pl-PL" sz="1400" dirty="0" err="1">
+                <a:latin typeface="Lucida Console" pitchFamily="49" charset="0"/>
+              </a:rPr>
+              <a:t>buildSessionFactory</a:t>
+            </a:r>
+            <a:r>
+              <a:rPr lang="pl-PL" sz="1400" dirty="0">
+                <a:latin typeface="Lucida Console" pitchFamily="49" charset="0"/>
+              </a:rPr>
+              <a:t>() {</a:t>
+            </a:r>
+          </a:p>
+          <a:p>
+            <a:pPr lvl="1"/>
+            <a:r>
+              <a:rPr lang="pl-PL" sz="1400" dirty="0" err="1">
+                <a:latin typeface="Lucida Console" pitchFamily="49" charset="0"/>
+              </a:rPr>
+              <a:t>try</a:t>
+            </a:r>
+            <a:r>
+              <a:rPr lang="pl-PL" sz="1400" dirty="0">
+                <a:latin typeface="Lucida Console" pitchFamily="49" charset="0"/>
+              </a:rPr>
+              <a:t> {</a:t>
+            </a:r>
+          </a:p>
+          <a:p>
+            <a:pPr lvl="2"/>
+            <a:r>
+              <a:rPr lang="en-US" sz="1400" dirty="0">
+                <a:latin typeface="Lucida Console" pitchFamily="49" charset="0"/>
+              </a:rPr>
+              <a:t>// Create the </a:t>
+            </a:r>
+            <a:r>
+              <a:rPr lang="en-US" sz="1400" dirty="0" err="1">
+                <a:latin typeface="Lucida Console" pitchFamily="49" charset="0"/>
+              </a:rPr>
+              <a:t>SessionFactory</a:t>
+            </a:r>
+            <a:r>
+              <a:rPr lang="en-US" sz="1400" dirty="0">
+                <a:latin typeface="Lucida Console" pitchFamily="49" charset="0"/>
+              </a:rPr>
+              <a:t> from hibernate.cfg.xml</a:t>
+            </a:r>
+          </a:p>
+          <a:p>
+            <a:pPr lvl="2"/>
+            <a:r>
+              <a:rPr lang="pl-PL" sz="1400" dirty="0" err="1">
+                <a:latin typeface="Lucida Console" pitchFamily="49" charset="0"/>
+              </a:rPr>
+              <a:t>Configuration</a:t>
+            </a:r>
+            <a:r>
+              <a:rPr lang="pl-PL" sz="1400" dirty="0">
+                <a:latin typeface="Lucida Console" pitchFamily="49" charset="0"/>
+              </a:rPr>
+              <a:t> </a:t>
+            </a:r>
+            <a:r>
+              <a:rPr lang="pl-PL" sz="1400" dirty="0" err="1">
+                <a:latin typeface="Lucida Console" pitchFamily="49" charset="0"/>
+              </a:rPr>
+              <a:t>configuration</a:t>
+            </a:r>
+            <a:r>
+              <a:rPr lang="pl-PL" sz="1400" dirty="0">
+                <a:latin typeface="Lucida Console" pitchFamily="49" charset="0"/>
+              </a:rPr>
+              <a:t> = </a:t>
+            </a:r>
+            <a:r>
+              <a:rPr lang="pl-PL" sz="1400" dirty="0" err="1">
+                <a:latin typeface="Lucida Console" pitchFamily="49" charset="0"/>
+              </a:rPr>
+              <a:t>new</a:t>
+            </a:r>
+            <a:r>
+              <a:rPr lang="pl-PL" sz="1400" dirty="0">
+                <a:latin typeface="Lucida Console" pitchFamily="49" charset="0"/>
+              </a:rPr>
+              <a:t> </a:t>
+            </a:r>
+            <a:r>
+              <a:rPr lang="pl-PL" sz="1400" dirty="0" err="1">
+                <a:latin typeface="Lucida Console" pitchFamily="49" charset="0"/>
+              </a:rPr>
+              <a:t>Configuration</a:t>
+            </a:r>
+            <a:r>
+              <a:rPr lang="pl-PL" sz="1400" dirty="0">
+                <a:latin typeface="Lucida Console" pitchFamily="49" charset="0"/>
+              </a:rPr>
+              <a:t>().</a:t>
+            </a:r>
+            <a:r>
+              <a:rPr lang="pl-PL" sz="1400" dirty="0" err="1">
+                <a:latin typeface="Lucida Console" pitchFamily="49" charset="0"/>
+              </a:rPr>
+              <a:t>configure</a:t>
+            </a:r>
+            <a:r>
+              <a:rPr lang="pl-PL" sz="1400" dirty="0">
+                <a:latin typeface="Lucida Console" pitchFamily="49" charset="0"/>
+              </a:rPr>
+              <a:t>();</a:t>
+            </a:r>
+          </a:p>
+          <a:p>
+            <a:pPr lvl="1"/>
+            <a:endParaRPr lang="pl-PL" sz="1400" dirty="0">
+              <a:latin typeface="Lucida Console" pitchFamily="49" charset="0"/>
+            </a:endParaRPr>
+          </a:p>
+          <a:p>
+            <a:pPr lvl="2"/>
+            <a:r>
+              <a:rPr lang="pl-PL" sz="1400" dirty="0" err="1">
+                <a:latin typeface="Lucida Console" pitchFamily="49" charset="0"/>
+              </a:rPr>
+              <a:t>serviceRegistry</a:t>
+            </a:r>
+            <a:r>
+              <a:rPr lang="pl-PL" sz="1400" dirty="0">
+                <a:latin typeface="Lucida Console" pitchFamily="49" charset="0"/>
+              </a:rPr>
+              <a:t> = </a:t>
+            </a:r>
+            <a:r>
+              <a:rPr lang="pl-PL" sz="1400" dirty="0" err="1">
+                <a:latin typeface="Lucida Console" pitchFamily="49" charset="0"/>
+              </a:rPr>
+              <a:t>new</a:t>
+            </a:r>
+            <a:r>
+              <a:rPr lang="pl-PL" sz="1400" dirty="0">
+                <a:latin typeface="Lucida Console" pitchFamily="49" charset="0"/>
+              </a:rPr>
+              <a:t> </a:t>
+            </a:r>
+            <a:r>
+              <a:rPr lang="pl-PL" sz="1400" dirty="0" err="1">
+                <a:latin typeface="Lucida Console" pitchFamily="49" charset="0"/>
+              </a:rPr>
+              <a:t>ServiceRegistryBuilder</a:t>
+            </a:r>
+            <a:r>
+              <a:rPr lang="pl-PL" sz="1400" dirty="0">
+                <a:latin typeface="Lucida Console" pitchFamily="49" charset="0"/>
+              </a:rPr>
+              <a:t>().</a:t>
+            </a:r>
+            <a:r>
+              <a:rPr lang="pl-PL" sz="1400" dirty="0" err="1">
+                <a:latin typeface="Lucida Console" pitchFamily="49" charset="0"/>
+              </a:rPr>
+              <a:t>applySettings</a:t>
+            </a:r>
+            <a:r>
+              <a:rPr lang="pl-PL" sz="1400" dirty="0">
+                <a:latin typeface="Lucida Console" pitchFamily="49" charset="0"/>
+              </a:rPr>
+              <a:t>(</a:t>
+            </a:r>
+          </a:p>
+          <a:p>
+            <a:pPr lvl="2"/>
+            <a:r>
+              <a:rPr lang="pl-PL" sz="1400" dirty="0" err="1">
+                <a:latin typeface="Lucida Console" pitchFamily="49" charset="0"/>
+              </a:rPr>
+              <a:t>configuration.getProperties</a:t>
+            </a:r>
+            <a:r>
+              <a:rPr lang="pl-PL" sz="1400" dirty="0">
+                <a:latin typeface="Lucida Console" pitchFamily="49" charset="0"/>
+              </a:rPr>
+              <a:t>()).</a:t>
+            </a:r>
+            <a:r>
+              <a:rPr lang="pl-PL" sz="1400" dirty="0" err="1">
+                <a:latin typeface="Lucida Console" pitchFamily="49" charset="0"/>
+              </a:rPr>
+              <a:t>buildServiceRegistry</a:t>
+            </a:r>
+            <a:r>
+              <a:rPr lang="pl-PL" sz="1400" dirty="0">
+                <a:latin typeface="Lucida Console" pitchFamily="49" charset="0"/>
+              </a:rPr>
+              <a:t>();</a:t>
+            </a:r>
+          </a:p>
+          <a:p>
+            <a:pPr lvl="2"/>
+            <a:r>
+              <a:rPr lang="pl-PL" sz="1400" dirty="0" err="1">
+                <a:latin typeface="Lucida Console" pitchFamily="49" charset="0"/>
+              </a:rPr>
+              <a:t>sessionFactory</a:t>
+            </a:r>
+            <a:r>
+              <a:rPr lang="pl-PL" sz="1400" dirty="0">
+                <a:latin typeface="Lucida Console" pitchFamily="49" charset="0"/>
+              </a:rPr>
+              <a:t> = </a:t>
+            </a:r>
+            <a:r>
+              <a:rPr lang="pl-PL" sz="1400" dirty="0" err="1">
+                <a:latin typeface="Lucida Console" pitchFamily="49" charset="0"/>
+              </a:rPr>
+              <a:t>configuration.buildSessionFactory</a:t>
+            </a:r>
+            <a:r>
+              <a:rPr lang="pl-PL" sz="1400" dirty="0">
+                <a:latin typeface="Lucida Console" pitchFamily="49" charset="0"/>
+              </a:rPr>
+              <a:t>(</a:t>
+            </a:r>
+            <a:r>
+              <a:rPr lang="pl-PL" sz="1400" dirty="0" err="1">
+                <a:latin typeface="Lucida Console" pitchFamily="49" charset="0"/>
+              </a:rPr>
+              <a:t>serviceRegistry</a:t>
+            </a:r>
+            <a:r>
+              <a:rPr lang="pl-PL" sz="1400" dirty="0">
+                <a:latin typeface="Lucida Console" pitchFamily="49" charset="0"/>
+              </a:rPr>
+              <a:t>);</a:t>
+            </a:r>
+          </a:p>
+          <a:p>
+            <a:pPr lvl="2"/>
+            <a:endParaRPr lang="pl-PL" sz="1400" dirty="0">
+              <a:latin typeface="Lucida Console" pitchFamily="49" charset="0"/>
+            </a:endParaRPr>
+          </a:p>
+          <a:p>
+            <a:pPr lvl="2"/>
+            <a:r>
+              <a:rPr lang="pl-PL" sz="1400" dirty="0">
+                <a:latin typeface="Lucida Console" pitchFamily="49" charset="0"/>
+              </a:rPr>
+              <a:t>return </a:t>
+            </a:r>
+            <a:r>
+              <a:rPr lang="pl-PL" sz="1400" dirty="0" err="1">
+                <a:latin typeface="Lucida Console" pitchFamily="49" charset="0"/>
+              </a:rPr>
+              <a:t>sessionFactory</a:t>
+            </a:r>
+            <a:r>
+              <a:rPr lang="pl-PL" sz="1400" dirty="0">
+                <a:latin typeface="Lucida Console" pitchFamily="49" charset="0"/>
+              </a:rPr>
+              <a:t>;</a:t>
+            </a:r>
+          </a:p>
+          <a:p>
+            <a:pPr lvl="1"/>
+            <a:r>
+              <a:rPr lang="pl-PL" sz="1400" dirty="0">
+                <a:latin typeface="Lucida Console" pitchFamily="49" charset="0"/>
+              </a:rPr>
+              <a:t>} </a:t>
+            </a:r>
+            <a:r>
+              <a:rPr lang="pl-PL" sz="1400" dirty="0" err="1">
+                <a:latin typeface="Lucida Console" pitchFamily="49" charset="0"/>
+              </a:rPr>
+              <a:t>catch</a:t>
+            </a:r>
+            <a:r>
+              <a:rPr lang="pl-PL" sz="1400" dirty="0">
+                <a:latin typeface="Lucida Console" pitchFamily="49" charset="0"/>
+              </a:rPr>
+              <a:t> (</a:t>
+            </a:r>
+            <a:r>
+              <a:rPr lang="pl-PL" sz="1400" dirty="0" err="1">
+                <a:latin typeface="Lucida Console" pitchFamily="49" charset="0"/>
+              </a:rPr>
+              <a:t>HibernateException</a:t>
+            </a:r>
+            <a:r>
+              <a:rPr lang="pl-PL" sz="1400" dirty="0">
+                <a:latin typeface="Lucida Console" pitchFamily="49" charset="0"/>
+              </a:rPr>
+              <a:t> he) {</a:t>
+            </a:r>
+          </a:p>
+          <a:p>
+            <a:pPr lvl="1"/>
+            <a:r>
+              <a:rPr lang="pl-PL" sz="1400" dirty="0" smtClean="0">
+                <a:latin typeface="Lucida Console" pitchFamily="49" charset="0"/>
+              </a:rPr>
+              <a:t>	</a:t>
+            </a:r>
+            <a:r>
+              <a:rPr lang="pl-PL" sz="1400" dirty="0" err="1" smtClean="0">
+                <a:latin typeface="Lucida Console" pitchFamily="49" charset="0"/>
+              </a:rPr>
+              <a:t>throw</a:t>
+            </a:r>
+            <a:r>
+              <a:rPr lang="pl-PL" sz="1400" dirty="0" smtClean="0">
+                <a:latin typeface="Lucida Console" pitchFamily="49" charset="0"/>
+              </a:rPr>
+              <a:t> </a:t>
+            </a:r>
+            <a:r>
+              <a:rPr lang="pl-PL" sz="1400" dirty="0" err="1">
+                <a:latin typeface="Lucida Console" pitchFamily="49" charset="0"/>
+              </a:rPr>
+              <a:t>new</a:t>
+            </a:r>
+            <a:r>
+              <a:rPr lang="pl-PL" sz="1400" dirty="0">
+                <a:latin typeface="Lucida Console" pitchFamily="49" charset="0"/>
+              </a:rPr>
+              <a:t> </a:t>
+            </a:r>
+            <a:r>
+              <a:rPr lang="pl-PL" sz="1400" dirty="0" err="1">
+                <a:latin typeface="Lucida Console" pitchFamily="49" charset="0"/>
+              </a:rPr>
+              <a:t>ExceptionInInitializerError</a:t>
+            </a:r>
+            <a:r>
+              <a:rPr lang="pl-PL" sz="1400" dirty="0">
+                <a:latin typeface="Lucida Console" pitchFamily="49" charset="0"/>
+              </a:rPr>
+              <a:t>(he);</a:t>
+            </a:r>
+          </a:p>
+          <a:p>
+            <a:pPr lvl="1"/>
+            <a:r>
+              <a:rPr lang="pl-PL" sz="1400" dirty="0">
+                <a:latin typeface="Lucida Console" pitchFamily="49" charset="0"/>
+              </a:rPr>
+              <a:t>}</a:t>
+            </a:r>
+          </a:p>
+          <a:p>
+            <a:r>
+              <a:rPr lang="pl-PL" sz="1400" dirty="0">
+                <a:latin typeface="Lucida Console" pitchFamily="49" charset="0"/>
+              </a:rPr>
+              <a:t>}</a:t>
             </a:r>
           </a:p>
         </p:txBody>
@@ -7979,7 +7668,7 @@
     </p:spTree>
     <p:extLst>
       <p:ext uri="{BB962C8B-B14F-4D97-AF65-F5344CB8AC3E}">
-        <p14:creationId xmlns:p14="http://schemas.microsoft.com/office/powerpoint/2010/main" val="1526151245"/>
+        <p14:creationId xmlns:p14="http://schemas.microsoft.com/office/powerpoint/2010/main" val="1412715275"/>
       </p:ext>
     </p:extLst>
   </p:cSld>
@@ -8022,12 +7711,8 @@
           <a:lstStyle/>
           <a:p>
             <a:r>
-              <a:rPr lang="pl-PL" dirty="0" err="1" smtClean="0"/>
-              <a:t>Delete</a:t>
-            </a:r>
-            <a:r>
               <a:rPr lang="pl-PL" dirty="0" smtClean="0"/>
-              <a:t>…</a:t>
+              <a:t>Transakcje</a:t>
             </a:r>
             <a:endParaRPr lang="pl-PL" dirty="0"/>
           </a:p>
@@ -8035,14 +7720,14 @@
       </p:sp>
       <p:sp>
         <p:nvSpPr>
-          <p:cNvPr id="5" name="Prostokąt 4"/>
+          <p:cNvPr id="4" name="Prostokąt 3"/>
           <p:cNvSpPr/>
           <p:nvPr/>
         </p:nvSpPr>
         <p:spPr>
           <a:xfrm>
-            <a:off x="827584" y="1859340"/>
-            <a:ext cx="6030416" cy="3139321"/>
+            <a:off x="899592" y="1412776"/>
+            <a:ext cx="7416824" cy="5078313"/>
           </a:xfrm>
           <a:prstGeom prst="rect">
             <a:avLst/>
@@ -8055,36 +7740,40 @@
           <a:lstStyle/>
           <a:p>
             <a:r>
+              <a:rPr lang="pl-PL" dirty="0" err="1">
+                <a:latin typeface="Lucida Console" pitchFamily="49" charset="0"/>
+              </a:rPr>
+              <a:t>Transaction</a:t>
+            </a:r>
+            <a:r>
               <a:rPr lang="pl-PL" dirty="0">
                 <a:latin typeface="Lucida Console" pitchFamily="49" charset="0"/>
               </a:rPr>
-              <a:t>Order o = </a:t>
+              <a:t> </a:t>
             </a:r>
             <a:r>
               <a:rPr lang="pl-PL" dirty="0" err="1">
                 <a:latin typeface="Lucida Console" pitchFamily="49" charset="0"/>
               </a:rPr>
-              <a:t>new</a:t>
+              <a:t>trns</a:t>
             </a:r>
             <a:r>
               <a:rPr lang="pl-PL" dirty="0">
                 <a:latin typeface="Lucida Console" pitchFamily="49" charset="0"/>
               </a:rPr>
-              <a:t> Order();</a:t>
-            </a:r>
-          </a:p>
-          <a:p>
+              <a:t> = </a:t>
+            </a:r>
             <a:r>
               <a:rPr lang="pl-PL" dirty="0" err="1">
                 <a:latin typeface="Lucida Console" pitchFamily="49" charset="0"/>
               </a:rPr>
-              <a:t>o.setOrderID</a:t>
+              <a:t>null</a:t>
             </a:r>
             <a:r>
               <a:rPr lang="pl-PL" dirty="0">
                 <a:latin typeface="Lucida Console" pitchFamily="49" charset="0"/>
               </a:rPr>
-              <a:t>(11078);</a:t>
+              <a:t>;</a:t>
             </a:r>
           </a:p>
           <a:p>
@@ -8092,78 +7781,161 @@
               <a:rPr lang="pl-PL" dirty="0" err="1">
                 <a:latin typeface="Lucida Console" pitchFamily="49" charset="0"/>
               </a:rPr>
-              <a:t>session.delete</a:t>
+              <a:t>Session</a:t>
             </a:r>
             <a:r>
               <a:rPr lang="pl-PL" dirty="0">
                 <a:latin typeface="Lucida Console" pitchFamily="49" charset="0"/>
               </a:rPr>
-              <a:t>(o);</a:t>
-            </a:r>
-          </a:p>
-          <a:p>
+              <a:t> </a:t>
+            </a:r>
+            <a:r>
+              <a:rPr lang="pl-PL" dirty="0" err="1">
+                <a:latin typeface="Lucida Console" pitchFamily="49" charset="0"/>
+              </a:rPr>
+              <a:t>session</a:t>
+            </a:r>
+            <a:r>
+              <a:rPr lang="pl-PL" dirty="0">
+                <a:latin typeface="Lucida Console" pitchFamily="49" charset="0"/>
+              </a:rPr>
+              <a:t> = </a:t>
+            </a:r>
+            <a:r>
+              <a:rPr lang="pl-PL" dirty="0" err="1">
+                <a:latin typeface="Lucida Console" pitchFamily="49" charset="0"/>
+              </a:rPr>
+              <a:t>HibernateUtil.</a:t>
+            </a:r>
+            <a:r>
+              <a:rPr lang="pl-PL" i="1" dirty="0" err="1">
+                <a:latin typeface="Lucida Console" pitchFamily="49" charset="0"/>
+              </a:rPr>
+              <a:t>getSessionFactory</a:t>
+            </a:r>
+            <a:r>
+              <a:rPr lang="pl-PL" i="1" dirty="0">
+                <a:latin typeface="Lucida Console" pitchFamily="49" charset="0"/>
+              </a:rPr>
+              <a:t>().</a:t>
+            </a:r>
+            <a:r>
+              <a:rPr lang="pl-PL" i="1" dirty="0" err="1">
+                <a:latin typeface="Lucida Console" pitchFamily="49" charset="0"/>
+              </a:rPr>
+              <a:t>openSession</a:t>
+            </a:r>
+            <a:r>
+              <a:rPr lang="pl-PL" i="1" dirty="0" smtClean="0">
+                <a:latin typeface="Lucida Console" pitchFamily="49" charset="0"/>
+              </a:rPr>
+              <a:t>();</a:t>
+            </a:r>
+          </a:p>
+          <a:p>
+            <a:endParaRPr lang="pl-PL" i="1" dirty="0">
+              <a:latin typeface="Lucida Console" pitchFamily="49" charset="0"/>
+            </a:endParaRPr>
+          </a:p>
+          <a:p>
+            <a:r>
+              <a:rPr lang="pl-PL" dirty="0" err="1">
+                <a:latin typeface="Lucida Console" pitchFamily="49" charset="0"/>
+              </a:rPr>
+              <a:t>try</a:t>
+            </a:r>
+            <a:r>
+              <a:rPr lang="pl-PL" dirty="0">
+                <a:latin typeface="Lucida Console" pitchFamily="49" charset="0"/>
+              </a:rPr>
+              <a:t> {</a:t>
+            </a:r>
+          </a:p>
+          <a:p>
+            <a:r>
+              <a:rPr lang="pl-PL" dirty="0" smtClean="0">
+                <a:latin typeface="Lucida Console" pitchFamily="49" charset="0"/>
+              </a:rPr>
+              <a:t>	</a:t>
+            </a:r>
+            <a:r>
+              <a:rPr lang="pl-PL" dirty="0" err="1" smtClean="0">
+                <a:latin typeface="Lucida Console" pitchFamily="49" charset="0"/>
+              </a:rPr>
+              <a:t>trns</a:t>
+            </a:r>
+            <a:r>
+              <a:rPr lang="pl-PL" dirty="0" smtClean="0">
+                <a:latin typeface="Lucida Console" pitchFamily="49" charset="0"/>
+              </a:rPr>
+              <a:t> </a:t>
+            </a:r>
+            <a:r>
+              <a:rPr lang="pl-PL" dirty="0">
+                <a:latin typeface="Lucida Console" pitchFamily="49" charset="0"/>
+              </a:rPr>
+              <a:t>= </a:t>
+            </a:r>
+            <a:r>
+              <a:rPr lang="pl-PL" dirty="0" err="1">
+                <a:latin typeface="Lucida Console" pitchFamily="49" charset="0"/>
+              </a:rPr>
+              <a:t>session.beginTransaction</a:t>
+            </a:r>
+            <a:r>
+              <a:rPr lang="pl-PL" dirty="0">
+                <a:latin typeface="Lucida Console" pitchFamily="49" charset="0"/>
+              </a:rPr>
+              <a:t>();</a:t>
+            </a:r>
+          </a:p>
+          <a:p>
+            <a:r>
+              <a:rPr lang="pl-PL" dirty="0">
+                <a:latin typeface="Lucida Console" pitchFamily="49" charset="0"/>
+              </a:rPr>
+              <a:t>	</a:t>
+            </a:r>
+            <a:r>
+              <a:rPr lang="pl-PL" dirty="0" smtClean="0">
+                <a:latin typeface="Lucida Console" pitchFamily="49" charset="0"/>
+              </a:rPr>
+              <a:t>//...</a:t>
+            </a:r>
             <a:endParaRPr lang="pl-PL" dirty="0">
               <a:latin typeface="Lucida Console" pitchFamily="49" charset="0"/>
             </a:endParaRPr>
           </a:p>
           <a:p>
             <a:r>
+              <a:rPr lang="pl-PL" dirty="0" smtClean="0">
+                <a:latin typeface="Lucida Console" pitchFamily="49" charset="0"/>
+              </a:rPr>
+              <a:t>	</a:t>
+            </a:r>
+            <a:r>
+              <a:rPr lang="pl-PL" dirty="0" err="1" smtClean="0">
+                <a:latin typeface="Lucida Console" pitchFamily="49" charset="0"/>
+              </a:rPr>
+              <a:t>session.getTransaction</a:t>
+            </a:r>
+            <a:r>
+              <a:rPr lang="pl-PL" dirty="0">
+                <a:latin typeface="Lucida Console" pitchFamily="49" charset="0"/>
+              </a:rPr>
+              <a:t>().</a:t>
+            </a:r>
+            <a:r>
               <a:rPr lang="pl-PL" dirty="0" err="1">
                 <a:latin typeface="Lucida Console" pitchFamily="49" charset="0"/>
               </a:rPr>
-              <a:t>Customer</a:t>
-            </a:r>
-            <a:r>
-              <a:rPr lang="pl-PL" dirty="0">
-                <a:latin typeface="Lucida Console" pitchFamily="49" charset="0"/>
-              </a:rPr>
-              <a:t> c1 = </a:t>
-            </a:r>
-            <a:r>
-              <a:rPr lang="pl-PL" dirty="0" err="1">
-                <a:latin typeface="Lucida Console" pitchFamily="49" charset="0"/>
-              </a:rPr>
-              <a:t>new</a:t>
-            </a:r>
-            <a:r>
-              <a:rPr lang="pl-PL" dirty="0">
-                <a:latin typeface="Lucida Console" pitchFamily="49" charset="0"/>
-              </a:rPr>
-              <a:t> </a:t>
-            </a:r>
-            <a:r>
-              <a:rPr lang="pl-PL" dirty="0" err="1">
-                <a:latin typeface="Lucida Console" pitchFamily="49" charset="0"/>
-              </a:rPr>
-              <a:t>Customer</a:t>
-            </a:r>
-            <a:r>
-              <a:rPr lang="pl-PL" dirty="0">
+              <a:t>commit</a:t>
+            </a:r>
+            <a:r>
+              <a:rPr lang="pl-PL" dirty="0" smtClean="0">
                 <a:latin typeface="Lucida Console" pitchFamily="49" charset="0"/>
               </a:rPr>
               <a:t>();</a:t>
-            </a:r>
-          </a:p>
-          <a:p>
-            <a:r>
-              <a:rPr lang="pl-PL" dirty="0">
-                <a:latin typeface="Lucida Console" pitchFamily="49" charset="0"/>
-              </a:rPr>
-              <a:t>c1.setCustomerID("AXAMI");</a:t>
-            </a:r>
-          </a:p>
-          <a:p>
-            <a:r>
-              <a:rPr lang="pl-PL" dirty="0" err="1">
-                <a:latin typeface="Lucida Console" pitchFamily="49" charset="0"/>
-              </a:rPr>
-              <a:t>session.delete</a:t>
-            </a:r>
-            <a:r>
-              <a:rPr lang="pl-PL" dirty="0">
-                <a:latin typeface="Lucida Console" pitchFamily="49" charset="0"/>
-              </a:rPr>
-              <a:t>(c1);</a:t>
             </a:r>
           </a:p>
           <a:p>
@@ -8173,79 +7945,212 @@
           </a:p>
           <a:p>
             <a:r>
+              <a:rPr lang="pl-PL" dirty="0">
+                <a:latin typeface="Lucida Console" pitchFamily="49" charset="0"/>
+              </a:rPr>
+              <a:t>} </a:t>
+            </a:r>
+            <a:r>
               <a:rPr lang="pl-PL" dirty="0" err="1">
                 <a:latin typeface="Lucida Console" pitchFamily="49" charset="0"/>
               </a:rPr>
-              <a:t>Employee</a:t>
+              <a:t>catch</a:t>
             </a:r>
             <a:r>
               <a:rPr lang="pl-PL" dirty="0">
                 <a:latin typeface="Lucida Console" pitchFamily="49" charset="0"/>
               </a:rPr>
-              <a:t> e = </a:t>
+              <a:t> (</a:t>
             </a:r>
             <a:r>
               <a:rPr lang="pl-PL" dirty="0" err="1">
                 <a:latin typeface="Lucida Console" pitchFamily="49" charset="0"/>
               </a:rPr>
-              <a:t>new</a:t>
+              <a:t>RuntimeException</a:t>
             </a:r>
             <a:r>
               <a:rPr lang="pl-PL" dirty="0">
                 <a:latin typeface="Lucida Console" pitchFamily="49" charset="0"/>
               </a:rPr>
+              <a:t> e) {</a:t>
+            </a:r>
+          </a:p>
+          <a:p>
+            <a:r>
+              <a:rPr lang="pl-PL" dirty="0" smtClean="0">
+                <a:latin typeface="Lucida Console" pitchFamily="49" charset="0"/>
+              </a:rPr>
+              <a:t>	</a:t>
+            </a:r>
+            <a:r>
+              <a:rPr lang="pl-PL" dirty="0" err="1" smtClean="0">
+                <a:latin typeface="Lucida Console" pitchFamily="49" charset="0"/>
+              </a:rPr>
+              <a:t>if</a:t>
+            </a:r>
+            <a:r>
+              <a:rPr lang="pl-PL" dirty="0" smtClean="0">
+                <a:latin typeface="Lucida Console" pitchFamily="49" charset="0"/>
+              </a:rPr>
               <a:t> </a:t>
             </a:r>
             <a:r>
+              <a:rPr lang="pl-PL" dirty="0">
+                <a:latin typeface="Lucida Console" pitchFamily="49" charset="0"/>
+              </a:rPr>
+              <a:t>(</a:t>
+            </a:r>
+            <a:r>
               <a:rPr lang="pl-PL" dirty="0" err="1">
                 <a:latin typeface="Lucida Console" pitchFamily="49" charset="0"/>
               </a:rPr>
-              <a:t>Employee</a:t>
+              <a:t>trns</a:t>
             </a:r>
             <a:r>
               <a:rPr lang="pl-PL" dirty="0">
                 <a:latin typeface="Lucida Console" pitchFamily="49" charset="0"/>
               </a:rPr>
+              <a:t> != </a:t>
+            </a:r>
+            <a:r>
+              <a:rPr lang="pl-PL" dirty="0" err="1">
+                <a:latin typeface="Lucida Console" pitchFamily="49" charset="0"/>
+              </a:rPr>
+              <a:t>null</a:t>
+            </a:r>
+            <a:r>
+              <a:rPr lang="pl-PL" dirty="0">
+                <a:latin typeface="Lucida Console" pitchFamily="49" charset="0"/>
+              </a:rPr>
+              <a:t>) </a:t>
+            </a:r>
+          </a:p>
+          <a:p>
+            <a:r>
+              <a:rPr lang="pl-PL" dirty="0" smtClean="0">
+                <a:latin typeface="Lucida Console" pitchFamily="49" charset="0"/>
+              </a:rPr>
+              <a:t>		</a:t>
+            </a:r>
+            <a:r>
+              <a:rPr lang="pl-PL" dirty="0" err="1" smtClean="0">
+                <a:latin typeface="Lucida Console" pitchFamily="49" charset="0"/>
+              </a:rPr>
+              <a:t>trns.rollback</a:t>
+            </a:r>
+            <a:r>
+              <a:rPr lang="pl-PL" dirty="0">
+                <a:latin typeface="Lucida Console" pitchFamily="49" charset="0"/>
+              </a:rPr>
               <a:t>();</a:t>
             </a:r>
           </a:p>
           <a:p>
-            <a:r>
-              <a:rPr lang="pl-PL" dirty="0" err="1">
-                <a:latin typeface="Lucida Console" pitchFamily="49" charset="0"/>
-              </a:rPr>
-              <a:t>e.EmployeeID</a:t>
-            </a:r>
-            <a:r>
-              <a:rPr lang="pl-PL" dirty="0">
-                <a:latin typeface="Lucida Console" pitchFamily="49" charset="0"/>
-              </a:rPr>
-              <a:t> = 10;</a:t>
-            </a:r>
-          </a:p>
-          <a:p>
-            <a:r>
-              <a:rPr lang="pl-PL" dirty="0" err="1">
-                <a:latin typeface="Lucida Console" pitchFamily="49" charset="0"/>
-              </a:rPr>
-              <a:t>session.delete</a:t>
-            </a:r>
-            <a:r>
-              <a:rPr lang="pl-PL" dirty="0">
-                <a:latin typeface="Lucida Console" pitchFamily="49" charset="0"/>
-              </a:rPr>
-              <a:t>(e);</a:t>
-            </a:r>
+            <a:pPr lvl="1"/>
+            <a:r>
+              <a:rPr lang="pl-PL" dirty="0" smtClean="0">
+                <a:latin typeface="Lucida Console" pitchFamily="49" charset="0"/>
+              </a:rPr>
+              <a:t>	</a:t>
+            </a:r>
+            <a:r>
+              <a:rPr lang="pl-PL" dirty="0" err="1" smtClean="0">
+                <a:latin typeface="Lucida Console" pitchFamily="49" charset="0"/>
+              </a:rPr>
+              <a:t>e.printStackTrace</a:t>
+            </a:r>
+            <a:r>
+              <a:rPr lang="pl-PL" dirty="0" smtClean="0">
+                <a:latin typeface="Lucida Console" pitchFamily="49" charset="0"/>
+              </a:rPr>
+              <a:t>();</a:t>
+            </a:r>
+          </a:p>
+          <a:p>
+            <a:pPr lvl="1"/>
             <a:endParaRPr lang="pl-PL" dirty="0">
               <a:latin typeface="Lucida Console" pitchFamily="49" charset="0"/>
             </a:endParaRPr>
           </a:p>
+          <a:p>
+            <a:r>
+              <a:rPr lang="pl-PL" dirty="0">
+                <a:latin typeface="Lucida Console" pitchFamily="49" charset="0"/>
+              </a:rPr>
+              <a:t>} </a:t>
+            </a:r>
+            <a:r>
+              <a:rPr lang="pl-PL" dirty="0" err="1">
+                <a:latin typeface="Lucida Console" pitchFamily="49" charset="0"/>
+              </a:rPr>
+              <a:t>finally</a:t>
+            </a:r>
+            <a:r>
+              <a:rPr lang="pl-PL" dirty="0">
+                <a:latin typeface="Lucida Console" pitchFamily="49" charset="0"/>
+              </a:rPr>
+              <a:t> {</a:t>
+            </a:r>
+          </a:p>
+          <a:p>
+            <a:pPr lvl="1"/>
+            <a:r>
+              <a:rPr lang="pl-PL" dirty="0" smtClean="0">
+                <a:latin typeface="Lucida Console" pitchFamily="49" charset="0"/>
+              </a:rPr>
+              <a:t>	</a:t>
+            </a:r>
+            <a:r>
+              <a:rPr lang="pl-PL" dirty="0" err="1" smtClean="0">
+                <a:latin typeface="Lucida Console" pitchFamily="49" charset="0"/>
+              </a:rPr>
+              <a:t>session.flush</a:t>
+            </a:r>
+            <a:r>
+              <a:rPr lang="pl-PL" dirty="0">
+                <a:latin typeface="Lucida Console" pitchFamily="49" charset="0"/>
+              </a:rPr>
+              <a:t>();</a:t>
+            </a:r>
+          </a:p>
+          <a:p>
+            <a:pPr lvl="1"/>
+            <a:r>
+              <a:rPr lang="pl-PL" dirty="0" smtClean="0">
+                <a:latin typeface="Lucida Console" pitchFamily="49" charset="0"/>
+              </a:rPr>
+              <a:t>	</a:t>
+            </a:r>
+            <a:r>
+              <a:rPr lang="pl-PL" dirty="0" err="1" smtClean="0">
+                <a:latin typeface="Lucida Console" pitchFamily="49" charset="0"/>
+              </a:rPr>
+              <a:t>session.close</a:t>
+            </a:r>
+            <a:r>
+              <a:rPr lang="pl-PL" dirty="0">
+                <a:latin typeface="Lucida Console" pitchFamily="49" charset="0"/>
+              </a:rPr>
+              <a:t>();</a:t>
+            </a:r>
+          </a:p>
+          <a:p>
+            <a:r>
+              <a:rPr lang="pl-PL" dirty="0">
+                <a:latin typeface="Lucida Console" pitchFamily="49" charset="0"/>
+              </a:rPr>
+              <a:t>}</a:t>
+            </a:r>
+            <a:endParaRPr lang="pl-PL" dirty="0">
+              <a:latin typeface="Lucida Console" pitchFamily="49" charset="0"/>
+            </a:endParaRPr>
+          </a:p>
         </p:txBody>
       </p:sp>
     </p:spTree>
     <p:extLst>
       <p:ext uri="{BB962C8B-B14F-4D97-AF65-F5344CB8AC3E}">
-        <p14:creationId xmlns:p14="http://schemas.microsoft.com/office/powerpoint/2010/main" val="334467706"/>
+        <p14:creationId xmlns:p14="http://schemas.microsoft.com/office/powerpoint/2010/main" val="1573387188"/>
       </p:ext>
     </p:extLst>
   </p:cSld>
@@ -8289,11 +8194,11 @@
           <a:p>
             <a:r>
               <a:rPr lang="pl-PL" dirty="0" err="1" smtClean="0"/>
-              <a:t>Hibernate</a:t>
+              <a:t>Create</a:t>
             </a:r>
             <a:r>
               <a:rPr lang="pl-PL" dirty="0" smtClean="0"/>
-              <a:t> – dostęp do bazy</a:t>
+              <a:t>…</a:t>
             </a:r>
             <a:endParaRPr lang="pl-PL" dirty="0"/>
           </a:p>
@@ -8301,31 +8206,145 @@
       </p:sp>
       <p:sp>
         <p:nvSpPr>
-          <p:cNvPr id="3" name="Symbol zastępczy zawartości 2"/>
-          <p:cNvSpPr>
-            <a:spLocks noGrp="1"/>
-          </p:cNvSpPr>
-          <p:nvPr>
-            <p:ph idx="1"/>
-          </p:nvPr>
-        </p:nvSpPr>
-        <p:spPr/>
-        <p:txBody>
-          <a:bodyPr/>
+          <p:cNvPr id="4" name="Prostokąt 3"/>
+          <p:cNvSpPr/>
+          <p:nvPr/>
+        </p:nvSpPr>
+        <p:spPr>
+          <a:xfrm>
+            <a:off x="323528" y="2001029"/>
+            <a:ext cx="8820472" cy="2308324"/>
+          </a:xfrm>
+          <a:prstGeom prst="rect">
+            <a:avLst/>
+          </a:prstGeom>
+        </p:spPr>
+        <p:txBody>
+          <a:bodyPr wrap="square">
+            <a:spAutoFit/>
+          </a:bodyPr>
           <a:lstStyle/>
           <a:p>
             <a:r>
-              <a:rPr lang="pl-PL" dirty="0" smtClean="0"/>
-              <a:t>Obsługa relacji</a:t>
-            </a:r>
-            <a:endParaRPr lang="pl-PL" dirty="0"/>
+              <a:rPr lang="en-US" dirty="0">
+                <a:latin typeface="Lucida Console" pitchFamily="49" charset="0"/>
+              </a:rPr>
+              <a:t>Customer c = new Customer("AXAMI", "</a:t>
+            </a:r>
+            <a:r>
+              <a:rPr lang="en-US" dirty="0" err="1">
+                <a:latin typeface="Lucida Console" pitchFamily="49" charset="0"/>
+              </a:rPr>
+              <a:t>Aksamit</a:t>
+            </a:r>
+            <a:r>
+              <a:rPr lang="en-US" dirty="0">
+                <a:latin typeface="Lucida Console" pitchFamily="49" charset="0"/>
+              </a:rPr>
+              <a:t> INC.");</a:t>
+            </a:r>
+          </a:p>
+          <a:p>
+            <a:r>
+              <a:rPr lang="pl-PL" dirty="0" err="1">
+                <a:latin typeface="Lucida Console" pitchFamily="49" charset="0"/>
+              </a:rPr>
+              <a:t>session.save</a:t>
+            </a:r>
+            <a:r>
+              <a:rPr lang="pl-PL" dirty="0">
+                <a:latin typeface="Lucida Console" pitchFamily="49" charset="0"/>
+              </a:rPr>
+              <a:t>(c);</a:t>
+            </a:r>
+          </a:p>
+          <a:p>
+            <a:endParaRPr lang="pl-PL" dirty="0">
+              <a:latin typeface="Lucida Console" pitchFamily="49" charset="0"/>
+            </a:endParaRPr>
+          </a:p>
+          <a:p>
+            <a:r>
+              <a:rPr lang="en-US" dirty="0">
+                <a:latin typeface="Lucida Console" pitchFamily="49" charset="0"/>
+              </a:rPr>
+              <a:t>Employee e = new Employee("</a:t>
+            </a:r>
+            <a:r>
+              <a:rPr lang="en-US" dirty="0" err="1">
+                <a:latin typeface="Lucida Console" pitchFamily="49" charset="0"/>
+              </a:rPr>
+              <a:t>Alicja</a:t>
+            </a:r>
+            <a:r>
+              <a:rPr lang="en-US" dirty="0">
+                <a:latin typeface="Lucida Console" pitchFamily="49" charset="0"/>
+              </a:rPr>
+              <a:t>", "</a:t>
+            </a:r>
+            <a:r>
+              <a:rPr lang="en-US" dirty="0" err="1">
+                <a:latin typeface="Lucida Console" pitchFamily="49" charset="0"/>
+              </a:rPr>
+              <a:t>Salamon</a:t>
+            </a:r>
+            <a:r>
+              <a:rPr lang="en-US" dirty="0">
+                <a:latin typeface="Lucida Console" pitchFamily="49" charset="0"/>
+              </a:rPr>
+              <a:t>", "Krakow");</a:t>
+            </a:r>
+          </a:p>
+          <a:p>
+            <a:r>
+              <a:rPr lang="pl-PL" dirty="0" err="1">
+                <a:latin typeface="Lucida Console" pitchFamily="49" charset="0"/>
+              </a:rPr>
+              <a:t>session.save</a:t>
+            </a:r>
+            <a:r>
+              <a:rPr lang="pl-PL" dirty="0">
+                <a:latin typeface="Lucida Console" pitchFamily="49" charset="0"/>
+              </a:rPr>
+              <a:t>(e);</a:t>
+            </a:r>
+          </a:p>
+          <a:p>
+            <a:endParaRPr lang="pl-PL" dirty="0">
+              <a:latin typeface="Lucida Console" pitchFamily="49" charset="0"/>
+            </a:endParaRPr>
+          </a:p>
+          <a:p>
+            <a:r>
+              <a:rPr lang="en-US" dirty="0">
+                <a:latin typeface="Lucida Console" pitchFamily="49" charset="0"/>
+              </a:rPr>
+              <a:t>Order o = new Order(e, c);</a:t>
+            </a:r>
+          </a:p>
+          <a:p>
+            <a:r>
+              <a:rPr lang="pl-PL" dirty="0" err="1">
+                <a:latin typeface="Lucida Console" pitchFamily="49" charset="0"/>
+              </a:rPr>
+              <a:t>session.save</a:t>
+            </a:r>
+            <a:r>
+              <a:rPr lang="pl-PL" dirty="0">
+                <a:latin typeface="Lucida Console" pitchFamily="49" charset="0"/>
+              </a:rPr>
+              <a:t>(o);</a:t>
+            </a:r>
+            <a:endParaRPr lang="pl-PL" dirty="0">
+              <a:latin typeface="Lucida Console" pitchFamily="49" charset="0"/>
+            </a:endParaRPr>
           </a:p>
         </p:txBody>
       </p:sp>
     </p:spTree>
     <p:extLst>
       <p:ext uri="{BB962C8B-B14F-4D97-AF65-F5344CB8AC3E}">
-        <p14:creationId xmlns:p14="http://schemas.microsoft.com/office/powerpoint/2010/main" val="3056722092"/>
+        <p14:creationId xmlns:p14="http://schemas.microsoft.com/office/powerpoint/2010/main" val="4222481412"/>
       </p:ext>
     </p:extLst>
   </p:cSld>
@@ -8368,12 +8387,8 @@
           <a:lstStyle/>
           <a:p>
             <a:r>
-              <a:rPr lang="pl-PL" dirty="0" err="1" smtClean="0"/>
-              <a:t>Hibernate</a:t>
-            </a:r>
-            <a:r>
               <a:rPr lang="pl-PL" dirty="0" smtClean="0"/>
-              <a:t> – dostęp do bazy</a:t>
+              <a:t>Read…</a:t>
             </a:r>
             <a:endParaRPr lang="pl-PL" dirty="0"/>
           </a:p>
@@ -8381,31 +8396,393 @@
       </p:sp>
       <p:sp>
         <p:nvSpPr>
-          <p:cNvPr id="3" name="Symbol zastępczy zawartości 2"/>
-          <p:cNvSpPr>
-            <a:spLocks noGrp="1"/>
-          </p:cNvSpPr>
-          <p:nvPr>
-            <p:ph idx="1"/>
-          </p:nvPr>
-        </p:nvSpPr>
-        <p:spPr/>
-        <p:txBody>
-          <a:bodyPr/>
+          <p:cNvPr id="4" name="Prostokąt 3"/>
+          <p:cNvSpPr/>
+          <p:nvPr/>
+        </p:nvSpPr>
+        <p:spPr>
+          <a:xfrm>
+            <a:off x="273665" y="1700808"/>
+            <a:ext cx="8496944" cy="3354765"/>
+          </a:xfrm>
+          <a:prstGeom prst="rect">
+            <a:avLst/>
+          </a:prstGeom>
+        </p:spPr>
+        <p:txBody>
+          <a:bodyPr wrap="square">
+            <a:spAutoFit/>
+          </a:bodyPr>
           <a:lstStyle/>
           <a:p>
             <a:r>
-              <a:rPr lang="pl-PL" dirty="0" smtClean="0"/>
-              <a:t>Obsługa transakcji</a:t>
-            </a:r>
-            <a:endParaRPr lang="pl-PL" dirty="0"/>
+              <a:rPr lang="pl-PL" sz="1600" dirty="0">
+                <a:latin typeface="Lucida Console" pitchFamily="49" charset="0"/>
+              </a:rPr>
+              <a:t>List&lt;Order&gt; </a:t>
+            </a:r>
+            <a:r>
+              <a:rPr lang="pl-PL" sz="1600" dirty="0" err="1">
+                <a:latin typeface="Lucida Console" pitchFamily="49" charset="0"/>
+              </a:rPr>
+              <a:t>ordersList</a:t>
+            </a:r>
+            <a:r>
+              <a:rPr lang="pl-PL" sz="1600" dirty="0">
+                <a:latin typeface="Lucida Console" pitchFamily="49" charset="0"/>
+              </a:rPr>
+              <a:t> = </a:t>
+            </a:r>
+            <a:r>
+              <a:rPr lang="pl-PL" sz="1600" dirty="0" err="1">
+                <a:latin typeface="Lucida Console" pitchFamily="49" charset="0"/>
+              </a:rPr>
+              <a:t>newSession</a:t>
+            </a:r>
+            <a:endParaRPr lang="pl-PL" sz="1600" dirty="0">
+              <a:latin typeface="Lucida Console" pitchFamily="49" charset="0"/>
+            </a:endParaRPr>
+          </a:p>
+          <a:p>
+            <a:r>
+              <a:rPr lang="en-US" sz="1600" dirty="0">
+                <a:latin typeface="Lucida Console" pitchFamily="49" charset="0"/>
+              </a:rPr>
+              <a:t>.</a:t>
+            </a:r>
+            <a:r>
+              <a:rPr lang="en-US" sz="1600" dirty="0" err="1">
+                <a:latin typeface="Lucida Console" pitchFamily="49" charset="0"/>
+              </a:rPr>
+              <a:t>createSQLQuery</a:t>
+            </a:r>
+            <a:r>
+              <a:rPr lang="en-US" sz="1600" dirty="0">
+                <a:latin typeface="Lucida Console" pitchFamily="49" charset="0"/>
+              </a:rPr>
+              <a:t>("select * from Orders where </a:t>
+            </a:r>
+            <a:r>
+              <a:rPr lang="en-US" sz="1600" dirty="0" err="1">
+                <a:latin typeface="Lucida Console" pitchFamily="49" charset="0"/>
+              </a:rPr>
+              <a:t>OrderID</a:t>
+            </a:r>
+            <a:r>
+              <a:rPr lang="en-US" sz="1600" dirty="0">
+                <a:latin typeface="Lucida Console" pitchFamily="49" charset="0"/>
+              </a:rPr>
+              <a:t>=11078")</a:t>
+            </a:r>
+          </a:p>
+          <a:p>
+            <a:r>
+              <a:rPr lang="pl-PL" sz="1600" dirty="0">
+                <a:latin typeface="Lucida Console" pitchFamily="49" charset="0"/>
+              </a:rPr>
+              <a:t>.</a:t>
+            </a:r>
+            <a:r>
+              <a:rPr lang="pl-PL" sz="1600" dirty="0" err="1">
+                <a:latin typeface="Lucida Console" pitchFamily="49" charset="0"/>
+              </a:rPr>
+              <a:t>addEntity</a:t>
+            </a:r>
+            <a:r>
+              <a:rPr lang="pl-PL" sz="1600" dirty="0">
+                <a:latin typeface="Lucida Console" pitchFamily="49" charset="0"/>
+              </a:rPr>
+              <a:t>(</a:t>
+            </a:r>
+            <a:r>
+              <a:rPr lang="pl-PL" sz="1600" dirty="0" err="1">
+                <a:latin typeface="Lucida Console" pitchFamily="49" charset="0"/>
+              </a:rPr>
+              <a:t>Order.class</a:t>
+            </a:r>
+            <a:r>
+              <a:rPr lang="pl-PL" sz="1600" dirty="0">
+                <a:latin typeface="Lucida Console" pitchFamily="49" charset="0"/>
+              </a:rPr>
+              <a:t>).list();</a:t>
+            </a:r>
+          </a:p>
+          <a:p>
+            <a:endParaRPr lang="pl-PL" sz="1600" dirty="0">
+              <a:latin typeface="Lucida Console" pitchFamily="49" charset="0"/>
+            </a:endParaRPr>
+          </a:p>
+          <a:p>
+            <a:r>
+              <a:rPr lang="pl-PL" sz="1600" dirty="0">
+                <a:latin typeface="Lucida Console" pitchFamily="49" charset="0"/>
+              </a:rPr>
+              <a:t>for (</a:t>
+            </a:r>
+            <a:r>
+              <a:rPr lang="pl-PL" sz="1600" dirty="0" err="1">
+                <a:latin typeface="Lucida Console" pitchFamily="49" charset="0"/>
+              </a:rPr>
+              <a:t>Iterator</a:t>
+            </a:r>
+            <a:r>
+              <a:rPr lang="pl-PL" sz="1600" dirty="0">
+                <a:latin typeface="Lucida Console" pitchFamily="49" charset="0"/>
+              </a:rPr>
+              <a:t>&lt;Order&gt; </a:t>
+            </a:r>
+            <a:r>
+              <a:rPr lang="pl-PL" sz="1600" dirty="0" err="1">
+                <a:latin typeface="Lucida Console" pitchFamily="49" charset="0"/>
+              </a:rPr>
+              <a:t>iter</a:t>
+            </a:r>
+            <a:r>
+              <a:rPr lang="pl-PL" sz="1600" dirty="0">
+                <a:latin typeface="Lucida Console" pitchFamily="49" charset="0"/>
+              </a:rPr>
+              <a:t> = </a:t>
+            </a:r>
+            <a:r>
+              <a:rPr lang="pl-PL" sz="1600" dirty="0" err="1">
+                <a:latin typeface="Lucida Console" pitchFamily="49" charset="0"/>
+              </a:rPr>
+              <a:t>ordersList.iterator</a:t>
+            </a:r>
+            <a:r>
+              <a:rPr lang="pl-PL" sz="1600" dirty="0">
+                <a:latin typeface="Lucida Console" pitchFamily="49" charset="0"/>
+              </a:rPr>
+              <a:t>(); </a:t>
+            </a:r>
+            <a:r>
+              <a:rPr lang="pl-PL" sz="1600" dirty="0" err="1">
+                <a:latin typeface="Lucida Console" pitchFamily="49" charset="0"/>
+              </a:rPr>
+              <a:t>iter.hasNext</a:t>
+            </a:r>
+            <a:r>
+              <a:rPr lang="pl-PL" sz="1600" dirty="0">
+                <a:latin typeface="Lucida Console" pitchFamily="49" charset="0"/>
+              </a:rPr>
+              <a:t>();) {</a:t>
+            </a:r>
+          </a:p>
+          <a:p>
+            <a:pPr lvl="1"/>
+            <a:r>
+              <a:rPr lang="pl-PL" sz="1600" dirty="0">
+                <a:latin typeface="Lucida Console" pitchFamily="49" charset="0"/>
+              </a:rPr>
+              <a:t>Order </a:t>
+            </a:r>
+            <a:r>
+              <a:rPr lang="pl-PL" sz="1600" dirty="0" err="1">
+                <a:latin typeface="Lucida Console" pitchFamily="49" charset="0"/>
+              </a:rPr>
+              <a:t>order</a:t>
+            </a:r>
+            <a:r>
+              <a:rPr lang="pl-PL" sz="1600" dirty="0">
+                <a:latin typeface="Lucida Console" pitchFamily="49" charset="0"/>
+              </a:rPr>
+              <a:t> = (Order) </a:t>
+            </a:r>
+            <a:r>
+              <a:rPr lang="pl-PL" sz="1600" dirty="0" err="1">
+                <a:latin typeface="Lucida Console" pitchFamily="49" charset="0"/>
+              </a:rPr>
+              <a:t>iter.next</a:t>
+            </a:r>
+            <a:r>
+              <a:rPr lang="pl-PL" sz="1600" dirty="0">
+                <a:latin typeface="Lucida Console" pitchFamily="49" charset="0"/>
+              </a:rPr>
+              <a:t>();</a:t>
+            </a:r>
+          </a:p>
+          <a:p>
+            <a:pPr lvl="1"/>
+            <a:r>
+              <a:rPr lang="pl-PL" sz="1600" dirty="0" err="1">
+                <a:latin typeface="Lucida Console" pitchFamily="49" charset="0"/>
+              </a:rPr>
+              <a:t>Employee</a:t>
+            </a:r>
+            <a:r>
+              <a:rPr lang="pl-PL" sz="1600" dirty="0">
+                <a:latin typeface="Lucida Console" pitchFamily="49" charset="0"/>
+              </a:rPr>
+              <a:t> </a:t>
+            </a:r>
+            <a:r>
+              <a:rPr lang="pl-PL" sz="1600" dirty="0" err="1">
+                <a:latin typeface="Lucida Console" pitchFamily="49" charset="0"/>
+              </a:rPr>
+              <a:t>empl</a:t>
+            </a:r>
+            <a:r>
+              <a:rPr lang="pl-PL" sz="1600" dirty="0">
+                <a:latin typeface="Lucida Console" pitchFamily="49" charset="0"/>
+              </a:rPr>
+              <a:t> = </a:t>
+            </a:r>
+            <a:r>
+              <a:rPr lang="pl-PL" sz="1600" dirty="0" err="1">
+                <a:latin typeface="Lucida Console" pitchFamily="49" charset="0"/>
+              </a:rPr>
+              <a:t>order.getEmployeeID</a:t>
+            </a:r>
+            <a:r>
+              <a:rPr lang="pl-PL" sz="1600" dirty="0">
+                <a:latin typeface="Lucida Console" pitchFamily="49" charset="0"/>
+              </a:rPr>
+              <a:t>();</a:t>
+            </a:r>
+          </a:p>
+          <a:p>
+            <a:pPr lvl="1"/>
+            <a:r>
+              <a:rPr lang="pl-PL" sz="1600" dirty="0" err="1">
+                <a:latin typeface="Lucida Console" pitchFamily="49" charset="0"/>
+              </a:rPr>
+              <a:t>Customer</a:t>
+            </a:r>
+            <a:r>
+              <a:rPr lang="pl-PL" sz="1600" dirty="0">
+                <a:latin typeface="Lucida Console" pitchFamily="49" charset="0"/>
+              </a:rPr>
+              <a:t> </a:t>
+            </a:r>
+            <a:r>
+              <a:rPr lang="pl-PL" sz="1600" dirty="0" err="1">
+                <a:latin typeface="Lucida Console" pitchFamily="49" charset="0"/>
+              </a:rPr>
+              <a:t>cust</a:t>
+            </a:r>
+            <a:r>
+              <a:rPr lang="pl-PL" sz="1600" dirty="0">
+                <a:latin typeface="Lucida Console" pitchFamily="49" charset="0"/>
+              </a:rPr>
+              <a:t> = </a:t>
+            </a:r>
+            <a:r>
+              <a:rPr lang="pl-PL" sz="1600" dirty="0" err="1">
+                <a:latin typeface="Lucida Console" pitchFamily="49" charset="0"/>
+              </a:rPr>
+              <a:t>order.getCustomerID</a:t>
+            </a:r>
+            <a:r>
+              <a:rPr lang="pl-PL" sz="1600" dirty="0">
+                <a:latin typeface="Lucida Console" pitchFamily="49" charset="0"/>
+              </a:rPr>
+              <a:t>();</a:t>
+            </a:r>
+          </a:p>
+          <a:p>
+            <a:pPr lvl="1"/>
+            <a:r>
+              <a:rPr lang="pl-PL" sz="1600" dirty="0" err="1">
+                <a:latin typeface="Lucida Console" pitchFamily="49" charset="0"/>
+              </a:rPr>
+              <a:t>System.</a:t>
+            </a:r>
+            <a:r>
+              <a:rPr lang="pl-PL" sz="1600" i="1" dirty="0" err="1">
+                <a:latin typeface="Lucida Console" pitchFamily="49" charset="0"/>
+              </a:rPr>
+              <a:t>out.println</a:t>
+            </a:r>
+            <a:r>
+              <a:rPr lang="pl-PL" sz="1600" i="1" dirty="0">
+                <a:latin typeface="Lucida Console" pitchFamily="49" charset="0"/>
+              </a:rPr>
+              <a:t>(</a:t>
+            </a:r>
+            <a:r>
+              <a:rPr lang="pl-PL" sz="1600" i="1" dirty="0" err="1">
+                <a:latin typeface="Lucida Console" pitchFamily="49" charset="0"/>
+              </a:rPr>
+              <a:t>order.getOrderID</a:t>
+            </a:r>
+            <a:r>
+              <a:rPr lang="pl-PL" sz="1600" i="1" dirty="0">
+                <a:latin typeface="Lucida Console" pitchFamily="49" charset="0"/>
+              </a:rPr>
+              <a:t>() + " by "</a:t>
+            </a:r>
+          </a:p>
+          <a:p>
+            <a:pPr lvl="2"/>
+            <a:r>
+              <a:rPr lang="pl-PL" sz="1600" dirty="0">
+                <a:latin typeface="Lucida Console" pitchFamily="49" charset="0"/>
+              </a:rPr>
+              <a:t>+ </a:t>
+            </a:r>
+            <a:r>
+              <a:rPr lang="pl-PL" sz="1600" dirty="0" err="1">
+                <a:latin typeface="Lucida Console" pitchFamily="49" charset="0"/>
+              </a:rPr>
+              <a:t>empl.getFirstName</a:t>
+            </a:r>
+            <a:r>
+              <a:rPr lang="pl-PL" sz="1600" dirty="0">
+                <a:latin typeface="Lucida Console" pitchFamily="49" charset="0"/>
+              </a:rPr>
+              <a:t>() + " " + </a:t>
+            </a:r>
+            <a:r>
+              <a:rPr lang="pl-PL" sz="1600" dirty="0" err="1">
+                <a:latin typeface="Lucida Console" pitchFamily="49" charset="0"/>
+              </a:rPr>
+              <a:t>empl.getLastName</a:t>
+            </a:r>
+            <a:r>
+              <a:rPr lang="pl-PL" sz="1600" dirty="0">
+                <a:latin typeface="Lucida Console" pitchFamily="49" charset="0"/>
+              </a:rPr>
+              <a:t>() + " for "</a:t>
+            </a:r>
+          </a:p>
+          <a:p>
+            <a:pPr lvl="2"/>
+            <a:r>
+              <a:rPr lang="pl-PL" sz="1600" dirty="0">
+                <a:latin typeface="Lucida Console" pitchFamily="49" charset="0"/>
+              </a:rPr>
+              <a:t>+ </a:t>
+            </a:r>
+            <a:r>
+              <a:rPr lang="pl-PL" sz="1600" dirty="0" err="1">
+                <a:latin typeface="Lucida Console" pitchFamily="49" charset="0"/>
+              </a:rPr>
+              <a:t>cust.getCompanyName</a:t>
+            </a:r>
+            <a:r>
+              <a:rPr lang="pl-PL" sz="1600" dirty="0">
+                <a:latin typeface="Lucida Console" pitchFamily="49" charset="0"/>
+              </a:rPr>
+              <a:t>());</a:t>
+            </a:r>
+          </a:p>
+          <a:p>
+            <a:r>
+              <a:rPr lang="pl-PL" sz="1600" dirty="0">
+                <a:latin typeface="Lucida Console" pitchFamily="49" charset="0"/>
+              </a:rPr>
+              <a:t>}</a:t>
+            </a:r>
+            <a:endParaRPr lang="pl-PL" sz="1600" dirty="0">
+              <a:latin typeface="Lucida Console" pitchFamily="49" charset="0"/>
+            </a:endParaRPr>
           </a:p>
         </p:txBody>
       </p:sp>
     </p:spTree>
     <p:extLst>
       <p:ext uri="{BB962C8B-B14F-4D97-AF65-F5344CB8AC3E}">
-        <p14:creationId xmlns:p14="http://schemas.microsoft.com/office/powerpoint/2010/main" val="1573387188"/>
+        <p14:creationId xmlns:p14="http://schemas.microsoft.com/office/powerpoint/2010/main" val="1389485315"/>
       </p:ext>
     </p:extLst>
   </p:cSld>
@@ -8416,6 +8793,561 @@
 </file>
 
 <file path=ppt/slides/slide25.xml><?xml version="1.0" encoding="utf-8"?>
+<p:sld xmlns:a="http://schemas.openxmlformats.org/drawingml/2006/main" xmlns:r="http://schemas.openxmlformats.org/officeDocument/2006/relationships" xmlns:p="http://schemas.openxmlformats.org/presentationml/2006/main">
+  <p:cSld>
+    <p:spTree>
+      <p:nvGrpSpPr>
+        <p:cNvPr id="1" name=""/>
+        <p:cNvGrpSpPr/>
+        <p:nvPr/>
+      </p:nvGrpSpPr>
+      <p:grpSpPr>
+        <a:xfrm>
+          <a:off x="0" y="0"/>
+          <a:ext cx="0" cy="0"/>
+          <a:chOff x="0" y="0"/>
+          <a:chExt cx="0" cy="0"/>
+        </a:xfrm>
+      </p:grpSpPr>
+      <p:sp>
+        <p:nvSpPr>
+          <p:cNvPr id="2" name="Tytuł 1"/>
+          <p:cNvSpPr>
+            <a:spLocks noGrp="1"/>
+          </p:cNvSpPr>
+          <p:nvPr>
+            <p:ph type="title"/>
+          </p:nvPr>
+        </p:nvSpPr>
+        <p:spPr/>
+        <p:txBody>
+          <a:bodyPr/>
+          <a:lstStyle/>
+          <a:p>
+            <a:r>
+              <a:rPr lang="pl-PL" dirty="0" smtClean="0"/>
+              <a:t>Update…</a:t>
+            </a:r>
+            <a:endParaRPr lang="pl-PL" dirty="0"/>
+          </a:p>
+        </p:txBody>
+      </p:sp>
+      <p:sp>
+        <p:nvSpPr>
+          <p:cNvPr id="4" name="Prostokąt 3"/>
+          <p:cNvSpPr/>
+          <p:nvPr/>
+        </p:nvSpPr>
+        <p:spPr>
+          <a:xfrm>
+            <a:off x="539552" y="2228671"/>
+            <a:ext cx="7776864" cy="2585323"/>
+          </a:xfrm>
+          <a:prstGeom prst="rect">
+            <a:avLst/>
+          </a:prstGeom>
+        </p:spPr>
+        <p:txBody>
+          <a:bodyPr wrap="square">
+            <a:spAutoFit/>
+          </a:bodyPr>
+          <a:lstStyle/>
+          <a:p>
+            <a:r>
+              <a:rPr lang="pl-PL" dirty="0" err="1">
+                <a:latin typeface="Lucida Console" pitchFamily="49" charset="0"/>
+              </a:rPr>
+              <a:t>Customer</a:t>
+            </a:r>
+            <a:r>
+              <a:rPr lang="pl-PL" dirty="0">
+                <a:latin typeface="Lucida Console" pitchFamily="49" charset="0"/>
+              </a:rPr>
+              <a:t> c = </a:t>
+            </a:r>
+            <a:r>
+              <a:rPr lang="pl-PL" dirty="0" err="1">
+                <a:latin typeface="Lucida Console" pitchFamily="49" charset="0"/>
+              </a:rPr>
+              <a:t>new</a:t>
+            </a:r>
+            <a:r>
+              <a:rPr lang="pl-PL" dirty="0">
+                <a:latin typeface="Lucida Console" pitchFamily="49" charset="0"/>
+              </a:rPr>
+              <a:t> </a:t>
+            </a:r>
+            <a:r>
+              <a:rPr lang="pl-PL" dirty="0" err="1">
+                <a:latin typeface="Lucida Console" pitchFamily="49" charset="0"/>
+              </a:rPr>
+              <a:t>Customer</a:t>
+            </a:r>
+            <a:r>
+              <a:rPr lang="pl-PL" dirty="0">
+                <a:latin typeface="Lucida Console" pitchFamily="49" charset="0"/>
+              </a:rPr>
+              <a:t>();</a:t>
+            </a:r>
+          </a:p>
+          <a:p>
+            <a:r>
+              <a:rPr lang="pl-PL" dirty="0" err="1">
+                <a:latin typeface="Lucida Console" pitchFamily="49" charset="0"/>
+              </a:rPr>
+              <a:t>c.customerID</a:t>
+            </a:r>
+            <a:r>
+              <a:rPr lang="pl-PL" dirty="0">
+                <a:latin typeface="Lucida Console" pitchFamily="49" charset="0"/>
+              </a:rPr>
+              <a:t> = </a:t>
+            </a:r>
+            <a:r>
+              <a:rPr lang="pl-PL" dirty="0" smtClean="0">
+                <a:latin typeface="Lucida Console" pitchFamily="49" charset="0"/>
+              </a:rPr>
+              <a:t>„SCINC";</a:t>
+            </a:r>
+            <a:endParaRPr lang="pl-PL" dirty="0">
+              <a:latin typeface="Lucida Console" pitchFamily="49" charset="0"/>
+            </a:endParaRPr>
+          </a:p>
+          <a:p>
+            <a:r>
+              <a:rPr lang="pl-PL" dirty="0" err="1">
+                <a:latin typeface="Lucida Console" pitchFamily="49" charset="0"/>
+              </a:rPr>
+              <a:t>c.companyName</a:t>
+            </a:r>
+            <a:r>
+              <a:rPr lang="pl-PL" dirty="0">
+                <a:latin typeface="Lucida Console" pitchFamily="49" charset="0"/>
+              </a:rPr>
+              <a:t> = </a:t>
+            </a:r>
+            <a:r>
+              <a:rPr lang="pl-PL" dirty="0" smtClean="0">
+                <a:latin typeface="Lucida Console" pitchFamily="49" charset="0"/>
+              </a:rPr>
+              <a:t>„</a:t>
+            </a:r>
+            <a:r>
+              <a:rPr lang="pl-PL" dirty="0" err="1" smtClean="0">
+                <a:latin typeface="Lucida Console" pitchFamily="49" charset="0"/>
+              </a:rPr>
+              <a:t>SomeCompany</a:t>
+            </a:r>
+            <a:r>
+              <a:rPr lang="pl-PL" dirty="0" smtClean="0">
+                <a:latin typeface="Lucida Console" pitchFamily="49" charset="0"/>
+              </a:rPr>
+              <a:t> INC";</a:t>
+            </a:r>
+            <a:endParaRPr lang="pl-PL" dirty="0">
+              <a:latin typeface="Lucida Console" pitchFamily="49" charset="0"/>
+            </a:endParaRPr>
+          </a:p>
+          <a:p>
+            <a:r>
+              <a:rPr lang="pl-PL" dirty="0" err="1">
+                <a:latin typeface="Lucida Console" pitchFamily="49" charset="0"/>
+              </a:rPr>
+              <a:t>session.update</a:t>
+            </a:r>
+            <a:r>
+              <a:rPr lang="pl-PL" dirty="0">
+                <a:latin typeface="Lucida Console" pitchFamily="49" charset="0"/>
+              </a:rPr>
+              <a:t>(c</a:t>
+            </a:r>
+            <a:r>
+              <a:rPr lang="pl-PL" dirty="0" smtClean="0">
+                <a:latin typeface="Lucida Console" pitchFamily="49" charset="0"/>
+              </a:rPr>
+              <a:t>);</a:t>
+            </a:r>
+          </a:p>
+          <a:p>
+            <a:endParaRPr lang="pl-PL" dirty="0" smtClean="0">
+              <a:latin typeface="Lucida Console" pitchFamily="49" charset="0"/>
+            </a:endParaRPr>
+          </a:p>
+          <a:p>
+            <a:endParaRPr lang="pl-PL" dirty="0"/>
+          </a:p>
+          <a:p>
+            <a:r>
+              <a:rPr lang="en-US" dirty="0">
+                <a:latin typeface="Lucida Console" pitchFamily="49" charset="0"/>
+              </a:rPr>
+              <a:t>Employee e = new Employee</a:t>
+            </a:r>
+            <a:r>
+              <a:rPr lang="en-US" dirty="0" smtClean="0">
+                <a:latin typeface="Lucida Console" pitchFamily="49" charset="0"/>
+              </a:rPr>
+              <a:t>(„</a:t>
+            </a:r>
+            <a:r>
+              <a:rPr lang="pl-PL" dirty="0" smtClean="0">
+                <a:latin typeface="Lucida Console" pitchFamily="49" charset="0"/>
+              </a:rPr>
+              <a:t>Jones</a:t>
+            </a:r>
+            <a:r>
+              <a:rPr lang="en-US" dirty="0" smtClean="0">
+                <a:latin typeface="Lucida Console" pitchFamily="49" charset="0"/>
+              </a:rPr>
+              <a:t>", „</a:t>
+            </a:r>
+            <a:r>
+              <a:rPr lang="pl-PL" dirty="0" smtClean="0">
+                <a:latin typeface="Lucida Console" pitchFamily="49" charset="0"/>
+              </a:rPr>
+              <a:t>John</a:t>
+            </a:r>
+            <a:r>
+              <a:rPr lang="en-US" dirty="0" smtClean="0">
+                <a:latin typeface="Lucida Console" pitchFamily="49" charset="0"/>
+              </a:rPr>
+              <a:t>", „</a:t>
+            </a:r>
+            <a:r>
+              <a:rPr lang="pl-PL" dirty="0" err="1" smtClean="0">
+                <a:latin typeface="Lucida Console" pitchFamily="49" charset="0"/>
+              </a:rPr>
+              <a:t>Warsaw</a:t>
+            </a:r>
+            <a:r>
+              <a:rPr lang="en-US" dirty="0" smtClean="0">
+                <a:latin typeface="Lucida Console" pitchFamily="49" charset="0"/>
+              </a:rPr>
+              <a:t>");</a:t>
+            </a:r>
+            <a:endParaRPr lang="en-US" dirty="0">
+              <a:latin typeface="Lucida Console" pitchFamily="49" charset="0"/>
+            </a:endParaRPr>
+          </a:p>
+          <a:p>
+            <a:r>
+              <a:rPr lang="pl-PL" dirty="0" err="1">
+                <a:latin typeface="Lucida Console" pitchFamily="49" charset="0"/>
+              </a:rPr>
+              <a:t>e.EmployeeID</a:t>
+            </a:r>
+            <a:r>
+              <a:rPr lang="pl-PL" dirty="0">
+                <a:latin typeface="Lucida Console" pitchFamily="49" charset="0"/>
+              </a:rPr>
+              <a:t>=10;</a:t>
+            </a:r>
+          </a:p>
+          <a:p>
+            <a:r>
+              <a:rPr lang="pl-PL" dirty="0" err="1">
+                <a:latin typeface="Lucida Console" pitchFamily="49" charset="0"/>
+              </a:rPr>
+              <a:t>session.update</a:t>
+            </a:r>
+            <a:r>
+              <a:rPr lang="pl-PL" dirty="0">
+                <a:latin typeface="Lucida Console" pitchFamily="49" charset="0"/>
+              </a:rPr>
+              <a:t>(e);</a:t>
+            </a:r>
+          </a:p>
+        </p:txBody>
+      </p:sp>
+    </p:spTree>
+    <p:extLst>
+      <p:ext uri="{BB962C8B-B14F-4D97-AF65-F5344CB8AC3E}">
+        <p14:creationId xmlns:p14="http://schemas.microsoft.com/office/powerpoint/2010/main" val="1526151245"/>
+      </p:ext>
+    </p:extLst>
+  </p:cSld>
+  <p:clrMapOvr>
+    <a:masterClrMapping/>
+  </p:clrMapOvr>
+</p:sld>
+</file>
+
+<file path=ppt/slides/slide26.xml><?xml version="1.0" encoding="utf-8"?>
+<p:sld xmlns:a="http://schemas.openxmlformats.org/drawingml/2006/main" xmlns:r="http://schemas.openxmlformats.org/officeDocument/2006/relationships" xmlns:p="http://schemas.openxmlformats.org/presentationml/2006/main">
+  <p:cSld>
+    <p:spTree>
+      <p:nvGrpSpPr>
+        <p:cNvPr id="1" name=""/>
+        <p:cNvGrpSpPr/>
+        <p:nvPr/>
+      </p:nvGrpSpPr>
+      <p:grpSpPr>
+        <a:xfrm>
+          <a:off x="0" y="0"/>
+          <a:ext cx="0" cy="0"/>
+          <a:chOff x="0" y="0"/>
+          <a:chExt cx="0" cy="0"/>
+        </a:xfrm>
+      </p:grpSpPr>
+      <p:sp>
+        <p:nvSpPr>
+          <p:cNvPr id="2" name="Tytuł 1"/>
+          <p:cNvSpPr>
+            <a:spLocks noGrp="1"/>
+          </p:cNvSpPr>
+          <p:nvPr>
+            <p:ph type="title"/>
+          </p:nvPr>
+        </p:nvSpPr>
+        <p:spPr/>
+        <p:txBody>
+          <a:bodyPr/>
+          <a:lstStyle/>
+          <a:p>
+            <a:r>
+              <a:rPr lang="pl-PL" dirty="0" err="1" smtClean="0"/>
+              <a:t>Delete</a:t>
+            </a:r>
+            <a:r>
+              <a:rPr lang="pl-PL" dirty="0" smtClean="0"/>
+              <a:t>…</a:t>
+            </a:r>
+            <a:endParaRPr lang="pl-PL" dirty="0"/>
+          </a:p>
+        </p:txBody>
+      </p:sp>
+      <p:sp>
+        <p:nvSpPr>
+          <p:cNvPr id="5" name="Prostokąt 4"/>
+          <p:cNvSpPr/>
+          <p:nvPr/>
+        </p:nvSpPr>
+        <p:spPr>
+          <a:xfrm>
+            <a:off x="827584" y="1859340"/>
+            <a:ext cx="6030416" cy="3139321"/>
+          </a:xfrm>
+          <a:prstGeom prst="rect">
+            <a:avLst/>
+          </a:prstGeom>
+        </p:spPr>
+        <p:txBody>
+          <a:bodyPr wrap="square">
+            <a:spAutoFit/>
+          </a:bodyPr>
+          <a:lstStyle/>
+          <a:p>
+            <a:r>
+              <a:rPr lang="pl-PL" dirty="0">
+                <a:latin typeface="Lucida Console" pitchFamily="49" charset="0"/>
+              </a:rPr>
+              <a:t>Order o = </a:t>
+            </a:r>
+            <a:r>
+              <a:rPr lang="pl-PL" dirty="0" err="1">
+                <a:latin typeface="Lucida Console" pitchFamily="49" charset="0"/>
+              </a:rPr>
+              <a:t>new</a:t>
+            </a:r>
+            <a:r>
+              <a:rPr lang="pl-PL" dirty="0">
+                <a:latin typeface="Lucida Console" pitchFamily="49" charset="0"/>
+              </a:rPr>
+              <a:t> Order();</a:t>
+            </a:r>
+          </a:p>
+          <a:p>
+            <a:r>
+              <a:rPr lang="pl-PL" dirty="0" err="1">
+                <a:latin typeface="Lucida Console" pitchFamily="49" charset="0"/>
+              </a:rPr>
+              <a:t>o.setOrderID</a:t>
+            </a:r>
+            <a:r>
+              <a:rPr lang="pl-PL" dirty="0">
+                <a:latin typeface="Lucida Console" pitchFamily="49" charset="0"/>
+              </a:rPr>
+              <a:t>(11078);</a:t>
+            </a:r>
+          </a:p>
+          <a:p>
+            <a:r>
+              <a:rPr lang="pl-PL" dirty="0" err="1">
+                <a:latin typeface="Lucida Console" pitchFamily="49" charset="0"/>
+              </a:rPr>
+              <a:t>session.delete</a:t>
+            </a:r>
+            <a:r>
+              <a:rPr lang="pl-PL" dirty="0">
+                <a:latin typeface="Lucida Console" pitchFamily="49" charset="0"/>
+              </a:rPr>
+              <a:t>(o);</a:t>
+            </a:r>
+          </a:p>
+          <a:p>
+            <a:endParaRPr lang="pl-PL" dirty="0">
+              <a:latin typeface="Lucida Console" pitchFamily="49" charset="0"/>
+            </a:endParaRPr>
+          </a:p>
+          <a:p>
+            <a:r>
+              <a:rPr lang="pl-PL" dirty="0" err="1">
+                <a:latin typeface="Lucida Console" pitchFamily="49" charset="0"/>
+              </a:rPr>
+              <a:t>Customer</a:t>
+            </a:r>
+            <a:r>
+              <a:rPr lang="pl-PL" dirty="0">
+                <a:latin typeface="Lucida Console" pitchFamily="49" charset="0"/>
+              </a:rPr>
+              <a:t> c1 = </a:t>
+            </a:r>
+            <a:r>
+              <a:rPr lang="pl-PL" dirty="0" err="1">
+                <a:latin typeface="Lucida Console" pitchFamily="49" charset="0"/>
+              </a:rPr>
+              <a:t>new</a:t>
+            </a:r>
+            <a:r>
+              <a:rPr lang="pl-PL" dirty="0">
+                <a:latin typeface="Lucida Console" pitchFamily="49" charset="0"/>
+              </a:rPr>
+              <a:t> </a:t>
+            </a:r>
+            <a:r>
+              <a:rPr lang="pl-PL" dirty="0" err="1">
+                <a:latin typeface="Lucida Console" pitchFamily="49" charset="0"/>
+              </a:rPr>
+              <a:t>Customer</a:t>
+            </a:r>
+            <a:r>
+              <a:rPr lang="pl-PL" dirty="0">
+                <a:latin typeface="Lucida Console" pitchFamily="49" charset="0"/>
+              </a:rPr>
+              <a:t>();</a:t>
+            </a:r>
+          </a:p>
+          <a:p>
+            <a:r>
+              <a:rPr lang="pl-PL" dirty="0">
+                <a:latin typeface="Lucida Console" pitchFamily="49" charset="0"/>
+              </a:rPr>
+              <a:t>c1.setCustomerID</a:t>
+            </a:r>
+            <a:r>
+              <a:rPr lang="pl-PL" dirty="0" smtClean="0">
+                <a:latin typeface="Lucida Console" pitchFamily="49" charset="0"/>
+              </a:rPr>
+              <a:t>(„SCINC");</a:t>
+            </a:r>
+            <a:endParaRPr lang="pl-PL" dirty="0">
+              <a:latin typeface="Lucida Console" pitchFamily="49" charset="0"/>
+            </a:endParaRPr>
+          </a:p>
+          <a:p>
+            <a:r>
+              <a:rPr lang="pl-PL" dirty="0" err="1">
+                <a:latin typeface="Lucida Console" pitchFamily="49" charset="0"/>
+              </a:rPr>
+              <a:t>session.delete</a:t>
+            </a:r>
+            <a:r>
+              <a:rPr lang="pl-PL" dirty="0">
+                <a:latin typeface="Lucida Console" pitchFamily="49" charset="0"/>
+              </a:rPr>
+              <a:t>(c1);</a:t>
+            </a:r>
+          </a:p>
+          <a:p>
+            <a:endParaRPr lang="pl-PL" dirty="0">
+              <a:latin typeface="Lucida Console" pitchFamily="49" charset="0"/>
+            </a:endParaRPr>
+          </a:p>
+          <a:p>
+            <a:r>
+              <a:rPr lang="pl-PL" dirty="0" err="1">
+                <a:latin typeface="Lucida Console" pitchFamily="49" charset="0"/>
+              </a:rPr>
+              <a:t>Employee</a:t>
+            </a:r>
+            <a:r>
+              <a:rPr lang="pl-PL" dirty="0">
+                <a:latin typeface="Lucida Console" pitchFamily="49" charset="0"/>
+              </a:rPr>
+              <a:t> e = </a:t>
+            </a:r>
+            <a:r>
+              <a:rPr lang="pl-PL" dirty="0" err="1">
+                <a:latin typeface="Lucida Console" pitchFamily="49" charset="0"/>
+              </a:rPr>
+              <a:t>new</a:t>
+            </a:r>
+            <a:r>
+              <a:rPr lang="pl-PL" dirty="0">
+                <a:latin typeface="Lucida Console" pitchFamily="49" charset="0"/>
+              </a:rPr>
+              <a:t> </a:t>
+            </a:r>
+            <a:r>
+              <a:rPr lang="pl-PL" dirty="0" err="1">
+                <a:latin typeface="Lucida Console" pitchFamily="49" charset="0"/>
+              </a:rPr>
+              <a:t>Employee</a:t>
+            </a:r>
+            <a:r>
+              <a:rPr lang="pl-PL" dirty="0">
+                <a:latin typeface="Lucida Console" pitchFamily="49" charset="0"/>
+              </a:rPr>
+              <a:t>();</a:t>
+            </a:r>
+          </a:p>
+          <a:p>
+            <a:r>
+              <a:rPr lang="pl-PL" dirty="0" err="1">
+                <a:latin typeface="Lucida Console" pitchFamily="49" charset="0"/>
+              </a:rPr>
+              <a:t>e.EmployeeID</a:t>
+            </a:r>
+            <a:r>
+              <a:rPr lang="pl-PL" dirty="0">
+                <a:latin typeface="Lucida Console" pitchFamily="49" charset="0"/>
+              </a:rPr>
+              <a:t> = 10;</a:t>
+            </a:r>
+          </a:p>
+          <a:p>
+            <a:r>
+              <a:rPr lang="pl-PL" dirty="0" err="1">
+                <a:latin typeface="Lucida Console" pitchFamily="49" charset="0"/>
+              </a:rPr>
+              <a:t>session.delete</a:t>
+            </a:r>
+            <a:r>
+              <a:rPr lang="pl-PL" dirty="0">
+                <a:latin typeface="Lucida Console" pitchFamily="49" charset="0"/>
+              </a:rPr>
+              <a:t>(e);</a:t>
+            </a:r>
+            <a:endParaRPr lang="pl-PL" dirty="0">
+              <a:latin typeface="Lucida Console" pitchFamily="49" charset="0"/>
+            </a:endParaRPr>
+          </a:p>
+        </p:txBody>
+      </p:sp>
+    </p:spTree>
+    <p:extLst>
+      <p:ext uri="{BB962C8B-B14F-4D97-AF65-F5344CB8AC3E}">
+        <p14:creationId xmlns:p14="http://schemas.microsoft.com/office/powerpoint/2010/main" val="334467706"/>
+      </p:ext>
+    </p:extLst>
+  </p:cSld>
+  <p:clrMapOvr>
+    <a:masterClrMapping/>
+  </p:clrMapOvr>
+</p:sld>
+</file>
+
+<file path=ppt/slides/slide27.xml><?xml version="1.0" encoding="utf-8"?>
 <p:sld xmlns:a="http://schemas.openxmlformats.org/drawingml/2006/main" xmlns:r="http://schemas.openxmlformats.org/officeDocument/2006/relationships" xmlns:p="http://schemas.openxmlformats.org/presentationml/2006/main">
   <p:cSld>
     <p:spTree>
@@ -8988,7 +9920,11 @@
           <a:p>
             <a:r>
               <a:rPr lang="pl-PL" dirty="0" smtClean="0"/>
-              <a:t>Instalacja MySQL</a:t>
+              <a:t>1. Instalacja </a:t>
+            </a:r>
+            <a:r>
+              <a:rPr lang="pl-PL" dirty="0" smtClean="0"/>
+              <a:t>MySQL</a:t>
             </a:r>
             <a:endParaRPr lang="pl-PL" dirty="0"/>
           </a:p>
@@ -9133,7 +10069,18 @@
           <a:bodyPr/>
           <a:lstStyle/>
           <a:p>
-            <a:endParaRPr lang="pl-PL"/>
+            <a:pPr marL="0" indent="0">
+              <a:buNone/>
+            </a:pPr>
+            <a:r>
+              <a:rPr lang="pl-PL" dirty="0" smtClean="0"/>
+              <a:t>Tu cos od Dawida </a:t>
+            </a:r>
+            <a:r>
+              <a:rPr lang="pl-PL" dirty="0" err="1" smtClean="0"/>
+              <a:t>bedzie</a:t>
+            </a:r>
+            <a:endParaRPr lang="pl-PL" dirty="0"/>
           </a:p>
         </p:txBody>
       </p:sp>
@@ -9184,41 +10131,105 @@
           <a:p>
             <a:r>
               <a:rPr lang="pl-PL" dirty="0" smtClean="0"/>
-              <a:t>Instalacja</a:t>
+              <a:t>2a. Uruchomienie – </a:t>
+            </a:r>
+            <a:r>
+              <a:rPr lang="pl-PL" dirty="0" err="1" smtClean="0"/>
+              <a:t>command</a:t>
+            </a:r>
+            <a:r>
+              <a:rPr lang="pl-PL" dirty="0" smtClean="0"/>
+              <a:t> </a:t>
+            </a:r>
+            <a:r>
+              <a:rPr lang="pl-PL" dirty="0" err="1" smtClean="0"/>
+              <a:t>line</a:t>
             </a:r>
             <a:endParaRPr lang="pl-PL" dirty="0"/>
           </a:p>
         </p:txBody>
       </p:sp>
-      <p:sp>
-        <p:nvSpPr>
-          <p:cNvPr id="3" name="Symbol zastępczy zawartości 2"/>
-          <p:cNvSpPr>
-            <a:spLocks noGrp="1"/>
-          </p:cNvSpPr>
-          <p:nvPr>
-            <p:ph idx="1"/>
-          </p:nvPr>
-        </p:nvSpPr>
-        <p:spPr/>
-        <p:txBody>
-          <a:bodyPr/>
-          <a:lstStyle/>
-          <a:p>
-            <a:endParaRPr lang="pl-PL"/>
-          </a:p>
-        </p:txBody>
-      </p:sp>
+      <p:pic>
+        <p:nvPicPr>
+          <p:cNvPr id="2050" name="Picture 2"/>
+          <p:cNvPicPr>
+            <a:picLocks noChangeAspect="1" noChangeArrowheads="1"/>
+          </p:cNvPicPr>
+          <p:nvPr/>
+        </p:nvPicPr>
+        <p:blipFill>
+          <a:blip r:embed="rId2">
+            <a:extLst>
+              <a:ext uri="{28A0092B-C50C-407E-A947-70E740481C1C}">
+                <a14:useLocalDpi xmlns:a14="http://schemas.microsoft.com/office/drawing/2010/main" val="0"/>
+              </a:ext>
+            </a:extLst>
+          </a:blip>
+          <a:srcRect/>
+          <a:stretch>
+            <a:fillRect/>
+          </a:stretch>
+        </p:blipFill>
+        <p:spPr bwMode="auto">
+          <a:xfrm>
+            <a:off x="-1" y="1700808"/>
+            <a:ext cx="9143933" cy="4617839"/>
+          </a:xfrm>
+          <a:prstGeom prst="rect">
+            <a:avLst/>
+          </a:prstGeom>
+          <a:noFill/>
+          <a:ln>
+            <a:noFill/>
+          </a:ln>
+          <a:effectLst/>
+          <a:extLst>
+            <a:ext uri="{909E8E84-426E-40DD-AFC4-6F175D3DCCD1}">
+              <a14:hiddenFill xmlns:a14="http://schemas.microsoft.com/office/drawing/2010/main">
+                <a:solidFill>
+                  <a:schemeClr val="accent1"/>
+                </a:solidFill>
+              </a14:hiddenFill>
+            </a:ext>
+            <a:ext uri="{91240B29-F687-4F45-9708-019B960494DF}">
+              <a14:hiddenLine xmlns:a14="http://schemas.microsoft.com/office/drawing/2010/main" w="9525">
+                <a:solidFill>
+                  <a:schemeClr val="tx1"/>
+                </a:solidFill>
+                <a:miter lim="800000"/>
+                <a:headEnd/>
+                <a:tailEnd/>
+              </a14:hiddenLine>
+            </a:ext>
+            <a:ext uri="{AF507438-7753-43E0-B8FC-AC1667EBCBE1}">
+              <a14:hiddenEffects xmlns:a14="http://schemas.microsoft.com/office/drawing/2010/main">
+                <a:effectLst>
+                  <a:outerShdw dist="35921" dir="2700000" algn="ctr" rotWithShape="0">
+                    <a:schemeClr val="bg2"/>
+                  </a:outerShdw>
+                </a:effectLst>
+              </a14:hiddenEffects>
+            </a:ext>
+          </a:extLst>
+        </p:spPr>
+      </p:pic>
     </p:spTree>
     <p:extLst>
       <p:ext uri="{BB962C8B-B14F-4D97-AF65-F5344CB8AC3E}">
-        <p14:creationId xmlns:p14="http://schemas.microsoft.com/office/powerpoint/2010/main" val="4065134659"/>
+        <p14:creationId xmlns:p14="http://schemas.microsoft.com/office/powerpoint/2010/main" val="705834278"/>
       </p:ext>
     </p:extLst>
   </p:cSld>
   <p:clrMapOvr>
     <a:masterClrMapping/>
   </p:clrMapOvr>
+  <p:timing>
+    <p:tnLst>
+      <p:par>
+        <p:cTn id="1" dur="indefinite" restart="never" nodeType="tmRoot"/>
+      </p:par>
+    </p:tnLst>
+  </p:timing>
 </p:sld>
 </file>
 
@@ -9256,41 +10267,101 @@
           <a:p>
             <a:r>
               <a:rPr lang="pl-PL" dirty="0" smtClean="0"/>
-              <a:t>Konfiguracja</a:t>
+              <a:t>2b. Uruchomienie - </a:t>
+            </a:r>
+            <a:r>
+              <a:rPr lang="pl-PL" dirty="0"/>
+              <a:t>W</a:t>
+            </a:r>
+            <a:r>
+              <a:rPr lang="pl-PL" dirty="0" smtClean="0"/>
+              <a:t>orkbench</a:t>
             </a:r>
             <a:endParaRPr lang="pl-PL" dirty="0"/>
           </a:p>
         </p:txBody>
       </p:sp>
-      <p:sp>
-        <p:nvSpPr>
-          <p:cNvPr id="3" name="Symbol zastępczy zawartości 2"/>
-          <p:cNvSpPr>
-            <a:spLocks noGrp="1"/>
-          </p:cNvSpPr>
-          <p:nvPr>
-            <p:ph idx="1"/>
-          </p:nvPr>
-        </p:nvSpPr>
-        <p:spPr/>
-        <p:txBody>
-          <a:bodyPr/>
-          <a:lstStyle/>
-          <a:p>
-            <a:endParaRPr lang="pl-PL"/>
-          </a:p>
-        </p:txBody>
-      </p:sp>
+      <p:pic>
+        <p:nvPicPr>
+          <p:cNvPr id="2051" name="Picture 3"/>
+          <p:cNvPicPr>
+            <a:picLocks noChangeAspect="1" noChangeArrowheads="1"/>
+          </p:cNvPicPr>
+          <p:nvPr/>
+        </p:nvPicPr>
+        <p:blipFill>
+          <a:blip r:embed="rId2">
+            <a:extLst>
+              <a:ext uri="{28A0092B-C50C-407E-A947-70E740481C1C}">
+                <a14:useLocalDpi xmlns:a14="http://schemas.microsoft.com/office/drawing/2010/main" val="0"/>
+              </a:ext>
+            </a:extLst>
+          </a:blip>
+          <a:srcRect/>
+          <a:stretch>
+            <a:fillRect/>
+          </a:stretch>
+        </p:blipFill>
+        <p:spPr bwMode="auto">
+          <a:xfrm>
+            <a:off x="0" y="1413944"/>
+            <a:ext cx="9144000" cy="4924568"/>
+          </a:xfrm>
+          <a:prstGeom prst="rect">
+            <a:avLst/>
+          </a:prstGeom>
+          <a:noFill/>
+          <a:ln>
+            <a:noFill/>
+          </a:ln>
+          <a:effectLst/>
+          <a:extLst>
+            <a:ext uri="{909E8E84-426E-40DD-AFC4-6F175D3DCCD1}">
+              <a14:hiddenFill xmlns:a14="http://schemas.microsoft.com/office/drawing/2010/main">
+                <a:solidFill>
+                  <a:schemeClr val="accent1"/>
+                </a:solidFill>
+              </a14:hiddenFill>
+            </a:ext>
+            <a:ext uri="{91240B29-F687-4F45-9708-019B960494DF}">
+              <a14:hiddenLine xmlns:a14="http://schemas.microsoft.com/office/drawing/2010/main" w="9525">
+                <a:solidFill>
+                  <a:schemeClr val="tx1"/>
+                </a:solidFill>
+                <a:miter lim="800000"/>
+                <a:headEnd/>
+                <a:tailEnd/>
+              </a14:hiddenLine>
+            </a:ext>
+            <a:ext uri="{AF507438-7753-43E0-B8FC-AC1667EBCBE1}">
+              <a14:hiddenEffects xmlns:a14="http://schemas.microsoft.com/office/drawing/2010/main">
+                <a:effectLst>
+                  <a:outerShdw dist="35921" dir="2700000" algn="ctr" rotWithShape="0">
+                    <a:schemeClr val="bg2"/>
+                  </a:outerShdw>
+                </a:effectLst>
+              </a14:hiddenEffects>
+            </a:ext>
+          </a:extLst>
+        </p:spPr>
+      </p:pic>
     </p:spTree>
     <p:extLst>
       <p:ext uri="{BB962C8B-B14F-4D97-AF65-F5344CB8AC3E}">
-        <p14:creationId xmlns:p14="http://schemas.microsoft.com/office/powerpoint/2010/main" val="1586296365"/>
+        <p14:creationId xmlns:p14="http://schemas.microsoft.com/office/powerpoint/2010/main" val="935810797"/>
       </p:ext>
     </p:extLst>
   </p:cSld>
   <p:clrMapOvr>
     <a:masterClrMapping/>
   </p:clrMapOvr>
+  <p:timing>
+    <p:tnLst>
+      <p:par>
+        <p:cTn id="1" dur="indefinite" restart="never" nodeType="tmRoot"/>
+      </p:par>
+    </p:tnLst>
+  </p:timing>
 </p:sld>
 </file>
 

--- a/MySQL + Hibernate.pptx
+++ b/MySQL + Hibernate.pptx
@@ -7,31 +7,33 @@
   <p:sldIdLst>
     <p:sldId id="256" r:id="rId2"/>
     <p:sldId id="267" r:id="rId3"/>
-    <p:sldId id="279" r:id="rId4"/>
-    <p:sldId id="277" r:id="rId5"/>
+    <p:sldId id="277" r:id="rId4"/>
+    <p:sldId id="279" r:id="rId5"/>
     <p:sldId id="268" r:id="rId6"/>
-    <p:sldId id="257" r:id="rId7"/>
-    <p:sldId id="269" r:id="rId8"/>
-    <p:sldId id="258" r:id="rId9"/>
-    <p:sldId id="278" r:id="rId10"/>
-    <p:sldId id="261" r:id="rId11"/>
-    <p:sldId id="259" r:id="rId12"/>
-    <p:sldId id="265" r:id="rId13"/>
-    <p:sldId id="262" r:id="rId14"/>
-    <p:sldId id="270" r:id="rId15"/>
-    <p:sldId id="271" r:id="rId16"/>
-    <p:sldId id="284" r:id="rId17"/>
-    <p:sldId id="285" r:id="rId18"/>
-    <p:sldId id="286" r:id="rId19"/>
-    <p:sldId id="287" r:id="rId20"/>
-    <p:sldId id="288" r:id="rId21"/>
-    <p:sldId id="289" r:id="rId22"/>
-    <p:sldId id="274" r:id="rId23"/>
-    <p:sldId id="280" r:id="rId24"/>
-    <p:sldId id="281" r:id="rId25"/>
-    <p:sldId id="282" r:id="rId26"/>
-    <p:sldId id="283" r:id="rId27"/>
-    <p:sldId id="276" r:id="rId28"/>
+    <p:sldId id="291" r:id="rId7"/>
+    <p:sldId id="257" r:id="rId8"/>
+    <p:sldId id="269" r:id="rId9"/>
+    <p:sldId id="290" r:id="rId10"/>
+    <p:sldId id="258" r:id="rId11"/>
+    <p:sldId id="278" r:id="rId12"/>
+    <p:sldId id="261" r:id="rId13"/>
+    <p:sldId id="259" r:id="rId14"/>
+    <p:sldId id="265" r:id="rId15"/>
+    <p:sldId id="262" r:id="rId16"/>
+    <p:sldId id="270" r:id="rId17"/>
+    <p:sldId id="271" r:id="rId18"/>
+    <p:sldId id="284" r:id="rId19"/>
+    <p:sldId id="285" r:id="rId20"/>
+    <p:sldId id="286" r:id="rId21"/>
+    <p:sldId id="287" r:id="rId22"/>
+    <p:sldId id="288" r:id="rId23"/>
+    <p:sldId id="289" r:id="rId24"/>
+    <p:sldId id="274" r:id="rId25"/>
+    <p:sldId id="280" r:id="rId26"/>
+    <p:sldId id="281" r:id="rId27"/>
+    <p:sldId id="282" r:id="rId28"/>
+    <p:sldId id="283" r:id="rId29"/>
+    <p:sldId id="276" r:id="rId30"/>
   </p:sldIdLst>
   <p:sldSz cx="9144000" cy="6858000" type="screen4x3"/>
   <p:notesSz cx="6858000" cy="9144000"/>
@@ -314,7 +316,7 @@
           <a:p>
             <a:fld id="{1CC7F0E2-2019-447E-84F0-9EF471FF89E6}" type="datetimeFigureOut">
               <a:rPr lang="pl-PL" smtClean="0"/>
-              <a:t>2013-04-05</a:t>
+              <a:t>2013-04-08</a:t>
             </a:fld>
             <a:endParaRPr lang="pl-PL"/>
           </a:p>
@@ -484,7 +486,7 @@
           <a:p>
             <a:fld id="{1CC7F0E2-2019-447E-84F0-9EF471FF89E6}" type="datetimeFigureOut">
               <a:rPr lang="pl-PL" smtClean="0"/>
-              <a:t>2013-04-05</a:t>
+              <a:t>2013-04-08</a:t>
             </a:fld>
             <a:endParaRPr lang="pl-PL"/>
           </a:p>
@@ -664,7 +666,7 @@
           <a:p>
             <a:fld id="{1CC7F0E2-2019-447E-84F0-9EF471FF89E6}" type="datetimeFigureOut">
               <a:rPr lang="pl-PL" smtClean="0"/>
-              <a:t>2013-04-05</a:t>
+              <a:t>2013-04-08</a:t>
             </a:fld>
             <a:endParaRPr lang="pl-PL"/>
           </a:p>
@@ -834,7 +836,7 @@
           <a:p>
             <a:fld id="{1CC7F0E2-2019-447E-84F0-9EF471FF89E6}" type="datetimeFigureOut">
               <a:rPr lang="pl-PL" smtClean="0"/>
-              <a:t>2013-04-05</a:t>
+              <a:t>2013-04-08</a:t>
             </a:fld>
             <a:endParaRPr lang="pl-PL"/>
           </a:p>
@@ -1080,7 +1082,7 @@
           <a:p>
             <a:fld id="{1CC7F0E2-2019-447E-84F0-9EF471FF89E6}" type="datetimeFigureOut">
               <a:rPr lang="pl-PL" smtClean="0"/>
-              <a:t>2013-04-05</a:t>
+              <a:t>2013-04-08</a:t>
             </a:fld>
             <a:endParaRPr lang="pl-PL"/>
           </a:p>
@@ -1368,7 +1370,7 @@
           <a:p>
             <a:fld id="{1CC7F0E2-2019-447E-84F0-9EF471FF89E6}" type="datetimeFigureOut">
               <a:rPr lang="pl-PL" smtClean="0"/>
-              <a:t>2013-04-05</a:t>
+              <a:t>2013-04-08</a:t>
             </a:fld>
             <a:endParaRPr lang="pl-PL"/>
           </a:p>
@@ -1790,7 +1792,7 @@
           <a:p>
             <a:fld id="{1CC7F0E2-2019-447E-84F0-9EF471FF89E6}" type="datetimeFigureOut">
               <a:rPr lang="pl-PL" smtClean="0"/>
-              <a:t>2013-04-05</a:t>
+              <a:t>2013-04-08</a:t>
             </a:fld>
             <a:endParaRPr lang="pl-PL"/>
           </a:p>
@@ -1908,7 +1910,7 @@
           <a:p>
             <a:fld id="{1CC7F0E2-2019-447E-84F0-9EF471FF89E6}" type="datetimeFigureOut">
               <a:rPr lang="pl-PL" smtClean="0"/>
-              <a:t>2013-04-05</a:t>
+              <a:t>2013-04-08</a:t>
             </a:fld>
             <a:endParaRPr lang="pl-PL"/>
           </a:p>
@@ -2003,7 +2005,7 @@
           <a:p>
             <a:fld id="{1CC7F0E2-2019-447E-84F0-9EF471FF89E6}" type="datetimeFigureOut">
               <a:rPr lang="pl-PL" smtClean="0"/>
-              <a:t>2013-04-05</a:t>
+              <a:t>2013-04-08</a:t>
             </a:fld>
             <a:endParaRPr lang="pl-PL"/>
           </a:p>
@@ -2280,7 +2282,7 @@
           <a:p>
             <a:fld id="{1CC7F0E2-2019-447E-84F0-9EF471FF89E6}" type="datetimeFigureOut">
               <a:rPr lang="pl-PL" smtClean="0"/>
-              <a:t>2013-04-05</a:t>
+              <a:t>2013-04-08</a:t>
             </a:fld>
             <a:endParaRPr lang="pl-PL"/>
           </a:p>
@@ -2533,7 +2535,7 @@
           <a:p>
             <a:fld id="{1CC7F0E2-2019-447E-84F0-9EF471FF89E6}" type="datetimeFigureOut">
               <a:rPr lang="pl-PL" smtClean="0"/>
-              <a:t>2013-04-05</a:t>
+              <a:t>2013-04-08</a:t>
             </a:fld>
             <a:endParaRPr lang="pl-PL"/>
           </a:p>
@@ -2746,7 +2748,7 @@
           <a:p>
             <a:fld id="{1CC7F0E2-2019-447E-84F0-9EF471FF89E6}" type="datetimeFigureOut">
               <a:rPr lang="pl-PL" smtClean="0"/>
-              <a:t>2013-04-05</a:t>
+              <a:t>2013-04-08</a:t>
             </a:fld>
             <a:endParaRPr lang="pl-PL"/>
           </a:p>
@@ -3227,6 +3229,274 @@
           <a:p>
             <a:r>
               <a:rPr lang="pl-PL" dirty="0" smtClean="0"/>
+              <a:t>2a. Uruchomienie – </a:t>
+            </a:r>
+            <a:r>
+              <a:rPr lang="pl-PL" dirty="0" err="1" smtClean="0"/>
+              <a:t>command</a:t>
+            </a:r>
+            <a:r>
+              <a:rPr lang="pl-PL" dirty="0" smtClean="0"/>
+              <a:t> </a:t>
+            </a:r>
+            <a:r>
+              <a:rPr lang="pl-PL" dirty="0" err="1" smtClean="0"/>
+              <a:t>line</a:t>
+            </a:r>
+            <a:endParaRPr lang="pl-PL" dirty="0"/>
+          </a:p>
+        </p:txBody>
+      </p:sp>
+      <p:pic>
+        <p:nvPicPr>
+          <p:cNvPr id="2050" name="Picture 2"/>
+          <p:cNvPicPr>
+            <a:picLocks noChangeAspect="1" noChangeArrowheads="1"/>
+          </p:cNvPicPr>
+          <p:nvPr/>
+        </p:nvPicPr>
+        <p:blipFill>
+          <a:blip r:embed="rId2">
+            <a:extLst>
+              <a:ext uri="{28A0092B-C50C-407E-A947-70E740481C1C}">
+                <a14:useLocalDpi xmlns:a14="http://schemas.microsoft.com/office/drawing/2010/main" val="0"/>
+              </a:ext>
+            </a:extLst>
+          </a:blip>
+          <a:srcRect/>
+          <a:stretch>
+            <a:fillRect/>
+          </a:stretch>
+        </p:blipFill>
+        <p:spPr bwMode="auto">
+          <a:xfrm>
+            <a:off x="-1" y="1700808"/>
+            <a:ext cx="9143933" cy="4617839"/>
+          </a:xfrm>
+          <a:prstGeom prst="rect">
+            <a:avLst/>
+          </a:prstGeom>
+          <a:noFill/>
+          <a:ln>
+            <a:noFill/>
+          </a:ln>
+          <a:effectLst/>
+          <a:extLst>
+            <a:ext uri="{909E8E84-426E-40DD-AFC4-6F175D3DCCD1}">
+              <a14:hiddenFill xmlns:a14="http://schemas.microsoft.com/office/drawing/2010/main">
+                <a:solidFill>
+                  <a:schemeClr val="accent1"/>
+                </a:solidFill>
+              </a14:hiddenFill>
+            </a:ext>
+            <a:ext uri="{91240B29-F687-4F45-9708-019B960494DF}">
+              <a14:hiddenLine xmlns:a14="http://schemas.microsoft.com/office/drawing/2010/main" w="9525">
+                <a:solidFill>
+                  <a:schemeClr val="tx1"/>
+                </a:solidFill>
+                <a:miter lim="800000"/>
+                <a:headEnd/>
+                <a:tailEnd/>
+              </a14:hiddenLine>
+            </a:ext>
+            <a:ext uri="{AF507438-7753-43E0-B8FC-AC1667EBCBE1}">
+              <a14:hiddenEffects xmlns:a14="http://schemas.microsoft.com/office/drawing/2010/main">
+                <a:effectLst>
+                  <a:outerShdw dist="35921" dir="2700000" algn="ctr" rotWithShape="0">
+                    <a:schemeClr val="bg2"/>
+                  </a:outerShdw>
+                </a:effectLst>
+              </a14:hiddenEffects>
+            </a:ext>
+          </a:extLst>
+        </p:spPr>
+      </p:pic>
+    </p:spTree>
+    <p:extLst>
+      <p:ext uri="{BB962C8B-B14F-4D97-AF65-F5344CB8AC3E}">
+        <p14:creationId xmlns:p14="http://schemas.microsoft.com/office/powerpoint/2010/main" val="705834278"/>
+      </p:ext>
+    </p:extLst>
+  </p:cSld>
+  <p:clrMapOvr>
+    <a:masterClrMapping/>
+  </p:clrMapOvr>
+  <p:timing>
+    <p:tnLst>
+      <p:par>
+        <p:cTn id="1" dur="indefinite" restart="never" nodeType="tmRoot"/>
+      </p:par>
+    </p:tnLst>
+  </p:timing>
+</p:sld>
+</file>
+
+<file path=ppt/slides/slide11.xml><?xml version="1.0" encoding="utf-8"?>
+<p:sld xmlns:a="http://schemas.openxmlformats.org/drawingml/2006/main" xmlns:r="http://schemas.openxmlformats.org/officeDocument/2006/relationships" xmlns:p="http://schemas.openxmlformats.org/presentationml/2006/main">
+  <p:cSld>
+    <p:spTree>
+      <p:nvGrpSpPr>
+        <p:cNvPr id="1" name=""/>
+        <p:cNvGrpSpPr/>
+        <p:nvPr/>
+      </p:nvGrpSpPr>
+      <p:grpSpPr>
+        <a:xfrm>
+          <a:off x="0" y="0"/>
+          <a:ext cx="0" cy="0"/>
+          <a:chOff x="0" y="0"/>
+          <a:chExt cx="0" cy="0"/>
+        </a:xfrm>
+      </p:grpSpPr>
+      <p:sp>
+        <p:nvSpPr>
+          <p:cNvPr id="2" name="Tytuł 1"/>
+          <p:cNvSpPr>
+            <a:spLocks noGrp="1"/>
+          </p:cNvSpPr>
+          <p:nvPr>
+            <p:ph type="title"/>
+          </p:nvPr>
+        </p:nvSpPr>
+        <p:spPr/>
+        <p:txBody>
+          <a:bodyPr/>
+          <a:lstStyle/>
+          <a:p>
+            <a:r>
+              <a:rPr lang="pl-PL" dirty="0" smtClean="0"/>
+              <a:t>2b. Uruchomienie - </a:t>
+            </a:r>
+            <a:r>
+              <a:rPr lang="pl-PL" dirty="0"/>
+              <a:t>W</a:t>
+            </a:r>
+            <a:r>
+              <a:rPr lang="pl-PL" dirty="0" smtClean="0"/>
+              <a:t>orkbench</a:t>
+            </a:r>
+            <a:endParaRPr lang="pl-PL" dirty="0"/>
+          </a:p>
+        </p:txBody>
+      </p:sp>
+      <p:pic>
+        <p:nvPicPr>
+          <p:cNvPr id="2051" name="Picture 3"/>
+          <p:cNvPicPr>
+            <a:picLocks noChangeAspect="1" noChangeArrowheads="1"/>
+          </p:cNvPicPr>
+          <p:nvPr/>
+        </p:nvPicPr>
+        <p:blipFill>
+          <a:blip r:embed="rId2">
+            <a:extLst>
+              <a:ext uri="{28A0092B-C50C-407E-A947-70E740481C1C}">
+                <a14:useLocalDpi xmlns:a14="http://schemas.microsoft.com/office/drawing/2010/main" val="0"/>
+              </a:ext>
+            </a:extLst>
+          </a:blip>
+          <a:srcRect/>
+          <a:stretch>
+            <a:fillRect/>
+          </a:stretch>
+        </p:blipFill>
+        <p:spPr bwMode="auto">
+          <a:xfrm>
+            <a:off x="0" y="1413944"/>
+            <a:ext cx="9144000" cy="4924568"/>
+          </a:xfrm>
+          <a:prstGeom prst="rect">
+            <a:avLst/>
+          </a:prstGeom>
+          <a:noFill/>
+          <a:ln>
+            <a:noFill/>
+          </a:ln>
+          <a:effectLst/>
+          <a:extLst>
+            <a:ext uri="{909E8E84-426E-40DD-AFC4-6F175D3DCCD1}">
+              <a14:hiddenFill xmlns:a14="http://schemas.microsoft.com/office/drawing/2010/main">
+                <a:solidFill>
+                  <a:schemeClr val="accent1"/>
+                </a:solidFill>
+              </a14:hiddenFill>
+            </a:ext>
+            <a:ext uri="{91240B29-F687-4F45-9708-019B960494DF}">
+              <a14:hiddenLine xmlns:a14="http://schemas.microsoft.com/office/drawing/2010/main" w="9525">
+                <a:solidFill>
+                  <a:schemeClr val="tx1"/>
+                </a:solidFill>
+                <a:miter lim="800000"/>
+                <a:headEnd/>
+                <a:tailEnd/>
+              </a14:hiddenLine>
+            </a:ext>
+            <a:ext uri="{AF507438-7753-43E0-B8FC-AC1667EBCBE1}">
+              <a14:hiddenEffects xmlns:a14="http://schemas.microsoft.com/office/drawing/2010/main">
+                <a:effectLst>
+                  <a:outerShdw dist="35921" dir="2700000" algn="ctr" rotWithShape="0">
+                    <a:schemeClr val="bg2"/>
+                  </a:outerShdw>
+                </a:effectLst>
+              </a14:hiddenEffects>
+            </a:ext>
+          </a:extLst>
+        </p:spPr>
+      </p:pic>
+    </p:spTree>
+    <p:extLst>
+      <p:ext uri="{BB962C8B-B14F-4D97-AF65-F5344CB8AC3E}">
+        <p14:creationId xmlns:p14="http://schemas.microsoft.com/office/powerpoint/2010/main" val="935810797"/>
+      </p:ext>
+    </p:extLst>
+  </p:cSld>
+  <p:clrMapOvr>
+    <a:masterClrMapping/>
+  </p:clrMapOvr>
+  <p:timing>
+    <p:tnLst>
+      <p:par>
+        <p:cTn id="1" dur="indefinite" restart="never" nodeType="tmRoot"/>
+      </p:par>
+    </p:tnLst>
+  </p:timing>
+</p:sld>
+</file>
+
+<file path=ppt/slides/slide12.xml><?xml version="1.0" encoding="utf-8"?>
+<p:sld xmlns:a="http://schemas.openxmlformats.org/drawingml/2006/main" xmlns:r="http://schemas.openxmlformats.org/officeDocument/2006/relationships" xmlns:p="http://schemas.openxmlformats.org/presentationml/2006/main">
+  <p:cSld>
+    <p:spTree>
+      <p:nvGrpSpPr>
+        <p:cNvPr id="1" name=""/>
+        <p:cNvGrpSpPr/>
+        <p:nvPr/>
+      </p:nvGrpSpPr>
+      <p:grpSpPr>
+        <a:xfrm>
+          <a:off x="0" y="0"/>
+          <a:ext cx="0" cy="0"/>
+          <a:chOff x="0" y="0"/>
+          <a:chExt cx="0" cy="0"/>
+        </a:xfrm>
+      </p:grpSpPr>
+      <p:sp>
+        <p:nvSpPr>
+          <p:cNvPr id="2" name="Tytuł 1"/>
+          <p:cNvSpPr>
+            <a:spLocks noGrp="1"/>
+          </p:cNvSpPr>
+          <p:nvPr>
+            <p:ph type="title"/>
+          </p:nvPr>
+        </p:nvSpPr>
+        <p:spPr/>
+        <p:txBody>
+          <a:bodyPr/>
+          <a:lstStyle/>
+          <a:p>
+            <a:r>
+              <a:rPr lang="pl-PL" dirty="0" smtClean="0"/>
               <a:t>Tworzenie bazy danych</a:t>
             </a:r>
             <a:endParaRPr lang="pl-PL" dirty="0"/>
@@ -4036,1193 +4306,6 @@
 </p:sld>
 </file>
 
-<file path=ppt/slides/slide11.xml><?xml version="1.0" encoding="utf-8"?>
-<p:sld xmlns:a="http://schemas.openxmlformats.org/drawingml/2006/main" xmlns:r="http://schemas.openxmlformats.org/officeDocument/2006/relationships" xmlns:p="http://schemas.openxmlformats.org/presentationml/2006/main">
-  <p:cSld>
-    <p:spTree>
-      <p:nvGrpSpPr>
-        <p:cNvPr id="1" name=""/>
-        <p:cNvGrpSpPr/>
-        <p:nvPr/>
-      </p:nvGrpSpPr>
-      <p:grpSpPr>
-        <a:xfrm>
-          <a:off x="0" y="0"/>
-          <a:ext cx="0" cy="0"/>
-          <a:chOff x="0" y="0"/>
-          <a:chExt cx="0" cy="0"/>
-        </a:xfrm>
-      </p:grpSpPr>
-      <p:sp>
-        <p:nvSpPr>
-          <p:cNvPr id="2" name="Tytuł 1"/>
-          <p:cNvSpPr>
-            <a:spLocks noGrp="1"/>
-          </p:cNvSpPr>
-          <p:nvPr>
-            <p:ph type="title"/>
-          </p:nvPr>
-        </p:nvSpPr>
-        <p:spPr/>
-        <p:txBody>
-          <a:bodyPr>
-            <a:normAutofit/>
-          </a:bodyPr>
-          <a:lstStyle/>
-          <a:p>
-            <a:r>
-              <a:rPr lang="pl-PL" dirty="0" smtClean="0"/>
-              <a:t>Tworzenie tabeli</a:t>
-            </a:r>
-            <a:endParaRPr lang="pl-PL" dirty="0"/>
-          </a:p>
-        </p:txBody>
-      </p:sp>
-      <p:sp>
-        <p:nvSpPr>
-          <p:cNvPr id="3" name="Symbol zastępczy zawartości 2"/>
-          <p:cNvSpPr>
-            <a:spLocks noGrp="1"/>
-          </p:cNvSpPr>
-          <p:nvPr>
-            <p:ph idx="1"/>
-          </p:nvPr>
-        </p:nvSpPr>
-        <p:spPr>
-          <a:xfrm>
-            <a:off x="594032" y="1556792"/>
-            <a:ext cx="8532440" cy="4392488"/>
-          </a:xfrm>
-        </p:spPr>
-        <p:txBody>
-          <a:bodyPr>
-            <a:noAutofit/>
-          </a:bodyPr>
-          <a:lstStyle/>
-          <a:p>
-            <a:pPr marL="0" indent="0">
-              <a:buNone/>
-            </a:pPr>
-            <a:r>
-              <a:rPr lang="pl-PL" sz="1600" dirty="0">
-                <a:latin typeface="Lucida Console" pitchFamily="49" charset="0"/>
-              </a:rPr>
-              <a:t>CREATE TABLE Products(</a:t>
-            </a:r>
-            <a:br>
-              <a:rPr lang="pl-PL" sz="1600" dirty="0">
-                <a:latin typeface="Lucida Console" pitchFamily="49" charset="0"/>
-              </a:rPr>
-            </a:br>
-            <a:r>
-              <a:rPr lang="pl-PL" sz="1600" dirty="0" smtClean="0">
-                <a:latin typeface="Lucida Console" pitchFamily="49" charset="0"/>
-              </a:rPr>
-              <a:t>	</a:t>
-            </a:r>
-            <a:r>
-              <a:rPr lang="pl-PL" sz="1600" dirty="0" err="1" smtClean="0">
-                <a:latin typeface="Lucida Console" pitchFamily="49" charset="0"/>
-              </a:rPr>
-              <a:t>ProductID</a:t>
-            </a:r>
-            <a:r>
-              <a:rPr lang="pl-PL" sz="1600" dirty="0" smtClean="0">
-                <a:latin typeface="Lucida Console" pitchFamily="49" charset="0"/>
-              </a:rPr>
-              <a:t> </a:t>
-            </a:r>
-            <a:r>
-              <a:rPr lang="pl-PL" sz="1600" dirty="0" smtClean="0">
-                <a:solidFill>
-                  <a:srgbClr val="FF0000"/>
-                </a:solidFill>
-                <a:latin typeface="Lucida Console" pitchFamily="49" charset="0"/>
-              </a:rPr>
-              <a:t>INT NOT NULL AUTO_INCREMENT</a:t>
-            </a:r>
-            <a:r>
-              <a:rPr lang="pl-PL" sz="1600" dirty="0" smtClean="0">
-                <a:latin typeface="Lucida Console" pitchFamily="49" charset="0"/>
-              </a:rPr>
-              <a:t>,</a:t>
-            </a:r>
-            <a:br>
-              <a:rPr lang="pl-PL" sz="1600" dirty="0" smtClean="0">
-                <a:latin typeface="Lucida Console" pitchFamily="49" charset="0"/>
-              </a:rPr>
-            </a:br>
-            <a:r>
-              <a:rPr lang="pl-PL" sz="1600" dirty="0" smtClean="0">
-                <a:latin typeface="Lucida Console" pitchFamily="49" charset="0"/>
-              </a:rPr>
-              <a:t>	</a:t>
-            </a:r>
-            <a:r>
-              <a:rPr lang="pl-PL" sz="1600" dirty="0" err="1" smtClean="0">
-                <a:latin typeface="Lucida Console" pitchFamily="49" charset="0"/>
-              </a:rPr>
-              <a:t>ProductName</a:t>
-            </a:r>
-            <a:r>
-              <a:rPr lang="pl-PL" sz="1600" dirty="0" smtClean="0">
-                <a:latin typeface="Lucida Console" pitchFamily="49" charset="0"/>
-              </a:rPr>
-              <a:t> VARCHAR(40) NOT NULL,</a:t>
-            </a:r>
-            <a:br>
-              <a:rPr lang="pl-PL" sz="1600" dirty="0" smtClean="0">
-                <a:latin typeface="Lucida Console" pitchFamily="49" charset="0"/>
-              </a:rPr>
-            </a:br>
-            <a:r>
-              <a:rPr lang="pl-PL" sz="1600" dirty="0" smtClean="0">
-                <a:latin typeface="Lucida Console" pitchFamily="49" charset="0"/>
-              </a:rPr>
-              <a:t>	</a:t>
-            </a:r>
-            <a:r>
-              <a:rPr lang="pl-PL" sz="1600" dirty="0" err="1" smtClean="0">
-                <a:latin typeface="Lucida Console" pitchFamily="49" charset="0"/>
-              </a:rPr>
-              <a:t>SupplierID</a:t>
-            </a:r>
-            <a:r>
-              <a:rPr lang="pl-PL" sz="1600" dirty="0" smtClean="0">
-                <a:latin typeface="Lucida Console" pitchFamily="49" charset="0"/>
-              </a:rPr>
-              <a:t> INT NOT NULL,</a:t>
-            </a:r>
-            <a:br>
-              <a:rPr lang="pl-PL" sz="1600" dirty="0" smtClean="0">
-                <a:latin typeface="Lucida Console" pitchFamily="49" charset="0"/>
-              </a:rPr>
-            </a:br>
-            <a:r>
-              <a:rPr lang="pl-PL" sz="1600" dirty="0" smtClean="0">
-                <a:latin typeface="Lucida Console" pitchFamily="49" charset="0"/>
-              </a:rPr>
-              <a:t>	</a:t>
-            </a:r>
-            <a:r>
-              <a:rPr lang="pl-PL" sz="1600" dirty="0" err="1" smtClean="0">
-                <a:latin typeface="Lucida Console" pitchFamily="49" charset="0"/>
-              </a:rPr>
-              <a:t>CategoryID</a:t>
-            </a:r>
-            <a:r>
-              <a:rPr lang="pl-PL" sz="1600" dirty="0" smtClean="0">
-                <a:latin typeface="Lucida Console" pitchFamily="49" charset="0"/>
-              </a:rPr>
-              <a:t> INT NOT NULL,</a:t>
-            </a:r>
-            <a:br>
-              <a:rPr lang="pl-PL" sz="1600" dirty="0" smtClean="0">
-                <a:latin typeface="Lucida Console" pitchFamily="49" charset="0"/>
-              </a:rPr>
-            </a:br>
-            <a:r>
-              <a:rPr lang="pl-PL" sz="1600" dirty="0" smtClean="0">
-                <a:latin typeface="Lucida Console" pitchFamily="49" charset="0"/>
-              </a:rPr>
-              <a:t>	</a:t>
-            </a:r>
-            <a:r>
-              <a:rPr lang="pl-PL" sz="1600" dirty="0" err="1" smtClean="0">
-                <a:latin typeface="Lucida Console" pitchFamily="49" charset="0"/>
-              </a:rPr>
-              <a:t>QuantityPerUnit</a:t>
-            </a:r>
-            <a:r>
-              <a:rPr lang="pl-PL" sz="1600" dirty="0" smtClean="0">
-                <a:latin typeface="Lucida Console" pitchFamily="49" charset="0"/>
-              </a:rPr>
-              <a:t> VARCHAR(20),</a:t>
-            </a:r>
-            <a:br>
-              <a:rPr lang="pl-PL" sz="1600" dirty="0" smtClean="0">
-                <a:latin typeface="Lucida Console" pitchFamily="49" charset="0"/>
-              </a:rPr>
-            </a:br>
-            <a:r>
-              <a:rPr lang="pl-PL" sz="1600" dirty="0" smtClean="0">
-                <a:latin typeface="Lucida Console" pitchFamily="49" charset="0"/>
-              </a:rPr>
-              <a:t>	</a:t>
-            </a:r>
-            <a:r>
-              <a:rPr lang="pl-PL" sz="1600" dirty="0" err="1" smtClean="0">
-                <a:latin typeface="Lucida Console" pitchFamily="49" charset="0"/>
-              </a:rPr>
-              <a:t>UnitPrice</a:t>
-            </a:r>
-            <a:r>
-              <a:rPr lang="pl-PL" sz="1600" dirty="0" smtClean="0">
-                <a:latin typeface="Lucida Console" pitchFamily="49" charset="0"/>
-              </a:rPr>
-              <a:t> FLOAT </a:t>
-            </a:r>
-            <a:r>
-              <a:rPr lang="pl-PL" sz="1600" dirty="0" smtClean="0">
-                <a:solidFill>
-                  <a:srgbClr val="FF0000"/>
-                </a:solidFill>
-                <a:latin typeface="Lucida Console" pitchFamily="49" charset="0"/>
-              </a:rPr>
-              <a:t>DEFAULT 0,</a:t>
-            </a:r>
-            <a:r>
-              <a:rPr lang="pl-PL" sz="1600" dirty="0" smtClean="0">
-                <a:latin typeface="Lucida Console" pitchFamily="49" charset="0"/>
-              </a:rPr>
-              <a:t/>
-            </a:r>
-            <a:br>
-              <a:rPr lang="pl-PL" sz="1600" dirty="0" smtClean="0">
-                <a:latin typeface="Lucida Console" pitchFamily="49" charset="0"/>
-              </a:rPr>
-            </a:br>
-            <a:r>
-              <a:rPr lang="pl-PL" sz="1600" dirty="0" smtClean="0">
-                <a:latin typeface="Lucida Console" pitchFamily="49" charset="0"/>
-              </a:rPr>
-              <a:t>	</a:t>
-            </a:r>
-            <a:r>
-              <a:rPr lang="pl-PL" sz="1600" dirty="0" err="1" smtClean="0">
-                <a:latin typeface="Lucida Console" pitchFamily="49" charset="0"/>
-              </a:rPr>
-              <a:t>UnitsInStock</a:t>
-            </a:r>
-            <a:r>
-              <a:rPr lang="pl-PL" sz="1600" dirty="0" smtClean="0">
-                <a:latin typeface="Lucida Console" pitchFamily="49" charset="0"/>
-              </a:rPr>
-              <a:t> SMALLINT DEFAULT 0,</a:t>
-            </a:r>
-            <a:br>
-              <a:rPr lang="pl-PL" sz="1600" dirty="0" smtClean="0">
-                <a:latin typeface="Lucida Console" pitchFamily="49" charset="0"/>
-              </a:rPr>
-            </a:br>
-            <a:r>
-              <a:rPr lang="pl-PL" sz="1600" dirty="0" smtClean="0">
-                <a:latin typeface="Lucida Console" pitchFamily="49" charset="0"/>
-              </a:rPr>
-              <a:t>	</a:t>
-            </a:r>
-            <a:r>
-              <a:rPr lang="pl-PL" sz="1600" dirty="0" err="1" smtClean="0">
-                <a:latin typeface="Lucida Console" pitchFamily="49" charset="0"/>
-              </a:rPr>
-              <a:t>UnitsOnOrder</a:t>
-            </a:r>
-            <a:r>
-              <a:rPr lang="pl-PL" sz="1600" dirty="0" smtClean="0">
-                <a:latin typeface="Lucida Console" pitchFamily="49" charset="0"/>
-              </a:rPr>
-              <a:t> SMALLINT DEFAULT 0,</a:t>
-            </a:r>
-            <a:br>
-              <a:rPr lang="pl-PL" sz="1600" dirty="0" smtClean="0">
-                <a:latin typeface="Lucida Console" pitchFamily="49" charset="0"/>
-              </a:rPr>
-            </a:br>
-            <a:r>
-              <a:rPr lang="pl-PL" sz="1600" dirty="0" smtClean="0">
-                <a:latin typeface="Lucida Console" pitchFamily="49" charset="0"/>
-              </a:rPr>
-              <a:t>	</a:t>
-            </a:r>
-            <a:r>
-              <a:rPr lang="pl-PL" sz="1600" dirty="0" err="1" smtClean="0">
-                <a:latin typeface="Lucida Console" pitchFamily="49" charset="0"/>
-              </a:rPr>
-              <a:t>ReorderLevel</a:t>
-            </a:r>
-            <a:r>
-              <a:rPr lang="pl-PL" sz="1600" dirty="0" smtClean="0">
-                <a:latin typeface="Lucida Console" pitchFamily="49" charset="0"/>
-              </a:rPr>
-              <a:t> SMALLINT DEFAULT 0,</a:t>
-            </a:r>
-            <a:br>
-              <a:rPr lang="pl-PL" sz="1600" dirty="0" smtClean="0">
-                <a:latin typeface="Lucida Console" pitchFamily="49" charset="0"/>
-              </a:rPr>
-            </a:br>
-            <a:r>
-              <a:rPr lang="pl-PL" sz="1600" dirty="0" smtClean="0">
-                <a:latin typeface="Lucida Console" pitchFamily="49" charset="0"/>
-              </a:rPr>
-              <a:t>	</a:t>
-            </a:r>
-            <a:r>
-              <a:rPr lang="pl-PL" sz="1600" dirty="0" err="1" smtClean="0">
-                <a:latin typeface="Lucida Console" pitchFamily="49" charset="0"/>
-              </a:rPr>
-              <a:t>Discontinued</a:t>
-            </a:r>
-            <a:r>
-              <a:rPr lang="pl-PL" sz="1600" dirty="0" smtClean="0">
-                <a:latin typeface="Lucida Console" pitchFamily="49" charset="0"/>
-              </a:rPr>
-              <a:t> TINYINT DEFAULT 0 NOT NULL,</a:t>
-            </a:r>
-            <a:br>
-              <a:rPr lang="pl-PL" sz="1600" dirty="0" smtClean="0">
-                <a:latin typeface="Lucida Console" pitchFamily="49" charset="0"/>
-              </a:rPr>
-            </a:br>
-            <a:r>
-              <a:rPr lang="pl-PL" sz="1600" dirty="0" smtClean="0">
-                <a:latin typeface="Lucida Console" pitchFamily="49" charset="0"/>
-              </a:rPr>
-              <a:t>	</a:t>
-            </a:r>
-            <a:r>
-              <a:rPr lang="pl-PL" sz="1600" dirty="0" smtClean="0">
-                <a:solidFill>
-                  <a:srgbClr val="FF0000"/>
-                </a:solidFill>
-                <a:latin typeface="Lucida Console" pitchFamily="49" charset="0"/>
-              </a:rPr>
-              <a:t>FOREIGN KEY (</a:t>
-            </a:r>
-            <a:r>
-              <a:rPr lang="pl-PL" sz="1600" dirty="0" err="1" smtClean="0">
-                <a:solidFill>
-                  <a:srgbClr val="FF0000"/>
-                </a:solidFill>
-                <a:latin typeface="Lucida Console" pitchFamily="49" charset="0"/>
-              </a:rPr>
-              <a:t>CategoryID</a:t>
-            </a:r>
-            <a:r>
-              <a:rPr lang="pl-PL" sz="1600" dirty="0" smtClean="0">
-                <a:solidFill>
-                  <a:srgbClr val="FF0000"/>
-                </a:solidFill>
-                <a:latin typeface="Lucida Console" pitchFamily="49" charset="0"/>
-              </a:rPr>
-              <a:t>) REFERENCES </a:t>
-            </a:r>
-            <a:r>
-              <a:rPr lang="pl-PL" sz="1600" dirty="0" err="1" smtClean="0">
-                <a:solidFill>
-                  <a:srgbClr val="FF0000"/>
-                </a:solidFill>
-                <a:latin typeface="Lucida Console" pitchFamily="49" charset="0"/>
-              </a:rPr>
-              <a:t>Categories</a:t>
-            </a:r>
-            <a:r>
-              <a:rPr lang="pl-PL" sz="1600" dirty="0" smtClean="0">
-                <a:solidFill>
-                  <a:srgbClr val="FF0000"/>
-                </a:solidFill>
-                <a:latin typeface="Lucida Console" pitchFamily="49" charset="0"/>
-              </a:rPr>
-              <a:t> (</a:t>
-            </a:r>
-            <a:r>
-              <a:rPr lang="pl-PL" sz="1600" dirty="0" err="1" smtClean="0">
-                <a:solidFill>
-                  <a:srgbClr val="FF0000"/>
-                </a:solidFill>
-                <a:latin typeface="Lucida Console" pitchFamily="49" charset="0"/>
-              </a:rPr>
-              <a:t>CategoryID</a:t>
-            </a:r>
-            <a:r>
-              <a:rPr lang="pl-PL" sz="1600" dirty="0" smtClean="0">
-                <a:solidFill>
-                  <a:srgbClr val="FF0000"/>
-                </a:solidFill>
-                <a:latin typeface="Lucida Console" pitchFamily="49" charset="0"/>
-              </a:rPr>
-              <a:t>),</a:t>
-            </a:r>
-            <a:br>
-              <a:rPr lang="pl-PL" sz="1600" dirty="0" smtClean="0">
-                <a:solidFill>
-                  <a:srgbClr val="FF0000"/>
-                </a:solidFill>
-                <a:latin typeface="Lucida Console" pitchFamily="49" charset="0"/>
-              </a:rPr>
-            </a:br>
-            <a:r>
-              <a:rPr lang="pl-PL" sz="1600" dirty="0" smtClean="0">
-                <a:latin typeface="Lucida Console" pitchFamily="49" charset="0"/>
-              </a:rPr>
-              <a:t>	FOREIGN KEY (</a:t>
-            </a:r>
-            <a:r>
-              <a:rPr lang="pl-PL" sz="1600" dirty="0" err="1" smtClean="0">
-                <a:latin typeface="Lucida Console" pitchFamily="49" charset="0"/>
-              </a:rPr>
-              <a:t>SupplierID</a:t>
-            </a:r>
-            <a:r>
-              <a:rPr lang="pl-PL" sz="1600" dirty="0" smtClean="0">
-                <a:latin typeface="Lucida Console" pitchFamily="49" charset="0"/>
-              </a:rPr>
-              <a:t>) REFERENCES Suppliers (</a:t>
-            </a:r>
-            <a:r>
-              <a:rPr lang="pl-PL" sz="1600" dirty="0" err="1" smtClean="0">
-                <a:latin typeface="Lucida Console" pitchFamily="49" charset="0"/>
-              </a:rPr>
-              <a:t>SupplierID</a:t>
-            </a:r>
-            <a:r>
-              <a:rPr lang="pl-PL" sz="1600" dirty="0" smtClean="0">
-                <a:latin typeface="Lucida Console" pitchFamily="49" charset="0"/>
-              </a:rPr>
-              <a:t>),</a:t>
-            </a:r>
-            <a:br>
-              <a:rPr lang="pl-PL" sz="1600" dirty="0" smtClean="0">
-                <a:latin typeface="Lucida Console" pitchFamily="49" charset="0"/>
-              </a:rPr>
-            </a:br>
-            <a:r>
-              <a:rPr lang="pl-PL" sz="1600" dirty="0" smtClean="0">
-                <a:latin typeface="Lucida Console" pitchFamily="49" charset="0"/>
-              </a:rPr>
-              <a:t>	</a:t>
-            </a:r>
-            <a:r>
-              <a:rPr lang="pl-PL" sz="1600" dirty="0" smtClean="0">
-                <a:solidFill>
-                  <a:srgbClr val="FF0000"/>
-                </a:solidFill>
-                <a:latin typeface="Lucida Console" pitchFamily="49" charset="0"/>
-              </a:rPr>
-              <a:t>PRIMARY KEY (</a:t>
-            </a:r>
-            <a:r>
-              <a:rPr lang="pl-PL" sz="1600" dirty="0" err="1" smtClean="0">
-                <a:solidFill>
-                  <a:srgbClr val="FF0000"/>
-                </a:solidFill>
-                <a:latin typeface="Lucida Console" pitchFamily="49" charset="0"/>
-              </a:rPr>
-              <a:t>ProductID</a:t>
-            </a:r>
-            <a:r>
-              <a:rPr lang="pl-PL" sz="1600" dirty="0" smtClean="0">
-                <a:solidFill>
-                  <a:srgbClr val="FF0000"/>
-                </a:solidFill>
-                <a:latin typeface="Lucida Console" pitchFamily="49" charset="0"/>
-              </a:rPr>
-              <a:t>),</a:t>
-            </a:r>
-            <a:br>
-              <a:rPr lang="pl-PL" sz="1600" dirty="0" smtClean="0">
-                <a:solidFill>
-                  <a:srgbClr val="FF0000"/>
-                </a:solidFill>
-                <a:latin typeface="Lucida Console" pitchFamily="49" charset="0"/>
-              </a:rPr>
-            </a:br>
-            <a:r>
-              <a:rPr lang="pl-PL" sz="1600" dirty="0" smtClean="0">
-                <a:solidFill>
-                  <a:srgbClr val="FF0000"/>
-                </a:solidFill>
-                <a:latin typeface="Lucida Console" pitchFamily="49" charset="0"/>
-              </a:rPr>
-              <a:t>	INDEX </a:t>
-            </a:r>
-            <a:r>
-              <a:rPr lang="pl-PL" sz="1600" dirty="0" err="1" smtClean="0">
-                <a:solidFill>
-                  <a:srgbClr val="FF0000"/>
-                </a:solidFill>
-                <a:latin typeface="Lucida Console" pitchFamily="49" charset="0"/>
-              </a:rPr>
-              <a:t>ProductName</a:t>
-            </a:r>
-            <a:r>
-              <a:rPr lang="pl-PL" sz="1600" dirty="0" smtClean="0">
-                <a:solidFill>
-                  <a:srgbClr val="FF0000"/>
-                </a:solidFill>
-                <a:latin typeface="Lucida Console" pitchFamily="49" charset="0"/>
-              </a:rPr>
-              <a:t> (</a:t>
-            </a:r>
-            <a:r>
-              <a:rPr lang="pl-PL" sz="1600" dirty="0" err="1" smtClean="0">
-                <a:solidFill>
-                  <a:srgbClr val="FF0000"/>
-                </a:solidFill>
-                <a:latin typeface="Lucida Console" pitchFamily="49" charset="0"/>
-              </a:rPr>
-              <a:t>ProductName</a:t>
-            </a:r>
-            <a:r>
-              <a:rPr lang="pl-PL" sz="1600" dirty="0" smtClean="0">
-                <a:solidFill>
-                  <a:srgbClr val="FF0000"/>
-                </a:solidFill>
-                <a:latin typeface="Lucida Console" pitchFamily="49" charset="0"/>
-              </a:rPr>
-              <a:t>)</a:t>
-            </a:r>
-          </a:p>
-          <a:p>
-            <a:pPr marL="0" indent="0">
-              <a:buNone/>
-            </a:pPr>
-            <a:r>
-              <a:rPr lang="pl-PL" sz="1600" dirty="0" smtClean="0">
-                <a:latin typeface="Lucida Console" pitchFamily="49" charset="0"/>
-              </a:rPr>
-              <a:t>)</a:t>
-            </a:r>
-            <a:r>
-              <a:rPr lang="pl-PL" sz="1600" dirty="0" smtClean="0">
-                <a:solidFill>
-                  <a:srgbClr val="FF0000"/>
-                </a:solidFill>
-                <a:latin typeface="Lucida Console" pitchFamily="49" charset="0"/>
-              </a:rPr>
-              <a:t>ENGINE=</a:t>
-            </a:r>
-            <a:r>
-              <a:rPr lang="pl-PL" sz="1600" dirty="0" err="1" smtClean="0">
-                <a:solidFill>
-                  <a:srgbClr val="FF0000"/>
-                </a:solidFill>
-                <a:latin typeface="Lucida Console" pitchFamily="49" charset="0"/>
-              </a:rPr>
-              <a:t>InnoDB</a:t>
-            </a:r>
-            <a:r>
-              <a:rPr lang="pl-PL" sz="1600" dirty="0" smtClean="0">
-                <a:solidFill>
-                  <a:srgbClr val="FF0000"/>
-                </a:solidFill>
-                <a:latin typeface="Lucida Console" pitchFamily="49" charset="0"/>
-              </a:rPr>
-              <a:t>;</a:t>
-            </a:r>
-          </a:p>
-        </p:txBody>
-      </p:sp>
-    </p:spTree>
-    <p:extLst>
-      <p:ext uri="{BB962C8B-B14F-4D97-AF65-F5344CB8AC3E}">
-        <p14:creationId xmlns:p14="http://schemas.microsoft.com/office/powerpoint/2010/main" val="2266273730"/>
-      </p:ext>
-    </p:extLst>
-  </p:cSld>
-  <p:clrMapOvr>
-    <a:masterClrMapping/>
-  </p:clrMapOvr>
-  <p:timing>
-    <p:tnLst>
-      <p:par>
-        <p:cTn id="1" dur="indefinite" restart="never" nodeType="tmRoot"/>
-      </p:par>
-    </p:tnLst>
-  </p:timing>
-</p:sld>
-</file>
-
-<file path=ppt/slides/slide12.xml><?xml version="1.0" encoding="utf-8"?>
-<p:sld xmlns:a="http://schemas.openxmlformats.org/drawingml/2006/main" xmlns:r="http://schemas.openxmlformats.org/officeDocument/2006/relationships" xmlns:p="http://schemas.openxmlformats.org/presentationml/2006/main">
-  <p:cSld>
-    <p:spTree>
-      <p:nvGrpSpPr>
-        <p:cNvPr id="1" name=""/>
-        <p:cNvGrpSpPr/>
-        <p:nvPr/>
-      </p:nvGrpSpPr>
-      <p:grpSpPr>
-        <a:xfrm>
-          <a:off x="0" y="0"/>
-          <a:ext cx="0" cy="0"/>
-          <a:chOff x="0" y="0"/>
-          <a:chExt cx="0" cy="0"/>
-        </a:xfrm>
-      </p:grpSpPr>
-      <p:sp>
-        <p:nvSpPr>
-          <p:cNvPr id="2" name="Tytuł 1"/>
-          <p:cNvSpPr>
-            <a:spLocks noGrp="1"/>
-          </p:cNvSpPr>
-          <p:nvPr>
-            <p:ph type="title"/>
-          </p:nvPr>
-        </p:nvSpPr>
-        <p:spPr/>
-        <p:txBody>
-          <a:bodyPr/>
-          <a:lstStyle/>
-          <a:p>
-            <a:r>
-              <a:rPr lang="pl-PL" dirty="0" smtClean="0"/>
-              <a:t>Opis tabeli</a:t>
-            </a:r>
-            <a:endParaRPr lang="pl-PL" dirty="0"/>
-          </a:p>
-        </p:txBody>
-      </p:sp>
-      <p:sp>
-        <p:nvSpPr>
-          <p:cNvPr id="3" name="Symbol zastępczy zawartości 2"/>
-          <p:cNvSpPr>
-            <a:spLocks noGrp="1"/>
-          </p:cNvSpPr>
-          <p:nvPr>
-            <p:ph idx="1"/>
-          </p:nvPr>
-        </p:nvSpPr>
-        <p:spPr>
-          <a:xfrm>
-            <a:off x="914400" y="1700808"/>
-            <a:ext cx="8229600" cy="4525963"/>
-          </a:xfrm>
-        </p:spPr>
-        <p:txBody>
-          <a:bodyPr>
-            <a:normAutofit/>
-          </a:bodyPr>
-          <a:lstStyle/>
-          <a:p>
-            <a:pPr marL="0" indent="0">
-              <a:buNone/>
-            </a:pPr>
-            <a:r>
-              <a:rPr lang="pl-PL" sz="1200" dirty="0" err="1" smtClean="0">
-                <a:latin typeface="Lucida Console" pitchFamily="49" charset="0"/>
-              </a:rPr>
-              <a:t>mysql</a:t>
-            </a:r>
-            <a:r>
-              <a:rPr lang="pl-PL" sz="1200" dirty="0" smtClean="0">
-                <a:latin typeface="Lucida Console" pitchFamily="49" charset="0"/>
-              </a:rPr>
-              <a:t>&gt; </a:t>
-            </a:r>
-            <a:r>
-              <a:rPr lang="pl-PL" sz="1200" dirty="0" err="1" smtClean="0">
-                <a:latin typeface="Lucida Console" pitchFamily="49" charset="0"/>
-              </a:rPr>
-              <a:t>describe</a:t>
-            </a:r>
-            <a:r>
-              <a:rPr lang="pl-PL" sz="1200" dirty="0" smtClean="0">
-                <a:latin typeface="Lucida Console" pitchFamily="49" charset="0"/>
-              </a:rPr>
-              <a:t> Products;</a:t>
-            </a:r>
-          </a:p>
-          <a:p>
-            <a:pPr marL="0" indent="0">
-              <a:buNone/>
-            </a:pPr>
-            <a:r>
-              <a:rPr lang="pl-PL" sz="1200" dirty="0" smtClean="0">
-                <a:latin typeface="Lucida Console" pitchFamily="49" charset="0"/>
-              </a:rPr>
-              <a:t>+-----------------+---------------+------+-----+---------+----------------+</a:t>
-            </a:r>
-          </a:p>
-          <a:p>
-            <a:pPr marL="0" indent="0">
-              <a:buNone/>
-            </a:pPr>
-            <a:r>
-              <a:rPr lang="pl-PL" sz="1200" dirty="0" smtClean="0">
-                <a:latin typeface="Lucida Console" pitchFamily="49" charset="0"/>
-              </a:rPr>
-              <a:t>| Field           | </a:t>
-            </a:r>
-            <a:r>
-              <a:rPr lang="pl-PL" sz="1200" dirty="0" err="1" smtClean="0">
-                <a:latin typeface="Lucida Console" pitchFamily="49" charset="0"/>
-              </a:rPr>
-              <a:t>Type</a:t>
-            </a:r>
-            <a:r>
-              <a:rPr lang="pl-PL" sz="1200" dirty="0" smtClean="0">
-                <a:latin typeface="Lucida Console" pitchFamily="49" charset="0"/>
-              </a:rPr>
-              <a:t>          | </a:t>
-            </a:r>
-            <a:r>
-              <a:rPr lang="pl-PL" sz="1200" dirty="0" err="1" smtClean="0">
-                <a:latin typeface="Lucida Console" pitchFamily="49" charset="0"/>
-              </a:rPr>
-              <a:t>Null</a:t>
-            </a:r>
-            <a:r>
-              <a:rPr lang="pl-PL" sz="1200" dirty="0" smtClean="0">
-                <a:latin typeface="Lucida Console" pitchFamily="49" charset="0"/>
-              </a:rPr>
-              <a:t> | </a:t>
-            </a:r>
-            <a:r>
-              <a:rPr lang="pl-PL" sz="1200" dirty="0" err="1" smtClean="0">
-                <a:latin typeface="Lucida Console" pitchFamily="49" charset="0"/>
-              </a:rPr>
-              <a:t>Key</a:t>
-            </a:r>
-            <a:r>
-              <a:rPr lang="pl-PL" sz="1200" dirty="0" smtClean="0">
-                <a:latin typeface="Lucida Console" pitchFamily="49" charset="0"/>
-              </a:rPr>
-              <a:t> | </a:t>
-            </a:r>
-            <a:r>
-              <a:rPr lang="pl-PL" sz="1200" dirty="0" err="1" smtClean="0">
-                <a:latin typeface="Lucida Console" pitchFamily="49" charset="0"/>
-              </a:rPr>
-              <a:t>Default</a:t>
-            </a:r>
-            <a:r>
-              <a:rPr lang="pl-PL" sz="1200" dirty="0" smtClean="0">
-                <a:latin typeface="Lucida Console" pitchFamily="49" charset="0"/>
-              </a:rPr>
-              <a:t> | Extra          |</a:t>
-            </a:r>
-          </a:p>
-          <a:p>
-            <a:pPr marL="0" indent="0">
-              <a:buNone/>
-            </a:pPr>
-            <a:r>
-              <a:rPr lang="pl-PL" sz="1200" dirty="0" smtClean="0">
-                <a:latin typeface="Lucida Console" pitchFamily="49" charset="0"/>
-              </a:rPr>
-              <a:t>+-----------------+---------------+------+-----+---------+----------------+</a:t>
-            </a:r>
-          </a:p>
-          <a:p>
-            <a:pPr marL="0" indent="0">
-              <a:buNone/>
-            </a:pPr>
-            <a:r>
-              <a:rPr lang="pl-PL" sz="1200" dirty="0" smtClean="0">
-                <a:latin typeface="Lucida Console" pitchFamily="49" charset="0"/>
-              </a:rPr>
-              <a:t>| </a:t>
-            </a:r>
-            <a:r>
-              <a:rPr lang="pl-PL" sz="1200" dirty="0" err="1" smtClean="0">
-                <a:latin typeface="Lucida Console" pitchFamily="49" charset="0"/>
-              </a:rPr>
-              <a:t>ProductID</a:t>
-            </a:r>
-            <a:r>
-              <a:rPr lang="pl-PL" sz="1200" dirty="0" smtClean="0">
-                <a:latin typeface="Lucida Console" pitchFamily="49" charset="0"/>
-              </a:rPr>
-              <a:t>       | </a:t>
-            </a:r>
-            <a:r>
-              <a:rPr lang="pl-PL" sz="1200" dirty="0" err="1" smtClean="0">
-                <a:latin typeface="Lucida Console" pitchFamily="49" charset="0"/>
-              </a:rPr>
-              <a:t>int</a:t>
-            </a:r>
-            <a:r>
-              <a:rPr lang="pl-PL" sz="1200" dirty="0" smtClean="0">
-                <a:latin typeface="Lucida Console" pitchFamily="49" charset="0"/>
-              </a:rPr>
-              <a:t>(11)       | NO   | PRI | NULL    | </a:t>
-            </a:r>
-            <a:r>
-              <a:rPr lang="pl-PL" sz="1200" dirty="0" err="1" smtClean="0">
-                <a:latin typeface="Lucida Console" pitchFamily="49" charset="0"/>
-              </a:rPr>
-              <a:t>auto_increment</a:t>
-            </a:r>
-            <a:r>
-              <a:rPr lang="pl-PL" sz="1200" dirty="0" smtClean="0">
-                <a:latin typeface="Lucida Console" pitchFamily="49" charset="0"/>
-              </a:rPr>
-              <a:t> |</a:t>
-            </a:r>
-          </a:p>
-          <a:p>
-            <a:pPr marL="0" indent="0">
-              <a:buNone/>
-            </a:pPr>
-            <a:r>
-              <a:rPr lang="pl-PL" sz="1200" dirty="0" smtClean="0">
-                <a:latin typeface="Lucida Console" pitchFamily="49" charset="0"/>
-              </a:rPr>
-              <a:t>| </a:t>
-            </a:r>
-            <a:r>
-              <a:rPr lang="pl-PL" sz="1200" dirty="0" err="1" smtClean="0">
-                <a:latin typeface="Lucida Console" pitchFamily="49" charset="0"/>
-              </a:rPr>
-              <a:t>ProductName</a:t>
-            </a:r>
-            <a:r>
-              <a:rPr lang="pl-PL" sz="1200" dirty="0" smtClean="0">
-                <a:latin typeface="Lucida Console" pitchFamily="49" charset="0"/>
-              </a:rPr>
-              <a:t>     | </a:t>
-            </a:r>
-            <a:r>
-              <a:rPr lang="pl-PL" sz="1200" dirty="0" err="1" smtClean="0">
-                <a:latin typeface="Lucida Console" pitchFamily="49" charset="0"/>
-              </a:rPr>
-              <a:t>varchar</a:t>
-            </a:r>
-            <a:r>
-              <a:rPr lang="pl-PL" sz="1200" dirty="0" smtClean="0">
-                <a:latin typeface="Lucida Console" pitchFamily="49" charset="0"/>
-              </a:rPr>
-              <a:t>(40)   | NO   |     | NULL    |                |</a:t>
-            </a:r>
-          </a:p>
-          <a:p>
-            <a:pPr marL="0" indent="0">
-              <a:buNone/>
-            </a:pPr>
-            <a:r>
-              <a:rPr lang="pl-PL" sz="1200" dirty="0" smtClean="0">
-                <a:latin typeface="Lucida Console" pitchFamily="49" charset="0"/>
-              </a:rPr>
-              <a:t>| </a:t>
-            </a:r>
-            <a:r>
-              <a:rPr lang="pl-PL" sz="1200" dirty="0" err="1" smtClean="0">
-                <a:latin typeface="Lucida Console" pitchFamily="49" charset="0"/>
-              </a:rPr>
-              <a:t>SupplierID</a:t>
-            </a:r>
-            <a:r>
-              <a:rPr lang="pl-PL" sz="1200" dirty="0" smtClean="0">
-                <a:latin typeface="Lucida Console" pitchFamily="49" charset="0"/>
-              </a:rPr>
-              <a:t>      | </a:t>
-            </a:r>
-            <a:r>
-              <a:rPr lang="pl-PL" sz="1200" dirty="0" err="1" smtClean="0">
-                <a:latin typeface="Lucida Console" pitchFamily="49" charset="0"/>
-              </a:rPr>
-              <a:t>int</a:t>
-            </a:r>
-            <a:r>
-              <a:rPr lang="pl-PL" sz="1200" dirty="0" smtClean="0">
-                <a:latin typeface="Lucida Console" pitchFamily="49" charset="0"/>
-              </a:rPr>
-              <a:t>(11)       | NO   | MUL | NULL    |                |</a:t>
-            </a:r>
-          </a:p>
-          <a:p>
-            <a:pPr marL="0" indent="0">
-              <a:buNone/>
-            </a:pPr>
-            <a:r>
-              <a:rPr lang="pl-PL" sz="1200" dirty="0" smtClean="0">
-                <a:latin typeface="Lucida Console" pitchFamily="49" charset="0"/>
-              </a:rPr>
-              <a:t>| </a:t>
-            </a:r>
-            <a:r>
-              <a:rPr lang="pl-PL" sz="1200" dirty="0" err="1" smtClean="0">
-                <a:latin typeface="Lucida Console" pitchFamily="49" charset="0"/>
-              </a:rPr>
-              <a:t>CategoryID</a:t>
-            </a:r>
-            <a:r>
-              <a:rPr lang="pl-PL" sz="1200" dirty="0" smtClean="0">
-                <a:latin typeface="Lucida Console" pitchFamily="49" charset="0"/>
-              </a:rPr>
-              <a:t>      | </a:t>
-            </a:r>
-            <a:r>
-              <a:rPr lang="pl-PL" sz="1200" dirty="0" err="1" smtClean="0">
-                <a:latin typeface="Lucida Console" pitchFamily="49" charset="0"/>
-              </a:rPr>
-              <a:t>int</a:t>
-            </a:r>
-            <a:r>
-              <a:rPr lang="pl-PL" sz="1200" dirty="0" smtClean="0">
-                <a:latin typeface="Lucida Console" pitchFamily="49" charset="0"/>
-              </a:rPr>
-              <a:t>(11)       | NO   | MUL | NULL    |                |</a:t>
-            </a:r>
-          </a:p>
-          <a:p>
-            <a:pPr marL="0" indent="0">
-              <a:buNone/>
-            </a:pPr>
-            <a:r>
-              <a:rPr lang="pl-PL" sz="1200" dirty="0" smtClean="0">
-                <a:latin typeface="Lucida Console" pitchFamily="49" charset="0"/>
-              </a:rPr>
-              <a:t>| </a:t>
-            </a:r>
-            <a:r>
-              <a:rPr lang="pl-PL" sz="1200" dirty="0" err="1" smtClean="0">
-                <a:latin typeface="Lucida Console" pitchFamily="49" charset="0"/>
-              </a:rPr>
-              <a:t>ContactName</a:t>
-            </a:r>
-            <a:r>
-              <a:rPr lang="pl-PL" sz="1200" dirty="0" smtClean="0">
-                <a:latin typeface="Lucida Console" pitchFamily="49" charset="0"/>
-              </a:rPr>
-              <a:t>     | </a:t>
-            </a:r>
-            <a:r>
-              <a:rPr lang="pl-PL" sz="1200" dirty="0" err="1" smtClean="0">
-                <a:latin typeface="Lucida Console" pitchFamily="49" charset="0"/>
-              </a:rPr>
-              <a:t>varchar</a:t>
-            </a:r>
-            <a:r>
-              <a:rPr lang="pl-PL" sz="1200" dirty="0" smtClean="0">
-                <a:latin typeface="Lucida Console" pitchFamily="49" charset="0"/>
-              </a:rPr>
-              <a:t>(30)   | NO   |     | NULL    |                |</a:t>
-            </a:r>
-          </a:p>
-          <a:p>
-            <a:pPr marL="0" indent="0">
-              <a:buNone/>
-            </a:pPr>
-            <a:r>
-              <a:rPr lang="pl-PL" sz="1200" dirty="0" smtClean="0">
-                <a:latin typeface="Lucida Console" pitchFamily="49" charset="0"/>
-              </a:rPr>
-              <a:t>| </a:t>
-            </a:r>
-            <a:r>
-              <a:rPr lang="pl-PL" sz="1200" dirty="0" err="1" smtClean="0">
-                <a:latin typeface="Lucida Console" pitchFamily="49" charset="0"/>
-              </a:rPr>
-              <a:t>QuantityPerUnit</a:t>
-            </a:r>
-            <a:r>
-              <a:rPr lang="pl-PL" sz="1200" dirty="0" smtClean="0">
-                <a:latin typeface="Lucida Console" pitchFamily="49" charset="0"/>
-              </a:rPr>
-              <a:t> | </a:t>
-            </a:r>
-            <a:r>
-              <a:rPr lang="pl-PL" sz="1200" dirty="0" err="1" smtClean="0">
-                <a:latin typeface="Lucida Console" pitchFamily="49" charset="0"/>
-              </a:rPr>
-              <a:t>varchar</a:t>
-            </a:r>
-            <a:r>
-              <a:rPr lang="pl-PL" sz="1200" dirty="0" smtClean="0">
-                <a:latin typeface="Lucida Console" pitchFamily="49" charset="0"/>
-              </a:rPr>
-              <a:t>(20)   | NO   |     | NULL    |                |</a:t>
-            </a:r>
-          </a:p>
-          <a:p>
-            <a:pPr marL="0" indent="0">
-              <a:buNone/>
-            </a:pPr>
-            <a:r>
-              <a:rPr lang="pl-PL" sz="1200" dirty="0" smtClean="0">
-                <a:latin typeface="Lucida Console" pitchFamily="49" charset="0"/>
-              </a:rPr>
-              <a:t>| </a:t>
-            </a:r>
-            <a:r>
-              <a:rPr lang="pl-PL" sz="1200" dirty="0" err="1" smtClean="0">
-                <a:latin typeface="Lucida Console" pitchFamily="49" charset="0"/>
-              </a:rPr>
-              <a:t>UnitPrice</a:t>
-            </a:r>
-            <a:r>
-              <a:rPr lang="pl-PL" sz="1200" dirty="0" smtClean="0">
-                <a:latin typeface="Lucida Console" pitchFamily="49" charset="0"/>
-              </a:rPr>
-              <a:t>       | </a:t>
-            </a:r>
-            <a:r>
-              <a:rPr lang="pl-PL" sz="1200" dirty="0" err="1" smtClean="0">
-                <a:latin typeface="Lucida Console" pitchFamily="49" charset="0"/>
-              </a:rPr>
-              <a:t>decimal</a:t>
-            </a:r>
-            <a:r>
-              <a:rPr lang="pl-PL" sz="1200" dirty="0" smtClean="0">
-                <a:latin typeface="Lucida Console" pitchFamily="49" charset="0"/>
-              </a:rPr>
-              <a:t>(10,2) | NO   |     | NULL    |                |</a:t>
-            </a:r>
-          </a:p>
-          <a:p>
-            <a:pPr marL="0" indent="0">
-              <a:buNone/>
-            </a:pPr>
-            <a:r>
-              <a:rPr lang="pl-PL" sz="1200" dirty="0" smtClean="0">
-                <a:latin typeface="Lucida Console" pitchFamily="49" charset="0"/>
-              </a:rPr>
-              <a:t>| </a:t>
-            </a:r>
-            <a:r>
-              <a:rPr lang="pl-PL" sz="1200" dirty="0" err="1" smtClean="0">
-                <a:latin typeface="Lucida Console" pitchFamily="49" charset="0"/>
-              </a:rPr>
-              <a:t>UnitsInStock</a:t>
-            </a:r>
-            <a:r>
-              <a:rPr lang="pl-PL" sz="1200" dirty="0" smtClean="0">
-                <a:latin typeface="Lucida Console" pitchFamily="49" charset="0"/>
-              </a:rPr>
-              <a:t>    | </a:t>
-            </a:r>
-            <a:r>
-              <a:rPr lang="pl-PL" sz="1200" dirty="0" err="1" smtClean="0">
-                <a:latin typeface="Lucida Console" pitchFamily="49" charset="0"/>
-              </a:rPr>
-              <a:t>smallint</a:t>
-            </a:r>
-            <a:r>
-              <a:rPr lang="pl-PL" sz="1200" dirty="0" smtClean="0">
-                <a:latin typeface="Lucida Console" pitchFamily="49" charset="0"/>
-              </a:rPr>
-              <a:t>(6)   | NO   |     | NULL    |                |</a:t>
-            </a:r>
-          </a:p>
-          <a:p>
-            <a:pPr marL="0" indent="0">
-              <a:buNone/>
-            </a:pPr>
-            <a:r>
-              <a:rPr lang="pl-PL" sz="1200" dirty="0" smtClean="0">
-                <a:latin typeface="Lucida Console" pitchFamily="49" charset="0"/>
-              </a:rPr>
-              <a:t>| </a:t>
-            </a:r>
-            <a:r>
-              <a:rPr lang="pl-PL" sz="1200" dirty="0" err="1" smtClean="0">
-                <a:latin typeface="Lucida Console" pitchFamily="49" charset="0"/>
-              </a:rPr>
-              <a:t>UnitsOnOrder</a:t>
-            </a:r>
-            <a:r>
-              <a:rPr lang="pl-PL" sz="1200" dirty="0" smtClean="0">
-                <a:latin typeface="Lucida Console" pitchFamily="49" charset="0"/>
-              </a:rPr>
-              <a:t>    | </a:t>
-            </a:r>
-            <a:r>
-              <a:rPr lang="pl-PL" sz="1200" dirty="0" err="1" smtClean="0">
-                <a:latin typeface="Lucida Console" pitchFamily="49" charset="0"/>
-              </a:rPr>
-              <a:t>smallint</a:t>
-            </a:r>
-            <a:r>
-              <a:rPr lang="pl-PL" sz="1200" dirty="0" smtClean="0">
-                <a:latin typeface="Lucida Console" pitchFamily="49" charset="0"/>
-              </a:rPr>
-              <a:t>(6)   | NO   |     | NULL    |                |</a:t>
-            </a:r>
-          </a:p>
-          <a:p>
-            <a:pPr marL="0" indent="0">
-              <a:buNone/>
-            </a:pPr>
-            <a:r>
-              <a:rPr lang="pl-PL" sz="1200" dirty="0" smtClean="0">
-                <a:latin typeface="Lucida Console" pitchFamily="49" charset="0"/>
-              </a:rPr>
-              <a:t>| </a:t>
-            </a:r>
-            <a:r>
-              <a:rPr lang="pl-PL" sz="1200" dirty="0" err="1" smtClean="0">
-                <a:latin typeface="Lucida Console" pitchFamily="49" charset="0"/>
-              </a:rPr>
-              <a:t>ReorderLevel</a:t>
-            </a:r>
-            <a:r>
-              <a:rPr lang="pl-PL" sz="1200" dirty="0" smtClean="0">
-                <a:latin typeface="Lucida Console" pitchFamily="49" charset="0"/>
-              </a:rPr>
-              <a:t>    | </a:t>
-            </a:r>
-            <a:r>
-              <a:rPr lang="pl-PL" sz="1200" dirty="0" err="1" smtClean="0">
-                <a:latin typeface="Lucida Console" pitchFamily="49" charset="0"/>
-              </a:rPr>
-              <a:t>smallint</a:t>
-            </a:r>
-            <a:r>
-              <a:rPr lang="pl-PL" sz="1200" dirty="0" smtClean="0">
-                <a:latin typeface="Lucida Console" pitchFamily="49" charset="0"/>
-              </a:rPr>
-              <a:t>(6)   | YES  |     | NULL    |                |</a:t>
-            </a:r>
-          </a:p>
-          <a:p>
-            <a:pPr marL="0" indent="0">
-              <a:buNone/>
-            </a:pPr>
-            <a:r>
-              <a:rPr lang="pl-PL" sz="1200" dirty="0" smtClean="0">
-                <a:latin typeface="Lucida Console" pitchFamily="49" charset="0"/>
-              </a:rPr>
-              <a:t>| </a:t>
-            </a:r>
-            <a:r>
-              <a:rPr lang="pl-PL" sz="1200" dirty="0" err="1" smtClean="0">
-                <a:latin typeface="Lucida Console" pitchFamily="49" charset="0"/>
-              </a:rPr>
-              <a:t>Discounted</a:t>
-            </a:r>
-            <a:r>
-              <a:rPr lang="pl-PL" sz="1200" dirty="0" smtClean="0">
-                <a:latin typeface="Lucida Console" pitchFamily="49" charset="0"/>
-              </a:rPr>
-              <a:t>      | bit(1)        | NO   |     | NULL    |                |</a:t>
-            </a:r>
-          </a:p>
-          <a:p>
-            <a:pPr marL="0" indent="0">
-              <a:buNone/>
-            </a:pPr>
-            <a:r>
-              <a:rPr lang="pl-PL" sz="1200" dirty="0" smtClean="0">
-                <a:latin typeface="Lucida Console" pitchFamily="49" charset="0"/>
-              </a:rPr>
-              <a:t>+-----------------+---------------+------+-----+---------+----------------+</a:t>
-            </a:r>
-            <a:endParaRPr lang="pl-PL" sz="1200" dirty="0"/>
-          </a:p>
-        </p:txBody>
-      </p:sp>
-    </p:spTree>
-    <p:extLst>
-      <p:ext uri="{BB962C8B-B14F-4D97-AF65-F5344CB8AC3E}">
-        <p14:creationId xmlns:p14="http://schemas.microsoft.com/office/powerpoint/2010/main" val="1461797622"/>
-      </p:ext>
-    </p:extLst>
-  </p:cSld>
-  <p:clrMapOvr>
-    <a:masterClrMapping/>
-  </p:clrMapOvr>
-  <p:timing>
-    <p:tnLst>
-      <p:par>
-        <p:cTn id="1" dur="indefinite" restart="never" nodeType="tmRoot"/>
-      </p:par>
-    </p:tnLst>
-  </p:timing>
-</p:sld>
-</file>
-
 <file path=ppt/slides/slide13.xml><?xml version="1.0" encoding="utf-8"?>
 <p:sld xmlns:a="http://schemas.openxmlformats.org/drawingml/2006/main" xmlns:r="http://schemas.openxmlformats.org/officeDocument/2006/relationships" xmlns:p="http://schemas.openxmlformats.org/presentationml/2006/main">
   <p:cSld>
@@ -5259,6 +4342,1193 @@
           <a:p>
             <a:r>
               <a:rPr lang="pl-PL" dirty="0" smtClean="0"/>
+              <a:t>Tworzenie tabeli</a:t>
+            </a:r>
+            <a:endParaRPr lang="pl-PL" dirty="0"/>
+          </a:p>
+        </p:txBody>
+      </p:sp>
+      <p:sp>
+        <p:nvSpPr>
+          <p:cNvPr id="3" name="Symbol zastępczy zawartości 2"/>
+          <p:cNvSpPr>
+            <a:spLocks noGrp="1"/>
+          </p:cNvSpPr>
+          <p:nvPr>
+            <p:ph idx="1"/>
+          </p:nvPr>
+        </p:nvSpPr>
+        <p:spPr>
+          <a:xfrm>
+            <a:off x="594032" y="1556792"/>
+            <a:ext cx="8532440" cy="4392488"/>
+          </a:xfrm>
+        </p:spPr>
+        <p:txBody>
+          <a:bodyPr>
+            <a:noAutofit/>
+          </a:bodyPr>
+          <a:lstStyle/>
+          <a:p>
+            <a:pPr marL="0" indent="0">
+              <a:buNone/>
+            </a:pPr>
+            <a:r>
+              <a:rPr lang="pl-PL" sz="1600" dirty="0">
+                <a:latin typeface="Lucida Console" pitchFamily="49" charset="0"/>
+              </a:rPr>
+              <a:t>CREATE TABLE Products(</a:t>
+            </a:r>
+            <a:br>
+              <a:rPr lang="pl-PL" sz="1600" dirty="0">
+                <a:latin typeface="Lucida Console" pitchFamily="49" charset="0"/>
+              </a:rPr>
+            </a:br>
+            <a:r>
+              <a:rPr lang="pl-PL" sz="1600" dirty="0" smtClean="0">
+                <a:latin typeface="Lucida Console" pitchFamily="49" charset="0"/>
+              </a:rPr>
+              <a:t>	</a:t>
+            </a:r>
+            <a:r>
+              <a:rPr lang="pl-PL" sz="1600" dirty="0" err="1" smtClean="0">
+                <a:latin typeface="Lucida Console" pitchFamily="49" charset="0"/>
+              </a:rPr>
+              <a:t>ProductID</a:t>
+            </a:r>
+            <a:r>
+              <a:rPr lang="pl-PL" sz="1600" dirty="0" smtClean="0">
+                <a:latin typeface="Lucida Console" pitchFamily="49" charset="0"/>
+              </a:rPr>
+              <a:t> </a:t>
+            </a:r>
+            <a:r>
+              <a:rPr lang="pl-PL" sz="1600" dirty="0" smtClean="0">
+                <a:solidFill>
+                  <a:srgbClr val="FF0000"/>
+                </a:solidFill>
+                <a:latin typeface="Lucida Console" pitchFamily="49" charset="0"/>
+              </a:rPr>
+              <a:t>INT NOT NULL AUTO_INCREMENT</a:t>
+            </a:r>
+            <a:r>
+              <a:rPr lang="pl-PL" sz="1600" dirty="0" smtClean="0">
+                <a:latin typeface="Lucida Console" pitchFamily="49" charset="0"/>
+              </a:rPr>
+              <a:t>,</a:t>
+            </a:r>
+            <a:br>
+              <a:rPr lang="pl-PL" sz="1600" dirty="0" smtClean="0">
+                <a:latin typeface="Lucida Console" pitchFamily="49" charset="0"/>
+              </a:rPr>
+            </a:br>
+            <a:r>
+              <a:rPr lang="pl-PL" sz="1600" dirty="0" smtClean="0">
+                <a:latin typeface="Lucida Console" pitchFamily="49" charset="0"/>
+              </a:rPr>
+              <a:t>	</a:t>
+            </a:r>
+            <a:r>
+              <a:rPr lang="pl-PL" sz="1600" dirty="0" err="1" smtClean="0">
+                <a:latin typeface="Lucida Console" pitchFamily="49" charset="0"/>
+              </a:rPr>
+              <a:t>ProductName</a:t>
+            </a:r>
+            <a:r>
+              <a:rPr lang="pl-PL" sz="1600" dirty="0" smtClean="0">
+                <a:latin typeface="Lucida Console" pitchFamily="49" charset="0"/>
+              </a:rPr>
+              <a:t> VARCHAR(40) NOT NULL,</a:t>
+            </a:r>
+            <a:br>
+              <a:rPr lang="pl-PL" sz="1600" dirty="0" smtClean="0">
+                <a:latin typeface="Lucida Console" pitchFamily="49" charset="0"/>
+              </a:rPr>
+            </a:br>
+            <a:r>
+              <a:rPr lang="pl-PL" sz="1600" dirty="0" smtClean="0">
+                <a:latin typeface="Lucida Console" pitchFamily="49" charset="0"/>
+              </a:rPr>
+              <a:t>	</a:t>
+            </a:r>
+            <a:r>
+              <a:rPr lang="pl-PL" sz="1600" dirty="0" err="1" smtClean="0">
+                <a:latin typeface="Lucida Console" pitchFamily="49" charset="0"/>
+              </a:rPr>
+              <a:t>SupplierID</a:t>
+            </a:r>
+            <a:r>
+              <a:rPr lang="pl-PL" sz="1600" dirty="0" smtClean="0">
+                <a:latin typeface="Lucida Console" pitchFamily="49" charset="0"/>
+              </a:rPr>
+              <a:t> INT NOT NULL,</a:t>
+            </a:r>
+            <a:br>
+              <a:rPr lang="pl-PL" sz="1600" dirty="0" smtClean="0">
+                <a:latin typeface="Lucida Console" pitchFamily="49" charset="0"/>
+              </a:rPr>
+            </a:br>
+            <a:r>
+              <a:rPr lang="pl-PL" sz="1600" dirty="0" smtClean="0">
+                <a:latin typeface="Lucida Console" pitchFamily="49" charset="0"/>
+              </a:rPr>
+              <a:t>	</a:t>
+            </a:r>
+            <a:r>
+              <a:rPr lang="pl-PL" sz="1600" dirty="0" err="1" smtClean="0">
+                <a:latin typeface="Lucida Console" pitchFamily="49" charset="0"/>
+              </a:rPr>
+              <a:t>CategoryID</a:t>
+            </a:r>
+            <a:r>
+              <a:rPr lang="pl-PL" sz="1600" dirty="0" smtClean="0">
+                <a:latin typeface="Lucida Console" pitchFamily="49" charset="0"/>
+              </a:rPr>
+              <a:t> INT NOT NULL,</a:t>
+            </a:r>
+            <a:br>
+              <a:rPr lang="pl-PL" sz="1600" dirty="0" smtClean="0">
+                <a:latin typeface="Lucida Console" pitchFamily="49" charset="0"/>
+              </a:rPr>
+            </a:br>
+            <a:r>
+              <a:rPr lang="pl-PL" sz="1600" dirty="0" smtClean="0">
+                <a:latin typeface="Lucida Console" pitchFamily="49" charset="0"/>
+              </a:rPr>
+              <a:t>	</a:t>
+            </a:r>
+            <a:r>
+              <a:rPr lang="pl-PL" sz="1600" dirty="0" err="1" smtClean="0">
+                <a:latin typeface="Lucida Console" pitchFamily="49" charset="0"/>
+              </a:rPr>
+              <a:t>QuantityPerUnit</a:t>
+            </a:r>
+            <a:r>
+              <a:rPr lang="pl-PL" sz="1600" dirty="0" smtClean="0">
+                <a:latin typeface="Lucida Console" pitchFamily="49" charset="0"/>
+              </a:rPr>
+              <a:t> VARCHAR(20),</a:t>
+            </a:r>
+            <a:br>
+              <a:rPr lang="pl-PL" sz="1600" dirty="0" smtClean="0">
+                <a:latin typeface="Lucida Console" pitchFamily="49" charset="0"/>
+              </a:rPr>
+            </a:br>
+            <a:r>
+              <a:rPr lang="pl-PL" sz="1600" dirty="0" smtClean="0">
+                <a:latin typeface="Lucida Console" pitchFamily="49" charset="0"/>
+              </a:rPr>
+              <a:t>	</a:t>
+            </a:r>
+            <a:r>
+              <a:rPr lang="pl-PL" sz="1600" dirty="0" err="1" smtClean="0">
+                <a:latin typeface="Lucida Console" pitchFamily="49" charset="0"/>
+              </a:rPr>
+              <a:t>UnitPrice</a:t>
+            </a:r>
+            <a:r>
+              <a:rPr lang="pl-PL" sz="1600" dirty="0" smtClean="0">
+                <a:latin typeface="Lucida Console" pitchFamily="49" charset="0"/>
+              </a:rPr>
+              <a:t> FLOAT </a:t>
+            </a:r>
+            <a:r>
+              <a:rPr lang="pl-PL" sz="1600" dirty="0" smtClean="0">
+                <a:solidFill>
+                  <a:srgbClr val="FF0000"/>
+                </a:solidFill>
+                <a:latin typeface="Lucida Console" pitchFamily="49" charset="0"/>
+              </a:rPr>
+              <a:t>DEFAULT 0,</a:t>
+            </a:r>
+            <a:r>
+              <a:rPr lang="pl-PL" sz="1600" dirty="0" smtClean="0">
+                <a:latin typeface="Lucida Console" pitchFamily="49" charset="0"/>
+              </a:rPr>
+              <a:t/>
+            </a:r>
+            <a:br>
+              <a:rPr lang="pl-PL" sz="1600" dirty="0" smtClean="0">
+                <a:latin typeface="Lucida Console" pitchFamily="49" charset="0"/>
+              </a:rPr>
+            </a:br>
+            <a:r>
+              <a:rPr lang="pl-PL" sz="1600" dirty="0" smtClean="0">
+                <a:latin typeface="Lucida Console" pitchFamily="49" charset="0"/>
+              </a:rPr>
+              <a:t>	</a:t>
+            </a:r>
+            <a:r>
+              <a:rPr lang="pl-PL" sz="1600" dirty="0" err="1" smtClean="0">
+                <a:latin typeface="Lucida Console" pitchFamily="49" charset="0"/>
+              </a:rPr>
+              <a:t>UnitsInStock</a:t>
+            </a:r>
+            <a:r>
+              <a:rPr lang="pl-PL" sz="1600" dirty="0" smtClean="0">
+                <a:latin typeface="Lucida Console" pitchFamily="49" charset="0"/>
+              </a:rPr>
+              <a:t> SMALLINT DEFAULT 0,</a:t>
+            </a:r>
+            <a:br>
+              <a:rPr lang="pl-PL" sz="1600" dirty="0" smtClean="0">
+                <a:latin typeface="Lucida Console" pitchFamily="49" charset="0"/>
+              </a:rPr>
+            </a:br>
+            <a:r>
+              <a:rPr lang="pl-PL" sz="1600" dirty="0" smtClean="0">
+                <a:latin typeface="Lucida Console" pitchFamily="49" charset="0"/>
+              </a:rPr>
+              <a:t>	</a:t>
+            </a:r>
+            <a:r>
+              <a:rPr lang="pl-PL" sz="1600" dirty="0" err="1" smtClean="0">
+                <a:latin typeface="Lucida Console" pitchFamily="49" charset="0"/>
+              </a:rPr>
+              <a:t>UnitsOnOrder</a:t>
+            </a:r>
+            <a:r>
+              <a:rPr lang="pl-PL" sz="1600" dirty="0" smtClean="0">
+                <a:latin typeface="Lucida Console" pitchFamily="49" charset="0"/>
+              </a:rPr>
+              <a:t> SMALLINT DEFAULT 0,</a:t>
+            </a:r>
+            <a:br>
+              <a:rPr lang="pl-PL" sz="1600" dirty="0" smtClean="0">
+                <a:latin typeface="Lucida Console" pitchFamily="49" charset="0"/>
+              </a:rPr>
+            </a:br>
+            <a:r>
+              <a:rPr lang="pl-PL" sz="1600" dirty="0" smtClean="0">
+                <a:latin typeface="Lucida Console" pitchFamily="49" charset="0"/>
+              </a:rPr>
+              <a:t>	</a:t>
+            </a:r>
+            <a:r>
+              <a:rPr lang="pl-PL" sz="1600" dirty="0" err="1" smtClean="0">
+                <a:latin typeface="Lucida Console" pitchFamily="49" charset="0"/>
+              </a:rPr>
+              <a:t>ReorderLevel</a:t>
+            </a:r>
+            <a:r>
+              <a:rPr lang="pl-PL" sz="1600" dirty="0" smtClean="0">
+                <a:latin typeface="Lucida Console" pitchFamily="49" charset="0"/>
+              </a:rPr>
+              <a:t> SMALLINT DEFAULT 0,</a:t>
+            </a:r>
+            <a:br>
+              <a:rPr lang="pl-PL" sz="1600" dirty="0" smtClean="0">
+                <a:latin typeface="Lucida Console" pitchFamily="49" charset="0"/>
+              </a:rPr>
+            </a:br>
+            <a:r>
+              <a:rPr lang="pl-PL" sz="1600" dirty="0" smtClean="0">
+                <a:latin typeface="Lucida Console" pitchFamily="49" charset="0"/>
+              </a:rPr>
+              <a:t>	</a:t>
+            </a:r>
+            <a:r>
+              <a:rPr lang="pl-PL" sz="1600" dirty="0" err="1" smtClean="0">
+                <a:latin typeface="Lucida Console" pitchFamily="49" charset="0"/>
+              </a:rPr>
+              <a:t>Discontinued</a:t>
+            </a:r>
+            <a:r>
+              <a:rPr lang="pl-PL" sz="1600" dirty="0" smtClean="0">
+                <a:latin typeface="Lucida Console" pitchFamily="49" charset="0"/>
+              </a:rPr>
+              <a:t> TINYINT DEFAULT 0 NOT NULL,</a:t>
+            </a:r>
+            <a:br>
+              <a:rPr lang="pl-PL" sz="1600" dirty="0" smtClean="0">
+                <a:latin typeface="Lucida Console" pitchFamily="49" charset="0"/>
+              </a:rPr>
+            </a:br>
+            <a:r>
+              <a:rPr lang="pl-PL" sz="1600" dirty="0" smtClean="0">
+                <a:latin typeface="Lucida Console" pitchFamily="49" charset="0"/>
+              </a:rPr>
+              <a:t>	</a:t>
+            </a:r>
+            <a:r>
+              <a:rPr lang="pl-PL" sz="1600" dirty="0" smtClean="0">
+                <a:solidFill>
+                  <a:srgbClr val="FF0000"/>
+                </a:solidFill>
+                <a:latin typeface="Lucida Console" pitchFamily="49" charset="0"/>
+              </a:rPr>
+              <a:t>FOREIGN KEY (</a:t>
+            </a:r>
+            <a:r>
+              <a:rPr lang="pl-PL" sz="1600" dirty="0" err="1" smtClean="0">
+                <a:solidFill>
+                  <a:srgbClr val="FF0000"/>
+                </a:solidFill>
+                <a:latin typeface="Lucida Console" pitchFamily="49" charset="0"/>
+              </a:rPr>
+              <a:t>CategoryID</a:t>
+            </a:r>
+            <a:r>
+              <a:rPr lang="pl-PL" sz="1600" dirty="0" smtClean="0">
+                <a:solidFill>
+                  <a:srgbClr val="FF0000"/>
+                </a:solidFill>
+                <a:latin typeface="Lucida Console" pitchFamily="49" charset="0"/>
+              </a:rPr>
+              <a:t>) REFERENCES </a:t>
+            </a:r>
+            <a:r>
+              <a:rPr lang="pl-PL" sz="1600" dirty="0" err="1" smtClean="0">
+                <a:solidFill>
+                  <a:srgbClr val="FF0000"/>
+                </a:solidFill>
+                <a:latin typeface="Lucida Console" pitchFamily="49" charset="0"/>
+              </a:rPr>
+              <a:t>Categories</a:t>
+            </a:r>
+            <a:r>
+              <a:rPr lang="pl-PL" sz="1600" dirty="0" smtClean="0">
+                <a:solidFill>
+                  <a:srgbClr val="FF0000"/>
+                </a:solidFill>
+                <a:latin typeface="Lucida Console" pitchFamily="49" charset="0"/>
+              </a:rPr>
+              <a:t> (</a:t>
+            </a:r>
+            <a:r>
+              <a:rPr lang="pl-PL" sz="1600" dirty="0" err="1" smtClean="0">
+                <a:solidFill>
+                  <a:srgbClr val="FF0000"/>
+                </a:solidFill>
+                <a:latin typeface="Lucida Console" pitchFamily="49" charset="0"/>
+              </a:rPr>
+              <a:t>CategoryID</a:t>
+            </a:r>
+            <a:r>
+              <a:rPr lang="pl-PL" sz="1600" dirty="0" smtClean="0">
+                <a:solidFill>
+                  <a:srgbClr val="FF0000"/>
+                </a:solidFill>
+                <a:latin typeface="Lucida Console" pitchFamily="49" charset="0"/>
+              </a:rPr>
+              <a:t>),</a:t>
+            </a:r>
+            <a:br>
+              <a:rPr lang="pl-PL" sz="1600" dirty="0" smtClean="0">
+                <a:solidFill>
+                  <a:srgbClr val="FF0000"/>
+                </a:solidFill>
+                <a:latin typeface="Lucida Console" pitchFamily="49" charset="0"/>
+              </a:rPr>
+            </a:br>
+            <a:r>
+              <a:rPr lang="pl-PL" sz="1600" dirty="0" smtClean="0">
+                <a:latin typeface="Lucida Console" pitchFamily="49" charset="0"/>
+              </a:rPr>
+              <a:t>	FOREIGN KEY (</a:t>
+            </a:r>
+            <a:r>
+              <a:rPr lang="pl-PL" sz="1600" dirty="0" err="1" smtClean="0">
+                <a:latin typeface="Lucida Console" pitchFamily="49" charset="0"/>
+              </a:rPr>
+              <a:t>SupplierID</a:t>
+            </a:r>
+            <a:r>
+              <a:rPr lang="pl-PL" sz="1600" dirty="0" smtClean="0">
+                <a:latin typeface="Lucida Console" pitchFamily="49" charset="0"/>
+              </a:rPr>
+              <a:t>) REFERENCES Suppliers (</a:t>
+            </a:r>
+            <a:r>
+              <a:rPr lang="pl-PL" sz="1600" dirty="0" err="1" smtClean="0">
+                <a:latin typeface="Lucida Console" pitchFamily="49" charset="0"/>
+              </a:rPr>
+              <a:t>SupplierID</a:t>
+            </a:r>
+            <a:r>
+              <a:rPr lang="pl-PL" sz="1600" dirty="0" smtClean="0">
+                <a:latin typeface="Lucida Console" pitchFamily="49" charset="0"/>
+              </a:rPr>
+              <a:t>),</a:t>
+            </a:r>
+            <a:br>
+              <a:rPr lang="pl-PL" sz="1600" dirty="0" smtClean="0">
+                <a:latin typeface="Lucida Console" pitchFamily="49" charset="0"/>
+              </a:rPr>
+            </a:br>
+            <a:r>
+              <a:rPr lang="pl-PL" sz="1600" dirty="0" smtClean="0">
+                <a:latin typeface="Lucida Console" pitchFamily="49" charset="0"/>
+              </a:rPr>
+              <a:t>	</a:t>
+            </a:r>
+            <a:r>
+              <a:rPr lang="pl-PL" sz="1600" dirty="0" smtClean="0">
+                <a:solidFill>
+                  <a:srgbClr val="FF0000"/>
+                </a:solidFill>
+                <a:latin typeface="Lucida Console" pitchFamily="49" charset="0"/>
+              </a:rPr>
+              <a:t>PRIMARY KEY (</a:t>
+            </a:r>
+            <a:r>
+              <a:rPr lang="pl-PL" sz="1600" dirty="0" err="1" smtClean="0">
+                <a:solidFill>
+                  <a:srgbClr val="FF0000"/>
+                </a:solidFill>
+                <a:latin typeface="Lucida Console" pitchFamily="49" charset="0"/>
+              </a:rPr>
+              <a:t>ProductID</a:t>
+            </a:r>
+            <a:r>
+              <a:rPr lang="pl-PL" sz="1600" dirty="0" smtClean="0">
+                <a:solidFill>
+                  <a:srgbClr val="FF0000"/>
+                </a:solidFill>
+                <a:latin typeface="Lucida Console" pitchFamily="49" charset="0"/>
+              </a:rPr>
+              <a:t>),</a:t>
+            </a:r>
+            <a:br>
+              <a:rPr lang="pl-PL" sz="1600" dirty="0" smtClean="0">
+                <a:solidFill>
+                  <a:srgbClr val="FF0000"/>
+                </a:solidFill>
+                <a:latin typeface="Lucida Console" pitchFamily="49" charset="0"/>
+              </a:rPr>
+            </a:br>
+            <a:r>
+              <a:rPr lang="pl-PL" sz="1600" dirty="0" smtClean="0">
+                <a:solidFill>
+                  <a:srgbClr val="FF0000"/>
+                </a:solidFill>
+                <a:latin typeface="Lucida Console" pitchFamily="49" charset="0"/>
+              </a:rPr>
+              <a:t>	INDEX </a:t>
+            </a:r>
+            <a:r>
+              <a:rPr lang="pl-PL" sz="1600" dirty="0" err="1" smtClean="0">
+                <a:solidFill>
+                  <a:srgbClr val="FF0000"/>
+                </a:solidFill>
+                <a:latin typeface="Lucida Console" pitchFamily="49" charset="0"/>
+              </a:rPr>
+              <a:t>ProductName</a:t>
+            </a:r>
+            <a:r>
+              <a:rPr lang="pl-PL" sz="1600" dirty="0" smtClean="0">
+                <a:solidFill>
+                  <a:srgbClr val="FF0000"/>
+                </a:solidFill>
+                <a:latin typeface="Lucida Console" pitchFamily="49" charset="0"/>
+              </a:rPr>
+              <a:t> (</a:t>
+            </a:r>
+            <a:r>
+              <a:rPr lang="pl-PL" sz="1600" dirty="0" err="1" smtClean="0">
+                <a:solidFill>
+                  <a:srgbClr val="FF0000"/>
+                </a:solidFill>
+                <a:latin typeface="Lucida Console" pitchFamily="49" charset="0"/>
+              </a:rPr>
+              <a:t>ProductName</a:t>
+            </a:r>
+            <a:r>
+              <a:rPr lang="pl-PL" sz="1600" dirty="0" smtClean="0">
+                <a:solidFill>
+                  <a:srgbClr val="FF0000"/>
+                </a:solidFill>
+                <a:latin typeface="Lucida Console" pitchFamily="49" charset="0"/>
+              </a:rPr>
+              <a:t>)</a:t>
+            </a:r>
+          </a:p>
+          <a:p>
+            <a:pPr marL="0" indent="0">
+              <a:buNone/>
+            </a:pPr>
+            <a:r>
+              <a:rPr lang="pl-PL" sz="1600" dirty="0" smtClean="0">
+                <a:latin typeface="Lucida Console" pitchFamily="49" charset="0"/>
+              </a:rPr>
+              <a:t>)</a:t>
+            </a:r>
+            <a:r>
+              <a:rPr lang="pl-PL" sz="1600" dirty="0" smtClean="0">
+                <a:solidFill>
+                  <a:srgbClr val="FF0000"/>
+                </a:solidFill>
+                <a:latin typeface="Lucida Console" pitchFamily="49" charset="0"/>
+              </a:rPr>
+              <a:t>ENGINE=</a:t>
+            </a:r>
+            <a:r>
+              <a:rPr lang="pl-PL" sz="1600" dirty="0" err="1" smtClean="0">
+                <a:solidFill>
+                  <a:srgbClr val="FF0000"/>
+                </a:solidFill>
+                <a:latin typeface="Lucida Console" pitchFamily="49" charset="0"/>
+              </a:rPr>
+              <a:t>InnoDB</a:t>
+            </a:r>
+            <a:r>
+              <a:rPr lang="pl-PL" sz="1600" dirty="0" smtClean="0">
+                <a:solidFill>
+                  <a:srgbClr val="FF0000"/>
+                </a:solidFill>
+                <a:latin typeface="Lucida Console" pitchFamily="49" charset="0"/>
+              </a:rPr>
+              <a:t>;</a:t>
+            </a:r>
+          </a:p>
+        </p:txBody>
+      </p:sp>
+    </p:spTree>
+    <p:extLst>
+      <p:ext uri="{BB962C8B-B14F-4D97-AF65-F5344CB8AC3E}">
+        <p14:creationId xmlns:p14="http://schemas.microsoft.com/office/powerpoint/2010/main" val="2266273730"/>
+      </p:ext>
+    </p:extLst>
+  </p:cSld>
+  <p:clrMapOvr>
+    <a:masterClrMapping/>
+  </p:clrMapOvr>
+  <p:timing>
+    <p:tnLst>
+      <p:par>
+        <p:cTn id="1" dur="indefinite" restart="never" nodeType="tmRoot"/>
+      </p:par>
+    </p:tnLst>
+  </p:timing>
+</p:sld>
+</file>
+
+<file path=ppt/slides/slide14.xml><?xml version="1.0" encoding="utf-8"?>
+<p:sld xmlns:a="http://schemas.openxmlformats.org/drawingml/2006/main" xmlns:r="http://schemas.openxmlformats.org/officeDocument/2006/relationships" xmlns:p="http://schemas.openxmlformats.org/presentationml/2006/main">
+  <p:cSld>
+    <p:spTree>
+      <p:nvGrpSpPr>
+        <p:cNvPr id="1" name=""/>
+        <p:cNvGrpSpPr/>
+        <p:nvPr/>
+      </p:nvGrpSpPr>
+      <p:grpSpPr>
+        <a:xfrm>
+          <a:off x="0" y="0"/>
+          <a:ext cx="0" cy="0"/>
+          <a:chOff x="0" y="0"/>
+          <a:chExt cx="0" cy="0"/>
+        </a:xfrm>
+      </p:grpSpPr>
+      <p:sp>
+        <p:nvSpPr>
+          <p:cNvPr id="2" name="Tytuł 1"/>
+          <p:cNvSpPr>
+            <a:spLocks noGrp="1"/>
+          </p:cNvSpPr>
+          <p:nvPr>
+            <p:ph type="title"/>
+          </p:nvPr>
+        </p:nvSpPr>
+        <p:spPr/>
+        <p:txBody>
+          <a:bodyPr/>
+          <a:lstStyle/>
+          <a:p>
+            <a:r>
+              <a:rPr lang="pl-PL" dirty="0" smtClean="0"/>
+              <a:t>Opis tabeli</a:t>
+            </a:r>
+            <a:endParaRPr lang="pl-PL" dirty="0"/>
+          </a:p>
+        </p:txBody>
+      </p:sp>
+      <p:sp>
+        <p:nvSpPr>
+          <p:cNvPr id="3" name="Symbol zastępczy zawartości 2"/>
+          <p:cNvSpPr>
+            <a:spLocks noGrp="1"/>
+          </p:cNvSpPr>
+          <p:nvPr>
+            <p:ph idx="1"/>
+          </p:nvPr>
+        </p:nvSpPr>
+        <p:spPr>
+          <a:xfrm>
+            <a:off x="914400" y="1700808"/>
+            <a:ext cx="8229600" cy="4525963"/>
+          </a:xfrm>
+        </p:spPr>
+        <p:txBody>
+          <a:bodyPr>
+            <a:normAutofit/>
+          </a:bodyPr>
+          <a:lstStyle/>
+          <a:p>
+            <a:pPr marL="0" indent="0">
+              <a:buNone/>
+            </a:pPr>
+            <a:r>
+              <a:rPr lang="pl-PL" sz="1200" dirty="0" err="1" smtClean="0">
+                <a:latin typeface="Lucida Console" pitchFamily="49" charset="0"/>
+              </a:rPr>
+              <a:t>mysql</a:t>
+            </a:r>
+            <a:r>
+              <a:rPr lang="pl-PL" sz="1200" dirty="0" smtClean="0">
+                <a:latin typeface="Lucida Console" pitchFamily="49" charset="0"/>
+              </a:rPr>
+              <a:t>&gt; </a:t>
+            </a:r>
+            <a:r>
+              <a:rPr lang="pl-PL" sz="1200" dirty="0" err="1" smtClean="0">
+                <a:latin typeface="Lucida Console" pitchFamily="49" charset="0"/>
+              </a:rPr>
+              <a:t>describe</a:t>
+            </a:r>
+            <a:r>
+              <a:rPr lang="pl-PL" sz="1200" dirty="0" smtClean="0">
+                <a:latin typeface="Lucida Console" pitchFamily="49" charset="0"/>
+              </a:rPr>
+              <a:t> Products;</a:t>
+            </a:r>
+          </a:p>
+          <a:p>
+            <a:pPr marL="0" indent="0">
+              <a:buNone/>
+            </a:pPr>
+            <a:r>
+              <a:rPr lang="pl-PL" sz="1200" dirty="0" smtClean="0">
+                <a:latin typeface="Lucida Console" pitchFamily="49" charset="0"/>
+              </a:rPr>
+              <a:t>+-----------------+---------------+------+-----+---------+----------------+</a:t>
+            </a:r>
+          </a:p>
+          <a:p>
+            <a:pPr marL="0" indent="0">
+              <a:buNone/>
+            </a:pPr>
+            <a:r>
+              <a:rPr lang="pl-PL" sz="1200" dirty="0" smtClean="0">
+                <a:latin typeface="Lucida Console" pitchFamily="49" charset="0"/>
+              </a:rPr>
+              <a:t>| Field           | </a:t>
+            </a:r>
+            <a:r>
+              <a:rPr lang="pl-PL" sz="1200" dirty="0" err="1" smtClean="0">
+                <a:latin typeface="Lucida Console" pitchFamily="49" charset="0"/>
+              </a:rPr>
+              <a:t>Type</a:t>
+            </a:r>
+            <a:r>
+              <a:rPr lang="pl-PL" sz="1200" dirty="0" smtClean="0">
+                <a:latin typeface="Lucida Console" pitchFamily="49" charset="0"/>
+              </a:rPr>
+              <a:t>          | </a:t>
+            </a:r>
+            <a:r>
+              <a:rPr lang="pl-PL" sz="1200" dirty="0" err="1" smtClean="0">
+                <a:latin typeface="Lucida Console" pitchFamily="49" charset="0"/>
+              </a:rPr>
+              <a:t>Null</a:t>
+            </a:r>
+            <a:r>
+              <a:rPr lang="pl-PL" sz="1200" dirty="0" smtClean="0">
+                <a:latin typeface="Lucida Console" pitchFamily="49" charset="0"/>
+              </a:rPr>
+              <a:t> | </a:t>
+            </a:r>
+            <a:r>
+              <a:rPr lang="pl-PL" sz="1200" dirty="0" err="1" smtClean="0">
+                <a:latin typeface="Lucida Console" pitchFamily="49" charset="0"/>
+              </a:rPr>
+              <a:t>Key</a:t>
+            </a:r>
+            <a:r>
+              <a:rPr lang="pl-PL" sz="1200" dirty="0" smtClean="0">
+                <a:latin typeface="Lucida Console" pitchFamily="49" charset="0"/>
+              </a:rPr>
+              <a:t> | </a:t>
+            </a:r>
+            <a:r>
+              <a:rPr lang="pl-PL" sz="1200" dirty="0" err="1" smtClean="0">
+                <a:latin typeface="Lucida Console" pitchFamily="49" charset="0"/>
+              </a:rPr>
+              <a:t>Default</a:t>
+            </a:r>
+            <a:r>
+              <a:rPr lang="pl-PL" sz="1200" dirty="0" smtClean="0">
+                <a:latin typeface="Lucida Console" pitchFamily="49" charset="0"/>
+              </a:rPr>
+              <a:t> | Extra          |</a:t>
+            </a:r>
+          </a:p>
+          <a:p>
+            <a:pPr marL="0" indent="0">
+              <a:buNone/>
+            </a:pPr>
+            <a:r>
+              <a:rPr lang="pl-PL" sz="1200" dirty="0" smtClean="0">
+                <a:latin typeface="Lucida Console" pitchFamily="49" charset="0"/>
+              </a:rPr>
+              <a:t>+-----------------+---------------+------+-----+---------+----------------+</a:t>
+            </a:r>
+          </a:p>
+          <a:p>
+            <a:pPr marL="0" indent="0">
+              <a:buNone/>
+            </a:pPr>
+            <a:r>
+              <a:rPr lang="pl-PL" sz="1200" dirty="0" smtClean="0">
+                <a:latin typeface="Lucida Console" pitchFamily="49" charset="0"/>
+              </a:rPr>
+              <a:t>| </a:t>
+            </a:r>
+            <a:r>
+              <a:rPr lang="pl-PL" sz="1200" dirty="0" err="1" smtClean="0">
+                <a:latin typeface="Lucida Console" pitchFamily="49" charset="0"/>
+              </a:rPr>
+              <a:t>ProductID</a:t>
+            </a:r>
+            <a:r>
+              <a:rPr lang="pl-PL" sz="1200" dirty="0" smtClean="0">
+                <a:latin typeface="Lucida Console" pitchFamily="49" charset="0"/>
+              </a:rPr>
+              <a:t>       | </a:t>
+            </a:r>
+            <a:r>
+              <a:rPr lang="pl-PL" sz="1200" dirty="0" err="1" smtClean="0">
+                <a:latin typeface="Lucida Console" pitchFamily="49" charset="0"/>
+              </a:rPr>
+              <a:t>int</a:t>
+            </a:r>
+            <a:r>
+              <a:rPr lang="pl-PL" sz="1200" dirty="0" smtClean="0">
+                <a:latin typeface="Lucida Console" pitchFamily="49" charset="0"/>
+              </a:rPr>
+              <a:t>(11)       | NO   | PRI | NULL    | </a:t>
+            </a:r>
+            <a:r>
+              <a:rPr lang="pl-PL" sz="1200" dirty="0" err="1" smtClean="0">
+                <a:latin typeface="Lucida Console" pitchFamily="49" charset="0"/>
+              </a:rPr>
+              <a:t>auto_increment</a:t>
+            </a:r>
+            <a:r>
+              <a:rPr lang="pl-PL" sz="1200" dirty="0" smtClean="0">
+                <a:latin typeface="Lucida Console" pitchFamily="49" charset="0"/>
+              </a:rPr>
+              <a:t> |</a:t>
+            </a:r>
+          </a:p>
+          <a:p>
+            <a:pPr marL="0" indent="0">
+              <a:buNone/>
+            </a:pPr>
+            <a:r>
+              <a:rPr lang="pl-PL" sz="1200" dirty="0" smtClean="0">
+                <a:latin typeface="Lucida Console" pitchFamily="49" charset="0"/>
+              </a:rPr>
+              <a:t>| </a:t>
+            </a:r>
+            <a:r>
+              <a:rPr lang="pl-PL" sz="1200" dirty="0" err="1" smtClean="0">
+                <a:latin typeface="Lucida Console" pitchFamily="49" charset="0"/>
+              </a:rPr>
+              <a:t>ProductName</a:t>
+            </a:r>
+            <a:r>
+              <a:rPr lang="pl-PL" sz="1200" dirty="0" smtClean="0">
+                <a:latin typeface="Lucida Console" pitchFamily="49" charset="0"/>
+              </a:rPr>
+              <a:t>     | </a:t>
+            </a:r>
+            <a:r>
+              <a:rPr lang="pl-PL" sz="1200" dirty="0" err="1" smtClean="0">
+                <a:latin typeface="Lucida Console" pitchFamily="49" charset="0"/>
+              </a:rPr>
+              <a:t>varchar</a:t>
+            </a:r>
+            <a:r>
+              <a:rPr lang="pl-PL" sz="1200" dirty="0" smtClean="0">
+                <a:latin typeface="Lucida Console" pitchFamily="49" charset="0"/>
+              </a:rPr>
+              <a:t>(40)   | NO   |     | NULL    |                |</a:t>
+            </a:r>
+          </a:p>
+          <a:p>
+            <a:pPr marL="0" indent="0">
+              <a:buNone/>
+            </a:pPr>
+            <a:r>
+              <a:rPr lang="pl-PL" sz="1200" dirty="0" smtClean="0">
+                <a:latin typeface="Lucida Console" pitchFamily="49" charset="0"/>
+              </a:rPr>
+              <a:t>| </a:t>
+            </a:r>
+            <a:r>
+              <a:rPr lang="pl-PL" sz="1200" dirty="0" err="1" smtClean="0">
+                <a:latin typeface="Lucida Console" pitchFamily="49" charset="0"/>
+              </a:rPr>
+              <a:t>SupplierID</a:t>
+            </a:r>
+            <a:r>
+              <a:rPr lang="pl-PL" sz="1200" dirty="0" smtClean="0">
+                <a:latin typeface="Lucida Console" pitchFamily="49" charset="0"/>
+              </a:rPr>
+              <a:t>      | </a:t>
+            </a:r>
+            <a:r>
+              <a:rPr lang="pl-PL" sz="1200" dirty="0" err="1" smtClean="0">
+                <a:latin typeface="Lucida Console" pitchFamily="49" charset="0"/>
+              </a:rPr>
+              <a:t>int</a:t>
+            </a:r>
+            <a:r>
+              <a:rPr lang="pl-PL" sz="1200" dirty="0" smtClean="0">
+                <a:latin typeface="Lucida Console" pitchFamily="49" charset="0"/>
+              </a:rPr>
+              <a:t>(11)       | NO   | MUL | NULL    |                |</a:t>
+            </a:r>
+          </a:p>
+          <a:p>
+            <a:pPr marL="0" indent="0">
+              <a:buNone/>
+            </a:pPr>
+            <a:r>
+              <a:rPr lang="pl-PL" sz="1200" dirty="0" smtClean="0">
+                <a:latin typeface="Lucida Console" pitchFamily="49" charset="0"/>
+              </a:rPr>
+              <a:t>| </a:t>
+            </a:r>
+            <a:r>
+              <a:rPr lang="pl-PL" sz="1200" dirty="0" err="1" smtClean="0">
+                <a:latin typeface="Lucida Console" pitchFamily="49" charset="0"/>
+              </a:rPr>
+              <a:t>CategoryID</a:t>
+            </a:r>
+            <a:r>
+              <a:rPr lang="pl-PL" sz="1200" dirty="0" smtClean="0">
+                <a:latin typeface="Lucida Console" pitchFamily="49" charset="0"/>
+              </a:rPr>
+              <a:t>      | </a:t>
+            </a:r>
+            <a:r>
+              <a:rPr lang="pl-PL" sz="1200" dirty="0" err="1" smtClean="0">
+                <a:latin typeface="Lucida Console" pitchFamily="49" charset="0"/>
+              </a:rPr>
+              <a:t>int</a:t>
+            </a:r>
+            <a:r>
+              <a:rPr lang="pl-PL" sz="1200" dirty="0" smtClean="0">
+                <a:latin typeface="Lucida Console" pitchFamily="49" charset="0"/>
+              </a:rPr>
+              <a:t>(11)       | NO   | MUL | NULL    |                |</a:t>
+            </a:r>
+          </a:p>
+          <a:p>
+            <a:pPr marL="0" indent="0">
+              <a:buNone/>
+            </a:pPr>
+            <a:r>
+              <a:rPr lang="pl-PL" sz="1200" dirty="0" smtClean="0">
+                <a:latin typeface="Lucida Console" pitchFamily="49" charset="0"/>
+              </a:rPr>
+              <a:t>| </a:t>
+            </a:r>
+            <a:r>
+              <a:rPr lang="pl-PL" sz="1200" dirty="0" err="1" smtClean="0">
+                <a:latin typeface="Lucida Console" pitchFamily="49" charset="0"/>
+              </a:rPr>
+              <a:t>ContactName</a:t>
+            </a:r>
+            <a:r>
+              <a:rPr lang="pl-PL" sz="1200" dirty="0" smtClean="0">
+                <a:latin typeface="Lucida Console" pitchFamily="49" charset="0"/>
+              </a:rPr>
+              <a:t>     | </a:t>
+            </a:r>
+            <a:r>
+              <a:rPr lang="pl-PL" sz="1200" dirty="0" err="1" smtClean="0">
+                <a:latin typeface="Lucida Console" pitchFamily="49" charset="0"/>
+              </a:rPr>
+              <a:t>varchar</a:t>
+            </a:r>
+            <a:r>
+              <a:rPr lang="pl-PL" sz="1200" dirty="0" smtClean="0">
+                <a:latin typeface="Lucida Console" pitchFamily="49" charset="0"/>
+              </a:rPr>
+              <a:t>(30)   | NO   |     | NULL    |                |</a:t>
+            </a:r>
+          </a:p>
+          <a:p>
+            <a:pPr marL="0" indent="0">
+              <a:buNone/>
+            </a:pPr>
+            <a:r>
+              <a:rPr lang="pl-PL" sz="1200" dirty="0" smtClean="0">
+                <a:latin typeface="Lucida Console" pitchFamily="49" charset="0"/>
+              </a:rPr>
+              <a:t>| </a:t>
+            </a:r>
+            <a:r>
+              <a:rPr lang="pl-PL" sz="1200" dirty="0" err="1" smtClean="0">
+                <a:latin typeface="Lucida Console" pitchFamily="49" charset="0"/>
+              </a:rPr>
+              <a:t>QuantityPerUnit</a:t>
+            </a:r>
+            <a:r>
+              <a:rPr lang="pl-PL" sz="1200" dirty="0" smtClean="0">
+                <a:latin typeface="Lucida Console" pitchFamily="49" charset="0"/>
+              </a:rPr>
+              <a:t> | </a:t>
+            </a:r>
+            <a:r>
+              <a:rPr lang="pl-PL" sz="1200" dirty="0" err="1" smtClean="0">
+                <a:latin typeface="Lucida Console" pitchFamily="49" charset="0"/>
+              </a:rPr>
+              <a:t>varchar</a:t>
+            </a:r>
+            <a:r>
+              <a:rPr lang="pl-PL" sz="1200" dirty="0" smtClean="0">
+                <a:latin typeface="Lucida Console" pitchFamily="49" charset="0"/>
+              </a:rPr>
+              <a:t>(20)   | NO   |     | NULL    |                |</a:t>
+            </a:r>
+          </a:p>
+          <a:p>
+            <a:pPr marL="0" indent="0">
+              <a:buNone/>
+            </a:pPr>
+            <a:r>
+              <a:rPr lang="pl-PL" sz="1200" dirty="0" smtClean="0">
+                <a:latin typeface="Lucida Console" pitchFamily="49" charset="0"/>
+              </a:rPr>
+              <a:t>| </a:t>
+            </a:r>
+            <a:r>
+              <a:rPr lang="pl-PL" sz="1200" dirty="0" err="1" smtClean="0">
+                <a:latin typeface="Lucida Console" pitchFamily="49" charset="0"/>
+              </a:rPr>
+              <a:t>UnitPrice</a:t>
+            </a:r>
+            <a:r>
+              <a:rPr lang="pl-PL" sz="1200" dirty="0" smtClean="0">
+                <a:latin typeface="Lucida Console" pitchFamily="49" charset="0"/>
+              </a:rPr>
+              <a:t>       | </a:t>
+            </a:r>
+            <a:r>
+              <a:rPr lang="pl-PL" sz="1200" dirty="0" err="1" smtClean="0">
+                <a:latin typeface="Lucida Console" pitchFamily="49" charset="0"/>
+              </a:rPr>
+              <a:t>decimal</a:t>
+            </a:r>
+            <a:r>
+              <a:rPr lang="pl-PL" sz="1200" dirty="0" smtClean="0">
+                <a:latin typeface="Lucida Console" pitchFamily="49" charset="0"/>
+              </a:rPr>
+              <a:t>(10,2) | NO   |     | NULL    |                |</a:t>
+            </a:r>
+          </a:p>
+          <a:p>
+            <a:pPr marL="0" indent="0">
+              <a:buNone/>
+            </a:pPr>
+            <a:r>
+              <a:rPr lang="pl-PL" sz="1200" dirty="0" smtClean="0">
+                <a:latin typeface="Lucida Console" pitchFamily="49" charset="0"/>
+              </a:rPr>
+              <a:t>| </a:t>
+            </a:r>
+            <a:r>
+              <a:rPr lang="pl-PL" sz="1200" dirty="0" err="1" smtClean="0">
+                <a:latin typeface="Lucida Console" pitchFamily="49" charset="0"/>
+              </a:rPr>
+              <a:t>UnitsInStock</a:t>
+            </a:r>
+            <a:r>
+              <a:rPr lang="pl-PL" sz="1200" dirty="0" smtClean="0">
+                <a:latin typeface="Lucida Console" pitchFamily="49" charset="0"/>
+              </a:rPr>
+              <a:t>    | </a:t>
+            </a:r>
+            <a:r>
+              <a:rPr lang="pl-PL" sz="1200" dirty="0" err="1" smtClean="0">
+                <a:latin typeface="Lucida Console" pitchFamily="49" charset="0"/>
+              </a:rPr>
+              <a:t>smallint</a:t>
+            </a:r>
+            <a:r>
+              <a:rPr lang="pl-PL" sz="1200" dirty="0" smtClean="0">
+                <a:latin typeface="Lucida Console" pitchFamily="49" charset="0"/>
+              </a:rPr>
+              <a:t>(6)   | NO   |     | NULL    |                |</a:t>
+            </a:r>
+          </a:p>
+          <a:p>
+            <a:pPr marL="0" indent="0">
+              <a:buNone/>
+            </a:pPr>
+            <a:r>
+              <a:rPr lang="pl-PL" sz="1200" dirty="0" smtClean="0">
+                <a:latin typeface="Lucida Console" pitchFamily="49" charset="0"/>
+              </a:rPr>
+              <a:t>| </a:t>
+            </a:r>
+            <a:r>
+              <a:rPr lang="pl-PL" sz="1200" dirty="0" err="1" smtClean="0">
+                <a:latin typeface="Lucida Console" pitchFamily="49" charset="0"/>
+              </a:rPr>
+              <a:t>UnitsOnOrder</a:t>
+            </a:r>
+            <a:r>
+              <a:rPr lang="pl-PL" sz="1200" dirty="0" smtClean="0">
+                <a:latin typeface="Lucida Console" pitchFamily="49" charset="0"/>
+              </a:rPr>
+              <a:t>    | </a:t>
+            </a:r>
+            <a:r>
+              <a:rPr lang="pl-PL" sz="1200" dirty="0" err="1" smtClean="0">
+                <a:latin typeface="Lucida Console" pitchFamily="49" charset="0"/>
+              </a:rPr>
+              <a:t>smallint</a:t>
+            </a:r>
+            <a:r>
+              <a:rPr lang="pl-PL" sz="1200" dirty="0" smtClean="0">
+                <a:latin typeface="Lucida Console" pitchFamily="49" charset="0"/>
+              </a:rPr>
+              <a:t>(6)   | NO   |     | NULL    |                |</a:t>
+            </a:r>
+          </a:p>
+          <a:p>
+            <a:pPr marL="0" indent="0">
+              <a:buNone/>
+            </a:pPr>
+            <a:r>
+              <a:rPr lang="pl-PL" sz="1200" dirty="0" smtClean="0">
+                <a:latin typeface="Lucida Console" pitchFamily="49" charset="0"/>
+              </a:rPr>
+              <a:t>| </a:t>
+            </a:r>
+            <a:r>
+              <a:rPr lang="pl-PL" sz="1200" dirty="0" err="1" smtClean="0">
+                <a:latin typeface="Lucida Console" pitchFamily="49" charset="0"/>
+              </a:rPr>
+              <a:t>ReorderLevel</a:t>
+            </a:r>
+            <a:r>
+              <a:rPr lang="pl-PL" sz="1200" dirty="0" smtClean="0">
+                <a:latin typeface="Lucida Console" pitchFamily="49" charset="0"/>
+              </a:rPr>
+              <a:t>    | </a:t>
+            </a:r>
+            <a:r>
+              <a:rPr lang="pl-PL" sz="1200" dirty="0" err="1" smtClean="0">
+                <a:latin typeface="Lucida Console" pitchFamily="49" charset="0"/>
+              </a:rPr>
+              <a:t>smallint</a:t>
+            </a:r>
+            <a:r>
+              <a:rPr lang="pl-PL" sz="1200" dirty="0" smtClean="0">
+                <a:latin typeface="Lucida Console" pitchFamily="49" charset="0"/>
+              </a:rPr>
+              <a:t>(6)   | YES  |     | NULL    |                |</a:t>
+            </a:r>
+          </a:p>
+          <a:p>
+            <a:pPr marL="0" indent="0">
+              <a:buNone/>
+            </a:pPr>
+            <a:r>
+              <a:rPr lang="pl-PL" sz="1200" dirty="0" smtClean="0">
+                <a:latin typeface="Lucida Console" pitchFamily="49" charset="0"/>
+              </a:rPr>
+              <a:t>| </a:t>
+            </a:r>
+            <a:r>
+              <a:rPr lang="pl-PL" sz="1200" dirty="0" err="1" smtClean="0">
+                <a:latin typeface="Lucida Console" pitchFamily="49" charset="0"/>
+              </a:rPr>
+              <a:t>Discounted</a:t>
+            </a:r>
+            <a:r>
+              <a:rPr lang="pl-PL" sz="1200" dirty="0" smtClean="0">
+                <a:latin typeface="Lucida Console" pitchFamily="49" charset="0"/>
+              </a:rPr>
+              <a:t>      | bit(1)        | NO   |     | NULL    |                |</a:t>
+            </a:r>
+          </a:p>
+          <a:p>
+            <a:pPr marL="0" indent="0">
+              <a:buNone/>
+            </a:pPr>
+            <a:r>
+              <a:rPr lang="pl-PL" sz="1200" dirty="0" smtClean="0">
+                <a:latin typeface="Lucida Console" pitchFamily="49" charset="0"/>
+              </a:rPr>
+              <a:t>+-----------------+---------------+------+-----+---------+----------------+</a:t>
+            </a:r>
+            <a:endParaRPr lang="pl-PL" sz="1200" dirty="0"/>
+          </a:p>
+        </p:txBody>
+      </p:sp>
+    </p:spTree>
+    <p:extLst>
+      <p:ext uri="{BB962C8B-B14F-4D97-AF65-F5344CB8AC3E}">
+        <p14:creationId xmlns:p14="http://schemas.microsoft.com/office/powerpoint/2010/main" val="1461797622"/>
+      </p:ext>
+    </p:extLst>
+  </p:cSld>
+  <p:clrMapOvr>
+    <a:masterClrMapping/>
+  </p:clrMapOvr>
+  <p:timing>
+    <p:tnLst>
+      <p:par>
+        <p:cTn id="1" dur="indefinite" restart="never" nodeType="tmRoot"/>
+      </p:par>
+    </p:tnLst>
+  </p:timing>
+</p:sld>
+</file>
+
+<file path=ppt/slides/slide15.xml><?xml version="1.0" encoding="utf-8"?>
+<p:sld xmlns:a="http://schemas.openxmlformats.org/drawingml/2006/main" xmlns:r="http://schemas.openxmlformats.org/officeDocument/2006/relationships" xmlns:p="http://schemas.openxmlformats.org/presentationml/2006/main">
+  <p:cSld>
+    <p:spTree>
+      <p:nvGrpSpPr>
+        <p:cNvPr id="1" name=""/>
+        <p:cNvGrpSpPr/>
+        <p:nvPr/>
+      </p:nvGrpSpPr>
+      <p:grpSpPr>
+        <a:xfrm>
+          <a:off x="0" y="0"/>
+          <a:ext cx="0" cy="0"/>
+          <a:chOff x="0" y="0"/>
+          <a:chExt cx="0" cy="0"/>
+        </a:xfrm>
+      </p:grpSpPr>
+      <p:sp>
+        <p:nvSpPr>
+          <p:cNvPr id="2" name="Tytuł 1"/>
+          <p:cNvSpPr>
+            <a:spLocks noGrp="1"/>
+          </p:cNvSpPr>
+          <p:nvPr>
+            <p:ph type="title"/>
+          </p:nvPr>
+        </p:nvSpPr>
+        <p:spPr/>
+        <p:txBody>
+          <a:bodyPr>
+            <a:normAutofit/>
+          </a:bodyPr>
+          <a:lstStyle/>
+          <a:p>
+            <a:r>
+              <a:rPr lang="pl-PL" dirty="0" smtClean="0"/>
               <a:t>Wstawianie danych</a:t>
             </a:r>
             <a:endParaRPr lang="pl-PL" dirty="0"/>
@@ -6027,7 +6297,7 @@
 </p:sld>
 </file>
 
-<file path=ppt/slides/slide14.xml><?xml version="1.0" encoding="utf-8"?>
+<file path=ppt/slides/slide16.xml><?xml version="1.0" encoding="utf-8"?>
 <p:sld xmlns:a="http://schemas.openxmlformats.org/drawingml/2006/main" xmlns:r="http://schemas.openxmlformats.org/officeDocument/2006/relationships" xmlns:p="http://schemas.openxmlformats.org/presentationml/2006/main">
   <p:cSld>
     <p:spTree>
@@ -6180,7 +6450,7 @@
 </p:sld>
 </file>
 
-<file path=ppt/slides/slide15.xml><?xml version="1.0" encoding="utf-8"?>
+<file path=ppt/slides/slide17.xml><?xml version="1.0" encoding="utf-8"?>
 <p:sld xmlns:a="http://schemas.openxmlformats.org/drawingml/2006/main" xmlns:r="http://schemas.openxmlformats.org/officeDocument/2006/relationships" xmlns:p="http://schemas.openxmlformats.org/presentationml/2006/main">
   <p:cSld>
     <p:spTree>
@@ -6297,7 +6567,7 @@
 </p:sld>
 </file>
 
-<file path=ppt/slides/slide16.xml><?xml version="1.0" encoding="utf-8"?>
+<file path=ppt/slides/slide18.xml><?xml version="1.0" encoding="utf-8"?>
 <p:sld xmlns:a="http://schemas.openxmlformats.org/drawingml/2006/main" xmlns:r="http://schemas.openxmlformats.org/officeDocument/2006/relationships" xmlns:p="http://schemas.openxmlformats.org/presentationml/2006/main">
   <p:cSld>
     <p:spTree>
@@ -6442,7 +6712,7 @@
 </p:sld>
 </file>
 
-<file path=ppt/slides/slide17.xml><?xml version="1.0" encoding="utf-8"?>
+<file path=ppt/slides/slide19.xml><?xml version="1.0" encoding="utf-8"?>
 <p:sld xmlns:a="http://schemas.openxmlformats.org/drawingml/2006/main" xmlns:r="http://schemas.openxmlformats.org/officeDocument/2006/relationships" xmlns:p="http://schemas.openxmlformats.org/presentationml/2006/main">
   <p:cSld>
     <p:spTree>
@@ -6559,7 +6829,7 @@
 </p:sld>
 </file>
 
-<file path=ppt/slides/slide18.xml><?xml version="1.0" encoding="utf-8"?>
+<file path=ppt/slides/slide2.xml><?xml version="1.0" encoding="utf-8"?>
 <p:sld xmlns:a="http://schemas.openxmlformats.org/drawingml/2006/main" xmlns:r="http://schemas.openxmlformats.org/officeDocument/2006/relationships" xmlns:p="http://schemas.openxmlformats.org/presentationml/2006/main">
   <p:cSld>
     <p:spTree>
@@ -6593,6 +6863,276 @@
           <a:p>
             <a:r>
               <a:rPr lang="pl-PL" dirty="0" smtClean="0"/>
+              <a:t>O MySQL</a:t>
+            </a:r>
+            <a:endParaRPr lang="pl-PL" dirty="0"/>
+          </a:p>
+        </p:txBody>
+      </p:sp>
+      <p:sp>
+        <p:nvSpPr>
+          <p:cNvPr id="3" name="Symbol zastępczy zawartości 2"/>
+          <p:cNvSpPr>
+            <a:spLocks noGrp="1"/>
+          </p:cNvSpPr>
+          <p:nvPr>
+            <p:ph idx="1"/>
+          </p:nvPr>
+        </p:nvSpPr>
+        <p:spPr/>
+        <p:txBody>
+          <a:bodyPr>
+            <a:normAutofit fontScale="92500" lnSpcReduction="10000"/>
+          </a:bodyPr>
+          <a:lstStyle/>
+          <a:p>
+            <a:r>
+              <a:rPr lang="pl-PL" sz="2400" dirty="0"/>
+              <a:t>Kod źródłowy dostępny na warunkach </a:t>
+            </a:r>
+            <a:r>
+              <a:rPr lang="en-US" sz="2400" dirty="0"/>
+              <a:t> GNU General Public License</a:t>
+            </a:r>
+            <a:endParaRPr lang="pl-PL" sz="2400" dirty="0" smtClean="0"/>
+          </a:p>
+          <a:p>
+            <a:r>
+              <a:rPr lang="pl-PL" sz="2400" dirty="0" smtClean="0"/>
+              <a:t>Popularny wśród</a:t>
+            </a:r>
+            <a:r>
+              <a:rPr lang="en-US" sz="2400" dirty="0" smtClean="0"/>
+              <a:t> </a:t>
+            </a:r>
+            <a:r>
+              <a:rPr lang="en-US" sz="2400" dirty="0" smtClean="0"/>
+              <a:t>web</a:t>
+            </a:r>
+            <a:r>
+              <a:rPr lang="pl-PL" sz="2400" dirty="0" smtClean="0"/>
+              <a:t>owych</a:t>
+            </a:r>
+            <a:r>
+              <a:rPr lang="en-US" sz="2400" dirty="0" smtClean="0"/>
+              <a:t> </a:t>
+            </a:r>
+            <a:r>
+              <a:rPr lang="en-US" sz="2400" dirty="0" err="1" smtClean="0"/>
+              <a:t>ap</a:t>
+            </a:r>
+            <a:r>
+              <a:rPr lang="pl-PL" sz="2400" dirty="0" err="1" smtClean="0"/>
+              <a:t>likacji</a:t>
+            </a:r>
+            <a:r>
+              <a:rPr lang="pl-PL" sz="2400" dirty="0" smtClean="0"/>
+              <a:t> </a:t>
+            </a:r>
+            <a:r>
+              <a:rPr lang="pl-PL" sz="2400" dirty="0" smtClean="0"/>
+              <a:t>– część szeroko rozpowszechnionego</a:t>
+            </a:r>
+            <a:r>
+              <a:rPr lang="en-US" sz="2400" dirty="0"/>
+              <a:t> LAMP </a:t>
+            </a:r>
+            <a:r>
+              <a:rPr lang="pl-PL" sz="2400" dirty="0" smtClean="0"/>
+              <a:t>- złożonego open </a:t>
+            </a:r>
+            <a:r>
+              <a:rPr lang="pl-PL" sz="2400" dirty="0" err="1" smtClean="0"/>
+              <a:t>sourcowych</a:t>
+            </a:r>
+            <a:r>
+              <a:rPr lang="pl-PL" sz="2400" dirty="0"/>
+              <a:t>:</a:t>
+            </a:r>
+            <a:r>
+              <a:rPr lang="en-US" sz="2400" dirty="0" smtClean="0"/>
+              <a:t> Linux</a:t>
+            </a:r>
+            <a:r>
+              <a:rPr lang="en-US" sz="2400" dirty="0"/>
+              <a:t>, Apache, MySQL, </a:t>
+            </a:r>
+            <a:r>
+              <a:rPr lang="en-US" sz="2400" dirty="0" smtClean="0"/>
+              <a:t>Perl/PHP/Python</a:t>
+            </a:r>
+            <a:endParaRPr lang="pl-PL" sz="2400" dirty="0"/>
+          </a:p>
+          <a:p>
+            <a:r>
+              <a:rPr lang="pl-PL" sz="2400" dirty="0" smtClean="0"/>
+              <a:t>Był </a:t>
+            </a:r>
+            <a:r>
+              <a:rPr lang="pl-PL" sz="2400" dirty="0"/>
+              <a:t>pisany raczej z myślą o szybkości niż kompatybilności ze standardem </a:t>
+            </a:r>
+            <a:r>
+              <a:rPr lang="pl-PL" sz="2400" dirty="0" smtClean="0"/>
+              <a:t>SQL, dopiero w </a:t>
+            </a:r>
+            <a:r>
+              <a:rPr lang="pl-PL" sz="2400" dirty="0"/>
+              <a:t>wersji 5 dodano procedury składowane, </a:t>
+            </a:r>
+            <a:r>
+              <a:rPr lang="pl-PL" sz="2400" dirty="0" err="1" smtClean="0"/>
+              <a:t>trigery</a:t>
+            </a:r>
+            <a:r>
+              <a:rPr lang="pl-PL" sz="2400" dirty="0" smtClean="0"/>
+              <a:t>, widoki</a:t>
+            </a:r>
+            <a:r>
+              <a:rPr lang="en-US" sz="2400" dirty="0"/>
+              <a:t> </a:t>
+            </a:r>
+            <a:endParaRPr lang="pl-PL" sz="2400" dirty="0"/>
+          </a:p>
+          <a:p>
+            <a:r>
+              <a:rPr lang="pl-PL" sz="2400" dirty="0" smtClean="0"/>
+              <a:t>W czołówce światowej – używany np. w:</a:t>
+            </a:r>
+          </a:p>
+          <a:p>
+            <a:pPr lvl="1"/>
+            <a:r>
+              <a:rPr lang="en-US" sz="2000" dirty="0" smtClean="0"/>
+              <a:t>Wikipedia</a:t>
+            </a:r>
+            <a:endParaRPr lang="pl-PL" sz="2000" dirty="0"/>
+          </a:p>
+          <a:p>
+            <a:pPr marL="685800" lvl="1"/>
+            <a:r>
+              <a:rPr lang="en-US" sz="2000" dirty="0"/>
+              <a:t>Google</a:t>
+            </a:r>
+            <a:r>
+              <a:rPr lang="pl-PL" sz="2000" dirty="0"/>
+              <a:t> </a:t>
+            </a:r>
+            <a:r>
+              <a:rPr lang="en-US" sz="2000" dirty="0" smtClean="0"/>
+              <a:t>(</a:t>
+            </a:r>
+            <a:r>
+              <a:rPr lang="pl-PL" sz="2000" dirty="0" smtClean="0"/>
+              <a:t>chociaż nie dla </a:t>
+            </a:r>
+            <a:r>
+              <a:rPr lang="pl-PL" sz="2000" dirty="0" err="1" smtClean="0"/>
+              <a:t>wyszukiwań</a:t>
+            </a:r>
+            <a:r>
+              <a:rPr lang="en-US" sz="2000" dirty="0" smtClean="0"/>
+              <a:t>)</a:t>
+            </a:r>
+            <a:r>
+              <a:rPr lang="en-US" sz="2000" dirty="0"/>
+              <a:t> </a:t>
+            </a:r>
+            <a:endParaRPr lang="pl-PL" sz="2000" dirty="0"/>
+          </a:p>
+          <a:p>
+            <a:pPr marL="685800" lvl="1"/>
+            <a:r>
+              <a:rPr lang="en-US" sz="2000" dirty="0"/>
+              <a:t>Facebook </a:t>
+            </a:r>
+            <a:endParaRPr lang="pl-PL" sz="2000" dirty="0"/>
+          </a:p>
+          <a:p>
+            <a:pPr marL="685800" lvl="1"/>
+            <a:r>
+              <a:rPr lang="en-US" sz="2000" dirty="0" smtClean="0"/>
+              <a:t>Twitter</a:t>
+            </a:r>
+            <a:endParaRPr lang="pl-PL" sz="2000" baseline="30000" dirty="0"/>
+          </a:p>
+          <a:p>
+            <a:pPr marL="685800" lvl="1"/>
+            <a:r>
+              <a:rPr lang="en-US" sz="2000" dirty="0"/>
+              <a:t> </a:t>
+            </a:r>
+            <a:r>
+              <a:rPr lang="en-US" sz="2000" dirty="0" smtClean="0"/>
+              <a:t>YouTube</a:t>
+            </a:r>
+            <a:endParaRPr lang="pl-PL" sz="2000" dirty="0" smtClean="0"/>
+          </a:p>
+          <a:p>
+            <a:pPr marL="400050" lvl="1" indent="0">
+              <a:buNone/>
+            </a:pPr>
+            <a:endParaRPr lang="pl-PL" sz="2000" dirty="0"/>
+          </a:p>
+          <a:p>
+            <a:endParaRPr lang="pl-PL" sz="2400" dirty="0" smtClean="0"/>
+          </a:p>
+        </p:txBody>
+      </p:sp>
+    </p:spTree>
+    <p:extLst>
+      <p:ext uri="{BB962C8B-B14F-4D97-AF65-F5344CB8AC3E}">
+        <p14:creationId xmlns:p14="http://schemas.microsoft.com/office/powerpoint/2010/main" val="3244559909"/>
+      </p:ext>
+    </p:extLst>
+  </p:cSld>
+  <p:clrMapOvr>
+    <a:masterClrMapping/>
+  </p:clrMapOvr>
+  <p:timing>
+    <p:tnLst>
+      <p:par>
+        <p:cTn id="1" dur="indefinite" restart="never" nodeType="tmRoot"/>
+      </p:par>
+    </p:tnLst>
+  </p:timing>
+</p:sld>
+</file>
+
+<file path=ppt/slides/slide20.xml><?xml version="1.0" encoding="utf-8"?>
+<p:sld xmlns:a="http://schemas.openxmlformats.org/drawingml/2006/main" xmlns:r="http://schemas.openxmlformats.org/officeDocument/2006/relationships" xmlns:p="http://schemas.openxmlformats.org/presentationml/2006/main">
+  <p:cSld>
+    <p:spTree>
+      <p:nvGrpSpPr>
+        <p:cNvPr id="1" name=""/>
+        <p:cNvGrpSpPr/>
+        <p:nvPr/>
+      </p:nvGrpSpPr>
+      <p:grpSpPr>
+        <a:xfrm>
+          <a:off x="0" y="0"/>
+          <a:ext cx="0" cy="0"/>
+          <a:chOff x="0" y="0"/>
+          <a:chExt cx="0" cy="0"/>
+        </a:xfrm>
+      </p:grpSpPr>
+      <p:sp>
+        <p:nvSpPr>
+          <p:cNvPr id="2" name="Tytuł 1"/>
+          <p:cNvSpPr>
+            <a:spLocks noGrp="1"/>
+          </p:cNvSpPr>
+          <p:nvPr>
+            <p:ph type="title"/>
+          </p:nvPr>
+        </p:nvSpPr>
+        <p:spPr/>
+        <p:txBody>
+          <a:bodyPr/>
+          <a:lstStyle/>
+          <a:p>
+            <a:r>
+              <a:rPr lang="pl-PL" dirty="0" smtClean="0"/>
               <a:t>hibernate.cfg.xml</a:t>
             </a:r>
             <a:endParaRPr lang="pl-PL" dirty="0"/>
@@ -6601,7 +7141,7 @@
       </p:sp>
       <p:pic>
         <p:nvPicPr>
-          <p:cNvPr id="9218" name="Picture 2"/>
+          <p:cNvPr id="3074" name="Picture 2"/>
           <p:cNvPicPr>
             <a:picLocks noChangeAspect="1" noChangeArrowheads="1"/>
           </p:cNvPicPr>
@@ -6622,8 +7162,8 @@
         </p:blipFill>
         <p:spPr bwMode="auto">
           <a:xfrm>
-            <a:off x="0" y="1285255"/>
-            <a:ext cx="9144000" cy="5193678"/>
+            <a:off x="93139" y="1340768"/>
+            <a:ext cx="8620125" cy="5172075"/>
           </a:xfrm>
           <a:prstGeom prst="rect">
             <a:avLst/>
@@ -6676,7 +7216,7 @@
 </p:sld>
 </file>
 
-<file path=ppt/slides/slide19.xml><?xml version="1.0" encoding="utf-8"?>
+<file path=ppt/slides/slide21.xml><?xml version="1.0" encoding="utf-8"?>
 <p:sld xmlns:a="http://schemas.openxmlformats.org/drawingml/2006/main" xmlns:r="http://schemas.openxmlformats.org/officeDocument/2006/relationships" xmlns:p="http://schemas.openxmlformats.org/presentationml/2006/main">
   <p:cSld>
     <p:spTree>
@@ -6801,185 +7341,7 @@
 </p:sld>
 </file>
 
-<file path=ppt/slides/slide2.xml><?xml version="1.0" encoding="utf-8"?>
-<p:sld xmlns:a="http://schemas.openxmlformats.org/drawingml/2006/main" xmlns:r="http://schemas.openxmlformats.org/officeDocument/2006/relationships" xmlns:p="http://schemas.openxmlformats.org/presentationml/2006/main">
-  <p:cSld>
-    <p:spTree>
-      <p:nvGrpSpPr>
-        <p:cNvPr id="1" name=""/>
-        <p:cNvGrpSpPr/>
-        <p:nvPr/>
-      </p:nvGrpSpPr>
-      <p:grpSpPr>
-        <a:xfrm>
-          <a:off x="0" y="0"/>
-          <a:ext cx="0" cy="0"/>
-          <a:chOff x="0" y="0"/>
-          <a:chExt cx="0" cy="0"/>
-        </a:xfrm>
-      </p:grpSpPr>
-      <p:sp>
-        <p:nvSpPr>
-          <p:cNvPr id="2" name="Tytuł 1"/>
-          <p:cNvSpPr>
-            <a:spLocks noGrp="1"/>
-          </p:cNvSpPr>
-          <p:nvPr>
-            <p:ph type="title"/>
-          </p:nvPr>
-        </p:nvSpPr>
-        <p:spPr/>
-        <p:txBody>
-          <a:bodyPr/>
-          <a:lstStyle/>
-          <a:p>
-            <a:r>
-              <a:rPr lang="pl-PL" dirty="0" smtClean="0"/>
-              <a:t>O MySQL</a:t>
-            </a:r>
-            <a:endParaRPr lang="pl-PL" dirty="0"/>
-          </a:p>
-        </p:txBody>
-      </p:sp>
-      <p:sp>
-        <p:nvSpPr>
-          <p:cNvPr id="3" name="Symbol zastępczy zawartości 2"/>
-          <p:cNvSpPr>
-            <a:spLocks noGrp="1"/>
-          </p:cNvSpPr>
-          <p:nvPr>
-            <p:ph idx="1"/>
-          </p:nvPr>
-        </p:nvSpPr>
-        <p:spPr/>
-        <p:txBody>
-          <a:bodyPr>
-            <a:normAutofit fontScale="85000" lnSpcReduction="10000"/>
-          </a:bodyPr>
-          <a:lstStyle/>
-          <a:p>
-            <a:r>
-              <a:rPr lang="pl-PL" dirty="0" smtClean="0"/>
-              <a:t>był </a:t>
-            </a:r>
-            <a:r>
-              <a:rPr lang="pl-PL" dirty="0"/>
-              <a:t>pisany raczej z myślą o szybkości niż kompatybilności ze standardem </a:t>
-            </a:r>
-            <a:r>
-              <a:rPr lang="pl-PL" dirty="0" smtClean="0"/>
-              <a:t>SQL</a:t>
-            </a:r>
-            <a:endParaRPr lang="pl-PL" u="sng" dirty="0" smtClean="0"/>
-          </a:p>
-          <a:p>
-            <a:r>
-              <a:rPr lang="pl-PL" dirty="0" smtClean="0"/>
-              <a:t>Popularny </a:t>
-            </a:r>
-            <a:r>
-              <a:rPr lang="pl-PL" dirty="0" err="1" smtClean="0"/>
-              <a:t>wsród</a:t>
-            </a:r>
-            <a:r>
-              <a:rPr lang="en-US" dirty="0" smtClean="0"/>
-              <a:t> web</a:t>
-            </a:r>
-            <a:r>
-              <a:rPr lang="pl-PL" dirty="0" smtClean="0"/>
-              <a:t>owych</a:t>
-            </a:r>
-            <a:r>
-              <a:rPr lang="en-US" dirty="0" smtClean="0"/>
-              <a:t> </a:t>
-            </a:r>
-            <a:r>
-              <a:rPr lang="en-US" dirty="0" err="1" smtClean="0"/>
-              <a:t>ap</a:t>
-            </a:r>
-            <a:r>
-              <a:rPr lang="pl-PL" dirty="0" err="1" smtClean="0"/>
-              <a:t>likacji</a:t>
-            </a:r>
-            <a:r>
-              <a:rPr lang="pl-PL" dirty="0" smtClean="0"/>
-              <a:t> – część szeroko rozpowszechnionego</a:t>
-            </a:r>
-            <a:r>
-              <a:rPr lang="en-US" dirty="0"/>
-              <a:t> LAMP </a:t>
-            </a:r>
-            <a:r>
-              <a:rPr lang="pl-PL" dirty="0" smtClean="0"/>
-              <a:t>- złożonego open </a:t>
-            </a:r>
-            <a:r>
-              <a:rPr lang="pl-PL" dirty="0" err="1" smtClean="0"/>
-              <a:t>sourcowych</a:t>
-            </a:r>
-            <a:r>
-              <a:rPr lang="pl-PL" dirty="0"/>
-              <a:t>:</a:t>
-            </a:r>
-            <a:r>
-              <a:rPr lang="en-US" dirty="0" smtClean="0"/>
-              <a:t> Linux</a:t>
-            </a:r>
-            <a:r>
-              <a:rPr lang="en-US" dirty="0"/>
-              <a:t>, Apache, MySQL, </a:t>
-            </a:r>
-            <a:r>
-              <a:rPr lang="en-US" dirty="0" smtClean="0"/>
-              <a:t>Perl/PHP/Python</a:t>
-            </a:r>
-            <a:endParaRPr lang="pl-PL" dirty="0"/>
-          </a:p>
-          <a:p>
-            <a:r>
-              <a:rPr lang="en-US" dirty="0" smtClean="0"/>
-              <a:t>Free-software-open </a:t>
-            </a:r>
-            <a:r>
-              <a:rPr lang="en-US" dirty="0"/>
-              <a:t>source projects that require a full-featured database management system often use MySQL.</a:t>
-            </a:r>
-            <a:r>
-              <a:rPr lang="pl-PL" dirty="0" smtClean="0"/>
-              <a:t>Ciekawe cechy, zalety, wady, przeznaczenie -&gt; w wersji 5 dodano procedury składowane, wyzwalacze</a:t>
-            </a:r>
-            <a:r>
-              <a:rPr lang="pl-PL" dirty="0"/>
-              <a:t> </a:t>
-            </a:r>
-            <a:r>
-              <a:rPr lang="pl-PL" dirty="0" smtClean="0"/>
-              <a:t>, widoki</a:t>
-            </a:r>
-          </a:p>
-          <a:p>
-            <a:r>
-              <a:rPr lang="en-US" dirty="0"/>
-              <a:t>the world's most widely used</a:t>
-            </a:r>
-            <a:endParaRPr lang="pl-PL" dirty="0" smtClean="0"/>
-          </a:p>
-        </p:txBody>
-      </p:sp>
-    </p:spTree>
-    <p:extLst>
-      <p:ext uri="{BB962C8B-B14F-4D97-AF65-F5344CB8AC3E}">
-        <p14:creationId xmlns:p14="http://schemas.microsoft.com/office/powerpoint/2010/main" val="3244559909"/>
-      </p:ext>
-    </p:extLst>
-  </p:cSld>
-  <p:clrMapOvr>
-    <a:masterClrMapping/>
-  </p:clrMapOvr>
-</p:sld>
-</file>
-
-<file path=ppt/slides/slide20.xml><?xml version="1.0" encoding="utf-8"?>
+<file path=ppt/slides/slide22.xml><?xml version="1.0" encoding="utf-8"?>
 <p:sld xmlns:a="http://schemas.openxmlformats.org/drawingml/2006/main" xmlns:r="http://schemas.openxmlformats.org/officeDocument/2006/relationships" xmlns:p="http://schemas.openxmlformats.org/presentationml/2006/main">
   <p:cSld>
     <p:spTree>
@@ -7096,1070 +7458,6 @@
 </p:sld>
 </file>
 
-<file path=ppt/slides/slide21.xml><?xml version="1.0" encoding="utf-8"?>
-<p:sld xmlns:a="http://schemas.openxmlformats.org/drawingml/2006/main" xmlns:r="http://schemas.openxmlformats.org/officeDocument/2006/relationships" xmlns:p="http://schemas.openxmlformats.org/presentationml/2006/main">
-  <p:cSld>
-    <p:spTree>
-      <p:nvGrpSpPr>
-        <p:cNvPr id="1" name=""/>
-        <p:cNvGrpSpPr/>
-        <p:nvPr/>
-      </p:nvGrpSpPr>
-      <p:grpSpPr>
-        <a:xfrm>
-          <a:off x="0" y="0"/>
-          <a:ext cx="0" cy="0"/>
-          <a:chOff x="0" y="0"/>
-          <a:chExt cx="0" cy="0"/>
-        </a:xfrm>
-      </p:grpSpPr>
-      <p:sp>
-        <p:nvSpPr>
-          <p:cNvPr id="2" name="Tytuł 1"/>
-          <p:cNvSpPr>
-            <a:spLocks noGrp="1"/>
-          </p:cNvSpPr>
-          <p:nvPr>
-            <p:ph type="title"/>
-          </p:nvPr>
-        </p:nvSpPr>
-        <p:spPr/>
-        <p:txBody>
-          <a:bodyPr/>
-          <a:lstStyle/>
-          <a:p>
-            <a:r>
-              <a:rPr lang="pl-PL" dirty="0" err="1" smtClean="0"/>
-              <a:t>Session</a:t>
-            </a:r>
-            <a:r>
-              <a:rPr lang="pl-PL" dirty="0" smtClean="0"/>
-              <a:t> </a:t>
-            </a:r>
-            <a:r>
-              <a:rPr lang="pl-PL" dirty="0" err="1" smtClean="0"/>
-              <a:t>Factory</a:t>
-            </a:r>
-            <a:endParaRPr lang="pl-PL" dirty="0"/>
-          </a:p>
-        </p:txBody>
-      </p:sp>
-      <p:sp>
-        <p:nvSpPr>
-          <p:cNvPr id="6" name="Prostokąt 5"/>
-          <p:cNvSpPr/>
-          <p:nvPr/>
-        </p:nvSpPr>
-        <p:spPr>
-          <a:xfrm>
-            <a:off x="269412" y="1988840"/>
-            <a:ext cx="8496944" cy="3754874"/>
-          </a:xfrm>
-          <a:prstGeom prst="rect">
-            <a:avLst/>
-          </a:prstGeom>
-        </p:spPr>
-        <p:txBody>
-          <a:bodyPr wrap="square">
-            <a:spAutoFit/>
-          </a:bodyPr>
-          <a:lstStyle/>
-          <a:p>
-            <a:r>
-              <a:rPr lang="pl-PL" sz="1400" dirty="0" err="1">
-                <a:latin typeface="Lucida Console" pitchFamily="49" charset="0"/>
-              </a:rPr>
-              <a:t>private</a:t>
-            </a:r>
-            <a:r>
-              <a:rPr lang="pl-PL" sz="1400" dirty="0">
-                <a:latin typeface="Lucida Console" pitchFamily="49" charset="0"/>
-              </a:rPr>
-              <a:t> </a:t>
-            </a:r>
-            <a:r>
-              <a:rPr lang="pl-PL" sz="1400" dirty="0" err="1">
-                <a:latin typeface="Lucida Console" pitchFamily="49" charset="0"/>
-              </a:rPr>
-              <a:t>static</a:t>
-            </a:r>
-            <a:r>
-              <a:rPr lang="pl-PL" sz="1400" dirty="0">
-                <a:latin typeface="Lucida Console" pitchFamily="49" charset="0"/>
-              </a:rPr>
-              <a:t> </a:t>
-            </a:r>
-            <a:r>
-              <a:rPr lang="pl-PL" sz="1400" dirty="0" err="1">
-                <a:latin typeface="Lucida Console" pitchFamily="49" charset="0"/>
-              </a:rPr>
-              <a:t>SessionFactory</a:t>
-            </a:r>
-            <a:r>
-              <a:rPr lang="pl-PL" sz="1400" dirty="0">
-                <a:latin typeface="Lucida Console" pitchFamily="49" charset="0"/>
-              </a:rPr>
-              <a:t> </a:t>
-            </a:r>
-            <a:r>
-              <a:rPr lang="pl-PL" sz="1400" dirty="0" err="1">
-                <a:latin typeface="Lucida Console" pitchFamily="49" charset="0"/>
-              </a:rPr>
-              <a:t>sessionFactory</a:t>
-            </a:r>
-            <a:r>
-              <a:rPr lang="pl-PL" sz="1400" dirty="0">
-                <a:latin typeface="Lucida Console" pitchFamily="49" charset="0"/>
-              </a:rPr>
-              <a:t>;</a:t>
-            </a:r>
-          </a:p>
-          <a:p>
-            <a:r>
-              <a:rPr lang="pl-PL" sz="1400" dirty="0" err="1">
-                <a:latin typeface="Lucida Console" pitchFamily="49" charset="0"/>
-              </a:rPr>
-              <a:t>private</a:t>
-            </a:r>
-            <a:r>
-              <a:rPr lang="pl-PL" sz="1400" dirty="0">
-                <a:latin typeface="Lucida Console" pitchFamily="49" charset="0"/>
-              </a:rPr>
-              <a:t> </a:t>
-            </a:r>
-            <a:r>
-              <a:rPr lang="pl-PL" sz="1400" dirty="0" err="1">
-                <a:latin typeface="Lucida Console" pitchFamily="49" charset="0"/>
-              </a:rPr>
-              <a:t>static</a:t>
-            </a:r>
-            <a:r>
-              <a:rPr lang="pl-PL" sz="1400" dirty="0">
-                <a:latin typeface="Lucida Console" pitchFamily="49" charset="0"/>
-              </a:rPr>
-              <a:t> </a:t>
-            </a:r>
-            <a:r>
-              <a:rPr lang="pl-PL" sz="1400" dirty="0" err="1">
-                <a:latin typeface="Lucida Console" pitchFamily="49" charset="0"/>
-              </a:rPr>
-              <a:t>ServiceRegistry</a:t>
-            </a:r>
-            <a:r>
-              <a:rPr lang="pl-PL" sz="1400" dirty="0">
-                <a:latin typeface="Lucida Console" pitchFamily="49" charset="0"/>
-              </a:rPr>
-              <a:t> </a:t>
-            </a:r>
-            <a:r>
-              <a:rPr lang="pl-PL" sz="1400" dirty="0" err="1">
-                <a:latin typeface="Lucida Console" pitchFamily="49" charset="0"/>
-              </a:rPr>
-              <a:t>serviceRegistry</a:t>
-            </a:r>
-            <a:r>
-              <a:rPr lang="pl-PL" sz="1400" dirty="0">
-                <a:latin typeface="Lucida Console" pitchFamily="49" charset="0"/>
-              </a:rPr>
-              <a:t>;</a:t>
-            </a:r>
-          </a:p>
-          <a:p>
-            <a:endParaRPr lang="pl-PL" sz="1400" dirty="0">
-              <a:latin typeface="Lucida Console" pitchFamily="49" charset="0"/>
-            </a:endParaRPr>
-          </a:p>
-          <a:p>
-            <a:r>
-              <a:rPr lang="pl-PL" sz="1400" dirty="0" err="1">
-                <a:latin typeface="Lucida Console" pitchFamily="49" charset="0"/>
-              </a:rPr>
-              <a:t>private</a:t>
-            </a:r>
-            <a:r>
-              <a:rPr lang="pl-PL" sz="1400" dirty="0">
-                <a:latin typeface="Lucida Console" pitchFamily="49" charset="0"/>
-              </a:rPr>
-              <a:t> </a:t>
-            </a:r>
-            <a:r>
-              <a:rPr lang="pl-PL" sz="1400" dirty="0" err="1">
-                <a:latin typeface="Lucida Console" pitchFamily="49" charset="0"/>
-              </a:rPr>
-              <a:t>static</a:t>
-            </a:r>
-            <a:r>
-              <a:rPr lang="pl-PL" sz="1400" dirty="0">
-                <a:latin typeface="Lucida Console" pitchFamily="49" charset="0"/>
-              </a:rPr>
-              <a:t> </a:t>
-            </a:r>
-            <a:r>
-              <a:rPr lang="pl-PL" sz="1400" dirty="0" err="1">
-                <a:latin typeface="Lucida Console" pitchFamily="49" charset="0"/>
-              </a:rPr>
-              <a:t>SessionFactory</a:t>
-            </a:r>
-            <a:r>
-              <a:rPr lang="pl-PL" sz="1400" dirty="0">
-                <a:latin typeface="Lucida Console" pitchFamily="49" charset="0"/>
-              </a:rPr>
-              <a:t> </a:t>
-            </a:r>
-            <a:r>
-              <a:rPr lang="pl-PL" sz="1400" dirty="0" err="1">
-                <a:latin typeface="Lucida Console" pitchFamily="49" charset="0"/>
-              </a:rPr>
-              <a:t>buildSessionFactory</a:t>
-            </a:r>
-            <a:r>
-              <a:rPr lang="pl-PL" sz="1400" dirty="0">
-                <a:latin typeface="Lucida Console" pitchFamily="49" charset="0"/>
-              </a:rPr>
-              <a:t>() {</a:t>
-            </a:r>
-          </a:p>
-          <a:p>
-            <a:pPr lvl="1"/>
-            <a:r>
-              <a:rPr lang="pl-PL" sz="1400" dirty="0" err="1">
-                <a:latin typeface="Lucida Console" pitchFamily="49" charset="0"/>
-              </a:rPr>
-              <a:t>try</a:t>
-            </a:r>
-            <a:r>
-              <a:rPr lang="pl-PL" sz="1400" dirty="0">
-                <a:latin typeface="Lucida Console" pitchFamily="49" charset="0"/>
-              </a:rPr>
-              <a:t> {</a:t>
-            </a:r>
-          </a:p>
-          <a:p>
-            <a:pPr lvl="2"/>
-            <a:r>
-              <a:rPr lang="en-US" sz="1400" dirty="0">
-                <a:latin typeface="Lucida Console" pitchFamily="49" charset="0"/>
-              </a:rPr>
-              <a:t>// Create the </a:t>
-            </a:r>
-            <a:r>
-              <a:rPr lang="en-US" sz="1400" dirty="0" err="1">
-                <a:latin typeface="Lucida Console" pitchFamily="49" charset="0"/>
-              </a:rPr>
-              <a:t>SessionFactory</a:t>
-            </a:r>
-            <a:r>
-              <a:rPr lang="en-US" sz="1400" dirty="0">
-                <a:latin typeface="Lucida Console" pitchFamily="49" charset="0"/>
-              </a:rPr>
-              <a:t> from hibernate.cfg.xml</a:t>
-            </a:r>
-          </a:p>
-          <a:p>
-            <a:pPr lvl="2"/>
-            <a:r>
-              <a:rPr lang="pl-PL" sz="1400" dirty="0" err="1">
-                <a:latin typeface="Lucida Console" pitchFamily="49" charset="0"/>
-              </a:rPr>
-              <a:t>Configuration</a:t>
-            </a:r>
-            <a:r>
-              <a:rPr lang="pl-PL" sz="1400" dirty="0">
-                <a:latin typeface="Lucida Console" pitchFamily="49" charset="0"/>
-              </a:rPr>
-              <a:t> </a:t>
-            </a:r>
-            <a:r>
-              <a:rPr lang="pl-PL" sz="1400" dirty="0" err="1">
-                <a:latin typeface="Lucida Console" pitchFamily="49" charset="0"/>
-              </a:rPr>
-              <a:t>configuration</a:t>
-            </a:r>
-            <a:r>
-              <a:rPr lang="pl-PL" sz="1400" dirty="0">
-                <a:latin typeface="Lucida Console" pitchFamily="49" charset="0"/>
-              </a:rPr>
-              <a:t> = </a:t>
-            </a:r>
-            <a:r>
-              <a:rPr lang="pl-PL" sz="1400" dirty="0" err="1">
-                <a:latin typeface="Lucida Console" pitchFamily="49" charset="0"/>
-              </a:rPr>
-              <a:t>new</a:t>
-            </a:r>
-            <a:r>
-              <a:rPr lang="pl-PL" sz="1400" dirty="0">
-                <a:latin typeface="Lucida Console" pitchFamily="49" charset="0"/>
-              </a:rPr>
-              <a:t> </a:t>
-            </a:r>
-            <a:r>
-              <a:rPr lang="pl-PL" sz="1400" dirty="0" err="1">
-                <a:latin typeface="Lucida Console" pitchFamily="49" charset="0"/>
-              </a:rPr>
-              <a:t>Configuration</a:t>
-            </a:r>
-            <a:r>
-              <a:rPr lang="pl-PL" sz="1400" dirty="0">
-                <a:latin typeface="Lucida Console" pitchFamily="49" charset="0"/>
-              </a:rPr>
-              <a:t>().</a:t>
-            </a:r>
-            <a:r>
-              <a:rPr lang="pl-PL" sz="1400" dirty="0" err="1">
-                <a:latin typeface="Lucida Console" pitchFamily="49" charset="0"/>
-              </a:rPr>
-              <a:t>configure</a:t>
-            </a:r>
-            <a:r>
-              <a:rPr lang="pl-PL" sz="1400" dirty="0">
-                <a:latin typeface="Lucida Console" pitchFamily="49" charset="0"/>
-              </a:rPr>
-              <a:t>();</a:t>
-            </a:r>
-          </a:p>
-          <a:p>
-            <a:pPr lvl="1"/>
-            <a:endParaRPr lang="pl-PL" sz="1400" dirty="0">
-              <a:latin typeface="Lucida Console" pitchFamily="49" charset="0"/>
-            </a:endParaRPr>
-          </a:p>
-          <a:p>
-            <a:pPr lvl="2"/>
-            <a:r>
-              <a:rPr lang="pl-PL" sz="1400" dirty="0" err="1">
-                <a:latin typeface="Lucida Console" pitchFamily="49" charset="0"/>
-              </a:rPr>
-              <a:t>serviceRegistry</a:t>
-            </a:r>
-            <a:r>
-              <a:rPr lang="pl-PL" sz="1400" dirty="0">
-                <a:latin typeface="Lucida Console" pitchFamily="49" charset="0"/>
-              </a:rPr>
-              <a:t> = </a:t>
-            </a:r>
-            <a:r>
-              <a:rPr lang="pl-PL" sz="1400" dirty="0" err="1">
-                <a:latin typeface="Lucida Console" pitchFamily="49" charset="0"/>
-              </a:rPr>
-              <a:t>new</a:t>
-            </a:r>
-            <a:r>
-              <a:rPr lang="pl-PL" sz="1400" dirty="0">
-                <a:latin typeface="Lucida Console" pitchFamily="49" charset="0"/>
-              </a:rPr>
-              <a:t> </a:t>
-            </a:r>
-            <a:r>
-              <a:rPr lang="pl-PL" sz="1400" dirty="0" err="1">
-                <a:latin typeface="Lucida Console" pitchFamily="49" charset="0"/>
-              </a:rPr>
-              <a:t>ServiceRegistryBuilder</a:t>
-            </a:r>
-            <a:r>
-              <a:rPr lang="pl-PL" sz="1400" dirty="0">
-                <a:latin typeface="Lucida Console" pitchFamily="49" charset="0"/>
-              </a:rPr>
-              <a:t>().</a:t>
-            </a:r>
-            <a:r>
-              <a:rPr lang="pl-PL" sz="1400" dirty="0" err="1">
-                <a:latin typeface="Lucida Console" pitchFamily="49" charset="0"/>
-              </a:rPr>
-              <a:t>applySettings</a:t>
-            </a:r>
-            <a:r>
-              <a:rPr lang="pl-PL" sz="1400" dirty="0">
-                <a:latin typeface="Lucida Console" pitchFamily="49" charset="0"/>
-              </a:rPr>
-              <a:t>(</a:t>
-            </a:r>
-          </a:p>
-          <a:p>
-            <a:pPr lvl="2"/>
-            <a:r>
-              <a:rPr lang="pl-PL" sz="1400" dirty="0" err="1">
-                <a:latin typeface="Lucida Console" pitchFamily="49" charset="0"/>
-              </a:rPr>
-              <a:t>configuration.getProperties</a:t>
-            </a:r>
-            <a:r>
-              <a:rPr lang="pl-PL" sz="1400" dirty="0">
-                <a:latin typeface="Lucida Console" pitchFamily="49" charset="0"/>
-              </a:rPr>
-              <a:t>()).</a:t>
-            </a:r>
-            <a:r>
-              <a:rPr lang="pl-PL" sz="1400" dirty="0" err="1">
-                <a:latin typeface="Lucida Console" pitchFamily="49" charset="0"/>
-              </a:rPr>
-              <a:t>buildServiceRegistry</a:t>
-            </a:r>
-            <a:r>
-              <a:rPr lang="pl-PL" sz="1400" dirty="0">
-                <a:latin typeface="Lucida Console" pitchFamily="49" charset="0"/>
-              </a:rPr>
-              <a:t>();</a:t>
-            </a:r>
-          </a:p>
-          <a:p>
-            <a:pPr lvl="2"/>
-            <a:r>
-              <a:rPr lang="pl-PL" sz="1400" dirty="0" err="1">
-                <a:latin typeface="Lucida Console" pitchFamily="49" charset="0"/>
-              </a:rPr>
-              <a:t>sessionFactory</a:t>
-            </a:r>
-            <a:r>
-              <a:rPr lang="pl-PL" sz="1400" dirty="0">
-                <a:latin typeface="Lucida Console" pitchFamily="49" charset="0"/>
-              </a:rPr>
-              <a:t> = </a:t>
-            </a:r>
-            <a:r>
-              <a:rPr lang="pl-PL" sz="1400" dirty="0" err="1">
-                <a:latin typeface="Lucida Console" pitchFamily="49" charset="0"/>
-              </a:rPr>
-              <a:t>configuration.buildSessionFactory</a:t>
-            </a:r>
-            <a:r>
-              <a:rPr lang="pl-PL" sz="1400" dirty="0">
-                <a:latin typeface="Lucida Console" pitchFamily="49" charset="0"/>
-              </a:rPr>
-              <a:t>(</a:t>
-            </a:r>
-            <a:r>
-              <a:rPr lang="pl-PL" sz="1400" dirty="0" err="1">
-                <a:latin typeface="Lucida Console" pitchFamily="49" charset="0"/>
-              </a:rPr>
-              <a:t>serviceRegistry</a:t>
-            </a:r>
-            <a:r>
-              <a:rPr lang="pl-PL" sz="1400" dirty="0">
-                <a:latin typeface="Lucida Console" pitchFamily="49" charset="0"/>
-              </a:rPr>
-              <a:t>);</a:t>
-            </a:r>
-          </a:p>
-          <a:p>
-            <a:pPr lvl="2"/>
-            <a:endParaRPr lang="pl-PL" sz="1400" dirty="0">
-              <a:latin typeface="Lucida Console" pitchFamily="49" charset="0"/>
-            </a:endParaRPr>
-          </a:p>
-          <a:p>
-            <a:pPr lvl="2"/>
-            <a:r>
-              <a:rPr lang="pl-PL" sz="1400" dirty="0">
-                <a:latin typeface="Lucida Console" pitchFamily="49" charset="0"/>
-              </a:rPr>
-              <a:t>return </a:t>
-            </a:r>
-            <a:r>
-              <a:rPr lang="pl-PL" sz="1400" dirty="0" err="1">
-                <a:latin typeface="Lucida Console" pitchFamily="49" charset="0"/>
-              </a:rPr>
-              <a:t>sessionFactory</a:t>
-            </a:r>
-            <a:r>
-              <a:rPr lang="pl-PL" sz="1400" dirty="0">
-                <a:latin typeface="Lucida Console" pitchFamily="49" charset="0"/>
-              </a:rPr>
-              <a:t>;</a:t>
-            </a:r>
-          </a:p>
-          <a:p>
-            <a:pPr lvl="1"/>
-            <a:r>
-              <a:rPr lang="pl-PL" sz="1400" dirty="0">
-                <a:latin typeface="Lucida Console" pitchFamily="49" charset="0"/>
-              </a:rPr>
-              <a:t>} </a:t>
-            </a:r>
-            <a:r>
-              <a:rPr lang="pl-PL" sz="1400" dirty="0" err="1">
-                <a:latin typeface="Lucida Console" pitchFamily="49" charset="0"/>
-              </a:rPr>
-              <a:t>catch</a:t>
-            </a:r>
-            <a:r>
-              <a:rPr lang="pl-PL" sz="1400" dirty="0">
-                <a:latin typeface="Lucida Console" pitchFamily="49" charset="0"/>
-              </a:rPr>
-              <a:t> (</a:t>
-            </a:r>
-            <a:r>
-              <a:rPr lang="pl-PL" sz="1400" dirty="0" err="1">
-                <a:latin typeface="Lucida Console" pitchFamily="49" charset="0"/>
-              </a:rPr>
-              <a:t>HibernateException</a:t>
-            </a:r>
-            <a:r>
-              <a:rPr lang="pl-PL" sz="1400" dirty="0">
-                <a:latin typeface="Lucida Console" pitchFamily="49" charset="0"/>
-              </a:rPr>
-              <a:t> he) {</a:t>
-            </a:r>
-          </a:p>
-          <a:p>
-            <a:pPr lvl="1"/>
-            <a:r>
-              <a:rPr lang="pl-PL" sz="1400" dirty="0" smtClean="0">
-                <a:latin typeface="Lucida Console" pitchFamily="49" charset="0"/>
-              </a:rPr>
-              <a:t>	</a:t>
-            </a:r>
-            <a:r>
-              <a:rPr lang="pl-PL" sz="1400" dirty="0" err="1" smtClean="0">
-                <a:latin typeface="Lucida Console" pitchFamily="49" charset="0"/>
-              </a:rPr>
-              <a:t>throw</a:t>
-            </a:r>
-            <a:r>
-              <a:rPr lang="pl-PL" sz="1400" dirty="0" smtClean="0">
-                <a:latin typeface="Lucida Console" pitchFamily="49" charset="0"/>
-              </a:rPr>
-              <a:t> </a:t>
-            </a:r>
-            <a:r>
-              <a:rPr lang="pl-PL" sz="1400" dirty="0" err="1">
-                <a:latin typeface="Lucida Console" pitchFamily="49" charset="0"/>
-              </a:rPr>
-              <a:t>new</a:t>
-            </a:r>
-            <a:r>
-              <a:rPr lang="pl-PL" sz="1400" dirty="0">
-                <a:latin typeface="Lucida Console" pitchFamily="49" charset="0"/>
-              </a:rPr>
-              <a:t> </a:t>
-            </a:r>
-            <a:r>
-              <a:rPr lang="pl-PL" sz="1400" dirty="0" err="1">
-                <a:latin typeface="Lucida Console" pitchFamily="49" charset="0"/>
-              </a:rPr>
-              <a:t>ExceptionInInitializerError</a:t>
-            </a:r>
-            <a:r>
-              <a:rPr lang="pl-PL" sz="1400" dirty="0">
-                <a:latin typeface="Lucida Console" pitchFamily="49" charset="0"/>
-              </a:rPr>
-              <a:t>(he);</a:t>
-            </a:r>
-          </a:p>
-          <a:p>
-            <a:pPr lvl="1"/>
-            <a:r>
-              <a:rPr lang="pl-PL" sz="1400" dirty="0">
-                <a:latin typeface="Lucida Console" pitchFamily="49" charset="0"/>
-              </a:rPr>
-              <a:t>}</a:t>
-            </a:r>
-          </a:p>
-          <a:p>
-            <a:r>
-              <a:rPr lang="pl-PL" sz="1400" dirty="0">
-                <a:latin typeface="Lucida Console" pitchFamily="49" charset="0"/>
-              </a:rPr>
-              <a:t>}</a:t>
-            </a:r>
-          </a:p>
-        </p:txBody>
-      </p:sp>
-    </p:spTree>
-    <p:extLst>
-      <p:ext uri="{BB962C8B-B14F-4D97-AF65-F5344CB8AC3E}">
-        <p14:creationId xmlns:p14="http://schemas.microsoft.com/office/powerpoint/2010/main" val="1412715275"/>
-      </p:ext>
-    </p:extLst>
-  </p:cSld>
-  <p:clrMapOvr>
-    <a:masterClrMapping/>
-  </p:clrMapOvr>
-</p:sld>
-</file>
-
-<file path=ppt/slides/slide22.xml><?xml version="1.0" encoding="utf-8"?>
-<p:sld xmlns:a="http://schemas.openxmlformats.org/drawingml/2006/main" xmlns:r="http://schemas.openxmlformats.org/officeDocument/2006/relationships" xmlns:p="http://schemas.openxmlformats.org/presentationml/2006/main">
-  <p:cSld>
-    <p:spTree>
-      <p:nvGrpSpPr>
-        <p:cNvPr id="1" name=""/>
-        <p:cNvGrpSpPr/>
-        <p:nvPr/>
-      </p:nvGrpSpPr>
-      <p:grpSpPr>
-        <a:xfrm>
-          <a:off x="0" y="0"/>
-          <a:ext cx="0" cy="0"/>
-          <a:chOff x="0" y="0"/>
-          <a:chExt cx="0" cy="0"/>
-        </a:xfrm>
-      </p:grpSpPr>
-      <p:sp>
-        <p:nvSpPr>
-          <p:cNvPr id="2" name="Tytuł 1"/>
-          <p:cNvSpPr>
-            <a:spLocks noGrp="1"/>
-          </p:cNvSpPr>
-          <p:nvPr>
-            <p:ph type="title"/>
-          </p:nvPr>
-        </p:nvSpPr>
-        <p:spPr/>
-        <p:txBody>
-          <a:bodyPr/>
-          <a:lstStyle/>
-          <a:p>
-            <a:r>
-              <a:rPr lang="pl-PL" dirty="0" smtClean="0"/>
-              <a:t>Transakcje</a:t>
-            </a:r>
-            <a:endParaRPr lang="pl-PL" dirty="0"/>
-          </a:p>
-        </p:txBody>
-      </p:sp>
-      <p:sp>
-        <p:nvSpPr>
-          <p:cNvPr id="4" name="Prostokąt 3"/>
-          <p:cNvSpPr/>
-          <p:nvPr/>
-        </p:nvSpPr>
-        <p:spPr>
-          <a:xfrm>
-            <a:off x="899592" y="1412776"/>
-            <a:ext cx="7416824" cy="5078313"/>
-          </a:xfrm>
-          <a:prstGeom prst="rect">
-            <a:avLst/>
-          </a:prstGeom>
-        </p:spPr>
-        <p:txBody>
-          <a:bodyPr wrap="square">
-            <a:spAutoFit/>
-          </a:bodyPr>
-          <a:lstStyle/>
-          <a:p>
-            <a:r>
-              <a:rPr lang="pl-PL" dirty="0" err="1">
-                <a:latin typeface="Lucida Console" pitchFamily="49" charset="0"/>
-              </a:rPr>
-              <a:t>Transaction</a:t>
-            </a:r>
-            <a:r>
-              <a:rPr lang="pl-PL" dirty="0">
-                <a:latin typeface="Lucida Console" pitchFamily="49" charset="0"/>
-              </a:rPr>
-              <a:t> </a:t>
-            </a:r>
-            <a:r>
-              <a:rPr lang="pl-PL" dirty="0" err="1">
-                <a:latin typeface="Lucida Console" pitchFamily="49" charset="0"/>
-              </a:rPr>
-              <a:t>trns</a:t>
-            </a:r>
-            <a:r>
-              <a:rPr lang="pl-PL" dirty="0">
-                <a:latin typeface="Lucida Console" pitchFamily="49" charset="0"/>
-              </a:rPr>
-              <a:t> = </a:t>
-            </a:r>
-            <a:r>
-              <a:rPr lang="pl-PL" dirty="0" err="1">
-                <a:latin typeface="Lucida Console" pitchFamily="49" charset="0"/>
-              </a:rPr>
-              <a:t>null</a:t>
-            </a:r>
-            <a:r>
-              <a:rPr lang="pl-PL" dirty="0">
-                <a:latin typeface="Lucida Console" pitchFamily="49" charset="0"/>
-              </a:rPr>
-              <a:t>;</a:t>
-            </a:r>
-          </a:p>
-          <a:p>
-            <a:r>
-              <a:rPr lang="pl-PL" dirty="0" err="1">
-                <a:latin typeface="Lucida Console" pitchFamily="49" charset="0"/>
-              </a:rPr>
-              <a:t>Session</a:t>
-            </a:r>
-            <a:r>
-              <a:rPr lang="pl-PL" dirty="0">
-                <a:latin typeface="Lucida Console" pitchFamily="49" charset="0"/>
-              </a:rPr>
-              <a:t> </a:t>
-            </a:r>
-            <a:r>
-              <a:rPr lang="pl-PL" dirty="0" err="1">
-                <a:latin typeface="Lucida Console" pitchFamily="49" charset="0"/>
-              </a:rPr>
-              <a:t>session</a:t>
-            </a:r>
-            <a:r>
-              <a:rPr lang="pl-PL" dirty="0">
-                <a:latin typeface="Lucida Console" pitchFamily="49" charset="0"/>
-              </a:rPr>
-              <a:t> = </a:t>
-            </a:r>
-            <a:r>
-              <a:rPr lang="pl-PL" dirty="0" err="1">
-                <a:latin typeface="Lucida Console" pitchFamily="49" charset="0"/>
-              </a:rPr>
-              <a:t>HibernateUtil.</a:t>
-            </a:r>
-            <a:r>
-              <a:rPr lang="pl-PL" i="1" dirty="0" err="1">
-                <a:latin typeface="Lucida Console" pitchFamily="49" charset="0"/>
-              </a:rPr>
-              <a:t>getSessionFactory</a:t>
-            </a:r>
-            <a:r>
-              <a:rPr lang="pl-PL" i="1" dirty="0">
-                <a:latin typeface="Lucida Console" pitchFamily="49" charset="0"/>
-              </a:rPr>
-              <a:t>().</a:t>
-            </a:r>
-            <a:r>
-              <a:rPr lang="pl-PL" i="1" dirty="0" err="1">
-                <a:latin typeface="Lucida Console" pitchFamily="49" charset="0"/>
-              </a:rPr>
-              <a:t>openSession</a:t>
-            </a:r>
-            <a:r>
-              <a:rPr lang="pl-PL" i="1" dirty="0" smtClean="0">
-                <a:latin typeface="Lucida Console" pitchFamily="49" charset="0"/>
-              </a:rPr>
-              <a:t>();</a:t>
-            </a:r>
-          </a:p>
-          <a:p>
-            <a:endParaRPr lang="pl-PL" i="1" dirty="0">
-              <a:latin typeface="Lucida Console" pitchFamily="49" charset="0"/>
-            </a:endParaRPr>
-          </a:p>
-          <a:p>
-            <a:r>
-              <a:rPr lang="pl-PL" dirty="0" err="1">
-                <a:latin typeface="Lucida Console" pitchFamily="49" charset="0"/>
-              </a:rPr>
-              <a:t>try</a:t>
-            </a:r>
-            <a:r>
-              <a:rPr lang="pl-PL" dirty="0">
-                <a:latin typeface="Lucida Console" pitchFamily="49" charset="0"/>
-              </a:rPr>
-              <a:t> {</a:t>
-            </a:r>
-          </a:p>
-          <a:p>
-            <a:r>
-              <a:rPr lang="pl-PL" dirty="0" smtClean="0">
-                <a:latin typeface="Lucida Console" pitchFamily="49" charset="0"/>
-              </a:rPr>
-              <a:t>	</a:t>
-            </a:r>
-            <a:r>
-              <a:rPr lang="pl-PL" dirty="0" err="1" smtClean="0">
-                <a:latin typeface="Lucida Console" pitchFamily="49" charset="0"/>
-              </a:rPr>
-              <a:t>trns</a:t>
-            </a:r>
-            <a:r>
-              <a:rPr lang="pl-PL" dirty="0" smtClean="0">
-                <a:latin typeface="Lucida Console" pitchFamily="49" charset="0"/>
-              </a:rPr>
-              <a:t> </a:t>
-            </a:r>
-            <a:r>
-              <a:rPr lang="pl-PL" dirty="0">
-                <a:latin typeface="Lucida Console" pitchFamily="49" charset="0"/>
-              </a:rPr>
-              <a:t>= </a:t>
-            </a:r>
-            <a:r>
-              <a:rPr lang="pl-PL" dirty="0" err="1">
-                <a:latin typeface="Lucida Console" pitchFamily="49" charset="0"/>
-              </a:rPr>
-              <a:t>session.beginTransaction</a:t>
-            </a:r>
-            <a:r>
-              <a:rPr lang="pl-PL" dirty="0">
-                <a:latin typeface="Lucida Console" pitchFamily="49" charset="0"/>
-              </a:rPr>
-              <a:t>();</a:t>
-            </a:r>
-          </a:p>
-          <a:p>
-            <a:r>
-              <a:rPr lang="pl-PL" dirty="0">
-                <a:latin typeface="Lucida Console" pitchFamily="49" charset="0"/>
-              </a:rPr>
-              <a:t>	</a:t>
-            </a:r>
-            <a:r>
-              <a:rPr lang="pl-PL" dirty="0" smtClean="0">
-                <a:latin typeface="Lucida Console" pitchFamily="49" charset="0"/>
-              </a:rPr>
-              <a:t>//...</a:t>
-            </a:r>
-            <a:endParaRPr lang="pl-PL" dirty="0">
-              <a:latin typeface="Lucida Console" pitchFamily="49" charset="0"/>
-            </a:endParaRPr>
-          </a:p>
-          <a:p>
-            <a:r>
-              <a:rPr lang="pl-PL" dirty="0" smtClean="0">
-                <a:latin typeface="Lucida Console" pitchFamily="49" charset="0"/>
-              </a:rPr>
-              <a:t>	</a:t>
-            </a:r>
-            <a:r>
-              <a:rPr lang="pl-PL" dirty="0" err="1" smtClean="0">
-                <a:latin typeface="Lucida Console" pitchFamily="49" charset="0"/>
-              </a:rPr>
-              <a:t>session.getTransaction</a:t>
-            </a:r>
-            <a:r>
-              <a:rPr lang="pl-PL" dirty="0">
-                <a:latin typeface="Lucida Console" pitchFamily="49" charset="0"/>
-              </a:rPr>
-              <a:t>().</a:t>
-            </a:r>
-            <a:r>
-              <a:rPr lang="pl-PL" dirty="0" err="1">
-                <a:latin typeface="Lucida Console" pitchFamily="49" charset="0"/>
-              </a:rPr>
-              <a:t>commit</a:t>
-            </a:r>
-            <a:r>
-              <a:rPr lang="pl-PL" dirty="0" smtClean="0">
-                <a:latin typeface="Lucida Console" pitchFamily="49" charset="0"/>
-              </a:rPr>
-              <a:t>();</a:t>
-            </a:r>
-          </a:p>
-          <a:p>
-            <a:endParaRPr lang="pl-PL" dirty="0">
-              <a:latin typeface="Lucida Console" pitchFamily="49" charset="0"/>
-            </a:endParaRPr>
-          </a:p>
-          <a:p>
-            <a:r>
-              <a:rPr lang="pl-PL" dirty="0">
-                <a:latin typeface="Lucida Console" pitchFamily="49" charset="0"/>
-              </a:rPr>
-              <a:t>} </a:t>
-            </a:r>
-            <a:r>
-              <a:rPr lang="pl-PL" dirty="0" err="1">
-                <a:latin typeface="Lucida Console" pitchFamily="49" charset="0"/>
-              </a:rPr>
-              <a:t>catch</a:t>
-            </a:r>
-            <a:r>
-              <a:rPr lang="pl-PL" dirty="0">
-                <a:latin typeface="Lucida Console" pitchFamily="49" charset="0"/>
-              </a:rPr>
-              <a:t> (</a:t>
-            </a:r>
-            <a:r>
-              <a:rPr lang="pl-PL" dirty="0" err="1">
-                <a:latin typeface="Lucida Console" pitchFamily="49" charset="0"/>
-              </a:rPr>
-              <a:t>RuntimeException</a:t>
-            </a:r>
-            <a:r>
-              <a:rPr lang="pl-PL" dirty="0">
-                <a:latin typeface="Lucida Console" pitchFamily="49" charset="0"/>
-              </a:rPr>
-              <a:t> e) {</a:t>
-            </a:r>
-          </a:p>
-          <a:p>
-            <a:r>
-              <a:rPr lang="pl-PL" dirty="0" smtClean="0">
-                <a:latin typeface="Lucida Console" pitchFamily="49" charset="0"/>
-              </a:rPr>
-              <a:t>	</a:t>
-            </a:r>
-            <a:r>
-              <a:rPr lang="pl-PL" dirty="0" err="1" smtClean="0">
-                <a:latin typeface="Lucida Console" pitchFamily="49" charset="0"/>
-              </a:rPr>
-              <a:t>if</a:t>
-            </a:r>
-            <a:r>
-              <a:rPr lang="pl-PL" dirty="0" smtClean="0">
-                <a:latin typeface="Lucida Console" pitchFamily="49" charset="0"/>
-              </a:rPr>
-              <a:t> </a:t>
-            </a:r>
-            <a:r>
-              <a:rPr lang="pl-PL" dirty="0">
-                <a:latin typeface="Lucida Console" pitchFamily="49" charset="0"/>
-              </a:rPr>
-              <a:t>(</a:t>
-            </a:r>
-            <a:r>
-              <a:rPr lang="pl-PL" dirty="0" err="1">
-                <a:latin typeface="Lucida Console" pitchFamily="49" charset="0"/>
-              </a:rPr>
-              <a:t>trns</a:t>
-            </a:r>
-            <a:r>
-              <a:rPr lang="pl-PL" dirty="0">
-                <a:latin typeface="Lucida Console" pitchFamily="49" charset="0"/>
-              </a:rPr>
-              <a:t> != </a:t>
-            </a:r>
-            <a:r>
-              <a:rPr lang="pl-PL" dirty="0" err="1">
-                <a:latin typeface="Lucida Console" pitchFamily="49" charset="0"/>
-              </a:rPr>
-              <a:t>null</a:t>
-            </a:r>
-            <a:r>
-              <a:rPr lang="pl-PL" dirty="0">
-                <a:latin typeface="Lucida Console" pitchFamily="49" charset="0"/>
-              </a:rPr>
-              <a:t>) </a:t>
-            </a:r>
-          </a:p>
-          <a:p>
-            <a:r>
-              <a:rPr lang="pl-PL" dirty="0" smtClean="0">
-                <a:latin typeface="Lucida Console" pitchFamily="49" charset="0"/>
-              </a:rPr>
-              <a:t>		</a:t>
-            </a:r>
-            <a:r>
-              <a:rPr lang="pl-PL" dirty="0" err="1" smtClean="0">
-                <a:latin typeface="Lucida Console" pitchFamily="49" charset="0"/>
-              </a:rPr>
-              <a:t>trns.rollback</a:t>
-            </a:r>
-            <a:r>
-              <a:rPr lang="pl-PL" dirty="0">
-                <a:latin typeface="Lucida Console" pitchFamily="49" charset="0"/>
-              </a:rPr>
-              <a:t>();</a:t>
-            </a:r>
-          </a:p>
-          <a:p>
-            <a:pPr lvl="1"/>
-            <a:r>
-              <a:rPr lang="pl-PL" dirty="0" smtClean="0">
-                <a:latin typeface="Lucida Console" pitchFamily="49" charset="0"/>
-              </a:rPr>
-              <a:t>	</a:t>
-            </a:r>
-            <a:r>
-              <a:rPr lang="pl-PL" dirty="0" err="1" smtClean="0">
-                <a:latin typeface="Lucida Console" pitchFamily="49" charset="0"/>
-              </a:rPr>
-              <a:t>e.printStackTrace</a:t>
-            </a:r>
-            <a:r>
-              <a:rPr lang="pl-PL" dirty="0" smtClean="0">
-                <a:latin typeface="Lucida Console" pitchFamily="49" charset="0"/>
-              </a:rPr>
-              <a:t>();</a:t>
-            </a:r>
-          </a:p>
-          <a:p>
-            <a:pPr lvl="1"/>
-            <a:endParaRPr lang="pl-PL" dirty="0">
-              <a:latin typeface="Lucida Console" pitchFamily="49" charset="0"/>
-            </a:endParaRPr>
-          </a:p>
-          <a:p>
-            <a:r>
-              <a:rPr lang="pl-PL" dirty="0">
-                <a:latin typeface="Lucida Console" pitchFamily="49" charset="0"/>
-              </a:rPr>
-              <a:t>} </a:t>
-            </a:r>
-            <a:r>
-              <a:rPr lang="pl-PL" dirty="0" err="1">
-                <a:latin typeface="Lucida Console" pitchFamily="49" charset="0"/>
-              </a:rPr>
-              <a:t>finally</a:t>
-            </a:r>
-            <a:r>
-              <a:rPr lang="pl-PL" dirty="0">
-                <a:latin typeface="Lucida Console" pitchFamily="49" charset="0"/>
-              </a:rPr>
-              <a:t> {</a:t>
-            </a:r>
-          </a:p>
-          <a:p>
-            <a:pPr lvl="1"/>
-            <a:r>
-              <a:rPr lang="pl-PL" dirty="0" smtClean="0">
-                <a:latin typeface="Lucida Console" pitchFamily="49" charset="0"/>
-              </a:rPr>
-              <a:t>	</a:t>
-            </a:r>
-            <a:r>
-              <a:rPr lang="pl-PL" dirty="0" err="1" smtClean="0">
-                <a:latin typeface="Lucida Console" pitchFamily="49" charset="0"/>
-              </a:rPr>
-              <a:t>session.flush</a:t>
-            </a:r>
-            <a:r>
-              <a:rPr lang="pl-PL" dirty="0">
-                <a:latin typeface="Lucida Console" pitchFamily="49" charset="0"/>
-              </a:rPr>
-              <a:t>();</a:t>
-            </a:r>
-          </a:p>
-          <a:p>
-            <a:pPr lvl="1"/>
-            <a:r>
-              <a:rPr lang="pl-PL" dirty="0" smtClean="0">
-                <a:latin typeface="Lucida Console" pitchFamily="49" charset="0"/>
-              </a:rPr>
-              <a:t>	</a:t>
-            </a:r>
-            <a:r>
-              <a:rPr lang="pl-PL" dirty="0" err="1" smtClean="0">
-                <a:latin typeface="Lucida Console" pitchFamily="49" charset="0"/>
-              </a:rPr>
-              <a:t>session.close</a:t>
-            </a:r>
-            <a:r>
-              <a:rPr lang="pl-PL" dirty="0">
-                <a:latin typeface="Lucida Console" pitchFamily="49" charset="0"/>
-              </a:rPr>
-              <a:t>();</a:t>
-            </a:r>
-          </a:p>
-          <a:p>
-            <a:r>
-              <a:rPr lang="pl-PL" dirty="0">
-                <a:latin typeface="Lucida Console" pitchFamily="49" charset="0"/>
-              </a:rPr>
-              <a:t>}</a:t>
-            </a:r>
-            <a:endParaRPr lang="pl-PL" dirty="0">
-              <a:latin typeface="Lucida Console" pitchFamily="49" charset="0"/>
-            </a:endParaRPr>
-          </a:p>
-        </p:txBody>
-      </p:sp>
-    </p:spTree>
-    <p:extLst>
-      <p:ext uri="{BB962C8B-B14F-4D97-AF65-F5344CB8AC3E}">
-        <p14:creationId xmlns:p14="http://schemas.microsoft.com/office/powerpoint/2010/main" val="1573387188"/>
-      </p:ext>
-    </p:extLst>
-  </p:cSld>
-  <p:clrMapOvr>
-    <a:masterClrMapping/>
-  </p:clrMapOvr>
-</p:sld>
-</file>
-
 <file path=ppt/slides/slide23.xml><?xml version="1.0" encoding="utf-8"?>
 <p:sld xmlns:a="http://schemas.openxmlformats.org/drawingml/2006/main" xmlns:r="http://schemas.openxmlformats.org/officeDocument/2006/relationships" xmlns:p="http://schemas.openxmlformats.org/presentationml/2006/main">
   <p:cSld>
@@ -8194,11 +7492,15 @@
           <a:p>
             <a:r>
               <a:rPr lang="pl-PL" dirty="0" err="1" smtClean="0"/>
-              <a:t>Create</a:t>
+              <a:t>Session</a:t>
             </a:r>
             <a:r>
               <a:rPr lang="pl-PL" dirty="0" smtClean="0"/>
-              <a:t>…</a:t>
+              <a:t> </a:t>
+            </a:r>
+            <a:r>
+              <a:rPr lang="pl-PL" dirty="0" err="1" smtClean="0"/>
+              <a:t>Factory</a:t>
             </a:r>
             <a:endParaRPr lang="pl-PL" dirty="0"/>
           </a:p>
@@ -8206,14 +7508,14 @@
       </p:sp>
       <p:sp>
         <p:nvSpPr>
-          <p:cNvPr id="4" name="Prostokąt 3"/>
+          <p:cNvPr id="6" name="Prostokąt 5"/>
           <p:cNvSpPr/>
           <p:nvPr/>
         </p:nvSpPr>
         <p:spPr>
           <a:xfrm>
-            <a:off x="323528" y="2001029"/>
-            <a:ext cx="8820472" cy="2308324"/>
+            <a:off x="269412" y="1988840"/>
+            <a:ext cx="8496944" cy="3754874"/>
           </a:xfrm>
           <a:prstGeom prst="rect">
             <a:avLst/>
@@ -8226,125 +7528,509 @@
           <a:lstStyle/>
           <a:p>
             <a:r>
-              <a:rPr lang="en-US" dirty="0">
-                <a:latin typeface="Lucida Console" pitchFamily="49" charset="0"/>
-              </a:rPr>
-              <a:t>Customer c = new Customer("AXAMI", "</a:t>
-            </a:r>
-            <a:r>
-              <a:rPr lang="en-US" dirty="0" err="1">
-                <a:latin typeface="Lucida Console" pitchFamily="49" charset="0"/>
-              </a:rPr>
-              <a:t>Aksamit</a:t>
-            </a:r>
-            <a:r>
-              <a:rPr lang="en-US" dirty="0">
-                <a:latin typeface="Lucida Console" pitchFamily="49" charset="0"/>
-              </a:rPr>
-              <a:t> INC.");</a:t>
-            </a:r>
-          </a:p>
-          <a:p>
-            <a:r>
-              <a:rPr lang="pl-PL" dirty="0" err="1">
-                <a:latin typeface="Lucida Console" pitchFamily="49" charset="0"/>
-              </a:rPr>
-              <a:t>session.save</a:t>
-            </a:r>
-            <a:r>
-              <a:rPr lang="pl-PL" dirty="0">
-                <a:latin typeface="Lucida Console" pitchFamily="49" charset="0"/>
-              </a:rPr>
-              <a:t>(c);</a:t>
-            </a:r>
-          </a:p>
-          <a:p>
-            <a:endParaRPr lang="pl-PL" dirty="0">
+              <a:rPr lang="pl-PL" sz="1400" dirty="0" err="1">
+                <a:latin typeface="Lucida Console" pitchFamily="49" charset="0"/>
+              </a:rPr>
+              <a:t>private</a:t>
+            </a:r>
+            <a:r>
+              <a:rPr lang="pl-PL" sz="1400" dirty="0">
+                <a:latin typeface="Lucida Console" pitchFamily="49" charset="0"/>
+              </a:rPr>
+              <a:t> </a:t>
+            </a:r>
+            <a:r>
+              <a:rPr lang="pl-PL" sz="1400" dirty="0" err="1">
+                <a:latin typeface="Lucida Console" pitchFamily="49" charset="0"/>
+              </a:rPr>
+              <a:t>static</a:t>
+            </a:r>
+            <a:r>
+              <a:rPr lang="pl-PL" sz="1400" dirty="0">
+                <a:latin typeface="Lucida Console" pitchFamily="49" charset="0"/>
+              </a:rPr>
+              <a:t> </a:t>
+            </a:r>
+            <a:r>
+              <a:rPr lang="pl-PL" sz="1400" dirty="0" err="1">
+                <a:latin typeface="Lucida Console" pitchFamily="49" charset="0"/>
+              </a:rPr>
+              <a:t>SessionFactory</a:t>
+            </a:r>
+            <a:r>
+              <a:rPr lang="pl-PL" sz="1400" dirty="0">
+                <a:latin typeface="Lucida Console" pitchFamily="49" charset="0"/>
+              </a:rPr>
+              <a:t> </a:t>
+            </a:r>
+            <a:r>
+              <a:rPr lang="pl-PL" sz="1400" dirty="0" err="1">
+                <a:latin typeface="Lucida Console" pitchFamily="49" charset="0"/>
+              </a:rPr>
+              <a:t>sessionFactory</a:t>
+            </a:r>
+            <a:r>
+              <a:rPr lang="pl-PL" sz="1400" dirty="0">
+                <a:latin typeface="Lucida Console" pitchFamily="49" charset="0"/>
+              </a:rPr>
+              <a:t>;</a:t>
+            </a:r>
+          </a:p>
+          <a:p>
+            <a:r>
+              <a:rPr lang="pl-PL" sz="1400" dirty="0" err="1">
+                <a:latin typeface="Lucida Console" pitchFamily="49" charset="0"/>
+              </a:rPr>
+              <a:t>private</a:t>
+            </a:r>
+            <a:r>
+              <a:rPr lang="pl-PL" sz="1400" dirty="0">
+                <a:latin typeface="Lucida Console" pitchFamily="49" charset="0"/>
+              </a:rPr>
+              <a:t> </a:t>
+            </a:r>
+            <a:r>
+              <a:rPr lang="pl-PL" sz="1400" dirty="0" err="1">
+                <a:latin typeface="Lucida Console" pitchFamily="49" charset="0"/>
+              </a:rPr>
+              <a:t>static</a:t>
+            </a:r>
+            <a:r>
+              <a:rPr lang="pl-PL" sz="1400" dirty="0">
+                <a:latin typeface="Lucida Console" pitchFamily="49" charset="0"/>
+              </a:rPr>
+              <a:t> </a:t>
+            </a:r>
+            <a:r>
+              <a:rPr lang="pl-PL" sz="1400" dirty="0" err="1">
+                <a:latin typeface="Lucida Console" pitchFamily="49" charset="0"/>
+              </a:rPr>
+              <a:t>ServiceRegistry</a:t>
+            </a:r>
+            <a:r>
+              <a:rPr lang="pl-PL" sz="1400" dirty="0">
+                <a:latin typeface="Lucida Console" pitchFamily="49" charset="0"/>
+              </a:rPr>
+              <a:t> </a:t>
+            </a:r>
+            <a:r>
+              <a:rPr lang="pl-PL" sz="1400" dirty="0" err="1">
+                <a:latin typeface="Lucida Console" pitchFamily="49" charset="0"/>
+              </a:rPr>
+              <a:t>serviceRegistry</a:t>
+            </a:r>
+            <a:r>
+              <a:rPr lang="pl-PL" sz="1400" dirty="0">
+                <a:latin typeface="Lucida Console" pitchFamily="49" charset="0"/>
+              </a:rPr>
+              <a:t>;</a:t>
+            </a:r>
+          </a:p>
+          <a:p>
+            <a:endParaRPr lang="pl-PL" sz="1400" dirty="0">
               <a:latin typeface="Lucida Console" pitchFamily="49" charset="0"/>
             </a:endParaRPr>
           </a:p>
           <a:p>
             <a:r>
-              <a:rPr lang="en-US" dirty="0">
-                <a:latin typeface="Lucida Console" pitchFamily="49" charset="0"/>
-              </a:rPr>
-              <a:t>Employee e = new Employee("</a:t>
-            </a:r>
-            <a:r>
-              <a:rPr lang="en-US" dirty="0" err="1">
-                <a:latin typeface="Lucida Console" pitchFamily="49" charset="0"/>
-              </a:rPr>
-              <a:t>Alicja</a:t>
-            </a:r>
-            <a:r>
-              <a:rPr lang="en-US" dirty="0">
-                <a:latin typeface="Lucida Console" pitchFamily="49" charset="0"/>
-              </a:rPr>
-              <a:t>", "</a:t>
-            </a:r>
-            <a:r>
-              <a:rPr lang="en-US" dirty="0" err="1">
-                <a:latin typeface="Lucida Console" pitchFamily="49" charset="0"/>
-              </a:rPr>
-              <a:t>Salamon</a:t>
-            </a:r>
-            <a:r>
-              <a:rPr lang="en-US" dirty="0">
-                <a:latin typeface="Lucida Console" pitchFamily="49" charset="0"/>
-              </a:rPr>
-              <a:t>", "Krakow");</a:t>
-            </a:r>
-          </a:p>
-          <a:p>
-            <a:r>
-              <a:rPr lang="pl-PL" dirty="0" err="1">
-                <a:latin typeface="Lucida Console" pitchFamily="49" charset="0"/>
-              </a:rPr>
-              <a:t>session.save</a:t>
-            </a:r>
-            <a:r>
-              <a:rPr lang="pl-PL" dirty="0">
-                <a:latin typeface="Lucida Console" pitchFamily="49" charset="0"/>
-              </a:rPr>
-              <a:t>(e);</a:t>
-            </a:r>
-          </a:p>
-          <a:p>
-            <a:endParaRPr lang="pl-PL" dirty="0">
+              <a:rPr lang="pl-PL" sz="1400" dirty="0" err="1">
+                <a:latin typeface="Lucida Console" pitchFamily="49" charset="0"/>
+              </a:rPr>
+              <a:t>private</a:t>
+            </a:r>
+            <a:r>
+              <a:rPr lang="pl-PL" sz="1400" dirty="0">
+                <a:latin typeface="Lucida Console" pitchFamily="49" charset="0"/>
+              </a:rPr>
+              <a:t> </a:t>
+            </a:r>
+            <a:r>
+              <a:rPr lang="pl-PL" sz="1400" dirty="0" err="1">
+                <a:latin typeface="Lucida Console" pitchFamily="49" charset="0"/>
+              </a:rPr>
+              <a:t>static</a:t>
+            </a:r>
+            <a:r>
+              <a:rPr lang="pl-PL" sz="1400" dirty="0">
+                <a:latin typeface="Lucida Console" pitchFamily="49" charset="0"/>
+              </a:rPr>
+              <a:t> </a:t>
+            </a:r>
+            <a:r>
+              <a:rPr lang="pl-PL" sz="1400" dirty="0" err="1">
+                <a:latin typeface="Lucida Console" pitchFamily="49" charset="0"/>
+              </a:rPr>
+              <a:t>SessionFactory</a:t>
+            </a:r>
+            <a:r>
+              <a:rPr lang="pl-PL" sz="1400" dirty="0">
+                <a:latin typeface="Lucida Console" pitchFamily="49" charset="0"/>
+              </a:rPr>
+              <a:t> </a:t>
+            </a:r>
+            <a:r>
+              <a:rPr lang="pl-PL" sz="1400" dirty="0" err="1">
+                <a:latin typeface="Lucida Console" pitchFamily="49" charset="0"/>
+              </a:rPr>
+              <a:t>buildSessionFactory</a:t>
+            </a:r>
+            <a:r>
+              <a:rPr lang="pl-PL" sz="1400" dirty="0">
+                <a:latin typeface="Lucida Console" pitchFamily="49" charset="0"/>
+              </a:rPr>
+              <a:t>() {</a:t>
+            </a:r>
+          </a:p>
+          <a:p>
+            <a:pPr lvl="1"/>
+            <a:r>
+              <a:rPr lang="pl-PL" sz="1400" dirty="0" err="1">
+                <a:latin typeface="Lucida Console" pitchFamily="49" charset="0"/>
+              </a:rPr>
+              <a:t>try</a:t>
+            </a:r>
+            <a:r>
+              <a:rPr lang="pl-PL" sz="1400" dirty="0">
+                <a:latin typeface="Lucida Console" pitchFamily="49" charset="0"/>
+              </a:rPr>
+              <a:t> {</a:t>
+            </a:r>
+          </a:p>
+          <a:p>
+            <a:pPr lvl="2"/>
+            <a:r>
+              <a:rPr lang="en-US" sz="1400" dirty="0">
+                <a:latin typeface="Lucida Console" pitchFamily="49" charset="0"/>
+              </a:rPr>
+              <a:t>// Create the </a:t>
+            </a:r>
+            <a:r>
+              <a:rPr lang="en-US" sz="1400" dirty="0" err="1">
+                <a:latin typeface="Lucida Console" pitchFamily="49" charset="0"/>
+              </a:rPr>
+              <a:t>SessionFactory</a:t>
+            </a:r>
+            <a:r>
+              <a:rPr lang="en-US" sz="1400" dirty="0">
+                <a:latin typeface="Lucida Console" pitchFamily="49" charset="0"/>
+              </a:rPr>
+              <a:t> from hibernate.cfg.xml</a:t>
+            </a:r>
+          </a:p>
+          <a:p>
+            <a:pPr lvl="2"/>
+            <a:r>
+              <a:rPr lang="pl-PL" sz="1400" dirty="0" err="1">
+                <a:latin typeface="Lucida Console" pitchFamily="49" charset="0"/>
+              </a:rPr>
+              <a:t>Configuration</a:t>
+            </a:r>
+            <a:r>
+              <a:rPr lang="pl-PL" sz="1400" dirty="0">
+                <a:latin typeface="Lucida Console" pitchFamily="49" charset="0"/>
+              </a:rPr>
+              <a:t> </a:t>
+            </a:r>
+            <a:r>
+              <a:rPr lang="pl-PL" sz="1400" dirty="0" err="1">
+                <a:latin typeface="Lucida Console" pitchFamily="49" charset="0"/>
+              </a:rPr>
+              <a:t>configuration</a:t>
+            </a:r>
+            <a:r>
+              <a:rPr lang="pl-PL" sz="1400" dirty="0">
+                <a:latin typeface="Lucida Console" pitchFamily="49" charset="0"/>
+              </a:rPr>
+              <a:t> = </a:t>
+            </a:r>
+            <a:r>
+              <a:rPr lang="pl-PL" sz="1400" dirty="0" err="1">
+                <a:latin typeface="Lucida Console" pitchFamily="49" charset="0"/>
+              </a:rPr>
+              <a:t>new</a:t>
+            </a:r>
+            <a:r>
+              <a:rPr lang="pl-PL" sz="1400" dirty="0">
+                <a:latin typeface="Lucida Console" pitchFamily="49" charset="0"/>
+              </a:rPr>
+              <a:t> </a:t>
+            </a:r>
+            <a:r>
+              <a:rPr lang="pl-PL" sz="1400" dirty="0" err="1">
+                <a:latin typeface="Lucida Console" pitchFamily="49" charset="0"/>
+              </a:rPr>
+              <a:t>Configuration</a:t>
+            </a:r>
+            <a:r>
+              <a:rPr lang="pl-PL" sz="1400" dirty="0">
+                <a:latin typeface="Lucida Console" pitchFamily="49" charset="0"/>
+              </a:rPr>
+              <a:t>().</a:t>
+            </a:r>
+            <a:r>
+              <a:rPr lang="pl-PL" sz="1400" dirty="0" err="1">
+                <a:latin typeface="Lucida Console" pitchFamily="49" charset="0"/>
+              </a:rPr>
+              <a:t>configure</a:t>
+            </a:r>
+            <a:r>
+              <a:rPr lang="pl-PL" sz="1400" dirty="0">
+                <a:latin typeface="Lucida Console" pitchFamily="49" charset="0"/>
+              </a:rPr>
+              <a:t>();</a:t>
+            </a:r>
+          </a:p>
+          <a:p>
+            <a:pPr lvl="1"/>
+            <a:endParaRPr lang="pl-PL" sz="1400" dirty="0">
               <a:latin typeface="Lucida Console" pitchFamily="49" charset="0"/>
             </a:endParaRPr>
           </a:p>
           <a:p>
-            <a:r>
-              <a:rPr lang="en-US" dirty="0">
-                <a:latin typeface="Lucida Console" pitchFamily="49" charset="0"/>
-              </a:rPr>
-              <a:t>Order o = new Order(e, c);</a:t>
-            </a:r>
-          </a:p>
-          <a:p>
-            <a:r>
-              <a:rPr lang="pl-PL" dirty="0" err="1">
-                <a:latin typeface="Lucida Console" pitchFamily="49" charset="0"/>
-              </a:rPr>
-              <a:t>session.save</a:t>
-            </a:r>
-            <a:r>
-              <a:rPr lang="pl-PL" dirty="0">
-                <a:latin typeface="Lucida Console" pitchFamily="49" charset="0"/>
-              </a:rPr>
-              <a:t>(o);</a:t>
-            </a:r>
-            <a:endParaRPr lang="pl-PL" dirty="0">
+            <a:pPr lvl="2"/>
+            <a:r>
+              <a:rPr lang="pl-PL" sz="1400" dirty="0" err="1">
+                <a:latin typeface="Lucida Console" pitchFamily="49" charset="0"/>
+              </a:rPr>
+              <a:t>serviceRegistry</a:t>
+            </a:r>
+            <a:r>
+              <a:rPr lang="pl-PL" sz="1400" dirty="0">
+                <a:latin typeface="Lucida Console" pitchFamily="49" charset="0"/>
+              </a:rPr>
+              <a:t> = </a:t>
+            </a:r>
+            <a:r>
+              <a:rPr lang="pl-PL" sz="1400" dirty="0" err="1">
+                <a:latin typeface="Lucida Console" pitchFamily="49" charset="0"/>
+              </a:rPr>
+              <a:t>new</a:t>
+            </a:r>
+            <a:r>
+              <a:rPr lang="pl-PL" sz="1400" dirty="0">
+                <a:latin typeface="Lucida Console" pitchFamily="49" charset="0"/>
+              </a:rPr>
+              <a:t> </a:t>
+            </a:r>
+            <a:r>
+              <a:rPr lang="pl-PL" sz="1400" dirty="0" err="1">
+                <a:latin typeface="Lucida Console" pitchFamily="49" charset="0"/>
+              </a:rPr>
+              <a:t>ServiceRegistryBuilder</a:t>
+            </a:r>
+            <a:r>
+              <a:rPr lang="pl-PL" sz="1400" dirty="0">
+                <a:latin typeface="Lucida Console" pitchFamily="49" charset="0"/>
+              </a:rPr>
+              <a:t>().</a:t>
+            </a:r>
+            <a:r>
+              <a:rPr lang="pl-PL" sz="1400" dirty="0" err="1">
+                <a:latin typeface="Lucida Console" pitchFamily="49" charset="0"/>
+              </a:rPr>
+              <a:t>applySettings</a:t>
+            </a:r>
+            <a:r>
+              <a:rPr lang="pl-PL" sz="1400" dirty="0">
+                <a:latin typeface="Lucida Console" pitchFamily="49" charset="0"/>
+              </a:rPr>
+              <a:t>(</a:t>
+            </a:r>
+          </a:p>
+          <a:p>
+            <a:pPr lvl="2"/>
+            <a:r>
+              <a:rPr lang="pl-PL" sz="1400" dirty="0" err="1">
+                <a:latin typeface="Lucida Console" pitchFamily="49" charset="0"/>
+              </a:rPr>
+              <a:t>configuration.getProperties</a:t>
+            </a:r>
+            <a:r>
+              <a:rPr lang="pl-PL" sz="1400" dirty="0">
+                <a:latin typeface="Lucida Console" pitchFamily="49" charset="0"/>
+              </a:rPr>
+              <a:t>()).</a:t>
+            </a:r>
+            <a:r>
+              <a:rPr lang="pl-PL" sz="1400" dirty="0" err="1">
+                <a:latin typeface="Lucida Console" pitchFamily="49" charset="0"/>
+              </a:rPr>
+              <a:t>buildServiceRegistry</a:t>
+            </a:r>
+            <a:r>
+              <a:rPr lang="pl-PL" sz="1400" dirty="0">
+                <a:latin typeface="Lucida Console" pitchFamily="49" charset="0"/>
+              </a:rPr>
+              <a:t>();</a:t>
+            </a:r>
+          </a:p>
+          <a:p>
+            <a:pPr lvl="2"/>
+            <a:r>
+              <a:rPr lang="pl-PL" sz="1400" dirty="0" err="1">
+                <a:latin typeface="Lucida Console" pitchFamily="49" charset="0"/>
+              </a:rPr>
+              <a:t>sessionFactory</a:t>
+            </a:r>
+            <a:r>
+              <a:rPr lang="pl-PL" sz="1400" dirty="0">
+                <a:latin typeface="Lucida Console" pitchFamily="49" charset="0"/>
+              </a:rPr>
+              <a:t> = </a:t>
+            </a:r>
+            <a:r>
+              <a:rPr lang="pl-PL" sz="1400" dirty="0" err="1">
+                <a:latin typeface="Lucida Console" pitchFamily="49" charset="0"/>
+              </a:rPr>
+              <a:t>configuration.buildSessionFactory</a:t>
+            </a:r>
+            <a:r>
+              <a:rPr lang="pl-PL" sz="1400" dirty="0">
+                <a:latin typeface="Lucida Console" pitchFamily="49" charset="0"/>
+              </a:rPr>
+              <a:t>(</a:t>
+            </a:r>
+            <a:r>
+              <a:rPr lang="pl-PL" sz="1400" dirty="0" err="1">
+                <a:latin typeface="Lucida Console" pitchFamily="49" charset="0"/>
+              </a:rPr>
+              <a:t>serviceRegistry</a:t>
+            </a:r>
+            <a:r>
+              <a:rPr lang="pl-PL" sz="1400" dirty="0">
+                <a:latin typeface="Lucida Console" pitchFamily="49" charset="0"/>
+              </a:rPr>
+              <a:t>);</a:t>
+            </a:r>
+          </a:p>
+          <a:p>
+            <a:pPr lvl="2"/>
+            <a:endParaRPr lang="pl-PL" sz="1400" dirty="0">
               <a:latin typeface="Lucida Console" pitchFamily="49" charset="0"/>
             </a:endParaRPr>
+          </a:p>
+          <a:p>
+            <a:pPr lvl="2"/>
+            <a:r>
+              <a:rPr lang="pl-PL" sz="1400" dirty="0">
+                <a:latin typeface="Lucida Console" pitchFamily="49" charset="0"/>
+              </a:rPr>
+              <a:t>return </a:t>
+            </a:r>
+            <a:r>
+              <a:rPr lang="pl-PL" sz="1400" dirty="0" err="1">
+                <a:latin typeface="Lucida Console" pitchFamily="49" charset="0"/>
+              </a:rPr>
+              <a:t>sessionFactory</a:t>
+            </a:r>
+            <a:r>
+              <a:rPr lang="pl-PL" sz="1400" dirty="0">
+                <a:latin typeface="Lucida Console" pitchFamily="49" charset="0"/>
+              </a:rPr>
+              <a:t>;</a:t>
+            </a:r>
+          </a:p>
+          <a:p>
+            <a:pPr lvl="1"/>
+            <a:r>
+              <a:rPr lang="pl-PL" sz="1400" dirty="0">
+                <a:latin typeface="Lucida Console" pitchFamily="49" charset="0"/>
+              </a:rPr>
+              <a:t>} </a:t>
+            </a:r>
+            <a:r>
+              <a:rPr lang="pl-PL" sz="1400" dirty="0" err="1">
+                <a:latin typeface="Lucida Console" pitchFamily="49" charset="0"/>
+              </a:rPr>
+              <a:t>catch</a:t>
+            </a:r>
+            <a:r>
+              <a:rPr lang="pl-PL" sz="1400" dirty="0">
+                <a:latin typeface="Lucida Console" pitchFamily="49" charset="0"/>
+              </a:rPr>
+              <a:t> (</a:t>
+            </a:r>
+            <a:r>
+              <a:rPr lang="pl-PL" sz="1400" dirty="0" err="1">
+                <a:latin typeface="Lucida Console" pitchFamily="49" charset="0"/>
+              </a:rPr>
+              <a:t>HibernateException</a:t>
+            </a:r>
+            <a:r>
+              <a:rPr lang="pl-PL" sz="1400" dirty="0">
+                <a:latin typeface="Lucida Console" pitchFamily="49" charset="0"/>
+              </a:rPr>
+              <a:t> he) {</a:t>
+            </a:r>
+          </a:p>
+          <a:p>
+            <a:pPr lvl="1"/>
+            <a:r>
+              <a:rPr lang="pl-PL" sz="1400" dirty="0" smtClean="0">
+                <a:latin typeface="Lucida Console" pitchFamily="49" charset="0"/>
+              </a:rPr>
+              <a:t>	</a:t>
+            </a:r>
+            <a:r>
+              <a:rPr lang="pl-PL" sz="1400" dirty="0" err="1" smtClean="0">
+                <a:latin typeface="Lucida Console" pitchFamily="49" charset="0"/>
+              </a:rPr>
+              <a:t>throw</a:t>
+            </a:r>
+            <a:r>
+              <a:rPr lang="pl-PL" sz="1400" dirty="0" smtClean="0">
+                <a:latin typeface="Lucida Console" pitchFamily="49" charset="0"/>
+              </a:rPr>
+              <a:t> </a:t>
+            </a:r>
+            <a:r>
+              <a:rPr lang="pl-PL" sz="1400" dirty="0" err="1">
+                <a:latin typeface="Lucida Console" pitchFamily="49" charset="0"/>
+              </a:rPr>
+              <a:t>new</a:t>
+            </a:r>
+            <a:r>
+              <a:rPr lang="pl-PL" sz="1400" dirty="0">
+                <a:latin typeface="Lucida Console" pitchFamily="49" charset="0"/>
+              </a:rPr>
+              <a:t> </a:t>
+            </a:r>
+            <a:r>
+              <a:rPr lang="pl-PL" sz="1400" dirty="0" err="1">
+                <a:latin typeface="Lucida Console" pitchFamily="49" charset="0"/>
+              </a:rPr>
+              <a:t>ExceptionInInitializerError</a:t>
+            </a:r>
+            <a:r>
+              <a:rPr lang="pl-PL" sz="1400" dirty="0">
+                <a:latin typeface="Lucida Console" pitchFamily="49" charset="0"/>
+              </a:rPr>
+              <a:t>(he);</a:t>
+            </a:r>
+          </a:p>
+          <a:p>
+            <a:pPr lvl="1"/>
+            <a:r>
+              <a:rPr lang="pl-PL" sz="1400" dirty="0">
+                <a:latin typeface="Lucida Console" pitchFamily="49" charset="0"/>
+              </a:rPr>
+              <a:t>}</a:t>
+            </a:r>
+          </a:p>
+          <a:p>
+            <a:r>
+              <a:rPr lang="pl-PL" sz="1400" dirty="0">
+                <a:latin typeface="Lucida Console" pitchFamily="49" charset="0"/>
+              </a:rPr>
+              <a:t>}</a:t>
+            </a:r>
           </a:p>
         </p:txBody>
       </p:sp>
     </p:spTree>
     <p:extLst>
       <p:ext uri="{BB962C8B-B14F-4D97-AF65-F5344CB8AC3E}">
-        <p14:creationId xmlns:p14="http://schemas.microsoft.com/office/powerpoint/2010/main" val="4222481412"/>
+        <p14:creationId xmlns:p14="http://schemas.microsoft.com/office/powerpoint/2010/main" val="1412715275"/>
       </p:ext>
     </p:extLst>
   </p:cSld>
@@ -8381,14 +8067,19 @@
             <p:ph type="title"/>
           </p:nvPr>
         </p:nvSpPr>
-        <p:spPr/>
+        <p:spPr>
+          <a:xfrm>
+            <a:off x="493204" y="233762"/>
+            <a:ext cx="8229600" cy="1143000"/>
+          </a:xfrm>
+        </p:spPr>
         <p:txBody>
           <a:bodyPr/>
           <a:lstStyle/>
           <a:p>
             <a:r>
               <a:rPr lang="pl-PL" dirty="0" smtClean="0"/>
-              <a:t>Read…</a:t>
+              <a:t>Transakcje</a:t>
             </a:r>
             <a:endParaRPr lang="pl-PL" dirty="0"/>
           </a:p>
@@ -8402,8 +8093,8 @@
         </p:nvSpPr>
         <p:spPr>
           <a:xfrm>
-            <a:off x="273665" y="1700808"/>
-            <a:ext cx="8496944" cy="3354765"/>
+            <a:off x="899592" y="1237177"/>
+            <a:ext cx="7416824" cy="5632311"/>
           </a:xfrm>
           <a:prstGeom prst="rect">
             <a:avLst/>
@@ -8416,373 +8107,421 @@
           <a:lstStyle/>
           <a:p>
             <a:r>
-              <a:rPr lang="pl-PL" sz="1600" dirty="0">
-                <a:latin typeface="Lucida Console" pitchFamily="49" charset="0"/>
-              </a:rPr>
-              <a:t>List&lt;Order&gt; </a:t>
-            </a:r>
-            <a:r>
-              <a:rPr lang="pl-PL" sz="1600" dirty="0" err="1">
-                <a:latin typeface="Lucida Console" pitchFamily="49" charset="0"/>
-              </a:rPr>
-              <a:t>ordersList</a:t>
-            </a:r>
-            <a:r>
-              <a:rPr lang="pl-PL" sz="1600" dirty="0">
+              <a:rPr lang="pl-PL" dirty="0" err="1">
+                <a:latin typeface="Lucida Console" pitchFamily="49" charset="0"/>
+              </a:rPr>
+              <a:t>Transaction</a:t>
+            </a:r>
+            <a:r>
+              <a:rPr lang="pl-PL" dirty="0">
+                <a:latin typeface="Lucida Console" pitchFamily="49" charset="0"/>
+              </a:rPr>
+              <a:t> </a:t>
+            </a:r>
+            <a:r>
+              <a:rPr lang="pl-PL" dirty="0" err="1">
+                <a:latin typeface="Lucida Console" pitchFamily="49" charset="0"/>
+              </a:rPr>
+              <a:t>trns</a:t>
+            </a:r>
+            <a:r>
+              <a:rPr lang="pl-PL" dirty="0">
                 <a:latin typeface="Lucida Console" pitchFamily="49" charset="0"/>
               </a:rPr>
               <a:t> = </a:t>
             </a:r>
             <a:r>
-              <a:rPr lang="pl-PL" sz="1600" dirty="0" err="1">
-                <a:latin typeface="Lucida Console" pitchFamily="49" charset="0"/>
-              </a:rPr>
-              <a:t>newSession</a:t>
-            </a:r>
-            <a:endParaRPr lang="pl-PL" sz="1600" dirty="0">
+              <a:rPr lang="pl-PL" dirty="0" err="1">
+                <a:latin typeface="Lucida Console" pitchFamily="49" charset="0"/>
+              </a:rPr>
+              <a:t>null</a:t>
+            </a:r>
+            <a:r>
+              <a:rPr lang="pl-PL" dirty="0">
+                <a:latin typeface="Lucida Console" pitchFamily="49" charset="0"/>
+              </a:rPr>
+              <a:t>;</a:t>
+            </a:r>
+          </a:p>
+          <a:p>
+            <a:r>
+              <a:rPr lang="pl-PL" dirty="0" err="1">
+                <a:latin typeface="Lucida Console" pitchFamily="49" charset="0"/>
+              </a:rPr>
+              <a:t>Session</a:t>
+            </a:r>
+            <a:r>
+              <a:rPr lang="pl-PL" dirty="0">
+                <a:latin typeface="Lucida Console" pitchFamily="49" charset="0"/>
+              </a:rPr>
+              <a:t> </a:t>
+            </a:r>
+            <a:r>
+              <a:rPr lang="pl-PL" dirty="0" err="1">
+                <a:latin typeface="Lucida Console" pitchFamily="49" charset="0"/>
+              </a:rPr>
+              <a:t>session</a:t>
+            </a:r>
+            <a:r>
+              <a:rPr lang="pl-PL" dirty="0">
+                <a:latin typeface="Lucida Console" pitchFamily="49" charset="0"/>
+              </a:rPr>
+              <a:t> = </a:t>
+            </a:r>
+            <a:r>
+              <a:rPr lang="pl-PL" dirty="0" err="1">
+                <a:latin typeface="Lucida Console" pitchFamily="49" charset="0"/>
+              </a:rPr>
+              <a:t>HibernateUtil.</a:t>
+            </a:r>
+            <a:r>
+              <a:rPr lang="pl-PL" i="1" dirty="0" err="1">
+                <a:latin typeface="Lucida Console" pitchFamily="49" charset="0"/>
+              </a:rPr>
+              <a:t>getSessionFactory</a:t>
+            </a:r>
+            <a:r>
+              <a:rPr lang="pl-PL" i="1" dirty="0">
+                <a:latin typeface="Lucida Console" pitchFamily="49" charset="0"/>
+              </a:rPr>
+              <a:t>().</a:t>
+            </a:r>
+            <a:r>
+              <a:rPr lang="pl-PL" i="1" dirty="0" err="1">
+                <a:latin typeface="Lucida Console" pitchFamily="49" charset="0"/>
+              </a:rPr>
+              <a:t>openSession</a:t>
+            </a:r>
+            <a:r>
+              <a:rPr lang="pl-PL" i="1" dirty="0" smtClean="0">
+                <a:latin typeface="Lucida Console" pitchFamily="49" charset="0"/>
+              </a:rPr>
+              <a:t>();</a:t>
+            </a:r>
+          </a:p>
+          <a:p>
+            <a:endParaRPr lang="pl-PL" i="1" dirty="0">
               <a:latin typeface="Lucida Console" pitchFamily="49" charset="0"/>
             </a:endParaRPr>
           </a:p>
           <a:p>
             <a:r>
-              <a:rPr lang="en-US" sz="1600" dirty="0">
-                <a:latin typeface="Lucida Console" pitchFamily="49" charset="0"/>
-              </a:rPr>
-              <a:t>.</a:t>
-            </a:r>
-            <a:r>
-              <a:rPr lang="en-US" sz="1600" dirty="0" err="1">
-                <a:latin typeface="Lucida Console" pitchFamily="49" charset="0"/>
-              </a:rPr>
-              <a:t>createSQLQuery</a:t>
-            </a:r>
-            <a:r>
-              <a:rPr lang="en-US" sz="1600" dirty="0">
-                <a:latin typeface="Lucida Console" pitchFamily="49" charset="0"/>
-              </a:rPr>
-              <a:t>("select * from Orders where </a:t>
-            </a:r>
-            <a:r>
-              <a:rPr lang="en-US" sz="1600" dirty="0" err="1">
-                <a:latin typeface="Lucida Console" pitchFamily="49" charset="0"/>
-              </a:rPr>
-              <a:t>OrderID</a:t>
-            </a:r>
-            <a:r>
-              <a:rPr lang="en-US" sz="1600" dirty="0">
-                <a:latin typeface="Lucida Console" pitchFamily="49" charset="0"/>
-              </a:rPr>
-              <a:t>=11078")</a:t>
-            </a:r>
-          </a:p>
-          <a:p>
-            <a:r>
-              <a:rPr lang="pl-PL" sz="1600" dirty="0">
-                <a:latin typeface="Lucida Console" pitchFamily="49" charset="0"/>
-              </a:rPr>
-              <a:t>.</a:t>
-            </a:r>
-            <a:r>
-              <a:rPr lang="pl-PL" sz="1600" dirty="0" err="1">
-                <a:latin typeface="Lucida Console" pitchFamily="49" charset="0"/>
-              </a:rPr>
-              <a:t>addEntity</a:t>
-            </a:r>
-            <a:r>
-              <a:rPr lang="pl-PL" sz="1600" dirty="0">
-                <a:latin typeface="Lucida Console" pitchFamily="49" charset="0"/>
-              </a:rPr>
-              <a:t>(</a:t>
-            </a:r>
-            <a:r>
-              <a:rPr lang="pl-PL" sz="1600" dirty="0" err="1">
-                <a:latin typeface="Lucida Console" pitchFamily="49" charset="0"/>
-              </a:rPr>
-              <a:t>Order.class</a:t>
-            </a:r>
-            <a:r>
-              <a:rPr lang="pl-PL" sz="1600" dirty="0">
-                <a:latin typeface="Lucida Console" pitchFamily="49" charset="0"/>
-              </a:rPr>
-              <a:t>).list();</a:t>
-            </a:r>
-          </a:p>
-          <a:p>
-            <a:endParaRPr lang="pl-PL" sz="1600" dirty="0">
+              <a:rPr lang="pl-PL" dirty="0" err="1">
+                <a:latin typeface="Lucida Console" pitchFamily="49" charset="0"/>
+              </a:rPr>
+              <a:t>try</a:t>
+            </a:r>
+            <a:r>
+              <a:rPr lang="pl-PL" dirty="0">
+                <a:latin typeface="Lucida Console" pitchFamily="49" charset="0"/>
+              </a:rPr>
+              <a:t> {</a:t>
+            </a:r>
+          </a:p>
+          <a:p>
+            <a:r>
+              <a:rPr lang="pl-PL" dirty="0" smtClean="0">
+                <a:latin typeface="Lucida Console" pitchFamily="49" charset="0"/>
+              </a:rPr>
+              <a:t>	</a:t>
+            </a:r>
+            <a:r>
+              <a:rPr lang="pl-PL" dirty="0" err="1" smtClean="0">
+                <a:latin typeface="Lucida Console" pitchFamily="49" charset="0"/>
+              </a:rPr>
+              <a:t>trns</a:t>
+            </a:r>
+            <a:r>
+              <a:rPr lang="pl-PL" dirty="0" smtClean="0">
+                <a:latin typeface="Lucida Console" pitchFamily="49" charset="0"/>
+              </a:rPr>
+              <a:t> </a:t>
+            </a:r>
+            <a:r>
+              <a:rPr lang="pl-PL" dirty="0">
+                <a:latin typeface="Lucida Console" pitchFamily="49" charset="0"/>
+              </a:rPr>
+              <a:t>= </a:t>
+            </a:r>
+            <a:r>
+              <a:rPr lang="pl-PL" dirty="0" err="1">
+                <a:latin typeface="Lucida Console" pitchFamily="49" charset="0"/>
+              </a:rPr>
+              <a:t>session.beginTransaction</a:t>
+            </a:r>
+            <a:r>
+              <a:rPr lang="pl-PL" dirty="0">
+                <a:latin typeface="Lucida Console" pitchFamily="49" charset="0"/>
+              </a:rPr>
+              <a:t>();</a:t>
+            </a:r>
+          </a:p>
+          <a:p>
+            <a:endParaRPr lang="pl-PL" dirty="0" smtClean="0">
               <a:latin typeface="Lucida Console" pitchFamily="49" charset="0"/>
             </a:endParaRPr>
           </a:p>
           <a:p>
             <a:r>
-              <a:rPr lang="pl-PL" sz="1600" dirty="0">
-                <a:latin typeface="Lucida Console" pitchFamily="49" charset="0"/>
-              </a:rPr>
-              <a:t>for (</a:t>
-            </a:r>
-            <a:r>
-              <a:rPr lang="pl-PL" sz="1600" dirty="0" err="1">
-                <a:latin typeface="Lucida Console" pitchFamily="49" charset="0"/>
-              </a:rPr>
-              <a:t>Iterator</a:t>
-            </a:r>
-            <a:r>
-              <a:rPr lang="pl-PL" sz="1600" dirty="0">
-                <a:latin typeface="Lucida Console" pitchFamily="49" charset="0"/>
-              </a:rPr>
-              <a:t>&lt;Order&gt; </a:t>
-            </a:r>
-            <a:r>
-              <a:rPr lang="pl-PL" sz="1600" dirty="0" err="1">
-                <a:latin typeface="Lucida Console" pitchFamily="49" charset="0"/>
-              </a:rPr>
-              <a:t>iter</a:t>
-            </a:r>
-            <a:r>
-              <a:rPr lang="pl-PL" sz="1600" dirty="0">
-                <a:latin typeface="Lucida Console" pitchFamily="49" charset="0"/>
-              </a:rPr>
-              <a:t> = </a:t>
-            </a:r>
-            <a:r>
-              <a:rPr lang="pl-PL" sz="1600" dirty="0" err="1">
-                <a:latin typeface="Lucida Console" pitchFamily="49" charset="0"/>
-              </a:rPr>
-              <a:t>ordersList.iterator</a:t>
-            </a:r>
-            <a:r>
-              <a:rPr lang="pl-PL" sz="1600" dirty="0">
-                <a:latin typeface="Lucida Console" pitchFamily="49" charset="0"/>
-              </a:rPr>
-              <a:t>(); </a:t>
-            </a:r>
-            <a:r>
-              <a:rPr lang="pl-PL" sz="1600" dirty="0" err="1">
-                <a:latin typeface="Lucida Console" pitchFamily="49" charset="0"/>
-              </a:rPr>
-              <a:t>iter.hasNext</a:t>
-            </a:r>
-            <a:r>
-              <a:rPr lang="pl-PL" sz="1600" dirty="0">
-                <a:latin typeface="Lucida Console" pitchFamily="49" charset="0"/>
-              </a:rPr>
-              <a:t>();) {</a:t>
-            </a:r>
-          </a:p>
-          <a:p>
-            <a:pPr lvl="1"/>
-            <a:r>
-              <a:rPr lang="pl-PL" sz="1600" dirty="0">
-                <a:latin typeface="Lucida Console" pitchFamily="49" charset="0"/>
-              </a:rPr>
-              <a:t>Order </a:t>
-            </a:r>
-            <a:r>
-              <a:rPr lang="pl-PL" sz="1600" dirty="0" err="1">
-                <a:latin typeface="Lucida Console" pitchFamily="49" charset="0"/>
-              </a:rPr>
-              <a:t>order</a:t>
-            </a:r>
-            <a:r>
-              <a:rPr lang="pl-PL" sz="1600" dirty="0">
-                <a:latin typeface="Lucida Console" pitchFamily="49" charset="0"/>
-              </a:rPr>
-              <a:t> = (Order) </a:t>
-            </a:r>
-            <a:r>
-              <a:rPr lang="pl-PL" sz="1600" dirty="0" err="1">
-                <a:latin typeface="Lucida Console" pitchFamily="49" charset="0"/>
-              </a:rPr>
-              <a:t>iter.next</a:t>
-            </a:r>
-            <a:r>
-              <a:rPr lang="pl-PL" sz="1600" dirty="0">
-                <a:latin typeface="Lucida Console" pitchFamily="49" charset="0"/>
-              </a:rPr>
-              <a:t>();</a:t>
-            </a:r>
-          </a:p>
-          <a:p>
-            <a:pPr lvl="1"/>
-            <a:r>
-              <a:rPr lang="pl-PL" sz="1600" dirty="0" err="1">
-                <a:latin typeface="Lucida Console" pitchFamily="49" charset="0"/>
-              </a:rPr>
-              <a:t>Employee</a:t>
-            </a:r>
-            <a:r>
-              <a:rPr lang="pl-PL" sz="1600" dirty="0">
-                <a:latin typeface="Lucida Console" pitchFamily="49" charset="0"/>
-              </a:rPr>
-              <a:t> </a:t>
-            </a:r>
-            <a:r>
-              <a:rPr lang="pl-PL" sz="1600" dirty="0" err="1">
-                <a:latin typeface="Lucida Console" pitchFamily="49" charset="0"/>
-              </a:rPr>
-              <a:t>empl</a:t>
-            </a:r>
-            <a:r>
-              <a:rPr lang="pl-PL" sz="1600" dirty="0">
-                <a:latin typeface="Lucida Console" pitchFamily="49" charset="0"/>
-              </a:rPr>
-              <a:t> = </a:t>
-            </a:r>
-            <a:r>
-              <a:rPr lang="pl-PL" sz="1600" dirty="0" err="1">
-                <a:latin typeface="Lucida Console" pitchFamily="49" charset="0"/>
-              </a:rPr>
-              <a:t>order.getEmployeeID</a:t>
-            </a:r>
-            <a:r>
-              <a:rPr lang="pl-PL" sz="1600" dirty="0">
-                <a:latin typeface="Lucida Console" pitchFamily="49" charset="0"/>
-              </a:rPr>
-              <a:t>();</a:t>
-            </a:r>
-          </a:p>
-          <a:p>
-            <a:pPr lvl="1"/>
-            <a:r>
-              <a:rPr lang="pl-PL" sz="1600" dirty="0" err="1">
-                <a:latin typeface="Lucida Console" pitchFamily="49" charset="0"/>
-              </a:rPr>
-              <a:t>Customer</a:t>
-            </a:r>
-            <a:r>
-              <a:rPr lang="pl-PL" sz="1600" dirty="0">
-                <a:latin typeface="Lucida Console" pitchFamily="49" charset="0"/>
-              </a:rPr>
-              <a:t> </a:t>
-            </a:r>
-            <a:r>
-              <a:rPr lang="pl-PL" sz="1600" dirty="0" err="1">
-                <a:latin typeface="Lucida Console" pitchFamily="49" charset="0"/>
-              </a:rPr>
-              <a:t>cust</a:t>
-            </a:r>
-            <a:r>
-              <a:rPr lang="pl-PL" sz="1600" dirty="0">
-                <a:latin typeface="Lucida Console" pitchFamily="49" charset="0"/>
-              </a:rPr>
-              <a:t> = </a:t>
-            </a:r>
-            <a:r>
-              <a:rPr lang="pl-PL" sz="1600" dirty="0" err="1">
-                <a:latin typeface="Lucida Console" pitchFamily="49" charset="0"/>
-              </a:rPr>
-              <a:t>order.getCustomerID</a:t>
-            </a:r>
-            <a:r>
-              <a:rPr lang="pl-PL" sz="1600" dirty="0">
-                <a:latin typeface="Lucida Console" pitchFamily="49" charset="0"/>
-              </a:rPr>
-              <a:t>();</a:t>
-            </a:r>
-          </a:p>
-          <a:p>
-            <a:pPr lvl="1"/>
-            <a:r>
-              <a:rPr lang="pl-PL" sz="1600" dirty="0" err="1">
-                <a:latin typeface="Lucida Console" pitchFamily="49" charset="0"/>
-              </a:rPr>
-              <a:t>System.</a:t>
-            </a:r>
-            <a:r>
-              <a:rPr lang="pl-PL" sz="1600" i="1" dirty="0" err="1">
-                <a:latin typeface="Lucida Console" pitchFamily="49" charset="0"/>
-              </a:rPr>
-              <a:t>out.println</a:t>
-            </a:r>
-            <a:r>
-              <a:rPr lang="pl-PL" sz="1600" i="1" dirty="0">
-                <a:latin typeface="Lucida Console" pitchFamily="49" charset="0"/>
-              </a:rPr>
-              <a:t>(</a:t>
-            </a:r>
-            <a:r>
-              <a:rPr lang="pl-PL" sz="1600" i="1" dirty="0" err="1">
-                <a:latin typeface="Lucida Console" pitchFamily="49" charset="0"/>
-              </a:rPr>
-              <a:t>order.getOrderID</a:t>
-            </a:r>
-            <a:r>
-              <a:rPr lang="pl-PL" sz="1600" i="1" dirty="0">
-                <a:latin typeface="Lucida Console" pitchFamily="49" charset="0"/>
-              </a:rPr>
-              <a:t>() + " by "</a:t>
-            </a:r>
-          </a:p>
-          <a:p>
-            <a:pPr lvl="2"/>
-            <a:r>
-              <a:rPr lang="pl-PL" sz="1600" dirty="0">
-                <a:latin typeface="Lucida Console" pitchFamily="49" charset="0"/>
-              </a:rPr>
-              <a:t>+ </a:t>
-            </a:r>
-            <a:r>
-              <a:rPr lang="pl-PL" sz="1600" dirty="0" err="1">
-                <a:latin typeface="Lucida Console" pitchFamily="49" charset="0"/>
-              </a:rPr>
-              <a:t>empl.getFirstName</a:t>
-            </a:r>
-            <a:r>
-              <a:rPr lang="pl-PL" sz="1600" dirty="0">
-                <a:latin typeface="Lucida Console" pitchFamily="49" charset="0"/>
-              </a:rPr>
-              <a:t>() + " " + </a:t>
-            </a:r>
-            <a:r>
-              <a:rPr lang="pl-PL" sz="1600" dirty="0" err="1">
-                <a:latin typeface="Lucida Console" pitchFamily="49" charset="0"/>
-              </a:rPr>
-              <a:t>empl.getLastName</a:t>
-            </a:r>
-            <a:r>
-              <a:rPr lang="pl-PL" sz="1600" dirty="0">
-                <a:latin typeface="Lucida Console" pitchFamily="49" charset="0"/>
-              </a:rPr>
-              <a:t>() + " for "</a:t>
-            </a:r>
-          </a:p>
-          <a:p>
-            <a:pPr lvl="2"/>
-            <a:r>
-              <a:rPr lang="pl-PL" sz="1600" dirty="0">
-                <a:latin typeface="Lucida Console" pitchFamily="49" charset="0"/>
-              </a:rPr>
-              <a:t>+ </a:t>
-            </a:r>
-            <a:r>
-              <a:rPr lang="pl-PL" sz="1600" dirty="0" err="1">
-                <a:latin typeface="Lucida Console" pitchFamily="49" charset="0"/>
-              </a:rPr>
-              <a:t>cust.getCompanyName</a:t>
-            </a:r>
-            <a:r>
-              <a:rPr lang="pl-PL" sz="1600" dirty="0">
-                <a:latin typeface="Lucida Console" pitchFamily="49" charset="0"/>
-              </a:rPr>
-              <a:t>());</a:t>
-            </a:r>
-          </a:p>
-          <a:p>
-            <a:r>
-              <a:rPr lang="pl-PL" sz="1600" dirty="0">
-                <a:latin typeface="Lucida Console" pitchFamily="49" charset="0"/>
-              </a:rPr>
-              <a:t>}</a:t>
-            </a:r>
-            <a:endParaRPr lang="pl-PL" sz="1600" dirty="0">
+              <a:rPr lang="pl-PL" dirty="0">
+                <a:latin typeface="Lucida Console" pitchFamily="49" charset="0"/>
+              </a:rPr>
+              <a:t>	</a:t>
+            </a:r>
+            <a:r>
+              <a:rPr lang="pl-PL" dirty="0" smtClean="0">
+                <a:latin typeface="Lucida Console" pitchFamily="49" charset="0"/>
+              </a:rPr>
+              <a:t>//...tu coś istotnego</a:t>
+            </a:r>
+          </a:p>
+          <a:p>
+            <a:endParaRPr lang="pl-PL" dirty="0">
               <a:latin typeface="Lucida Console" pitchFamily="49" charset="0"/>
             </a:endParaRPr>
+          </a:p>
+          <a:p>
+            <a:r>
+              <a:rPr lang="pl-PL" dirty="0" smtClean="0">
+                <a:latin typeface="Lucida Console" pitchFamily="49" charset="0"/>
+              </a:rPr>
+              <a:t>	</a:t>
+            </a:r>
+            <a:r>
+              <a:rPr lang="pl-PL" dirty="0" err="1" smtClean="0">
+                <a:latin typeface="Lucida Console" pitchFamily="49" charset="0"/>
+              </a:rPr>
+              <a:t>session.getTransaction</a:t>
+            </a:r>
+            <a:r>
+              <a:rPr lang="pl-PL" dirty="0">
+                <a:latin typeface="Lucida Console" pitchFamily="49" charset="0"/>
+              </a:rPr>
+              <a:t>().</a:t>
+            </a:r>
+            <a:r>
+              <a:rPr lang="pl-PL" dirty="0" err="1">
+                <a:latin typeface="Lucida Console" pitchFamily="49" charset="0"/>
+              </a:rPr>
+              <a:t>commit</a:t>
+            </a:r>
+            <a:r>
+              <a:rPr lang="pl-PL" dirty="0" smtClean="0">
+                <a:latin typeface="Lucida Console" pitchFamily="49" charset="0"/>
+              </a:rPr>
+              <a:t>();</a:t>
+            </a:r>
+          </a:p>
+          <a:p>
+            <a:endParaRPr lang="pl-PL" dirty="0">
+              <a:latin typeface="Lucida Console" pitchFamily="49" charset="0"/>
+            </a:endParaRPr>
+          </a:p>
+          <a:p>
+            <a:r>
+              <a:rPr lang="pl-PL" dirty="0">
+                <a:latin typeface="Lucida Console" pitchFamily="49" charset="0"/>
+              </a:rPr>
+              <a:t>} </a:t>
+            </a:r>
+            <a:r>
+              <a:rPr lang="pl-PL" dirty="0" err="1">
+                <a:latin typeface="Lucida Console" pitchFamily="49" charset="0"/>
+              </a:rPr>
+              <a:t>catch</a:t>
+            </a:r>
+            <a:r>
+              <a:rPr lang="pl-PL" dirty="0">
+                <a:latin typeface="Lucida Console" pitchFamily="49" charset="0"/>
+              </a:rPr>
+              <a:t> (</a:t>
+            </a:r>
+            <a:r>
+              <a:rPr lang="pl-PL" dirty="0" err="1">
+                <a:latin typeface="Lucida Console" pitchFamily="49" charset="0"/>
+              </a:rPr>
+              <a:t>RuntimeException</a:t>
+            </a:r>
+            <a:r>
+              <a:rPr lang="pl-PL" dirty="0">
+                <a:latin typeface="Lucida Console" pitchFamily="49" charset="0"/>
+              </a:rPr>
+              <a:t> e) {</a:t>
+            </a:r>
+          </a:p>
+          <a:p>
+            <a:r>
+              <a:rPr lang="pl-PL" dirty="0" smtClean="0">
+                <a:latin typeface="Lucida Console" pitchFamily="49" charset="0"/>
+              </a:rPr>
+              <a:t>	</a:t>
+            </a:r>
+            <a:r>
+              <a:rPr lang="pl-PL" dirty="0" err="1" smtClean="0">
+                <a:latin typeface="Lucida Console" pitchFamily="49" charset="0"/>
+              </a:rPr>
+              <a:t>if</a:t>
+            </a:r>
+            <a:r>
+              <a:rPr lang="pl-PL" dirty="0" smtClean="0">
+                <a:latin typeface="Lucida Console" pitchFamily="49" charset="0"/>
+              </a:rPr>
+              <a:t> </a:t>
+            </a:r>
+            <a:r>
+              <a:rPr lang="pl-PL" dirty="0">
+                <a:latin typeface="Lucida Console" pitchFamily="49" charset="0"/>
+              </a:rPr>
+              <a:t>(</a:t>
+            </a:r>
+            <a:r>
+              <a:rPr lang="pl-PL" dirty="0" err="1">
+                <a:latin typeface="Lucida Console" pitchFamily="49" charset="0"/>
+              </a:rPr>
+              <a:t>trns</a:t>
+            </a:r>
+            <a:r>
+              <a:rPr lang="pl-PL" dirty="0">
+                <a:latin typeface="Lucida Console" pitchFamily="49" charset="0"/>
+              </a:rPr>
+              <a:t> != </a:t>
+            </a:r>
+            <a:r>
+              <a:rPr lang="pl-PL" dirty="0" err="1">
+                <a:latin typeface="Lucida Console" pitchFamily="49" charset="0"/>
+              </a:rPr>
+              <a:t>null</a:t>
+            </a:r>
+            <a:r>
+              <a:rPr lang="pl-PL" dirty="0">
+                <a:latin typeface="Lucida Console" pitchFamily="49" charset="0"/>
+              </a:rPr>
+              <a:t>) </a:t>
+            </a:r>
+          </a:p>
+          <a:p>
+            <a:r>
+              <a:rPr lang="pl-PL" dirty="0" smtClean="0">
+                <a:latin typeface="Lucida Console" pitchFamily="49" charset="0"/>
+              </a:rPr>
+              <a:t>		</a:t>
+            </a:r>
+            <a:r>
+              <a:rPr lang="pl-PL" dirty="0" err="1" smtClean="0">
+                <a:latin typeface="Lucida Console" pitchFamily="49" charset="0"/>
+              </a:rPr>
+              <a:t>trns.rollback</a:t>
+            </a:r>
+            <a:r>
+              <a:rPr lang="pl-PL" dirty="0">
+                <a:latin typeface="Lucida Console" pitchFamily="49" charset="0"/>
+              </a:rPr>
+              <a:t>();</a:t>
+            </a:r>
+          </a:p>
+          <a:p>
+            <a:pPr lvl="1"/>
+            <a:r>
+              <a:rPr lang="pl-PL" dirty="0" smtClean="0">
+                <a:latin typeface="Lucida Console" pitchFamily="49" charset="0"/>
+              </a:rPr>
+              <a:t>	</a:t>
+            </a:r>
+            <a:r>
+              <a:rPr lang="pl-PL" dirty="0" err="1" smtClean="0">
+                <a:latin typeface="Lucida Console" pitchFamily="49" charset="0"/>
+              </a:rPr>
+              <a:t>e.printStackTrace</a:t>
+            </a:r>
+            <a:r>
+              <a:rPr lang="pl-PL" dirty="0" smtClean="0">
+                <a:latin typeface="Lucida Console" pitchFamily="49" charset="0"/>
+              </a:rPr>
+              <a:t>();</a:t>
+            </a:r>
+          </a:p>
+          <a:p>
+            <a:pPr lvl="1"/>
+            <a:endParaRPr lang="pl-PL" dirty="0">
+              <a:latin typeface="Lucida Console" pitchFamily="49" charset="0"/>
+            </a:endParaRPr>
+          </a:p>
+          <a:p>
+            <a:r>
+              <a:rPr lang="pl-PL" dirty="0">
+                <a:latin typeface="Lucida Console" pitchFamily="49" charset="0"/>
+              </a:rPr>
+              <a:t>} </a:t>
+            </a:r>
+            <a:r>
+              <a:rPr lang="pl-PL" dirty="0" err="1">
+                <a:latin typeface="Lucida Console" pitchFamily="49" charset="0"/>
+              </a:rPr>
+              <a:t>finally</a:t>
+            </a:r>
+            <a:r>
+              <a:rPr lang="pl-PL" dirty="0">
+                <a:latin typeface="Lucida Console" pitchFamily="49" charset="0"/>
+              </a:rPr>
+              <a:t> {</a:t>
+            </a:r>
+          </a:p>
+          <a:p>
+            <a:pPr lvl="1"/>
+            <a:r>
+              <a:rPr lang="pl-PL" dirty="0" smtClean="0">
+                <a:latin typeface="Lucida Console" pitchFamily="49" charset="0"/>
+              </a:rPr>
+              <a:t>	</a:t>
+            </a:r>
+            <a:r>
+              <a:rPr lang="pl-PL" dirty="0" err="1" smtClean="0">
+                <a:latin typeface="Lucida Console" pitchFamily="49" charset="0"/>
+              </a:rPr>
+              <a:t>session.flush</a:t>
+            </a:r>
+            <a:r>
+              <a:rPr lang="pl-PL" dirty="0">
+                <a:latin typeface="Lucida Console" pitchFamily="49" charset="0"/>
+              </a:rPr>
+              <a:t>();</a:t>
+            </a:r>
+          </a:p>
+          <a:p>
+            <a:pPr lvl="1"/>
+            <a:r>
+              <a:rPr lang="pl-PL" dirty="0" smtClean="0">
+                <a:latin typeface="Lucida Console" pitchFamily="49" charset="0"/>
+              </a:rPr>
+              <a:t>	</a:t>
+            </a:r>
+            <a:r>
+              <a:rPr lang="pl-PL" dirty="0" err="1" smtClean="0">
+                <a:latin typeface="Lucida Console" pitchFamily="49" charset="0"/>
+              </a:rPr>
+              <a:t>session.close</a:t>
+            </a:r>
+            <a:r>
+              <a:rPr lang="pl-PL" dirty="0">
+                <a:latin typeface="Lucida Console" pitchFamily="49" charset="0"/>
+              </a:rPr>
+              <a:t>();</a:t>
+            </a:r>
+          </a:p>
+          <a:p>
+            <a:r>
+              <a:rPr lang="pl-PL" dirty="0">
+                <a:latin typeface="Lucida Console" pitchFamily="49" charset="0"/>
+              </a:rPr>
+              <a:t>}</a:t>
+            </a:r>
           </a:p>
         </p:txBody>
       </p:sp>
     </p:spTree>
     <p:extLst>
       <p:ext uri="{BB962C8B-B14F-4D97-AF65-F5344CB8AC3E}">
-        <p14:creationId xmlns:p14="http://schemas.microsoft.com/office/powerpoint/2010/main" val="1389485315"/>
+        <p14:creationId xmlns:p14="http://schemas.microsoft.com/office/powerpoint/2010/main" val="1573387188"/>
       </p:ext>
     </p:extLst>
   </p:cSld>
@@ -8825,8 +8564,12 @@
           <a:lstStyle/>
           <a:p>
             <a:r>
+              <a:rPr lang="pl-PL" dirty="0" err="1" smtClean="0"/>
+              <a:t>Create</a:t>
+            </a:r>
+            <a:r>
               <a:rPr lang="pl-PL" dirty="0" smtClean="0"/>
-              <a:t>Update…</a:t>
+              <a:t>…</a:t>
             </a:r>
             <a:endParaRPr lang="pl-PL" dirty="0"/>
           </a:p>
@@ -8840,8 +8583,8 @@
         </p:nvSpPr>
         <p:spPr>
           <a:xfrm>
-            <a:off x="539552" y="2228671"/>
-            <a:ext cx="7776864" cy="2585323"/>
+            <a:off x="323528" y="2001029"/>
+            <a:ext cx="8820472" cy="2308324"/>
           </a:xfrm>
           <a:prstGeom prst="rect">
             <a:avLst/>
@@ -8854,207 +8597,114 @@
           <a:lstStyle/>
           <a:p>
             <a:r>
+              <a:rPr lang="en-US" dirty="0">
+                <a:latin typeface="Lucida Console" pitchFamily="49" charset="0"/>
+              </a:rPr>
+              <a:t>Customer c = new Customer("AXAMI", "</a:t>
+            </a:r>
+            <a:r>
+              <a:rPr lang="en-US" dirty="0" err="1">
+                <a:latin typeface="Lucida Console" pitchFamily="49" charset="0"/>
+              </a:rPr>
+              <a:t>Aksamit</a:t>
+            </a:r>
+            <a:r>
+              <a:rPr lang="en-US" dirty="0">
+                <a:latin typeface="Lucida Console" pitchFamily="49" charset="0"/>
+              </a:rPr>
+              <a:t> INC.");</a:t>
+            </a:r>
+          </a:p>
+          <a:p>
+            <a:r>
               <a:rPr lang="pl-PL" dirty="0" err="1">
                 <a:latin typeface="Lucida Console" pitchFamily="49" charset="0"/>
               </a:rPr>
-              <a:t>Customer</a:t>
+              <a:t>session.save</a:t>
             </a:r>
             <a:r>
               <a:rPr lang="pl-PL" dirty="0">
                 <a:latin typeface="Lucida Console" pitchFamily="49" charset="0"/>
               </a:rPr>
-              <a:t> c = </a:t>
-            </a:r>
-            <a:r>
-              <a:rPr lang="pl-PL" dirty="0" err="1">
-                <a:latin typeface="Lucida Console" pitchFamily="49" charset="0"/>
-              </a:rPr>
-              <a:t>new</a:t>
-            </a:r>
-            <a:r>
-              <a:rPr lang="pl-PL" dirty="0">
-                <a:latin typeface="Lucida Console" pitchFamily="49" charset="0"/>
-              </a:rPr>
-              <a:t> </a:t>
-            </a:r>
-            <a:r>
-              <a:rPr lang="pl-PL" dirty="0" err="1">
-                <a:latin typeface="Lucida Console" pitchFamily="49" charset="0"/>
-              </a:rPr>
-              <a:t>Customer</a:t>
-            </a:r>
-            <a:r>
-              <a:rPr lang="pl-PL" dirty="0">
-                <a:latin typeface="Lucida Console" pitchFamily="49" charset="0"/>
-              </a:rPr>
-              <a:t>();</a:t>
-            </a:r>
-          </a:p>
-          <a:p>
-            <a:r>
-              <a:rPr lang="pl-PL" dirty="0" err="1">
-                <a:latin typeface="Lucida Console" pitchFamily="49" charset="0"/>
-              </a:rPr>
-              <a:t>c.customerID</a:t>
-            </a:r>
-            <a:r>
-              <a:rPr lang="pl-PL" dirty="0">
-                <a:latin typeface="Lucida Console" pitchFamily="49" charset="0"/>
-              </a:rPr>
-              <a:t> = </a:t>
-            </a:r>
-            <a:r>
-              <a:rPr lang="pl-PL" dirty="0" smtClean="0">
-                <a:latin typeface="Lucida Console" pitchFamily="49" charset="0"/>
-              </a:rPr>
-              <a:t>„SCINC";</a:t>
-            </a:r>
+              <a:t>(c);</a:t>
+            </a:r>
+          </a:p>
+          <a:p>
             <a:endParaRPr lang="pl-PL" dirty="0">
               <a:latin typeface="Lucida Console" pitchFamily="49" charset="0"/>
             </a:endParaRPr>
           </a:p>
           <a:p>
             <a:r>
+              <a:rPr lang="en-US" dirty="0">
+                <a:latin typeface="Lucida Console" pitchFamily="49" charset="0"/>
+              </a:rPr>
+              <a:t>Employee e = new Employee("</a:t>
+            </a:r>
+            <a:r>
+              <a:rPr lang="en-US" dirty="0" err="1">
+                <a:latin typeface="Lucida Console" pitchFamily="49" charset="0"/>
+              </a:rPr>
+              <a:t>Alicja</a:t>
+            </a:r>
+            <a:r>
+              <a:rPr lang="en-US" dirty="0">
+                <a:latin typeface="Lucida Console" pitchFamily="49" charset="0"/>
+              </a:rPr>
+              <a:t>", "</a:t>
+            </a:r>
+            <a:r>
+              <a:rPr lang="en-US" dirty="0" err="1">
+                <a:latin typeface="Lucida Console" pitchFamily="49" charset="0"/>
+              </a:rPr>
+              <a:t>Salamon</a:t>
+            </a:r>
+            <a:r>
+              <a:rPr lang="en-US" dirty="0">
+                <a:latin typeface="Lucida Console" pitchFamily="49" charset="0"/>
+              </a:rPr>
+              <a:t>", "Krakow");</a:t>
+            </a:r>
+          </a:p>
+          <a:p>
+            <a:r>
               <a:rPr lang="pl-PL" dirty="0" err="1">
                 <a:latin typeface="Lucida Console" pitchFamily="49" charset="0"/>
               </a:rPr>
-              <a:t>c.companyName</a:t>
+              <a:t>session.save</a:t>
             </a:r>
             <a:r>
               <a:rPr lang="pl-PL" dirty="0">
                 <a:latin typeface="Lucida Console" pitchFamily="49" charset="0"/>
               </a:rPr>
-              <a:t> = </a:t>
-            </a:r>
-            <a:r>
-              <a:rPr lang="pl-PL" dirty="0" smtClean="0">
-                <a:latin typeface="Lucida Console" pitchFamily="49" charset="0"/>
-              </a:rPr>
-              <a:t>„</a:t>
-            </a:r>
-            <a:r>
-              <a:rPr lang="pl-PL" dirty="0" err="1" smtClean="0">
-                <a:latin typeface="Lucida Console" pitchFamily="49" charset="0"/>
-              </a:rPr>
-              <a:t>SomeCompany</a:t>
-            </a:r>
-            <a:r>
-              <a:rPr lang="pl-PL" dirty="0" smtClean="0">
-                <a:latin typeface="Lucida Console" pitchFamily="49" charset="0"/>
-              </a:rPr>
-              <a:t> INC";</a:t>
-            </a:r>
+              <a:t>(e);</a:t>
+            </a:r>
+          </a:p>
+          <a:p>
             <a:endParaRPr lang="pl-PL" dirty="0">
               <a:latin typeface="Lucida Console" pitchFamily="49" charset="0"/>
             </a:endParaRPr>
           </a:p>
           <a:p>
             <a:r>
+              <a:rPr lang="en-US" dirty="0">
+                <a:latin typeface="Lucida Console" pitchFamily="49" charset="0"/>
+              </a:rPr>
+              <a:t>Order o = new Order(e, c);</a:t>
+            </a:r>
+          </a:p>
+          <a:p>
+            <a:r>
               <a:rPr lang="pl-PL" dirty="0" err="1">
                 <a:latin typeface="Lucida Console" pitchFamily="49" charset="0"/>
               </a:rPr>
-              <a:t>session.update</a:t>
+              <a:t>session.save</a:t>
             </a:r>
             <a:r>
               <a:rPr lang="pl-PL" dirty="0">
                 <a:latin typeface="Lucida Console" pitchFamily="49" charset="0"/>
               </a:rPr>
-              <a:t>(c</a:t>
-            </a:r>
-            <a:r>
-              <a:rPr lang="pl-PL" dirty="0" smtClean="0">
-                <a:latin typeface="Lucida Console" pitchFamily="49" charset="0"/>
-              </a:rPr>
-              <a:t>);</a:t>
-            </a:r>
-          </a:p>
-          <a:p>
-            <a:endParaRPr lang="pl-PL" dirty="0" smtClean="0">
-              <a:latin typeface="Lucida Console" pitchFamily="49" charset="0"/>
-            </a:endParaRPr>
-          </a:p>
-          <a:p>
-            <a:endParaRPr lang="pl-PL" dirty="0"/>
-          </a:p>
-          <a:p>
-            <a:r>
-              <a:rPr lang="en-US" dirty="0">
-                <a:latin typeface="Lucida Console" pitchFamily="49" charset="0"/>
-              </a:rPr>
-              <a:t>Employee e = new Employee</a:t>
-            </a:r>
-            <a:r>
-              <a:rPr lang="en-US" dirty="0" smtClean="0">
-                <a:latin typeface="Lucida Console" pitchFamily="49" charset="0"/>
-              </a:rPr>
-              <a:t>(„</a:t>
-            </a:r>
-            <a:r>
-              <a:rPr lang="pl-PL" dirty="0" smtClean="0">
-                <a:latin typeface="Lucida Console" pitchFamily="49" charset="0"/>
-              </a:rPr>
-              <a:t>Jones</a:t>
-            </a:r>
-            <a:r>
-              <a:rPr lang="en-US" dirty="0" smtClean="0">
-                <a:latin typeface="Lucida Console" pitchFamily="49" charset="0"/>
-              </a:rPr>
-              <a:t>", „</a:t>
-            </a:r>
-            <a:r>
-              <a:rPr lang="pl-PL" dirty="0" smtClean="0">
-                <a:latin typeface="Lucida Console" pitchFamily="49" charset="0"/>
-              </a:rPr>
-              <a:t>John</a:t>
-            </a:r>
-            <a:r>
-              <a:rPr lang="en-US" dirty="0" smtClean="0">
-                <a:latin typeface="Lucida Console" pitchFamily="49" charset="0"/>
-              </a:rPr>
-              <a:t>", „</a:t>
-            </a:r>
-            <a:r>
-              <a:rPr lang="pl-PL" dirty="0" err="1" smtClean="0">
-                <a:latin typeface="Lucida Console" pitchFamily="49" charset="0"/>
-              </a:rPr>
-              <a:t>Warsaw</a:t>
-            </a:r>
-            <a:r>
-              <a:rPr lang="en-US" dirty="0" smtClean="0">
-                <a:latin typeface="Lucida Console" pitchFamily="49" charset="0"/>
-              </a:rPr>
-              <a:t>");</a:t>
-            </a:r>
-            <a:endParaRPr lang="en-US" dirty="0">
-              <a:latin typeface="Lucida Console" pitchFamily="49" charset="0"/>
-            </a:endParaRPr>
-          </a:p>
-          <a:p>
-            <a:r>
-              <a:rPr lang="pl-PL" dirty="0" err="1">
-                <a:latin typeface="Lucida Console" pitchFamily="49" charset="0"/>
-              </a:rPr>
-              <a:t>e.EmployeeID</a:t>
-            </a:r>
-            <a:r>
-              <a:rPr lang="pl-PL" dirty="0">
-                <a:latin typeface="Lucida Console" pitchFamily="49" charset="0"/>
-              </a:rPr>
-              <a:t>=10;</a:t>
-            </a:r>
-          </a:p>
-          <a:p>
-            <a:r>
-              <a:rPr lang="pl-PL" dirty="0" err="1">
-                <a:latin typeface="Lucida Console" pitchFamily="49" charset="0"/>
-              </a:rPr>
-              <a:t>session.update</a:t>
-            </a:r>
-            <a:r>
-              <a:rPr lang="pl-PL" dirty="0">
-                <a:latin typeface="Lucida Console" pitchFamily="49" charset="0"/>
-              </a:rPr>
-              <a:t>(e);</a:t>
+              <a:t>(o);</a:t>
             </a:r>
           </a:p>
         </p:txBody>
@@ -9062,7 +8712,7 @@
     </p:spTree>
     <p:extLst>
       <p:ext uri="{BB962C8B-B14F-4D97-AF65-F5344CB8AC3E}">
-        <p14:creationId xmlns:p14="http://schemas.microsoft.com/office/powerpoint/2010/main" val="1526151245"/>
+        <p14:creationId xmlns:p14="http://schemas.microsoft.com/office/powerpoint/2010/main" val="4222481412"/>
       </p:ext>
     </p:extLst>
   </p:cSld>
@@ -9105,12 +8755,8 @@
           <a:lstStyle/>
           <a:p>
             <a:r>
-              <a:rPr lang="pl-PL" dirty="0" err="1" smtClean="0"/>
-              <a:t>Delete</a:t>
-            </a:r>
-            <a:r>
               <a:rPr lang="pl-PL" dirty="0" smtClean="0"/>
-              <a:t>…</a:t>
+              <a:t>Read…</a:t>
             </a:r>
             <a:endParaRPr lang="pl-PL" dirty="0"/>
           </a:p>
@@ -9118,14 +8764,14 @@
       </p:sp>
       <p:sp>
         <p:nvSpPr>
-          <p:cNvPr id="5" name="Prostokąt 4"/>
+          <p:cNvPr id="4" name="Prostokąt 3"/>
           <p:cNvSpPr/>
           <p:nvPr/>
         </p:nvSpPr>
         <p:spPr>
           <a:xfrm>
-            <a:off x="827584" y="1859340"/>
-            <a:ext cx="6030416" cy="3139321"/>
+            <a:off x="273665" y="1700808"/>
+            <a:ext cx="8496944" cy="3354765"/>
           </a:xfrm>
           <a:prstGeom prst="rect">
             <a:avLst/>
@@ -9138,206 +8784,370 @@
           <a:lstStyle/>
           <a:p>
             <a:r>
-              <a:rPr lang="pl-PL" dirty="0">
-                <a:latin typeface="Lucida Console" pitchFamily="49" charset="0"/>
-              </a:rPr>
-              <a:t>Order o = </a:t>
-            </a:r>
-            <a:r>
-              <a:rPr lang="pl-PL" dirty="0" err="1">
-                <a:latin typeface="Lucida Console" pitchFamily="49" charset="0"/>
-              </a:rPr>
-              <a:t>new</a:t>
-            </a:r>
-            <a:r>
-              <a:rPr lang="pl-PL" dirty="0">
-                <a:latin typeface="Lucida Console" pitchFamily="49" charset="0"/>
-              </a:rPr>
-              <a:t> Order();</a:t>
-            </a:r>
-          </a:p>
-          <a:p>
-            <a:r>
-              <a:rPr lang="pl-PL" dirty="0" err="1">
-                <a:latin typeface="Lucida Console" pitchFamily="49" charset="0"/>
-              </a:rPr>
-              <a:t>o.setOrderID</a:t>
-            </a:r>
-            <a:r>
-              <a:rPr lang="pl-PL" dirty="0">
-                <a:latin typeface="Lucida Console" pitchFamily="49" charset="0"/>
-              </a:rPr>
-              <a:t>(11078);</a:t>
-            </a:r>
-          </a:p>
-          <a:p>
-            <a:r>
-              <a:rPr lang="pl-PL" dirty="0" err="1">
-                <a:latin typeface="Lucida Console" pitchFamily="49" charset="0"/>
-              </a:rPr>
-              <a:t>session.delete</a:t>
-            </a:r>
-            <a:r>
-              <a:rPr lang="pl-PL" dirty="0">
-                <a:latin typeface="Lucida Console" pitchFamily="49" charset="0"/>
-              </a:rPr>
-              <a:t>(o);</a:t>
-            </a:r>
-          </a:p>
-          <a:p>
-            <a:endParaRPr lang="pl-PL" dirty="0">
+              <a:rPr lang="pl-PL" sz="1600" dirty="0">
+                <a:latin typeface="Lucida Console" pitchFamily="49" charset="0"/>
+              </a:rPr>
+              <a:t>List&lt;Order&gt; </a:t>
+            </a:r>
+            <a:r>
+              <a:rPr lang="pl-PL" sz="1600" dirty="0" err="1">
+                <a:latin typeface="Lucida Console" pitchFamily="49" charset="0"/>
+              </a:rPr>
+              <a:t>ordersList</a:t>
+            </a:r>
+            <a:r>
+              <a:rPr lang="pl-PL" sz="1600" dirty="0">
+                <a:latin typeface="Lucida Console" pitchFamily="49" charset="0"/>
+              </a:rPr>
+              <a:t> = </a:t>
+            </a:r>
+            <a:r>
+              <a:rPr lang="pl-PL" sz="1600" dirty="0" err="1">
+                <a:latin typeface="Lucida Console" pitchFamily="49" charset="0"/>
+              </a:rPr>
+              <a:t>newSession</a:t>
+            </a:r>
+            <a:endParaRPr lang="pl-PL" sz="1600" dirty="0">
               <a:latin typeface="Lucida Console" pitchFamily="49" charset="0"/>
             </a:endParaRPr>
           </a:p>
           <a:p>
             <a:r>
-              <a:rPr lang="pl-PL" dirty="0" err="1">
-                <a:latin typeface="Lucida Console" pitchFamily="49" charset="0"/>
-              </a:rPr>
-              <a:t>Customer</a:t>
-            </a:r>
-            <a:r>
-              <a:rPr lang="pl-PL" dirty="0">
-                <a:latin typeface="Lucida Console" pitchFamily="49" charset="0"/>
-              </a:rPr>
-              <a:t> c1 = </a:t>
-            </a:r>
-            <a:r>
-              <a:rPr lang="pl-PL" dirty="0" err="1">
-                <a:latin typeface="Lucida Console" pitchFamily="49" charset="0"/>
-              </a:rPr>
-              <a:t>new</a:t>
-            </a:r>
-            <a:r>
-              <a:rPr lang="pl-PL" dirty="0">
-                <a:latin typeface="Lucida Console" pitchFamily="49" charset="0"/>
-              </a:rPr>
-              <a:t> </a:t>
-            </a:r>
-            <a:r>
-              <a:rPr lang="pl-PL" dirty="0" err="1">
-                <a:latin typeface="Lucida Console" pitchFamily="49" charset="0"/>
-              </a:rPr>
-              <a:t>Customer</a:t>
-            </a:r>
-            <a:r>
-              <a:rPr lang="pl-PL" dirty="0">
-                <a:latin typeface="Lucida Console" pitchFamily="49" charset="0"/>
-              </a:rPr>
-              <a:t>();</a:t>
-            </a:r>
-          </a:p>
-          <a:p>
-            <a:r>
-              <a:rPr lang="pl-PL" dirty="0">
-                <a:latin typeface="Lucida Console" pitchFamily="49" charset="0"/>
-              </a:rPr>
-              <a:t>c1.setCustomerID</a:t>
-            </a:r>
-            <a:r>
-              <a:rPr lang="pl-PL" dirty="0" smtClean="0">
-                <a:latin typeface="Lucida Console" pitchFamily="49" charset="0"/>
-              </a:rPr>
-              <a:t>(„SCINC");</a:t>
-            </a:r>
-            <a:endParaRPr lang="pl-PL" dirty="0">
+              <a:rPr lang="en-US" sz="1600" dirty="0">
+                <a:latin typeface="Lucida Console" pitchFamily="49" charset="0"/>
+              </a:rPr>
+              <a:t>.</a:t>
+            </a:r>
+            <a:r>
+              <a:rPr lang="en-US" sz="1600" dirty="0" err="1">
+                <a:latin typeface="Lucida Console" pitchFamily="49" charset="0"/>
+              </a:rPr>
+              <a:t>createSQLQuery</a:t>
+            </a:r>
+            <a:r>
+              <a:rPr lang="en-US" sz="1600" dirty="0">
+                <a:latin typeface="Lucida Console" pitchFamily="49" charset="0"/>
+              </a:rPr>
+              <a:t>("select * from Orders where </a:t>
+            </a:r>
+            <a:r>
+              <a:rPr lang="en-US" sz="1600" dirty="0" err="1">
+                <a:latin typeface="Lucida Console" pitchFamily="49" charset="0"/>
+              </a:rPr>
+              <a:t>OrderID</a:t>
+            </a:r>
+            <a:r>
+              <a:rPr lang="en-US" sz="1600" dirty="0">
+                <a:latin typeface="Lucida Console" pitchFamily="49" charset="0"/>
+              </a:rPr>
+              <a:t>=11078")</a:t>
+            </a:r>
+          </a:p>
+          <a:p>
+            <a:r>
+              <a:rPr lang="pl-PL" sz="1600" dirty="0">
+                <a:latin typeface="Lucida Console" pitchFamily="49" charset="0"/>
+              </a:rPr>
+              <a:t>.</a:t>
+            </a:r>
+            <a:r>
+              <a:rPr lang="pl-PL" sz="1600" dirty="0" err="1">
+                <a:latin typeface="Lucida Console" pitchFamily="49" charset="0"/>
+              </a:rPr>
+              <a:t>addEntity</a:t>
+            </a:r>
+            <a:r>
+              <a:rPr lang="pl-PL" sz="1600" dirty="0">
+                <a:latin typeface="Lucida Console" pitchFamily="49" charset="0"/>
+              </a:rPr>
+              <a:t>(</a:t>
+            </a:r>
+            <a:r>
+              <a:rPr lang="pl-PL" sz="1600" dirty="0" err="1">
+                <a:latin typeface="Lucida Console" pitchFamily="49" charset="0"/>
+              </a:rPr>
+              <a:t>Order.class</a:t>
+            </a:r>
+            <a:r>
+              <a:rPr lang="pl-PL" sz="1600" dirty="0">
+                <a:latin typeface="Lucida Console" pitchFamily="49" charset="0"/>
+              </a:rPr>
+              <a:t>).list();</a:t>
+            </a:r>
+          </a:p>
+          <a:p>
+            <a:endParaRPr lang="pl-PL" sz="1600" dirty="0">
               <a:latin typeface="Lucida Console" pitchFamily="49" charset="0"/>
             </a:endParaRPr>
           </a:p>
           <a:p>
             <a:r>
-              <a:rPr lang="pl-PL" dirty="0" err="1">
-                <a:latin typeface="Lucida Console" pitchFamily="49" charset="0"/>
-              </a:rPr>
-              <a:t>session.delete</a:t>
-            </a:r>
-            <a:r>
-              <a:rPr lang="pl-PL" dirty="0">
-                <a:latin typeface="Lucida Console" pitchFamily="49" charset="0"/>
-              </a:rPr>
-              <a:t>(c1);</a:t>
-            </a:r>
-          </a:p>
-          <a:p>
-            <a:endParaRPr lang="pl-PL" dirty="0">
-              <a:latin typeface="Lucida Console" pitchFamily="49" charset="0"/>
-            </a:endParaRPr>
-          </a:p>
-          <a:p>
-            <a:r>
-              <a:rPr lang="pl-PL" dirty="0" err="1">
+              <a:rPr lang="pl-PL" sz="1600" dirty="0">
+                <a:latin typeface="Lucida Console" pitchFamily="49" charset="0"/>
+              </a:rPr>
+              <a:t>for (</a:t>
+            </a:r>
+            <a:r>
+              <a:rPr lang="pl-PL" sz="1600" dirty="0" err="1">
+                <a:latin typeface="Lucida Console" pitchFamily="49" charset="0"/>
+              </a:rPr>
+              <a:t>Iterator</a:t>
+            </a:r>
+            <a:r>
+              <a:rPr lang="pl-PL" sz="1600" dirty="0">
+                <a:latin typeface="Lucida Console" pitchFamily="49" charset="0"/>
+              </a:rPr>
+              <a:t>&lt;Order&gt; </a:t>
+            </a:r>
+            <a:r>
+              <a:rPr lang="pl-PL" sz="1600" dirty="0" err="1">
+                <a:latin typeface="Lucida Console" pitchFamily="49" charset="0"/>
+              </a:rPr>
+              <a:t>iter</a:t>
+            </a:r>
+            <a:r>
+              <a:rPr lang="pl-PL" sz="1600" dirty="0">
+                <a:latin typeface="Lucida Console" pitchFamily="49" charset="0"/>
+              </a:rPr>
+              <a:t> = </a:t>
+            </a:r>
+            <a:r>
+              <a:rPr lang="pl-PL" sz="1600" dirty="0" err="1">
+                <a:latin typeface="Lucida Console" pitchFamily="49" charset="0"/>
+              </a:rPr>
+              <a:t>ordersList.iterator</a:t>
+            </a:r>
+            <a:r>
+              <a:rPr lang="pl-PL" sz="1600" dirty="0">
+                <a:latin typeface="Lucida Console" pitchFamily="49" charset="0"/>
+              </a:rPr>
+              <a:t>(); </a:t>
+            </a:r>
+            <a:r>
+              <a:rPr lang="pl-PL" sz="1600" dirty="0" err="1">
+                <a:latin typeface="Lucida Console" pitchFamily="49" charset="0"/>
+              </a:rPr>
+              <a:t>iter.hasNext</a:t>
+            </a:r>
+            <a:r>
+              <a:rPr lang="pl-PL" sz="1600" dirty="0">
+                <a:latin typeface="Lucida Console" pitchFamily="49" charset="0"/>
+              </a:rPr>
+              <a:t>();) {</a:t>
+            </a:r>
+          </a:p>
+          <a:p>
+            <a:pPr lvl="1"/>
+            <a:r>
+              <a:rPr lang="pl-PL" sz="1600" dirty="0">
+                <a:latin typeface="Lucida Console" pitchFamily="49" charset="0"/>
+              </a:rPr>
+              <a:t>Order </a:t>
+            </a:r>
+            <a:r>
+              <a:rPr lang="pl-PL" sz="1600" dirty="0" err="1">
+                <a:latin typeface="Lucida Console" pitchFamily="49" charset="0"/>
+              </a:rPr>
+              <a:t>order</a:t>
+            </a:r>
+            <a:r>
+              <a:rPr lang="pl-PL" sz="1600" dirty="0">
+                <a:latin typeface="Lucida Console" pitchFamily="49" charset="0"/>
+              </a:rPr>
+              <a:t> = (Order) </a:t>
+            </a:r>
+            <a:r>
+              <a:rPr lang="pl-PL" sz="1600" dirty="0" err="1">
+                <a:latin typeface="Lucida Console" pitchFamily="49" charset="0"/>
+              </a:rPr>
+              <a:t>iter.next</a:t>
+            </a:r>
+            <a:r>
+              <a:rPr lang="pl-PL" sz="1600" dirty="0">
+                <a:latin typeface="Lucida Console" pitchFamily="49" charset="0"/>
+              </a:rPr>
+              <a:t>();</a:t>
+            </a:r>
+          </a:p>
+          <a:p>
+            <a:pPr lvl="1"/>
+            <a:r>
+              <a:rPr lang="pl-PL" sz="1600" dirty="0" err="1">
                 <a:latin typeface="Lucida Console" pitchFamily="49" charset="0"/>
               </a:rPr>
               <a:t>Employee</a:t>
             </a:r>
             <a:r>
-              <a:rPr lang="pl-PL" dirty="0">
-                <a:latin typeface="Lucida Console" pitchFamily="49" charset="0"/>
-              </a:rPr>
-              <a:t> e = </a:t>
-            </a:r>
-            <a:r>
-              <a:rPr lang="pl-PL" dirty="0" err="1">
-                <a:latin typeface="Lucida Console" pitchFamily="49" charset="0"/>
-              </a:rPr>
-              <a:t>new</a:t>
-            </a:r>
-            <a:r>
-              <a:rPr lang="pl-PL" dirty="0">
+              <a:rPr lang="pl-PL" sz="1600" dirty="0">
                 <a:latin typeface="Lucida Console" pitchFamily="49" charset="0"/>
               </a:rPr>
               <a:t> </a:t>
             </a:r>
             <a:r>
-              <a:rPr lang="pl-PL" dirty="0" err="1">
-                <a:latin typeface="Lucida Console" pitchFamily="49" charset="0"/>
-              </a:rPr>
-              <a:t>Employee</a:t>
-            </a:r>
-            <a:r>
-              <a:rPr lang="pl-PL" dirty="0">
+              <a:rPr lang="pl-PL" sz="1600" dirty="0" err="1">
+                <a:latin typeface="Lucida Console" pitchFamily="49" charset="0"/>
+              </a:rPr>
+              <a:t>empl</a:t>
+            </a:r>
+            <a:r>
+              <a:rPr lang="pl-PL" sz="1600" dirty="0">
+                <a:latin typeface="Lucida Console" pitchFamily="49" charset="0"/>
+              </a:rPr>
+              <a:t> = </a:t>
+            </a:r>
+            <a:r>
+              <a:rPr lang="pl-PL" sz="1600" dirty="0" err="1">
+                <a:latin typeface="Lucida Console" pitchFamily="49" charset="0"/>
+              </a:rPr>
+              <a:t>order.getEmployeeID</a:t>
+            </a:r>
+            <a:r>
+              <a:rPr lang="pl-PL" sz="1600" dirty="0">
                 <a:latin typeface="Lucida Console" pitchFamily="49" charset="0"/>
               </a:rPr>
               <a:t>();</a:t>
             </a:r>
           </a:p>
           <a:p>
-            <a:r>
-              <a:rPr lang="pl-PL" dirty="0" err="1">
-                <a:latin typeface="Lucida Console" pitchFamily="49" charset="0"/>
-              </a:rPr>
-              <a:t>e.EmployeeID</a:t>
-            </a:r>
-            <a:r>
-              <a:rPr lang="pl-PL" dirty="0">
-                <a:latin typeface="Lucida Console" pitchFamily="49" charset="0"/>
-              </a:rPr>
-              <a:t> = 10;</a:t>
-            </a:r>
-          </a:p>
-          <a:p>
-            <a:r>
-              <a:rPr lang="pl-PL" dirty="0" err="1">
-                <a:latin typeface="Lucida Console" pitchFamily="49" charset="0"/>
-              </a:rPr>
-              <a:t>session.delete</a:t>
-            </a:r>
-            <a:r>
-              <a:rPr lang="pl-PL" dirty="0">
-                <a:latin typeface="Lucida Console" pitchFamily="49" charset="0"/>
-              </a:rPr>
-              <a:t>(e);</a:t>
-            </a:r>
-            <a:endParaRPr lang="pl-PL" dirty="0">
-              <a:latin typeface="Lucida Console" pitchFamily="49" charset="0"/>
-            </a:endParaRPr>
+            <a:pPr lvl="1"/>
+            <a:r>
+              <a:rPr lang="pl-PL" sz="1600" dirty="0" err="1">
+                <a:latin typeface="Lucida Console" pitchFamily="49" charset="0"/>
+              </a:rPr>
+              <a:t>Customer</a:t>
+            </a:r>
+            <a:r>
+              <a:rPr lang="pl-PL" sz="1600" dirty="0">
+                <a:latin typeface="Lucida Console" pitchFamily="49" charset="0"/>
+              </a:rPr>
+              <a:t> </a:t>
+            </a:r>
+            <a:r>
+              <a:rPr lang="pl-PL" sz="1600" dirty="0" err="1">
+                <a:latin typeface="Lucida Console" pitchFamily="49" charset="0"/>
+              </a:rPr>
+              <a:t>cust</a:t>
+            </a:r>
+            <a:r>
+              <a:rPr lang="pl-PL" sz="1600" dirty="0">
+                <a:latin typeface="Lucida Console" pitchFamily="49" charset="0"/>
+              </a:rPr>
+              <a:t> = </a:t>
+            </a:r>
+            <a:r>
+              <a:rPr lang="pl-PL" sz="1600" dirty="0" err="1">
+                <a:latin typeface="Lucida Console" pitchFamily="49" charset="0"/>
+              </a:rPr>
+              <a:t>order.getCustomerID</a:t>
+            </a:r>
+            <a:r>
+              <a:rPr lang="pl-PL" sz="1600" dirty="0">
+                <a:latin typeface="Lucida Console" pitchFamily="49" charset="0"/>
+              </a:rPr>
+              <a:t>();</a:t>
+            </a:r>
+          </a:p>
+          <a:p>
+            <a:pPr lvl="1"/>
+            <a:r>
+              <a:rPr lang="pl-PL" sz="1600" dirty="0" err="1">
+                <a:latin typeface="Lucida Console" pitchFamily="49" charset="0"/>
+              </a:rPr>
+              <a:t>System.</a:t>
+            </a:r>
+            <a:r>
+              <a:rPr lang="pl-PL" sz="1600" i="1" dirty="0" err="1">
+                <a:latin typeface="Lucida Console" pitchFamily="49" charset="0"/>
+              </a:rPr>
+              <a:t>out.println</a:t>
+            </a:r>
+            <a:r>
+              <a:rPr lang="pl-PL" sz="1600" i="1" dirty="0">
+                <a:latin typeface="Lucida Console" pitchFamily="49" charset="0"/>
+              </a:rPr>
+              <a:t>(</a:t>
+            </a:r>
+            <a:r>
+              <a:rPr lang="pl-PL" sz="1600" i="1" dirty="0" err="1">
+                <a:latin typeface="Lucida Console" pitchFamily="49" charset="0"/>
+              </a:rPr>
+              <a:t>order.getOrderID</a:t>
+            </a:r>
+            <a:r>
+              <a:rPr lang="pl-PL" sz="1600" i="1" dirty="0">
+                <a:latin typeface="Lucida Console" pitchFamily="49" charset="0"/>
+              </a:rPr>
+              <a:t>() + " by "</a:t>
+            </a:r>
+          </a:p>
+          <a:p>
+            <a:pPr lvl="2"/>
+            <a:r>
+              <a:rPr lang="pl-PL" sz="1600" dirty="0">
+                <a:latin typeface="Lucida Console" pitchFamily="49" charset="0"/>
+              </a:rPr>
+              <a:t>+ </a:t>
+            </a:r>
+            <a:r>
+              <a:rPr lang="pl-PL" sz="1600" dirty="0" err="1">
+                <a:latin typeface="Lucida Console" pitchFamily="49" charset="0"/>
+              </a:rPr>
+              <a:t>empl.getFirstName</a:t>
+            </a:r>
+            <a:r>
+              <a:rPr lang="pl-PL" sz="1600" dirty="0">
+                <a:latin typeface="Lucida Console" pitchFamily="49" charset="0"/>
+              </a:rPr>
+              <a:t>() + " " + </a:t>
+            </a:r>
+            <a:r>
+              <a:rPr lang="pl-PL" sz="1600" dirty="0" err="1">
+                <a:latin typeface="Lucida Console" pitchFamily="49" charset="0"/>
+              </a:rPr>
+              <a:t>empl.getLastName</a:t>
+            </a:r>
+            <a:r>
+              <a:rPr lang="pl-PL" sz="1600" dirty="0">
+                <a:latin typeface="Lucida Console" pitchFamily="49" charset="0"/>
+              </a:rPr>
+              <a:t>() + " for "</a:t>
+            </a:r>
+          </a:p>
+          <a:p>
+            <a:pPr lvl="2"/>
+            <a:r>
+              <a:rPr lang="pl-PL" sz="1600" dirty="0">
+                <a:latin typeface="Lucida Console" pitchFamily="49" charset="0"/>
+              </a:rPr>
+              <a:t>+ </a:t>
+            </a:r>
+            <a:r>
+              <a:rPr lang="pl-PL" sz="1600" dirty="0" err="1">
+                <a:latin typeface="Lucida Console" pitchFamily="49" charset="0"/>
+              </a:rPr>
+              <a:t>cust.getCompanyName</a:t>
+            </a:r>
+            <a:r>
+              <a:rPr lang="pl-PL" sz="1600" dirty="0">
+                <a:latin typeface="Lucida Console" pitchFamily="49" charset="0"/>
+              </a:rPr>
+              <a:t>());</a:t>
+            </a:r>
+          </a:p>
+          <a:p>
+            <a:r>
+              <a:rPr lang="pl-PL" sz="1600" dirty="0">
+                <a:latin typeface="Lucida Console" pitchFamily="49" charset="0"/>
+              </a:rPr>
+              <a:t>}</a:t>
+            </a:r>
           </a:p>
         </p:txBody>
       </p:sp>
     </p:spTree>
     <p:extLst>
       <p:ext uri="{BB962C8B-B14F-4D97-AF65-F5344CB8AC3E}">
-        <p14:creationId xmlns:p14="http://schemas.microsoft.com/office/powerpoint/2010/main" val="334467706"/>
+        <p14:creationId xmlns:p14="http://schemas.microsoft.com/office/powerpoint/2010/main" val="1389485315"/>
       </p:ext>
     </p:extLst>
   </p:cSld>
@@ -9381,6 +9191,558 @@
           <a:p>
             <a:r>
               <a:rPr lang="pl-PL" dirty="0" smtClean="0"/>
+              <a:t>Update…</a:t>
+            </a:r>
+            <a:endParaRPr lang="pl-PL" dirty="0"/>
+          </a:p>
+        </p:txBody>
+      </p:sp>
+      <p:sp>
+        <p:nvSpPr>
+          <p:cNvPr id="4" name="Prostokąt 3"/>
+          <p:cNvSpPr/>
+          <p:nvPr/>
+        </p:nvSpPr>
+        <p:spPr>
+          <a:xfrm>
+            <a:off x="539552" y="2228671"/>
+            <a:ext cx="7776864" cy="2585323"/>
+          </a:xfrm>
+          <a:prstGeom prst="rect">
+            <a:avLst/>
+          </a:prstGeom>
+        </p:spPr>
+        <p:txBody>
+          <a:bodyPr wrap="square">
+            <a:spAutoFit/>
+          </a:bodyPr>
+          <a:lstStyle/>
+          <a:p>
+            <a:r>
+              <a:rPr lang="pl-PL" dirty="0" err="1">
+                <a:latin typeface="Lucida Console" pitchFamily="49" charset="0"/>
+              </a:rPr>
+              <a:t>Customer</a:t>
+            </a:r>
+            <a:r>
+              <a:rPr lang="pl-PL" dirty="0">
+                <a:latin typeface="Lucida Console" pitchFamily="49" charset="0"/>
+              </a:rPr>
+              <a:t> c = </a:t>
+            </a:r>
+            <a:r>
+              <a:rPr lang="pl-PL" dirty="0" err="1">
+                <a:latin typeface="Lucida Console" pitchFamily="49" charset="0"/>
+              </a:rPr>
+              <a:t>new</a:t>
+            </a:r>
+            <a:r>
+              <a:rPr lang="pl-PL" dirty="0">
+                <a:latin typeface="Lucida Console" pitchFamily="49" charset="0"/>
+              </a:rPr>
+              <a:t> </a:t>
+            </a:r>
+            <a:r>
+              <a:rPr lang="pl-PL" dirty="0" err="1">
+                <a:latin typeface="Lucida Console" pitchFamily="49" charset="0"/>
+              </a:rPr>
+              <a:t>Customer</a:t>
+            </a:r>
+            <a:r>
+              <a:rPr lang="pl-PL" dirty="0">
+                <a:latin typeface="Lucida Console" pitchFamily="49" charset="0"/>
+              </a:rPr>
+              <a:t>();</a:t>
+            </a:r>
+          </a:p>
+          <a:p>
+            <a:r>
+              <a:rPr lang="pl-PL" dirty="0" err="1">
+                <a:latin typeface="Lucida Console" pitchFamily="49" charset="0"/>
+              </a:rPr>
+              <a:t>c.customerID</a:t>
+            </a:r>
+            <a:r>
+              <a:rPr lang="pl-PL" dirty="0">
+                <a:latin typeface="Lucida Console" pitchFamily="49" charset="0"/>
+              </a:rPr>
+              <a:t> = </a:t>
+            </a:r>
+            <a:r>
+              <a:rPr lang="pl-PL" dirty="0" smtClean="0">
+                <a:latin typeface="Lucida Console" pitchFamily="49" charset="0"/>
+              </a:rPr>
+              <a:t>„SCINC";</a:t>
+            </a:r>
+            <a:endParaRPr lang="pl-PL" dirty="0">
+              <a:latin typeface="Lucida Console" pitchFamily="49" charset="0"/>
+            </a:endParaRPr>
+          </a:p>
+          <a:p>
+            <a:r>
+              <a:rPr lang="pl-PL" dirty="0" err="1">
+                <a:latin typeface="Lucida Console" pitchFamily="49" charset="0"/>
+              </a:rPr>
+              <a:t>c.companyName</a:t>
+            </a:r>
+            <a:r>
+              <a:rPr lang="pl-PL" dirty="0">
+                <a:latin typeface="Lucida Console" pitchFamily="49" charset="0"/>
+              </a:rPr>
+              <a:t> = </a:t>
+            </a:r>
+            <a:r>
+              <a:rPr lang="pl-PL" dirty="0" smtClean="0">
+                <a:latin typeface="Lucida Console" pitchFamily="49" charset="0"/>
+              </a:rPr>
+              <a:t>„</a:t>
+            </a:r>
+            <a:r>
+              <a:rPr lang="pl-PL" dirty="0" err="1" smtClean="0">
+                <a:latin typeface="Lucida Console" pitchFamily="49" charset="0"/>
+              </a:rPr>
+              <a:t>SomeCompany</a:t>
+            </a:r>
+            <a:r>
+              <a:rPr lang="pl-PL" dirty="0" smtClean="0">
+                <a:latin typeface="Lucida Console" pitchFamily="49" charset="0"/>
+              </a:rPr>
+              <a:t> INC";</a:t>
+            </a:r>
+            <a:endParaRPr lang="pl-PL" dirty="0">
+              <a:latin typeface="Lucida Console" pitchFamily="49" charset="0"/>
+            </a:endParaRPr>
+          </a:p>
+          <a:p>
+            <a:r>
+              <a:rPr lang="pl-PL" dirty="0" err="1">
+                <a:latin typeface="Lucida Console" pitchFamily="49" charset="0"/>
+              </a:rPr>
+              <a:t>session.update</a:t>
+            </a:r>
+            <a:r>
+              <a:rPr lang="pl-PL" dirty="0">
+                <a:latin typeface="Lucida Console" pitchFamily="49" charset="0"/>
+              </a:rPr>
+              <a:t>(c</a:t>
+            </a:r>
+            <a:r>
+              <a:rPr lang="pl-PL" dirty="0" smtClean="0">
+                <a:latin typeface="Lucida Console" pitchFamily="49" charset="0"/>
+              </a:rPr>
+              <a:t>);</a:t>
+            </a:r>
+          </a:p>
+          <a:p>
+            <a:endParaRPr lang="pl-PL" dirty="0" smtClean="0">
+              <a:latin typeface="Lucida Console" pitchFamily="49" charset="0"/>
+            </a:endParaRPr>
+          </a:p>
+          <a:p>
+            <a:endParaRPr lang="pl-PL" dirty="0"/>
+          </a:p>
+          <a:p>
+            <a:r>
+              <a:rPr lang="en-US" dirty="0">
+                <a:latin typeface="Lucida Console" pitchFamily="49" charset="0"/>
+              </a:rPr>
+              <a:t>Employee e = new Employee</a:t>
+            </a:r>
+            <a:r>
+              <a:rPr lang="en-US" dirty="0" smtClean="0">
+                <a:latin typeface="Lucida Console" pitchFamily="49" charset="0"/>
+              </a:rPr>
+              <a:t>(„</a:t>
+            </a:r>
+            <a:r>
+              <a:rPr lang="pl-PL" dirty="0" smtClean="0">
+                <a:latin typeface="Lucida Console" pitchFamily="49" charset="0"/>
+              </a:rPr>
+              <a:t>Jones</a:t>
+            </a:r>
+            <a:r>
+              <a:rPr lang="en-US" dirty="0" smtClean="0">
+                <a:latin typeface="Lucida Console" pitchFamily="49" charset="0"/>
+              </a:rPr>
+              <a:t>", „</a:t>
+            </a:r>
+            <a:r>
+              <a:rPr lang="pl-PL" dirty="0" smtClean="0">
+                <a:latin typeface="Lucida Console" pitchFamily="49" charset="0"/>
+              </a:rPr>
+              <a:t>John</a:t>
+            </a:r>
+            <a:r>
+              <a:rPr lang="en-US" dirty="0" smtClean="0">
+                <a:latin typeface="Lucida Console" pitchFamily="49" charset="0"/>
+              </a:rPr>
+              <a:t>", „</a:t>
+            </a:r>
+            <a:r>
+              <a:rPr lang="pl-PL" dirty="0" err="1" smtClean="0">
+                <a:latin typeface="Lucida Console" pitchFamily="49" charset="0"/>
+              </a:rPr>
+              <a:t>Warsaw</a:t>
+            </a:r>
+            <a:r>
+              <a:rPr lang="en-US" dirty="0" smtClean="0">
+                <a:latin typeface="Lucida Console" pitchFamily="49" charset="0"/>
+              </a:rPr>
+              <a:t>");</a:t>
+            </a:r>
+            <a:endParaRPr lang="en-US" dirty="0">
+              <a:latin typeface="Lucida Console" pitchFamily="49" charset="0"/>
+            </a:endParaRPr>
+          </a:p>
+          <a:p>
+            <a:r>
+              <a:rPr lang="pl-PL" dirty="0" err="1">
+                <a:latin typeface="Lucida Console" pitchFamily="49" charset="0"/>
+              </a:rPr>
+              <a:t>e.EmployeeID</a:t>
+            </a:r>
+            <a:r>
+              <a:rPr lang="pl-PL" dirty="0">
+                <a:latin typeface="Lucida Console" pitchFamily="49" charset="0"/>
+              </a:rPr>
+              <a:t>=10;</a:t>
+            </a:r>
+          </a:p>
+          <a:p>
+            <a:r>
+              <a:rPr lang="pl-PL" dirty="0" err="1">
+                <a:latin typeface="Lucida Console" pitchFamily="49" charset="0"/>
+              </a:rPr>
+              <a:t>session.update</a:t>
+            </a:r>
+            <a:r>
+              <a:rPr lang="pl-PL" dirty="0">
+                <a:latin typeface="Lucida Console" pitchFamily="49" charset="0"/>
+              </a:rPr>
+              <a:t>(e);</a:t>
+            </a:r>
+          </a:p>
+        </p:txBody>
+      </p:sp>
+    </p:spTree>
+    <p:extLst>
+      <p:ext uri="{BB962C8B-B14F-4D97-AF65-F5344CB8AC3E}">
+        <p14:creationId xmlns:p14="http://schemas.microsoft.com/office/powerpoint/2010/main" val="1526151245"/>
+      </p:ext>
+    </p:extLst>
+  </p:cSld>
+  <p:clrMapOvr>
+    <a:masterClrMapping/>
+  </p:clrMapOvr>
+</p:sld>
+</file>
+
+<file path=ppt/slides/slide28.xml><?xml version="1.0" encoding="utf-8"?>
+<p:sld xmlns:a="http://schemas.openxmlformats.org/drawingml/2006/main" xmlns:r="http://schemas.openxmlformats.org/officeDocument/2006/relationships" xmlns:p="http://schemas.openxmlformats.org/presentationml/2006/main">
+  <p:cSld>
+    <p:spTree>
+      <p:nvGrpSpPr>
+        <p:cNvPr id="1" name=""/>
+        <p:cNvGrpSpPr/>
+        <p:nvPr/>
+      </p:nvGrpSpPr>
+      <p:grpSpPr>
+        <a:xfrm>
+          <a:off x="0" y="0"/>
+          <a:ext cx="0" cy="0"/>
+          <a:chOff x="0" y="0"/>
+          <a:chExt cx="0" cy="0"/>
+        </a:xfrm>
+      </p:grpSpPr>
+      <p:sp>
+        <p:nvSpPr>
+          <p:cNvPr id="2" name="Tytuł 1"/>
+          <p:cNvSpPr>
+            <a:spLocks noGrp="1"/>
+          </p:cNvSpPr>
+          <p:nvPr>
+            <p:ph type="title"/>
+          </p:nvPr>
+        </p:nvSpPr>
+        <p:spPr/>
+        <p:txBody>
+          <a:bodyPr/>
+          <a:lstStyle/>
+          <a:p>
+            <a:r>
+              <a:rPr lang="pl-PL" dirty="0" err="1" smtClean="0"/>
+              <a:t>Delete</a:t>
+            </a:r>
+            <a:r>
+              <a:rPr lang="pl-PL" dirty="0" smtClean="0"/>
+              <a:t>…</a:t>
+            </a:r>
+            <a:endParaRPr lang="pl-PL" dirty="0"/>
+          </a:p>
+        </p:txBody>
+      </p:sp>
+      <p:sp>
+        <p:nvSpPr>
+          <p:cNvPr id="5" name="Prostokąt 4"/>
+          <p:cNvSpPr/>
+          <p:nvPr/>
+        </p:nvSpPr>
+        <p:spPr>
+          <a:xfrm>
+            <a:off x="827584" y="1859340"/>
+            <a:ext cx="6030416" cy="3139321"/>
+          </a:xfrm>
+          <a:prstGeom prst="rect">
+            <a:avLst/>
+          </a:prstGeom>
+        </p:spPr>
+        <p:txBody>
+          <a:bodyPr wrap="square">
+            <a:spAutoFit/>
+          </a:bodyPr>
+          <a:lstStyle/>
+          <a:p>
+            <a:r>
+              <a:rPr lang="pl-PL" dirty="0">
+                <a:latin typeface="Lucida Console" pitchFamily="49" charset="0"/>
+              </a:rPr>
+              <a:t>Order o = </a:t>
+            </a:r>
+            <a:r>
+              <a:rPr lang="pl-PL" dirty="0" err="1">
+                <a:latin typeface="Lucida Console" pitchFamily="49" charset="0"/>
+              </a:rPr>
+              <a:t>new</a:t>
+            </a:r>
+            <a:r>
+              <a:rPr lang="pl-PL" dirty="0">
+                <a:latin typeface="Lucida Console" pitchFamily="49" charset="0"/>
+              </a:rPr>
+              <a:t> Order();</a:t>
+            </a:r>
+          </a:p>
+          <a:p>
+            <a:r>
+              <a:rPr lang="pl-PL" dirty="0" err="1">
+                <a:latin typeface="Lucida Console" pitchFamily="49" charset="0"/>
+              </a:rPr>
+              <a:t>o.setOrderID</a:t>
+            </a:r>
+            <a:r>
+              <a:rPr lang="pl-PL" dirty="0">
+                <a:latin typeface="Lucida Console" pitchFamily="49" charset="0"/>
+              </a:rPr>
+              <a:t>(11078);</a:t>
+            </a:r>
+          </a:p>
+          <a:p>
+            <a:r>
+              <a:rPr lang="pl-PL" dirty="0" err="1">
+                <a:latin typeface="Lucida Console" pitchFamily="49" charset="0"/>
+              </a:rPr>
+              <a:t>session.delete</a:t>
+            </a:r>
+            <a:r>
+              <a:rPr lang="pl-PL" dirty="0">
+                <a:latin typeface="Lucida Console" pitchFamily="49" charset="0"/>
+              </a:rPr>
+              <a:t>(o);</a:t>
+            </a:r>
+          </a:p>
+          <a:p>
+            <a:endParaRPr lang="pl-PL" dirty="0">
+              <a:latin typeface="Lucida Console" pitchFamily="49" charset="0"/>
+            </a:endParaRPr>
+          </a:p>
+          <a:p>
+            <a:r>
+              <a:rPr lang="pl-PL" dirty="0" err="1">
+                <a:latin typeface="Lucida Console" pitchFamily="49" charset="0"/>
+              </a:rPr>
+              <a:t>Customer</a:t>
+            </a:r>
+            <a:r>
+              <a:rPr lang="pl-PL" dirty="0">
+                <a:latin typeface="Lucida Console" pitchFamily="49" charset="0"/>
+              </a:rPr>
+              <a:t> c1 = </a:t>
+            </a:r>
+            <a:r>
+              <a:rPr lang="pl-PL" dirty="0" err="1">
+                <a:latin typeface="Lucida Console" pitchFamily="49" charset="0"/>
+              </a:rPr>
+              <a:t>new</a:t>
+            </a:r>
+            <a:r>
+              <a:rPr lang="pl-PL" dirty="0">
+                <a:latin typeface="Lucida Console" pitchFamily="49" charset="0"/>
+              </a:rPr>
+              <a:t> </a:t>
+            </a:r>
+            <a:r>
+              <a:rPr lang="pl-PL" dirty="0" err="1">
+                <a:latin typeface="Lucida Console" pitchFamily="49" charset="0"/>
+              </a:rPr>
+              <a:t>Customer</a:t>
+            </a:r>
+            <a:r>
+              <a:rPr lang="pl-PL" dirty="0">
+                <a:latin typeface="Lucida Console" pitchFamily="49" charset="0"/>
+              </a:rPr>
+              <a:t>();</a:t>
+            </a:r>
+          </a:p>
+          <a:p>
+            <a:r>
+              <a:rPr lang="pl-PL" dirty="0">
+                <a:latin typeface="Lucida Console" pitchFamily="49" charset="0"/>
+              </a:rPr>
+              <a:t>c1.setCustomerID</a:t>
+            </a:r>
+            <a:r>
+              <a:rPr lang="pl-PL" dirty="0" smtClean="0">
+                <a:latin typeface="Lucida Console" pitchFamily="49" charset="0"/>
+              </a:rPr>
+              <a:t>(„SCINC");</a:t>
+            </a:r>
+            <a:endParaRPr lang="pl-PL" dirty="0">
+              <a:latin typeface="Lucida Console" pitchFamily="49" charset="0"/>
+            </a:endParaRPr>
+          </a:p>
+          <a:p>
+            <a:r>
+              <a:rPr lang="pl-PL" dirty="0" err="1">
+                <a:latin typeface="Lucida Console" pitchFamily="49" charset="0"/>
+              </a:rPr>
+              <a:t>session.delete</a:t>
+            </a:r>
+            <a:r>
+              <a:rPr lang="pl-PL" dirty="0">
+                <a:latin typeface="Lucida Console" pitchFamily="49" charset="0"/>
+              </a:rPr>
+              <a:t>(c1);</a:t>
+            </a:r>
+          </a:p>
+          <a:p>
+            <a:endParaRPr lang="pl-PL" dirty="0">
+              <a:latin typeface="Lucida Console" pitchFamily="49" charset="0"/>
+            </a:endParaRPr>
+          </a:p>
+          <a:p>
+            <a:r>
+              <a:rPr lang="pl-PL" dirty="0" err="1">
+                <a:latin typeface="Lucida Console" pitchFamily="49" charset="0"/>
+              </a:rPr>
+              <a:t>Employee</a:t>
+            </a:r>
+            <a:r>
+              <a:rPr lang="pl-PL" dirty="0">
+                <a:latin typeface="Lucida Console" pitchFamily="49" charset="0"/>
+              </a:rPr>
+              <a:t> e = </a:t>
+            </a:r>
+            <a:r>
+              <a:rPr lang="pl-PL" dirty="0" err="1">
+                <a:latin typeface="Lucida Console" pitchFamily="49" charset="0"/>
+              </a:rPr>
+              <a:t>new</a:t>
+            </a:r>
+            <a:r>
+              <a:rPr lang="pl-PL" dirty="0">
+                <a:latin typeface="Lucida Console" pitchFamily="49" charset="0"/>
+              </a:rPr>
+              <a:t> </a:t>
+            </a:r>
+            <a:r>
+              <a:rPr lang="pl-PL" dirty="0" err="1">
+                <a:latin typeface="Lucida Console" pitchFamily="49" charset="0"/>
+              </a:rPr>
+              <a:t>Employee</a:t>
+            </a:r>
+            <a:r>
+              <a:rPr lang="pl-PL" dirty="0">
+                <a:latin typeface="Lucida Console" pitchFamily="49" charset="0"/>
+              </a:rPr>
+              <a:t>();</a:t>
+            </a:r>
+          </a:p>
+          <a:p>
+            <a:r>
+              <a:rPr lang="pl-PL" dirty="0" err="1">
+                <a:latin typeface="Lucida Console" pitchFamily="49" charset="0"/>
+              </a:rPr>
+              <a:t>e.EmployeeID</a:t>
+            </a:r>
+            <a:r>
+              <a:rPr lang="pl-PL" dirty="0">
+                <a:latin typeface="Lucida Console" pitchFamily="49" charset="0"/>
+              </a:rPr>
+              <a:t> = 10;</a:t>
+            </a:r>
+          </a:p>
+          <a:p>
+            <a:r>
+              <a:rPr lang="pl-PL" dirty="0" err="1">
+                <a:latin typeface="Lucida Console" pitchFamily="49" charset="0"/>
+              </a:rPr>
+              <a:t>session.delete</a:t>
+            </a:r>
+            <a:r>
+              <a:rPr lang="pl-PL" dirty="0">
+                <a:latin typeface="Lucida Console" pitchFamily="49" charset="0"/>
+              </a:rPr>
+              <a:t>(e);</a:t>
+            </a:r>
+          </a:p>
+        </p:txBody>
+      </p:sp>
+    </p:spTree>
+    <p:extLst>
+      <p:ext uri="{BB962C8B-B14F-4D97-AF65-F5344CB8AC3E}">
+        <p14:creationId xmlns:p14="http://schemas.microsoft.com/office/powerpoint/2010/main" val="334467706"/>
+      </p:ext>
+    </p:extLst>
+  </p:cSld>
+  <p:clrMapOvr>
+    <a:masterClrMapping/>
+  </p:clrMapOvr>
+</p:sld>
+</file>
+
+<file path=ppt/slides/slide29.xml><?xml version="1.0" encoding="utf-8"?>
+<p:sld xmlns:a="http://schemas.openxmlformats.org/drawingml/2006/main" xmlns:r="http://schemas.openxmlformats.org/officeDocument/2006/relationships" xmlns:p="http://schemas.openxmlformats.org/presentationml/2006/main">
+  <p:cSld>
+    <p:spTree>
+      <p:nvGrpSpPr>
+        <p:cNvPr id="1" name=""/>
+        <p:cNvGrpSpPr/>
+        <p:nvPr/>
+      </p:nvGrpSpPr>
+      <p:grpSpPr>
+        <a:xfrm>
+          <a:off x="0" y="0"/>
+          <a:ext cx="0" cy="0"/>
+          <a:chOff x="0" y="0"/>
+          <a:chExt cx="0" cy="0"/>
+        </a:xfrm>
+      </p:grpSpPr>
+      <p:sp>
+        <p:nvSpPr>
+          <p:cNvPr id="2" name="Tytuł 1"/>
+          <p:cNvSpPr>
+            <a:spLocks noGrp="1"/>
+          </p:cNvSpPr>
+          <p:nvPr>
+            <p:ph type="title"/>
+          </p:nvPr>
+        </p:nvSpPr>
+        <p:spPr/>
+        <p:txBody>
+          <a:bodyPr/>
+          <a:lstStyle/>
+          <a:p>
+            <a:r>
+              <a:rPr lang="pl-PL" dirty="0" smtClean="0"/>
               <a:t>Źródła</a:t>
             </a:r>
             <a:endParaRPr lang="pl-PL" dirty="0"/>
@@ -9397,12 +9759,188 @@
             <p:ph idx="1"/>
           </p:nvPr>
         </p:nvSpPr>
-        <p:spPr/>
+        <p:spPr>
+          <a:xfrm>
+            <a:off x="457200" y="1600200"/>
+            <a:ext cx="8229600" cy="4925144"/>
+          </a:xfrm>
+        </p:spPr>
         <p:txBody>
-          <a:bodyPr/>
+          <a:bodyPr>
+            <a:noAutofit/>
+          </a:bodyPr>
           <a:lstStyle/>
           <a:p>
-            <a:endParaRPr lang="pl-PL"/>
+            <a:pPr marL="0" indent="0">
+              <a:buNone/>
+            </a:pPr>
+            <a:r>
+              <a:rPr lang="pl-PL" sz="1800" dirty="0" smtClean="0"/>
+              <a:t>MySQL:</a:t>
+            </a:r>
+          </a:p>
+          <a:p>
+            <a:r>
+              <a:rPr lang="pl-PL" sz="1800" dirty="0">
+                <a:hlinkClick r:id="rId2"/>
+              </a:rPr>
+              <a:t>http://</a:t>
+            </a:r>
+            <a:r>
+              <a:rPr lang="pl-PL" sz="1800" dirty="0" smtClean="0">
+                <a:hlinkClick r:id="rId2"/>
+              </a:rPr>
+              <a:t>dev.mysql.com/doc/refman/5.0/en/tutorial.html</a:t>
+            </a:r>
+            <a:endParaRPr lang="pl-PL" sz="1800" dirty="0" smtClean="0"/>
+          </a:p>
+          <a:p>
+            <a:r>
+              <a:rPr lang="pl-PL" sz="1800" dirty="0" smtClean="0">
+                <a:hlinkClick r:id="rId3"/>
+              </a:rPr>
+              <a:t>http</a:t>
+            </a:r>
+            <a:r>
+              <a:rPr lang="pl-PL" sz="1800" dirty="0">
+                <a:hlinkClick r:id="rId3"/>
+              </a:rPr>
+              <a:t>://www.mysql.com/about</a:t>
+            </a:r>
+            <a:r>
+              <a:rPr lang="pl-PL" sz="1800" dirty="0" smtClean="0">
+                <a:hlinkClick r:id="rId3"/>
+              </a:rPr>
+              <a:t>/</a:t>
+            </a:r>
+            <a:endParaRPr lang="pl-PL" sz="1800" dirty="0" smtClean="0"/>
+          </a:p>
+          <a:p>
+            <a:r>
+              <a:rPr lang="pl-PL" sz="1800" dirty="0">
+                <a:hlinkClick r:id="rId4"/>
+              </a:rPr>
+              <a:t>http://</a:t>
+            </a:r>
+            <a:r>
+              <a:rPr lang="pl-PL" sz="1800" dirty="0" smtClean="0">
+                <a:hlinkClick r:id="rId4"/>
+              </a:rPr>
+              <a:t>stackoverflow.com/questions/260441/how-to-create-relationships-in-mysql</a:t>
+            </a:r>
+            <a:endParaRPr lang="pl-PL" sz="1800" dirty="0" smtClean="0"/>
+          </a:p>
+          <a:p>
+            <a:r>
+              <a:rPr lang="pl-PL" sz="1800" dirty="0">
+                <a:hlinkClick r:id="rId5"/>
+              </a:rPr>
+              <a:t>http://</a:t>
+            </a:r>
+            <a:r>
+              <a:rPr lang="pl-PL" sz="1800" dirty="0" smtClean="0">
+                <a:hlinkClick r:id="rId5"/>
+              </a:rPr>
+              <a:t>dev.mysql.com/doc/refman/5.0/en/innodb-foreign-key-constraints.html</a:t>
+            </a:r>
+            <a:endParaRPr lang="pl-PL" sz="1800" dirty="0" smtClean="0"/>
+          </a:p>
+          <a:p>
+            <a:r>
+              <a:rPr lang="pl-PL" sz="1800" dirty="0">
+                <a:hlinkClick r:id="rId6"/>
+              </a:rPr>
+              <a:t>http://</a:t>
+            </a:r>
+            <a:r>
+              <a:rPr lang="pl-PL" sz="1800" dirty="0" smtClean="0">
+                <a:hlinkClick r:id="rId6"/>
+              </a:rPr>
+              <a:t>www.artfulsoftware.com/mysqlbook/sampler/mysqled1_appe.html</a:t>
+            </a:r>
+            <a:endParaRPr lang="pl-PL" sz="1800" dirty="0" smtClean="0"/>
+          </a:p>
+          <a:p>
+            <a:endParaRPr lang="pl-PL" sz="1800" b="1" dirty="0" smtClean="0"/>
+          </a:p>
+          <a:p>
+            <a:pPr marL="0" indent="0">
+              <a:buNone/>
+            </a:pPr>
+            <a:r>
+              <a:rPr lang="pl-PL" sz="1800" dirty="0" err="1" smtClean="0"/>
+              <a:t>Hibernate</a:t>
+            </a:r>
+            <a:endParaRPr lang="pl-PL" sz="1800" dirty="0" smtClean="0"/>
+          </a:p>
+          <a:p>
+            <a:r>
+              <a:rPr lang="pl-PL" sz="1800" dirty="0">
+                <a:hlinkClick r:id="rId7"/>
+              </a:rPr>
+              <a:t>http://</a:t>
+            </a:r>
+            <a:r>
+              <a:rPr lang="pl-PL" sz="1800" dirty="0" smtClean="0">
+                <a:hlinkClick r:id="rId7"/>
+              </a:rPr>
+              <a:t>www.hibernate.org/docs</a:t>
+            </a:r>
+            <a:endParaRPr lang="pl-PL" sz="1800" dirty="0" smtClean="0"/>
+          </a:p>
+          <a:p>
+            <a:r>
+              <a:rPr lang="pl-PL" sz="1800" dirty="0">
+                <a:hlinkClick r:id="rId8"/>
+              </a:rPr>
+              <a:t>http://</a:t>
+            </a:r>
+            <a:r>
+              <a:rPr lang="pl-PL" sz="1800" dirty="0" smtClean="0">
+                <a:hlinkClick r:id="rId8"/>
+              </a:rPr>
+              <a:t>blog.sencide.com/2011/03/hibernate-tutorial-for-beginners.html</a:t>
+            </a:r>
+            <a:endParaRPr lang="pl-PL" sz="1800" dirty="0" smtClean="0"/>
+          </a:p>
+          <a:p>
+            <a:r>
+              <a:rPr lang="pl-PL" sz="1800" dirty="0">
+                <a:hlinkClick r:id="rId9"/>
+              </a:rPr>
+              <a:t>http://viralpatel.net/blogs/hibernate-maven-mysql-hello-world-example-xml-mapping</a:t>
+            </a:r>
+            <a:r>
+              <a:rPr lang="pl-PL" sz="1800" dirty="0" smtClean="0">
+                <a:hlinkClick r:id="rId9"/>
+              </a:rPr>
+              <a:t>/</a:t>
+            </a:r>
+            <a:endParaRPr lang="pl-PL" sz="1800" dirty="0" smtClean="0"/>
+          </a:p>
+          <a:p>
+            <a:r>
+              <a:rPr lang="pl-PL" sz="1800" dirty="0">
+                <a:hlinkClick r:id="rId10"/>
+              </a:rPr>
+              <a:t>http://</a:t>
+            </a:r>
+            <a:r>
+              <a:rPr lang="pl-PL" sz="1800" dirty="0" smtClean="0">
+                <a:hlinkClick r:id="rId10"/>
+              </a:rPr>
+              <a:t>javabrains.koushik.org/p/hibernate.html</a:t>
+            </a:r>
+            <a:endParaRPr lang="pl-PL" sz="1800" dirty="0" smtClean="0"/>
+          </a:p>
+          <a:p>
+            <a:r>
+              <a:rPr lang="pl-PL" sz="1800" dirty="0">
+                <a:hlinkClick r:id="rId11"/>
+              </a:rPr>
+              <a:t>http://www.dzone.com/tutorials/java/hibernate/hibernate-example/hibernate-mapping-many-to-many-1.html</a:t>
+            </a:r>
+            <a:endParaRPr lang="pl-PL" sz="1800" dirty="0"/>
           </a:p>
         </p:txBody>
       </p:sp>
@@ -9446,135 +9984,10 @@
             <p:ph type="title"/>
           </p:nvPr>
         </p:nvSpPr>
-        <p:spPr/>
-        <p:txBody>
-          <a:bodyPr/>
-          <a:lstStyle/>
-          <a:p>
-            <a:r>
-              <a:rPr lang="pl-PL" dirty="0" smtClean="0"/>
-              <a:t>O MySQL - wady</a:t>
-            </a:r>
-            <a:endParaRPr lang="pl-PL" dirty="0"/>
-          </a:p>
-        </p:txBody>
-      </p:sp>
-      <p:sp>
-        <p:nvSpPr>
-          <p:cNvPr id="3" name="Symbol zastępczy zawartości 2"/>
-          <p:cNvSpPr>
-            <a:spLocks noGrp="1"/>
-          </p:cNvSpPr>
-          <p:nvPr>
-            <p:ph idx="1"/>
-          </p:nvPr>
-        </p:nvSpPr>
-        <p:spPr/>
-        <p:txBody>
-          <a:bodyPr>
-            <a:normAutofit fontScale="85000" lnSpcReduction="10000"/>
-          </a:bodyPr>
-          <a:lstStyle/>
-          <a:p>
-            <a:pPr marL="0" indent="0">
-              <a:buNone/>
-            </a:pPr>
-            <a:r>
-              <a:rPr lang="en-US" dirty="0"/>
-              <a:t>Like other SQL databases, MySQL does not currently comply with the full SQL standard for some of the implemented functionality, including foreign key references when using some storage engines other than the 'standard' </a:t>
-            </a:r>
-            <a:r>
-              <a:rPr lang="en-US" dirty="0" err="1"/>
-              <a:t>InnoDB</a:t>
-            </a:r>
-            <a:r>
-              <a:rPr lang="en-US" dirty="0" smtClean="0"/>
-              <a:t>.</a:t>
-            </a:r>
-            <a:endParaRPr lang="pl-PL" dirty="0" smtClean="0"/>
-          </a:p>
-          <a:p>
-            <a:pPr marL="0" indent="0">
-              <a:buNone/>
-            </a:pPr>
-            <a:r>
-              <a:rPr lang="en-US" dirty="0"/>
-              <a:t>Triggers are currently limited to one per action / timing, i.e. maximum one after insert and one before insert on the same </a:t>
-            </a:r>
-            <a:r>
-              <a:rPr lang="en-US" dirty="0" smtClean="0"/>
-              <a:t>table.</a:t>
-            </a:r>
-            <a:r>
-              <a:rPr lang="pl-PL" baseline="30000" dirty="0"/>
-              <a:t> </a:t>
-            </a:r>
-            <a:r>
-              <a:rPr lang="en-US" dirty="0" smtClean="0"/>
-              <a:t>There </a:t>
-            </a:r>
-            <a:r>
-              <a:rPr lang="en-US" dirty="0"/>
-              <a:t>are no triggers on views.</a:t>
-            </a:r>
-            <a:endParaRPr lang="pl-PL" dirty="0"/>
-          </a:p>
-          <a:p>
-            <a:pPr marL="0" indent="0">
-              <a:buNone/>
-            </a:pPr>
-            <a:r>
-              <a:rPr lang="en-US" dirty="0"/>
-              <a:t>MySQL, like most other transactional relational databases, is strongly limited by hard disk performance. This is especially true in terms of write latency.</a:t>
-            </a:r>
-            <a:endParaRPr lang="pl-PL" dirty="0"/>
-          </a:p>
-        </p:txBody>
-      </p:sp>
-    </p:spTree>
-    <p:extLst>
-      <p:ext uri="{BB962C8B-B14F-4D97-AF65-F5344CB8AC3E}">
-        <p14:creationId xmlns:p14="http://schemas.microsoft.com/office/powerpoint/2010/main" val="1024910929"/>
-      </p:ext>
-    </p:extLst>
-  </p:cSld>
-  <p:clrMapOvr>
-    <a:masterClrMapping/>
-  </p:clrMapOvr>
-</p:sld>
-</file>
-
-<file path=ppt/slides/slide4.xml><?xml version="1.0" encoding="utf-8"?>
-<p:sld xmlns:a="http://schemas.openxmlformats.org/drawingml/2006/main" xmlns:r="http://schemas.openxmlformats.org/officeDocument/2006/relationships" xmlns:p="http://schemas.openxmlformats.org/presentationml/2006/main">
-  <p:cSld>
-    <p:spTree>
-      <p:nvGrpSpPr>
-        <p:cNvPr id="1" name=""/>
-        <p:cNvGrpSpPr/>
-        <p:nvPr/>
-      </p:nvGrpSpPr>
-      <p:grpSpPr>
-        <a:xfrm>
-          <a:off x="0" y="0"/>
-          <a:ext cx="0" cy="0"/>
-          <a:chOff x="0" y="0"/>
-          <a:chExt cx="0" cy="0"/>
-        </a:xfrm>
-      </p:grpSpPr>
-      <p:sp>
-        <p:nvSpPr>
-          <p:cNvPr id="2" name="Tytuł 1"/>
-          <p:cNvSpPr>
-            <a:spLocks noGrp="1"/>
-          </p:cNvSpPr>
-          <p:nvPr>
-            <p:ph type="title"/>
-          </p:nvPr>
-        </p:nvSpPr>
         <p:spPr>
           <a:xfrm>
-            <a:off x="6767736" y="0"/>
-            <a:ext cx="2376264" cy="360040"/>
+            <a:off x="5652120" y="5301208"/>
+            <a:ext cx="2808312" cy="648072"/>
           </a:xfrm>
         </p:spPr>
         <p:txBody>
@@ -9584,7 +9997,7 @@
           <a:lstStyle/>
           <a:p>
             <a:r>
-              <a:rPr lang="pl-PL" sz="1100" dirty="0"/>
+              <a:rPr lang="pl-PL" sz="1400" dirty="0"/>
               <a:t>http://db-engines.com/en/ranking</a:t>
             </a:r>
           </a:p>
@@ -9613,7 +10026,7 @@
         </p:blipFill>
         <p:spPr bwMode="auto">
           <a:xfrm>
-            <a:off x="13891" y="404664"/>
+            <a:off x="0" y="620688"/>
             <a:ext cx="9130109" cy="3841923"/>
           </a:xfrm>
           <a:prstGeom prst="rect">
@@ -9654,130 +10067,6 @@
           </a:extLst>
         </p:spPr>
       </p:pic>
-      <p:sp>
-        <p:nvSpPr>
-          <p:cNvPr id="4" name="Prostokąt 3"/>
-          <p:cNvSpPr/>
-          <p:nvPr/>
-        </p:nvSpPr>
-        <p:spPr>
-          <a:xfrm>
-            <a:off x="971600" y="4653136"/>
-            <a:ext cx="6552728" cy="2031325"/>
-          </a:xfrm>
-          <a:prstGeom prst="rect">
-            <a:avLst/>
-          </a:prstGeom>
-        </p:spPr>
-        <p:txBody>
-          <a:bodyPr wrap="square">
-            <a:spAutoFit/>
-          </a:bodyPr>
-          <a:lstStyle/>
-          <a:p>
-            <a:r>
-              <a:rPr lang="pl-PL" dirty="0" smtClean="0"/>
-              <a:t>M</a:t>
-            </a:r>
-            <a:r>
-              <a:rPr lang="en-US" dirty="0" err="1" smtClean="0"/>
-              <a:t>ySQL</a:t>
-            </a:r>
-            <a:r>
-              <a:rPr lang="en-US" dirty="0" smtClean="0"/>
-              <a:t> </a:t>
-            </a:r>
-            <a:r>
-              <a:rPr lang="en-US" dirty="0"/>
-              <a:t>is also used in many high-profile, large-scale World Wide Web products, including </a:t>
-            </a:r>
-            <a:endParaRPr lang="pl-PL" dirty="0" smtClean="0"/>
-          </a:p>
-          <a:p>
-            <a:pPr marL="285750" indent="-285750">
-              <a:buFont typeface="Arial" pitchFamily="34" charset="0"/>
-              <a:buChar char="•"/>
-            </a:pPr>
-            <a:r>
-              <a:rPr lang="en-US" dirty="0" smtClean="0"/>
-              <a:t>Wikipedia</a:t>
-            </a:r>
-            <a:endParaRPr lang="pl-PL" dirty="0"/>
-          </a:p>
-          <a:p>
-            <a:pPr marL="285750" indent="-285750">
-              <a:buFont typeface="Arial" pitchFamily="34" charset="0"/>
-              <a:buChar char="•"/>
-            </a:pPr>
-            <a:r>
-              <a:rPr lang="en-US" dirty="0" smtClean="0"/>
-              <a:t>Google</a:t>
-            </a:r>
-            <a:r>
-              <a:rPr lang="pl-PL" dirty="0" smtClean="0"/>
-              <a:t> </a:t>
-            </a:r>
-            <a:r>
-              <a:rPr lang="en-US" dirty="0" smtClean="0"/>
-              <a:t>(though </a:t>
-            </a:r>
-            <a:r>
-              <a:rPr lang="en-US" dirty="0"/>
-              <a:t>not for </a:t>
-            </a:r>
-            <a:r>
-              <a:rPr lang="pl-PL" dirty="0" smtClean="0"/>
-              <a:t>s</a:t>
-            </a:r>
-            <a:r>
-              <a:rPr lang="en-US" dirty="0" err="1" smtClean="0"/>
-              <a:t>earches</a:t>
-            </a:r>
-            <a:r>
-              <a:rPr lang="en-US" dirty="0"/>
-              <a:t>), </a:t>
-            </a:r>
-            <a:endParaRPr lang="pl-PL" dirty="0" smtClean="0"/>
-          </a:p>
-          <a:p>
-            <a:pPr marL="285750" indent="-285750">
-              <a:buFont typeface="Arial" pitchFamily="34" charset="0"/>
-              <a:buChar char="•"/>
-            </a:pPr>
-            <a:r>
-              <a:rPr lang="en-US" dirty="0" smtClean="0"/>
-              <a:t>Facebook</a:t>
-            </a:r>
-            <a:r>
-              <a:rPr lang="en-US" dirty="0"/>
-              <a:t> </a:t>
-            </a:r>
-            <a:endParaRPr lang="pl-PL" dirty="0" smtClean="0"/>
-          </a:p>
-          <a:p>
-            <a:pPr marL="285750" indent="-285750">
-              <a:buFont typeface="Arial" pitchFamily="34" charset="0"/>
-              <a:buChar char="•"/>
-            </a:pPr>
-            <a:r>
-              <a:rPr lang="en-US" dirty="0" smtClean="0"/>
-              <a:t>Twitter,</a:t>
-            </a:r>
-            <a:endParaRPr lang="pl-PL" baseline="30000" dirty="0"/>
-          </a:p>
-          <a:p>
-            <a:pPr marL="285750" indent="-285750">
-              <a:buFont typeface="Arial" pitchFamily="34" charset="0"/>
-              <a:buChar char="•"/>
-            </a:pPr>
-            <a:r>
-              <a:rPr lang="en-US" dirty="0" smtClean="0"/>
-              <a:t> YouTube</a:t>
-            </a:r>
-            <a:endParaRPr lang="pl-PL" dirty="0"/>
-          </a:p>
-        </p:txBody>
-      </p:sp>
     </p:spTree>
     <p:extLst>
       <p:ext uri="{BB962C8B-B14F-4D97-AF65-F5344CB8AC3E}">
@@ -9788,6 +10077,225 @@
   <p:clrMapOvr>
     <a:masterClrMapping/>
   </p:clrMapOvr>
+  <p:timing>
+    <p:tnLst>
+      <p:par>
+        <p:cTn id="1" dur="indefinite" restart="never" nodeType="tmRoot"/>
+      </p:par>
+    </p:tnLst>
+  </p:timing>
+</p:sld>
+</file>
+
+<file path=ppt/slides/slide4.xml><?xml version="1.0" encoding="utf-8"?>
+<p:sld xmlns:a="http://schemas.openxmlformats.org/drawingml/2006/main" xmlns:r="http://schemas.openxmlformats.org/officeDocument/2006/relationships" xmlns:p="http://schemas.openxmlformats.org/presentationml/2006/main">
+  <p:cSld>
+    <p:spTree>
+      <p:nvGrpSpPr>
+        <p:cNvPr id="1" name=""/>
+        <p:cNvGrpSpPr/>
+        <p:nvPr/>
+      </p:nvGrpSpPr>
+      <p:grpSpPr>
+        <a:xfrm>
+          <a:off x="0" y="0"/>
+          <a:ext cx="0" cy="0"/>
+          <a:chOff x="0" y="0"/>
+          <a:chExt cx="0" cy="0"/>
+        </a:xfrm>
+      </p:grpSpPr>
+      <p:sp>
+        <p:nvSpPr>
+          <p:cNvPr id="2" name="Tytuł 1"/>
+          <p:cNvSpPr>
+            <a:spLocks noGrp="1"/>
+          </p:cNvSpPr>
+          <p:nvPr>
+            <p:ph type="title"/>
+          </p:nvPr>
+        </p:nvSpPr>
+        <p:spPr/>
+        <p:txBody>
+          <a:bodyPr/>
+          <a:lstStyle/>
+          <a:p>
+            <a:r>
+              <a:rPr lang="pl-PL" dirty="0" smtClean="0"/>
+              <a:t>O MySQL - wady</a:t>
+            </a:r>
+            <a:endParaRPr lang="pl-PL" dirty="0"/>
+          </a:p>
+        </p:txBody>
+      </p:sp>
+      <p:sp>
+        <p:nvSpPr>
+          <p:cNvPr id="3" name="Symbol zastępczy zawartości 2"/>
+          <p:cNvSpPr>
+            <a:spLocks noGrp="1"/>
+          </p:cNvSpPr>
+          <p:nvPr>
+            <p:ph idx="1"/>
+          </p:nvPr>
+        </p:nvSpPr>
+        <p:spPr/>
+        <p:txBody>
+          <a:bodyPr>
+            <a:normAutofit fontScale="85000" lnSpcReduction="10000"/>
+          </a:bodyPr>
+          <a:lstStyle/>
+          <a:p>
+            <a:r>
+              <a:rPr lang="pl-PL" dirty="0" smtClean="0"/>
+              <a:t>Podobnie jak inne </a:t>
+            </a:r>
+            <a:r>
+              <a:rPr lang="pl-PL" dirty="0" err="1" smtClean="0"/>
+              <a:t>SQLowe</a:t>
+            </a:r>
+            <a:r>
+              <a:rPr lang="en-US" dirty="0"/>
+              <a:t> </a:t>
+            </a:r>
+            <a:r>
+              <a:rPr lang="pl-PL" dirty="0" smtClean="0"/>
+              <a:t>bazy danych</a:t>
+            </a:r>
+            <a:r>
+              <a:rPr lang="en-US" dirty="0" smtClean="0"/>
+              <a:t>, </a:t>
+            </a:r>
+            <a:r>
+              <a:rPr lang="en-US" dirty="0"/>
+              <a:t>MySQL </a:t>
+            </a:r>
+            <a:r>
+              <a:rPr lang="pl-PL" dirty="0" smtClean="0"/>
+              <a:t>nie spełnia wszystkich wymagań zdefiniowanych przez standard </a:t>
+            </a:r>
+            <a:r>
+              <a:rPr lang="en-US" dirty="0" smtClean="0"/>
+              <a:t>SQL</a:t>
+            </a:r>
+            <a:r>
+              <a:rPr lang="pl-PL" dirty="0" smtClean="0"/>
+              <a:t>. (np. w silnikach innych niż </a:t>
+            </a:r>
+            <a:r>
+              <a:rPr lang="pl-PL" dirty="0" err="1" smtClean="0"/>
+              <a:t>InnoDB</a:t>
+            </a:r>
+            <a:r>
+              <a:rPr lang="pl-PL" dirty="0" smtClean="0"/>
+              <a:t> nie są obsługiwane klucze obce)</a:t>
+            </a:r>
+          </a:p>
+          <a:p>
+            <a:r>
+              <a:rPr lang="pl-PL" dirty="0" smtClean="0"/>
+              <a:t>Ilość </a:t>
+            </a:r>
+            <a:r>
+              <a:rPr lang="pl-PL" dirty="0"/>
+              <a:t>t</a:t>
+            </a:r>
+            <a:r>
+              <a:rPr lang="en-US" dirty="0" smtClean="0"/>
+              <a:t>rigger</a:t>
+            </a:r>
+            <a:r>
+              <a:rPr lang="pl-PL" dirty="0" smtClean="0"/>
+              <a:t>ów jest ograniczona do jednego na daną akcję </a:t>
+            </a:r>
+            <a:r>
+              <a:rPr lang="pl-PL" dirty="0" smtClean="0"/>
+              <a:t> </a:t>
+            </a:r>
+            <a:r>
+              <a:rPr lang="pl-PL" dirty="0"/>
+              <a:t>(np</a:t>
+            </a:r>
+            <a:r>
+              <a:rPr lang="pl-PL" dirty="0" smtClean="0"/>
+              <a:t>. możemy dodać tylko po jednym </a:t>
+            </a:r>
+            <a:r>
+              <a:rPr lang="pl-PL" dirty="0" err="1" smtClean="0"/>
+              <a:t>triggerze</a:t>
+            </a:r>
+            <a:r>
+              <a:rPr lang="pl-PL" dirty="0" smtClean="0"/>
+              <a:t> przed i po wstawianiem do tej samej tabeli)</a:t>
+            </a:r>
+          </a:p>
+          <a:p>
+            <a:r>
+              <a:rPr lang="pl-PL" dirty="0" smtClean="0"/>
+              <a:t>Nie ma </a:t>
+            </a:r>
+            <a:r>
+              <a:rPr lang="pl-PL" dirty="0" err="1" smtClean="0"/>
+              <a:t>triggerów</a:t>
+            </a:r>
+            <a:r>
+              <a:rPr lang="pl-PL" dirty="0" smtClean="0"/>
+              <a:t> na widoki</a:t>
+            </a:r>
+            <a:endParaRPr lang="pl-PL" dirty="0"/>
+          </a:p>
+          <a:p>
+            <a:r>
+              <a:rPr lang="pl-PL" dirty="0" smtClean="0"/>
+              <a:t>Podobnie jak inne transakcyjne relacyjne bazy danych </a:t>
+            </a:r>
+            <a:r>
+              <a:rPr lang="en-US" dirty="0" smtClean="0"/>
+              <a:t>MySQL</a:t>
+            </a:r>
+            <a:r>
+              <a:rPr lang="pl-PL" dirty="0" smtClean="0"/>
+              <a:t> jest </a:t>
+            </a:r>
+            <a:r>
+              <a:rPr lang="pl-PL" dirty="0"/>
+              <a:t>ograniczony przez </a:t>
+            </a:r>
+            <a:r>
+              <a:rPr lang="pl-PL" dirty="0" smtClean="0"/>
+              <a:t>wydajność </a:t>
+            </a:r>
+            <a:r>
+              <a:rPr lang="pl-PL" dirty="0"/>
+              <a:t>dysku. Jest to szczególnie ważne w odniesieniu do </a:t>
+            </a:r>
+            <a:r>
+              <a:rPr lang="pl-PL" dirty="0" smtClean="0"/>
+              <a:t>zapisu</a:t>
+            </a:r>
+            <a:r>
+              <a:rPr lang="pl-PL" dirty="0"/>
+              <a:t>.</a:t>
+            </a:r>
+            <a:endParaRPr lang="pl-PL" dirty="0"/>
+          </a:p>
+        </p:txBody>
+      </p:sp>
+    </p:spTree>
+    <p:extLst>
+      <p:ext uri="{BB962C8B-B14F-4D97-AF65-F5344CB8AC3E}">
+        <p14:creationId xmlns:p14="http://schemas.microsoft.com/office/powerpoint/2010/main" val="1024910929"/>
+      </p:ext>
+    </p:extLst>
+  </p:cSld>
+  <p:clrMapOvr>
+    <a:masterClrMapping/>
+  </p:clrMapOvr>
+  <p:timing>
+    <p:tnLst>
+      <p:par>
+        <p:cTn id="1" dur="indefinite" restart="never" nodeType="tmRoot"/>
+      </p:par>
+    </p:tnLst>
+  </p:timing>
 </p:sld>
 </file>
 
@@ -9845,31 +10353,105 @@
             <p:ph idx="1"/>
           </p:nvPr>
         </p:nvSpPr>
-        <p:spPr/>
+        <p:spPr>
+          <a:xfrm>
+            <a:off x="179512" y="1268760"/>
+            <a:ext cx="8507288" cy="5328592"/>
+          </a:xfrm>
+        </p:spPr>
         <p:txBody>
-          <a:bodyPr/>
+          <a:bodyPr>
+            <a:noAutofit/>
+          </a:bodyPr>
           <a:lstStyle/>
           <a:p>
             <a:r>
-              <a:rPr lang="pl-PL" dirty="0" smtClean="0"/>
-              <a:t>Założenia i cele twórców</a:t>
-            </a:r>
-          </a:p>
-          <a:p>
-            <a:r>
-              <a:rPr lang="pl-PL" dirty="0" smtClean="0"/>
-              <a:t>Ciekawe </a:t>
-            </a:r>
-            <a:r>
-              <a:rPr lang="pl-PL" dirty="0"/>
-              <a:t>cechy, zalety, wady, przeznaczenie</a:t>
-            </a:r>
-          </a:p>
-          <a:p>
-            <a:pPr marL="0" indent="0">
-              <a:buNone/>
-            </a:pPr>
-            <a:endParaRPr lang="pl-PL" dirty="0"/>
+              <a:rPr lang="pl-PL" sz="1400" dirty="0" smtClean="0"/>
+              <a:t>Open </a:t>
+            </a:r>
+            <a:r>
+              <a:rPr lang="pl-PL" sz="1400" dirty="0" err="1" smtClean="0"/>
+              <a:t>source</a:t>
+            </a:r>
+            <a:r>
+              <a:rPr lang="pl-PL" sz="1400" dirty="0" smtClean="0"/>
+              <a:t> - objęty licencją </a:t>
+            </a:r>
+            <a:r>
+              <a:rPr lang="en-US" sz="1400" dirty="0"/>
+              <a:t>source GNU Lesser General Public License (LGPL</a:t>
+            </a:r>
+            <a:r>
+              <a:rPr lang="en-US" sz="1400" dirty="0" smtClean="0"/>
+              <a:t>)</a:t>
+            </a:r>
+            <a:r>
+              <a:rPr lang="pl-PL" sz="1400" dirty="0" smtClean="0"/>
+              <a:t> – można pobierać i używać kodu źródłowego </a:t>
+            </a:r>
+          </a:p>
+          <a:p>
+            <a:r>
+              <a:rPr lang="en-US" sz="1400" dirty="0" smtClean="0"/>
+              <a:t>Hibernate </a:t>
+            </a:r>
+            <a:r>
+              <a:rPr lang="en-US" sz="1400" dirty="0"/>
+              <a:t>is a high-performance </a:t>
+            </a:r>
+            <a:r>
+              <a:rPr lang="en-US" sz="1400" dirty="0" smtClean="0"/>
+              <a:t>Object/Relational</a:t>
+            </a:r>
+            <a:r>
+              <a:rPr lang="pl-PL" sz="1400" dirty="0"/>
+              <a:t> </a:t>
+            </a:r>
+            <a:r>
+              <a:rPr lang="en-US" sz="1400" dirty="0" smtClean="0"/>
+              <a:t>persistence </a:t>
+            </a:r>
+            <a:r>
+              <a:rPr lang="en-US" sz="1400" dirty="0"/>
+              <a:t>and query service. The most flexible and </a:t>
+            </a:r>
+            <a:r>
+              <a:rPr lang="en-US" sz="1400" dirty="0" err="1"/>
+              <a:t>powerfulObject</a:t>
+            </a:r>
+            <a:r>
+              <a:rPr lang="en-US" sz="1400" dirty="0"/>
+              <a:t>/Relational solution on the market, Hibernate takes care of the mapping from Java classes to database tables and from Java data types to SQL data types. It provides data query and retrieval facilities that significantly reduce development time. </a:t>
+            </a:r>
+            <a:r>
+              <a:rPr lang="en-US" sz="1400" dirty="0" err="1"/>
+              <a:t>Hibernate’s</a:t>
+            </a:r>
+            <a:r>
+              <a:rPr lang="en-US" sz="1400" dirty="0"/>
+              <a:t> design goal is to relieve the developer from 95% of common data persistence-related programming tasks by eliminating the need for manual, hand-crafted data processing using SQL and JDBC.  However, unlike many other persistence solutions, Hibernate does not hide the power of SQL from you and guarantees that your investment in relational technology and knowledge is as valid as always.</a:t>
+            </a:r>
+          </a:p>
+          <a:p>
+            <a:r>
+              <a:rPr lang="en-US" sz="1400" dirty="0"/>
+              <a:t>Working with both Object-Oriented software and Relational Databases can be cumbersome and time consuming.  Development costs are significantly higher due to a paradigm mismatch between how data is represented in objects versus relational databases. Many software developers and architects estimate that up to 30% of their code is needed to deal with this infrastructure concern. Hibernate directly addresses this challenge by providing the ability to map an object model’s data representation to a relational data model and its corresponding database schema.</a:t>
+            </a:r>
+          </a:p>
+          <a:p>
+            <a:r>
+              <a:rPr lang="en-US" sz="1400" dirty="0" smtClean="0"/>
+              <a:t>Hibernate </a:t>
+            </a:r>
+            <a:r>
+              <a:rPr lang="en-US" sz="1400" dirty="0"/>
+              <a:t>eliminates repetitive and tedious coding work and enables developers to focus on the business problem. No matter which application development strategy you prefer--starting top-down with a new business problem and model or bottom up with an existing database schema--Hibernate can significantly reduce development time and as a provider of Object/Relational persistence solution will significantly reduce lines of code.  Hibernate provides a buffer between the two data representations and enables a more elegant use of object orientation on the Java side--all while keeping the relational schema normalized and guaranteeing data integrity</a:t>
+            </a:r>
+            <a:r>
+              <a:rPr lang="en-US" sz="1400" dirty="0" smtClean="0"/>
+              <a:t>.</a:t>
+            </a:r>
+            <a:endParaRPr lang="en-US" sz="1400" dirty="0"/>
           </a:p>
         </p:txBody>
       </p:sp>
@@ -9883,6 +10465,13 @@
   <p:clrMapOvr>
     <a:masterClrMapping/>
   </p:clrMapOvr>
+  <p:timing>
+    <p:tnLst>
+      <p:par>
+        <p:cTn id="1" dur="indefinite" restart="never" nodeType="tmRoot"/>
+      </p:par>
+    </p:tnLst>
+  </p:timing>
 </p:sld>
 </file>
 
@@ -9919,12 +10508,157 @@
           <a:lstStyle/>
           <a:p>
             <a:r>
+              <a:rPr lang="pl-PL" dirty="0" err="1" smtClean="0"/>
+              <a:t>Why</a:t>
+            </a:r>
+            <a:r>
               <a:rPr lang="pl-PL" dirty="0" smtClean="0"/>
-              <a:t>1. Instalacja </a:t>
-            </a:r>
+              <a:t> </a:t>
+            </a:r>
+            <a:r>
+              <a:rPr lang="pl-PL" dirty="0" err="1" smtClean="0"/>
+              <a:t>hibernate</a:t>
+            </a:r>
+            <a:endParaRPr lang="pl-PL" dirty="0"/>
+          </a:p>
+        </p:txBody>
+      </p:sp>
+      <p:sp>
+        <p:nvSpPr>
+          <p:cNvPr id="3" name="Symbol zastępczy zawartości 2"/>
+          <p:cNvSpPr>
+            <a:spLocks noGrp="1"/>
+          </p:cNvSpPr>
+          <p:nvPr>
+            <p:ph idx="1"/>
+          </p:nvPr>
+        </p:nvSpPr>
+        <p:spPr/>
+        <p:txBody>
+          <a:bodyPr>
+            <a:normAutofit fontScale="47500" lnSpcReduction="20000"/>
+          </a:bodyPr>
+          <a:lstStyle/>
+          <a:p>
+            <a:r>
+              <a:rPr lang="en-US" b="1" dirty="0" smtClean="0"/>
+              <a:t>Natural </a:t>
+            </a:r>
+            <a:r>
+              <a:rPr lang="en-US" b="1" dirty="0"/>
+              <a:t>Programming Model:</a:t>
+            </a:r>
+            <a:r>
+              <a:rPr lang="en-US" dirty="0"/>
+              <a:t> Hibernate lets you develop persistent classes following natural Object-oriented idioms including inheritance, polymorphism, association, composition, and the Java collections framework.</a:t>
+            </a:r>
+          </a:p>
+          <a:p>
+            <a:r>
+              <a:rPr lang="en-US" b="1" dirty="0"/>
+              <a:t>Transparent Persistence:</a:t>
+            </a:r>
+            <a:r>
+              <a:rPr lang="en-US" dirty="0"/>
+              <a:t> Hibernate requires no interfaces or base classes for persistent classes and enables any class or data structure to be persistent. Furthermore, Hibernate enables faster build procedures since it does not introduce build-time source or byte code generation or processing. </a:t>
+            </a:r>
+          </a:p>
+          <a:p>
+            <a:r>
+              <a:rPr lang="en-US" b="1" dirty="0"/>
+              <a:t>High Performance:</a:t>
+            </a:r>
+            <a:r>
+              <a:rPr lang="en-US" dirty="0"/>
+              <a:t> Hibernate supports lazy initialization, many fetching strategies, and optimistic locking with automatic versioning and time stamping. Hibernate requires no special database tables or fields and generates much of the SQL at system initialization time instead of runtime. Hibernate consistently offers superior performance over straight JDBC coding.</a:t>
+            </a:r>
+          </a:p>
+          <a:p>
+            <a:r>
+              <a:rPr lang="en-US" b="1" dirty="0"/>
+              <a:t>Reliability and Scalability:</a:t>
+            </a:r>
+            <a:r>
+              <a:rPr lang="en-US" dirty="0"/>
+              <a:t> Hibernate is well known for its excellent stability and quality, proven by the acceptance and use by tens of thousands of Java developers. Hibernate was designed to work in an application server cluster and deliver a highly scalable architecture. Hibernate scales well in any environment: Use it to drive your in-house Intranet that serves hundreds of users or for mission-critical applications that serve hundreds of thousands.</a:t>
+            </a:r>
+          </a:p>
+          <a:p>
+            <a:r>
+              <a:rPr lang="en-US" b="1" dirty="0"/>
+              <a:t>Extensibility: </a:t>
+            </a:r>
+            <a:r>
+              <a:rPr lang="en-US" dirty="0"/>
+              <a:t>Hibernate is highly customizable and extensible. </a:t>
+            </a:r>
+          </a:p>
+          <a:p>
+            <a:r>
+              <a:rPr lang="en-US" b="1" dirty="0"/>
+              <a:t>Comprehensive Query Facilities:</a:t>
+            </a:r>
+            <a:r>
+              <a:rPr lang="en-US" dirty="0"/>
+              <a:t> Including support for Hibernate Query Language (HQL), Java Persistence Query Language (JPAQL), Criteria queries, and "native SQL" queries; all of which can be scrolled and paginated to suit your exact performance needs.</a:t>
+            </a:r>
+          </a:p>
+          <a:p>
+            <a:pPr marL="0" indent="0">
+              <a:buNone/>
+            </a:pPr>
+            <a:endParaRPr lang="pl-PL" dirty="0"/>
+          </a:p>
+        </p:txBody>
+      </p:sp>
+    </p:spTree>
+    <p:extLst>
+      <p:ext uri="{BB962C8B-B14F-4D97-AF65-F5344CB8AC3E}">
+        <p14:creationId xmlns:p14="http://schemas.microsoft.com/office/powerpoint/2010/main" val="2183655003"/>
+      </p:ext>
+    </p:extLst>
+  </p:cSld>
+  <p:clrMapOvr>
+    <a:masterClrMapping/>
+  </p:clrMapOvr>
+</p:sld>
+</file>
+
+<file path=ppt/slides/slide7.xml><?xml version="1.0" encoding="utf-8"?>
+<p:sld xmlns:a="http://schemas.openxmlformats.org/drawingml/2006/main" xmlns:r="http://schemas.openxmlformats.org/officeDocument/2006/relationships" xmlns:p="http://schemas.openxmlformats.org/presentationml/2006/main">
+  <p:cSld>
+    <p:spTree>
+      <p:nvGrpSpPr>
+        <p:cNvPr id="1" name=""/>
+        <p:cNvGrpSpPr/>
+        <p:nvPr/>
+      </p:nvGrpSpPr>
+      <p:grpSpPr>
+        <a:xfrm>
+          <a:off x="0" y="0"/>
+          <a:ext cx="0" cy="0"/>
+          <a:chOff x="0" y="0"/>
+          <a:chExt cx="0" cy="0"/>
+        </a:xfrm>
+      </p:grpSpPr>
+      <p:sp>
+        <p:nvSpPr>
+          <p:cNvPr id="2" name="Tytuł 1"/>
+          <p:cNvSpPr>
+            <a:spLocks noGrp="1"/>
+          </p:cNvSpPr>
+          <p:nvPr>
+            <p:ph type="title"/>
+          </p:nvPr>
+        </p:nvSpPr>
+        <p:spPr/>
+        <p:txBody>
+          <a:bodyPr/>
+          <a:lstStyle/>
+          <a:p>
             <a:r>
               <a:rPr lang="pl-PL" dirty="0" smtClean="0"/>
-              <a:t>MySQL</a:t>
+              <a:t>1. Instalacja MySQL</a:t>
             </a:r>
             <a:endParaRPr lang="pl-PL" dirty="0"/>
           </a:p>
@@ -10014,89 +10748,6 @@
 </p:sld>
 </file>
 
-<file path=ppt/slides/slide7.xml><?xml version="1.0" encoding="utf-8"?>
-<p:sld xmlns:a="http://schemas.openxmlformats.org/drawingml/2006/main" xmlns:r="http://schemas.openxmlformats.org/officeDocument/2006/relationships" xmlns:p="http://schemas.openxmlformats.org/presentationml/2006/main">
-  <p:cSld>
-    <p:spTree>
-      <p:nvGrpSpPr>
-        <p:cNvPr id="1" name=""/>
-        <p:cNvGrpSpPr/>
-        <p:nvPr/>
-      </p:nvGrpSpPr>
-      <p:grpSpPr>
-        <a:xfrm>
-          <a:off x="0" y="0"/>
-          <a:ext cx="0" cy="0"/>
-          <a:chOff x="0" y="0"/>
-          <a:chExt cx="0" cy="0"/>
-        </a:xfrm>
-      </p:grpSpPr>
-      <p:sp>
-        <p:nvSpPr>
-          <p:cNvPr id="2" name="Tytuł 1"/>
-          <p:cNvSpPr>
-            <a:spLocks noGrp="1"/>
-          </p:cNvSpPr>
-          <p:nvPr>
-            <p:ph type="title"/>
-          </p:nvPr>
-        </p:nvSpPr>
-        <p:spPr/>
-        <p:txBody>
-          <a:bodyPr/>
-          <a:lstStyle/>
-          <a:p>
-            <a:r>
-              <a:rPr lang="pl-PL" dirty="0" smtClean="0"/>
-              <a:t>Instalacja</a:t>
-            </a:r>
-            <a:endParaRPr lang="pl-PL" dirty="0"/>
-          </a:p>
-        </p:txBody>
-      </p:sp>
-      <p:sp>
-        <p:nvSpPr>
-          <p:cNvPr id="3" name="Symbol zastępczy zawartości 2"/>
-          <p:cNvSpPr>
-            <a:spLocks noGrp="1"/>
-          </p:cNvSpPr>
-          <p:nvPr>
-            <p:ph idx="1"/>
-          </p:nvPr>
-        </p:nvSpPr>
-        <p:spPr/>
-        <p:txBody>
-          <a:bodyPr/>
-          <a:lstStyle/>
-          <a:p>
-            <a:pPr marL="0" indent="0">
-              <a:buNone/>
-            </a:pPr>
-            <a:r>
-              <a:rPr lang="pl-PL" dirty="0" smtClean="0"/>
-              <a:t>Tu cos od Dawida </a:t>
-            </a:r>
-            <a:r>
-              <a:rPr lang="pl-PL" dirty="0" err="1" smtClean="0"/>
-              <a:t>bedzie</a:t>
-            </a:r>
-            <a:endParaRPr lang="pl-PL" dirty="0"/>
-          </a:p>
-        </p:txBody>
-      </p:sp>
-    </p:spTree>
-    <p:extLst>
-      <p:ext uri="{BB962C8B-B14F-4D97-AF65-F5344CB8AC3E}">
-        <p14:creationId xmlns:p14="http://schemas.microsoft.com/office/powerpoint/2010/main" val="3189730201"/>
-      </p:ext>
-    </p:extLst>
-  </p:cSld>
-  <p:clrMapOvr>
-    <a:masterClrMapping/>
-  </p:clrMapOvr>
-</p:sld>
-</file>
-
 <file path=ppt/slides/slide8.xml><?xml version="1.0" encoding="utf-8"?>
 <p:sld xmlns:a="http://schemas.openxmlformats.org/drawingml/2006/main" xmlns:r="http://schemas.openxmlformats.org/officeDocument/2006/relationships" xmlns:p="http://schemas.openxmlformats.org/presentationml/2006/main">
   <p:cSld>
@@ -10114,44 +10765,9 @@
           <a:chExt cx="0" cy="0"/>
         </a:xfrm>
       </p:grpSpPr>
-      <p:sp>
-        <p:nvSpPr>
-          <p:cNvPr id="2" name="Tytuł 1"/>
-          <p:cNvSpPr>
-            <a:spLocks noGrp="1"/>
-          </p:cNvSpPr>
-          <p:nvPr>
-            <p:ph type="title"/>
-          </p:nvPr>
-        </p:nvSpPr>
-        <p:spPr/>
-        <p:txBody>
-          <a:bodyPr/>
-          <a:lstStyle/>
-          <a:p>
-            <a:r>
-              <a:rPr lang="pl-PL" dirty="0" smtClean="0"/>
-              <a:t>2a. Uruchomienie – </a:t>
-            </a:r>
-            <a:r>
-              <a:rPr lang="pl-PL" dirty="0" err="1" smtClean="0"/>
-              <a:t>command</a:t>
-            </a:r>
-            <a:r>
-              <a:rPr lang="pl-PL" dirty="0" smtClean="0"/>
-              <a:t> </a:t>
-            </a:r>
-            <a:r>
-              <a:rPr lang="pl-PL" dirty="0" err="1" smtClean="0"/>
-              <a:t>line</a:t>
-            </a:r>
-            <a:endParaRPr lang="pl-PL" dirty="0"/>
-          </a:p>
-        </p:txBody>
-      </p:sp>
       <p:pic>
         <p:nvPicPr>
-          <p:cNvPr id="2050" name="Picture 2"/>
+          <p:cNvPr id="1027" name="Picture 3"/>
           <p:cNvPicPr>
             <a:picLocks noChangeAspect="1" noChangeArrowheads="1"/>
           </p:cNvPicPr>
@@ -10172,8 +10788,8 @@
         </p:blipFill>
         <p:spPr bwMode="auto">
           <a:xfrm>
-            <a:off x="-1" y="1700808"/>
-            <a:ext cx="9143933" cy="4617839"/>
+            <a:off x="-9099" y="11177"/>
+            <a:ext cx="9153099" cy="6878967"/>
           </a:xfrm>
           <a:prstGeom prst="rect">
             <a:avLst/>
@@ -10216,7 +10832,7 @@
     </p:spTree>
     <p:extLst>
       <p:ext uri="{BB962C8B-B14F-4D97-AF65-F5344CB8AC3E}">
-        <p14:creationId xmlns:p14="http://schemas.microsoft.com/office/powerpoint/2010/main" val="705834278"/>
+        <p14:creationId xmlns:p14="http://schemas.microsoft.com/office/powerpoint/2010/main" val="3189730201"/>
       </p:ext>
     </p:extLst>
   </p:cSld>
@@ -10250,40 +10866,9 @@
           <a:chExt cx="0" cy="0"/>
         </a:xfrm>
       </p:grpSpPr>
-      <p:sp>
-        <p:nvSpPr>
-          <p:cNvPr id="2" name="Tytuł 1"/>
-          <p:cNvSpPr>
-            <a:spLocks noGrp="1"/>
-          </p:cNvSpPr>
-          <p:nvPr>
-            <p:ph type="title"/>
-          </p:nvPr>
-        </p:nvSpPr>
-        <p:spPr/>
-        <p:txBody>
-          <a:bodyPr/>
-          <a:lstStyle/>
-          <a:p>
-            <a:r>
-              <a:rPr lang="pl-PL" dirty="0" smtClean="0"/>
-              <a:t>2b. Uruchomienie - </a:t>
-            </a:r>
-            <a:r>
-              <a:rPr lang="pl-PL" dirty="0"/>
-              <a:t>W</a:t>
-            </a:r>
-            <a:r>
-              <a:rPr lang="pl-PL" dirty="0" smtClean="0"/>
-              <a:t>orkbench</a:t>
-            </a:r>
-            <a:endParaRPr lang="pl-PL" dirty="0"/>
-          </a:p>
-        </p:txBody>
-      </p:sp>
       <p:pic>
         <p:nvPicPr>
-          <p:cNvPr id="2051" name="Picture 3"/>
+          <p:cNvPr id="2050" name="Picture 2"/>
           <p:cNvPicPr>
             <a:picLocks noChangeAspect="1" noChangeArrowheads="1"/>
           </p:cNvPicPr>
@@ -10304,8 +10889,8 @@
         </p:blipFill>
         <p:spPr bwMode="auto">
           <a:xfrm>
-            <a:off x="0" y="1413944"/>
-            <a:ext cx="9144000" cy="4924568"/>
+            <a:off x="0" y="10943"/>
+            <a:ext cx="9144000" cy="6872129"/>
           </a:xfrm>
           <a:prstGeom prst="rect">
             <a:avLst/>
@@ -10348,7 +10933,7 @@
     </p:spTree>
     <p:extLst>
       <p:ext uri="{BB962C8B-B14F-4D97-AF65-F5344CB8AC3E}">
-        <p14:creationId xmlns:p14="http://schemas.microsoft.com/office/powerpoint/2010/main" val="935810797"/>
+        <p14:creationId xmlns:p14="http://schemas.microsoft.com/office/powerpoint/2010/main" val="4141144613"/>
       </p:ext>
     </p:extLst>
   </p:cSld>
